--- a/design.pptx
+++ b/design.pptx
@@ -9,6 +9,8 @@
     <p:sldId id="257" r:id="rId3"/>
     <p:sldId id="258" r:id="rId4"/>
     <p:sldId id="259" r:id="rId5"/>
+    <p:sldId id="260" r:id="rId6"/>
+    <p:sldId id="261" r:id="rId7"/>
   </p:sldIdLst>
   <p:sldSz cx="9144000" cy="6858000" type="screen4x3"/>
   <p:notesSz cx="6858000" cy="9144000"/>
@@ -307,7 +309,7 @@
           <a:p>
             <a:fld id="{F13F1855-5749-4CE7-8869-7B9A02C9C351}" type="datetimeFigureOut">
               <a:rPr lang="pt-BR" smtClean="0"/>
-              <a:t>26/09/2019</a:t>
+              <a:t>10/10/2019</a:t>
             </a:fld>
             <a:endParaRPr lang="pt-BR"/>
           </a:p>
@@ -477,7 +479,7 @@
           <a:p>
             <a:fld id="{F13F1855-5749-4CE7-8869-7B9A02C9C351}" type="datetimeFigureOut">
               <a:rPr lang="pt-BR" smtClean="0"/>
-              <a:t>26/09/2019</a:t>
+              <a:t>10/10/2019</a:t>
             </a:fld>
             <a:endParaRPr lang="pt-BR"/>
           </a:p>
@@ -657,7 +659,7 @@
           <a:p>
             <a:fld id="{F13F1855-5749-4CE7-8869-7B9A02C9C351}" type="datetimeFigureOut">
               <a:rPr lang="pt-BR" smtClean="0"/>
-              <a:t>26/09/2019</a:t>
+              <a:t>10/10/2019</a:t>
             </a:fld>
             <a:endParaRPr lang="pt-BR"/>
           </a:p>
@@ -827,7 +829,7 @@
           <a:p>
             <a:fld id="{F13F1855-5749-4CE7-8869-7B9A02C9C351}" type="datetimeFigureOut">
               <a:rPr lang="pt-BR" smtClean="0"/>
-              <a:t>26/09/2019</a:t>
+              <a:t>10/10/2019</a:t>
             </a:fld>
             <a:endParaRPr lang="pt-BR"/>
           </a:p>
@@ -1073,7 +1075,7 @@
           <a:p>
             <a:fld id="{F13F1855-5749-4CE7-8869-7B9A02C9C351}" type="datetimeFigureOut">
               <a:rPr lang="pt-BR" smtClean="0"/>
-              <a:t>26/09/2019</a:t>
+              <a:t>10/10/2019</a:t>
             </a:fld>
             <a:endParaRPr lang="pt-BR"/>
           </a:p>
@@ -1361,7 +1363,7 @@
           <a:p>
             <a:fld id="{F13F1855-5749-4CE7-8869-7B9A02C9C351}" type="datetimeFigureOut">
               <a:rPr lang="pt-BR" smtClean="0"/>
-              <a:t>26/09/2019</a:t>
+              <a:t>10/10/2019</a:t>
             </a:fld>
             <a:endParaRPr lang="pt-BR"/>
           </a:p>
@@ -1783,7 +1785,7 @@
           <a:p>
             <a:fld id="{F13F1855-5749-4CE7-8869-7B9A02C9C351}" type="datetimeFigureOut">
               <a:rPr lang="pt-BR" smtClean="0"/>
-              <a:t>26/09/2019</a:t>
+              <a:t>10/10/2019</a:t>
             </a:fld>
             <a:endParaRPr lang="pt-BR"/>
           </a:p>
@@ -1901,7 +1903,7 @@
           <a:p>
             <a:fld id="{F13F1855-5749-4CE7-8869-7B9A02C9C351}" type="datetimeFigureOut">
               <a:rPr lang="pt-BR" smtClean="0"/>
-              <a:t>26/09/2019</a:t>
+              <a:t>10/10/2019</a:t>
             </a:fld>
             <a:endParaRPr lang="pt-BR"/>
           </a:p>
@@ -1996,7 +1998,7 @@
           <a:p>
             <a:fld id="{F13F1855-5749-4CE7-8869-7B9A02C9C351}" type="datetimeFigureOut">
               <a:rPr lang="pt-BR" smtClean="0"/>
-              <a:t>26/09/2019</a:t>
+              <a:t>10/10/2019</a:t>
             </a:fld>
             <a:endParaRPr lang="pt-BR"/>
           </a:p>
@@ -2273,7 +2275,7 @@
           <a:p>
             <a:fld id="{F13F1855-5749-4CE7-8869-7B9A02C9C351}" type="datetimeFigureOut">
               <a:rPr lang="pt-BR" smtClean="0"/>
-              <a:t>26/09/2019</a:t>
+              <a:t>10/10/2019</a:t>
             </a:fld>
             <a:endParaRPr lang="pt-BR"/>
           </a:p>
@@ -2526,7 +2528,7 @@
           <a:p>
             <a:fld id="{F13F1855-5749-4CE7-8869-7B9A02C9C351}" type="datetimeFigureOut">
               <a:rPr lang="pt-BR" smtClean="0"/>
-              <a:t>26/09/2019</a:t>
+              <a:t>10/10/2019</a:t>
             </a:fld>
             <a:endParaRPr lang="pt-BR"/>
           </a:p>
@@ -2739,7 +2741,7 @@
           <a:p>
             <a:fld id="{F13F1855-5749-4CE7-8869-7B9A02C9C351}" type="datetimeFigureOut">
               <a:rPr lang="pt-BR" smtClean="0"/>
-              <a:t>26/09/2019</a:t>
+              <a:t>10/10/2019</a:t>
             </a:fld>
             <a:endParaRPr lang="pt-BR"/>
           </a:p>
@@ -3155,7 +3157,7 @@
         </p:nvGrpSpPr>
         <p:grpSpPr>
           <a:xfrm>
-            <a:off x="8591394" y="4106476"/>
+            <a:off x="8634916" y="21766"/>
             <a:ext cx="509084" cy="559063"/>
             <a:chOff x="6871228" y="3681281"/>
             <a:chExt cx="509084" cy="559063"/>
@@ -10308,6 +10310,1329 @@
 </p:sld>
 </file>
 
+<file path=ppt/slides/slide5.xml><?xml version="1.0" encoding="utf-8"?>
+<p:sld xmlns:a="http://schemas.openxmlformats.org/drawingml/2006/main" xmlns:r="http://schemas.openxmlformats.org/officeDocument/2006/relationships" xmlns:p="http://schemas.openxmlformats.org/presentationml/2006/main">
+  <p:cSld>
+    <p:bg>
+      <p:bgPr>
+        <a:solidFill>
+          <a:schemeClr val="tx1"/>
+        </a:solidFill>
+        <a:effectLst/>
+      </p:bgPr>
+    </p:bg>
+    <p:spTree>
+      <p:nvGrpSpPr>
+        <p:cNvPr id="1" name=""/>
+        <p:cNvGrpSpPr/>
+        <p:nvPr/>
+      </p:nvGrpSpPr>
+      <p:grpSpPr>
+        <a:xfrm>
+          <a:off x="0" y="0"/>
+          <a:ext cx="0" cy="0"/>
+          <a:chOff x="0" y="0"/>
+          <a:chExt cx="0" cy="0"/>
+        </a:xfrm>
+      </p:grpSpPr>
+      <p:pic>
+        <p:nvPicPr>
+          <p:cNvPr id="2" name="Picture 7"/>
+          <p:cNvPicPr>
+            <a:picLocks noChangeAspect="1" noChangeArrowheads="1"/>
+          </p:cNvPicPr>
+          <p:nvPr/>
+        </p:nvPicPr>
+        <p:blipFill>
+          <a:blip r:embed="rId2">
+            <a:extLst>
+              <a:ext uri="{28A0092B-C50C-407E-A947-70E740481C1C}">
+                <a14:useLocalDpi xmlns:a14="http://schemas.microsoft.com/office/drawing/2010/main" val="0"/>
+              </a:ext>
+            </a:extLst>
+          </a:blip>
+          <a:srcRect/>
+          <a:stretch>
+            <a:fillRect/>
+          </a:stretch>
+        </p:blipFill>
+        <p:spPr bwMode="auto">
+          <a:xfrm>
+            <a:off x="497483" y="962453"/>
+            <a:ext cx="3527623" cy="5681775"/>
+          </a:xfrm>
+          <a:prstGeom prst="rect">
+            <a:avLst/>
+          </a:prstGeom>
+          <a:noFill/>
+          <a:ln>
+            <a:noFill/>
+          </a:ln>
+          <a:extLst>
+            <a:ext uri="{909E8E84-426E-40DD-AFC4-6F175D3DCCD1}">
+              <a14:hiddenFill xmlns:a14="http://schemas.microsoft.com/office/drawing/2010/main">
+                <a:solidFill>
+                  <a:schemeClr val="accent1"/>
+                </a:solidFill>
+              </a14:hiddenFill>
+            </a:ext>
+            <a:ext uri="{91240B29-F687-4F45-9708-019B960494DF}">
+              <a14:hiddenLine xmlns:a14="http://schemas.microsoft.com/office/drawing/2010/main" w="9525">
+                <a:solidFill>
+                  <a:schemeClr val="tx1"/>
+                </a:solidFill>
+                <a:miter lim="800000"/>
+                <a:headEnd/>
+                <a:tailEnd/>
+              </a14:hiddenLine>
+            </a:ext>
+          </a:extLst>
+        </p:spPr>
+      </p:pic>
+      <p:grpSp>
+        <p:nvGrpSpPr>
+          <p:cNvPr id="41" name="Grupo 40"/>
+          <p:cNvGrpSpPr/>
+          <p:nvPr/>
+        </p:nvGrpSpPr>
+        <p:grpSpPr>
+          <a:xfrm>
+            <a:off x="5025934" y="960219"/>
+            <a:ext cx="3537269" cy="5681776"/>
+            <a:chOff x="5025934" y="960219"/>
+            <a:chExt cx="3537269" cy="5681776"/>
+          </a:xfrm>
+        </p:grpSpPr>
+        <p:sp>
+          <p:nvSpPr>
+            <p:cNvPr id="6" name="Retângulo 5"/>
+            <p:cNvSpPr/>
+            <p:nvPr/>
+          </p:nvSpPr>
+          <p:spPr>
+            <a:xfrm>
+              <a:off x="5026136" y="960219"/>
+              <a:ext cx="3527623" cy="5681775"/>
+            </a:xfrm>
+            <a:prstGeom prst="rect">
+              <a:avLst/>
+            </a:prstGeom>
+            <a:solidFill>
+              <a:schemeClr val="bg1"/>
+            </a:solidFill>
+            <a:ln>
+              <a:noFill/>
+            </a:ln>
+          </p:spPr>
+          <p:style>
+            <a:lnRef idx="2">
+              <a:schemeClr val="accent1">
+                <a:shade val="50000"/>
+              </a:schemeClr>
+            </a:lnRef>
+            <a:fillRef idx="1">
+              <a:schemeClr val="accent1"/>
+            </a:fillRef>
+            <a:effectRef idx="0">
+              <a:schemeClr val="accent1"/>
+            </a:effectRef>
+            <a:fontRef idx="minor">
+              <a:schemeClr val="lt1"/>
+            </a:fontRef>
+          </p:style>
+          <p:txBody>
+            <a:bodyPr rtlCol="0" anchor="ctr"/>
+            <a:lstStyle/>
+            <a:p>
+              <a:pPr algn="ctr"/>
+              <a:endParaRPr lang="pt-BR"/>
+            </a:p>
+          </p:txBody>
+        </p:sp>
+        <p:sp>
+          <p:nvSpPr>
+            <p:cNvPr id="4" name="Forma livre 3"/>
+            <p:cNvSpPr/>
+            <p:nvPr/>
+          </p:nvSpPr>
+          <p:spPr>
+            <a:xfrm>
+              <a:off x="7344339" y="964780"/>
+              <a:ext cx="1218864" cy="1559264"/>
+            </a:xfrm>
+            <a:custGeom>
+              <a:avLst/>
+              <a:gdLst/>
+              <a:ahLst/>
+              <a:cxnLst/>
+              <a:rect l="l" t="t" r="r" b="b"/>
+              <a:pathLst>
+                <a:path w="1218864" h="1559264">
+                  <a:moveTo>
+                    <a:pt x="50040" y="0"/>
+                  </a:moveTo>
+                  <a:lnTo>
+                    <a:pt x="1218864" y="0"/>
+                  </a:lnTo>
+                  <a:lnTo>
+                    <a:pt x="1218864" y="1559264"/>
+                  </a:lnTo>
+                  <a:cubicBezTo>
+                    <a:pt x="1180994" y="1558772"/>
+                    <a:pt x="1101494" y="1542526"/>
+                    <a:pt x="1049808" y="1437276"/>
+                  </a:cubicBezTo>
+                  <a:cubicBezTo>
+                    <a:pt x="979958" y="1295036"/>
+                    <a:pt x="957098" y="834026"/>
+                    <a:pt x="821208" y="705756"/>
+                  </a:cubicBezTo>
+                  <a:cubicBezTo>
+                    <a:pt x="685318" y="577486"/>
+                    <a:pt x="361468" y="787036"/>
+                    <a:pt x="234468" y="667656"/>
+                  </a:cubicBezTo>
+                  <a:cubicBezTo>
+                    <a:pt x="110241" y="550882"/>
+                    <a:pt x="-95402" y="146118"/>
+                    <a:pt x="50040" y="0"/>
+                  </a:cubicBezTo>
+                  <a:close/>
+                </a:path>
+              </a:pathLst>
+            </a:custGeom>
+            <a:solidFill>
+              <a:srgbClr val="05ACF7"/>
+            </a:solidFill>
+            <a:ln>
+              <a:noFill/>
+            </a:ln>
+          </p:spPr>
+          <p:style>
+            <a:lnRef idx="2">
+              <a:schemeClr val="accent1">
+                <a:shade val="50000"/>
+              </a:schemeClr>
+            </a:lnRef>
+            <a:fillRef idx="1">
+              <a:schemeClr val="accent1"/>
+            </a:fillRef>
+            <a:effectRef idx="0">
+              <a:schemeClr val="accent1"/>
+            </a:effectRef>
+            <a:fontRef idx="minor">
+              <a:schemeClr val="lt1"/>
+            </a:fontRef>
+          </p:style>
+          <p:txBody>
+            <a:bodyPr rtlCol="0" anchor="ctr"/>
+            <a:lstStyle/>
+            <a:p>
+              <a:pPr algn="ctr"/>
+              <a:endParaRPr lang="pt-BR"/>
+            </a:p>
+          </p:txBody>
+        </p:sp>
+        <p:sp>
+          <p:nvSpPr>
+            <p:cNvPr id="9" name="Forma livre 8"/>
+            <p:cNvSpPr/>
+            <p:nvPr/>
+          </p:nvSpPr>
+          <p:spPr>
+            <a:xfrm>
+              <a:off x="5025934" y="964780"/>
+              <a:ext cx="808034" cy="1538185"/>
+            </a:xfrm>
+            <a:custGeom>
+              <a:avLst/>
+              <a:gdLst/>
+              <a:ahLst/>
+              <a:cxnLst/>
+              <a:rect l="l" t="t" r="r" b="b"/>
+              <a:pathLst>
+                <a:path w="808034" h="1538185">
+                  <a:moveTo>
+                    <a:pt x="0" y="0"/>
+                  </a:moveTo>
+                  <a:lnTo>
+                    <a:pt x="174567" y="0"/>
+                  </a:lnTo>
+                  <a:cubicBezTo>
+                    <a:pt x="414857" y="65054"/>
+                    <a:pt x="827891" y="231242"/>
+                    <a:pt x="807292" y="471065"/>
+                  </a:cubicBezTo>
+                  <a:cubicBezTo>
+                    <a:pt x="785438" y="725506"/>
+                    <a:pt x="232501" y="1563217"/>
+                    <a:pt x="0" y="1537611"/>
+                  </a:cubicBezTo>
+                  <a:close/>
+                </a:path>
+              </a:pathLst>
+            </a:custGeom>
+            <a:solidFill>
+              <a:srgbClr val="05C46B"/>
+            </a:solidFill>
+            <a:ln>
+              <a:noFill/>
+            </a:ln>
+          </p:spPr>
+          <p:style>
+            <a:lnRef idx="2">
+              <a:schemeClr val="accent1">
+                <a:shade val="50000"/>
+              </a:schemeClr>
+            </a:lnRef>
+            <a:fillRef idx="1">
+              <a:schemeClr val="accent1"/>
+            </a:fillRef>
+            <a:effectRef idx="0">
+              <a:schemeClr val="accent1"/>
+            </a:effectRef>
+            <a:fontRef idx="minor">
+              <a:schemeClr val="lt1"/>
+            </a:fontRef>
+          </p:style>
+          <p:txBody>
+            <a:bodyPr rtlCol="0" anchor="ctr"/>
+            <a:lstStyle/>
+            <a:p>
+              <a:pPr algn="ctr"/>
+              <a:endParaRPr lang="pt-BR"/>
+            </a:p>
+          </p:txBody>
+        </p:sp>
+        <p:sp>
+          <p:nvSpPr>
+            <p:cNvPr id="14" name="Forma livre 13"/>
+            <p:cNvSpPr/>
+            <p:nvPr/>
+          </p:nvSpPr>
+          <p:spPr>
+            <a:xfrm>
+              <a:off x="7193938" y="5496338"/>
+              <a:ext cx="1360670" cy="1145657"/>
+            </a:xfrm>
+            <a:custGeom>
+              <a:avLst/>
+              <a:gdLst/>
+              <a:ahLst/>
+              <a:cxnLst/>
+              <a:rect l="l" t="t" r="r" b="b"/>
+              <a:pathLst>
+                <a:path w="1360670" h="1145657">
+                  <a:moveTo>
+                    <a:pt x="1243017" y="0"/>
+                  </a:moveTo>
+                  <a:lnTo>
+                    <a:pt x="1360670" y="6902"/>
+                  </a:lnTo>
+                  <a:lnTo>
+                    <a:pt x="1360670" y="1145657"/>
+                  </a:lnTo>
+                  <a:lnTo>
+                    <a:pt x="0" y="1145657"/>
+                  </a:lnTo>
+                  <a:cubicBezTo>
+                    <a:pt x="2931" y="1137647"/>
+                    <a:pt x="6985" y="1129746"/>
+                    <a:pt x="11295" y="1121513"/>
+                  </a:cubicBezTo>
+                  <a:cubicBezTo>
+                    <a:pt x="127381" y="899760"/>
+                    <a:pt x="643908" y="23627"/>
+                    <a:pt x="1243017" y="0"/>
+                  </a:cubicBezTo>
+                  <a:close/>
+                </a:path>
+              </a:pathLst>
+            </a:custGeom>
+            <a:solidFill>
+              <a:srgbClr val="05C46B"/>
+            </a:solidFill>
+            <a:ln>
+              <a:noFill/>
+            </a:ln>
+          </p:spPr>
+          <p:style>
+            <a:lnRef idx="2">
+              <a:schemeClr val="accent1">
+                <a:shade val="50000"/>
+              </a:schemeClr>
+            </a:lnRef>
+            <a:fillRef idx="1">
+              <a:schemeClr val="accent1"/>
+            </a:fillRef>
+            <a:effectRef idx="0">
+              <a:schemeClr val="accent1"/>
+            </a:effectRef>
+            <a:fontRef idx="minor">
+              <a:schemeClr val="lt1"/>
+            </a:fontRef>
+          </p:style>
+          <p:txBody>
+            <a:bodyPr rtlCol="0" anchor="ctr"/>
+            <a:lstStyle/>
+            <a:p>
+              <a:pPr algn="ctr"/>
+              <a:endParaRPr lang="pt-BR"/>
+            </a:p>
+          </p:txBody>
+        </p:sp>
+        <p:sp>
+          <p:nvSpPr>
+            <p:cNvPr id="27" name="Elipse 26"/>
+            <p:cNvSpPr/>
+            <p:nvPr/>
+          </p:nvSpPr>
+          <p:spPr>
+            <a:xfrm>
+              <a:off x="5435262" y="2412241"/>
+              <a:ext cx="349200" cy="348178"/>
+            </a:xfrm>
+            <a:prstGeom prst="ellipse">
+              <a:avLst/>
+            </a:prstGeom>
+            <a:solidFill>
+              <a:srgbClr val="05ACF7"/>
+            </a:solidFill>
+            <a:ln>
+              <a:noFill/>
+            </a:ln>
+          </p:spPr>
+          <p:style>
+            <a:lnRef idx="2">
+              <a:schemeClr val="accent1">
+                <a:shade val="50000"/>
+              </a:schemeClr>
+            </a:lnRef>
+            <a:fillRef idx="1">
+              <a:schemeClr val="accent1"/>
+            </a:fillRef>
+            <a:effectRef idx="0">
+              <a:schemeClr val="accent1"/>
+            </a:effectRef>
+            <a:fontRef idx="minor">
+              <a:schemeClr val="lt1"/>
+            </a:fontRef>
+          </p:style>
+          <p:txBody>
+            <a:bodyPr rtlCol="0" anchor="ctr"/>
+            <a:lstStyle/>
+            <a:p>
+              <a:pPr algn="ctr"/>
+              <a:endParaRPr lang="pt-BR"/>
+            </a:p>
+          </p:txBody>
+        </p:sp>
+        <p:sp>
+          <p:nvSpPr>
+            <p:cNvPr id="28" name="Elipse 27"/>
+            <p:cNvSpPr/>
+            <p:nvPr/>
+          </p:nvSpPr>
+          <p:spPr>
+            <a:xfrm>
+              <a:off x="7756743" y="5138432"/>
+              <a:ext cx="349200" cy="348178"/>
+            </a:xfrm>
+            <a:prstGeom prst="ellipse">
+              <a:avLst/>
+            </a:prstGeom>
+            <a:solidFill>
+              <a:srgbClr val="05ACF7"/>
+            </a:solidFill>
+            <a:ln>
+              <a:noFill/>
+            </a:ln>
+          </p:spPr>
+          <p:style>
+            <a:lnRef idx="2">
+              <a:schemeClr val="accent1">
+                <a:shade val="50000"/>
+              </a:schemeClr>
+            </a:lnRef>
+            <a:fillRef idx="1">
+              <a:schemeClr val="accent1"/>
+            </a:fillRef>
+            <a:effectRef idx="0">
+              <a:schemeClr val="accent1"/>
+            </a:effectRef>
+            <a:fontRef idx="minor">
+              <a:schemeClr val="lt1"/>
+            </a:fontRef>
+          </p:style>
+          <p:txBody>
+            <a:bodyPr rtlCol="0" anchor="ctr"/>
+            <a:lstStyle/>
+            <a:p>
+              <a:pPr algn="ctr"/>
+              <a:endParaRPr lang="pt-BR"/>
+            </a:p>
+          </p:txBody>
+        </p:sp>
+        <p:sp>
+          <p:nvSpPr>
+            <p:cNvPr id="29" name="Elipse 28"/>
+            <p:cNvSpPr/>
+            <p:nvPr/>
+          </p:nvSpPr>
+          <p:spPr>
+            <a:xfrm>
+              <a:off x="8105943" y="4776643"/>
+              <a:ext cx="180000" cy="180000"/>
+            </a:xfrm>
+            <a:prstGeom prst="ellipse">
+              <a:avLst/>
+            </a:prstGeom>
+            <a:solidFill>
+              <a:srgbClr val="05C46B"/>
+            </a:solidFill>
+            <a:ln>
+              <a:noFill/>
+            </a:ln>
+          </p:spPr>
+          <p:style>
+            <a:lnRef idx="2">
+              <a:schemeClr val="accent1">
+                <a:shade val="50000"/>
+              </a:schemeClr>
+            </a:lnRef>
+            <a:fillRef idx="1">
+              <a:schemeClr val="accent1"/>
+            </a:fillRef>
+            <a:effectRef idx="0">
+              <a:schemeClr val="accent1"/>
+            </a:effectRef>
+            <a:fontRef idx="minor">
+              <a:schemeClr val="lt1"/>
+            </a:fontRef>
+          </p:style>
+          <p:txBody>
+            <a:bodyPr rtlCol="0" anchor="ctr"/>
+            <a:lstStyle/>
+            <a:p>
+              <a:pPr algn="ctr"/>
+              <a:endParaRPr lang="pt-BR"/>
+            </a:p>
+          </p:txBody>
+        </p:sp>
+        <p:sp>
+          <p:nvSpPr>
+            <p:cNvPr id="30" name="Elipse 29"/>
+            <p:cNvSpPr/>
+            <p:nvPr/>
+          </p:nvSpPr>
+          <p:spPr>
+            <a:xfrm>
+              <a:off x="5163498" y="2850419"/>
+              <a:ext cx="180000" cy="180000"/>
+            </a:xfrm>
+            <a:prstGeom prst="ellipse">
+              <a:avLst/>
+            </a:prstGeom>
+            <a:solidFill>
+              <a:srgbClr val="05C46B"/>
+            </a:solidFill>
+            <a:ln>
+              <a:noFill/>
+            </a:ln>
+          </p:spPr>
+          <p:style>
+            <a:lnRef idx="2">
+              <a:schemeClr val="accent1">
+                <a:shade val="50000"/>
+              </a:schemeClr>
+            </a:lnRef>
+            <a:fillRef idx="1">
+              <a:schemeClr val="accent1"/>
+            </a:fillRef>
+            <a:effectRef idx="0">
+              <a:schemeClr val="accent1"/>
+            </a:effectRef>
+            <a:fontRef idx="minor">
+              <a:schemeClr val="lt1"/>
+            </a:fontRef>
+          </p:style>
+          <p:txBody>
+            <a:bodyPr rtlCol="0" anchor="ctr"/>
+            <a:lstStyle/>
+            <a:p>
+              <a:pPr algn="ctr"/>
+              <a:endParaRPr lang="pt-BR"/>
+            </a:p>
+          </p:txBody>
+        </p:sp>
+        <p:sp>
+          <p:nvSpPr>
+            <p:cNvPr id="31" name="Forma livre 30"/>
+            <p:cNvSpPr/>
+            <p:nvPr/>
+          </p:nvSpPr>
+          <p:spPr>
+            <a:xfrm>
+              <a:off x="5025934" y="5487972"/>
+              <a:ext cx="1302880" cy="1154023"/>
+            </a:xfrm>
+            <a:custGeom>
+              <a:avLst/>
+              <a:gdLst/>
+              <a:ahLst/>
+              <a:cxnLst/>
+              <a:rect l="l" t="t" r="r" b="b"/>
+              <a:pathLst>
+                <a:path w="1302880" h="1154023">
+                  <a:moveTo>
+                    <a:pt x="268534" y="273"/>
+                  </a:moveTo>
+                  <a:cubicBezTo>
+                    <a:pt x="552101" y="-5979"/>
+                    <a:pt x="894605" y="96416"/>
+                    <a:pt x="1054942" y="186903"/>
+                  </a:cubicBezTo>
+                  <a:cubicBezTo>
+                    <a:pt x="1268725" y="307553"/>
+                    <a:pt x="1298359" y="567903"/>
+                    <a:pt x="1296242" y="771103"/>
+                  </a:cubicBezTo>
+                  <a:cubicBezTo>
+                    <a:pt x="1295187" y="872381"/>
+                    <a:pt x="1314113" y="1024136"/>
+                    <a:pt x="1292395" y="1154023"/>
+                  </a:cubicBezTo>
+                  <a:lnTo>
+                    <a:pt x="0" y="1154023"/>
+                  </a:lnTo>
+                  <a:lnTo>
+                    <a:pt x="0" y="53712"/>
+                  </a:lnTo>
+                  <a:cubicBezTo>
+                    <a:pt x="4438" y="51127"/>
+                    <a:pt x="9026" y="49115"/>
+                    <a:pt x="13542" y="47203"/>
+                  </a:cubicBezTo>
+                  <a:cubicBezTo>
+                    <a:pt x="86038" y="16511"/>
+                    <a:pt x="174012" y="2356"/>
+                    <a:pt x="268534" y="273"/>
+                  </a:cubicBezTo>
+                  <a:close/>
+                </a:path>
+              </a:pathLst>
+            </a:custGeom>
+            <a:solidFill>
+              <a:srgbClr val="05ACF7"/>
+            </a:solidFill>
+            <a:ln>
+              <a:noFill/>
+            </a:ln>
+          </p:spPr>
+          <p:style>
+            <a:lnRef idx="2">
+              <a:schemeClr val="accent1">
+                <a:shade val="50000"/>
+              </a:schemeClr>
+            </a:lnRef>
+            <a:fillRef idx="1">
+              <a:schemeClr val="accent1"/>
+            </a:fillRef>
+            <a:effectRef idx="0">
+              <a:schemeClr val="accent1"/>
+            </a:effectRef>
+            <a:fontRef idx="minor">
+              <a:schemeClr val="lt1"/>
+            </a:fontRef>
+          </p:style>
+          <p:txBody>
+            <a:bodyPr rtlCol="0" anchor="ctr"/>
+            <a:lstStyle/>
+            <a:p>
+              <a:pPr algn="ctr"/>
+              <a:endParaRPr lang="pt-BR"/>
+            </a:p>
+          </p:txBody>
+        </p:sp>
+      </p:grpSp>
+      <p:pic>
+        <p:nvPicPr>
+          <p:cNvPr id="21" name="Google Shape;242;p5"/>
+          <p:cNvPicPr preferRelativeResize="0"/>
+          <p:nvPr/>
+        </p:nvPicPr>
+        <p:blipFill rotWithShape="1">
+          <a:blip r:embed="rId3">
+            <a:alphaModFix/>
+          </a:blip>
+          <a:srcRect l="39283" t="28880" r="41349" b="23633"/>
+          <a:stretch/>
+        </p:blipFill>
+        <p:spPr>
+          <a:xfrm>
+            <a:off x="6016722" y="2842885"/>
+            <a:ext cx="1546449" cy="1920915"/>
+          </a:xfrm>
+          <a:prstGeom prst="rect">
+            <a:avLst/>
+          </a:prstGeom>
+          <a:noFill/>
+          <a:ln>
+            <a:noFill/>
+          </a:ln>
+        </p:spPr>
+      </p:pic>
+      <p:grpSp>
+        <p:nvGrpSpPr>
+          <p:cNvPr id="37" name="Grupo 36"/>
+          <p:cNvGrpSpPr/>
+          <p:nvPr/>
+        </p:nvGrpSpPr>
+        <p:grpSpPr>
+          <a:xfrm>
+            <a:off x="1317698" y="2748658"/>
+            <a:ext cx="1887191" cy="1933380"/>
+            <a:chOff x="6069050" y="1253116"/>
+            <a:chExt cx="1457225" cy="1437214"/>
+          </a:xfrm>
+        </p:grpSpPr>
+        <p:sp>
+          <p:nvSpPr>
+            <p:cNvPr id="38" name="Elipse 37"/>
+            <p:cNvSpPr/>
+            <p:nvPr/>
+          </p:nvSpPr>
+          <p:spPr>
+            <a:xfrm>
+              <a:off x="6069050" y="1253116"/>
+              <a:ext cx="1457225" cy="1418231"/>
+            </a:xfrm>
+            <a:prstGeom prst="ellipse">
+              <a:avLst/>
+            </a:prstGeom>
+            <a:solidFill>
+              <a:schemeClr val="bg1">
+                <a:lumMod val="95000"/>
+              </a:schemeClr>
+            </a:solidFill>
+            <a:ln w="57150">
+              <a:solidFill>
+                <a:srgbClr val="05C46B"/>
+              </a:solidFill>
+            </a:ln>
+          </p:spPr>
+          <p:style>
+            <a:lnRef idx="2">
+              <a:schemeClr val="accent1">
+                <a:shade val="50000"/>
+              </a:schemeClr>
+            </a:lnRef>
+            <a:fillRef idx="1">
+              <a:schemeClr val="accent1"/>
+            </a:fillRef>
+            <a:effectRef idx="0">
+              <a:schemeClr val="accent1"/>
+            </a:effectRef>
+            <a:fontRef idx="minor">
+              <a:schemeClr val="lt1"/>
+            </a:fontRef>
+          </p:style>
+          <p:txBody>
+            <a:bodyPr rtlCol="0" anchor="ctr"/>
+            <a:lstStyle/>
+            <a:p>
+              <a:pPr algn="ctr"/>
+              <a:endParaRPr lang="pt-BR"/>
+            </a:p>
+          </p:txBody>
+        </p:sp>
+        <p:pic>
+          <p:nvPicPr>
+            <p:cNvPr id="39" name="Google Shape;242;p5"/>
+            <p:cNvPicPr preferRelativeResize="0"/>
+            <p:nvPr/>
+          </p:nvPicPr>
+          <p:blipFill rotWithShape="1">
+            <a:blip r:embed="rId3">
+              <a:alphaModFix/>
+            </a:blip>
+            <a:srcRect l="39283" t="28880" r="41349" b="23633"/>
+            <a:stretch/>
+          </p:blipFill>
+          <p:spPr>
+            <a:xfrm>
+              <a:off x="6294259" y="1491130"/>
+              <a:ext cx="1006809" cy="1199200"/>
+            </a:xfrm>
+            <a:prstGeom prst="rect">
+              <a:avLst/>
+            </a:prstGeom>
+            <a:noFill/>
+            <a:ln>
+              <a:noFill/>
+            </a:ln>
+          </p:spPr>
+        </p:pic>
+      </p:grpSp>
+    </p:spTree>
+    <p:extLst>
+      <p:ext uri="{BB962C8B-B14F-4D97-AF65-F5344CB8AC3E}">
+        <p14:creationId xmlns:p14="http://schemas.microsoft.com/office/powerpoint/2010/main" val="4288934005"/>
+      </p:ext>
+    </p:extLst>
+  </p:cSld>
+  <p:clrMapOvr>
+    <a:masterClrMapping/>
+  </p:clrMapOvr>
+  <p:timing>
+    <p:tnLst>
+      <p:par>
+        <p:cTn id="1" dur="indefinite" restart="never" nodeType="tmRoot"/>
+      </p:par>
+    </p:tnLst>
+  </p:timing>
+</p:sld>
+</file>
+
+<file path=ppt/slides/slide6.xml><?xml version="1.0" encoding="utf-8"?>
+<p:sld xmlns:a="http://schemas.openxmlformats.org/drawingml/2006/main" xmlns:r="http://schemas.openxmlformats.org/officeDocument/2006/relationships" xmlns:p="http://schemas.openxmlformats.org/presentationml/2006/main">
+  <p:cSld>
+    <p:bg>
+      <p:bgPr>
+        <a:solidFill>
+          <a:schemeClr val="tx1"/>
+        </a:solidFill>
+        <a:effectLst/>
+      </p:bgPr>
+    </p:bg>
+    <p:spTree>
+      <p:nvGrpSpPr>
+        <p:cNvPr id="1" name=""/>
+        <p:cNvGrpSpPr/>
+        <p:nvPr/>
+      </p:nvGrpSpPr>
+      <p:grpSpPr>
+        <a:xfrm>
+          <a:off x="0" y="0"/>
+          <a:ext cx="0" cy="0"/>
+          <a:chOff x="0" y="0"/>
+          <a:chExt cx="0" cy="0"/>
+        </a:xfrm>
+      </p:grpSpPr>
+      <p:sp>
+        <p:nvSpPr>
+          <p:cNvPr id="2" name="Retângulo 1"/>
+          <p:cNvSpPr/>
+          <p:nvPr/>
+        </p:nvSpPr>
+        <p:spPr>
+          <a:xfrm>
+            <a:off x="2915815" y="476671"/>
+            <a:ext cx="3527623" cy="5681775"/>
+          </a:xfrm>
+          <a:prstGeom prst="rect">
+            <a:avLst/>
+          </a:prstGeom>
+          <a:solidFill>
+            <a:schemeClr val="bg1"/>
+          </a:solidFill>
+          <a:ln>
+            <a:noFill/>
+          </a:ln>
+        </p:spPr>
+        <p:style>
+          <a:lnRef idx="2">
+            <a:schemeClr val="accent1">
+              <a:shade val="50000"/>
+            </a:schemeClr>
+          </a:lnRef>
+          <a:fillRef idx="1">
+            <a:schemeClr val="accent1"/>
+          </a:fillRef>
+          <a:effectRef idx="0">
+            <a:schemeClr val="accent1"/>
+          </a:effectRef>
+          <a:fontRef idx="minor">
+            <a:schemeClr val="lt1"/>
+          </a:fontRef>
+        </p:style>
+        <p:txBody>
+          <a:bodyPr rtlCol="0" anchor="ctr"/>
+          <a:lstStyle/>
+          <a:p>
+            <a:pPr algn="ctr"/>
+            <a:endParaRPr lang="pt-BR" b="1" dirty="0">
+              <a:solidFill>
+                <a:srgbClr val="E1B12C"/>
+              </a:solidFill>
+            </a:endParaRPr>
+          </a:p>
+        </p:txBody>
+      </p:sp>
+      <p:sp>
+        <p:nvSpPr>
+          <p:cNvPr id="10" name="Forma livre 9"/>
+          <p:cNvSpPr/>
+          <p:nvPr/>
+        </p:nvSpPr>
+        <p:spPr>
+          <a:xfrm>
+            <a:off x="5950416" y="2051563"/>
+            <a:ext cx="493025" cy="4106885"/>
+          </a:xfrm>
+          <a:custGeom>
+            <a:avLst/>
+            <a:gdLst/>
+            <a:ahLst/>
+            <a:cxnLst/>
+            <a:rect l="l" t="t" r="r" b="b"/>
+            <a:pathLst>
+              <a:path w="575295" h="4106885">
+                <a:moveTo>
+                  <a:pt x="526070" y="27"/>
+                </a:moveTo>
+                <a:cubicBezTo>
+                  <a:pt x="542981" y="-418"/>
+                  <a:pt x="559479" y="4476"/>
+                  <a:pt x="575295" y="15544"/>
+                </a:cubicBezTo>
+                <a:lnTo>
+                  <a:pt x="575295" y="4106885"/>
+                </a:lnTo>
+                <a:lnTo>
+                  <a:pt x="86750" y="4106885"/>
+                </a:lnTo>
+                <a:cubicBezTo>
+                  <a:pt x="-41083" y="3798242"/>
+                  <a:pt x="445127" y="3239060"/>
+                  <a:pt x="430902" y="2758563"/>
+                </a:cubicBezTo>
+                <a:cubicBezTo>
+                  <a:pt x="416615" y="2275963"/>
+                  <a:pt x="-35823" y="1650488"/>
+                  <a:pt x="2277" y="1215513"/>
+                </a:cubicBezTo>
+                <a:cubicBezTo>
+                  <a:pt x="33233" y="862096"/>
+                  <a:pt x="312566" y="5640"/>
+                  <a:pt x="526070" y="27"/>
+                </a:cubicBezTo>
+                <a:close/>
+              </a:path>
+            </a:pathLst>
+          </a:custGeom>
+          <a:solidFill>
+            <a:srgbClr val="05ACF7"/>
+          </a:solidFill>
+          <a:ln>
+            <a:noFill/>
+          </a:ln>
+        </p:spPr>
+        <p:style>
+          <a:lnRef idx="2">
+            <a:schemeClr val="accent1">
+              <a:shade val="50000"/>
+            </a:schemeClr>
+          </a:lnRef>
+          <a:fillRef idx="1">
+            <a:schemeClr val="accent1"/>
+          </a:fillRef>
+          <a:effectRef idx="0">
+            <a:schemeClr val="accent1"/>
+          </a:effectRef>
+          <a:fontRef idx="minor">
+            <a:schemeClr val="lt1"/>
+          </a:fontRef>
+        </p:style>
+        <p:txBody>
+          <a:bodyPr rtlCol="0" anchor="ctr"/>
+          <a:lstStyle/>
+          <a:p>
+            <a:pPr algn="ctr"/>
+            <a:endParaRPr lang="pt-BR"/>
+          </a:p>
+        </p:txBody>
+      </p:sp>
+      <p:sp>
+        <p:nvSpPr>
+          <p:cNvPr id="13" name="Forma livre 12"/>
+          <p:cNvSpPr/>
+          <p:nvPr/>
+        </p:nvSpPr>
+        <p:spPr>
+          <a:xfrm>
+            <a:off x="2915818" y="476673"/>
+            <a:ext cx="1154804" cy="1080119"/>
+          </a:xfrm>
+          <a:custGeom>
+            <a:avLst/>
+            <a:gdLst/>
+            <a:ahLst/>
+            <a:cxnLst/>
+            <a:rect l="l" t="t" r="r" b="b"/>
+            <a:pathLst>
+              <a:path w="1643125" h="1452913">
+                <a:moveTo>
+                  <a:pt x="0" y="0"/>
+                </a:moveTo>
+                <a:lnTo>
+                  <a:pt x="1641805" y="0"/>
+                </a:lnTo>
+                <a:cubicBezTo>
+                  <a:pt x="1651338" y="70500"/>
+                  <a:pt x="1607934" y="154503"/>
+                  <a:pt x="1554584" y="234528"/>
+                </a:cubicBezTo>
+                <a:cubicBezTo>
+                  <a:pt x="1444517" y="399628"/>
+                  <a:pt x="987317" y="632461"/>
+                  <a:pt x="729084" y="831428"/>
+                </a:cubicBezTo>
+                <a:cubicBezTo>
+                  <a:pt x="470851" y="1030395"/>
+                  <a:pt x="210501" y="1574378"/>
+                  <a:pt x="5184" y="1428328"/>
+                </a:cubicBezTo>
+                <a:lnTo>
+                  <a:pt x="0" y="1423726"/>
+                </a:lnTo>
+                <a:close/>
+              </a:path>
+            </a:pathLst>
+          </a:custGeom>
+          <a:solidFill>
+            <a:srgbClr val="05C46B"/>
+          </a:solidFill>
+          <a:ln>
+            <a:noFill/>
+          </a:ln>
+        </p:spPr>
+        <p:style>
+          <a:lnRef idx="2">
+            <a:schemeClr val="accent1">
+              <a:shade val="50000"/>
+            </a:schemeClr>
+          </a:lnRef>
+          <a:fillRef idx="1">
+            <a:schemeClr val="accent1"/>
+          </a:fillRef>
+          <a:effectRef idx="0">
+            <a:schemeClr val="accent1"/>
+          </a:effectRef>
+          <a:fontRef idx="minor">
+            <a:schemeClr val="lt1"/>
+          </a:fontRef>
+        </p:style>
+        <p:txBody>
+          <a:bodyPr rtlCol="0" anchor="ctr"/>
+          <a:lstStyle/>
+          <a:p>
+            <a:pPr algn="ctr"/>
+            <a:endParaRPr lang="pt-BR"/>
+          </a:p>
+        </p:txBody>
+      </p:sp>
+      <p:sp>
+        <p:nvSpPr>
+          <p:cNvPr id="16" name="Forma livre 15"/>
+          <p:cNvSpPr/>
+          <p:nvPr/>
+        </p:nvSpPr>
+        <p:spPr>
+          <a:xfrm>
+            <a:off x="2915817" y="5013176"/>
+            <a:ext cx="761064" cy="1145272"/>
+          </a:xfrm>
+          <a:custGeom>
+            <a:avLst/>
+            <a:gdLst/>
+            <a:ahLst/>
+            <a:cxnLst/>
+            <a:rect l="l" t="t" r="r" b="b"/>
+            <a:pathLst>
+              <a:path w="1154804" h="1423971">
+                <a:moveTo>
+                  <a:pt x="27799" y="361"/>
+                </a:moveTo>
+                <a:cubicBezTo>
+                  <a:pt x="288758" y="-12165"/>
+                  <a:pt x="643662" y="303074"/>
+                  <a:pt x="829465" y="538981"/>
+                </a:cubicBezTo>
+                <a:cubicBezTo>
+                  <a:pt x="1015268" y="774888"/>
+                  <a:pt x="1205246" y="1175720"/>
+                  <a:pt x="1142616" y="1415802"/>
+                </a:cubicBezTo>
+                <a:lnTo>
+                  <a:pt x="1139739" y="1423971"/>
+                </a:lnTo>
+                <a:lnTo>
+                  <a:pt x="0" y="1423971"/>
+                </a:lnTo>
+                <a:lnTo>
+                  <a:pt x="0" y="4469"/>
+                </a:lnTo>
+                <a:cubicBezTo>
+                  <a:pt x="9475" y="1527"/>
+                  <a:pt x="18822" y="792"/>
+                  <a:pt x="27799" y="361"/>
+                </a:cubicBezTo>
+                <a:close/>
+              </a:path>
+            </a:pathLst>
+          </a:custGeom>
+          <a:solidFill>
+            <a:srgbClr val="05C46B"/>
+          </a:solidFill>
+          <a:ln>
+            <a:noFill/>
+          </a:ln>
+        </p:spPr>
+        <p:style>
+          <a:lnRef idx="2">
+            <a:schemeClr val="accent1">
+              <a:shade val="50000"/>
+            </a:schemeClr>
+          </a:lnRef>
+          <a:fillRef idx="1">
+            <a:schemeClr val="accent1"/>
+          </a:fillRef>
+          <a:effectRef idx="0">
+            <a:schemeClr val="accent1"/>
+          </a:effectRef>
+          <a:fontRef idx="minor">
+            <a:schemeClr val="lt1"/>
+          </a:fontRef>
+        </p:style>
+        <p:txBody>
+          <a:bodyPr rtlCol="0" anchor="ctr"/>
+          <a:lstStyle/>
+          <a:p>
+            <a:pPr algn="ctr"/>
+            <a:endParaRPr lang="pt-BR"/>
+          </a:p>
+        </p:txBody>
+      </p:sp>
+      <p:sp>
+        <p:nvSpPr>
+          <p:cNvPr id="6" name="Elipse 5"/>
+          <p:cNvSpPr/>
+          <p:nvPr/>
+        </p:nvSpPr>
+        <p:spPr>
+          <a:xfrm>
+            <a:off x="5950416" y="668554"/>
+            <a:ext cx="349200" cy="348178"/>
+          </a:xfrm>
+          <a:prstGeom prst="ellipse">
+            <a:avLst/>
+          </a:prstGeom>
+          <a:solidFill>
+            <a:srgbClr val="05ACF7"/>
+          </a:solidFill>
+          <a:ln>
+            <a:noFill/>
+          </a:ln>
+        </p:spPr>
+        <p:style>
+          <a:lnRef idx="2">
+            <a:schemeClr val="accent1">
+              <a:shade val="50000"/>
+            </a:schemeClr>
+          </a:lnRef>
+          <a:fillRef idx="1">
+            <a:schemeClr val="accent1"/>
+          </a:fillRef>
+          <a:effectRef idx="0">
+            <a:schemeClr val="accent1"/>
+          </a:effectRef>
+          <a:fontRef idx="minor">
+            <a:schemeClr val="lt1"/>
+          </a:fontRef>
+        </p:style>
+        <p:txBody>
+          <a:bodyPr rtlCol="0" anchor="ctr"/>
+          <a:lstStyle/>
+          <a:p>
+            <a:pPr algn="ctr"/>
+            <a:endParaRPr lang="pt-BR"/>
+          </a:p>
+        </p:txBody>
+      </p:sp>
+      <p:sp>
+        <p:nvSpPr>
+          <p:cNvPr id="7" name="Elipse 6"/>
+          <p:cNvSpPr/>
+          <p:nvPr/>
+        </p:nvSpPr>
+        <p:spPr>
+          <a:xfrm>
+            <a:off x="5678652" y="1106732"/>
+            <a:ext cx="180000" cy="180000"/>
+          </a:xfrm>
+          <a:prstGeom prst="ellipse">
+            <a:avLst/>
+          </a:prstGeom>
+          <a:solidFill>
+            <a:srgbClr val="05C46B"/>
+          </a:solidFill>
+          <a:ln>
+            <a:noFill/>
+          </a:ln>
+        </p:spPr>
+        <p:style>
+          <a:lnRef idx="2">
+            <a:schemeClr val="accent1">
+              <a:shade val="50000"/>
+            </a:schemeClr>
+          </a:lnRef>
+          <a:fillRef idx="1">
+            <a:schemeClr val="accent1"/>
+          </a:fillRef>
+          <a:effectRef idx="0">
+            <a:schemeClr val="accent1"/>
+          </a:effectRef>
+          <a:fontRef idx="minor">
+            <a:schemeClr val="lt1"/>
+          </a:fontRef>
+        </p:style>
+        <p:txBody>
+          <a:bodyPr rtlCol="0" anchor="ctr"/>
+          <a:lstStyle/>
+          <a:p>
+            <a:pPr algn="ctr"/>
+            <a:endParaRPr lang="pt-BR"/>
+          </a:p>
+        </p:txBody>
+      </p:sp>
+      <p:grpSp>
+        <p:nvGrpSpPr>
+          <p:cNvPr id="3" name="Grupo 2"/>
+          <p:cNvGrpSpPr/>
+          <p:nvPr/>
+        </p:nvGrpSpPr>
+        <p:grpSpPr>
+          <a:xfrm rot="9338616" flipV="1">
+            <a:off x="3100416" y="4562324"/>
+            <a:ext cx="597264" cy="561211"/>
+            <a:chOff x="4807133" y="5056041"/>
+            <a:chExt cx="620453" cy="618689"/>
+          </a:xfrm>
+        </p:grpSpPr>
+        <p:sp>
+          <p:nvSpPr>
+            <p:cNvPr id="8" name="Elipse 7"/>
+            <p:cNvSpPr/>
+            <p:nvPr/>
+          </p:nvSpPr>
+          <p:spPr>
+            <a:xfrm rot="17160000" flipV="1">
+              <a:off x="5078897" y="5056552"/>
+              <a:ext cx="349200" cy="348178"/>
+            </a:xfrm>
+            <a:prstGeom prst="ellipse">
+              <a:avLst/>
+            </a:prstGeom>
+            <a:solidFill>
+              <a:srgbClr val="05ACF7"/>
+            </a:solidFill>
+            <a:ln>
+              <a:noFill/>
+            </a:ln>
+          </p:spPr>
+          <p:style>
+            <a:lnRef idx="2">
+              <a:schemeClr val="accent1">
+                <a:shade val="50000"/>
+              </a:schemeClr>
+            </a:lnRef>
+            <a:fillRef idx="1">
+              <a:schemeClr val="accent1"/>
+            </a:fillRef>
+            <a:effectRef idx="0">
+              <a:schemeClr val="accent1"/>
+            </a:effectRef>
+            <a:fontRef idx="minor">
+              <a:schemeClr val="lt1"/>
+            </a:fontRef>
+          </p:style>
+          <p:txBody>
+            <a:bodyPr rtlCol="0" anchor="ctr"/>
+            <a:lstStyle/>
+            <a:p>
+              <a:pPr algn="ctr"/>
+              <a:endParaRPr lang="pt-BR"/>
+            </a:p>
+          </p:txBody>
+        </p:sp>
+        <p:sp>
+          <p:nvSpPr>
+            <p:cNvPr id="9" name="Elipse 8"/>
+            <p:cNvSpPr/>
+            <p:nvPr/>
+          </p:nvSpPr>
+          <p:spPr>
+            <a:xfrm rot="17160000" flipV="1">
+              <a:off x="4807133" y="5494730"/>
+              <a:ext cx="180000" cy="180000"/>
+            </a:xfrm>
+            <a:prstGeom prst="ellipse">
+              <a:avLst/>
+            </a:prstGeom>
+            <a:solidFill>
+              <a:srgbClr val="05C46B"/>
+            </a:solidFill>
+            <a:ln>
+              <a:noFill/>
+            </a:ln>
+          </p:spPr>
+          <p:style>
+            <a:lnRef idx="2">
+              <a:schemeClr val="accent1">
+                <a:shade val="50000"/>
+              </a:schemeClr>
+            </a:lnRef>
+            <a:fillRef idx="1">
+              <a:schemeClr val="accent1"/>
+            </a:fillRef>
+            <a:effectRef idx="0">
+              <a:schemeClr val="accent1"/>
+            </a:effectRef>
+            <a:fontRef idx="minor">
+              <a:schemeClr val="lt1"/>
+            </a:fontRef>
+          </p:style>
+          <p:txBody>
+            <a:bodyPr rtlCol="0" anchor="ctr"/>
+            <a:lstStyle/>
+            <a:p>
+              <a:pPr algn="ctr"/>
+              <a:endParaRPr lang="pt-BR"/>
+            </a:p>
+          </p:txBody>
+        </p:sp>
+      </p:grpSp>
+    </p:spTree>
+    <p:extLst>
+      <p:ext uri="{BB962C8B-B14F-4D97-AF65-F5344CB8AC3E}">
+        <p14:creationId xmlns:p14="http://schemas.microsoft.com/office/powerpoint/2010/main" val="1978996705"/>
+      </p:ext>
+    </p:extLst>
+  </p:cSld>
+  <p:clrMapOvr>
+    <a:masterClrMapping/>
+  </p:clrMapOvr>
+  <p:timing>
+    <p:tnLst>
+      <p:par>
+        <p:cTn id="1" dur="indefinite" restart="never" nodeType="tmRoot"/>
+      </p:par>
+    </p:tnLst>
+  </p:timing>
+</p:sld>
+</file>
+
 <file path=ppt/theme/theme1.xml><?xml version="1.0" encoding="utf-8"?>
 <a:theme xmlns:a="http://schemas.openxmlformats.org/drawingml/2006/main" name="Tema do Office">
   <a:themeElements>

--- a/design.pptx
+++ b/design.pptx
@@ -111,7 +111,7 @@
   </p:defaultTextStyle>
   <p:extLst>
     <p:ext uri="{EFAFB233-063F-42B5-8137-9DF3F51BA10A}">
-      <p15:sldGuideLst xmlns="" xmlns:p15="http://schemas.microsoft.com/office/powerpoint/2012/main">
+      <p15:sldGuideLst xmlns:p15="http://schemas.microsoft.com/office/powerpoint/2012/main" xmlns="">
         <p15:guide id="1" orient="horz" pos="2160">
           <p15:clr>
             <a:srgbClr val="A4A3A4"/>
@@ -3139,12 +3139,8 @@
           <a:lstStyle/>
           <a:p>
             <a:r>
-              <a:rPr lang="pt-BR" dirty="0" err="1" smtClean="0"/>
-              <a:t>Login</a:t>
-            </a:r>
-            <a:r>
               <a:rPr lang="pt-BR" dirty="0" smtClean="0"/>
-              <a:t>:</a:t>
+              <a:t>Login:</a:t>
             </a:r>
           </a:p>
         </p:txBody>
@@ -11613,6 +11609,310 @@
           </p:txBody>
         </p:sp>
       </p:grpSp>
+      <p:sp>
+        <p:nvSpPr>
+          <p:cNvPr id="4" name="CaixaDeTexto 3"/>
+          <p:cNvSpPr txBox="1"/>
+          <p:nvPr/>
+        </p:nvSpPr>
+        <p:spPr>
+          <a:xfrm>
+            <a:off x="3555347" y="1556792"/>
+            <a:ext cx="779381" cy="369332"/>
+          </a:xfrm>
+          <a:prstGeom prst="rect">
+            <a:avLst/>
+          </a:prstGeom>
+          <a:noFill/>
+        </p:spPr>
+        <p:txBody>
+          <a:bodyPr wrap="none" rtlCol="0">
+            <a:spAutoFit/>
+          </a:bodyPr>
+          <a:lstStyle/>
+          <a:p>
+            <a:r>
+              <a:rPr lang="pt-BR" b="1" dirty="0" smtClean="0">
+                <a:solidFill>
+                  <a:schemeClr val="tx1">
+                    <a:lumMod val="75000"/>
+                    <a:lumOff val="25000"/>
+                  </a:schemeClr>
+                </a:solidFill>
+                <a:latin typeface="Century Gothic" panose="020B0502020202020204" pitchFamily="34" charset="0"/>
+                <a:cs typeface="Arial" panose="020B0604020202020204" pitchFamily="34" charset="0"/>
+              </a:rPr>
+              <a:t>Login</a:t>
+            </a:r>
+            <a:endParaRPr lang="pt-BR" b="1" dirty="0">
+              <a:solidFill>
+                <a:schemeClr val="tx1">
+                  <a:lumMod val="75000"/>
+                  <a:lumOff val="25000"/>
+                </a:schemeClr>
+              </a:solidFill>
+              <a:latin typeface="Century Gothic" panose="020B0502020202020204" pitchFamily="34" charset="0"/>
+              <a:cs typeface="Arial" panose="020B0604020202020204" pitchFamily="34" charset="0"/>
+            </a:endParaRPr>
+          </a:p>
+        </p:txBody>
+      </p:sp>
+      <p:sp>
+        <p:nvSpPr>
+          <p:cNvPr id="5" name="CaixaDeTexto 4"/>
+          <p:cNvSpPr txBox="1"/>
+          <p:nvPr/>
+        </p:nvSpPr>
+        <p:spPr>
+          <a:xfrm>
+            <a:off x="4979013" y="1558806"/>
+            <a:ext cx="1438214" cy="369332"/>
+          </a:xfrm>
+          <a:prstGeom prst="rect">
+            <a:avLst/>
+          </a:prstGeom>
+          <a:noFill/>
+        </p:spPr>
+        <p:txBody>
+          <a:bodyPr wrap="none" rtlCol="0">
+            <a:spAutoFit/>
+          </a:bodyPr>
+          <a:lstStyle/>
+          <a:p>
+            <a:r>
+              <a:rPr lang="pt-BR" b="1" dirty="0" smtClean="0">
+                <a:solidFill>
+                  <a:schemeClr val="tx1">
+                    <a:lumMod val="75000"/>
+                    <a:lumOff val="25000"/>
+                  </a:schemeClr>
+                </a:solidFill>
+                <a:latin typeface="Century Gothic" panose="020B0502020202020204" pitchFamily="34" charset="0"/>
+              </a:rPr>
+              <a:t>Criar conta</a:t>
+            </a:r>
+            <a:endParaRPr lang="pt-BR" b="1" dirty="0">
+              <a:solidFill>
+                <a:schemeClr val="tx1">
+                  <a:lumMod val="75000"/>
+                  <a:lumOff val="25000"/>
+                </a:schemeClr>
+              </a:solidFill>
+              <a:latin typeface="Century Gothic" panose="020B0502020202020204" pitchFamily="34" charset="0"/>
+            </a:endParaRPr>
+          </a:p>
+        </p:txBody>
+      </p:sp>
+      <p:cxnSp>
+        <p:nvCxnSpPr>
+          <p:cNvPr id="14" name="Conector reto 13"/>
+          <p:cNvCxnSpPr/>
+          <p:nvPr/>
+        </p:nvCxnSpPr>
+        <p:spPr>
+          <a:xfrm>
+            <a:off x="3161109" y="2720480"/>
+            <a:ext cx="2636571" cy="0"/>
+          </a:xfrm>
+          <a:prstGeom prst="line">
+            <a:avLst/>
+          </a:prstGeom>
+          <a:ln w="25400" cmpd="sng">
+            <a:solidFill>
+              <a:schemeClr val="bg1">
+                <a:lumMod val="65000"/>
+              </a:schemeClr>
+            </a:solidFill>
+          </a:ln>
+        </p:spPr>
+        <p:style>
+          <a:lnRef idx="1">
+            <a:schemeClr val="accent1"/>
+          </a:lnRef>
+          <a:fillRef idx="0">
+            <a:schemeClr val="accent1"/>
+          </a:fillRef>
+          <a:effectRef idx="0">
+            <a:schemeClr val="accent1"/>
+          </a:effectRef>
+          <a:fontRef idx="minor">
+            <a:schemeClr val="tx1"/>
+          </a:fontRef>
+        </p:style>
+      </p:cxnSp>
+      <p:cxnSp>
+        <p:nvCxnSpPr>
+          <p:cNvPr id="19" name="Conector reto 18"/>
+          <p:cNvCxnSpPr/>
+          <p:nvPr/>
+        </p:nvCxnSpPr>
+        <p:spPr>
+          <a:xfrm>
+            <a:off x="3161109" y="3429000"/>
+            <a:ext cx="2636571" cy="0"/>
+          </a:xfrm>
+          <a:prstGeom prst="line">
+            <a:avLst/>
+          </a:prstGeom>
+          <a:ln w="25400" cmpd="sng">
+            <a:solidFill>
+              <a:schemeClr val="bg1">
+                <a:lumMod val="65000"/>
+              </a:schemeClr>
+            </a:solidFill>
+          </a:ln>
+        </p:spPr>
+        <p:style>
+          <a:lnRef idx="1">
+            <a:schemeClr val="accent1"/>
+          </a:lnRef>
+          <a:fillRef idx="0">
+            <a:schemeClr val="accent1"/>
+          </a:fillRef>
+          <a:effectRef idx="0">
+            <a:schemeClr val="accent1"/>
+          </a:effectRef>
+          <a:fontRef idx="minor">
+            <a:schemeClr val="tx1"/>
+          </a:fontRef>
+        </p:style>
+      </p:cxnSp>
+      <p:sp>
+        <p:nvSpPr>
+          <p:cNvPr id="21" name="CaixaDeTexto 20"/>
+          <p:cNvSpPr txBox="1"/>
+          <p:nvPr/>
+        </p:nvSpPr>
+        <p:spPr>
+          <a:xfrm>
+            <a:off x="3130978" y="2381926"/>
+            <a:ext cx="1577676" cy="338554"/>
+          </a:xfrm>
+          <a:prstGeom prst="rect">
+            <a:avLst/>
+          </a:prstGeom>
+          <a:noFill/>
+        </p:spPr>
+        <p:txBody>
+          <a:bodyPr wrap="none" rtlCol="0">
+            <a:spAutoFit/>
+          </a:bodyPr>
+          <a:lstStyle/>
+          <a:p>
+            <a:r>
+              <a:rPr lang="pt-BR" sz="1600" b="1" i="1" dirty="0" smtClean="0">
+                <a:solidFill>
+                  <a:schemeClr val="bg1">
+                    <a:lumMod val="75000"/>
+                  </a:schemeClr>
+                </a:solidFill>
+                <a:latin typeface="Century Gothic" panose="020B0502020202020204" pitchFamily="34" charset="0"/>
+              </a:rPr>
+              <a:t>Nome Usuário</a:t>
+            </a:r>
+            <a:endParaRPr lang="pt-BR" sz="1600" b="1" i="1" dirty="0">
+              <a:solidFill>
+                <a:schemeClr val="bg1">
+                  <a:lumMod val="75000"/>
+                </a:schemeClr>
+              </a:solidFill>
+              <a:latin typeface="Century Gothic" panose="020B0502020202020204" pitchFamily="34" charset="0"/>
+            </a:endParaRPr>
+          </a:p>
+        </p:txBody>
+      </p:sp>
+      <p:sp>
+        <p:nvSpPr>
+          <p:cNvPr id="22" name="CaixaDeTexto 21"/>
+          <p:cNvSpPr txBox="1"/>
+          <p:nvPr/>
+        </p:nvSpPr>
+        <p:spPr>
+          <a:xfrm>
+            <a:off x="3113185" y="3090446"/>
+            <a:ext cx="806631" cy="338554"/>
+          </a:xfrm>
+          <a:prstGeom prst="rect">
+            <a:avLst/>
+          </a:prstGeom>
+          <a:noFill/>
+        </p:spPr>
+        <p:txBody>
+          <a:bodyPr wrap="none" rtlCol="0">
+            <a:spAutoFit/>
+          </a:bodyPr>
+          <a:lstStyle/>
+          <a:p>
+            <a:r>
+              <a:rPr lang="pt-BR" sz="1600" b="1" i="1" dirty="0" smtClean="0">
+                <a:solidFill>
+                  <a:schemeClr val="bg1">
+                    <a:lumMod val="75000"/>
+                  </a:schemeClr>
+                </a:solidFill>
+                <a:latin typeface="Century Gothic" panose="020B0502020202020204" pitchFamily="34" charset="0"/>
+              </a:rPr>
+              <a:t>Senha</a:t>
+            </a:r>
+            <a:endParaRPr lang="pt-BR" sz="1600" b="1" i="1" dirty="0">
+              <a:solidFill>
+                <a:schemeClr val="bg1">
+                  <a:lumMod val="75000"/>
+                </a:schemeClr>
+              </a:solidFill>
+              <a:latin typeface="Century Gothic" panose="020B0502020202020204" pitchFamily="34" charset="0"/>
+            </a:endParaRPr>
+          </a:p>
+        </p:txBody>
+      </p:sp>
+      <p:sp>
+        <p:nvSpPr>
+          <p:cNvPr id="24" name="Retângulo de cantos arredondados 23"/>
+          <p:cNvSpPr/>
+          <p:nvPr/>
+        </p:nvSpPr>
+        <p:spPr>
+          <a:xfrm>
+            <a:off x="3619430" y="3859603"/>
+            <a:ext cx="1936891" cy="432049"/>
+          </a:xfrm>
+          <a:prstGeom prst="roundRect">
+            <a:avLst>
+              <a:gd name="adj" fmla="val 50000"/>
+            </a:avLst>
+          </a:prstGeom>
+          <a:solidFill>
+            <a:srgbClr val="05ACF7"/>
+          </a:solidFill>
+          <a:ln>
+            <a:noFill/>
+          </a:ln>
+        </p:spPr>
+        <p:style>
+          <a:lnRef idx="2">
+            <a:schemeClr val="accent1">
+              <a:shade val="50000"/>
+            </a:schemeClr>
+          </a:lnRef>
+          <a:fillRef idx="1">
+            <a:schemeClr val="accent1"/>
+          </a:fillRef>
+          <a:effectRef idx="0">
+            <a:schemeClr val="accent1"/>
+          </a:effectRef>
+          <a:fontRef idx="minor">
+            <a:schemeClr val="lt1"/>
+          </a:fontRef>
+        </p:style>
+        <p:txBody>
+          <a:bodyPr rtlCol="0" anchor="ctr"/>
+          <a:lstStyle/>
+          <a:p>
+            <a:pPr algn="ctr"/>
+            <a:endParaRPr lang="pt-BR"/>
+          </a:p>
+        </p:txBody>
+      </p:sp>
     </p:spTree>
     <p:extLst>
       <p:ext uri="{BB962C8B-B14F-4D97-AF65-F5344CB8AC3E}">

--- a/design.pptx
+++ b/design.pptx
@@ -11,6 +11,12 @@
     <p:sldId id="259" r:id="rId5"/>
     <p:sldId id="260" r:id="rId6"/>
     <p:sldId id="261" r:id="rId7"/>
+    <p:sldId id="262" r:id="rId8"/>
+    <p:sldId id="263" r:id="rId9"/>
+    <p:sldId id="264" r:id="rId10"/>
+    <p:sldId id="265" r:id="rId11"/>
+    <p:sldId id="267" r:id="rId12"/>
+    <p:sldId id="266" r:id="rId13"/>
   </p:sldIdLst>
   <p:sldSz cx="9144000" cy="6858000" type="screen4x3"/>
   <p:notesSz cx="6858000" cy="9144000"/>
@@ -111,7 +117,7 @@
   </p:defaultTextStyle>
   <p:extLst>
     <p:ext uri="{EFAFB233-063F-42B5-8137-9DF3F51BA10A}">
-      <p15:sldGuideLst xmlns:p15="http://schemas.microsoft.com/office/powerpoint/2012/main" xmlns="">
+      <p15:sldGuideLst xmlns="" xmlns:p15="http://schemas.microsoft.com/office/powerpoint/2012/main">
         <p15:guide id="1" orient="horz" pos="2160">
           <p15:clr>
             <a:srgbClr val="A4A3A4"/>
@@ -309,7 +315,7 @@
           <a:p>
             <a:fld id="{F13F1855-5749-4CE7-8869-7B9A02C9C351}" type="datetimeFigureOut">
               <a:rPr lang="pt-BR" smtClean="0"/>
-              <a:t>10/10/2019</a:t>
+              <a:t>11/10/2019</a:t>
             </a:fld>
             <a:endParaRPr lang="pt-BR"/>
           </a:p>
@@ -479,7 +485,7 @@
           <a:p>
             <a:fld id="{F13F1855-5749-4CE7-8869-7B9A02C9C351}" type="datetimeFigureOut">
               <a:rPr lang="pt-BR" smtClean="0"/>
-              <a:t>10/10/2019</a:t>
+              <a:t>11/10/2019</a:t>
             </a:fld>
             <a:endParaRPr lang="pt-BR"/>
           </a:p>
@@ -659,7 +665,7 @@
           <a:p>
             <a:fld id="{F13F1855-5749-4CE7-8869-7B9A02C9C351}" type="datetimeFigureOut">
               <a:rPr lang="pt-BR" smtClean="0"/>
-              <a:t>10/10/2019</a:t>
+              <a:t>11/10/2019</a:t>
             </a:fld>
             <a:endParaRPr lang="pt-BR"/>
           </a:p>
@@ -829,7 +835,7 @@
           <a:p>
             <a:fld id="{F13F1855-5749-4CE7-8869-7B9A02C9C351}" type="datetimeFigureOut">
               <a:rPr lang="pt-BR" smtClean="0"/>
-              <a:t>10/10/2019</a:t>
+              <a:t>11/10/2019</a:t>
             </a:fld>
             <a:endParaRPr lang="pt-BR"/>
           </a:p>
@@ -1075,7 +1081,7 @@
           <a:p>
             <a:fld id="{F13F1855-5749-4CE7-8869-7B9A02C9C351}" type="datetimeFigureOut">
               <a:rPr lang="pt-BR" smtClean="0"/>
-              <a:t>10/10/2019</a:t>
+              <a:t>11/10/2019</a:t>
             </a:fld>
             <a:endParaRPr lang="pt-BR"/>
           </a:p>
@@ -1363,7 +1369,7 @@
           <a:p>
             <a:fld id="{F13F1855-5749-4CE7-8869-7B9A02C9C351}" type="datetimeFigureOut">
               <a:rPr lang="pt-BR" smtClean="0"/>
-              <a:t>10/10/2019</a:t>
+              <a:t>11/10/2019</a:t>
             </a:fld>
             <a:endParaRPr lang="pt-BR"/>
           </a:p>
@@ -1785,7 +1791,7 @@
           <a:p>
             <a:fld id="{F13F1855-5749-4CE7-8869-7B9A02C9C351}" type="datetimeFigureOut">
               <a:rPr lang="pt-BR" smtClean="0"/>
-              <a:t>10/10/2019</a:t>
+              <a:t>11/10/2019</a:t>
             </a:fld>
             <a:endParaRPr lang="pt-BR"/>
           </a:p>
@@ -1903,7 +1909,7 @@
           <a:p>
             <a:fld id="{F13F1855-5749-4CE7-8869-7B9A02C9C351}" type="datetimeFigureOut">
               <a:rPr lang="pt-BR" smtClean="0"/>
-              <a:t>10/10/2019</a:t>
+              <a:t>11/10/2019</a:t>
             </a:fld>
             <a:endParaRPr lang="pt-BR"/>
           </a:p>
@@ -1998,7 +2004,7 @@
           <a:p>
             <a:fld id="{F13F1855-5749-4CE7-8869-7B9A02C9C351}" type="datetimeFigureOut">
               <a:rPr lang="pt-BR" smtClean="0"/>
-              <a:t>10/10/2019</a:t>
+              <a:t>11/10/2019</a:t>
             </a:fld>
             <a:endParaRPr lang="pt-BR"/>
           </a:p>
@@ -2275,7 +2281,7 @@
           <a:p>
             <a:fld id="{F13F1855-5749-4CE7-8869-7B9A02C9C351}" type="datetimeFigureOut">
               <a:rPr lang="pt-BR" smtClean="0"/>
-              <a:t>10/10/2019</a:t>
+              <a:t>11/10/2019</a:t>
             </a:fld>
             <a:endParaRPr lang="pt-BR"/>
           </a:p>
@@ -2528,7 +2534,7 @@
           <a:p>
             <a:fld id="{F13F1855-5749-4CE7-8869-7B9A02C9C351}" type="datetimeFigureOut">
               <a:rPr lang="pt-BR" smtClean="0"/>
-              <a:t>10/10/2019</a:t>
+              <a:t>11/10/2019</a:t>
             </a:fld>
             <a:endParaRPr lang="pt-BR"/>
           </a:p>
@@ -2593,9 +2599,14 @@
 <p:sldMaster xmlns:a="http://schemas.openxmlformats.org/drawingml/2006/main" xmlns:r="http://schemas.openxmlformats.org/officeDocument/2006/relationships" xmlns:p="http://schemas.openxmlformats.org/presentationml/2006/main">
   <p:cSld>
     <p:bg>
-      <p:bgRef idx="1001">
-        <a:schemeClr val="bg1"/>
-      </p:bgRef>
+      <p:bgPr>
+        <a:solidFill>
+          <a:schemeClr val="bg1">
+            <a:lumMod val="95000"/>
+          </a:schemeClr>
+        </a:solidFill>
+        <a:effectLst/>
+      </p:bgPr>
     </p:bg>
     <p:spTree>
       <p:nvGrpSpPr>
@@ -2741,7 +2752,7 @@
           <a:p>
             <a:fld id="{F13F1855-5749-4CE7-8869-7B9A02C9C351}" type="datetimeFigureOut">
               <a:rPr lang="pt-BR" smtClean="0"/>
-              <a:t>10/10/2019</a:t>
+              <a:t>11/10/2019</a:t>
             </a:fld>
             <a:endParaRPr lang="pt-BR"/>
           </a:p>
@@ -5320,6 +5331,2774 @@
       </p:par>
     </p:tnLst>
   </p:timing>
+</p:sld>
+</file>
+
+<file path=ppt/slides/slide10.xml><?xml version="1.0" encoding="utf-8"?>
+<p:sld xmlns:a="http://schemas.openxmlformats.org/drawingml/2006/main" xmlns:r="http://schemas.openxmlformats.org/officeDocument/2006/relationships" xmlns:p="http://schemas.openxmlformats.org/presentationml/2006/main">
+  <p:cSld>
+    <p:spTree>
+      <p:nvGrpSpPr>
+        <p:cNvPr id="1" name=""/>
+        <p:cNvGrpSpPr/>
+        <p:nvPr/>
+      </p:nvGrpSpPr>
+      <p:grpSpPr>
+        <a:xfrm>
+          <a:off x="0" y="0"/>
+          <a:ext cx="0" cy="0"/>
+          <a:chOff x="0" y="0"/>
+          <a:chExt cx="0" cy="0"/>
+        </a:xfrm>
+      </p:grpSpPr>
+      <p:grpSp>
+        <p:nvGrpSpPr>
+          <p:cNvPr id="8" name="Grupo 7"/>
+          <p:cNvGrpSpPr/>
+          <p:nvPr/>
+        </p:nvGrpSpPr>
+        <p:grpSpPr>
+          <a:xfrm>
+            <a:off x="4785717" y="405408"/>
+            <a:ext cx="3524250" cy="5686425"/>
+            <a:chOff x="4788024" y="554931"/>
+            <a:chExt cx="3524250" cy="5686425"/>
+          </a:xfrm>
+        </p:grpSpPr>
+        <p:pic>
+          <p:nvPicPr>
+            <p:cNvPr id="3074" name="Picture 2"/>
+            <p:cNvPicPr>
+              <a:picLocks noChangeAspect="1" noChangeArrowheads="1"/>
+            </p:cNvPicPr>
+            <p:nvPr/>
+          </p:nvPicPr>
+          <p:blipFill>
+            <a:blip r:embed="rId2">
+              <a:extLst>
+                <a:ext uri="{28A0092B-C50C-407E-A947-70E740481C1C}">
+                  <a14:useLocalDpi xmlns:a14="http://schemas.microsoft.com/office/drawing/2010/main" val="0"/>
+                </a:ext>
+              </a:extLst>
+            </a:blip>
+            <a:srcRect/>
+            <a:stretch>
+              <a:fillRect/>
+            </a:stretch>
+          </p:blipFill>
+          <p:spPr bwMode="auto">
+            <a:xfrm>
+              <a:off x="4788024" y="554931"/>
+              <a:ext cx="3524250" cy="5686425"/>
+            </a:xfrm>
+            <a:prstGeom prst="rect">
+              <a:avLst/>
+            </a:prstGeom>
+            <a:noFill/>
+            <a:ln>
+              <a:noFill/>
+            </a:ln>
+            <a:extLst>
+              <a:ext uri="{909E8E84-426E-40DD-AFC4-6F175D3DCCD1}">
+                <a14:hiddenFill xmlns:a14="http://schemas.microsoft.com/office/drawing/2010/main">
+                  <a:solidFill>
+                    <a:schemeClr val="accent1"/>
+                  </a:solidFill>
+                </a14:hiddenFill>
+              </a:ext>
+              <a:ext uri="{91240B29-F687-4F45-9708-019B960494DF}">
+                <a14:hiddenLine xmlns:a14="http://schemas.microsoft.com/office/drawing/2010/main" w="9525">
+                  <a:solidFill>
+                    <a:schemeClr val="tx1"/>
+                  </a:solidFill>
+                  <a:miter lim="800000"/>
+                  <a:headEnd/>
+                  <a:tailEnd/>
+                </a14:hiddenLine>
+              </a:ext>
+            </a:extLst>
+          </p:spPr>
+        </p:pic>
+        <p:sp>
+          <p:nvSpPr>
+            <p:cNvPr id="3" name="Forma livre 2"/>
+            <p:cNvSpPr/>
+            <p:nvPr/>
+          </p:nvSpPr>
+          <p:spPr>
+            <a:xfrm>
+              <a:off x="4788024" y="563712"/>
+              <a:ext cx="1872208" cy="1722685"/>
+            </a:xfrm>
+            <a:custGeom>
+              <a:avLst/>
+              <a:gdLst/>
+              <a:ahLst/>
+              <a:cxnLst/>
+              <a:rect l="l" t="t" r="r" b="b"/>
+              <a:pathLst>
+                <a:path w="1643125" h="1452913">
+                  <a:moveTo>
+                    <a:pt x="0" y="0"/>
+                  </a:moveTo>
+                  <a:lnTo>
+                    <a:pt x="1641805" y="0"/>
+                  </a:lnTo>
+                  <a:cubicBezTo>
+                    <a:pt x="1651338" y="70500"/>
+                    <a:pt x="1607934" y="154503"/>
+                    <a:pt x="1554584" y="234528"/>
+                  </a:cubicBezTo>
+                  <a:cubicBezTo>
+                    <a:pt x="1444517" y="399628"/>
+                    <a:pt x="987317" y="632461"/>
+                    <a:pt x="729084" y="831428"/>
+                  </a:cubicBezTo>
+                  <a:cubicBezTo>
+                    <a:pt x="470851" y="1030395"/>
+                    <a:pt x="210501" y="1574378"/>
+                    <a:pt x="5184" y="1428328"/>
+                  </a:cubicBezTo>
+                  <a:lnTo>
+                    <a:pt x="0" y="1423726"/>
+                  </a:lnTo>
+                  <a:close/>
+                </a:path>
+              </a:pathLst>
+            </a:custGeom>
+            <a:solidFill>
+              <a:srgbClr val="FA5308"/>
+            </a:solidFill>
+            <a:ln>
+              <a:noFill/>
+            </a:ln>
+          </p:spPr>
+          <p:style>
+            <a:lnRef idx="2">
+              <a:schemeClr val="accent1">
+                <a:shade val="50000"/>
+              </a:schemeClr>
+            </a:lnRef>
+            <a:fillRef idx="1">
+              <a:schemeClr val="accent1"/>
+            </a:fillRef>
+            <a:effectRef idx="0">
+              <a:schemeClr val="accent1"/>
+            </a:effectRef>
+            <a:fontRef idx="minor">
+              <a:schemeClr val="lt1"/>
+            </a:fontRef>
+          </p:style>
+          <p:txBody>
+            <a:bodyPr rtlCol="0" anchor="ctr"/>
+            <a:lstStyle/>
+            <a:p>
+              <a:pPr algn="ctr"/>
+              <a:endParaRPr lang="pt-BR"/>
+            </a:p>
+          </p:txBody>
+        </p:sp>
+      </p:grpSp>
+      <p:grpSp>
+        <p:nvGrpSpPr>
+          <p:cNvPr id="4" name="Grupo 3"/>
+          <p:cNvGrpSpPr/>
+          <p:nvPr/>
+        </p:nvGrpSpPr>
+        <p:grpSpPr>
+          <a:xfrm>
+            <a:off x="971600" y="425971"/>
+            <a:ext cx="3524250" cy="5690592"/>
+            <a:chOff x="755576" y="674986"/>
+            <a:chExt cx="3524250" cy="5690592"/>
+          </a:xfrm>
+        </p:grpSpPr>
+        <p:pic>
+          <p:nvPicPr>
+            <p:cNvPr id="7" name="Picture 2"/>
+            <p:cNvPicPr>
+              <a:picLocks noChangeAspect="1" noChangeArrowheads="1"/>
+            </p:cNvPicPr>
+            <p:nvPr/>
+          </p:nvPicPr>
+          <p:blipFill>
+            <a:blip r:embed="rId2">
+              <a:extLst>
+                <a:ext uri="{28A0092B-C50C-407E-A947-70E740481C1C}">
+                  <a14:useLocalDpi xmlns:a14="http://schemas.microsoft.com/office/drawing/2010/main" val="0"/>
+                </a:ext>
+              </a:extLst>
+            </a:blip>
+            <a:srcRect/>
+            <a:stretch>
+              <a:fillRect/>
+            </a:stretch>
+          </p:blipFill>
+          <p:spPr bwMode="auto">
+            <a:xfrm>
+              <a:off x="755576" y="679153"/>
+              <a:ext cx="3524250" cy="5686425"/>
+            </a:xfrm>
+            <a:prstGeom prst="rect">
+              <a:avLst/>
+            </a:prstGeom>
+            <a:noFill/>
+            <a:ln>
+              <a:noFill/>
+            </a:ln>
+            <a:extLst>
+              <a:ext uri="{909E8E84-426E-40DD-AFC4-6F175D3DCCD1}">
+                <a14:hiddenFill xmlns:a14="http://schemas.microsoft.com/office/drawing/2010/main">
+                  <a:solidFill>
+                    <a:schemeClr val="accent1"/>
+                  </a:solidFill>
+                </a14:hiddenFill>
+              </a:ext>
+              <a:ext uri="{91240B29-F687-4F45-9708-019B960494DF}">
+                <a14:hiddenLine xmlns:a14="http://schemas.microsoft.com/office/drawing/2010/main" w="9525">
+                  <a:solidFill>
+                    <a:schemeClr val="tx1"/>
+                  </a:solidFill>
+                  <a:miter lim="800000"/>
+                  <a:headEnd/>
+                  <a:tailEnd/>
+                </a14:hiddenLine>
+              </a:ext>
+            </a:extLst>
+          </p:spPr>
+        </p:pic>
+        <p:sp>
+          <p:nvSpPr>
+            <p:cNvPr id="6" name="Forma livre 5"/>
+            <p:cNvSpPr/>
+            <p:nvPr/>
+          </p:nvSpPr>
+          <p:spPr>
+            <a:xfrm>
+              <a:off x="755576" y="674986"/>
+              <a:ext cx="1872208" cy="1722685"/>
+            </a:xfrm>
+            <a:custGeom>
+              <a:avLst/>
+              <a:gdLst/>
+              <a:ahLst/>
+              <a:cxnLst/>
+              <a:rect l="l" t="t" r="r" b="b"/>
+              <a:pathLst>
+                <a:path w="1643125" h="1452913">
+                  <a:moveTo>
+                    <a:pt x="0" y="0"/>
+                  </a:moveTo>
+                  <a:lnTo>
+                    <a:pt x="1641805" y="0"/>
+                  </a:lnTo>
+                  <a:cubicBezTo>
+                    <a:pt x="1651338" y="70500"/>
+                    <a:pt x="1607934" y="154503"/>
+                    <a:pt x="1554584" y="234528"/>
+                  </a:cubicBezTo>
+                  <a:cubicBezTo>
+                    <a:pt x="1444517" y="399628"/>
+                    <a:pt x="987317" y="632461"/>
+                    <a:pt x="729084" y="831428"/>
+                  </a:cubicBezTo>
+                  <a:cubicBezTo>
+                    <a:pt x="470851" y="1030395"/>
+                    <a:pt x="210501" y="1574378"/>
+                    <a:pt x="5184" y="1428328"/>
+                  </a:cubicBezTo>
+                  <a:lnTo>
+                    <a:pt x="0" y="1423726"/>
+                  </a:lnTo>
+                  <a:close/>
+                </a:path>
+              </a:pathLst>
+            </a:custGeom>
+            <a:solidFill>
+              <a:srgbClr val="FA3A94"/>
+            </a:solidFill>
+            <a:ln>
+              <a:noFill/>
+            </a:ln>
+          </p:spPr>
+          <p:style>
+            <a:lnRef idx="2">
+              <a:schemeClr val="accent1">
+                <a:shade val="50000"/>
+              </a:schemeClr>
+            </a:lnRef>
+            <a:fillRef idx="1">
+              <a:schemeClr val="accent1"/>
+            </a:fillRef>
+            <a:effectRef idx="0">
+              <a:schemeClr val="accent1"/>
+            </a:effectRef>
+            <a:fontRef idx="minor">
+              <a:schemeClr val="lt1"/>
+            </a:fontRef>
+          </p:style>
+          <p:txBody>
+            <a:bodyPr rtlCol="0" anchor="ctr"/>
+            <a:lstStyle/>
+            <a:p>
+              <a:pPr algn="ctr"/>
+              <a:endParaRPr lang="pt-BR"/>
+            </a:p>
+          </p:txBody>
+        </p:sp>
+      </p:grpSp>
+      <p:pic>
+        <p:nvPicPr>
+          <p:cNvPr id="3075" name="Picture 3"/>
+          <p:cNvPicPr>
+            <a:picLocks noChangeAspect="1" noChangeArrowheads="1"/>
+          </p:cNvPicPr>
+          <p:nvPr/>
+        </p:nvPicPr>
+        <p:blipFill>
+          <a:blip r:embed="rId3">
+            <a:extLst>
+              <a:ext uri="{28A0092B-C50C-407E-A947-70E740481C1C}">
+                <a14:useLocalDpi xmlns:a14="http://schemas.microsoft.com/office/drawing/2010/main" val="0"/>
+              </a:ext>
+            </a:extLst>
+          </a:blip>
+          <a:srcRect/>
+          <a:stretch>
+            <a:fillRect/>
+          </a:stretch>
+        </p:blipFill>
+        <p:spPr bwMode="auto">
+          <a:xfrm>
+            <a:off x="1053629" y="548680"/>
+            <a:ext cx="854075" cy="835025"/>
+          </a:xfrm>
+          <a:prstGeom prst="rect">
+            <a:avLst/>
+          </a:prstGeom>
+          <a:noFill/>
+          <a:ln>
+            <a:noFill/>
+          </a:ln>
+          <a:effectLst/>
+          <a:extLst>
+            <a:ext uri="{909E8E84-426E-40DD-AFC4-6F175D3DCCD1}">
+              <a14:hiddenFill xmlns:a14="http://schemas.microsoft.com/office/drawing/2010/main">
+                <a:solidFill>
+                  <a:schemeClr val="accent1"/>
+                </a:solidFill>
+              </a14:hiddenFill>
+            </a:ext>
+            <a:ext uri="{91240B29-F687-4F45-9708-019B960494DF}">
+              <a14:hiddenLine xmlns:a14="http://schemas.microsoft.com/office/drawing/2010/main" w="9525">
+                <a:solidFill>
+                  <a:schemeClr val="tx1"/>
+                </a:solidFill>
+                <a:miter lim="800000"/>
+                <a:headEnd/>
+                <a:tailEnd/>
+              </a14:hiddenLine>
+            </a:ext>
+            <a:ext uri="{AF507438-7753-43E0-B8FC-AC1667EBCBE1}">
+              <a14:hiddenEffects xmlns:a14="http://schemas.microsoft.com/office/drawing/2010/main">
+                <a:effectLst>
+                  <a:outerShdw dist="35921" dir="2700000" algn="ctr" rotWithShape="0">
+                    <a:schemeClr val="bg2"/>
+                  </a:outerShdw>
+                </a:effectLst>
+              </a14:hiddenEffects>
+            </a:ext>
+          </a:extLst>
+        </p:spPr>
+      </p:pic>
+      <p:sp>
+        <p:nvSpPr>
+          <p:cNvPr id="11" name="Elipse 10"/>
+          <p:cNvSpPr/>
+          <p:nvPr/>
+        </p:nvSpPr>
+        <p:spPr>
+          <a:xfrm>
+            <a:off x="4929249" y="543322"/>
+            <a:ext cx="794492" cy="781447"/>
+          </a:xfrm>
+          <a:prstGeom prst="ellipse">
+            <a:avLst/>
+          </a:prstGeom>
+          <a:solidFill>
+            <a:srgbClr val="FA5308"/>
+          </a:solidFill>
+          <a:ln w="57150">
+            <a:solidFill>
+              <a:schemeClr val="bg1">
+                <a:lumMod val="85000"/>
+              </a:schemeClr>
+            </a:solidFill>
+          </a:ln>
+        </p:spPr>
+        <p:style>
+          <a:lnRef idx="2">
+            <a:schemeClr val="accent1">
+              <a:shade val="50000"/>
+            </a:schemeClr>
+          </a:lnRef>
+          <a:fillRef idx="1">
+            <a:schemeClr val="accent1"/>
+          </a:fillRef>
+          <a:effectRef idx="0">
+            <a:schemeClr val="accent1"/>
+          </a:effectRef>
+          <a:fontRef idx="minor">
+            <a:schemeClr val="lt1"/>
+          </a:fontRef>
+        </p:style>
+        <p:txBody>
+          <a:bodyPr rtlCol="0" anchor="ctr"/>
+          <a:lstStyle/>
+          <a:p>
+            <a:pPr algn="ctr"/>
+            <a:endParaRPr lang="pt-BR"/>
+          </a:p>
+        </p:txBody>
+      </p:sp>
+      <p:grpSp>
+        <p:nvGrpSpPr>
+          <p:cNvPr id="12" name="Grupo 11"/>
+          <p:cNvGrpSpPr/>
+          <p:nvPr/>
+        </p:nvGrpSpPr>
+        <p:grpSpPr>
+          <a:xfrm>
+            <a:off x="5104448" y="592638"/>
+            <a:ext cx="444094" cy="682814"/>
+            <a:chOff x="2474516" y="1514465"/>
+            <a:chExt cx="444094" cy="682814"/>
+          </a:xfrm>
+        </p:grpSpPr>
+        <p:sp>
+          <p:nvSpPr>
+            <p:cNvPr id="13" name="CaixaDeTexto 12"/>
+            <p:cNvSpPr txBox="1"/>
+            <p:nvPr/>
+          </p:nvSpPr>
+          <p:spPr>
+            <a:xfrm>
+              <a:off x="2545523" y="1514465"/>
+              <a:ext cx="252613" cy="270300"/>
+            </a:xfrm>
+            <a:prstGeom prst="rect">
+              <a:avLst/>
+            </a:prstGeom>
+            <a:noFill/>
+          </p:spPr>
+          <p:txBody>
+            <a:bodyPr wrap="none" rtlCol="0">
+              <a:spAutoFit/>
+            </a:bodyPr>
+            <a:lstStyle/>
+            <a:p>
+              <a:r>
+                <a:rPr lang="pt-BR" b="1" dirty="0" smtClean="0">
+                  <a:solidFill>
+                    <a:schemeClr val="bg1">
+                      <a:lumMod val="85000"/>
+                    </a:schemeClr>
+                  </a:solidFill>
+                  <a:latin typeface="Century Gothic" panose="020B0502020202020204" pitchFamily="34" charset="0"/>
+                </a:rPr>
+                <a:t>1</a:t>
+              </a:r>
+              <a:endParaRPr lang="pt-BR" b="1" dirty="0">
+                <a:solidFill>
+                  <a:schemeClr val="bg1">
+                    <a:lumMod val="85000"/>
+                  </a:schemeClr>
+                </a:solidFill>
+                <a:latin typeface="Century Gothic" panose="020B0502020202020204" pitchFamily="34" charset="0"/>
+              </a:endParaRPr>
+            </a:p>
+          </p:txBody>
+        </p:sp>
+        <p:cxnSp>
+          <p:nvCxnSpPr>
+            <p:cNvPr id="14" name="Conector reto 13"/>
+            <p:cNvCxnSpPr/>
+            <p:nvPr/>
+          </p:nvCxnSpPr>
+          <p:spPr>
+            <a:xfrm>
+              <a:off x="2543733" y="1856522"/>
+              <a:ext cx="305661" cy="0"/>
+            </a:xfrm>
+            <a:prstGeom prst="line">
+              <a:avLst/>
+            </a:prstGeom>
+            <a:ln w="25400">
+              <a:solidFill>
+                <a:schemeClr val="bg1">
+                  <a:lumMod val="85000"/>
+                </a:schemeClr>
+              </a:solidFill>
+            </a:ln>
+          </p:spPr>
+          <p:style>
+            <a:lnRef idx="1">
+              <a:schemeClr val="accent1"/>
+            </a:lnRef>
+            <a:fillRef idx="0">
+              <a:schemeClr val="accent1"/>
+            </a:fillRef>
+            <a:effectRef idx="0">
+              <a:schemeClr val="accent1"/>
+            </a:effectRef>
+            <a:fontRef idx="minor">
+              <a:schemeClr val="tx1"/>
+            </a:fontRef>
+          </p:style>
+        </p:cxnSp>
+        <p:sp>
+          <p:nvSpPr>
+            <p:cNvPr id="15" name="CaixaDeTexto 14"/>
+            <p:cNvSpPr txBox="1"/>
+            <p:nvPr/>
+          </p:nvSpPr>
+          <p:spPr>
+            <a:xfrm>
+              <a:off x="2474516" y="1827947"/>
+              <a:ext cx="444094" cy="369332"/>
+            </a:xfrm>
+            <a:prstGeom prst="rect">
+              <a:avLst/>
+            </a:prstGeom>
+            <a:noFill/>
+          </p:spPr>
+          <p:txBody>
+            <a:bodyPr wrap="square" rtlCol="0">
+              <a:spAutoFit/>
+            </a:bodyPr>
+            <a:lstStyle/>
+            <a:p>
+              <a:r>
+                <a:rPr lang="pt-BR" dirty="0" smtClean="0">
+                  <a:solidFill>
+                    <a:schemeClr val="bg1">
+                      <a:lumMod val="85000"/>
+                    </a:schemeClr>
+                  </a:solidFill>
+                  <a:latin typeface="Century Gothic" panose="020B0502020202020204" pitchFamily="34" charset="0"/>
+                </a:rPr>
+                <a:t>10</a:t>
+              </a:r>
+              <a:endParaRPr lang="pt-BR" dirty="0">
+                <a:solidFill>
+                  <a:schemeClr val="bg1">
+                    <a:lumMod val="85000"/>
+                  </a:schemeClr>
+                </a:solidFill>
+                <a:latin typeface="Century Gothic" panose="020B0502020202020204" pitchFamily="34" charset="0"/>
+              </a:endParaRPr>
+            </a:p>
+          </p:txBody>
+        </p:sp>
+      </p:grpSp>
+      <p:sp>
+        <p:nvSpPr>
+          <p:cNvPr id="9" name="CaixaDeTexto 8"/>
+          <p:cNvSpPr txBox="1"/>
+          <p:nvPr/>
+        </p:nvSpPr>
+        <p:spPr>
+          <a:xfrm>
+            <a:off x="1660939" y="1493594"/>
+            <a:ext cx="2834911" cy="646331"/>
+          </a:xfrm>
+          <a:prstGeom prst="rect">
+            <a:avLst/>
+          </a:prstGeom>
+          <a:noFill/>
+        </p:spPr>
+        <p:txBody>
+          <a:bodyPr wrap="square" rtlCol="0">
+            <a:spAutoFit/>
+          </a:bodyPr>
+          <a:lstStyle/>
+          <a:p>
+            <a:r>
+              <a:rPr lang="pt-BR" b="1" dirty="0" smtClean="0">
+                <a:solidFill>
+                  <a:schemeClr val="bg1"/>
+                </a:solidFill>
+                <a:latin typeface="Century Gothic" panose="020B0502020202020204" pitchFamily="34" charset="0"/>
+              </a:rPr>
+              <a:t>Você tem sensibilidade a glúten?</a:t>
+            </a:r>
+            <a:endParaRPr lang="pt-BR" b="1" dirty="0">
+              <a:solidFill>
+                <a:schemeClr val="bg1"/>
+              </a:solidFill>
+              <a:latin typeface="Century Gothic" panose="020B0502020202020204" pitchFamily="34" charset="0"/>
+            </a:endParaRPr>
+          </a:p>
+        </p:txBody>
+      </p:sp>
+      <p:pic>
+        <p:nvPicPr>
+          <p:cNvPr id="3076" name="Picture 4"/>
+          <p:cNvPicPr>
+            <a:picLocks noChangeAspect="1" noChangeArrowheads="1"/>
+          </p:cNvPicPr>
+          <p:nvPr/>
+        </p:nvPicPr>
+        <p:blipFill>
+          <a:blip r:embed="rId4" cstate="print">
+            <a:extLst>
+              <a:ext uri="{28A0092B-C50C-407E-A947-70E740481C1C}">
+                <a14:useLocalDpi xmlns:a14="http://schemas.microsoft.com/office/drawing/2010/main" val="0"/>
+              </a:ext>
+            </a:extLst>
+          </a:blip>
+          <a:srcRect/>
+          <a:stretch>
+            <a:fillRect/>
+          </a:stretch>
+        </p:blipFill>
+        <p:spPr bwMode="auto">
+          <a:xfrm>
+            <a:off x="1101998" y="3068960"/>
+            <a:ext cx="1551285" cy="721685"/>
+          </a:xfrm>
+          <a:prstGeom prst="roundRect">
+            <a:avLst>
+              <a:gd name="adj" fmla="val 22274"/>
+            </a:avLst>
+          </a:prstGeom>
+          <a:noFill/>
+          <a:ln>
+            <a:noFill/>
+          </a:ln>
+          <a:extLst>
+            <a:ext uri="{909E8E84-426E-40DD-AFC4-6F175D3DCCD1}">
+              <a14:hiddenFill xmlns:a14="http://schemas.microsoft.com/office/drawing/2010/main">
+                <a:solidFill>
+                  <a:schemeClr val="accent1"/>
+                </a:solidFill>
+              </a14:hiddenFill>
+            </a:ext>
+            <a:ext uri="{91240B29-F687-4F45-9708-019B960494DF}">
+              <a14:hiddenLine xmlns:a14="http://schemas.microsoft.com/office/drawing/2010/main" w="9525">
+                <a:solidFill>
+                  <a:schemeClr val="tx1"/>
+                </a:solidFill>
+                <a:miter lim="800000"/>
+                <a:headEnd/>
+                <a:tailEnd/>
+              </a14:hiddenLine>
+            </a:ext>
+          </a:extLst>
+        </p:spPr>
+      </p:pic>
+      <p:pic>
+        <p:nvPicPr>
+          <p:cNvPr id="19" name="Picture 4"/>
+          <p:cNvPicPr>
+            <a:picLocks noChangeAspect="1" noChangeArrowheads="1"/>
+          </p:cNvPicPr>
+          <p:nvPr/>
+        </p:nvPicPr>
+        <p:blipFill>
+          <a:blip r:embed="rId4" cstate="print">
+            <a:extLst>
+              <a:ext uri="{28A0092B-C50C-407E-A947-70E740481C1C}">
+                <a14:useLocalDpi xmlns:a14="http://schemas.microsoft.com/office/drawing/2010/main" val="0"/>
+              </a:ext>
+            </a:extLst>
+          </a:blip>
+          <a:srcRect/>
+          <a:stretch>
+            <a:fillRect/>
+          </a:stretch>
+        </p:blipFill>
+        <p:spPr bwMode="auto">
+          <a:xfrm>
+            <a:off x="2806551" y="3068960"/>
+            <a:ext cx="1551285" cy="721685"/>
+          </a:xfrm>
+          <a:prstGeom prst="roundRect">
+            <a:avLst>
+              <a:gd name="adj" fmla="val 22274"/>
+            </a:avLst>
+          </a:prstGeom>
+          <a:noFill/>
+          <a:ln>
+            <a:noFill/>
+          </a:ln>
+          <a:extLst>
+            <a:ext uri="{909E8E84-426E-40DD-AFC4-6F175D3DCCD1}">
+              <a14:hiddenFill xmlns:a14="http://schemas.microsoft.com/office/drawing/2010/main">
+                <a:solidFill>
+                  <a:schemeClr val="accent1"/>
+                </a:solidFill>
+              </a14:hiddenFill>
+            </a:ext>
+            <a:ext uri="{91240B29-F687-4F45-9708-019B960494DF}">
+              <a14:hiddenLine xmlns:a14="http://schemas.microsoft.com/office/drawing/2010/main" w="9525">
+                <a:solidFill>
+                  <a:schemeClr val="tx1"/>
+                </a:solidFill>
+                <a:miter lim="800000"/>
+                <a:headEnd/>
+                <a:tailEnd/>
+              </a14:hiddenLine>
+            </a:ext>
+          </a:extLst>
+        </p:spPr>
+      </p:pic>
+      <p:sp>
+        <p:nvSpPr>
+          <p:cNvPr id="16" name="CaixaDeTexto 15"/>
+          <p:cNvSpPr txBox="1"/>
+          <p:nvPr/>
+        </p:nvSpPr>
+        <p:spPr>
+          <a:xfrm>
+            <a:off x="1495571" y="3198969"/>
+            <a:ext cx="824265" cy="461665"/>
+          </a:xfrm>
+          <a:prstGeom prst="rect">
+            <a:avLst/>
+          </a:prstGeom>
+          <a:noFill/>
+        </p:spPr>
+        <p:txBody>
+          <a:bodyPr wrap="none" rtlCol="0">
+            <a:spAutoFit/>
+          </a:bodyPr>
+          <a:lstStyle/>
+          <a:p>
+            <a:r>
+              <a:rPr lang="pt-BR" sz="2400" dirty="0" smtClean="0">
+                <a:solidFill>
+                  <a:schemeClr val="bg1"/>
+                </a:solidFill>
+                <a:latin typeface="Century Gothic" panose="020B0502020202020204" pitchFamily="34" charset="0"/>
+              </a:rPr>
+              <a:t>Não</a:t>
+            </a:r>
+            <a:endParaRPr lang="pt-BR" dirty="0">
+              <a:solidFill>
+                <a:schemeClr val="bg1"/>
+              </a:solidFill>
+              <a:latin typeface="Century Gothic" panose="020B0502020202020204" pitchFamily="34" charset="0"/>
+            </a:endParaRPr>
+          </a:p>
+        </p:txBody>
+      </p:sp>
+      <p:sp>
+        <p:nvSpPr>
+          <p:cNvPr id="21" name="CaixaDeTexto 20"/>
+          <p:cNvSpPr txBox="1"/>
+          <p:nvPr/>
+        </p:nvSpPr>
+        <p:spPr>
+          <a:xfrm>
+            <a:off x="3238188" y="3198969"/>
+            <a:ext cx="688009" cy="461665"/>
+          </a:xfrm>
+          <a:prstGeom prst="rect">
+            <a:avLst/>
+          </a:prstGeom>
+          <a:noFill/>
+        </p:spPr>
+        <p:txBody>
+          <a:bodyPr wrap="none" rtlCol="0">
+            <a:spAutoFit/>
+          </a:bodyPr>
+          <a:lstStyle/>
+          <a:p>
+            <a:r>
+              <a:rPr lang="pt-BR" sz="2400" dirty="0" smtClean="0">
+                <a:solidFill>
+                  <a:schemeClr val="bg1"/>
+                </a:solidFill>
+                <a:latin typeface="Century Gothic" panose="020B0502020202020204" pitchFamily="34" charset="0"/>
+              </a:rPr>
+              <a:t>Sim</a:t>
+            </a:r>
+            <a:endParaRPr lang="pt-BR" dirty="0">
+              <a:solidFill>
+                <a:schemeClr val="bg1"/>
+              </a:solidFill>
+              <a:latin typeface="Century Gothic" panose="020B0502020202020204" pitchFamily="34" charset="0"/>
+            </a:endParaRPr>
+          </a:p>
+        </p:txBody>
+      </p:sp>
+      <p:pic>
+        <p:nvPicPr>
+          <p:cNvPr id="22" name="Picture 4"/>
+          <p:cNvPicPr>
+            <a:picLocks noChangeAspect="1" noChangeArrowheads="1"/>
+          </p:cNvPicPr>
+          <p:nvPr/>
+        </p:nvPicPr>
+        <p:blipFill>
+          <a:blip r:embed="rId4" cstate="print">
+            <a:extLst>
+              <a:ext uri="{28A0092B-C50C-407E-A947-70E740481C1C}">
+                <a14:useLocalDpi xmlns:a14="http://schemas.microsoft.com/office/drawing/2010/main" val="0"/>
+              </a:ext>
+            </a:extLst>
+          </a:blip>
+          <a:srcRect/>
+          <a:stretch>
+            <a:fillRect/>
+          </a:stretch>
+        </p:blipFill>
+        <p:spPr bwMode="auto">
+          <a:xfrm rot="10800000">
+            <a:off x="4929249" y="3068960"/>
+            <a:ext cx="1551285" cy="721685"/>
+          </a:xfrm>
+          <a:prstGeom prst="roundRect">
+            <a:avLst>
+              <a:gd name="adj" fmla="val 22274"/>
+            </a:avLst>
+          </a:prstGeom>
+          <a:noFill/>
+          <a:ln>
+            <a:noFill/>
+          </a:ln>
+          <a:extLst>
+            <a:ext uri="{909E8E84-426E-40DD-AFC4-6F175D3DCCD1}">
+              <a14:hiddenFill xmlns:a14="http://schemas.microsoft.com/office/drawing/2010/main">
+                <a:solidFill>
+                  <a:schemeClr val="accent1"/>
+                </a:solidFill>
+              </a14:hiddenFill>
+            </a:ext>
+            <a:ext uri="{91240B29-F687-4F45-9708-019B960494DF}">
+              <a14:hiddenLine xmlns:a14="http://schemas.microsoft.com/office/drawing/2010/main" w="9525">
+                <a:solidFill>
+                  <a:schemeClr val="tx1"/>
+                </a:solidFill>
+                <a:miter lim="800000"/>
+                <a:headEnd/>
+                <a:tailEnd/>
+              </a14:hiddenLine>
+            </a:ext>
+          </a:extLst>
+        </p:spPr>
+      </p:pic>
+      <p:pic>
+        <p:nvPicPr>
+          <p:cNvPr id="23" name="Picture 4"/>
+          <p:cNvPicPr>
+            <a:picLocks noChangeAspect="1" noChangeArrowheads="1"/>
+          </p:cNvPicPr>
+          <p:nvPr/>
+        </p:nvPicPr>
+        <p:blipFill>
+          <a:blip r:embed="rId4" cstate="print">
+            <a:extLst>
+              <a:ext uri="{28A0092B-C50C-407E-A947-70E740481C1C}">
+                <a14:useLocalDpi xmlns:a14="http://schemas.microsoft.com/office/drawing/2010/main" val="0"/>
+              </a:ext>
+            </a:extLst>
+          </a:blip>
+          <a:srcRect/>
+          <a:stretch>
+            <a:fillRect/>
+          </a:stretch>
+        </p:blipFill>
+        <p:spPr bwMode="auto">
+          <a:xfrm rot="10800000">
+            <a:off x="6657924" y="3068960"/>
+            <a:ext cx="1551285" cy="721685"/>
+          </a:xfrm>
+          <a:prstGeom prst="roundRect">
+            <a:avLst>
+              <a:gd name="adj" fmla="val 22274"/>
+            </a:avLst>
+          </a:prstGeom>
+          <a:noFill/>
+          <a:ln>
+            <a:noFill/>
+          </a:ln>
+          <a:extLst>
+            <a:ext uri="{909E8E84-426E-40DD-AFC4-6F175D3DCCD1}">
+              <a14:hiddenFill xmlns:a14="http://schemas.microsoft.com/office/drawing/2010/main">
+                <a:solidFill>
+                  <a:schemeClr val="accent1"/>
+                </a:solidFill>
+              </a14:hiddenFill>
+            </a:ext>
+            <a:ext uri="{91240B29-F687-4F45-9708-019B960494DF}">
+              <a14:hiddenLine xmlns:a14="http://schemas.microsoft.com/office/drawing/2010/main" w="9525">
+                <a:solidFill>
+                  <a:schemeClr val="tx1"/>
+                </a:solidFill>
+                <a:miter lim="800000"/>
+                <a:headEnd/>
+                <a:tailEnd/>
+              </a14:hiddenLine>
+            </a:ext>
+          </a:extLst>
+        </p:spPr>
+      </p:pic>
+      <p:sp>
+        <p:nvSpPr>
+          <p:cNvPr id="24" name="CaixaDeTexto 23"/>
+          <p:cNvSpPr txBox="1"/>
+          <p:nvPr/>
+        </p:nvSpPr>
+        <p:spPr>
+          <a:xfrm>
+            <a:off x="5346944" y="3198969"/>
+            <a:ext cx="824265" cy="461665"/>
+          </a:xfrm>
+          <a:prstGeom prst="rect">
+            <a:avLst/>
+          </a:prstGeom>
+          <a:noFill/>
+        </p:spPr>
+        <p:txBody>
+          <a:bodyPr wrap="none" rtlCol="0">
+            <a:spAutoFit/>
+          </a:bodyPr>
+          <a:lstStyle/>
+          <a:p>
+            <a:r>
+              <a:rPr lang="pt-BR" sz="2400" dirty="0" smtClean="0">
+                <a:solidFill>
+                  <a:schemeClr val="bg1"/>
+                </a:solidFill>
+                <a:latin typeface="Century Gothic" panose="020B0502020202020204" pitchFamily="34" charset="0"/>
+              </a:rPr>
+              <a:t>Não</a:t>
+            </a:r>
+            <a:endParaRPr lang="pt-BR" dirty="0">
+              <a:solidFill>
+                <a:schemeClr val="bg1"/>
+              </a:solidFill>
+              <a:latin typeface="Century Gothic" panose="020B0502020202020204" pitchFamily="34" charset="0"/>
+            </a:endParaRPr>
+          </a:p>
+        </p:txBody>
+      </p:sp>
+      <p:sp>
+        <p:nvSpPr>
+          <p:cNvPr id="25" name="CaixaDeTexto 24"/>
+          <p:cNvSpPr txBox="1"/>
+          <p:nvPr/>
+        </p:nvSpPr>
+        <p:spPr>
+          <a:xfrm>
+            <a:off x="7089561" y="3198969"/>
+            <a:ext cx="688009" cy="461665"/>
+          </a:xfrm>
+          <a:prstGeom prst="rect">
+            <a:avLst/>
+          </a:prstGeom>
+          <a:noFill/>
+        </p:spPr>
+        <p:txBody>
+          <a:bodyPr wrap="none" rtlCol="0">
+            <a:spAutoFit/>
+          </a:bodyPr>
+          <a:lstStyle/>
+          <a:p>
+            <a:r>
+              <a:rPr lang="pt-BR" sz="2400" dirty="0" smtClean="0">
+                <a:solidFill>
+                  <a:schemeClr val="bg1"/>
+                </a:solidFill>
+                <a:latin typeface="Century Gothic" panose="020B0502020202020204" pitchFamily="34" charset="0"/>
+              </a:rPr>
+              <a:t>Sim</a:t>
+            </a:r>
+            <a:endParaRPr lang="pt-BR" dirty="0">
+              <a:solidFill>
+                <a:schemeClr val="bg1"/>
+              </a:solidFill>
+              <a:latin typeface="Century Gothic" panose="020B0502020202020204" pitchFamily="34" charset="0"/>
+            </a:endParaRPr>
+          </a:p>
+        </p:txBody>
+      </p:sp>
+      <p:sp>
+        <p:nvSpPr>
+          <p:cNvPr id="26" name="CaixaDeTexto 25"/>
+          <p:cNvSpPr txBox="1"/>
+          <p:nvPr/>
+        </p:nvSpPr>
+        <p:spPr>
+          <a:xfrm>
+            <a:off x="5428068" y="1493594"/>
+            <a:ext cx="2834911" cy="646331"/>
+          </a:xfrm>
+          <a:prstGeom prst="rect">
+            <a:avLst/>
+          </a:prstGeom>
+          <a:noFill/>
+        </p:spPr>
+        <p:txBody>
+          <a:bodyPr wrap="square" rtlCol="0">
+            <a:spAutoFit/>
+          </a:bodyPr>
+          <a:lstStyle/>
+          <a:p>
+            <a:r>
+              <a:rPr lang="pt-BR" b="1" dirty="0" smtClean="0">
+                <a:solidFill>
+                  <a:schemeClr val="bg1"/>
+                </a:solidFill>
+                <a:latin typeface="Century Gothic" panose="020B0502020202020204" pitchFamily="34" charset="0"/>
+              </a:rPr>
+              <a:t>Você tem sensibilidade a glúten?</a:t>
+            </a:r>
+            <a:endParaRPr lang="pt-BR" b="1" dirty="0">
+              <a:solidFill>
+                <a:schemeClr val="bg1"/>
+              </a:solidFill>
+              <a:latin typeface="Century Gothic" panose="020B0502020202020204" pitchFamily="34" charset="0"/>
+            </a:endParaRPr>
+          </a:p>
+        </p:txBody>
+      </p:sp>
+      <p:grpSp>
+        <p:nvGrpSpPr>
+          <p:cNvPr id="20" name="Grupo 19"/>
+          <p:cNvGrpSpPr/>
+          <p:nvPr/>
+        </p:nvGrpSpPr>
+        <p:grpSpPr>
+          <a:xfrm>
+            <a:off x="1081621" y="5375275"/>
+            <a:ext cx="3304207" cy="652616"/>
+            <a:chOff x="1053629" y="5373215"/>
+            <a:chExt cx="3304207" cy="652616"/>
+          </a:xfrm>
+        </p:grpSpPr>
+        <p:pic>
+          <p:nvPicPr>
+            <p:cNvPr id="28" name="Picture 4"/>
+            <p:cNvPicPr>
+              <a:picLocks noChangeAspect="1" noChangeArrowheads="1"/>
+            </p:cNvPicPr>
+            <p:nvPr/>
+          </p:nvPicPr>
+          <p:blipFill>
+            <a:blip r:embed="rId5" cstate="print">
+              <a:extLst>
+                <a:ext uri="{28A0092B-C50C-407E-A947-70E740481C1C}">
+                  <a14:useLocalDpi xmlns:a14="http://schemas.microsoft.com/office/drawing/2010/main" val="0"/>
+                </a:ext>
+              </a:extLst>
+            </a:blip>
+            <a:srcRect/>
+            <a:stretch>
+              <a:fillRect/>
+            </a:stretch>
+          </p:blipFill>
+          <p:spPr bwMode="auto">
+            <a:xfrm>
+              <a:off x="1053629" y="5373216"/>
+              <a:ext cx="710059" cy="652615"/>
+            </a:xfrm>
+            <a:prstGeom prst="ellipse">
+              <a:avLst/>
+            </a:prstGeom>
+            <a:noFill/>
+            <a:ln>
+              <a:noFill/>
+            </a:ln>
+            <a:extLst>
+              <a:ext uri="{909E8E84-426E-40DD-AFC4-6F175D3DCCD1}">
+                <a14:hiddenFill xmlns:a14="http://schemas.microsoft.com/office/drawing/2010/main">
+                  <a:solidFill>
+                    <a:schemeClr val="accent1"/>
+                  </a:solidFill>
+                </a14:hiddenFill>
+              </a:ext>
+              <a:ext uri="{91240B29-F687-4F45-9708-019B960494DF}">
+                <a14:hiddenLine xmlns:a14="http://schemas.microsoft.com/office/drawing/2010/main" w="9525">
+                  <a:solidFill>
+                    <a:schemeClr val="tx1"/>
+                  </a:solidFill>
+                  <a:miter lim="800000"/>
+                  <a:headEnd/>
+                  <a:tailEnd/>
+                </a14:hiddenLine>
+              </a:ext>
+            </a:extLst>
+          </p:spPr>
+        </p:pic>
+        <p:pic>
+          <p:nvPicPr>
+            <p:cNvPr id="29" name="Picture 4"/>
+            <p:cNvPicPr>
+              <a:picLocks noChangeAspect="1" noChangeArrowheads="1"/>
+            </p:cNvPicPr>
+            <p:nvPr/>
+          </p:nvPicPr>
+          <p:blipFill>
+            <a:blip r:embed="rId5" cstate="print">
+              <a:extLst>
+                <a:ext uri="{28A0092B-C50C-407E-A947-70E740481C1C}">
+                  <a14:useLocalDpi xmlns:a14="http://schemas.microsoft.com/office/drawing/2010/main" val="0"/>
+                </a:ext>
+              </a:extLst>
+            </a:blip>
+            <a:srcRect/>
+            <a:stretch>
+              <a:fillRect/>
+            </a:stretch>
+          </p:blipFill>
+          <p:spPr bwMode="auto">
+            <a:xfrm>
+              <a:off x="3647777" y="5373215"/>
+              <a:ext cx="710059" cy="652615"/>
+            </a:xfrm>
+            <a:prstGeom prst="ellipse">
+              <a:avLst/>
+            </a:prstGeom>
+            <a:noFill/>
+            <a:ln>
+              <a:noFill/>
+            </a:ln>
+            <a:extLst>
+              <a:ext uri="{909E8E84-426E-40DD-AFC4-6F175D3DCCD1}">
+                <a14:hiddenFill xmlns:a14="http://schemas.microsoft.com/office/drawing/2010/main">
+                  <a:solidFill>
+                    <a:schemeClr val="accent1"/>
+                  </a:solidFill>
+                </a14:hiddenFill>
+              </a:ext>
+              <a:ext uri="{91240B29-F687-4F45-9708-019B960494DF}">
+                <a14:hiddenLine xmlns:a14="http://schemas.microsoft.com/office/drawing/2010/main" w="9525">
+                  <a:solidFill>
+                    <a:schemeClr val="tx1"/>
+                  </a:solidFill>
+                  <a:miter lim="800000"/>
+                  <a:headEnd/>
+                  <a:tailEnd/>
+                </a14:hiddenLine>
+              </a:ext>
+            </a:extLst>
+          </p:spPr>
+        </p:pic>
+        <p:grpSp>
+          <p:nvGrpSpPr>
+            <p:cNvPr id="18" name="Grupo 17"/>
+            <p:cNvGrpSpPr/>
+            <p:nvPr/>
+          </p:nvGrpSpPr>
+          <p:grpSpPr>
+            <a:xfrm>
+              <a:off x="3839889" y="5623072"/>
+              <a:ext cx="325833" cy="152902"/>
+              <a:chOff x="5909863" y="6008511"/>
+              <a:chExt cx="325833" cy="152902"/>
+            </a:xfrm>
+          </p:grpSpPr>
+          <p:sp>
+            <p:nvSpPr>
+              <p:cNvPr id="30" name="Retângulo de cantos arredondados 29"/>
+              <p:cNvSpPr/>
+              <p:nvPr/>
+            </p:nvSpPr>
+            <p:spPr>
+              <a:xfrm>
+                <a:off x="5909863" y="6056261"/>
+                <a:ext cx="302643" cy="61523"/>
+              </a:xfrm>
+              <a:prstGeom prst="roundRect">
+                <a:avLst>
+                  <a:gd name="adj" fmla="val 50000"/>
+                </a:avLst>
+              </a:prstGeom>
+              <a:solidFill>
+                <a:schemeClr val="bg1"/>
+              </a:solidFill>
+              <a:ln>
+                <a:noFill/>
+              </a:ln>
+            </p:spPr>
+            <p:style>
+              <a:lnRef idx="2">
+                <a:schemeClr val="accent1">
+                  <a:shade val="50000"/>
+                </a:schemeClr>
+              </a:lnRef>
+              <a:fillRef idx="1">
+                <a:schemeClr val="accent1"/>
+              </a:fillRef>
+              <a:effectRef idx="0">
+                <a:schemeClr val="accent1"/>
+              </a:effectRef>
+              <a:fontRef idx="minor">
+                <a:schemeClr val="lt1"/>
+              </a:fontRef>
+            </p:style>
+            <p:txBody>
+              <a:bodyPr rtlCol="0" anchor="ctr"/>
+              <a:lstStyle/>
+              <a:p>
+                <a:pPr algn="ctr"/>
+                <a:endParaRPr lang="pt-BR"/>
+              </a:p>
+            </p:txBody>
+          </p:sp>
+          <p:sp>
+            <p:nvSpPr>
+              <p:cNvPr id="31" name="Retângulo de cantos arredondados 30"/>
+              <p:cNvSpPr/>
+              <p:nvPr/>
+            </p:nvSpPr>
+            <p:spPr>
+              <a:xfrm rot="19491298" flipV="1">
+                <a:off x="6050439" y="6105480"/>
+                <a:ext cx="185257" cy="55933"/>
+              </a:xfrm>
+              <a:prstGeom prst="roundRect">
+                <a:avLst>
+                  <a:gd name="adj" fmla="val 50000"/>
+                </a:avLst>
+              </a:prstGeom>
+              <a:solidFill>
+                <a:schemeClr val="bg1"/>
+              </a:solidFill>
+              <a:ln>
+                <a:noFill/>
+              </a:ln>
+            </p:spPr>
+            <p:style>
+              <a:lnRef idx="2">
+                <a:schemeClr val="accent1">
+                  <a:shade val="50000"/>
+                </a:schemeClr>
+              </a:lnRef>
+              <a:fillRef idx="1">
+                <a:schemeClr val="accent1"/>
+              </a:fillRef>
+              <a:effectRef idx="0">
+                <a:schemeClr val="accent1"/>
+              </a:effectRef>
+              <a:fontRef idx="minor">
+                <a:schemeClr val="lt1"/>
+              </a:fontRef>
+            </p:style>
+            <p:txBody>
+              <a:bodyPr rtlCol="0" anchor="ctr"/>
+              <a:lstStyle/>
+              <a:p>
+                <a:pPr algn="ctr"/>
+                <a:endParaRPr lang="pt-BR"/>
+              </a:p>
+            </p:txBody>
+          </p:sp>
+          <p:sp>
+            <p:nvSpPr>
+              <p:cNvPr id="32" name="Retângulo de cantos arredondados 31"/>
+              <p:cNvSpPr/>
+              <p:nvPr/>
+            </p:nvSpPr>
+            <p:spPr>
+              <a:xfrm rot="2108702">
+                <a:off x="6049851" y="6008511"/>
+                <a:ext cx="185257" cy="55535"/>
+              </a:xfrm>
+              <a:prstGeom prst="roundRect">
+                <a:avLst>
+                  <a:gd name="adj" fmla="val 50000"/>
+                </a:avLst>
+              </a:prstGeom>
+              <a:solidFill>
+                <a:schemeClr val="bg1"/>
+              </a:solidFill>
+              <a:ln>
+                <a:noFill/>
+              </a:ln>
+            </p:spPr>
+            <p:style>
+              <a:lnRef idx="2">
+                <a:schemeClr val="accent1">
+                  <a:shade val="50000"/>
+                </a:schemeClr>
+              </a:lnRef>
+              <a:fillRef idx="1">
+                <a:schemeClr val="accent1"/>
+              </a:fillRef>
+              <a:effectRef idx="0">
+                <a:schemeClr val="accent1"/>
+              </a:effectRef>
+              <a:fontRef idx="minor">
+                <a:schemeClr val="lt1"/>
+              </a:fontRef>
+            </p:style>
+            <p:txBody>
+              <a:bodyPr rtlCol="0" anchor="ctr"/>
+              <a:lstStyle/>
+              <a:p>
+                <a:pPr algn="ctr"/>
+                <a:endParaRPr lang="pt-BR"/>
+              </a:p>
+            </p:txBody>
+          </p:sp>
+        </p:grpSp>
+        <p:grpSp>
+          <p:nvGrpSpPr>
+            <p:cNvPr id="34" name="Grupo 33"/>
+            <p:cNvGrpSpPr/>
+            <p:nvPr/>
+          </p:nvGrpSpPr>
+          <p:grpSpPr>
+            <a:xfrm rot="10996738">
+              <a:off x="1245741" y="5623884"/>
+              <a:ext cx="325833" cy="152902"/>
+              <a:chOff x="5909863" y="6008511"/>
+              <a:chExt cx="325833" cy="152902"/>
+            </a:xfrm>
+          </p:grpSpPr>
+          <p:sp>
+            <p:nvSpPr>
+              <p:cNvPr id="35" name="Retângulo de cantos arredondados 34"/>
+              <p:cNvSpPr/>
+              <p:nvPr/>
+            </p:nvSpPr>
+            <p:spPr>
+              <a:xfrm>
+                <a:off x="5909863" y="6056261"/>
+                <a:ext cx="302643" cy="61523"/>
+              </a:xfrm>
+              <a:prstGeom prst="roundRect">
+                <a:avLst>
+                  <a:gd name="adj" fmla="val 50000"/>
+                </a:avLst>
+              </a:prstGeom>
+              <a:solidFill>
+                <a:schemeClr val="bg1"/>
+              </a:solidFill>
+              <a:ln>
+                <a:noFill/>
+              </a:ln>
+            </p:spPr>
+            <p:style>
+              <a:lnRef idx="2">
+                <a:schemeClr val="accent1">
+                  <a:shade val="50000"/>
+                </a:schemeClr>
+              </a:lnRef>
+              <a:fillRef idx="1">
+                <a:schemeClr val="accent1"/>
+              </a:fillRef>
+              <a:effectRef idx="0">
+                <a:schemeClr val="accent1"/>
+              </a:effectRef>
+              <a:fontRef idx="minor">
+                <a:schemeClr val="lt1"/>
+              </a:fontRef>
+            </p:style>
+            <p:txBody>
+              <a:bodyPr rtlCol="0" anchor="ctr"/>
+              <a:lstStyle/>
+              <a:p>
+                <a:pPr algn="ctr"/>
+                <a:endParaRPr lang="pt-BR"/>
+              </a:p>
+            </p:txBody>
+          </p:sp>
+          <p:sp>
+            <p:nvSpPr>
+              <p:cNvPr id="36" name="Retângulo de cantos arredondados 35"/>
+              <p:cNvSpPr/>
+              <p:nvPr/>
+            </p:nvSpPr>
+            <p:spPr>
+              <a:xfrm rot="19491298" flipV="1">
+                <a:off x="6050439" y="6105480"/>
+                <a:ext cx="185257" cy="55933"/>
+              </a:xfrm>
+              <a:prstGeom prst="roundRect">
+                <a:avLst>
+                  <a:gd name="adj" fmla="val 50000"/>
+                </a:avLst>
+              </a:prstGeom>
+              <a:solidFill>
+                <a:schemeClr val="bg1"/>
+              </a:solidFill>
+              <a:ln>
+                <a:noFill/>
+              </a:ln>
+            </p:spPr>
+            <p:style>
+              <a:lnRef idx="2">
+                <a:schemeClr val="accent1">
+                  <a:shade val="50000"/>
+                </a:schemeClr>
+              </a:lnRef>
+              <a:fillRef idx="1">
+                <a:schemeClr val="accent1"/>
+              </a:fillRef>
+              <a:effectRef idx="0">
+                <a:schemeClr val="accent1"/>
+              </a:effectRef>
+              <a:fontRef idx="minor">
+                <a:schemeClr val="lt1"/>
+              </a:fontRef>
+            </p:style>
+            <p:txBody>
+              <a:bodyPr rtlCol="0" anchor="ctr"/>
+              <a:lstStyle/>
+              <a:p>
+                <a:pPr algn="ctr"/>
+                <a:endParaRPr lang="pt-BR"/>
+              </a:p>
+            </p:txBody>
+          </p:sp>
+          <p:sp>
+            <p:nvSpPr>
+              <p:cNvPr id="37" name="Retângulo de cantos arredondados 36"/>
+              <p:cNvSpPr/>
+              <p:nvPr/>
+            </p:nvSpPr>
+            <p:spPr>
+              <a:xfrm rot="2108702">
+                <a:off x="6049851" y="6008511"/>
+                <a:ext cx="185257" cy="55535"/>
+              </a:xfrm>
+              <a:prstGeom prst="roundRect">
+                <a:avLst>
+                  <a:gd name="adj" fmla="val 50000"/>
+                </a:avLst>
+              </a:prstGeom>
+              <a:solidFill>
+                <a:schemeClr val="bg1"/>
+              </a:solidFill>
+              <a:ln>
+                <a:noFill/>
+              </a:ln>
+            </p:spPr>
+            <p:style>
+              <a:lnRef idx="2">
+                <a:schemeClr val="accent1">
+                  <a:shade val="50000"/>
+                </a:schemeClr>
+              </a:lnRef>
+              <a:fillRef idx="1">
+                <a:schemeClr val="accent1"/>
+              </a:fillRef>
+              <a:effectRef idx="0">
+                <a:schemeClr val="accent1"/>
+              </a:effectRef>
+              <a:fontRef idx="minor">
+                <a:schemeClr val="lt1"/>
+              </a:fontRef>
+            </p:style>
+            <p:txBody>
+              <a:bodyPr rtlCol="0" anchor="ctr"/>
+              <a:lstStyle/>
+              <a:p>
+                <a:pPr algn="ctr"/>
+                <a:endParaRPr lang="pt-BR"/>
+              </a:p>
+            </p:txBody>
+          </p:sp>
+        </p:grpSp>
+      </p:grpSp>
+      <p:grpSp>
+        <p:nvGrpSpPr>
+          <p:cNvPr id="39" name="Grupo 38"/>
+          <p:cNvGrpSpPr/>
+          <p:nvPr/>
+        </p:nvGrpSpPr>
+        <p:grpSpPr>
+          <a:xfrm rot="10800000">
+            <a:off x="4895738" y="5372633"/>
+            <a:ext cx="3304207" cy="652616"/>
+            <a:chOff x="1053629" y="5373215"/>
+            <a:chExt cx="3304207" cy="652616"/>
+          </a:xfrm>
+        </p:grpSpPr>
+        <p:pic>
+          <p:nvPicPr>
+            <p:cNvPr id="40" name="Picture 4"/>
+            <p:cNvPicPr>
+              <a:picLocks noChangeAspect="1" noChangeArrowheads="1"/>
+            </p:cNvPicPr>
+            <p:nvPr/>
+          </p:nvPicPr>
+          <p:blipFill>
+            <a:blip r:embed="rId5" cstate="print">
+              <a:extLst>
+                <a:ext uri="{28A0092B-C50C-407E-A947-70E740481C1C}">
+                  <a14:useLocalDpi xmlns:a14="http://schemas.microsoft.com/office/drawing/2010/main" val="0"/>
+                </a:ext>
+              </a:extLst>
+            </a:blip>
+            <a:srcRect/>
+            <a:stretch>
+              <a:fillRect/>
+            </a:stretch>
+          </p:blipFill>
+          <p:spPr bwMode="auto">
+            <a:xfrm>
+              <a:off x="1053629" y="5373216"/>
+              <a:ext cx="710059" cy="652615"/>
+            </a:xfrm>
+            <a:prstGeom prst="ellipse">
+              <a:avLst/>
+            </a:prstGeom>
+            <a:noFill/>
+            <a:ln>
+              <a:noFill/>
+            </a:ln>
+            <a:extLst>
+              <a:ext uri="{909E8E84-426E-40DD-AFC4-6F175D3DCCD1}">
+                <a14:hiddenFill xmlns:a14="http://schemas.microsoft.com/office/drawing/2010/main">
+                  <a:solidFill>
+                    <a:schemeClr val="accent1"/>
+                  </a:solidFill>
+                </a14:hiddenFill>
+              </a:ext>
+              <a:ext uri="{91240B29-F687-4F45-9708-019B960494DF}">
+                <a14:hiddenLine xmlns:a14="http://schemas.microsoft.com/office/drawing/2010/main" w="9525">
+                  <a:solidFill>
+                    <a:schemeClr val="tx1"/>
+                  </a:solidFill>
+                  <a:miter lim="800000"/>
+                  <a:headEnd/>
+                  <a:tailEnd/>
+                </a14:hiddenLine>
+              </a:ext>
+            </a:extLst>
+          </p:spPr>
+        </p:pic>
+        <p:pic>
+          <p:nvPicPr>
+            <p:cNvPr id="41" name="Picture 4"/>
+            <p:cNvPicPr>
+              <a:picLocks noChangeAspect="1" noChangeArrowheads="1"/>
+            </p:cNvPicPr>
+            <p:nvPr/>
+          </p:nvPicPr>
+          <p:blipFill>
+            <a:blip r:embed="rId5" cstate="print">
+              <a:extLst>
+                <a:ext uri="{28A0092B-C50C-407E-A947-70E740481C1C}">
+                  <a14:useLocalDpi xmlns:a14="http://schemas.microsoft.com/office/drawing/2010/main" val="0"/>
+                </a:ext>
+              </a:extLst>
+            </a:blip>
+            <a:srcRect/>
+            <a:stretch>
+              <a:fillRect/>
+            </a:stretch>
+          </p:blipFill>
+          <p:spPr bwMode="auto">
+            <a:xfrm>
+              <a:off x="3647777" y="5373215"/>
+              <a:ext cx="710059" cy="652615"/>
+            </a:xfrm>
+            <a:prstGeom prst="ellipse">
+              <a:avLst/>
+            </a:prstGeom>
+            <a:noFill/>
+            <a:ln>
+              <a:noFill/>
+            </a:ln>
+            <a:extLst>
+              <a:ext uri="{909E8E84-426E-40DD-AFC4-6F175D3DCCD1}">
+                <a14:hiddenFill xmlns:a14="http://schemas.microsoft.com/office/drawing/2010/main">
+                  <a:solidFill>
+                    <a:schemeClr val="accent1"/>
+                  </a:solidFill>
+                </a14:hiddenFill>
+              </a:ext>
+              <a:ext uri="{91240B29-F687-4F45-9708-019B960494DF}">
+                <a14:hiddenLine xmlns:a14="http://schemas.microsoft.com/office/drawing/2010/main" w="9525">
+                  <a:solidFill>
+                    <a:schemeClr val="tx1"/>
+                  </a:solidFill>
+                  <a:miter lim="800000"/>
+                  <a:headEnd/>
+                  <a:tailEnd/>
+                </a14:hiddenLine>
+              </a:ext>
+            </a:extLst>
+          </p:spPr>
+        </p:pic>
+        <p:grpSp>
+          <p:nvGrpSpPr>
+            <p:cNvPr id="42" name="Grupo 41"/>
+            <p:cNvGrpSpPr/>
+            <p:nvPr/>
+          </p:nvGrpSpPr>
+          <p:grpSpPr>
+            <a:xfrm>
+              <a:off x="3839889" y="5623072"/>
+              <a:ext cx="325833" cy="152902"/>
+              <a:chOff x="5909863" y="6008511"/>
+              <a:chExt cx="325833" cy="152902"/>
+            </a:xfrm>
+          </p:grpSpPr>
+          <p:sp>
+            <p:nvSpPr>
+              <p:cNvPr id="47" name="Retângulo de cantos arredondados 46"/>
+              <p:cNvSpPr/>
+              <p:nvPr/>
+            </p:nvSpPr>
+            <p:spPr>
+              <a:xfrm>
+                <a:off x="5909863" y="6056261"/>
+                <a:ext cx="302643" cy="61523"/>
+              </a:xfrm>
+              <a:prstGeom prst="roundRect">
+                <a:avLst>
+                  <a:gd name="adj" fmla="val 50000"/>
+                </a:avLst>
+              </a:prstGeom>
+              <a:solidFill>
+                <a:schemeClr val="bg1"/>
+              </a:solidFill>
+              <a:ln>
+                <a:noFill/>
+              </a:ln>
+            </p:spPr>
+            <p:style>
+              <a:lnRef idx="2">
+                <a:schemeClr val="accent1">
+                  <a:shade val="50000"/>
+                </a:schemeClr>
+              </a:lnRef>
+              <a:fillRef idx="1">
+                <a:schemeClr val="accent1"/>
+              </a:fillRef>
+              <a:effectRef idx="0">
+                <a:schemeClr val="accent1"/>
+              </a:effectRef>
+              <a:fontRef idx="minor">
+                <a:schemeClr val="lt1"/>
+              </a:fontRef>
+            </p:style>
+            <p:txBody>
+              <a:bodyPr rtlCol="0" anchor="ctr"/>
+              <a:lstStyle/>
+              <a:p>
+                <a:pPr algn="ctr"/>
+                <a:endParaRPr lang="pt-BR"/>
+              </a:p>
+            </p:txBody>
+          </p:sp>
+          <p:sp>
+            <p:nvSpPr>
+              <p:cNvPr id="48" name="Retângulo de cantos arredondados 47"/>
+              <p:cNvSpPr/>
+              <p:nvPr/>
+            </p:nvSpPr>
+            <p:spPr>
+              <a:xfrm rot="19491298" flipV="1">
+                <a:off x="6050439" y="6105480"/>
+                <a:ext cx="185257" cy="55933"/>
+              </a:xfrm>
+              <a:prstGeom prst="roundRect">
+                <a:avLst>
+                  <a:gd name="adj" fmla="val 50000"/>
+                </a:avLst>
+              </a:prstGeom>
+              <a:solidFill>
+                <a:schemeClr val="bg1"/>
+              </a:solidFill>
+              <a:ln>
+                <a:noFill/>
+              </a:ln>
+            </p:spPr>
+            <p:style>
+              <a:lnRef idx="2">
+                <a:schemeClr val="accent1">
+                  <a:shade val="50000"/>
+                </a:schemeClr>
+              </a:lnRef>
+              <a:fillRef idx="1">
+                <a:schemeClr val="accent1"/>
+              </a:fillRef>
+              <a:effectRef idx="0">
+                <a:schemeClr val="accent1"/>
+              </a:effectRef>
+              <a:fontRef idx="minor">
+                <a:schemeClr val="lt1"/>
+              </a:fontRef>
+            </p:style>
+            <p:txBody>
+              <a:bodyPr rtlCol="0" anchor="ctr"/>
+              <a:lstStyle/>
+              <a:p>
+                <a:pPr algn="ctr"/>
+                <a:endParaRPr lang="pt-BR"/>
+              </a:p>
+            </p:txBody>
+          </p:sp>
+          <p:sp>
+            <p:nvSpPr>
+              <p:cNvPr id="49" name="Retângulo de cantos arredondados 48"/>
+              <p:cNvSpPr/>
+              <p:nvPr/>
+            </p:nvSpPr>
+            <p:spPr>
+              <a:xfrm rot="2108702">
+                <a:off x="6049851" y="6008511"/>
+                <a:ext cx="185257" cy="55535"/>
+              </a:xfrm>
+              <a:prstGeom prst="roundRect">
+                <a:avLst>
+                  <a:gd name="adj" fmla="val 50000"/>
+                </a:avLst>
+              </a:prstGeom>
+              <a:solidFill>
+                <a:schemeClr val="bg1"/>
+              </a:solidFill>
+              <a:ln>
+                <a:noFill/>
+              </a:ln>
+            </p:spPr>
+            <p:style>
+              <a:lnRef idx="2">
+                <a:schemeClr val="accent1">
+                  <a:shade val="50000"/>
+                </a:schemeClr>
+              </a:lnRef>
+              <a:fillRef idx="1">
+                <a:schemeClr val="accent1"/>
+              </a:fillRef>
+              <a:effectRef idx="0">
+                <a:schemeClr val="accent1"/>
+              </a:effectRef>
+              <a:fontRef idx="minor">
+                <a:schemeClr val="lt1"/>
+              </a:fontRef>
+            </p:style>
+            <p:txBody>
+              <a:bodyPr rtlCol="0" anchor="ctr"/>
+              <a:lstStyle/>
+              <a:p>
+                <a:pPr algn="ctr"/>
+                <a:endParaRPr lang="pt-BR"/>
+              </a:p>
+            </p:txBody>
+          </p:sp>
+        </p:grpSp>
+        <p:grpSp>
+          <p:nvGrpSpPr>
+            <p:cNvPr id="43" name="Grupo 42"/>
+            <p:cNvGrpSpPr/>
+            <p:nvPr/>
+          </p:nvGrpSpPr>
+          <p:grpSpPr>
+            <a:xfrm rot="10996738">
+              <a:off x="1245741" y="5623884"/>
+              <a:ext cx="325833" cy="152902"/>
+              <a:chOff x="5909863" y="6008511"/>
+              <a:chExt cx="325833" cy="152902"/>
+            </a:xfrm>
+          </p:grpSpPr>
+          <p:sp>
+            <p:nvSpPr>
+              <p:cNvPr id="44" name="Retângulo de cantos arredondados 43"/>
+              <p:cNvSpPr/>
+              <p:nvPr/>
+            </p:nvSpPr>
+            <p:spPr>
+              <a:xfrm>
+                <a:off x="5909863" y="6056261"/>
+                <a:ext cx="302643" cy="61523"/>
+              </a:xfrm>
+              <a:prstGeom prst="roundRect">
+                <a:avLst>
+                  <a:gd name="adj" fmla="val 50000"/>
+                </a:avLst>
+              </a:prstGeom>
+              <a:solidFill>
+                <a:schemeClr val="bg1"/>
+              </a:solidFill>
+              <a:ln>
+                <a:noFill/>
+              </a:ln>
+            </p:spPr>
+            <p:style>
+              <a:lnRef idx="2">
+                <a:schemeClr val="accent1">
+                  <a:shade val="50000"/>
+                </a:schemeClr>
+              </a:lnRef>
+              <a:fillRef idx="1">
+                <a:schemeClr val="accent1"/>
+              </a:fillRef>
+              <a:effectRef idx="0">
+                <a:schemeClr val="accent1"/>
+              </a:effectRef>
+              <a:fontRef idx="minor">
+                <a:schemeClr val="lt1"/>
+              </a:fontRef>
+            </p:style>
+            <p:txBody>
+              <a:bodyPr rtlCol="0" anchor="ctr"/>
+              <a:lstStyle/>
+              <a:p>
+                <a:pPr algn="ctr"/>
+                <a:endParaRPr lang="pt-BR"/>
+              </a:p>
+            </p:txBody>
+          </p:sp>
+          <p:sp>
+            <p:nvSpPr>
+              <p:cNvPr id="45" name="Retângulo de cantos arredondados 44"/>
+              <p:cNvSpPr/>
+              <p:nvPr/>
+            </p:nvSpPr>
+            <p:spPr>
+              <a:xfrm rot="19491298" flipV="1">
+                <a:off x="6050439" y="6105480"/>
+                <a:ext cx="185257" cy="55933"/>
+              </a:xfrm>
+              <a:prstGeom prst="roundRect">
+                <a:avLst>
+                  <a:gd name="adj" fmla="val 50000"/>
+                </a:avLst>
+              </a:prstGeom>
+              <a:solidFill>
+                <a:schemeClr val="bg1"/>
+              </a:solidFill>
+              <a:ln>
+                <a:noFill/>
+              </a:ln>
+            </p:spPr>
+            <p:style>
+              <a:lnRef idx="2">
+                <a:schemeClr val="accent1">
+                  <a:shade val="50000"/>
+                </a:schemeClr>
+              </a:lnRef>
+              <a:fillRef idx="1">
+                <a:schemeClr val="accent1"/>
+              </a:fillRef>
+              <a:effectRef idx="0">
+                <a:schemeClr val="accent1"/>
+              </a:effectRef>
+              <a:fontRef idx="minor">
+                <a:schemeClr val="lt1"/>
+              </a:fontRef>
+            </p:style>
+            <p:txBody>
+              <a:bodyPr rtlCol="0" anchor="ctr"/>
+              <a:lstStyle/>
+              <a:p>
+                <a:pPr algn="ctr"/>
+                <a:endParaRPr lang="pt-BR"/>
+              </a:p>
+            </p:txBody>
+          </p:sp>
+          <p:sp>
+            <p:nvSpPr>
+              <p:cNvPr id="46" name="Retângulo de cantos arredondados 45"/>
+              <p:cNvSpPr/>
+              <p:nvPr/>
+            </p:nvSpPr>
+            <p:spPr>
+              <a:xfrm rot="2108702">
+                <a:off x="6049851" y="6008511"/>
+                <a:ext cx="185257" cy="55535"/>
+              </a:xfrm>
+              <a:prstGeom prst="roundRect">
+                <a:avLst>
+                  <a:gd name="adj" fmla="val 50000"/>
+                </a:avLst>
+              </a:prstGeom>
+              <a:solidFill>
+                <a:schemeClr val="bg1"/>
+              </a:solidFill>
+              <a:ln>
+                <a:noFill/>
+              </a:ln>
+            </p:spPr>
+            <p:style>
+              <a:lnRef idx="2">
+                <a:schemeClr val="accent1">
+                  <a:shade val="50000"/>
+                </a:schemeClr>
+              </a:lnRef>
+              <a:fillRef idx="1">
+                <a:schemeClr val="accent1"/>
+              </a:fillRef>
+              <a:effectRef idx="0">
+                <a:schemeClr val="accent1"/>
+              </a:effectRef>
+              <a:fontRef idx="minor">
+                <a:schemeClr val="lt1"/>
+              </a:fontRef>
+            </p:style>
+            <p:txBody>
+              <a:bodyPr rtlCol="0" anchor="ctr"/>
+              <a:lstStyle/>
+              <a:p>
+                <a:pPr algn="ctr"/>
+                <a:endParaRPr lang="pt-BR"/>
+              </a:p>
+            </p:txBody>
+          </p:sp>
+        </p:grpSp>
+      </p:grpSp>
+    </p:spTree>
+    <p:extLst>
+      <p:ext uri="{BB962C8B-B14F-4D97-AF65-F5344CB8AC3E}">
+        <p14:creationId xmlns:p14="http://schemas.microsoft.com/office/powerpoint/2010/main" val="1694262788"/>
+      </p:ext>
+    </p:extLst>
+  </p:cSld>
+  <p:clrMapOvr>
+    <a:masterClrMapping/>
+  </p:clrMapOvr>
+</p:sld>
+</file>
+
+<file path=ppt/slides/slide11.xml><?xml version="1.0" encoding="utf-8"?>
+<p:sld xmlns:a="http://schemas.openxmlformats.org/drawingml/2006/main" xmlns:r="http://schemas.openxmlformats.org/officeDocument/2006/relationships" xmlns:p="http://schemas.openxmlformats.org/presentationml/2006/main">
+  <p:cSld>
+    <p:spTree>
+      <p:nvGrpSpPr>
+        <p:cNvPr id="1" name=""/>
+        <p:cNvGrpSpPr/>
+        <p:nvPr/>
+      </p:nvGrpSpPr>
+      <p:grpSpPr>
+        <a:xfrm>
+          <a:off x="0" y="0"/>
+          <a:ext cx="0" cy="0"/>
+          <a:chOff x="0" y="0"/>
+          <a:chExt cx="0" cy="0"/>
+        </a:xfrm>
+      </p:grpSpPr>
+      <p:sp>
+        <p:nvSpPr>
+          <p:cNvPr id="3" name="AutoShape 4" descr="Resultado de imagem para water bottle flat design"/>
+          <p:cNvSpPr>
+            <a:spLocks noChangeAspect="1" noChangeArrowheads="1"/>
+          </p:cNvSpPr>
+          <p:nvPr/>
+        </p:nvSpPr>
+        <p:spPr bwMode="auto">
+          <a:xfrm>
+            <a:off x="155575" y="-144463"/>
+            <a:ext cx="304800" cy="304801"/>
+          </a:xfrm>
+          <a:prstGeom prst="rect">
+            <a:avLst/>
+          </a:prstGeom>
+          <a:noFill/>
+          <a:extLst>
+            <a:ext uri="{909E8E84-426E-40DD-AFC4-6F175D3DCCD1}">
+              <a14:hiddenFill xmlns:a14="http://schemas.microsoft.com/office/drawing/2010/main">
+                <a:solidFill>
+                  <a:srgbClr val="FFFFFF"/>
+                </a:solidFill>
+              </a14:hiddenFill>
+            </a:ext>
+          </a:extLst>
+        </p:spPr>
+        <p:txBody>
+          <a:bodyPr vert="horz" wrap="square" lIns="91440" tIns="45720" rIns="91440" bIns="45720" numCol="1" anchor="t" anchorCtr="0" compatLnSpc="1">
+            <a:prstTxWarp prst="textNoShape">
+              <a:avLst/>
+            </a:prstTxWarp>
+          </a:bodyPr>
+          <a:lstStyle/>
+          <a:p>
+            <a:endParaRPr lang="pt-BR"/>
+          </a:p>
+        </p:txBody>
+      </p:sp>
+      <p:sp>
+        <p:nvSpPr>
+          <p:cNvPr id="4" name="AutoShape 6" descr="Resultado de imagem para water bottle flat design"/>
+          <p:cNvSpPr>
+            <a:spLocks noChangeAspect="1" noChangeArrowheads="1"/>
+          </p:cNvSpPr>
+          <p:nvPr/>
+        </p:nvSpPr>
+        <p:spPr bwMode="auto">
+          <a:xfrm>
+            <a:off x="307975" y="7937"/>
+            <a:ext cx="304800" cy="304801"/>
+          </a:xfrm>
+          <a:prstGeom prst="rect">
+            <a:avLst/>
+          </a:prstGeom>
+          <a:noFill/>
+          <a:extLst>
+            <a:ext uri="{909E8E84-426E-40DD-AFC4-6F175D3DCCD1}">
+              <a14:hiddenFill xmlns:a14="http://schemas.microsoft.com/office/drawing/2010/main">
+                <a:solidFill>
+                  <a:srgbClr val="FFFFFF"/>
+                </a:solidFill>
+              </a14:hiddenFill>
+            </a:ext>
+          </a:extLst>
+        </p:spPr>
+        <p:txBody>
+          <a:bodyPr vert="horz" wrap="square" lIns="91440" tIns="45720" rIns="91440" bIns="45720" numCol="1" anchor="t" anchorCtr="0" compatLnSpc="1">
+            <a:prstTxWarp prst="textNoShape">
+              <a:avLst/>
+            </a:prstTxWarp>
+          </a:bodyPr>
+          <a:lstStyle/>
+          <a:p>
+            <a:endParaRPr lang="pt-BR"/>
+          </a:p>
+        </p:txBody>
+      </p:sp>
+      <p:sp>
+        <p:nvSpPr>
+          <p:cNvPr id="5" name="AutoShape 8" descr="Resultado de imagem para water bottle flat design"/>
+          <p:cNvSpPr>
+            <a:spLocks noChangeAspect="1" noChangeArrowheads="1"/>
+          </p:cNvSpPr>
+          <p:nvPr/>
+        </p:nvSpPr>
+        <p:spPr bwMode="auto">
+          <a:xfrm>
+            <a:off x="460375" y="160337"/>
+            <a:ext cx="304800" cy="304801"/>
+          </a:xfrm>
+          <a:prstGeom prst="rect">
+            <a:avLst/>
+          </a:prstGeom>
+          <a:noFill/>
+          <a:extLst>
+            <a:ext uri="{909E8E84-426E-40DD-AFC4-6F175D3DCCD1}">
+              <a14:hiddenFill xmlns:a14="http://schemas.microsoft.com/office/drawing/2010/main">
+                <a:solidFill>
+                  <a:srgbClr val="FFFFFF"/>
+                </a:solidFill>
+              </a14:hiddenFill>
+            </a:ext>
+          </a:extLst>
+        </p:spPr>
+        <p:txBody>
+          <a:bodyPr vert="horz" wrap="square" lIns="91440" tIns="45720" rIns="91440" bIns="45720" numCol="1" anchor="t" anchorCtr="0" compatLnSpc="1">
+            <a:prstTxWarp prst="textNoShape">
+              <a:avLst/>
+            </a:prstTxWarp>
+          </a:bodyPr>
+          <a:lstStyle/>
+          <a:p>
+            <a:endParaRPr lang="pt-BR"/>
+          </a:p>
+        </p:txBody>
+      </p:sp>
+      <p:grpSp>
+        <p:nvGrpSpPr>
+          <p:cNvPr id="40" name="Grupo 39"/>
+          <p:cNvGrpSpPr/>
+          <p:nvPr/>
+        </p:nvGrpSpPr>
+        <p:grpSpPr>
+          <a:xfrm>
+            <a:off x="1082336" y="836712"/>
+            <a:ext cx="2115750" cy="2115750"/>
+            <a:chOff x="1082336" y="2446223"/>
+            <a:chExt cx="2841592" cy="2841592"/>
+          </a:xfrm>
+        </p:grpSpPr>
+        <p:sp>
+          <p:nvSpPr>
+            <p:cNvPr id="39" name="Elipse 38"/>
+            <p:cNvSpPr/>
+            <p:nvPr/>
+          </p:nvSpPr>
+          <p:spPr>
+            <a:xfrm>
+              <a:off x="1082336" y="2446223"/>
+              <a:ext cx="2841592" cy="2841592"/>
+            </a:xfrm>
+            <a:prstGeom prst="ellipse">
+              <a:avLst/>
+            </a:prstGeom>
+            <a:solidFill>
+              <a:srgbClr val="C1E3C2"/>
+            </a:solidFill>
+            <a:ln>
+              <a:noFill/>
+            </a:ln>
+          </p:spPr>
+          <p:style>
+            <a:lnRef idx="2">
+              <a:schemeClr val="accent1">
+                <a:shade val="50000"/>
+              </a:schemeClr>
+            </a:lnRef>
+            <a:fillRef idx="1">
+              <a:schemeClr val="accent1"/>
+            </a:fillRef>
+            <a:effectRef idx="0">
+              <a:schemeClr val="accent1"/>
+            </a:effectRef>
+            <a:fontRef idx="minor">
+              <a:schemeClr val="lt1"/>
+            </a:fontRef>
+          </p:style>
+          <p:txBody>
+            <a:bodyPr rtlCol="0" anchor="ctr"/>
+            <a:lstStyle/>
+            <a:p>
+              <a:pPr algn="ctr"/>
+              <a:endParaRPr lang="pt-BR"/>
+            </a:p>
+          </p:txBody>
+        </p:sp>
+        <p:grpSp>
+          <p:nvGrpSpPr>
+            <p:cNvPr id="38" name="Grupo 37"/>
+            <p:cNvGrpSpPr/>
+            <p:nvPr/>
+          </p:nvGrpSpPr>
+          <p:grpSpPr>
+            <a:xfrm>
+              <a:off x="2110029" y="2818744"/>
+              <a:ext cx="786206" cy="2096549"/>
+              <a:chOff x="4499992" y="1484783"/>
+              <a:chExt cx="1512168" cy="4032449"/>
+            </a:xfrm>
+          </p:grpSpPr>
+          <p:grpSp>
+            <p:nvGrpSpPr>
+              <p:cNvPr id="14" name="Grupo 13"/>
+              <p:cNvGrpSpPr/>
+              <p:nvPr/>
+            </p:nvGrpSpPr>
+            <p:grpSpPr>
+              <a:xfrm>
+                <a:off x="4499992" y="1865434"/>
+                <a:ext cx="1512168" cy="3651798"/>
+                <a:chOff x="4499992" y="1865434"/>
+                <a:chExt cx="1512168" cy="3651798"/>
+              </a:xfrm>
+            </p:grpSpPr>
+            <p:grpSp>
+              <p:nvGrpSpPr>
+                <p:cNvPr id="9" name="Grupo 8"/>
+                <p:cNvGrpSpPr/>
+                <p:nvPr/>
+              </p:nvGrpSpPr>
+              <p:grpSpPr>
+                <a:xfrm>
+                  <a:off x="4499992" y="1865434"/>
+                  <a:ext cx="1512168" cy="3651798"/>
+                  <a:chOff x="4499992" y="1865434"/>
+                  <a:chExt cx="1512168" cy="3651798"/>
+                </a:xfrm>
+                <a:solidFill>
+                  <a:srgbClr val="87C7D9"/>
+                </a:solidFill>
+                <a:effectLst/>
+              </p:grpSpPr>
+              <p:sp>
+                <p:nvSpPr>
+                  <p:cNvPr id="6" name="Retângulo de cantos arredondados 5"/>
+                  <p:cNvSpPr/>
+                  <p:nvPr/>
+                </p:nvSpPr>
+                <p:spPr>
+                  <a:xfrm>
+                    <a:off x="4499992" y="2453032"/>
+                    <a:ext cx="1512168" cy="2808312"/>
+                  </a:xfrm>
+                  <a:prstGeom prst="roundRect">
+                    <a:avLst/>
+                  </a:prstGeom>
+                  <a:grpFill/>
+                  <a:ln>
+                    <a:noFill/>
+                  </a:ln>
+                </p:spPr>
+                <p:style>
+                  <a:lnRef idx="2">
+                    <a:schemeClr val="accent1">
+                      <a:shade val="50000"/>
+                    </a:schemeClr>
+                  </a:lnRef>
+                  <a:fillRef idx="1">
+                    <a:schemeClr val="accent1"/>
+                  </a:fillRef>
+                  <a:effectRef idx="0">
+                    <a:schemeClr val="accent1"/>
+                  </a:effectRef>
+                  <a:fontRef idx="minor">
+                    <a:schemeClr val="lt1"/>
+                  </a:fontRef>
+                </p:style>
+                <p:txBody>
+                  <a:bodyPr rtlCol="0" anchor="ctr"/>
+                  <a:lstStyle/>
+                  <a:p>
+                    <a:pPr algn="ctr"/>
+                    <a:endParaRPr lang="pt-BR"/>
+                  </a:p>
+                </p:txBody>
+              </p:sp>
+              <p:sp>
+                <p:nvSpPr>
+                  <p:cNvPr id="7" name="Elipse 6"/>
+                  <p:cNvSpPr/>
+                  <p:nvPr/>
+                </p:nvSpPr>
+                <p:spPr>
+                  <a:xfrm>
+                    <a:off x="4499992" y="1865434"/>
+                    <a:ext cx="1512168" cy="1413222"/>
+                  </a:xfrm>
+                  <a:prstGeom prst="ellipse">
+                    <a:avLst/>
+                  </a:prstGeom>
+                  <a:grpFill/>
+                  <a:ln>
+                    <a:noFill/>
+                  </a:ln>
+                </p:spPr>
+                <p:style>
+                  <a:lnRef idx="2">
+                    <a:schemeClr val="accent1">
+                      <a:shade val="50000"/>
+                    </a:schemeClr>
+                  </a:lnRef>
+                  <a:fillRef idx="1">
+                    <a:schemeClr val="accent1"/>
+                  </a:fillRef>
+                  <a:effectRef idx="0">
+                    <a:schemeClr val="accent1"/>
+                  </a:effectRef>
+                  <a:fontRef idx="minor">
+                    <a:schemeClr val="lt1"/>
+                  </a:fontRef>
+                </p:style>
+                <p:txBody>
+                  <a:bodyPr rtlCol="0" anchor="ctr"/>
+                  <a:lstStyle/>
+                  <a:p>
+                    <a:pPr algn="ctr"/>
+                    <a:endParaRPr lang="pt-BR"/>
+                  </a:p>
+                </p:txBody>
+              </p:sp>
+              <p:sp>
+                <p:nvSpPr>
+                  <p:cNvPr id="8" name="Elipse 7"/>
+                  <p:cNvSpPr/>
+                  <p:nvPr/>
+                </p:nvSpPr>
+                <p:spPr>
+                  <a:xfrm>
+                    <a:off x="4499992" y="4602832"/>
+                    <a:ext cx="648072" cy="914400"/>
+                  </a:xfrm>
+                  <a:prstGeom prst="ellipse">
+                    <a:avLst/>
+                  </a:prstGeom>
+                  <a:grpFill/>
+                  <a:ln>
+                    <a:noFill/>
+                  </a:ln>
+                </p:spPr>
+                <p:style>
+                  <a:lnRef idx="2">
+                    <a:schemeClr val="accent1">
+                      <a:shade val="50000"/>
+                    </a:schemeClr>
+                  </a:lnRef>
+                  <a:fillRef idx="1">
+                    <a:schemeClr val="accent1"/>
+                  </a:fillRef>
+                  <a:effectRef idx="0">
+                    <a:schemeClr val="accent1"/>
+                  </a:effectRef>
+                  <a:fontRef idx="minor">
+                    <a:schemeClr val="lt1"/>
+                  </a:fontRef>
+                </p:style>
+                <p:txBody>
+                  <a:bodyPr rtlCol="0" anchor="ctr"/>
+                  <a:lstStyle/>
+                  <a:p>
+                    <a:pPr algn="ctr"/>
+                    <a:endParaRPr lang="pt-BR"/>
+                  </a:p>
+                </p:txBody>
+              </p:sp>
+              <p:sp>
+                <p:nvSpPr>
+                  <p:cNvPr id="11" name="Elipse 10"/>
+                  <p:cNvSpPr/>
+                  <p:nvPr/>
+                </p:nvSpPr>
+                <p:spPr>
+                  <a:xfrm>
+                    <a:off x="4932040" y="4602832"/>
+                    <a:ext cx="648072" cy="914400"/>
+                  </a:xfrm>
+                  <a:prstGeom prst="ellipse">
+                    <a:avLst/>
+                  </a:prstGeom>
+                  <a:grpFill/>
+                  <a:ln>
+                    <a:noFill/>
+                  </a:ln>
+                </p:spPr>
+                <p:style>
+                  <a:lnRef idx="2">
+                    <a:schemeClr val="accent1">
+                      <a:shade val="50000"/>
+                    </a:schemeClr>
+                  </a:lnRef>
+                  <a:fillRef idx="1">
+                    <a:schemeClr val="accent1"/>
+                  </a:fillRef>
+                  <a:effectRef idx="0">
+                    <a:schemeClr val="accent1"/>
+                  </a:effectRef>
+                  <a:fontRef idx="minor">
+                    <a:schemeClr val="lt1"/>
+                  </a:fontRef>
+                </p:style>
+                <p:txBody>
+                  <a:bodyPr rtlCol="0" anchor="ctr"/>
+                  <a:lstStyle/>
+                  <a:p>
+                    <a:pPr algn="ctr"/>
+                    <a:endParaRPr lang="pt-BR"/>
+                  </a:p>
+                </p:txBody>
+              </p:sp>
+              <p:sp>
+                <p:nvSpPr>
+                  <p:cNvPr id="12" name="Elipse 11"/>
+                  <p:cNvSpPr/>
+                  <p:nvPr/>
+                </p:nvSpPr>
+                <p:spPr>
+                  <a:xfrm>
+                    <a:off x="5364088" y="4602832"/>
+                    <a:ext cx="648072" cy="914400"/>
+                  </a:xfrm>
+                  <a:prstGeom prst="ellipse">
+                    <a:avLst/>
+                  </a:prstGeom>
+                  <a:grpFill/>
+                  <a:ln>
+                    <a:noFill/>
+                  </a:ln>
+                </p:spPr>
+                <p:style>
+                  <a:lnRef idx="2">
+                    <a:schemeClr val="accent1">
+                      <a:shade val="50000"/>
+                    </a:schemeClr>
+                  </a:lnRef>
+                  <a:fillRef idx="1">
+                    <a:schemeClr val="accent1"/>
+                  </a:fillRef>
+                  <a:effectRef idx="0">
+                    <a:schemeClr val="accent1"/>
+                  </a:effectRef>
+                  <a:fontRef idx="minor">
+                    <a:schemeClr val="lt1"/>
+                  </a:fontRef>
+                </p:style>
+                <p:txBody>
+                  <a:bodyPr rtlCol="0" anchor="ctr"/>
+                  <a:lstStyle/>
+                  <a:p>
+                    <a:pPr algn="ctr"/>
+                    <a:endParaRPr lang="pt-BR"/>
+                  </a:p>
+                </p:txBody>
+              </p:sp>
+            </p:grpSp>
+            <p:sp>
+              <p:nvSpPr>
+                <p:cNvPr id="10" name="Retângulo 9"/>
+                <p:cNvSpPr/>
+                <p:nvPr/>
+              </p:nvSpPr>
+              <p:spPr>
+                <a:xfrm>
+                  <a:off x="4499992" y="3278656"/>
+                  <a:ext cx="1512168" cy="1080120"/>
+                </a:xfrm>
+                <a:prstGeom prst="rect">
+                  <a:avLst/>
+                </a:prstGeom>
+                <a:solidFill>
+                  <a:srgbClr val="47AAC5"/>
+                </a:solidFill>
+                <a:ln>
+                  <a:noFill/>
+                </a:ln>
+              </p:spPr>
+              <p:style>
+                <a:lnRef idx="2">
+                  <a:schemeClr val="accent1">
+                    <a:shade val="50000"/>
+                  </a:schemeClr>
+                </a:lnRef>
+                <a:fillRef idx="1">
+                  <a:schemeClr val="accent1"/>
+                </a:fillRef>
+                <a:effectRef idx="0">
+                  <a:schemeClr val="accent1"/>
+                </a:effectRef>
+                <a:fontRef idx="minor">
+                  <a:schemeClr val="lt1"/>
+                </a:fontRef>
+              </p:style>
+              <p:txBody>
+                <a:bodyPr rtlCol="0" anchor="ctr"/>
+                <a:lstStyle/>
+                <a:p>
+                  <a:pPr algn="ctr"/>
+                  <a:endParaRPr lang="pt-BR"/>
+                </a:p>
+              </p:txBody>
+            </p:sp>
+            <p:sp>
+              <p:nvSpPr>
+                <p:cNvPr id="13" name="Elipse 12"/>
+                <p:cNvSpPr/>
+                <p:nvPr/>
+              </p:nvSpPr>
+              <p:spPr>
+                <a:xfrm>
+                  <a:off x="4942892" y="3505532"/>
+                  <a:ext cx="626368" cy="626368"/>
+                </a:xfrm>
+                <a:prstGeom prst="ellipse">
+                  <a:avLst/>
+                </a:prstGeom>
+                <a:solidFill>
+                  <a:schemeClr val="bg1"/>
+                </a:solidFill>
+                <a:ln>
+                  <a:noFill/>
+                </a:ln>
+              </p:spPr>
+              <p:style>
+                <a:lnRef idx="2">
+                  <a:schemeClr val="accent1">
+                    <a:shade val="50000"/>
+                  </a:schemeClr>
+                </a:lnRef>
+                <a:fillRef idx="1">
+                  <a:schemeClr val="accent1"/>
+                </a:fillRef>
+                <a:effectRef idx="0">
+                  <a:schemeClr val="accent1"/>
+                </a:effectRef>
+                <a:fontRef idx="minor">
+                  <a:schemeClr val="lt1"/>
+                </a:fontRef>
+              </p:style>
+              <p:txBody>
+                <a:bodyPr rtlCol="0" anchor="ctr"/>
+                <a:lstStyle/>
+                <a:p>
+                  <a:pPr algn="ctr"/>
+                  <a:endParaRPr lang="pt-BR"/>
+                </a:p>
+              </p:txBody>
+            </p:sp>
+          </p:grpSp>
+          <p:sp>
+            <p:nvSpPr>
+              <p:cNvPr id="15" name="Retângulo de cantos arredondados 14"/>
+              <p:cNvSpPr/>
+              <p:nvPr/>
+            </p:nvSpPr>
+            <p:spPr>
+              <a:xfrm>
+                <a:off x="5780035" y="2572045"/>
+                <a:ext cx="102586" cy="2369123"/>
+              </a:xfrm>
+              <a:prstGeom prst="roundRect">
+                <a:avLst>
+                  <a:gd name="adj" fmla="val 50000"/>
+                </a:avLst>
+              </a:prstGeom>
+              <a:solidFill>
+                <a:srgbClr val="FFFFFF">
+                  <a:alpha val="38824"/>
+                </a:srgbClr>
+              </a:solidFill>
+              <a:ln>
+                <a:noFill/>
+              </a:ln>
+            </p:spPr>
+            <p:style>
+              <a:lnRef idx="2">
+                <a:schemeClr val="accent1">
+                  <a:shade val="50000"/>
+                </a:schemeClr>
+              </a:lnRef>
+              <a:fillRef idx="1">
+                <a:schemeClr val="accent1"/>
+              </a:fillRef>
+              <a:effectRef idx="0">
+                <a:schemeClr val="accent1"/>
+              </a:effectRef>
+              <a:fontRef idx="minor">
+                <a:schemeClr val="lt1"/>
+              </a:fontRef>
+            </p:style>
+            <p:txBody>
+              <a:bodyPr rtlCol="0" anchor="ctr"/>
+              <a:lstStyle/>
+              <a:p>
+                <a:pPr algn="ctr"/>
+                <a:endParaRPr lang="pt-BR"/>
+              </a:p>
+            </p:txBody>
+          </p:sp>
+          <p:sp>
+            <p:nvSpPr>
+              <p:cNvPr id="35" name="Retângulo de cantos arredondados 34"/>
+              <p:cNvSpPr/>
+              <p:nvPr/>
+            </p:nvSpPr>
+            <p:spPr>
+              <a:xfrm>
+                <a:off x="5004047" y="1794049"/>
+                <a:ext cx="504057" cy="71385"/>
+              </a:xfrm>
+              <a:prstGeom prst="roundRect">
+                <a:avLst>
+                  <a:gd name="adj" fmla="val 50000"/>
+                </a:avLst>
+              </a:prstGeom>
+              <a:solidFill>
+                <a:srgbClr val="87C7D9"/>
+              </a:solidFill>
+              <a:ln>
+                <a:noFill/>
+              </a:ln>
+            </p:spPr>
+            <p:style>
+              <a:lnRef idx="2">
+                <a:schemeClr val="accent1">
+                  <a:shade val="50000"/>
+                </a:schemeClr>
+              </a:lnRef>
+              <a:fillRef idx="1">
+                <a:schemeClr val="accent1"/>
+              </a:fillRef>
+              <a:effectRef idx="0">
+                <a:schemeClr val="accent1"/>
+              </a:effectRef>
+              <a:fontRef idx="minor">
+                <a:schemeClr val="lt1"/>
+              </a:fontRef>
+            </p:style>
+            <p:txBody>
+              <a:bodyPr rtlCol="0" anchor="ctr"/>
+              <a:lstStyle/>
+              <a:p>
+                <a:pPr algn="ctr"/>
+                <a:endParaRPr lang="pt-BR"/>
+              </a:p>
+            </p:txBody>
+          </p:sp>
+          <p:sp>
+            <p:nvSpPr>
+              <p:cNvPr id="36" name="Retângulo de cantos arredondados 35"/>
+              <p:cNvSpPr/>
+              <p:nvPr/>
+            </p:nvSpPr>
+            <p:spPr>
+              <a:xfrm>
+                <a:off x="5076056" y="1624159"/>
+                <a:ext cx="360040" cy="540193"/>
+              </a:xfrm>
+              <a:prstGeom prst="roundRect">
+                <a:avLst/>
+              </a:prstGeom>
+              <a:solidFill>
+                <a:srgbClr val="87C7D9"/>
+              </a:solidFill>
+              <a:ln>
+                <a:noFill/>
+              </a:ln>
+            </p:spPr>
+            <p:style>
+              <a:lnRef idx="2">
+                <a:schemeClr val="accent1">
+                  <a:shade val="50000"/>
+                </a:schemeClr>
+              </a:lnRef>
+              <a:fillRef idx="1">
+                <a:schemeClr val="accent1"/>
+              </a:fillRef>
+              <a:effectRef idx="0">
+                <a:schemeClr val="accent1"/>
+              </a:effectRef>
+              <a:fontRef idx="minor">
+                <a:schemeClr val="lt1"/>
+              </a:fontRef>
+            </p:style>
+            <p:txBody>
+              <a:bodyPr rtlCol="0" anchor="ctr"/>
+              <a:lstStyle/>
+              <a:p>
+                <a:pPr algn="ctr"/>
+                <a:endParaRPr lang="pt-BR"/>
+              </a:p>
+            </p:txBody>
+          </p:sp>
+          <p:sp>
+            <p:nvSpPr>
+              <p:cNvPr id="37" name="Arredondar Retângulo no Mesmo Canto Lateral 36"/>
+              <p:cNvSpPr/>
+              <p:nvPr/>
+            </p:nvSpPr>
+            <p:spPr>
+              <a:xfrm>
+                <a:off x="5009472" y="1484783"/>
+                <a:ext cx="493205" cy="288033"/>
+              </a:xfrm>
+              <a:prstGeom prst="round2SameRect">
+                <a:avLst>
+                  <a:gd name="adj1" fmla="val 26472"/>
+                  <a:gd name="adj2" fmla="val 6568"/>
+                </a:avLst>
+              </a:prstGeom>
+              <a:solidFill>
+                <a:srgbClr val="4AABC6"/>
+              </a:solidFill>
+              <a:ln>
+                <a:noFill/>
+              </a:ln>
+            </p:spPr>
+            <p:style>
+              <a:lnRef idx="2">
+                <a:schemeClr val="accent1">
+                  <a:shade val="50000"/>
+                </a:schemeClr>
+              </a:lnRef>
+              <a:fillRef idx="1">
+                <a:schemeClr val="accent1"/>
+              </a:fillRef>
+              <a:effectRef idx="0">
+                <a:schemeClr val="accent1"/>
+              </a:effectRef>
+              <a:fontRef idx="minor">
+                <a:schemeClr val="lt1"/>
+              </a:fontRef>
+            </p:style>
+            <p:txBody>
+              <a:bodyPr rtlCol="0" anchor="ctr"/>
+              <a:lstStyle/>
+              <a:p>
+                <a:pPr algn="ctr"/>
+                <a:endParaRPr lang="pt-BR"/>
+              </a:p>
+            </p:txBody>
+          </p:sp>
+        </p:grpSp>
+      </p:grpSp>
+    </p:spTree>
+    <p:extLst>
+      <p:ext uri="{BB962C8B-B14F-4D97-AF65-F5344CB8AC3E}">
+        <p14:creationId xmlns:p14="http://schemas.microsoft.com/office/powerpoint/2010/main" val="1806627599"/>
+      </p:ext>
+    </p:extLst>
+  </p:cSld>
+  <p:clrMapOvr>
+    <a:masterClrMapping/>
+  </p:clrMapOvr>
+</p:sld>
+</file>
+
+<file path=ppt/slides/slide12.xml><?xml version="1.0" encoding="utf-8"?>
+<p:sld xmlns:a="http://schemas.openxmlformats.org/drawingml/2006/main" xmlns:r="http://schemas.openxmlformats.org/officeDocument/2006/relationships" xmlns:p="http://schemas.openxmlformats.org/presentationml/2006/main">
+  <p:cSld>
+    <p:spTree>
+      <p:nvGrpSpPr>
+        <p:cNvPr id="1" name=""/>
+        <p:cNvGrpSpPr/>
+        <p:nvPr/>
+      </p:nvGrpSpPr>
+      <p:grpSpPr>
+        <a:xfrm>
+          <a:off x="0" y="0"/>
+          <a:ext cx="0" cy="0"/>
+          <a:chOff x="0" y="0"/>
+          <a:chExt cx="0" cy="0"/>
+        </a:xfrm>
+      </p:grpSpPr>
+      <p:sp>
+        <p:nvSpPr>
+          <p:cNvPr id="2" name="Retângulo 1"/>
+          <p:cNvSpPr/>
+          <p:nvPr/>
+        </p:nvSpPr>
+        <p:spPr>
+          <a:xfrm>
+            <a:off x="2915815" y="476671"/>
+            <a:ext cx="3527623" cy="5681775"/>
+          </a:xfrm>
+          <a:prstGeom prst="rect">
+            <a:avLst/>
+          </a:prstGeom>
+          <a:solidFill>
+            <a:schemeClr val="bg1"/>
+          </a:solidFill>
+          <a:ln>
+            <a:noFill/>
+          </a:ln>
+        </p:spPr>
+        <p:style>
+          <a:lnRef idx="2">
+            <a:schemeClr val="accent1">
+              <a:shade val="50000"/>
+            </a:schemeClr>
+          </a:lnRef>
+          <a:fillRef idx="1">
+            <a:schemeClr val="accent1"/>
+          </a:fillRef>
+          <a:effectRef idx="0">
+            <a:schemeClr val="accent1"/>
+          </a:effectRef>
+          <a:fontRef idx="minor">
+            <a:schemeClr val="lt1"/>
+          </a:fontRef>
+        </p:style>
+        <p:txBody>
+          <a:bodyPr rtlCol="0" anchor="ctr"/>
+          <a:lstStyle/>
+          <a:p>
+            <a:pPr algn="ctr"/>
+            <a:endParaRPr lang="pt-BR" b="1" dirty="0">
+              <a:solidFill>
+                <a:srgbClr val="E1B12C"/>
+              </a:solidFill>
+            </a:endParaRPr>
+          </a:p>
+        </p:txBody>
+      </p:sp>
+    </p:spTree>
+    <p:extLst>
+      <p:ext uri="{BB962C8B-B14F-4D97-AF65-F5344CB8AC3E}">
+        <p14:creationId xmlns:p14="http://schemas.microsoft.com/office/powerpoint/2010/main" val="1731839163"/>
+      </p:ext>
+    </p:extLst>
+  </p:cSld>
+  <p:clrMapOvr>
+    <a:masterClrMapping/>
+  </p:clrMapOvr>
 </p:sld>
 </file>
 
@@ -10309,14 +13088,6 @@
 <file path=ppt/slides/slide5.xml><?xml version="1.0" encoding="utf-8"?>
 <p:sld xmlns:a="http://schemas.openxmlformats.org/drawingml/2006/main" xmlns:r="http://schemas.openxmlformats.org/officeDocument/2006/relationships" xmlns:p="http://schemas.openxmlformats.org/presentationml/2006/main">
   <p:cSld>
-    <p:bg>
-      <p:bgPr>
-        <a:solidFill>
-          <a:schemeClr val="tx1"/>
-        </a:solidFill>
-        <a:effectLst/>
-      </p:bgPr>
-    </p:bg>
     <p:spTree>
       <p:nvGrpSpPr>
         <p:cNvPr id="1" name=""/>
@@ -11093,14 +13864,6 @@
 <file path=ppt/slides/slide6.xml><?xml version="1.0" encoding="utf-8"?>
 <p:sld xmlns:a="http://schemas.openxmlformats.org/drawingml/2006/main" xmlns:r="http://schemas.openxmlformats.org/officeDocument/2006/relationships" xmlns:p="http://schemas.openxmlformats.org/presentationml/2006/main">
   <p:cSld>
-    <p:bg>
-      <p:bgPr>
-        <a:solidFill>
-          <a:schemeClr val="tx1"/>
-        </a:solidFill>
-        <a:effectLst/>
-      </p:bgPr>
-    </p:bg>
     <p:spTree>
       <p:nvGrpSpPr>
         <p:cNvPr id="1" name=""/>
@@ -11933,6 +14696,1121 @@
 </p:sld>
 </file>
 
+<file path=ppt/slides/slide7.xml><?xml version="1.0" encoding="utf-8"?>
+<p:sld xmlns:a="http://schemas.openxmlformats.org/drawingml/2006/main" xmlns:r="http://schemas.openxmlformats.org/officeDocument/2006/relationships" xmlns:p="http://schemas.openxmlformats.org/presentationml/2006/main">
+  <p:cSld>
+    <p:spTree>
+      <p:nvGrpSpPr>
+        <p:cNvPr id="1" name=""/>
+        <p:cNvGrpSpPr/>
+        <p:nvPr/>
+      </p:nvGrpSpPr>
+      <p:grpSpPr>
+        <a:xfrm>
+          <a:off x="0" y="0"/>
+          <a:ext cx="0" cy="0"/>
+          <a:chOff x="0" y="0"/>
+          <a:chExt cx="0" cy="0"/>
+        </a:xfrm>
+      </p:grpSpPr>
+      <p:grpSp>
+        <p:nvGrpSpPr>
+          <p:cNvPr id="18" name="Grupo 17"/>
+          <p:cNvGrpSpPr/>
+          <p:nvPr/>
+        </p:nvGrpSpPr>
+        <p:grpSpPr>
+          <a:xfrm>
+            <a:off x="2915815" y="476671"/>
+            <a:ext cx="3546673" cy="5681777"/>
+            <a:chOff x="2915815" y="476671"/>
+            <a:chExt cx="3546673" cy="5681777"/>
+          </a:xfrm>
+        </p:grpSpPr>
+        <p:sp>
+          <p:nvSpPr>
+            <p:cNvPr id="2" name="Retângulo 1"/>
+            <p:cNvSpPr/>
+            <p:nvPr/>
+          </p:nvSpPr>
+          <p:spPr>
+            <a:xfrm>
+              <a:off x="2915815" y="476671"/>
+              <a:ext cx="3527623" cy="5681775"/>
+            </a:xfrm>
+            <a:prstGeom prst="rect">
+              <a:avLst/>
+            </a:prstGeom>
+            <a:solidFill>
+              <a:schemeClr val="bg1"/>
+            </a:solidFill>
+            <a:ln>
+              <a:noFill/>
+            </a:ln>
+          </p:spPr>
+          <p:style>
+            <a:lnRef idx="2">
+              <a:schemeClr val="accent1">
+                <a:shade val="50000"/>
+              </a:schemeClr>
+            </a:lnRef>
+            <a:fillRef idx="1">
+              <a:schemeClr val="accent1"/>
+            </a:fillRef>
+            <a:effectRef idx="0">
+              <a:schemeClr val="accent1"/>
+            </a:effectRef>
+            <a:fontRef idx="minor">
+              <a:schemeClr val="lt1"/>
+            </a:fontRef>
+          </p:style>
+          <p:txBody>
+            <a:bodyPr rtlCol="0" anchor="ctr"/>
+            <a:lstStyle/>
+            <a:p>
+              <a:pPr algn="ctr"/>
+              <a:endParaRPr lang="pt-BR" b="1" dirty="0">
+                <a:solidFill>
+                  <a:srgbClr val="E1B12C"/>
+                </a:solidFill>
+              </a:endParaRPr>
+            </a:p>
+          </p:txBody>
+        </p:sp>
+        <p:sp>
+          <p:nvSpPr>
+            <p:cNvPr id="3" name="Forma livre 2"/>
+            <p:cNvSpPr/>
+            <p:nvPr/>
+          </p:nvSpPr>
+          <p:spPr>
+            <a:xfrm>
+              <a:off x="2915818" y="476673"/>
+              <a:ext cx="1154804" cy="1080119"/>
+            </a:xfrm>
+            <a:custGeom>
+              <a:avLst/>
+              <a:gdLst/>
+              <a:ahLst/>
+              <a:cxnLst/>
+              <a:rect l="l" t="t" r="r" b="b"/>
+              <a:pathLst>
+                <a:path w="1643125" h="1452913">
+                  <a:moveTo>
+                    <a:pt x="0" y="0"/>
+                  </a:moveTo>
+                  <a:lnTo>
+                    <a:pt x="1641805" y="0"/>
+                  </a:lnTo>
+                  <a:cubicBezTo>
+                    <a:pt x="1651338" y="70500"/>
+                    <a:pt x="1607934" y="154503"/>
+                    <a:pt x="1554584" y="234528"/>
+                  </a:cubicBezTo>
+                  <a:cubicBezTo>
+                    <a:pt x="1444517" y="399628"/>
+                    <a:pt x="987317" y="632461"/>
+                    <a:pt x="729084" y="831428"/>
+                  </a:cubicBezTo>
+                  <a:cubicBezTo>
+                    <a:pt x="470851" y="1030395"/>
+                    <a:pt x="210501" y="1574378"/>
+                    <a:pt x="5184" y="1428328"/>
+                  </a:cubicBezTo>
+                  <a:lnTo>
+                    <a:pt x="0" y="1423726"/>
+                  </a:lnTo>
+                  <a:close/>
+                </a:path>
+              </a:pathLst>
+            </a:custGeom>
+            <a:solidFill>
+              <a:srgbClr val="05C46B"/>
+            </a:solidFill>
+            <a:ln>
+              <a:noFill/>
+            </a:ln>
+          </p:spPr>
+          <p:style>
+            <a:lnRef idx="2">
+              <a:schemeClr val="accent1">
+                <a:shade val="50000"/>
+              </a:schemeClr>
+            </a:lnRef>
+            <a:fillRef idx="1">
+              <a:schemeClr val="accent1"/>
+            </a:fillRef>
+            <a:effectRef idx="0">
+              <a:schemeClr val="accent1"/>
+            </a:effectRef>
+            <a:fontRef idx="minor">
+              <a:schemeClr val="lt1"/>
+            </a:fontRef>
+          </p:style>
+          <p:txBody>
+            <a:bodyPr rtlCol="0" anchor="ctr"/>
+            <a:lstStyle/>
+            <a:p>
+              <a:pPr algn="ctr"/>
+              <a:endParaRPr lang="pt-BR"/>
+            </a:p>
+          </p:txBody>
+        </p:sp>
+        <p:sp>
+          <p:nvSpPr>
+            <p:cNvPr id="4" name="Forma livre 3"/>
+            <p:cNvSpPr/>
+            <p:nvPr/>
+          </p:nvSpPr>
+          <p:spPr>
+            <a:xfrm>
+              <a:off x="2915817" y="5013176"/>
+              <a:ext cx="761064" cy="1145272"/>
+            </a:xfrm>
+            <a:custGeom>
+              <a:avLst/>
+              <a:gdLst/>
+              <a:ahLst/>
+              <a:cxnLst/>
+              <a:rect l="l" t="t" r="r" b="b"/>
+              <a:pathLst>
+                <a:path w="1154804" h="1423971">
+                  <a:moveTo>
+                    <a:pt x="27799" y="361"/>
+                  </a:moveTo>
+                  <a:cubicBezTo>
+                    <a:pt x="288758" y="-12165"/>
+                    <a:pt x="643662" y="303074"/>
+                    <a:pt x="829465" y="538981"/>
+                  </a:cubicBezTo>
+                  <a:cubicBezTo>
+                    <a:pt x="1015268" y="774888"/>
+                    <a:pt x="1205246" y="1175720"/>
+                    <a:pt x="1142616" y="1415802"/>
+                  </a:cubicBezTo>
+                  <a:lnTo>
+                    <a:pt x="1139739" y="1423971"/>
+                  </a:lnTo>
+                  <a:lnTo>
+                    <a:pt x="0" y="1423971"/>
+                  </a:lnTo>
+                  <a:lnTo>
+                    <a:pt x="0" y="4469"/>
+                  </a:lnTo>
+                  <a:cubicBezTo>
+                    <a:pt x="9475" y="1527"/>
+                    <a:pt x="18822" y="792"/>
+                    <a:pt x="27799" y="361"/>
+                  </a:cubicBezTo>
+                  <a:close/>
+                </a:path>
+              </a:pathLst>
+            </a:custGeom>
+            <a:solidFill>
+              <a:srgbClr val="05C46B"/>
+            </a:solidFill>
+            <a:ln>
+              <a:noFill/>
+            </a:ln>
+          </p:spPr>
+          <p:style>
+            <a:lnRef idx="2">
+              <a:schemeClr val="accent1">
+                <a:shade val="50000"/>
+              </a:schemeClr>
+            </a:lnRef>
+            <a:fillRef idx="1">
+              <a:schemeClr val="accent1"/>
+            </a:fillRef>
+            <a:effectRef idx="0">
+              <a:schemeClr val="accent1"/>
+            </a:effectRef>
+            <a:fontRef idx="minor">
+              <a:schemeClr val="lt1"/>
+            </a:fontRef>
+          </p:style>
+          <p:txBody>
+            <a:bodyPr rtlCol="0" anchor="ctr"/>
+            <a:lstStyle/>
+            <a:p>
+              <a:pPr algn="ctr"/>
+              <a:endParaRPr lang="pt-BR"/>
+            </a:p>
+          </p:txBody>
+        </p:sp>
+        <p:sp>
+          <p:nvSpPr>
+            <p:cNvPr id="5" name="Elipse 4"/>
+            <p:cNvSpPr/>
+            <p:nvPr/>
+          </p:nvSpPr>
+          <p:spPr>
+            <a:xfrm>
+              <a:off x="5950416" y="668554"/>
+              <a:ext cx="349200" cy="348178"/>
+            </a:xfrm>
+            <a:prstGeom prst="ellipse">
+              <a:avLst/>
+            </a:prstGeom>
+            <a:solidFill>
+              <a:srgbClr val="05ACF7"/>
+            </a:solidFill>
+            <a:ln>
+              <a:noFill/>
+            </a:ln>
+          </p:spPr>
+          <p:style>
+            <a:lnRef idx="2">
+              <a:schemeClr val="accent1">
+                <a:shade val="50000"/>
+              </a:schemeClr>
+            </a:lnRef>
+            <a:fillRef idx="1">
+              <a:schemeClr val="accent1"/>
+            </a:fillRef>
+            <a:effectRef idx="0">
+              <a:schemeClr val="accent1"/>
+            </a:effectRef>
+            <a:fontRef idx="minor">
+              <a:schemeClr val="lt1"/>
+            </a:fontRef>
+          </p:style>
+          <p:txBody>
+            <a:bodyPr rtlCol="0" anchor="ctr"/>
+            <a:lstStyle/>
+            <a:p>
+              <a:pPr algn="ctr"/>
+              <a:endParaRPr lang="pt-BR"/>
+            </a:p>
+          </p:txBody>
+        </p:sp>
+        <p:sp>
+          <p:nvSpPr>
+            <p:cNvPr id="6" name="Elipse 5"/>
+            <p:cNvSpPr/>
+            <p:nvPr/>
+          </p:nvSpPr>
+          <p:spPr>
+            <a:xfrm>
+              <a:off x="5678652" y="1106732"/>
+              <a:ext cx="180000" cy="180000"/>
+            </a:xfrm>
+            <a:prstGeom prst="ellipse">
+              <a:avLst/>
+            </a:prstGeom>
+            <a:solidFill>
+              <a:srgbClr val="05C46B"/>
+            </a:solidFill>
+            <a:ln>
+              <a:noFill/>
+            </a:ln>
+          </p:spPr>
+          <p:style>
+            <a:lnRef idx="2">
+              <a:schemeClr val="accent1">
+                <a:shade val="50000"/>
+              </a:schemeClr>
+            </a:lnRef>
+            <a:fillRef idx="1">
+              <a:schemeClr val="accent1"/>
+            </a:fillRef>
+            <a:effectRef idx="0">
+              <a:schemeClr val="accent1"/>
+            </a:effectRef>
+            <a:fontRef idx="minor">
+              <a:schemeClr val="lt1"/>
+            </a:fontRef>
+          </p:style>
+          <p:txBody>
+            <a:bodyPr rtlCol="0" anchor="ctr"/>
+            <a:lstStyle/>
+            <a:p>
+              <a:pPr algn="ctr"/>
+              <a:endParaRPr lang="pt-BR"/>
+            </a:p>
+          </p:txBody>
+        </p:sp>
+        <p:grpSp>
+          <p:nvGrpSpPr>
+            <p:cNvPr id="7" name="Grupo 6"/>
+            <p:cNvGrpSpPr/>
+            <p:nvPr/>
+          </p:nvGrpSpPr>
+          <p:grpSpPr>
+            <a:xfrm rot="9338616" flipV="1">
+              <a:off x="3100416" y="4562324"/>
+              <a:ext cx="597264" cy="561211"/>
+              <a:chOff x="4807133" y="5056041"/>
+              <a:chExt cx="620453" cy="618689"/>
+            </a:xfrm>
+          </p:grpSpPr>
+          <p:sp>
+            <p:nvSpPr>
+              <p:cNvPr id="8" name="Elipse 7"/>
+              <p:cNvSpPr/>
+              <p:nvPr/>
+            </p:nvSpPr>
+            <p:spPr>
+              <a:xfrm rot="17160000" flipV="1">
+                <a:off x="5078897" y="5056552"/>
+                <a:ext cx="349200" cy="348178"/>
+              </a:xfrm>
+              <a:prstGeom prst="ellipse">
+                <a:avLst/>
+              </a:prstGeom>
+              <a:solidFill>
+                <a:srgbClr val="05ACF7"/>
+              </a:solidFill>
+              <a:ln>
+                <a:noFill/>
+              </a:ln>
+            </p:spPr>
+            <p:style>
+              <a:lnRef idx="2">
+                <a:schemeClr val="accent1">
+                  <a:shade val="50000"/>
+                </a:schemeClr>
+              </a:lnRef>
+              <a:fillRef idx="1">
+                <a:schemeClr val="accent1"/>
+              </a:fillRef>
+              <a:effectRef idx="0">
+                <a:schemeClr val="accent1"/>
+              </a:effectRef>
+              <a:fontRef idx="minor">
+                <a:schemeClr val="lt1"/>
+              </a:fontRef>
+            </p:style>
+            <p:txBody>
+              <a:bodyPr rtlCol="0" anchor="ctr"/>
+              <a:lstStyle/>
+              <a:p>
+                <a:pPr algn="ctr"/>
+                <a:endParaRPr lang="pt-BR"/>
+              </a:p>
+            </p:txBody>
+          </p:sp>
+          <p:sp>
+            <p:nvSpPr>
+              <p:cNvPr id="9" name="Elipse 8"/>
+              <p:cNvSpPr/>
+              <p:nvPr/>
+            </p:nvSpPr>
+            <p:spPr>
+              <a:xfrm rot="17160000" flipV="1">
+                <a:off x="4807133" y="5494730"/>
+                <a:ext cx="180000" cy="180000"/>
+              </a:xfrm>
+              <a:prstGeom prst="ellipse">
+                <a:avLst/>
+              </a:prstGeom>
+              <a:solidFill>
+                <a:srgbClr val="05C46B"/>
+              </a:solidFill>
+              <a:ln>
+                <a:noFill/>
+              </a:ln>
+            </p:spPr>
+            <p:style>
+              <a:lnRef idx="2">
+                <a:schemeClr val="accent1">
+                  <a:shade val="50000"/>
+                </a:schemeClr>
+              </a:lnRef>
+              <a:fillRef idx="1">
+                <a:schemeClr val="accent1"/>
+              </a:fillRef>
+              <a:effectRef idx="0">
+                <a:schemeClr val="accent1"/>
+              </a:effectRef>
+              <a:fontRef idx="minor">
+                <a:schemeClr val="lt1"/>
+              </a:fontRef>
+            </p:style>
+            <p:txBody>
+              <a:bodyPr rtlCol="0" anchor="ctr"/>
+              <a:lstStyle/>
+              <a:p>
+                <a:pPr algn="ctr"/>
+                <a:endParaRPr lang="pt-BR"/>
+              </a:p>
+            </p:txBody>
+          </p:sp>
+        </p:grpSp>
+        <p:sp>
+          <p:nvSpPr>
+            <p:cNvPr id="12" name="Forma livre 11"/>
+            <p:cNvSpPr/>
+            <p:nvPr/>
+          </p:nvSpPr>
+          <p:spPr>
+            <a:xfrm>
+              <a:off x="5163540" y="4797498"/>
+              <a:ext cx="1298948" cy="1360950"/>
+            </a:xfrm>
+            <a:custGeom>
+              <a:avLst/>
+              <a:gdLst/>
+              <a:ahLst/>
+              <a:cxnLst/>
+              <a:rect l="l" t="t" r="r" b="b"/>
+              <a:pathLst>
+                <a:path w="1298948" h="1360950">
+                  <a:moveTo>
+                    <a:pt x="1296710" y="32"/>
+                  </a:moveTo>
+                  <a:cubicBezTo>
+                    <a:pt x="1297454" y="-5"/>
+                    <a:pt x="1298197" y="-40"/>
+                    <a:pt x="1298948" y="123"/>
+                  </a:cubicBezTo>
+                  <a:lnTo>
+                    <a:pt x="1298948" y="1360950"/>
+                  </a:lnTo>
+                  <a:lnTo>
+                    <a:pt x="0" y="1360950"/>
+                  </a:lnTo>
+                  <a:cubicBezTo>
+                    <a:pt x="14017" y="1267347"/>
+                    <a:pt x="38154" y="1183677"/>
+                    <a:pt x="53286" y="1134376"/>
+                  </a:cubicBezTo>
+                  <a:cubicBezTo>
+                    <a:pt x="102498" y="974039"/>
+                    <a:pt x="423173" y="1018489"/>
+                    <a:pt x="529536" y="896251"/>
+                  </a:cubicBezTo>
+                  <a:cubicBezTo>
+                    <a:pt x="635898" y="774014"/>
+                    <a:pt x="537474" y="543826"/>
+                    <a:pt x="691461" y="400951"/>
+                  </a:cubicBezTo>
+                  <a:cubicBezTo>
+                    <a:pt x="816576" y="284865"/>
+                    <a:pt x="1064307" y="11580"/>
+                    <a:pt x="1296710" y="32"/>
+                  </a:cubicBezTo>
+                  <a:close/>
+                </a:path>
+              </a:pathLst>
+            </a:custGeom>
+            <a:solidFill>
+              <a:srgbClr val="05ACF7"/>
+            </a:solidFill>
+            <a:ln>
+              <a:noFill/>
+            </a:ln>
+          </p:spPr>
+          <p:style>
+            <a:lnRef idx="2">
+              <a:schemeClr val="accent1">
+                <a:shade val="50000"/>
+              </a:schemeClr>
+            </a:lnRef>
+            <a:fillRef idx="1">
+              <a:schemeClr val="accent1"/>
+            </a:fillRef>
+            <a:effectRef idx="0">
+              <a:schemeClr val="accent1"/>
+            </a:effectRef>
+            <a:fontRef idx="minor">
+              <a:schemeClr val="lt1"/>
+            </a:fontRef>
+          </p:style>
+          <p:txBody>
+            <a:bodyPr rtlCol="0" anchor="ctr"/>
+            <a:lstStyle/>
+            <a:p>
+              <a:pPr algn="ctr"/>
+              <a:endParaRPr lang="pt-BR"/>
+            </a:p>
+          </p:txBody>
+        </p:sp>
+      </p:grpSp>
+    </p:spTree>
+    <p:extLst>
+      <p:ext uri="{BB962C8B-B14F-4D97-AF65-F5344CB8AC3E}">
+        <p14:creationId xmlns:p14="http://schemas.microsoft.com/office/powerpoint/2010/main" val="1091803127"/>
+      </p:ext>
+    </p:extLst>
+  </p:cSld>
+  <p:clrMapOvr>
+    <a:masterClrMapping/>
+  </p:clrMapOvr>
+</p:sld>
+</file>
+
+<file path=ppt/slides/slide8.xml><?xml version="1.0" encoding="utf-8"?>
+<p:sld xmlns:a="http://schemas.openxmlformats.org/drawingml/2006/main" xmlns:r="http://schemas.openxmlformats.org/officeDocument/2006/relationships" xmlns:p="http://schemas.openxmlformats.org/presentationml/2006/main">
+  <p:cSld>
+    <p:spTree>
+      <p:nvGrpSpPr>
+        <p:cNvPr id="1" name=""/>
+        <p:cNvGrpSpPr/>
+        <p:nvPr/>
+      </p:nvGrpSpPr>
+      <p:grpSpPr>
+        <a:xfrm>
+          <a:off x="0" y="0"/>
+          <a:ext cx="0" cy="0"/>
+          <a:chOff x="0" y="0"/>
+          <a:chExt cx="0" cy="0"/>
+        </a:xfrm>
+      </p:grpSpPr>
+      <p:pic>
+        <p:nvPicPr>
+          <p:cNvPr id="1027" name="Picture 3"/>
+          <p:cNvPicPr>
+            <a:picLocks noChangeAspect="1" noChangeArrowheads="1"/>
+          </p:cNvPicPr>
+          <p:nvPr/>
+        </p:nvPicPr>
+        <p:blipFill>
+          <a:blip r:embed="rId2">
+            <a:extLst>
+              <a:ext uri="{28A0092B-C50C-407E-A947-70E740481C1C}">
+                <a14:useLocalDpi xmlns:a14="http://schemas.microsoft.com/office/drawing/2010/main" val="0"/>
+              </a:ext>
+            </a:extLst>
+          </a:blip>
+          <a:srcRect/>
+          <a:stretch>
+            <a:fillRect/>
+          </a:stretch>
+        </p:blipFill>
+        <p:spPr bwMode="auto">
+          <a:xfrm>
+            <a:off x="0" y="555302"/>
+            <a:ext cx="3543300" cy="5686425"/>
+          </a:xfrm>
+          <a:prstGeom prst="rect">
+            <a:avLst/>
+          </a:prstGeom>
+          <a:noFill/>
+          <a:ln>
+            <a:noFill/>
+          </a:ln>
+          <a:extLst>
+            <a:ext uri="{909E8E84-426E-40DD-AFC4-6F175D3DCCD1}">
+              <a14:hiddenFill xmlns:a14="http://schemas.microsoft.com/office/drawing/2010/main">
+                <a:solidFill>
+                  <a:schemeClr val="accent1"/>
+                </a:solidFill>
+              </a14:hiddenFill>
+            </a:ext>
+            <a:ext uri="{91240B29-F687-4F45-9708-019B960494DF}">
+              <a14:hiddenLine xmlns:a14="http://schemas.microsoft.com/office/drawing/2010/main" w="9525">
+                <a:solidFill>
+                  <a:schemeClr val="tx1"/>
+                </a:solidFill>
+                <a:miter lim="800000"/>
+                <a:headEnd/>
+                <a:tailEnd/>
+              </a14:hiddenLine>
+            </a:ext>
+          </a:extLst>
+        </p:spPr>
+      </p:pic>
+      <p:pic>
+        <p:nvPicPr>
+          <p:cNvPr id="1028" name="Picture 4"/>
+          <p:cNvPicPr>
+            <a:picLocks noChangeAspect="1" noChangeArrowheads="1"/>
+          </p:cNvPicPr>
+          <p:nvPr/>
+        </p:nvPicPr>
+        <p:blipFill>
+          <a:blip r:embed="rId3">
+            <a:extLst>
+              <a:ext uri="{28A0092B-C50C-407E-A947-70E740481C1C}">
+                <a14:useLocalDpi xmlns:a14="http://schemas.microsoft.com/office/drawing/2010/main" val="0"/>
+              </a:ext>
+            </a:extLst>
+          </a:blip>
+          <a:srcRect/>
+          <a:stretch>
+            <a:fillRect/>
+          </a:stretch>
+        </p:blipFill>
+        <p:spPr bwMode="auto">
+          <a:xfrm>
+            <a:off x="4427984" y="555301"/>
+            <a:ext cx="3543300" cy="5686425"/>
+          </a:xfrm>
+          <a:prstGeom prst="rect">
+            <a:avLst/>
+          </a:prstGeom>
+          <a:noFill/>
+          <a:ln>
+            <a:noFill/>
+          </a:ln>
+          <a:extLst>
+            <a:ext uri="{909E8E84-426E-40DD-AFC4-6F175D3DCCD1}">
+              <a14:hiddenFill xmlns:a14="http://schemas.microsoft.com/office/drawing/2010/main">
+                <a:solidFill>
+                  <a:schemeClr val="accent1"/>
+                </a:solidFill>
+              </a14:hiddenFill>
+            </a:ext>
+            <a:ext uri="{91240B29-F687-4F45-9708-019B960494DF}">
+              <a14:hiddenLine xmlns:a14="http://schemas.microsoft.com/office/drawing/2010/main" w="9525">
+                <a:solidFill>
+                  <a:schemeClr val="tx1"/>
+                </a:solidFill>
+                <a:miter lim="800000"/>
+                <a:headEnd/>
+                <a:tailEnd/>
+              </a14:hiddenLine>
+            </a:ext>
+          </a:extLst>
+        </p:spPr>
+      </p:pic>
+    </p:spTree>
+    <p:extLst>
+      <p:ext uri="{BB962C8B-B14F-4D97-AF65-F5344CB8AC3E}">
+        <p14:creationId xmlns:p14="http://schemas.microsoft.com/office/powerpoint/2010/main" val="4226836644"/>
+      </p:ext>
+    </p:extLst>
+  </p:cSld>
+  <p:clrMapOvr>
+    <a:masterClrMapping/>
+  </p:clrMapOvr>
+</p:sld>
+</file>
+
+<file path=ppt/slides/slide9.xml><?xml version="1.0" encoding="utf-8"?>
+<p:sld xmlns:a="http://schemas.openxmlformats.org/drawingml/2006/main" xmlns:r="http://schemas.openxmlformats.org/officeDocument/2006/relationships" xmlns:p="http://schemas.openxmlformats.org/presentationml/2006/main">
+  <p:cSld>
+    <p:spTree>
+      <p:nvGrpSpPr>
+        <p:cNvPr id="1" name=""/>
+        <p:cNvGrpSpPr/>
+        <p:nvPr/>
+      </p:nvGrpSpPr>
+      <p:grpSpPr>
+        <a:xfrm>
+          <a:off x="0" y="0"/>
+          <a:ext cx="0" cy="0"/>
+          <a:chOff x="0" y="0"/>
+          <a:chExt cx="0" cy="0"/>
+        </a:xfrm>
+      </p:grpSpPr>
+      <p:pic>
+        <p:nvPicPr>
+          <p:cNvPr id="2050" name="Picture 2"/>
+          <p:cNvPicPr>
+            <a:picLocks noChangeAspect="1" noChangeArrowheads="1"/>
+          </p:cNvPicPr>
+          <p:nvPr/>
+        </p:nvPicPr>
+        <p:blipFill>
+          <a:blip r:embed="rId2">
+            <a:extLst>
+              <a:ext uri="{28A0092B-C50C-407E-A947-70E740481C1C}">
+                <a14:useLocalDpi xmlns:a14="http://schemas.microsoft.com/office/drawing/2010/main" val="0"/>
+              </a:ext>
+            </a:extLst>
+          </a:blip>
+          <a:srcRect/>
+          <a:stretch>
+            <a:fillRect/>
+          </a:stretch>
+        </p:blipFill>
+        <p:spPr bwMode="auto">
+          <a:xfrm>
+            <a:off x="487413" y="836712"/>
+            <a:ext cx="3524250" cy="5686425"/>
+          </a:xfrm>
+          <a:prstGeom prst="rect">
+            <a:avLst/>
+          </a:prstGeom>
+          <a:noFill/>
+          <a:ln>
+            <a:noFill/>
+          </a:ln>
+          <a:extLst>
+            <a:ext uri="{909E8E84-426E-40DD-AFC4-6F175D3DCCD1}">
+              <a14:hiddenFill xmlns:a14="http://schemas.microsoft.com/office/drawing/2010/main">
+                <a:solidFill>
+                  <a:schemeClr val="accent1"/>
+                </a:solidFill>
+              </a14:hiddenFill>
+            </a:ext>
+            <a:ext uri="{91240B29-F687-4F45-9708-019B960494DF}">
+              <a14:hiddenLine xmlns:a14="http://schemas.microsoft.com/office/drawing/2010/main" w="9525">
+                <a:solidFill>
+                  <a:schemeClr val="tx1"/>
+                </a:solidFill>
+                <a:miter lim="800000"/>
+                <a:headEnd/>
+                <a:tailEnd/>
+              </a14:hiddenLine>
+            </a:ext>
+          </a:extLst>
+        </p:spPr>
+      </p:pic>
+      <p:pic>
+        <p:nvPicPr>
+          <p:cNvPr id="2051" name="Picture 3"/>
+          <p:cNvPicPr>
+            <a:picLocks noChangeAspect="1" noChangeArrowheads="1"/>
+          </p:cNvPicPr>
+          <p:nvPr/>
+        </p:nvPicPr>
+        <p:blipFill>
+          <a:blip r:embed="rId3">
+            <a:extLst>
+              <a:ext uri="{28A0092B-C50C-407E-A947-70E740481C1C}">
+                <a14:useLocalDpi xmlns:a14="http://schemas.microsoft.com/office/drawing/2010/main" val="0"/>
+              </a:ext>
+            </a:extLst>
+          </a:blip>
+          <a:srcRect/>
+          <a:stretch>
+            <a:fillRect/>
+          </a:stretch>
+        </p:blipFill>
+        <p:spPr bwMode="auto">
+          <a:xfrm>
+            <a:off x="4644008" y="836711"/>
+            <a:ext cx="3524250" cy="5686425"/>
+          </a:xfrm>
+          <a:prstGeom prst="rect">
+            <a:avLst/>
+          </a:prstGeom>
+          <a:noFill/>
+          <a:ln>
+            <a:noFill/>
+          </a:ln>
+          <a:extLst>
+            <a:ext uri="{909E8E84-426E-40DD-AFC4-6F175D3DCCD1}">
+              <a14:hiddenFill xmlns:a14="http://schemas.microsoft.com/office/drawing/2010/main">
+                <a:solidFill>
+                  <a:schemeClr val="accent1"/>
+                </a:solidFill>
+              </a14:hiddenFill>
+            </a:ext>
+            <a:ext uri="{91240B29-F687-4F45-9708-019B960494DF}">
+              <a14:hiddenLine xmlns:a14="http://schemas.microsoft.com/office/drawing/2010/main" w="9525">
+                <a:solidFill>
+                  <a:schemeClr val="tx1"/>
+                </a:solidFill>
+                <a:miter lim="800000"/>
+                <a:headEnd/>
+                <a:tailEnd/>
+              </a14:hiddenLine>
+            </a:ext>
+          </a:extLst>
+        </p:spPr>
+      </p:pic>
+      <p:sp>
+        <p:nvSpPr>
+          <p:cNvPr id="19" name="Elipse 18"/>
+          <p:cNvSpPr/>
+          <p:nvPr/>
+        </p:nvSpPr>
+        <p:spPr>
+          <a:xfrm>
+            <a:off x="611560" y="980727"/>
+            <a:ext cx="794492" cy="781447"/>
+          </a:xfrm>
+          <a:prstGeom prst="ellipse">
+            <a:avLst/>
+          </a:prstGeom>
+          <a:solidFill>
+            <a:srgbClr val="FA3A94"/>
+          </a:solidFill>
+          <a:ln w="57150">
+            <a:solidFill>
+              <a:schemeClr val="bg1">
+                <a:lumMod val="85000"/>
+              </a:schemeClr>
+            </a:solidFill>
+          </a:ln>
+        </p:spPr>
+        <p:style>
+          <a:lnRef idx="2">
+            <a:schemeClr val="accent1">
+              <a:shade val="50000"/>
+            </a:schemeClr>
+          </a:lnRef>
+          <a:fillRef idx="1">
+            <a:schemeClr val="accent1"/>
+          </a:fillRef>
+          <a:effectRef idx="0">
+            <a:schemeClr val="accent1"/>
+          </a:effectRef>
+          <a:fontRef idx="minor">
+            <a:schemeClr val="lt1"/>
+          </a:fontRef>
+        </p:style>
+        <p:txBody>
+          <a:bodyPr rtlCol="0" anchor="ctr"/>
+          <a:lstStyle/>
+          <a:p>
+            <a:pPr algn="ctr"/>
+            <a:endParaRPr lang="pt-BR"/>
+          </a:p>
+        </p:txBody>
+      </p:sp>
+      <p:sp>
+        <p:nvSpPr>
+          <p:cNvPr id="20" name="CaixaDeTexto 19"/>
+          <p:cNvSpPr txBox="1"/>
+          <p:nvPr/>
+        </p:nvSpPr>
+        <p:spPr>
+          <a:xfrm>
+            <a:off x="668809" y="1186784"/>
+            <a:ext cx="679994" cy="369332"/>
+          </a:xfrm>
+          <a:prstGeom prst="rect">
+            <a:avLst/>
+          </a:prstGeom>
+          <a:noFill/>
+        </p:spPr>
+        <p:txBody>
+          <a:bodyPr wrap="none" rtlCol="0">
+            <a:spAutoFit/>
+          </a:bodyPr>
+          <a:lstStyle/>
+          <a:p>
+            <a:r>
+              <a:rPr lang="pt-BR" b="1" dirty="0" smtClean="0">
+                <a:solidFill>
+                  <a:schemeClr val="bg1">
+                    <a:lumMod val="95000"/>
+                  </a:schemeClr>
+                </a:solidFill>
+                <a:latin typeface="Century Gothic" panose="020B0502020202020204" pitchFamily="34" charset="0"/>
+              </a:rPr>
+              <a:t>1/</a:t>
+            </a:r>
+            <a:r>
+              <a:rPr lang="pt-BR" dirty="0" smtClean="0">
+                <a:solidFill>
+                  <a:schemeClr val="bg1">
+                    <a:lumMod val="95000"/>
+                  </a:schemeClr>
+                </a:solidFill>
+                <a:latin typeface="Century Gothic" panose="020B0502020202020204" pitchFamily="34" charset="0"/>
+              </a:rPr>
+              <a:t>10</a:t>
+            </a:r>
+            <a:endParaRPr lang="pt-BR" dirty="0">
+              <a:solidFill>
+                <a:schemeClr val="bg1">
+                  <a:lumMod val="95000"/>
+                </a:schemeClr>
+              </a:solidFill>
+              <a:latin typeface="Century Gothic" panose="020B0502020202020204" pitchFamily="34" charset="0"/>
+            </a:endParaRPr>
+          </a:p>
+        </p:txBody>
+      </p:sp>
+      <p:sp>
+        <p:nvSpPr>
+          <p:cNvPr id="32" name="Elipse 31"/>
+          <p:cNvSpPr/>
+          <p:nvPr/>
+        </p:nvSpPr>
+        <p:spPr>
+          <a:xfrm>
+            <a:off x="4860032" y="980726"/>
+            <a:ext cx="794492" cy="781447"/>
+          </a:xfrm>
+          <a:prstGeom prst="ellipse">
+            <a:avLst/>
+          </a:prstGeom>
+          <a:solidFill>
+            <a:srgbClr val="FA5308"/>
+          </a:solidFill>
+          <a:ln w="57150">
+            <a:solidFill>
+              <a:schemeClr val="bg1">
+                <a:lumMod val="85000"/>
+              </a:schemeClr>
+            </a:solidFill>
+          </a:ln>
+        </p:spPr>
+        <p:style>
+          <a:lnRef idx="2">
+            <a:schemeClr val="accent1">
+              <a:shade val="50000"/>
+            </a:schemeClr>
+          </a:lnRef>
+          <a:fillRef idx="1">
+            <a:schemeClr val="accent1"/>
+          </a:fillRef>
+          <a:effectRef idx="0">
+            <a:schemeClr val="accent1"/>
+          </a:effectRef>
+          <a:fontRef idx="minor">
+            <a:schemeClr val="lt1"/>
+          </a:fontRef>
+        </p:style>
+        <p:txBody>
+          <a:bodyPr rtlCol="0" anchor="ctr"/>
+          <a:lstStyle/>
+          <a:p>
+            <a:pPr algn="ctr"/>
+            <a:endParaRPr lang="pt-BR"/>
+          </a:p>
+        </p:txBody>
+      </p:sp>
+      <p:grpSp>
+        <p:nvGrpSpPr>
+          <p:cNvPr id="29" name="Grupo 28"/>
+          <p:cNvGrpSpPr/>
+          <p:nvPr/>
+        </p:nvGrpSpPr>
+        <p:grpSpPr>
+          <a:xfrm>
+            <a:off x="5035231" y="1030042"/>
+            <a:ext cx="444094" cy="682814"/>
+            <a:chOff x="2474516" y="1514465"/>
+            <a:chExt cx="444094" cy="682814"/>
+          </a:xfrm>
+        </p:grpSpPr>
+        <p:sp>
+          <p:nvSpPr>
+            <p:cNvPr id="21" name="CaixaDeTexto 20"/>
+            <p:cNvSpPr txBox="1"/>
+            <p:nvPr/>
+          </p:nvSpPr>
+          <p:spPr>
+            <a:xfrm>
+              <a:off x="2545523" y="1514465"/>
+              <a:ext cx="252613" cy="270300"/>
+            </a:xfrm>
+            <a:prstGeom prst="rect">
+              <a:avLst/>
+            </a:prstGeom>
+            <a:noFill/>
+          </p:spPr>
+          <p:txBody>
+            <a:bodyPr wrap="none" rtlCol="0">
+              <a:spAutoFit/>
+            </a:bodyPr>
+            <a:lstStyle/>
+            <a:p>
+              <a:r>
+                <a:rPr lang="pt-BR" b="1" dirty="0" smtClean="0">
+                  <a:solidFill>
+                    <a:schemeClr val="bg1">
+                      <a:lumMod val="85000"/>
+                    </a:schemeClr>
+                  </a:solidFill>
+                  <a:latin typeface="Century Gothic" panose="020B0502020202020204" pitchFamily="34" charset="0"/>
+                </a:rPr>
+                <a:t>1</a:t>
+              </a:r>
+              <a:endParaRPr lang="pt-BR" b="1" dirty="0">
+                <a:solidFill>
+                  <a:schemeClr val="bg1">
+                    <a:lumMod val="85000"/>
+                  </a:schemeClr>
+                </a:solidFill>
+                <a:latin typeface="Century Gothic" panose="020B0502020202020204" pitchFamily="34" charset="0"/>
+              </a:endParaRPr>
+            </a:p>
+          </p:txBody>
+        </p:sp>
+        <p:cxnSp>
+          <p:nvCxnSpPr>
+            <p:cNvPr id="23" name="Conector reto 22"/>
+            <p:cNvCxnSpPr/>
+            <p:nvPr/>
+          </p:nvCxnSpPr>
+          <p:spPr>
+            <a:xfrm>
+              <a:off x="2543733" y="1856522"/>
+              <a:ext cx="305661" cy="0"/>
+            </a:xfrm>
+            <a:prstGeom prst="line">
+              <a:avLst/>
+            </a:prstGeom>
+            <a:ln w="25400">
+              <a:solidFill>
+                <a:schemeClr val="bg1">
+                  <a:lumMod val="85000"/>
+                </a:schemeClr>
+              </a:solidFill>
+            </a:ln>
+          </p:spPr>
+          <p:style>
+            <a:lnRef idx="1">
+              <a:schemeClr val="accent1"/>
+            </a:lnRef>
+            <a:fillRef idx="0">
+              <a:schemeClr val="accent1"/>
+            </a:fillRef>
+            <a:effectRef idx="0">
+              <a:schemeClr val="accent1"/>
+            </a:effectRef>
+            <a:fontRef idx="minor">
+              <a:schemeClr val="tx1"/>
+            </a:fontRef>
+          </p:style>
+        </p:cxnSp>
+        <p:sp>
+          <p:nvSpPr>
+            <p:cNvPr id="27" name="CaixaDeTexto 26"/>
+            <p:cNvSpPr txBox="1"/>
+            <p:nvPr/>
+          </p:nvSpPr>
+          <p:spPr>
+            <a:xfrm>
+              <a:off x="2474516" y="1827947"/>
+              <a:ext cx="444094" cy="369332"/>
+            </a:xfrm>
+            <a:prstGeom prst="rect">
+              <a:avLst/>
+            </a:prstGeom>
+            <a:noFill/>
+          </p:spPr>
+          <p:txBody>
+            <a:bodyPr wrap="square" rtlCol="0">
+              <a:spAutoFit/>
+            </a:bodyPr>
+            <a:lstStyle/>
+            <a:p>
+              <a:r>
+                <a:rPr lang="pt-BR" dirty="0" smtClean="0">
+                  <a:solidFill>
+                    <a:schemeClr val="bg1">
+                      <a:lumMod val="85000"/>
+                    </a:schemeClr>
+                  </a:solidFill>
+                  <a:latin typeface="Century Gothic" panose="020B0502020202020204" pitchFamily="34" charset="0"/>
+                </a:rPr>
+                <a:t>10</a:t>
+              </a:r>
+              <a:endParaRPr lang="pt-BR" dirty="0">
+                <a:solidFill>
+                  <a:schemeClr val="bg1">
+                    <a:lumMod val="85000"/>
+                  </a:schemeClr>
+                </a:solidFill>
+                <a:latin typeface="Century Gothic" panose="020B0502020202020204" pitchFamily="34" charset="0"/>
+              </a:endParaRPr>
+            </a:p>
+          </p:txBody>
+        </p:sp>
+      </p:grpSp>
+    </p:spTree>
+    <p:extLst>
+      <p:ext uri="{BB962C8B-B14F-4D97-AF65-F5344CB8AC3E}">
+        <p14:creationId xmlns:p14="http://schemas.microsoft.com/office/powerpoint/2010/main" val="3540427168"/>
+      </p:ext>
+    </p:extLst>
+  </p:cSld>
+  <p:clrMapOvr>
+    <a:masterClrMapping/>
+  </p:clrMapOvr>
+</p:sld>
+</file>
+
 <file path=ppt/theme/theme1.xml><?xml version="1.0" encoding="utf-8"?>
 <a:theme xmlns:a="http://schemas.openxmlformats.org/drawingml/2006/main" name="Tema do Office">
   <a:themeElements>

--- a/design.pptx
+++ b/design.pptx
@@ -17,6 +17,7 @@
     <p:sldId id="265" r:id="rId11"/>
     <p:sldId id="267" r:id="rId12"/>
     <p:sldId id="266" r:id="rId13"/>
+    <p:sldId id="268" r:id="rId14"/>
   </p:sldIdLst>
   <p:sldSz cx="9144000" cy="6858000" type="screen4x3"/>
   <p:notesSz cx="6858000" cy="9144000"/>
@@ -117,7 +118,7 @@
   </p:defaultTextStyle>
   <p:extLst>
     <p:ext uri="{EFAFB233-063F-42B5-8137-9DF3F51BA10A}">
-      <p15:sldGuideLst xmlns="" xmlns:p15="http://schemas.microsoft.com/office/powerpoint/2012/main">
+      <p15:sldGuideLst xmlns:p15="http://schemas.microsoft.com/office/powerpoint/2012/main" xmlns="">
         <p15:guide id="1" orient="horz" pos="2160">
           <p15:clr>
             <a:srgbClr val="A4A3A4"/>
@@ -7257,6 +7258,13 @@
   <p:clrMapOvr>
     <a:masterClrMapping/>
   </p:clrMapOvr>
+  <p:timing>
+    <p:tnLst>
+      <p:par>
+        <p:cTn id="1" dur="indefinite" restart="never" nodeType="tmRoot"/>
+      </p:par>
+    </p:tnLst>
+  </p:timing>
 </p:sld>
 </file>
 
@@ -7355,71 +7363,32 @@
           </a:p>
         </p:txBody>
       </p:sp>
-      <p:sp>
-        <p:nvSpPr>
-          <p:cNvPr id="5" name="AutoShape 8" descr="Resultado de imagem para water bottle flat design"/>
-          <p:cNvSpPr>
-            <a:spLocks noChangeAspect="1" noChangeArrowheads="1"/>
-          </p:cNvSpPr>
-          <p:nvPr/>
-        </p:nvSpPr>
-        <p:spPr bwMode="auto">
-          <a:xfrm>
-            <a:off x="460375" y="160337"/>
-            <a:ext cx="304800" cy="304801"/>
-          </a:xfrm>
-          <a:prstGeom prst="rect">
-            <a:avLst/>
-          </a:prstGeom>
-          <a:noFill/>
-          <a:extLst>
-            <a:ext uri="{909E8E84-426E-40DD-AFC4-6F175D3DCCD1}">
-              <a14:hiddenFill xmlns:a14="http://schemas.microsoft.com/office/drawing/2010/main">
-                <a:solidFill>
-                  <a:srgbClr val="FFFFFF"/>
-                </a:solidFill>
-              </a14:hiddenFill>
-            </a:ext>
-          </a:extLst>
-        </p:spPr>
-        <p:txBody>
-          <a:bodyPr vert="horz" wrap="square" lIns="91440" tIns="45720" rIns="91440" bIns="45720" numCol="1" anchor="t" anchorCtr="0" compatLnSpc="1">
-            <a:prstTxWarp prst="textNoShape">
-              <a:avLst/>
-            </a:prstTxWarp>
-          </a:bodyPr>
-          <a:lstStyle/>
-          <a:p>
-            <a:endParaRPr lang="pt-BR"/>
-          </a:p>
-        </p:txBody>
-      </p:sp>
       <p:grpSp>
         <p:nvGrpSpPr>
-          <p:cNvPr id="40" name="Grupo 39"/>
+          <p:cNvPr id="2" name="Grupo 1"/>
           <p:cNvGrpSpPr/>
           <p:nvPr/>
         </p:nvGrpSpPr>
         <p:grpSpPr>
           <a:xfrm>
-            <a:off x="1082336" y="836712"/>
+            <a:off x="94148" y="167705"/>
             <a:ext cx="2115750" cy="2115750"/>
-            <a:chOff x="1082336" y="2446223"/>
-            <a:chExt cx="2841592" cy="2841592"/>
+            <a:chOff x="1082336" y="836712"/>
+            <a:chExt cx="2115750" cy="2115750"/>
           </a:xfrm>
         </p:grpSpPr>
         <p:sp>
           <p:nvSpPr>
-            <p:cNvPr id="39" name="Elipse 38"/>
+            <p:cNvPr id="39" name="Retângulo de cantos arredondados 38"/>
             <p:cNvSpPr/>
             <p:nvPr/>
           </p:nvSpPr>
           <p:spPr>
             <a:xfrm>
-              <a:off x="1082336" y="2446223"/>
-              <a:ext cx="2841592" cy="2841592"/>
+              <a:off x="1082336" y="836712"/>
+              <a:ext cx="2115750" cy="2115750"/>
             </a:xfrm>
-            <a:prstGeom prst="ellipse">
+            <a:prstGeom prst="roundRect">
               <a:avLst/>
             </a:prstGeom>
             <a:solidFill>
@@ -7462,8 +7431,8 @@
           </p:nvGrpSpPr>
           <p:grpSpPr>
             <a:xfrm>
-              <a:off x="2110029" y="2818744"/>
-              <a:ext cx="786206" cy="2096549"/>
+              <a:off x="1847520" y="1114078"/>
+              <a:ext cx="585381" cy="1561017"/>
               <a:chOff x="4499992" y="1484783"/>
               <a:chExt cx="1512168" cy="4032449"/>
             </a:xfrm>
@@ -8009,6 +7978,3650 @@
           </p:sp>
         </p:grpSp>
       </p:grpSp>
+      <p:grpSp>
+        <p:nvGrpSpPr>
+          <p:cNvPr id="22" name="Grupo 21"/>
+          <p:cNvGrpSpPr/>
+          <p:nvPr/>
+        </p:nvGrpSpPr>
+        <p:grpSpPr>
+          <a:xfrm>
+            <a:off x="2768893" y="160337"/>
+            <a:ext cx="2115750" cy="2115750"/>
+            <a:chOff x="4813176" y="404664"/>
+            <a:chExt cx="2567136" cy="2761456"/>
+          </a:xfrm>
+        </p:grpSpPr>
+        <p:sp>
+          <p:nvSpPr>
+            <p:cNvPr id="23" name="Retângulo de cantos arredondados 22"/>
+            <p:cNvSpPr/>
+            <p:nvPr/>
+          </p:nvSpPr>
+          <p:spPr>
+            <a:xfrm>
+              <a:off x="4813176" y="404664"/>
+              <a:ext cx="2567136" cy="2761456"/>
+            </a:xfrm>
+            <a:prstGeom prst="roundRect">
+              <a:avLst/>
+            </a:prstGeom>
+            <a:solidFill>
+              <a:srgbClr val="F4C92D"/>
+            </a:solidFill>
+            <a:ln>
+              <a:noFill/>
+            </a:ln>
+          </p:spPr>
+          <p:style>
+            <a:lnRef idx="2">
+              <a:schemeClr val="accent1">
+                <a:shade val="50000"/>
+              </a:schemeClr>
+            </a:lnRef>
+            <a:fillRef idx="1">
+              <a:schemeClr val="accent1"/>
+            </a:fillRef>
+            <a:effectRef idx="0">
+              <a:schemeClr val="accent1"/>
+            </a:effectRef>
+            <a:fontRef idx="minor">
+              <a:schemeClr val="lt1"/>
+            </a:fontRef>
+          </p:style>
+          <p:txBody>
+            <a:bodyPr rtlCol="0" anchor="ctr"/>
+            <a:lstStyle/>
+            <a:p>
+              <a:pPr algn="ctr"/>
+              <a:endParaRPr lang="pt-BR"/>
+            </a:p>
+          </p:txBody>
+        </p:sp>
+        <p:sp>
+          <p:nvSpPr>
+            <p:cNvPr id="24" name="Forma livre 23"/>
+            <p:cNvSpPr/>
+            <p:nvPr/>
+          </p:nvSpPr>
+          <p:spPr>
+            <a:xfrm>
+              <a:off x="5097294" y="1468877"/>
+              <a:ext cx="2283018" cy="1697240"/>
+            </a:xfrm>
+            <a:custGeom>
+              <a:avLst/>
+              <a:gdLst/>
+              <a:ahLst/>
+              <a:cxnLst/>
+              <a:rect l="l" t="t" r="r" b="b"/>
+              <a:pathLst>
+                <a:path w="2283018" h="1697240">
+                  <a:moveTo>
+                    <a:pt x="476655" y="0"/>
+                  </a:moveTo>
+                  <a:lnTo>
+                    <a:pt x="749029" y="311285"/>
+                  </a:lnTo>
+                  <a:lnTo>
+                    <a:pt x="1498059" y="340468"/>
+                  </a:lnTo>
+                  <a:lnTo>
+                    <a:pt x="1721795" y="9727"/>
+                  </a:lnTo>
+                  <a:lnTo>
+                    <a:pt x="2283018" y="357893"/>
+                  </a:lnTo>
+                  <a:lnTo>
+                    <a:pt x="2283018" y="1269375"/>
+                  </a:lnTo>
+                  <a:cubicBezTo>
+                    <a:pt x="2283018" y="1505678"/>
+                    <a:pt x="2091456" y="1697240"/>
+                    <a:pt x="1855153" y="1697240"/>
+                  </a:cubicBezTo>
+                  <a:lnTo>
+                    <a:pt x="1043675" y="1697240"/>
+                  </a:lnTo>
+                  <a:lnTo>
+                    <a:pt x="0" y="379378"/>
+                  </a:lnTo>
+                  <a:close/>
+                </a:path>
+              </a:pathLst>
+            </a:custGeom>
+            <a:solidFill>
+              <a:srgbClr val="000000">
+                <a:alpha val="10196"/>
+              </a:srgbClr>
+            </a:solidFill>
+            <a:ln>
+              <a:noFill/>
+            </a:ln>
+          </p:spPr>
+          <p:style>
+            <a:lnRef idx="2">
+              <a:schemeClr val="accent1">
+                <a:shade val="50000"/>
+              </a:schemeClr>
+            </a:lnRef>
+            <a:fillRef idx="1">
+              <a:schemeClr val="accent1"/>
+            </a:fillRef>
+            <a:effectRef idx="0">
+              <a:schemeClr val="accent1"/>
+            </a:effectRef>
+            <a:fontRef idx="minor">
+              <a:schemeClr val="lt1"/>
+            </a:fontRef>
+          </p:style>
+          <p:txBody>
+            <a:bodyPr rtlCol="0" anchor="ctr"/>
+            <a:lstStyle/>
+            <a:p>
+              <a:pPr algn="ctr"/>
+              <a:endParaRPr lang="pt-BR"/>
+            </a:p>
+          </p:txBody>
+        </p:sp>
+        <p:grpSp>
+          <p:nvGrpSpPr>
+            <p:cNvPr id="25" name="Grupo 24"/>
+            <p:cNvGrpSpPr/>
+            <p:nvPr/>
+          </p:nvGrpSpPr>
+          <p:grpSpPr>
+            <a:xfrm>
+              <a:off x="5089730" y="1461356"/>
+              <a:ext cx="2014028" cy="648072"/>
+              <a:chOff x="5294276" y="3504071"/>
+              <a:chExt cx="2014028" cy="648072"/>
+            </a:xfrm>
+          </p:grpSpPr>
+          <p:sp>
+            <p:nvSpPr>
+              <p:cNvPr id="26" name="Retângulo 25"/>
+              <p:cNvSpPr/>
+              <p:nvPr/>
+            </p:nvSpPr>
+            <p:spPr>
+              <a:xfrm>
+                <a:off x="5580112" y="3789040"/>
+                <a:ext cx="1440160" cy="78135"/>
+              </a:xfrm>
+              <a:prstGeom prst="rect">
+                <a:avLst/>
+              </a:prstGeom>
+              <a:solidFill>
+                <a:srgbClr val="4A272E"/>
+              </a:solidFill>
+              <a:ln>
+                <a:noFill/>
+              </a:ln>
+            </p:spPr>
+            <p:style>
+              <a:lnRef idx="2">
+                <a:schemeClr val="accent1">
+                  <a:shade val="50000"/>
+                </a:schemeClr>
+              </a:lnRef>
+              <a:fillRef idx="1">
+                <a:schemeClr val="accent1"/>
+              </a:fillRef>
+              <a:effectRef idx="0">
+                <a:schemeClr val="accent1"/>
+              </a:effectRef>
+              <a:fontRef idx="minor">
+                <a:schemeClr val="lt1"/>
+              </a:fontRef>
+            </p:style>
+            <p:txBody>
+              <a:bodyPr rtlCol="0" anchor="ctr"/>
+              <a:lstStyle/>
+              <a:p>
+                <a:pPr algn="ctr"/>
+                <a:endParaRPr lang="pt-BR"/>
+              </a:p>
+            </p:txBody>
+          </p:sp>
+          <p:sp>
+            <p:nvSpPr>
+              <p:cNvPr id="27" name="Retângulo 26"/>
+              <p:cNvSpPr/>
+              <p:nvPr/>
+            </p:nvSpPr>
+            <p:spPr>
+              <a:xfrm>
+                <a:off x="5580112" y="3504071"/>
+                <a:ext cx="196164" cy="648072"/>
+              </a:xfrm>
+              <a:prstGeom prst="rect">
+                <a:avLst/>
+              </a:prstGeom>
+              <a:solidFill>
+                <a:srgbClr val="4A272E"/>
+              </a:solidFill>
+              <a:ln>
+                <a:noFill/>
+              </a:ln>
+            </p:spPr>
+            <p:style>
+              <a:lnRef idx="2">
+                <a:schemeClr val="accent1">
+                  <a:shade val="50000"/>
+                </a:schemeClr>
+              </a:lnRef>
+              <a:fillRef idx="1">
+                <a:schemeClr val="accent1"/>
+              </a:fillRef>
+              <a:effectRef idx="0">
+                <a:schemeClr val="accent1"/>
+              </a:effectRef>
+              <a:fontRef idx="minor">
+                <a:schemeClr val="lt1"/>
+              </a:fontRef>
+            </p:style>
+            <p:txBody>
+              <a:bodyPr rtlCol="0" anchor="ctr"/>
+              <a:lstStyle/>
+              <a:p>
+                <a:pPr algn="ctr"/>
+                <a:endParaRPr lang="pt-BR"/>
+              </a:p>
+            </p:txBody>
+          </p:sp>
+          <p:sp>
+            <p:nvSpPr>
+              <p:cNvPr id="28" name="Retângulo 27"/>
+              <p:cNvSpPr/>
+              <p:nvPr/>
+            </p:nvSpPr>
+            <p:spPr>
+              <a:xfrm>
+                <a:off x="6816824" y="3504071"/>
+                <a:ext cx="203448" cy="648072"/>
+              </a:xfrm>
+              <a:prstGeom prst="rect">
+                <a:avLst/>
+              </a:prstGeom>
+              <a:solidFill>
+                <a:srgbClr val="4A272E"/>
+              </a:solidFill>
+              <a:ln>
+                <a:noFill/>
+              </a:ln>
+            </p:spPr>
+            <p:style>
+              <a:lnRef idx="2">
+                <a:schemeClr val="accent1">
+                  <a:shade val="50000"/>
+                </a:schemeClr>
+              </a:lnRef>
+              <a:fillRef idx="1">
+                <a:schemeClr val="accent1"/>
+              </a:fillRef>
+              <a:effectRef idx="0">
+                <a:schemeClr val="accent1"/>
+              </a:effectRef>
+              <a:fontRef idx="minor">
+                <a:schemeClr val="lt1"/>
+              </a:fontRef>
+            </p:style>
+            <p:txBody>
+              <a:bodyPr rtlCol="0" anchor="ctr"/>
+              <a:lstStyle/>
+              <a:p>
+                <a:pPr algn="ctr"/>
+                <a:endParaRPr lang="pt-BR"/>
+              </a:p>
+            </p:txBody>
+          </p:sp>
+          <p:sp>
+            <p:nvSpPr>
+              <p:cNvPr id="29" name="Retângulo 28"/>
+              <p:cNvSpPr/>
+              <p:nvPr/>
+            </p:nvSpPr>
+            <p:spPr>
+              <a:xfrm>
+                <a:off x="5436096" y="3601549"/>
+                <a:ext cx="144016" cy="453113"/>
+              </a:xfrm>
+              <a:prstGeom prst="rect">
+                <a:avLst/>
+              </a:prstGeom>
+              <a:solidFill>
+                <a:srgbClr val="733318"/>
+              </a:solidFill>
+              <a:ln>
+                <a:noFill/>
+              </a:ln>
+            </p:spPr>
+            <p:style>
+              <a:lnRef idx="2">
+                <a:schemeClr val="accent1">
+                  <a:shade val="50000"/>
+                </a:schemeClr>
+              </a:lnRef>
+              <a:fillRef idx="1">
+                <a:schemeClr val="accent1"/>
+              </a:fillRef>
+              <a:effectRef idx="0">
+                <a:schemeClr val="accent1"/>
+              </a:effectRef>
+              <a:fontRef idx="minor">
+                <a:schemeClr val="lt1"/>
+              </a:fontRef>
+            </p:style>
+            <p:txBody>
+              <a:bodyPr rtlCol="0" anchor="ctr"/>
+              <a:lstStyle/>
+              <a:p>
+                <a:pPr algn="ctr"/>
+                <a:endParaRPr lang="pt-BR"/>
+              </a:p>
+            </p:txBody>
+          </p:sp>
+          <p:sp>
+            <p:nvSpPr>
+              <p:cNvPr id="30" name="Retângulo 29"/>
+              <p:cNvSpPr/>
+              <p:nvPr/>
+            </p:nvSpPr>
+            <p:spPr>
+              <a:xfrm>
+                <a:off x="7020272" y="3601550"/>
+                <a:ext cx="144016" cy="453113"/>
+              </a:xfrm>
+              <a:prstGeom prst="rect">
+                <a:avLst/>
+              </a:prstGeom>
+              <a:solidFill>
+                <a:srgbClr val="733318"/>
+              </a:solidFill>
+              <a:ln>
+                <a:noFill/>
+              </a:ln>
+            </p:spPr>
+            <p:style>
+              <a:lnRef idx="2">
+                <a:schemeClr val="accent1">
+                  <a:shade val="50000"/>
+                </a:schemeClr>
+              </a:lnRef>
+              <a:fillRef idx="1">
+                <a:schemeClr val="accent1"/>
+              </a:fillRef>
+              <a:effectRef idx="0">
+                <a:schemeClr val="accent1"/>
+              </a:effectRef>
+              <a:fontRef idx="minor">
+                <a:schemeClr val="lt1"/>
+              </a:fontRef>
+            </p:style>
+            <p:txBody>
+              <a:bodyPr rtlCol="0" anchor="ctr"/>
+              <a:lstStyle/>
+              <a:p>
+                <a:pPr algn="ctr"/>
+                <a:endParaRPr lang="pt-BR"/>
+              </a:p>
+            </p:txBody>
+          </p:sp>
+          <p:sp>
+            <p:nvSpPr>
+              <p:cNvPr id="31" name="Retângulo 30"/>
+              <p:cNvSpPr/>
+              <p:nvPr/>
+            </p:nvSpPr>
+            <p:spPr>
+              <a:xfrm>
+                <a:off x="5294276" y="3742168"/>
+                <a:ext cx="144016" cy="171877"/>
+              </a:xfrm>
+              <a:prstGeom prst="rect">
+                <a:avLst/>
+              </a:prstGeom>
+              <a:solidFill>
+                <a:srgbClr val="4A272E"/>
+              </a:solidFill>
+              <a:ln>
+                <a:noFill/>
+              </a:ln>
+            </p:spPr>
+            <p:style>
+              <a:lnRef idx="2">
+                <a:schemeClr val="accent1">
+                  <a:shade val="50000"/>
+                </a:schemeClr>
+              </a:lnRef>
+              <a:fillRef idx="1">
+                <a:schemeClr val="accent1"/>
+              </a:fillRef>
+              <a:effectRef idx="0">
+                <a:schemeClr val="accent1"/>
+              </a:effectRef>
+              <a:fontRef idx="minor">
+                <a:schemeClr val="lt1"/>
+              </a:fontRef>
+            </p:style>
+            <p:txBody>
+              <a:bodyPr rtlCol="0" anchor="ctr"/>
+              <a:lstStyle/>
+              <a:p>
+                <a:pPr algn="ctr"/>
+                <a:endParaRPr lang="pt-BR"/>
+              </a:p>
+            </p:txBody>
+          </p:sp>
+          <p:sp>
+            <p:nvSpPr>
+              <p:cNvPr id="32" name="Retângulo 31"/>
+              <p:cNvSpPr/>
+              <p:nvPr/>
+            </p:nvSpPr>
+            <p:spPr>
+              <a:xfrm>
+                <a:off x="7164288" y="3742166"/>
+                <a:ext cx="144016" cy="171877"/>
+              </a:xfrm>
+              <a:prstGeom prst="rect">
+                <a:avLst/>
+              </a:prstGeom>
+              <a:solidFill>
+                <a:srgbClr val="4A272E"/>
+              </a:solidFill>
+              <a:ln>
+                <a:noFill/>
+              </a:ln>
+            </p:spPr>
+            <p:style>
+              <a:lnRef idx="2">
+                <a:schemeClr val="accent1">
+                  <a:shade val="50000"/>
+                </a:schemeClr>
+              </a:lnRef>
+              <a:fillRef idx="1">
+                <a:schemeClr val="accent1"/>
+              </a:fillRef>
+              <a:effectRef idx="0">
+                <a:schemeClr val="accent1"/>
+              </a:effectRef>
+              <a:fontRef idx="minor">
+                <a:schemeClr val="lt1"/>
+              </a:fontRef>
+            </p:style>
+            <p:txBody>
+              <a:bodyPr rtlCol="0" anchor="ctr"/>
+              <a:lstStyle/>
+              <a:p>
+                <a:pPr algn="ctr"/>
+                <a:endParaRPr lang="pt-BR"/>
+              </a:p>
+            </p:txBody>
+          </p:sp>
+        </p:grpSp>
+      </p:grpSp>
+      <p:grpSp>
+        <p:nvGrpSpPr>
+          <p:cNvPr id="33" name="Grupo 32"/>
+          <p:cNvGrpSpPr/>
+          <p:nvPr/>
+        </p:nvGrpSpPr>
+        <p:grpSpPr>
+          <a:xfrm>
+            <a:off x="94148" y="2651609"/>
+            <a:ext cx="2115750" cy="2115750"/>
+            <a:chOff x="4572000" y="1556792"/>
+            <a:chExt cx="2115750" cy="2115750"/>
+          </a:xfrm>
+        </p:grpSpPr>
+        <p:sp>
+          <p:nvSpPr>
+            <p:cNvPr id="34" name="Retângulo de cantos arredondados 33"/>
+            <p:cNvSpPr/>
+            <p:nvPr/>
+          </p:nvSpPr>
+          <p:spPr>
+            <a:xfrm>
+              <a:off x="4572000" y="1556792"/>
+              <a:ext cx="2115750" cy="2115750"/>
+            </a:xfrm>
+            <a:prstGeom prst="roundRect">
+              <a:avLst/>
+            </a:prstGeom>
+            <a:solidFill>
+              <a:srgbClr val="DC513C"/>
+            </a:solidFill>
+            <a:ln>
+              <a:noFill/>
+            </a:ln>
+          </p:spPr>
+          <p:style>
+            <a:lnRef idx="2">
+              <a:schemeClr val="accent1">
+                <a:shade val="50000"/>
+              </a:schemeClr>
+            </a:lnRef>
+            <a:fillRef idx="1">
+              <a:schemeClr val="accent1"/>
+            </a:fillRef>
+            <a:effectRef idx="0">
+              <a:schemeClr val="accent1"/>
+            </a:effectRef>
+            <a:fontRef idx="minor">
+              <a:schemeClr val="lt1"/>
+            </a:fontRef>
+          </p:style>
+          <p:txBody>
+            <a:bodyPr rtlCol="0" anchor="ctr"/>
+            <a:lstStyle/>
+            <a:p>
+              <a:pPr algn="ctr"/>
+              <a:endParaRPr lang="pt-BR"/>
+            </a:p>
+          </p:txBody>
+        </p:sp>
+        <p:sp>
+          <p:nvSpPr>
+            <p:cNvPr id="41" name="Forma livre 40"/>
+            <p:cNvSpPr/>
+            <p:nvPr/>
+          </p:nvSpPr>
+          <p:spPr>
+            <a:xfrm>
+              <a:off x="5461000" y="1987550"/>
+              <a:ext cx="1220090" cy="1684992"/>
+            </a:xfrm>
+            <a:custGeom>
+              <a:avLst/>
+              <a:gdLst/>
+              <a:ahLst/>
+              <a:cxnLst/>
+              <a:rect l="l" t="t" r="r" b="b"/>
+              <a:pathLst>
+                <a:path w="1220090" h="1684992">
+                  <a:moveTo>
+                    <a:pt x="222250" y="0"/>
+                  </a:moveTo>
+                  <a:lnTo>
+                    <a:pt x="1220090" y="472462"/>
+                  </a:lnTo>
+                  <a:lnTo>
+                    <a:pt x="1220090" y="1332360"/>
+                  </a:lnTo>
+                  <a:cubicBezTo>
+                    <a:pt x="1220090" y="1527113"/>
+                    <a:pt x="1062211" y="1684992"/>
+                    <a:pt x="867458" y="1684992"/>
+                  </a:cubicBezTo>
+                  <a:lnTo>
+                    <a:pt x="780284" y="1684992"/>
+                  </a:lnTo>
+                  <a:lnTo>
+                    <a:pt x="0" y="1041400"/>
+                  </a:lnTo>
+                  <a:close/>
+                </a:path>
+              </a:pathLst>
+            </a:custGeom>
+            <a:solidFill>
+              <a:srgbClr val="000000">
+                <a:alpha val="10196"/>
+              </a:srgbClr>
+            </a:solidFill>
+            <a:ln>
+              <a:noFill/>
+            </a:ln>
+          </p:spPr>
+          <p:style>
+            <a:lnRef idx="2">
+              <a:schemeClr val="accent1">
+                <a:shade val="50000"/>
+              </a:schemeClr>
+            </a:lnRef>
+            <a:fillRef idx="1">
+              <a:schemeClr val="accent1"/>
+            </a:fillRef>
+            <a:effectRef idx="0">
+              <a:schemeClr val="accent1"/>
+            </a:effectRef>
+            <a:fontRef idx="minor">
+              <a:schemeClr val="lt1"/>
+            </a:fontRef>
+          </p:style>
+          <p:txBody>
+            <a:bodyPr rtlCol="0" anchor="ctr"/>
+            <a:lstStyle/>
+            <a:p>
+              <a:pPr algn="ctr"/>
+              <a:endParaRPr lang="pt-BR"/>
+            </a:p>
+          </p:txBody>
+        </p:sp>
+        <p:sp>
+          <p:nvSpPr>
+            <p:cNvPr id="42" name="Elipse 41"/>
+            <p:cNvSpPr/>
+            <p:nvPr/>
+          </p:nvSpPr>
+          <p:spPr>
+            <a:xfrm>
+              <a:off x="5172675" y="2157467"/>
+              <a:ext cx="914400" cy="914400"/>
+            </a:xfrm>
+            <a:prstGeom prst="ellipse">
+              <a:avLst/>
+            </a:prstGeom>
+            <a:solidFill>
+              <a:schemeClr val="bg1"/>
+            </a:solidFill>
+            <a:ln>
+              <a:noFill/>
+            </a:ln>
+          </p:spPr>
+          <p:style>
+            <a:lnRef idx="2">
+              <a:schemeClr val="accent1">
+                <a:shade val="50000"/>
+              </a:schemeClr>
+            </a:lnRef>
+            <a:fillRef idx="1">
+              <a:schemeClr val="accent1"/>
+            </a:fillRef>
+            <a:effectRef idx="0">
+              <a:schemeClr val="accent1"/>
+            </a:effectRef>
+            <a:fontRef idx="minor">
+              <a:schemeClr val="lt1"/>
+            </a:fontRef>
+          </p:style>
+          <p:txBody>
+            <a:bodyPr rtlCol="0" anchor="ctr"/>
+            <a:lstStyle/>
+            <a:p>
+              <a:pPr algn="ctr"/>
+              <a:endParaRPr lang="pt-BR"/>
+            </a:p>
+          </p:txBody>
+        </p:sp>
+        <p:sp>
+          <p:nvSpPr>
+            <p:cNvPr id="43" name="Retângulo 42"/>
+            <p:cNvSpPr/>
+            <p:nvPr/>
+          </p:nvSpPr>
+          <p:spPr>
+            <a:xfrm>
+              <a:off x="5607015" y="2204864"/>
+              <a:ext cx="32400" cy="144016"/>
+            </a:xfrm>
+            <a:prstGeom prst="rect">
+              <a:avLst/>
+            </a:prstGeom>
+            <a:solidFill>
+              <a:srgbClr val="C00000"/>
+            </a:solidFill>
+            <a:ln>
+              <a:noFill/>
+            </a:ln>
+          </p:spPr>
+          <p:style>
+            <a:lnRef idx="2">
+              <a:schemeClr val="accent1">
+                <a:shade val="50000"/>
+              </a:schemeClr>
+            </a:lnRef>
+            <a:fillRef idx="1">
+              <a:schemeClr val="accent1"/>
+            </a:fillRef>
+            <a:effectRef idx="0">
+              <a:schemeClr val="accent1"/>
+            </a:effectRef>
+            <a:fontRef idx="minor">
+              <a:schemeClr val="lt1"/>
+            </a:fontRef>
+          </p:style>
+          <p:txBody>
+            <a:bodyPr rtlCol="0" anchor="ctr"/>
+            <a:lstStyle/>
+            <a:p>
+              <a:pPr algn="ctr"/>
+              <a:endParaRPr lang="pt-BR"/>
+            </a:p>
+          </p:txBody>
+        </p:sp>
+        <p:sp>
+          <p:nvSpPr>
+            <p:cNvPr id="44" name="Retângulo 43"/>
+            <p:cNvSpPr/>
+            <p:nvPr/>
+          </p:nvSpPr>
+          <p:spPr>
+            <a:xfrm rot="16200000">
+              <a:off x="5968994" y="2542659"/>
+              <a:ext cx="32400" cy="144016"/>
+            </a:xfrm>
+            <a:prstGeom prst="rect">
+              <a:avLst/>
+            </a:prstGeom>
+            <a:solidFill>
+              <a:srgbClr val="C00000"/>
+            </a:solidFill>
+            <a:ln>
+              <a:noFill/>
+            </a:ln>
+          </p:spPr>
+          <p:style>
+            <a:lnRef idx="2">
+              <a:schemeClr val="accent1">
+                <a:shade val="50000"/>
+              </a:schemeClr>
+            </a:lnRef>
+            <a:fillRef idx="1">
+              <a:schemeClr val="accent1"/>
+            </a:fillRef>
+            <a:effectRef idx="0">
+              <a:schemeClr val="accent1"/>
+            </a:effectRef>
+            <a:fontRef idx="minor">
+              <a:schemeClr val="lt1"/>
+            </a:fontRef>
+          </p:style>
+          <p:txBody>
+            <a:bodyPr rtlCol="0" anchor="ctr"/>
+            <a:lstStyle/>
+            <a:p>
+              <a:pPr algn="ctr"/>
+              <a:endParaRPr lang="pt-BR"/>
+            </a:p>
+          </p:txBody>
+        </p:sp>
+        <p:sp>
+          <p:nvSpPr>
+            <p:cNvPr id="45" name="Retângulo 44"/>
+            <p:cNvSpPr/>
+            <p:nvPr/>
+          </p:nvSpPr>
+          <p:spPr>
+            <a:xfrm rot="16200000">
+              <a:off x="5261122" y="2542659"/>
+              <a:ext cx="32400" cy="144016"/>
+            </a:xfrm>
+            <a:prstGeom prst="rect">
+              <a:avLst/>
+            </a:prstGeom>
+            <a:solidFill>
+              <a:srgbClr val="C00000"/>
+            </a:solidFill>
+            <a:ln>
+              <a:noFill/>
+            </a:ln>
+          </p:spPr>
+          <p:style>
+            <a:lnRef idx="2">
+              <a:schemeClr val="accent1">
+                <a:shade val="50000"/>
+              </a:schemeClr>
+            </a:lnRef>
+            <a:fillRef idx="1">
+              <a:schemeClr val="accent1"/>
+            </a:fillRef>
+            <a:effectRef idx="0">
+              <a:schemeClr val="accent1"/>
+            </a:effectRef>
+            <a:fontRef idx="minor">
+              <a:schemeClr val="lt1"/>
+            </a:fontRef>
+          </p:style>
+          <p:txBody>
+            <a:bodyPr rtlCol="0" anchor="ctr"/>
+            <a:lstStyle/>
+            <a:p>
+              <a:pPr algn="ctr"/>
+              <a:endParaRPr lang="pt-BR"/>
+            </a:p>
+          </p:txBody>
+        </p:sp>
+        <p:sp>
+          <p:nvSpPr>
+            <p:cNvPr id="46" name="Retângulo 45"/>
+            <p:cNvSpPr/>
+            <p:nvPr/>
+          </p:nvSpPr>
+          <p:spPr>
+            <a:xfrm>
+              <a:off x="5607015" y="2877517"/>
+              <a:ext cx="32400" cy="144016"/>
+            </a:xfrm>
+            <a:prstGeom prst="rect">
+              <a:avLst/>
+            </a:prstGeom>
+            <a:solidFill>
+              <a:srgbClr val="C00000"/>
+            </a:solidFill>
+            <a:ln>
+              <a:noFill/>
+            </a:ln>
+          </p:spPr>
+          <p:style>
+            <a:lnRef idx="2">
+              <a:schemeClr val="accent1">
+                <a:shade val="50000"/>
+              </a:schemeClr>
+            </a:lnRef>
+            <a:fillRef idx="1">
+              <a:schemeClr val="accent1"/>
+            </a:fillRef>
+            <a:effectRef idx="0">
+              <a:schemeClr val="accent1"/>
+            </a:effectRef>
+            <a:fontRef idx="minor">
+              <a:schemeClr val="lt1"/>
+            </a:fontRef>
+          </p:style>
+          <p:txBody>
+            <a:bodyPr rtlCol="0" anchor="ctr"/>
+            <a:lstStyle/>
+            <a:p>
+              <a:pPr algn="ctr"/>
+              <a:endParaRPr lang="pt-BR"/>
+            </a:p>
+          </p:txBody>
+        </p:sp>
+        <p:sp>
+          <p:nvSpPr>
+            <p:cNvPr id="47" name="Retângulo 46"/>
+            <p:cNvSpPr/>
+            <p:nvPr/>
+          </p:nvSpPr>
+          <p:spPr>
+            <a:xfrm>
+              <a:off x="5600355" y="2077985"/>
+              <a:ext cx="45719" cy="97731"/>
+            </a:xfrm>
+            <a:prstGeom prst="rect">
+              <a:avLst/>
+            </a:prstGeom>
+            <a:solidFill>
+              <a:srgbClr val="F4C92D"/>
+            </a:solidFill>
+            <a:ln>
+              <a:noFill/>
+            </a:ln>
+          </p:spPr>
+          <p:style>
+            <a:lnRef idx="2">
+              <a:schemeClr val="accent1">
+                <a:shade val="50000"/>
+              </a:schemeClr>
+            </a:lnRef>
+            <a:fillRef idx="1">
+              <a:schemeClr val="accent1"/>
+            </a:fillRef>
+            <a:effectRef idx="0">
+              <a:schemeClr val="accent1"/>
+            </a:effectRef>
+            <a:fontRef idx="minor">
+              <a:schemeClr val="lt1"/>
+            </a:fontRef>
+          </p:style>
+          <p:txBody>
+            <a:bodyPr rtlCol="0" anchor="ctr"/>
+            <a:lstStyle/>
+            <a:p>
+              <a:pPr algn="ctr"/>
+              <a:endParaRPr lang="pt-BR"/>
+            </a:p>
+          </p:txBody>
+        </p:sp>
+        <p:sp>
+          <p:nvSpPr>
+            <p:cNvPr id="48" name="Rosca 47"/>
+            <p:cNvSpPr/>
+            <p:nvPr/>
+          </p:nvSpPr>
+          <p:spPr>
+            <a:xfrm>
+              <a:off x="5172675" y="2157467"/>
+              <a:ext cx="914400" cy="914400"/>
+            </a:xfrm>
+            <a:prstGeom prst="donut">
+              <a:avLst>
+                <a:gd name="adj" fmla="val 10417"/>
+              </a:avLst>
+            </a:prstGeom>
+            <a:solidFill>
+              <a:srgbClr val="05ACF7"/>
+            </a:solidFill>
+            <a:ln>
+              <a:noFill/>
+            </a:ln>
+          </p:spPr>
+          <p:style>
+            <a:lnRef idx="2">
+              <a:schemeClr val="accent1">
+                <a:shade val="50000"/>
+              </a:schemeClr>
+            </a:lnRef>
+            <a:fillRef idx="1">
+              <a:schemeClr val="accent1"/>
+            </a:fillRef>
+            <a:effectRef idx="0">
+              <a:schemeClr val="accent1"/>
+            </a:effectRef>
+            <a:fontRef idx="minor">
+              <a:schemeClr val="lt1"/>
+            </a:fontRef>
+          </p:style>
+          <p:txBody>
+            <a:bodyPr rtlCol="0" anchor="ctr"/>
+            <a:lstStyle/>
+            <a:p>
+              <a:pPr algn="ctr"/>
+              <a:endParaRPr lang="pt-BR">
+                <a:solidFill>
+                  <a:schemeClr val="tx1"/>
+                </a:solidFill>
+              </a:endParaRPr>
+            </a:p>
+          </p:txBody>
+        </p:sp>
+        <p:sp>
+          <p:nvSpPr>
+            <p:cNvPr id="49" name="Rosca 48"/>
+            <p:cNvSpPr/>
+            <p:nvPr/>
+          </p:nvSpPr>
+          <p:spPr>
+            <a:xfrm>
+              <a:off x="5532569" y="1924623"/>
+              <a:ext cx="181292" cy="181292"/>
+            </a:xfrm>
+            <a:prstGeom prst="donut">
+              <a:avLst>
+                <a:gd name="adj" fmla="val 20622"/>
+              </a:avLst>
+            </a:prstGeom>
+            <a:solidFill>
+              <a:srgbClr val="F4C92D"/>
+            </a:solidFill>
+            <a:ln>
+              <a:noFill/>
+            </a:ln>
+          </p:spPr>
+          <p:style>
+            <a:lnRef idx="2">
+              <a:schemeClr val="accent1">
+                <a:shade val="50000"/>
+              </a:schemeClr>
+            </a:lnRef>
+            <a:fillRef idx="1">
+              <a:schemeClr val="accent1"/>
+            </a:fillRef>
+            <a:effectRef idx="0">
+              <a:schemeClr val="accent1"/>
+            </a:effectRef>
+            <a:fontRef idx="minor">
+              <a:schemeClr val="lt1"/>
+            </a:fontRef>
+          </p:style>
+          <p:txBody>
+            <a:bodyPr rtlCol="0" anchor="ctr"/>
+            <a:lstStyle/>
+            <a:p>
+              <a:pPr algn="ctr"/>
+              <a:endParaRPr lang="pt-BR">
+                <a:solidFill>
+                  <a:schemeClr val="tx1"/>
+                </a:solidFill>
+              </a:endParaRPr>
+            </a:p>
+          </p:txBody>
+        </p:sp>
+        <p:sp>
+          <p:nvSpPr>
+            <p:cNvPr id="50" name="Elipse 49"/>
+            <p:cNvSpPr/>
+            <p:nvPr/>
+          </p:nvSpPr>
+          <p:spPr>
+            <a:xfrm>
+              <a:off x="5600355" y="2589515"/>
+              <a:ext cx="50304" cy="50304"/>
+            </a:xfrm>
+            <a:prstGeom prst="ellipse">
+              <a:avLst/>
+            </a:prstGeom>
+            <a:solidFill>
+              <a:srgbClr val="C00000"/>
+            </a:solidFill>
+            <a:ln w="19050">
+              <a:solidFill>
+                <a:srgbClr val="733318"/>
+              </a:solidFill>
+            </a:ln>
+          </p:spPr>
+          <p:style>
+            <a:lnRef idx="2">
+              <a:schemeClr val="accent1">
+                <a:shade val="50000"/>
+              </a:schemeClr>
+            </a:lnRef>
+            <a:fillRef idx="1">
+              <a:schemeClr val="accent1"/>
+            </a:fillRef>
+            <a:effectRef idx="0">
+              <a:schemeClr val="accent1"/>
+            </a:effectRef>
+            <a:fontRef idx="minor">
+              <a:schemeClr val="lt1"/>
+            </a:fontRef>
+          </p:style>
+          <p:txBody>
+            <a:bodyPr rtlCol="0" anchor="ctr"/>
+            <a:lstStyle/>
+            <a:p>
+              <a:pPr algn="ctr"/>
+              <a:endParaRPr lang="pt-BR"/>
+            </a:p>
+          </p:txBody>
+        </p:sp>
+        <p:cxnSp>
+          <p:nvCxnSpPr>
+            <p:cNvPr id="51" name="Conector reto 50"/>
+            <p:cNvCxnSpPr>
+              <a:stCxn id="50" idx="7"/>
+            </p:cNvCxnSpPr>
+            <p:nvPr/>
+          </p:nvCxnSpPr>
+          <p:spPr>
+            <a:xfrm flipV="1">
+              <a:off x="5643292" y="2420888"/>
+              <a:ext cx="152844" cy="175994"/>
+            </a:xfrm>
+            <a:prstGeom prst="line">
+              <a:avLst/>
+            </a:prstGeom>
+            <a:ln w="19050">
+              <a:solidFill>
+                <a:srgbClr val="C00000"/>
+              </a:solidFill>
+            </a:ln>
+          </p:spPr>
+          <p:style>
+            <a:lnRef idx="1">
+              <a:schemeClr val="accent1"/>
+            </a:lnRef>
+            <a:fillRef idx="0">
+              <a:schemeClr val="accent1"/>
+            </a:fillRef>
+            <a:effectRef idx="0">
+              <a:schemeClr val="accent1"/>
+            </a:effectRef>
+            <a:fontRef idx="minor">
+              <a:schemeClr val="tx1"/>
+            </a:fontRef>
+          </p:style>
+        </p:cxnSp>
+        <p:cxnSp>
+          <p:nvCxnSpPr>
+            <p:cNvPr id="52" name="Conector reto 51"/>
+            <p:cNvCxnSpPr>
+              <a:stCxn id="48" idx="7"/>
+            </p:cNvCxnSpPr>
+            <p:nvPr/>
+          </p:nvCxnSpPr>
+          <p:spPr>
+            <a:xfrm flipV="1">
+              <a:off x="5953164" y="2204864"/>
+              <a:ext cx="104038" cy="86514"/>
+            </a:xfrm>
+            <a:prstGeom prst="line">
+              <a:avLst/>
+            </a:prstGeom>
+            <a:ln w="31750">
+              <a:solidFill>
+                <a:srgbClr val="733318"/>
+              </a:solidFill>
+            </a:ln>
+          </p:spPr>
+          <p:style>
+            <a:lnRef idx="1">
+              <a:schemeClr val="accent1"/>
+            </a:lnRef>
+            <a:fillRef idx="0">
+              <a:schemeClr val="accent1"/>
+            </a:fillRef>
+            <a:effectRef idx="0">
+              <a:schemeClr val="accent1"/>
+            </a:effectRef>
+            <a:fontRef idx="minor">
+              <a:schemeClr val="tx1"/>
+            </a:fontRef>
+          </p:style>
+        </p:cxnSp>
+        <p:cxnSp>
+          <p:nvCxnSpPr>
+            <p:cNvPr id="53" name="Conector reto 52"/>
+            <p:cNvCxnSpPr/>
+            <p:nvPr/>
+          </p:nvCxnSpPr>
+          <p:spPr>
+            <a:xfrm rot="300000">
+              <a:off x="5986682" y="2132856"/>
+              <a:ext cx="144016" cy="144016"/>
+            </a:xfrm>
+            <a:prstGeom prst="line">
+              <a:avLst/>
+            </a:prstGeom>
+            <a:ln w="38100">
+              <a:solidFill>
+                <a:srgbClr val="733318"/>
+              </a:solidFill>
+            </a:ln>
+          </p:spPr>
+          <p:style>
+            <a:lnRef idx="1">
+              <a:schemeClr val="accent1"/>
+            </a:lnRef>
+            <a:fillRef idx="0">
+              <a:schemeClr val="accent1"/>
+            </a:fillRef>
+            <a:effectRef idx="0">
+              <a:schemeClr val="accent1"/>
+            </a:effectRef>
+            <a:fontRef idx="minor">
+              <a:schemeClr val="tx1"/>
+            </a:fontRef>
+          </p:style>
+        </p:cxnSp>
+      </p:grpSp>
+      <p:grpSp>
+        <p:nvGrpSpPr>
+          <p:cNvPr id="54" name="Grupo 53"/>
+          <p:cNvGrpSpPr/>
+          <p:nvPr/>
+        </p:nvGrpSpPr>
+        <p:grpSpPr>
+          <a:xfrm>
+            <a:off x="2767988" y="2545827"/>
+            <a:ext cx="2115750" cy="2115750"/>
+            <a:chOff x="4283968" y="2060848"/>
+            <a:chExt cx="2115750" cy="2115750"/>
+          </a:xfrm>
+        </p:grpSpPr>
+        <p:sp>
+          <p:nvSpPr>
+            <p:cNvPr id="55" name="Retângulo de cantos arredondados 54"/>
+            <p:cNvSpPr/>
+            <p:nvPr/>
+          </p:nvSpPr>
+          <p:spPr>
+            <a:xfrm>
+              <a:off x="4283968" y="2060848"/>
+              <a:ext cx="2115750" cy="2115750"/>
+            </a:xfrm>
+            <a:prstGeom prst="roundRect">
+              <a:avLst/>
+            </a:prstGeom>
+            <a:solidFill>
+              <a:srgbClr val="8A3F18"/>
+            </a:solidFill>
+            <a:ln>
+              <a:noFill/>
+            </a:ln>
+          </p:spPr>
+          <p:style>
+            <a:lnRef idx="2">
+              <a:schemeClr val="accent1">
+                <a:shade val="50000"/>
+              </a:schemeClr>
+            </a:lnRef>
+            <a:fillRef idx="1">
+              <a:schemeClr val="accent1"/>
+            </a:fillRef>
+            <a:effectRef idx="0">
+              <a:schemeClr val="accent1"/>
+            </a:effectRef>
+            <a:fontRef idx="minor">
+              <a:schemeClr val="lt1"/>
+            </a:fontRef>
+          </p:style>
+          <p:txBody>
+            <a:bodyPr rtlCol="0" anchor="ctr"/>
+            <a:lstStyle/>
+            <a:p>
+              <a:pPr algn="ctr"/>
+              <a:endParaRPr lang="pt-BR"/>
+            </a:p>
+          </p:txBody>
+        </p:sp>
+        <p:sp>
+          <p:nvSpPr>
+            <p:cNvPr id="56" name="Forma livre 55"/>
+            <p:cNvSpPr/>
+            <p:nvPr/>
+          </p:nvSpPr>
+          <p:spPr>
+            <a:xfrm>
+              <a:off x="4819650" y="2463800"/>
+              <a:ext cx="1580068" cy="1712798"/>
+            </a:xfrm>
+            <a:custGeom>
+              <a:avLst/>
+              <a:gdLst/>
+              <a:ahLst/>
+              <a:cxnLst/>
+              <a:rect l="l" t="t" r="r" b="b"/>
+              <a:pathLst>
+                <a:path w="1580068" h="1712798">
+                  <a:moveTo>
+                    <a:pt x="1365250" y="0"/>
+                  </a:moveTo>
+                  <a:lnTo>
+                    <a:pt x="1580068" y="346638"/>
+                  </a:lnTo>
+                  <a:lnTo>
+                    <a:pt x="1580068" y="1360166"/>
+                  </a:lnTo>
+                  <a:cubicBezTo>
+                    <a:pt x="1580068" y="1554919"/>
+                    <a:pt x="1422189" y="1712798"/>
+                    <a:pt x="1227436" y="1712798"/>
+                  </a:cubicBezTo>
+                  <a:lnTo>
+                    <a:pt x="576237" y="1712798"/>
+                  </a:lnTo>
+                  <a:lnTo>
+                    <a:pt x="0" y="1320800"/>
+                  </a:lnTo>
+                  <a:close/>
+                </a:path>
+              </a:pathLst>
+            </a:custGeom>
+            <a:solidFill>
+              <a:srgbClr val="000000">
+                <a:alpha val="10196"/>
+              </a:srgbClr>
+            </a:solidFill>
+            <a:ln>
+              <a:noFill/>
+            </a:ln>
+          </p:spPr>
+          <p:style>
+            <a:lnRef idx="2">
+              <a:schemeClr val="accent1">
+                <a:shade val="50000"/>
+              </a:schemeClr>
+            </a:lnRef>
+            <a:fillRef idx="1">
+              <a:schemeClr val="accent1"/>
+            </a:fillRef>
+            <a:effectRef idx="0">
+              <a:schemeClr val="accent1"/>
+            </a:effectRef>
+            <a:fontRef idx="minor">
+              <a:schemeClr val="lt1"/>
+            </a:fontRef>
+          </p:style>
+          <p:txBody>
+            <a:bodyPr rtlCol="0" anchor="ctr"/>
+            <a:lstStyle/>
+            <a:p>
+              <a:pPr algn="ctr"/>
+              <a:endParaRPr lang="pt-BR"/>
+            </a:p>
+          </p:txBody>
+        </p:sp>
+        <p:sp>
+          <p:nvSpPr>
+            <p:cNvPr id="57" name="Trapezoide 56"/>
+            <p:cNvSpPr/>
+            <p:nvPr/>
+          </p:nvSpPr>
+          <p:spPr>
+            <a:xfrm rot="10800000">
+              <a:off x="4513751" y="2451331"/>
+              <a:ext cx="1656184" cy="1334784"/>
+            </a:xfrm>
+            <a:prstGeom prst="trapezoid">
+              <a:avLst>
+                <a:gd name="adj" fmla="val 22520"/>
+              </a:avLst>
+            </a:prstGeom>
+            <a:solidFill>
+              <a:srgbClr val="89C05A"/>
+            </a:solidFill>
+            <a:ln>
+              <a:noFill/>
+            </a:ln>
+          </p:spPr>
+          <p:style>
+            <a:lnRef idx="2">
+              <a:schemeClr val="accent1">
+                <a:shade val="50000"/>
+              </a:schemeClr>
+            </a:lnRef>
+            <a:fillRef idx="1">
+              <a:schemeClr val="accent1"/>
+            </a:fillRef>
+            <a:effectRef idx="0">
+              <a:schemeClr val="accent1"/>
+            </a:effectRef>
+            <a:fontRef idx="minor">
+              <a:schemeClr val="lt1"/>
+            </a:fontRef>
+          </p:style>
+          <p:txBody>
+            <a:bodyPr rtlCol="0" anchor="ctr"/>
+            <a:lstStyle/>
+            <a:p>
+              <a:pPr algn="ctr"/>
+              <a:endParaRPr lang="pt-BR"/>
+            </a:p>
+          </p:txBody>
+        </p:sp>
+        <p:sp>
+          <p:nvSpPr>
+            <p:cNvPr id="58" name="Retângulo 57"/>
+            <p:cNvSpPr/>
+            <p:nvPr/>
+          </p:nvSpPr>
+          <p:spPr>
+            <a:xfrm>
+              <a:off x="4945799" y="2564904"/>
+              <a:ext cx="792088" cy="288032"/>
+            </a:xfrm>
+            <a:prstGeom prst="rect">
+              <a:avLst/>
+            </a:prstGeom>
+            <a:solidFill>
+              <a:schemeClr val="bg1"/>
+            </a:solidFill>
+            <a:ln>
+              <a:solidFill>
+                <a:srgbClr val="8A3F18"/>
+              </a:solidFill>
+            </a:ln>
+          </p:spPr>
+          <p:style>
+            <a:lnRef idx="2">
+              <a:schemeClr val="accent1">
+                <a:shade val="50000"/>
+              </a:schemeClr>
+            </a:lnRef>
+            <a:fillRef idx="1">
+              <a:schemeClr val="accent1"/>
+            </a:fillRef>
+            <a:effectRef idx="0">
+              <a:schemeClr val="accent1"/>
+            </a:effectRef>
+            <a:fontRef idx="minor">
+              <a:schemeClr val="lt1"/>
+            </a:fontRef>
+          </p:style>
+          <p:txBody>
+            <a:bodyPr rtlCol="0" anchor="ctr"/>
+            <a:lstStyle/>
+            <a:p>
+              <a:pPr algn="ctr"/>
+              <a:endParaRPr lang="pt-BR"/>
+            </a:p>
+          </p:txBody>
+        </p:sp>
+        <p:sp>
+          <p:nvSpPr>
+            <p:cNvPr id="59" name="CaixaDeTexto 58"/>
+            <p:cNvSpPr txBox="1"/>
+            <p:nvPr/>
+          </p:nvSpPr>
+          <p:spPr>
+            <a:xfrm>
+              <a:off x="5144513" y="2539643"/>
+              <a:ext cx="394660" cy="338554"/>
+            </a:xfrm>
+            <a:prstGeom prst="rect">
+              <a:avLst/>
+            </a:prstGeom>
+            <a:noFill/>
+          </p:spPr>
+          <p:txBody>
+            <a:bodyPr wrap="none" rtlCol="0">
+              <a:spAutoFit/>
+            </a:bodyPr>
+            <a:lstStyle/>
+            <a:p>
+              <a:r>
+                <a:rPr lang="pt-BR" sz="1600" b="1" dirty="0" smtClean="0">
+                  <a:solidFill>
+                    <a:schemeClr val="tx1">
+                      <a:lumMod val="75000"/>
+                      <a:lumOff val="25000"/>
+                    </a:schemeClr>
+                  </a:solidFill>
+                </a:rPr>
+                <a:t>Kg</a:t>
+              </a:r>
+              <a:endParaRPr lang="pt-BR" b="1" dirty="0">
+                <a:solidFill>
+                  <a:schemeClr val="tx1">
+                    <a:lumMod val="75000"/>
+                    <a:lumOff val="25000"/>
+                  </a:schemeClr>
+                </a:solidFill>
+              </a:endParaRPr>
+            </a:p>
+          </p:txBody>
+        </p:sp>
+      </p:grpSp>
+      <p:pic>
+        <p:nvPicPr>
+          <p:cNvPr id="2049" name="Picture 1"/>
+          <p:cNvPicPr>
+            <a:picLocks noChangeAspect="1" noChangeArrowheads="1"/>
+          </p:cNvPicPr>
+          <p:nvPr/>
+        </p:nvPicPr>
+        <p:blipFill>
+          <a:blip r:embed="rId2" cstate="print">
+            <a:extLst>
+              <a:ext uri="{28A0092B-C50C-407E-A947-70E740481C1C}">
+                <a14:useLocalDpi xmlns:a14="http://schemas.microsoft.com/office/drawing/2010/main" val="0"/>
+              </a:ext>
+            </a:extLst>
+          </a:blip>
+          <a:srcRect/>
+          <a:stretch>
+            <a:fillRect/>
+          </a:stretch>
+        </p:blipFill>
+        <p:spPr bwMode="auto">
+          <a:xfrm>
+            <a:off x="5580112" y="133006"/>
+            <a:ext cx="2123018" cy="2123018"/>
+          </a:xfrm>
+          <a:prstGeom prst="rect">
+            <a:avLst/>
+          </a:prstGeom>
+          <a:noFill/>
+          <a:ln>
+            <a:noFill/>
+          </a:ln>
+          <a:effectLst/>
+          <a:extLst>
+            <a:ext uri="{909E8E84-426E-40DD-AFC4-6F175D3DCCD1}">
+              <a14:hiddenFill xmlns:a14="http://schemas.microsoft.com/office/drawing/2010/main">
+                <a:solidFill>
+                  <a:schemeClr val="accent1"/>
+                </a:solidFill>
+              </a14:hiddenFill>
+            </a:ext>
+            <a:ext uri="{91240B29-F687-4F45-9708-019B960494DF}">
+              <a14:hiddenLine xmlns:a14="http://schemas.microsoft.com/office/drawing/2010/main" w="9525">
+                <a:solidFill>
+                  <a:schemeClr val="tx1"/>
+                </a:solidFill>
+                <a:miter lim="800000"/>
+                <a:headEnd/>
+                <a:tailEnd/>
+              </a14:hiddenLine>
+            </a:ext>
+            <a:ext uri="{AF507438-7753-43E0-B8FC-AC1667EBCBE1}">
+              <a14:hiddenEffects xmlns:a14="http://schemas.microsoft.com/office/drawing/2010/main">
+                <a:effectLst>
+                  <a:outerShdw dist="35921" dir="2700000" algn="ctr" rotWithShape="0">
+                    <a:schemeClr val="bg2"/>
+                  </a:outerShdw>
+                </a:effectLst>
+              </a14:hiddenEffects>
+            </a:ext>
+          </a:extLst>
+        </p:spPr>
+      </p:pic>
+      <p:sp>
+        <p:nvSpPr>
+          <p:cNvPr id="76" name="Retângulo de cantos arredondados 75"/>
+          <p:cNvSpPr/>
+          <p:nvPr/>
+        </p:nvSpPr>
+        <p:spPr>
+          <a:xfrm>
+            <a:off x="5580112" y="2545827"/>
+            <a:ext cx="2115750" cy="2115750"/>
+          </a:xfrm>
+          <a:prstGeom prst="roundRect">
+            <a:avLst/>
+          </a:prstGeom>
+          <a:solidFill>
+            <a:schemeClr val="accent5">
+              <a:lumMod val="40000"/>
+              <a:lumOff val="60000"/>
+            </a:schemeClr>
+          </a:solidFill>
+          <a:ln>
+            <a:noFill/>
+          </a:ln>
+        </p:spPr>
+        <p:style>
+          <a:lnRef idx="2">
+            <a:schemeClr val="accent1">
+              <a:shade val="50000"/>
+            </a:schemeClr>
+          </a:lnRef>
+          <a:fillRef idx="1">
+            <a:schemeClr val="accent1"/>
+          </a:fillRef>
+          <a:effectRef idx="0">
+            <a:schemeClr val="accent1"/>
+          </a:effectRef>
+          <a:fontRef idx="minor">
+            <a:schemeClr val="lt1"/>
+          </a:fontRef>
+        </p:style>
+        <p:txBody>
+          <a:bodyPr rtlCol="0" anchor="ctr"/>
+          <a:lstStyle/>
+          <a:p>
+            <a:pPr algn="ctr"/>
+            <a:endParaRPr lang="pt-BR"/>
+          </a:p>
+        </p:txBody>
+      </p:sp>
+      <p:grpSp>
+        <p:nvGrpSpPr>
+          <p:cNvPr id="77" name="Grupo 76"/>
+          <p:cNvGrpSpPr/>
+          <p:nvPr/>
+        </p:nvGrpSpPr>
+        <p:grpSpPr>
+          <a:xfrm>
+            <a:off x="5784988" y="2742283"/>
+            <a:ext cx="1705998" cy="1722835"/>
+            <a:chOff x="6214619" y="3329160"/>
+            <a:chExt cx="1705998" cy="1722835"/>
+          </a:xfrm>
+        </p:grpSpPr>
+        <p:sp>
+          <p:nvSpPr>
+            <p:cNvPr id="78" name="Elipse 77"/>
+            <p:cNvSpPr/>
+            <p:nvPr/>
+          </p:nvSpPr>
+          <p:spPr>
+            <a:xfrm>
+              <a:off x="6214619" y="3329160"/>
+              <a:ext cx="1705998" cy="1722835"/>
+            </a:xfrm>
+            <a:prstGeom prst="ellipse">
+              <a:avLst/>
+            </a:prstGeom>
+            <a:solidFill>
+              <a:srgbClr val="F6931E"/>
+            </a:solidFill>
+            <a:ln>
+              <a:noFill/>
+            </a:ln>
+          </p:spPr>
+          <p:style>
+            <a:lnRef idx="2">
+              <a:schemeClr val="accent1">
+                <a:shade val="50000"/>
+              </a:schemeClr>
+            </a:lnRef>
+            <a:fillRef idx="1">
+              <a:schemeClr val="accent1"/>
+            </a:fillRef>
+            <a:effectRef idx="0">
+              <a:schemeClr val="accent1"/>
+            </a:effectRef>
+            <a:fontRef idx="minor">
+              <a:schemeClr val="lt1"/>
+            </a:fontRef>
+          </p:style>
+          <p:txBody>
+            <a:bodyPr rtlCol="0" anchor="ctr"/>
+            <a:lstStyle/>
+            <a:p>
+              <a:pPr algn="ctr"/>
+              <a:endParaRPr lang="pt-BR"/>
+            </a:p>
+          </p:txBody>
+        </p:sp>
+        <p:sp>
+          <p:nvSpPr>
+            <p:cNvPr id="79" name="Elipse 78"/>
+            <p:cNvSpPr/>
+            <p:nvPr/>
+          </p:nvSpPr>
+          <p:spPr>
+            <a:xfrm>
+              <a:off x="6324415" y="3447376"/>
+              <a:ext cx="1486405" cy="1486405"/>
+            </a:xfrm>
+            <a:prstGeom prst="ellipse">
+              <a:avLst/>
+            </a:prstGeom>
+            <a:solidFill>
+              <a:srgbClr val="F6BB00"/>
+            </a:solidFill>
+            <a:ln>
+              <a:noFill/>
+            </a:ln>
+          </p:spPr>
+          <p:style>
+            <a:lnRef idx="2">
+              <a:schemeClr val="accent1">
+                <a:shade val="50000"/>
+              </a:schemeClr>
+            </a:lnRef>
+            <a:fillRef idx="1">
+              <a:schemeClr val="accent1"/>
+            </a:fillRef>
+            <a:effectRef idx="0">
+              <a:schemeClr val="accent1"/>
+            </a:effectRef>
+            <a:fontRef idx="minor">
+              <a:schemeClr val="lt1"/>
+            </a:fontRef>
+          </p:style>
+          <p:txBody>
+            <a:bodyPr rtlCol="0" anchor="ctr"/>
+            <a:lstStyle/>
+            <a:p>
+              <a:pPr algn="ctr"/>
+              <a:endParaRPr lang="pt-BR"/>
+            </a:p>
+          </p:txBody>
+        </p:sp>
+        <p:sp>
+          <p:nvSpPr>
+            <p:cNvPr id="80" name="Elipse 79"/>
+            <p:cNvSpPr/>
+            <p:nvPr/>
+          </p:nvSpPr>
+          <p:spPr>
+            <a:xfrm>
+              <a:off x="6431718" y="3554679"/>
+              <a:ext cx="1271800" cy="1271800"/>
+            </a:xfrm>
+            <a:prstGeom prst="ellipse">
+              <a:avLst/>
+            </a:prstGeom>
+            <a:solidFill>
+              <a:srgbClr val="F4EE00"/>
+            </a:solidFill>
+            <a:ln>
+              <a:noFill/>
+            </a:ln>
+          </p:spPr>
+          <p:style>
+            <a:lnRef idx="2">
+              <a:schemeClr val="accent1">
+                <a:shade val="50000"/>
+              </a:schemeClr>
+            </a:lnRef>
+            <a:fillRef idx="1">
+              <a:schemeClr val="accent1"/>
+            </a:fillRef>
+            <a:effectRef idx="0">
+              <a:schemeClr val="accent1"/>
+            </a:effectRef>
+            <a:fontRef idx="minor">
+              <a:schemeClr val="lt1"/>
+            </a:fontRef>
+          </p:style>
+          <p:txBody>
+            <a:bodyPr rtlCol="0" anchor="ctr"/>
+            <a:lstStyle/>
+            <a:p>
+              <a:pPr algn="ctr"/>
+              <a:endParaRPr lang="pt-BR"/>
+            </a:p>
+          </p:txBody>
+        </p:sp>
+        <p:sp>
+          <p:nvSpPr>
+            <p:cNvPr id="81" name="Elipse 80"/>
+            <p:cNvSpPr/>
+            <p:nvPr/>
+          </p:nvSpPr>
+          <p:spPr>
+            <a:xfrm>
+              <a:off x="6552220" y="3675181"/>
+              <a:ext cx="1030796" cy="1030796"/>
+            </a:xfrm>
+            <a:prstGeom prst="ellipse">
+              <a:avLst/>
+            </a:prstGeom>
+            <a:solidFill>
+              <a:srgbClr val="FFFF1D"/>
+            </a:solidFill>
+            <a:ln>
+              <a:noFill/>
+            </a:ln>
+          </p:spPr>
+          <p:style>
+            <a:lnRef idx="2">
+              <a:schemeClr val="accent1">
+                <a:shade val="50000"/>
+              </a:schemeClr>
+            </a:lnRef>
+            <a:fillRef idx="1">
+              <a:schemeClr val="accent1"/>
+            </a:fillRef>
+            <a:effectRef idx="0">
+              <a:schemeClr val="accent1"/>
+            </a:effectRef>
+            <a:fontRef idx="minor">
+              <a:schemeClr val="lt1"/>
+            </a:fontRef>
+          </p:style>
+          <p:txBody>
+            <a:bodyPr rtlCol="0" anchor="ctr"/>
+            <a:lstStyle/>
+            <a:p>
+              <a:pPr algn="ctr"/>
+              <a:endParaRPr lang="pt-BR"/>
+            </a:p>
+          </p:txBody>
+        </p:sp>
+      </p:grpSp>
+      <p:grpSp>
+        <p:nvGrpSpPr>
+          <p:cNvPr id="82" name="Grupo 81"/>
+          <p:cNvGrpSpPr/>
+          <p:nvPr/>
+        </p:nvGrpSpPr>
+        <p:grpSpPr>
+          <a:xfrm>
+            <a:off x="0" y="4883596"/>
+            <a:ext cx="2289223" cy="2162013"/>
+            <a:chOff x="4959558" y="1844824"/>
+            <a:chExt cx="3212842" cy="3034308"/>
+          </a:xfrm>
+        </p:grpSpPr>
+        <p:sp>
+          <p:nvSpPr>
+            <p:cNvPr id="83" name="Retângulo de cantos arredondados 82"/>
+            <p:cNvSpPr/>
+            <p:nvPr/>
+          </p:nvSpPr>
+          <p:spPr>
+            <a:xfrm>
+              <a:off x="4959558" y="1844824"/>
+              <a:ext cx="3212842" cy="3034308"/>
+            </a:xfrm>
+            <a:prstGeom prst="roundRect">
+              <a:avLst/>
+            </a:prstGeom>
+            <a:solidFill>
+              <a:srgbClr val="2D3E50"/>
+            </a:solidFill>
+            <a:ln>
+              <a:noFill/>
+            </a:ln>
+          </p:spPr>
+          <p:style>
+            <a:lnRef idx="2">
+              <a:schemeClr val="accent1">
+                <a:shade val="50000"/>
+              </a:schemeClr>
+            </a:lnRef>
+            <a:fillRef idx="1">
+              <a:schemeClr val="accent1"/>
+            </a:fillRef>
+            <a:effectRef idx="0">
+              <a:schemeClr val="accent1"/>
+            </a:effectRef>
+            <a:fontRef idx="minor">
+              <a:schemeClr val="lt1"/>
+            </a:fontRef>
+          </p:style>
+          <p:txBody>
+            <a:bodyPr rtlCol="0" anchor="ctr"/>
+            <a:lstStyle/>
+            <a:p>
+              <a:pPr algn="ctr"/>
+              <a:endParaRPr lang="pt-BR"/>
+            </a:p>
+          </p:txBody>
+        </p:sp>
+        <p:sp>
+          <p:nvSpPr>
+            <p:cNvPr id="84" name="Elipse 83"/>
+            <p:cNvSpPr/>
+            <p:nvPr/>
+          </p:nvSpPr>
+          <p:spPr>
+            <a:xfrm>
+              <a:off x="5573376" y="2369375"/>
+              <a:ext cx="1985206" cy="1985206"/>
+            </a:xfrm>
+            <a:prstGeom prst="ellipse">
+              <a:avLst/>
+            </a:prstGeom>
+            <a:solidFill>
+              <a:schemeClr val="bg1">
+                <a:lumMod val="95000"/>
+              </a:schemeClr>
+            </a:solidFill>
+            <a:ln>
+              <a:noFill/>
+            </a:ln>
+          </p:spPr>
+          <p:style>
+            <a:lnRef idx="2">
+              <a:schemeClr val="accent1">
+                <a:shade val="50000"/>
+              </a:schemeClr>
+            </a:lnRef>
+            <a:fillRef idx="1">
+              <a:schemeClr val="accent1"/>
+            </a:fillRef>
+            <a:effectRef idx="0">
+              <a:schemeClr val="accent1"/>
+            </a:effectRef>
+            <a:fontRef idx="minor">
+              <a:schemeClr val="lt1"/>
+            </a:fontRef>
+          </p:style>
+          <p:txBody>
+            <a:bodyPr rtlCol="0" anchor="ctr"/>
+            <a:lstStyle/>
+            <a:p>
+              <a:pPr algn="ctr"/>
+              <a:endParaRPr lang="pt-BR"/>
+            </a:p>
+          </p:txBody>
+        </p:sp>
+        <p:sp>
+          <p:nvSpPr>
+            <p:cNvPr id="85" name="Elipse 1044"/>
+            <p:cNvSpPr/>
+            <p:nvPr/>
+          </p:nvSpPr>
+          <p:spPr>
+            <a:xfrm>
+              <a:off x="7027892" y="2492321"/>
+              <a:ext cx="441778" cy="462433"/>
+            </a:xfrm>
+            <a:custGeom>
+              <a:avLst/>
+              <a:gdLst/>
+              <a:ahLst/>
+              <a:cxnLst/>
+              <a:rect l="l" t="t" r="r" b="b"/>
+              <a:pathLst>
+                <a:path w="441778" h="462433">
+                  <a:moveTo>
+                    <a:pt x="24016" y="0"/>
+                  </a:moveTo>
+                  <a:cubicBezTo>
+                    <a:pt x="206161" y="100081"/>
+                    <a:pt x="353313" y="255864"/>
+                    <a:pt x="441778" y="444829"/>
+                  </a:cubicBezTo>
+                  <a:cubicBezTo>
+                    <a:pt x="409699" y="456810"/>
+                    <a:pt x="374977" y="462433"/>
+                    <a:pt x="338941" y="462433"/>
+                  </a:cubicBezTo>
+                  <a:cubicBezTo>
+                    <a:pt x="151749" y="462433"/>
+                    <a:pt x="0" y="310684"/>
+                    <a:pt x="0" y="123492"/>
+                  </a:cubicBezTo>
+                  <a:cubicBezTo>
+                    <a:pt x="0" y="79813"/>
+                    <a:pt x="8262" y="38064"/>
+                    <a:pt x="24016" y="0"/>
+                  </a:cubicBezTo>
+                  <a:close/>
+                </a:path>
+              </a:pathLst>
+            </a:custGeom>
+            <a:solidFill>
+              <a:schemeClr val="bg1">
+                <a:lumMod val="75000"/>
+              </a:schemeClr>
+            </a:solidFill>
+            <a:ln>
+              <a:noFill/>
+            </a:ln>
+            <a:effectLst>
+              <a:innerShdw dist="50800" dir="10800000">
+                <a:prstClr val="black">
+                  <a:alpha val="30000"/>
+                </a:prstClr>
+              </a:innerShdw>
+            </a:effectLst>
+          </p:spPr>
+          <p:style>
+            <a:lnRef idx="2">
+              <a:schemeClr val="accent1">
+                <a:shade val="50000"/>
+              </a:schemeClr>
+            </a:lnRef>
+            <a:fillRef idx="1">
+              <a:schemeClr val="accent1"/>
+            </a:fillRef>
+            <a:effectRef idx="0">
+              <a:schemeClr val="accent1"/>
+            </a:effectRef>
+            <a:fontRef idx="minor">
+              <a:schemeClr val="lt1"/>
+            </a:fontRef>
+          </p:style>
+          <p:txBody>
+            <a:bodyPr rtlCol="0" anchor="ctr"/>
+            <a:lstStyle/>
+            <a:p>
+              <a:pPr algn="ctr"/>
+              <a:endParaRPr lang="pt-BR" dirty="0"/>
+            </a:p>
+          </p:txBody>
+        </p:sp>
+        <p:sp>
+          <p:nvSpPr>
+            <p:cNvPr id="86" name="Elipse 85"/>
+            <p:cNvSpPr/>
+            <p:nvPr/>
+          </p:nvSpPr>
+          <p:spPr>
+            <a:xfrm>
+              <a:off x="5889848" y="2969230"/>
+              <a:ext cx="531594" cy="531594"/>
+            </a:xfrm>
+            <a:prstGeom prst="ellipse">
+              <a:avLst/>
+            </a:prstGeom>
+            <a:solidFill>
+              <a:schemeClr val="bg1">
+                <a:lumMod val="75000"/>
+              </a:schemeClr>
+            </a:solidFill>
+            <a:ln>
+              <a:noFill/>
+            </a:ln>
+            <a:effectLst>
+              <a:innerShdw dist="50800" dir="13500000">
+                <a:prstClr val="black">
+                  <a:alpha val="30000"/>
+                </a:prstClr>
+              </a:innerShdw>
+            </a:effectLst>
+          </p:spPr>
+          <p:style>
+            <a:lnRef idx="2">
+              <a:schemeClr val="accent1">
+                <a:shade val="50000"/>
+              </a:schemeClr>
+            </a:lnRef>
+            <a:fillRef idx="1">
+              <a:schemeClr val="accent1"/>
+            </a:fillRef>
+            <a:effectRef idx="0">
+              <a:schemeClr val="accent1"/>
+            </a:effectRef>
+            <a:fontRef idx="minor">
+              <a:schemeClr val="lt1"/>
+            </a:fontRef>
+          </p:style>
+          <p:txBody>
+            <a:bodyPr rtlCol="0" anchor="ctr"/>
+            <a:lstStyle/>
+            <a:p>
+              <a:pPr algn="ctr"/>
+              <a:endParaRPr lang="pt-BR"/>
+            </a:p>
+          </p:txBody>
+        </p:sp>
+        <p:sp>
+          <p:nvSpPr>
+            <p:cNvPr id="87" name="Elipse 86"/>
+            <p:cNvSpPr/>
+            <p:nvPr/>
+          </p:nvSpPr>
+          <p:spPr>
+            <a:xfrm>
+              <a:off x="6588224" y="3381946"/>
+              <a:ext cx="394581" cy="394581"/>
+            </a:xfrm>
+            <a:prstGeom prst="ellipse">
+              <a:avLst/>
+            </a:prstGeom>
+            <a:solidFill>
+              <a:schemeClr val="bg1">
+                <a:lumMod val="75000"/>
+              </a:schemeClr>
+            </a:solidFill>
+            <a:ln>
+              <a:noFill/>
+            </a:ln>
+            <a:effectLst>
+              <a:innerShdw dist="50800" dir="13500000">
+                <a:prstClr val="black">
+                  <a:alpha val="30000"/>
+                </a:prstClr>
+              </a:innerShdw>
+            </a:effectLst>
+          </p:spPr>
+          <p:style>
+            <a:lnRef idx="2">
+              <a:schemeClr val="accent1">
+                <a:shade val="50000"/>
+              </a:schemeClr>
+            </a:lnRef>
+            <a:fillRef idx="1">
+              <a:schemeClr val="accent1"/>
+            </a:fillRef>
+            <a:effectRef idx="0">
+              <a:schemeClr val="accent1"/>
+            </a:effectRef>
+            <a:fontRef idx="minor">
+              <a:schemeClr val="lt1"/>
+            </a:fontRef>
+          </p:style>
+          <p:txBody>
+            <a:bodyPr rtlCol="0" anchor="ctr"/>
+            <a:lstStyle/>
+            <a:p>
+              <a:pPr algn="ctr"/>
+              <a:endParaRPr lang="pt-BR"/>
+            </a:p>
+          </p:txBody>
+        </p:sp>
+        <p:sp>
+          <p:nvSpPr>
+            <p:cNvPr id="88" name="Elipse 143"/>
+            <p:cNvSpPr/>
+            <p:nvPr/>
+          </p:nvSpPr>
+          <p:spPr>
+            <a:xfrm>
+              <a:off x="6085340" y="4005065"/>
+              <a:ext cx="472394" cy="347648"/>
+            </a:xfrm>
+            <a:custGeom>
+              <a:avLst/>
+              <a:gdLst/>
+              <a:ahLst/>
+              <a:cxnLst/>
+              <a:rect l="l" t="t" r="r" b="b"/>
+              <a:pathLst>
+                <a:path w="472394" h="347648">
+                  <a:moveTo>
+                    <a:pt x="235611" y="0"/>
+                  </a:moveTo>
+                  <a:cubicBezTo>
+                    <a:pt x="366383" y="0"/>
+                    <a:pt x="472394" y="106011"/>
+                    <a:pt x="472394" y="236783"/>
+                  </a:cubicBezTo>
+                  <a:cubicBezTo>
+                    <a:pt x="472394" y="277050"/>
+                    <a:pt x="462343" y="314969"/>
+                    <a:pt x="443638" y="347648"/>
+                  </a:cubicBezTo>
+                  <a:cubicBezTo>
+                    <a:pt x="282993" y="342945"/>
+                    <a:pt x="132134" y="298898"/>
+                    <a:pt x="0" y="225155"/>
+                  </a:cubicBezTo>
+                  <a:cubicBezTo>
+                    <a:pt x="5195" y="99761"/>
+                    <a:pt x="108753" y="0"/>
+                    <a:pt x="235611" y="0"/>
+                  </a:cubicBezTo>
+                  <a:close/>
+                </a:path>
+              </a:pathLst>
+            </a:custGeom>
+            <a:solidFill>
+              <a:schemeClr val="bg1">
+                <a:lumMod val="75000"/>
+              </a:schemeClr>
+            </a:solidFill>
+            <a:ln>
+              <a:noFill/>
+            </a:ln>
+            <a:effectLst>
+              <a:innerShdw dist="50800" dir="13500000">
+                <a:prstClr val="black">
+                  <a:alpha val="30000"/>
+                </a:prstClr>
+              </a:innerShdw>
+            </a:effectLst>
+          </p:spPr>
+          <p:style>
+            <a:lnRef idx="2">
+              <a:schemeClr val="accent1">
+                <a:shade val="50000"/>
+              </a:schemeClr>
+            </a:lnRef>
+            <a:fillRef idx="1">
+              <a:schemeClr val="accent1"/>
+            </a:fillRef>
+            <a:effectRef idx="0">
+              <a:schemeClr val="accent1"/>
+            </a:effectRef>
+            <a:fontRef idx="minor">
+              <a:schemeClr val="lt1"/>
+            </a:fontRef>
+          </p:style>
+          <p:txBody>
+            <a:bodyPr rtlCol="0" anchor="ctr"/>
+            <a:lstStyle/>
+            <a:p>
+              <a:pPr algn="ctr"/>
+              <a:endParaRPr lang="pt-BR"/>
+            </a:p>
+          </p:txBody>
+        </p:sp>
+        <p:sp>
+          <p:nvSpPr>
+            <p:cNvPr id="89" name="Elipse 88"/>
+            <p:cNvSpPr/>
+            <p:nvPr/>
+          </p:nvSpPr>
+          <p:spPr>
+            <a:xfrm>
+              <a:off x="5753007" y="3639686"/>
+              <a:ext cx="273682" cy="273682"/>
+            </a:xfrm>
+            <a:prstGeom prst="ellipse">
+              <a:avLst/>
+            </a:prstGeom>
+            <a:solidFill>
+              <a:schemeClr val="bg1">
+                <a:lumMod val="75000"/>
+              </a:schemeClr>
+            </a:solidFill>
+            <a:ln>
+              <a:noFill/>
+            </a:ln>
+            <a:effectLst>
+              <a:innerShdw dist="50800" dir="13500000">
+                <a:prstClr val="black">
+                  <a:alpha val="30000"/>
+                </a:prstClr>
+              </a:innerShdw>
+            </a:effectLst>
+          </p:spPr>
+          <p:style>
+            <a:lnRef idx="2">
+              <a:schemeClr val="accent1">
+                <a:shade val="50000"/>
+              </a:schemeClr>
+            </a:lnRef>
+            <a:fillRef idx="1">
+              <a:schemeClr val="accent1"/>
+            </a:fillRef>
+            <a:effectRef idx="0">
+              <a:schemeClr val="accent1"/>
+            </a:effectRef>
+            <a:fontRef idx="minor">
+              <a:schemeClr val="lt1"/>
+            </a:fontRef>
+          </p:style>
+          <p:txBody>
+            <a:bodyPr rtlCol="0" anchor="ctr"/>
+            <a:lstStyle/>
+            <a:p>
+              <a:pPr algn="ctr"/>
+              <a:endParaRPr lang="pt-BR"/>
+            </a:p>
+          </p:txBody>
+        </p:sp>
+      </p:grpSp>
+      <p:grpSp>
+        <p:nvGrpSpPr>
+          <p:cNvPr id="90" name="Grupo 89"/>
+          <p:cNvGrpSpPr/>
+          <p:nvPr/>
+        </p:nvGrpSpPr>
+        <p:grpSpPr>
+          <a:xfrm>
+            <a:off x="2721819" y="4830599"/>
+            <a:ext cx="2209898" cy="2087096"/>
+            <a:chOff x="2711412" y="1622817"/>
+            <a:chExt cx="3039001" cy="2870127"/>
+          </a:xfrm>
+        </p:grpSpPr>
+        <p:sp>
+          <p:nvSpPr>
+            <p:cNvPr id="91" name="Retângulo de cantos arredondados 90"/>
+            <p:cNvSpPr/>
+            <p:nvPr/>
+          </p:nvSpPr>
+          <p:spPr>
+            <a:xfrm>
+              <a:off x="2711412" y="1622817"/>
+              <a:ext cx="3039001" cy="2870127"/>
+            </a:xfrm>
+            <a:prstGeom prst="roundRect">
+              <a:avLst/>
+            </a:prstGeom>
+            <a:gradFill>
+              <a:gsLst>
+                <a:gs pos="49000">
+                  <a:srgbClr val="2D3E50">
+                    <a:lumMod val="100000"/>
+                  </a:srgbClr>
+                </a:gs>
+                <a:gs pos="50000">
+                  <a:schemeClr val="accent5">
+                    <a:lumMod val="40000"/>
+                    <a:lumOff val="60000"/>
+                  </a:schemeClr>
+                </a:gs>
+              </a:gsLst>
+              <a:lin ang="10800000" scaled="0"/>
+            </a:gradFill>
+            <a:ln>
+              <a:noFill/>
+            </a:ln>
+          </p:spPr>
+          <p:style>
+            <a:lnRef idx="2">
+              <a:schemeClr val="accent1">
+                <a:shade val="50000"/>
+              </a:schemeClr>
+            </a:lnRef>
+            <a:fillRef idx="1">
+              <a:schemeClr val="accent1"/>
+            </a:fillRef>
+            <a:effectRef idx="0">
+              <a:schemeClr val="accent1"/>
+            </a:effectRef>
+            <a:fontRef idx="minor">
+              <a:schemeClr val="lt1"/>
+            </a:fontRef>
+          </p:style>
+          <p:txBody>
+            <a:bodyPr rtlCol="0" anchor="ctr"/>
+            <a:lstStyle/>
+            <a:p>
+              <a:pPr algn="ctr"/>
+              <a:endParaRPr lang="pt-BR"/>
+            </a:p>
+          </p:txBody>
+        </p:sp>
+        <p:grpSp>
+          <p:nvGrpSpPr>
+            <p:cNvPr id="92" name="Grupo 91"/>
+            <p:cNvGrpSpPr/>
+            <p:nvPr/>
+          </p:nvGrpSpPr>
+          <p:grpSpPr>
+            <a:xfrm>
+              <a:off x="3314721" y="2157880"/>
+              <a:ext cx="1832384" cy="1800000"/>
+              <a:chOff x="963426" y="2995499"/>
+              <a:chExt cx="1832384" cy="1978524"/>
+            </a:xfrm>
+          </p:grpSpPr>
+          <p:sp>
+            <p:nvSpPr>
+              <p:cNvPr id="93" name="Elipse 149"/>
+              <p:cNvSpPr/>
+              <p:nvPr/>
+            </p:nvSpPr>
+            <p:spPr>
+              <a:xfrm>
+                <a:off x="963426" y="2995499"/>
+                <a:ext cx="941538" cy="1978524"/>
+              </a:xfrm>
+              <a:custGeom>
+                <a:avLst/>
+                <a:gdLst/>
+                <a:ahLst/>
+                <a:cxnLst/>
+                <a:rect l="l" t="t" r="r" b="b"/>
+                <a:pathLst>
+                  <a:path w="941538" h="1978524">
+                    <a:moveTo>
+                      <a:pt x="941538" y="0"/>
+                    </a:moveTo>
+                    <a:lnTo>
+                      <a:pt x="941538" y="1978524"/>
+                    </a:lnTo>
+                    <a:cubicBezTo>
+                      <a:pt x="417102" y="1953601"/>
+                      <a:pt x="0" y="1520141"/>
+                      <a:pt x="0" y="989262"/>
+                    </a:cubicBezTo>
+                    <a:cubicBezTo>
+                      <a:pt x="0" y="458383"/>
+                      <a:pt x="417102" y="24924"/>
+                      <a:pt x="941538" y="0"/>
+                    </a:cubicBezTo>
+                    <a:close/>
+                  </a:path>
+                </a:pathLst>
+              </a:custGeom>
+              <a:solidFill>
+                <a:srgbClr val="F6931E"/>
+              </a:solidFill>
+              <a:ln>
+                <a:noFill/>
+              </a:ln>
+            </p:spPr>
+            <p:style>
+              <a:lnRef idx="2">
+                <a:schemeClr val="accent1">
+                  <a:shade val="50000"/>
+                </a:schemeClr>
+              </a:lnRef>
+              <a:fillRef idx="1">
+                <a:schemeClr val="accent1"/>
+              </a:fillRef>
+              <a:effectRef idx="0">
+                <a:schemeClr val="accent1"/>
+              </a:effectRef>
+              <a:fontRef idx="minor">
+                <a:schemeClr val="lt1"/>
+              </a:fontRef>
+            </p:style>
+            <p:txBody>
+              <a:bodyPr rtlCol="0" anchor="ctr"/>
+              <a:lstStyle/>
+              <a:p>
+                <a:pPr algn="ctr"/>
+                <a:endParaRPr lang="pt-BR"/>
+              </a:p>
+            </p:txBody>
+          </p:sp>
+          <p:sp>
+            <p:nvSpPr>
+              <p:cNvPr id="94" name="Elipse 150"/>
+              <p:cNvSpPr/>
+              <p:nvPr/>
+            </p:nvSpPr>
+            <p:spPr>
+              <a:xfrm>
+                <a:off x="1091088" y="3131069"/>
+                <a:ext cx="824187" cy="1707389"/>
+              </a:xfrm>
+              <a:custGeom>
+                <a:avLst/>
+                <a:gdLst/>
+                <a:ahLst/>
+                <a:cxnLst/>
+                <a:rect l="l" t="t" r="r" b="b"/>
+                <a:pathLst>
+                  <a:path w="824187" h="1707389">
+                    <a:moveTo>
+                      <a:pt x="824187" y="0"/>
+                    </a:moveTo>
+                    <a:lnTo>
+                      <a:pt x="824187" y="1707389"/>
+                    </a:lnTo>
+                    <a:cubicBezTo>
+                      <a:pt x="365456" y="1687791"/>
+                      <a:pt x="0" y="1313004"/>
+                      <a:pt x="0" y="853694"/>
+                    </a:cubicBezTo>
+                    <a:cubicBezTo>
+                      <a:pt x="0" y="394384"/>
+                      <a:pt x="365456" y="19597"/>
+                      <a:pt x="824187" y="0"/>
+                    </a:cubicBezTo>
+                    <a:close/>
+                  </a:path>
+                </a:pathLst>
+              </a:custGeom>
+              <a:solidFill>
+                <a:srgbClr val="F6BB00"/>
+              </a:solidFill>
+              <a:ln>
+                <a:noFill/>
+              </a:ln>
+            </p:spPr>
+            <p:style>
+              <a:lnRef idx="2">
+                <a:schemeClr val="accent1">
+                  <a:shade val="50000"/>
+                </a:schemeClr>
+              </a:lnRef>
+              <a:fillRef idx="1">
+                <a:schemeClr val="accent1"/>
+              </a:fillRef>
+              <a:effectRef idx="0">
+                <a:schemeClr val="accent1"/>
+              </a:effectRef>
+              <a:fontRef idx="minor">
+                <a:schemeClr val="lt1"/>
+              </a:fontRef>
+            </p:style>
+            <p:txBody>
+              <a:bodyPr rtlCol="0" anchor="ctr"/>
+              <a:lstStyle/>
+              <a:p>
+                <a:pPr algn="ctr"/>
+                <a:endParaRPr lang="pt-BR"/>
+              </a:p>
+            </p:txBody>
+          </p:sp>
+          <p:sp>
+            <p:nvSpPr>
+              <p:cNvPr id="95" name="Elipse 151"/>
+              <p:cNvSpPr/>
+              <p:nvPr/>
+            </p:nvSpPr>
+            <p:spPr>
+              <a:xfrm>
+                <a:off x="1215852" y="3255127"/>
+                <a:ext cx="689112" cy="1459272"/>
+              </a:xfrm>
+              <a:custGeom>
+                <a:avLst/>
+                <a:gdLst/>
+                <a:ahLst/>
+                <a:cxnLst/>
+                <a:rect l="l" t="t" r="r" b="b"/>
+                <a:pathLst>
+                  <a:path w="689112" h="1459272">
+                    <a:moveTo>
+                      <a:pt x="689112" y="0"/>
+                    </a:moveTo>
+                    <a:lnTo>
+                      <a:pt x="689112" y="1459272"/>
+                    </a:lnTo>
+                    <a:cubicBezTo>
+                      <a:pt x="304178" y="1434503"/>
+                      <a:pt x="0" y="1117245"/>
+                      <a:pt x="0" y="729636"/>
+                    </a:cubicBezTo>
+                    <a:cubicBezTo>
+                      <a:pt x="0" y="342028"/>
+                      <a:pt x="304178" y="24770"/>
+                      <a:pt x="689112" y="0"/>
+                    </a:cubicBezTo>
+                    <a:close/>
+                  </a:path>
+                </a:pathLst>
+              </a:custGeom>
+              <a:solidFill>
+                <a:srgbClr val="F4EE00"/>
+              </a:solidFill>
+              <a:ln>
+                <a:noFill/>
+              </a:ln>
+            </p:spPr>
+            <p:style>
+              <a:lnRef idx="2">
+                <a:schemeClr val="accent1">
+                  <a:shade val="50000"/>
+                </a:schemeClr>
+              </a:lnRef>
+              <a:fillRef idx="1">
+                <a:schemeClr val="accent1"/>
+              </a:fillRef>
+              <a:effectRef idx="0">
+                <a:schemeClr val="accent1"/>
+              </a:effectRef>
+              <a:fontRef idx="minor">
+                <a:schemeClr val="lt1"/>
+              </a:fontRef>
+            </p:style>
+            <p:txBody>
+              <a:bodyPr rtlCol="0" anchor="ctr"/>
+              <a:lstStyle/>
+              <a:p>
+                <a:pPr algn="ctr"/>
+                <a:endParaRPr lang="pt-BR"/>
+              </a:p>
+            </p:txBody>
+          </p:sp>
+          <p:sp>
+            <p:nvSpPr>
+              <p:cNvPr id="96" name="Elipse 152"/>
+              <p:cNvSpPr/>
+              <p:nvPr/>
+            </p:nvSpPr>
+            <p:spPr>
+              <a:xfrm>
+                <a:off x="1355963" y="3396373"/>
+                <a:ext cx="549001" cy="1176781"/>
+              </a:xfrm>
+              <a:custGeom>
+                <a:avLst/>
+                <a:gdLst/>
+                <a:ahLst/>
+                <a:cxnLst/>
+                <a:rect l="l" t="t" r="r" b="b"/>
+                <a:pathLst>
+                  <a:path w="549001" h="1176781">
+                    <a:moveTo>
+                      <a:pt x="549001" y="0"/>
+                    </a:moveTo>
+                    <a:lnTo>
+                      <a:pt x="549001" y="1176781"/>
+                    </a:lnTo>
+                    <a:cubicBezTo>
+                      <a:pt x="241430" y="1154325"/>
+                      <a:pt x="0" y="899276"/>
+                      <a:pt x="0" y="588390"/>
+                    </a:cubicBezTo>
+                    <a:cubicBezTo>
+                      <a:pt x="0" y="277504"/>
+                      <a:pt x="241430" y="22455"/>
+                      <a:pt x="549001" y="0"/>
+                    </a:cubicBezTo>
+                    <a:close/>
+                  </a:path>
+                </a:pathLst>
+              </a:custGeom>
+              <a:solidFill>
+                <a:srgbClr val="FFFF1D"/>
+              </a:solidFill>
+              <a:ln>
+                <a:noFill/>
+              </a:ln>
+            </p:spPr>
+            <p:style>
+              <a:lnRef idx="2">
+                <a:schemeClr val="accent1">
+                  <a:shade val="50000"/>
+                </a:schemeClr>
+              </a:lnRef>
+              <a:fillRef idx="1">
+                <a:schemeClr val="accent1"/>
+              </a:fillRef>
+              <a:effectRef idx="0">
+                <a:schemeClr val="accent1"/>
+              </a:effectRef>
+              <a:fontRef idx="minor">
+                <a:schemeClr val="lt1"/>
+              </a:fontRef>
+            </p:style>
+            <p:txBody>
+              <a:bodyPr rtlCol="0" anchor="ctr"/>
+              <a:lstStyle/>
+              <a:p>
+                <a:pPr algn="ctr"/>
+                <a:endParaRPr lang="pt-BR"/>
+              </a:p>
+            </p:txBody>
+          </p:sp>
+          <p:grpSp>
+            <p:nvGrpSpPr>
+              <p:cNvPr id="97" name="Grupo 96"/>
+              <p:cNvGrpSpPr/>
+              <p:nvPr/>
+            </p:nvGrpSpPr>
+            <p:grpSpPr>
+              <a:xfrm>
+                <a:off x="1904964" y="2995727"/>
+                <a:ext cx="890846" cy="1974874"/>
+                <a:chOff x="4997502" y="3134236"/>
+                <a:chExt cx="890846" cy="1974874"/>
+              </a:xfrm>
+            </p:grpSpPr>
+            <p:sp>
+              <p:nvSpPr>
+                <p:cNvPr id="98" name="Elipse 157"/>
+                <p:cNvSpPr/>
+                <p:nvPr/>
+              </p:nvSpPr>
+              <p:spPr>
+                <a:xfrm>
+                  <a:off x="4997502" y="3134236"/>
+                  <a:ext cx="890846" cy="1974874"/>
+                </a:xfrm>
+                <a:custGeom>
+                  <a:avLst/>
+                  <a:gdLst/>
+                  <a:ahLst/>
+                  <a:cxnLst/>
+                  <a:rect l="l" t="t" r="r" b="b"/>
+                  <a:pathLst>
+                    <a:path w="890846" h="1974874">
+                      <a:moveTo>
+                        <a:pt x="0" y="0"/>
+                      </a:moveTo>
+                      <a:cubicBezTo>
+                        <a:pt x="500398" y="50942"/>
+                        <a:pt x="890846" y="473593"/>
+                        <a:pt x="890846" y="987437"/>
+                      </a:cubicBezTo>
+                      <a:cubicBezTo>
+                        <a:pt x="890846" y="1501281"/>
+                        <a:pt x="500398" y="1923932"/>
+                        <a:pt x="0" y="1974874"/>
+                      </a:cubicBezTo>
+                      <a:close/>
+                    </a:path>
+                  </a:pathLst>
+                </a:custGeom>
+                <a:solidFill>
+                  <a:schemeClr val="bg1">
+                    <a:lumMod val="95000"/>
+                  </a:schemeClr>
+                </a:solidFill>
+                <a:ln>
+                  <a:noFill/>
+                </a:ln>
+              </p:spPr>
+              <p:style>
+                <a:lnRef idx="2">
+                  <a:schemeClr val="accent1">
+                    <a:shade val="50000"/>
+                  </a:schemeClr>
+                </a:lnRef>
+                <a:fillRef idx="1">
+                  <a:schemeClr val="accent1"/>
+                </a:fillRef>
+                <a:effectRef idx="0">
+                  <a:schemeClr val="accent1"/>
+                </a:effectRef>
+                <a:fontRef idx="minor">
+                  <a:schemeClr val="lt1"/>
+                </a:fontRef>
+              </p:style>
+              <p:txBody>
+                <a:bodyPr rtlCol="0" anchor="ctr"/>
+                <a:lstStyle/>
+                <a:p>
+                  <a:pPr algn="ctr"/>
+                  <a:endParaRPr lang="pt-BR"/>
+                </a:p>
+              </p:txBody>
+            </p:sp>
+            <p:sp>
+              <p:nvSpPr>
+                <p:cNvPr id="99" name="Elipse 1044"/>
+                <p:cNvSpPr/>
+                <p:nvPr/>
+              </p:nvSpPr>
+              <p:spPr>
+                <a:xfrm>
+                  <a:off x="5357658" y="3252016"/>
+                  <a:ext cx="441778" cy="462433"/>
+                </a:xfrm>
+                <a:custGeom>
+                  <a:avLst/>
+                  <a:gdLst/>
+                  <a:ahLst/>
+                  <a:cxnLst/>
+                  <a:rect l="l" t="t" r="r" b="b"/>
+                  <a:pathLst>
+                    <a:path w="441778" h="462433">
+                      <a:moveTo>
+                        <a:pt x="24016" y="0"/>
+                      </a:moveTo>
+                      <a:cubicBezTo>
+                        <a:pt x="206161" y="100081"/>
+                        <a:pt x="353313" y="255864"/>
+                        <a:pt x="441778" y="444829"/>
+                      </a:cubicBezTo>
+                      <a:cubicBezTo>
+                        <a:pt x="409699" y="456810"/>
+                        <a:pt x="374977" y="462433"/>
+                        <a:pt x="338941" y="462433"/>
+                      </a:cubicBezTo>
+                      <a:cubicBezTo>
+                        <a:pt x="151749" y="462433"/>
+                        <a:pt x="0" y="310684"/>
+                        <a:pt x="0" y="123492"/>
+                      </a:cubicBezTo>
+                      <a:cubicBezTo>
+                        <a:pt x="0" y="79813"/>
+                        <a:pt x="8262" y="38064"/>
+                        <a:pt x="24016" y="0"/>
+                      </a:cubicBezTo>
+                      <a:close/>
+                    </a:path>
+                  </a:pathLst>
+                </a:custGeom>
+                <a:solidFill>
+                  <a:schemeClr val="bg1">
+                    <a:lumMod val="75000"/>
+                  </a:schemeClr>
+                </a:solidFill>
+                <a:ln>
+                  <a:noFill/>
+                </a:ln>
+                <a:effectLst>
+                  <a:innerShdw dist="50800" dir="10800000">
+                    <a:prstClr val="black">
+                      <a:alpha val="30000"/>
+                    </a:prstClr>
+                  </a:innerShdw>
+                </a:effectLst>
+              </p:spPr>
+              <p:style>
+                <a:lnRef idx="2">
+                  <a:schemeClr val="accent1">
+                    <a:shade val="50000"/>
+                  </a:schemeClr>
+                </a:lnRef>
+                <a:fillRef idx="1">
+                  <a:schemeClr val="accent1"/>
+                </a:fillRef>
+                <a:effectRef idx="0">
+                  <a:schemeClr val="accent1"/>
+                </a:effectRef>
+                <a:fontRef idx="minor">
+                  <a:schemeClr val="lt1"/>
+                </a:fontRef>
+              </p:style>
+              <p:txBody>
+                <a:bodyPr rtlCol="0" anchor="ctr"/>
+                <a:lstStyle/>
+                <a:p>
+                  <a:pPr algn="ctr"/>
+                  <a:endParaRPr lang="pt-BR" dirty="0"/>
+                </a:p>
+              </p:txBody>
+            </p:sp>
+            <p:sp>
+              <p:nvSpPr>
+                <p:cNvPr id="100" name="Elipse 160"/>
+                <p:cNvSpPr/>
+                <p:nvPr/>
+              </p:nvSpPr>
+              <p:spPr>
+                <a:xfrm>
+                  <a:off x="4997502" y="4141640"/>
+                  <a:ext cx="315070" cy="394582"/>
+                </a:xfrm>
+                <a:custGeom>
+                  <a:avLst/>
+                  <a:gdLst/>
+                  <a:ahLst/>
+                  <a:cxnLst/>
+                  <a:rect l="l" t="t" r="r" b="b"/>
+                  <a:pathLst>
+                    <a:path w="315070" h="394582">
+                      <a:moveTo>
+                        <a:pt x="117779" y="0"/>
+                      </a:moveTo>
+                      <a:cubicBezTo>
+                        <a:pt x="226740" y="0"/>
+                        <a:pt x="315070" y="88330"/>
+                        <a:pt x="315070" y="197291"/>
+                      </a:cubicBezTo>
+                      <a:cubicBezTo>
+                        <a:pt x="315070" y="306252"/>
+                        <a:pt x="226740" y="394582"/>
+                        <a:pt x="117779" y="394582"/>
+                      </a:cubicBezTo>
+                      <a:cubicBezTo>
+                        <a:pt x="72729" y="394582"/>
+                        <a:pt x="31205" y="379483"/>
+                        <a:pt x="0" y="351446"/>
+                      </a:cubicBezTo>
+                      <a:lnTo>
+                        <a:pt x="0" y="43137"/>
+                      </a:lnTo>
+                      <a:cubicBezTo>
+                        <a:pt x="31205" y="15100"/>
+                        <a:pt x="72729" y="0"/>
+                        <a:pt x="117779" y="0"/>
+                      </a:cubicBezTo>
+                      <a:close/>
+                    </a:path>
+                  </a:pathLst>
+                </a:custGeom>
+                <a:solidFill>
+                  <a:schemeClr val="bg1">
+                    <a:lumMod val="75000"/>
+                  </a:schemeClr>
+                </a:solidFill>
+                <a:ln>
+                  <a:noFill/>
+                </a:ln>
+                <a:effectLst>
+                  <a:innerShdw dist="50800" dir="13500000">
+                    <a:prstClr val="black">
+                      <a:alpha val="30000"/>
+                    </a:prstClr>
+                  </a:innerShdw>
+                </a:effectLst>
+              </p:spPr>
+              <p:style>
+                <a:lnRef idx="2">
+                  <a:schemeClr val="accent1">
+                    <a:shade val="50000"/>
+                  </a:schemeClr>
+                </a:lnRef>
+                <a:fillRef idx="1">
+                  <a:schemeClr val="accent1"/>
+                </a:fillRef>
+                <a:effectRef idx="0">
+                  <a:schemeClr val="accent1"/>
+                </a:effectRef>
+                <a:fontRef idx="minor">
+                  <a:schemeClr val="lt1"/>
+                </a:fontRef>
+              </p:style>
+              <p:txBody>
+                <a:bodyPr rtlCol="0" anchor="ctr"/>
+                <a:lstStyle/>
+                <a:p>
+                  <a:pPr algn="ctr"/>
+                  <a:endParaRPr lang="pt-BR"/>
+                </a:p>
+              </p:txBody>
+            </p:sp>
+          </p:grpSp>
+        </p:grpSp>
+      </p:grpSp>
+      <p:grpSp>
+        <p:nvGrpSpPr>
+          <p:cNvPr id="101" name="Grupo 100"/>
+          <p:cNvGrpSpPr/>
+          <p:nvPr/>
+        </p:nvGrpSpPr>
+        <p:grpSpPr>
+          <a:xfrm>
+            <a:off x="5532996" y="4970167"/>
+            <a:ext cx="2128852" cy="2128852"/>
+            <a:chOff x="3702974" y="1072734"/>
+            <a:chExt cx="2655485" cy="2655485"/>
+          </a:xfrm>
+        </p:grpSpPr>
+        <p:sp>
+          <p:nvSpPr>
+            <p:cNvPr id="102" name="Retângulo de cantos arredondados 101"/>
+            <p:cNvSpPr/>
+            <p:nvPr/>
+          </p:nvSpPr>
+          <p:spPr>
+            <a:xfrm>
+              <a:off x="3702974" y="1072734"/>
+              <a:ext cx="2655485" cy="2655485"/>
+            </a:xfrm>
+            <a:prstGeom prst="roundRect">
+              <a:avLst/>
+            </a:prstGeom>
+            <a:solidFill>
+              <a:srgbClr val="79CD4B"/>
+            </a:solidFill>
+            <a:ln>
+              <a:noFill/>
+            </a:ln>
+          </p:spPr>
+          <p:style>
+            <a:lnRef idx="2">
+              <a:schemeClr val="accent1">
+                <a:shade val="50000"/>
+              </a:schemeClr>
+            </a:lnRef>
+            <a:fillRef idx="1">
+              <a:schemeClr val="accent1"/>
+            </a:fillRef>
+            <a:effectRef idx="0">
+              <a:schemeClr val="accent1"/>
+            </a:effectRef>
+            <a:fontRef idx="minor">
+              <a:schemeClr val="lt1"/>
+            </a:fontRef>
+          </p:style>
+          <p:txBody>
+            <a:bodyPr rtlCol="0" anchor="ctr"/>
+            <a:lstStyle/>
+            <a:p>
+              <a:pPr algn="ctr"/>
+              <a:endParaRPr lang="pt-BR"/>
+            </a:p>
+          </p:txBody>
+        </p:sp>
+        <p:grpSp>
+          <p:nvGrpSpPr>
+            <p:cNvPr id="103" name="Grupo 102"/>
+            <p:cNvGrpSpPr/>
+            <p:nvPr/>
+          </p:nvGrpSpPr>
+          <p:grpSpPr>
+            <a:xfrm>
+              <a:off x="4407797" y="1500376"/>
+              <a:ext cx="1245840" cy="1800200"/>
+              <a:chOff x="4439702" y="1124744"/>
+              <a:chExt cx="1245840" cy="1800200"/>
+            </a:xfrm>
+          </p:grpSpPr>
+          <p:grpSp>
+            <p:nvGrpSpPr>
+              <p:cNvPr id="104" name="Grupo 103"/>
+              <p:cNvGrpSpPr/>
+              <p:nvPr/>
+            </p:nvGrpSpPr>
+            <p:grpSpPr>
+              <a:xfrm>
+                <a:off x="4439702" y="1412776"/>
+                <a:ext cx="1245840" cy="1512168"/>
+                <a:chOff x="4439702" y="1412776"/>
+                <a:chExt cx="1245840" cy="1512168"/>
+              </a:xfrm>
+              <a:gradFill>
+                <a:gsLst>
+                  <a:gs pos="49000">
+                    <a:srgbClr val="D6368A"/>
+                  </a:gs>
+                  <a:gs pos="50000">
+                    <a:srgbClr val="B92573"/>
+                  </a:gs>
+                </a:gsLst>
+                <a:lin ang="10800000" scaled="0"/>
+              </a:gradFill>
+            </p:grpSpPr>
+            <p:sp>
+              <p:nvSpPr>
+                <p:cNvPr id="118" name="Retângulo 117"/>
+                <p:cNvSpPr/>
+                <p:nvPr/>
+              </p:nvSpPr>
+              <p:spPr>
+                <a:xfrm>
+                  <a:off x="4439702" y="1876010"/>
+                  <a:ext cx="1245840" cy="1048934"/>
+                </a:xfrm>
+                <a:prstGeom prst="rect">
+                  <a:avLst/>
+                </a:prstGeom>
+                <a:grpFill/>
+                <a:ln>
+                  <a:noFill/>
+                </a:ln>
+              </p:spPr>
+              <p:style>
+                <a:lnRef idx="2">
+                  <a:schemeClr val="accent1">
+                    <a:shade val="50000"/>
+                  </a:schemeClr>
+                </a:lnRef>
+                <a:fillRef idx="1">
+                  <a:schemeClr val="accent1"/>
+                </a:fillRef>
+                <a:effectRef idx="0">
+                  <a:schemeClr val="accent1"/>
+                </a:effectRef>
+                <a:fontRef idx="minor">
+                  <a:schemeClr val="lt1"/>
+                </a:fontRef>
+              </p:style>
+              <p:txBody>
+                <a:bodyPr rtlCol="0" anchor="ctr"/>
+                <a:lstStyle/>
+                <a:p>
+                  <a:pPr algn="ctr"/>
+                  <a:endParaRPr lang="pt-BR"/>
+                </a:p>
+              </p:txBody>
+            </p:sp>
+            <p:sp>
+              <p:nvSpPr>
+                <p:cNvPr id="119" name="Trapezoide 118"/>
+                <p:cNvSpPr/>
+                <p:nvPr/>
+              </p:nvSpPr>
+              <p:spPr>
+                <a:xfrm>
+                  <a:off x="4439702" y="1412776"/>
+                  <a:ext cx="1245840" cy="463234"/>
+                </a:xfrm>
+                <a:prstGeom prst="trapezoid">
+                  <a:avLst>
+                    <a:gd name="adj" fmla="val 52964"/>
+                  </a:avLst>
+                </a:prstGeom>
+                <a:grpFill/>
+                <a:ln>
+                  <a:noFill/>
+                </a:ln>
+              </p:spPr>
+              <p:style>
+                <a:lnRef idx="2">
+                  <a:schemeClr val="accent1">
+                    <a:shade val="50000"/>
+                  </a:schemeClr>
+                </a:lnRef>
+                <a:fillRef idx="1">
+                  <a:schemeClr val="accent1"/>
+                </a:fillRef>
+                <a:effectRef idx="0">
+                  <a:schemeClr val="accent1"/>
+                </a:effectRef>
+                <a:fontRef idx="minor">
+                  <a:schemeClr val="lt1"/>
+                </a:fontRef>
+              </p:style>
+              <p:txBody>
+                <a:bodyPr rtlCol="0" anchor="ctr"/>
+                <a:lstStyle/>
+                <a:p>
+                  <a:pPr algn="ctr"/>
+                  <a:endParaRPr lang="pt-BR"/>
+                </a:p>
+              </p:txBody>
+            </p:sp>
+          </p:grpSp>
+          <p:sp>
+            <p:nvSpPr>
+              <p:cNvPr id="105" name="Retângulo de cantos arredondados 104"/>
+              <p:cNvSpPr/>
+              <p:nvPr/>
+            </p:nvSpPr>
+            <p:spPr>
+              <a:xfrm>
+                <a:off x="4545132" y="1124744"/>
+                <a:ext cx="1034980" cy="380170"/>
+              </a:xfrm>
+              <a:prstGeom prst="roundRect">
+                <a:avLst>
+                  <a:gd name="adj" fmla="val 10654"/>
+                </a:avLst>
+              </a:prstGeom>
+              <a:solidFill>
+                <a:srgbClr val="D6368A"/>
+              </a:solidFill>
+              <a:ln>
+                <a:noFill/>
+              </a:ln>
+            </p:spPr>
+            <p:style>
+              <a:lnRef idx="2">
+                <a:schemeClr val="accent1">
+                  <a:shade val="50000"/>
+                </a:schemeClr>
+              </a:lnRef>
+              <a:fillRef idx="1">
+                <a:schemeClr val="accent1"/>
+              </a:fillRef>
+              <a:effectRef idx="0">
+                <a:schemeClr val="accent1"/>
+              </a:effectRef>
+              <a:fontRef idx="minor">
+                <a:schemeClr val="lt1"/>
+              </a:fontRef>
+            </p:style>
+            <p:txBody>
+              <a:bodyPr rtlCol="0" anchor="ctr"/>
+              <a:lstStyle/>
+              <a:p>
+                <a:pPr algn="ctr"/>
+                <a:endParaRPr lang="pt-BR"/>
+              </a:p>
+            </p:txBody>
+          </p:sp>
+          <p:sp>
+            <p:nvSpPr>
+              <p:cNvPr id="106" name="Retângulo de cantos arredondados 105"/>
+              <p:cNvSpPr/>
+              <p:nvPr/>
+            </p:nvSpPr>
+            <p:spPr>
+              <a:xfrm>
+                <a:off x="4644234" y="1160480"/>
+                <a:ext cx="45719" cy="292267"/>
+              </a:xfrm>
+              <a:prstGeom prst="roundRect">
+                <a:avLst/>
+              </a:prstGeom>
+              <a:solidFill>
+                <a:srgbClr val="B92573"/>
+              </a:solidFill>
+              <a:ln>
+                <a:noFill/>
+              </a:ln>
+            </p:spPr>
+            <p:style>
+              <a:lnRef idx="2">
+                <a:schemeClr val="accent1">
+                  <a:shade val="50000"/>
+                </a:schemeClr>
+              </a:lnRef>
+              <a:fillRef idx="1">
+                <a:schemeClr val="accent1"/>
+              </a:fillRef>
+              <a:effectRef idx="0">
+                <a:schemeClr val="accent1"/>
+              </a:effectRef>
+              <a:fontRef idx="minor">
+                <a:schemeClr val="lt1"/>
+              </a:fontRef>
+            </p:style>
+            <p:txBody>
+              <a:bodyPr rtlCol="0" anchor="ctr"/>
+              <a:lstStyle/>
+              <a:p>
+                <a:pPr algn="ctr"/>
+                <a:endParaRPr lang="pt-BR"/>
+              </a:p>
+            </p:txBody>
+          </p:sp>
+          <p:sp>
+            <p:nvSpPr>
+              <p:cNvPr id="107" name="Retângulo de cantos arredondados 106"/>
+              <p:cNvSpPr/>
+              <p:nvPr/>
+            </p:nvSpPr>
+            <p:spPr>
+              <a:xfrm>
+                <a:off x="4735140" y="1160476"/>
+                <a:ext cx="45719" cy="292267"/>
+              </a:xfrm>
+              <a:prstGeom prst="roundRect">
+                <a:avLst/>
+              </a:prstGeom>
+              <a:solidFill>
+                <a:srgbClr val="B92573"/>
+              </a:solidFill>
+              <a:ln>
+                <a:noFill/>
+              </a:ln>
+            </p:spPr>
+            <p:style>
+              <a:lnRef idx="2">
+                <a:schemeClr val="accent1">
+                  <a:shade val="50000"/>
+                </a:schemeClr>
+              </a:lnRef>
+              <a:fillRef idx="1">
+                <a:schemeClr val="accent1"/>
+              </a:fillRef>
+              <a:effectRef idx="0">
+                <a:schemeClr val="accent1"/>
+              </a:effectRef>
+              <a:fontRef idx="minor">
+                <a:schemeClr val="lt1"/>
+              </a:fontRef>
+            </p:style>
+            <p:txBody>
+              <a:bodyPr rtlCol="0" anchor="ctr"/>
+              <a:lstStyle/>
+              <a:p>
+                <a:pPr algn="ctr"/>
+                <a:endParaRPr lang="pt-BR"/>
+              </a:p>
+            </p:txBody>
+          </p:sp>
+          <p:sp>
+            <p:nvSpPr>
+              <p:cNvPr id="108" name="Retângulo de cantos arredondados 107"/>
+              <p:cNvSpPr/>
+              <p:nvPr/>
+            </p:nvSpPr>
+            <p:spPr>
+              <a:xfrm>
+                <a:off x="4826046" y="1160480"/>
+                <a:ext cx="45719" cy="292267"/>
+              </a:xfrm>
+              <a:prstGeom prst="roundRect">
+                <a:avLst/>
+              </a:prstGeom>
+              <a:solidFill>
+                <a:srgbClr val="B92573"/>
+              </a:solidFill>
+              <a:ln>
+                <a:noFill/>
+              </a:ln>
+            </p:spPr>
+            <p:style>
+              <a:lnRef idx="2">
+                <a:schemeClr val="accent1">
+                  <a:shade val="50000"/>
+                </a:schemeClr>
+              </a:lnRef>
+              <a:fillRef idx="1">
+                <a:schemeClr val="accent1"/>
+              </a:fillRef>
+              <a:effectRef idx="0">
+                <a:schemeClr val="accent1"/>
+              </a:effectRef>
+              <a:fontRef idx="minor">
+                <a:schemeClr val="lt1"/>
+              </a:fontRef>
+            </p:style>
+            <p:txBody>
+              <a:bodyPr rtlCol="0" anchor="ctr"/>
+              <a:lstStyle/>
+              <a:p>
+                <a:pPr algn="ctr"/>
+                <a:endParaRPr lang="pt-BR"/>
+              </a:p>
+            </p:txBody>
+          </p:sp>
+          <p:sp>
+            <p:nvSpPr>
+              <p:cNvPr id="109" name="Retângulo de cantos arredondados 108"/>
+              <p:cNvSpPr/>
+              <p:nvPr/>
+            </p:nvSpPr>
+            <p:spPr>
+              <a:xfrm>
+                <a:off x="4916952" y="1160477"/>
+                <a:ext cx="45719" cy="292267"/>
+              </a:xfrm>
+              <a:prstGeom prst="roundRect">
+                <a:avLst/>
+              </a:prstGeom>
+              <a:solidFill>
+                <a:srgbClr val="B92573"/>
+              </a:solidFill>
+              <a:ln>
+                <a:noFill/>
+              </a:ln>
+            </p:spPr>
+            <p:style>
+              <a:lnRef idx="2">
+                <a:schemeClr val="accent1">
+                  <a:shade val="50000"/>
+                </a:schemeClr>
+              </a:lnRef>
+              <a:fillRef idx="1">
+                <a:schemeClr val="accent1"/>
+              </a:fillRef>
+              <a:effectRef idx="0">
+                <a:schemeClr val="accent1"/>
+              </a:effectRef>
+              <a:fontRef idx="minor">
+                <a:schemeClr val="lt1"/>
+              </a:fontRef>
+            </p:style>
+            <p:txBody>
+              <a:bodyPr rtlCol="0" anchor="ctr"/>
+              <a:lstStyle/>
+              <a:p>
+                <a:pPr algn="ctr"/>
+                <a:endParaRPr lang="pt-BR"/>
+              </a:p>
+            </p:txBody>
+          </p:sp>
+          <p:sp>
+            <p:nvSpPr>
+              <p:cNvPr id="110" name="Retângulo de cantos arredondados 109"/>
+              <p:cNvSpPr/>
+              <p:nvPr/>
+            </p:nvSpPr>
+            <p:spPr>
+              <a:xfrm>
+                <a:off x="5007858" y="1160475"/>
+                <a:ext cx="45719" cy="292267"/>
+              </a:xfrm>
+              <a:prstGeom prst="roundRect">
+                <a:avLst/>
+              </a:prstGeom>
+              <a:solidFill>
+                <a:srgbClr val="B92573"/>
+              </a:solidFill>
+              <a:ln>
+                <a:noFill/>
+              </a:ln>
+            </p:spPr>
+            <p:style>
+              <a:lnRef idx="2">
+                <a:schemeClr val="accent1">
+                  <a:shade val="50000"/>
+                </a:schemeClr>
+              </a:lnRef>
+              <a:fillRef idx="1">
+                <a:schemeClr val="accent1"/>
+              </a:fillRef>
+              <a:effectRef idx="0">
+                <a:schemeClr val="accent1"/>
+              </a:effectRef>
+              <a:fontRef idx="minor">
+                <a:schemeClr val="lt1"/>
+              </a:fontRef>
+            </p:style>
+            <p:txBody>
+              <a:bodyPr rtlCol="0" anchor="ctr"/>
+              <a:lstStyle/>
+              <a:p>
+                <a:pPr algn="ctr"/>
+                <a:endParaRPr lang="pt-BR"/>
+              </a:p>
+            </p:txBody>
+          </p:sp>
+          <p:sp>
+            <p:nvSpPr>
+              <p:cNvPr id="111" name="Retângulo de cantos arredondados 110"/>
+              <p:cNvSpPr/>
+              <p:nvPr/>
+            </p:nvSpPr>
+            <p:spPr>
+              <a:xfrm>
+                <a:off x="5098764" y="1160474"/>
+                <a:ext cx="45719" cy="292267"/>
+              </a:xfrm>
+              <a:prstGeom prst="roundRect">
+                <a:avLst/>
+              </a:prstGeom>
+              <a:solidFill>
+                <a:srgbClr val="B92573"/>
+              </a:solidFill>
+              <a:ln>
+                <a:noFill/>
+              </a:ln>
+            </p:spPr>
+            <p:style>
+              <a:lnRef idx="2">
+                <a:schemeClr val="accent1">
+                  <a:shade val="50000"/>
+                </a:schemeClr>
+              </a:lnRef>
+              <a:fillRef idx="1">
+                <a:schemeClr val="accent1"/>
+              </a:fillRef>
+              <a:effectRef idx="0">
+                <a:schemeClr val="accent1"/>
+              </a:effectRef>
+              <a:fontRef idx="minor">
+                <a:schemeClr val="lt1"/>
+              </a:fontRef>
+            </p:style>
+            <p:txBody>
+              <a:bodyPr rtlCol="0" anchor="ctr"/>
+              <a:lstStyle/>
+              <a:p>
+                <a:pPr algn="ctr"/>
+                <a:endParaRPr lang="pt-BR"/>
+              </a:p>
+            </p:txBody>
+          </p:sp>
+          <p:sp>
+            <p:nvSpPr>
+              <p:cNvPr id="112" name="Retângulo de cantos arredondados 111"/>
+              <p:cNvSpPr/>
+              <p:nvPr/>
+            </p:nvSpPr>
+            <p:spPr>
+              <a:xfrm>
+                <a:off x="5189670" y="1160473"/>
+                <a:ext cx="45719" cy="292267"/>
+              </a:xfrm>
+              <a:prstGeom prst="roundRect">
+                <a:avLst/>
+              </a:prstGeom>
+              <a:solidFill>
+                <a:srgbClr val="B92573"/>
+              </a:solidFill>
+              <a:ln>
+                <a:noFill/>
+              </a:ln>
+            </p:spPr>
+            <p:style>
+              <a:lnRef idx="2">
+                <a:schemeClr val="accent1">
+                  <a:shade val="50000"/>
+                </a:schemeClr>
+              </a:lnRef>
+              <a:fillRef idx="1">
+                <a:schemeClr val="accent1"/>
+              </a:fillRef>
+              <a:effectRef idx="0">
+                <a:schemeClr val="accent1"/>
+              </a:effectRef>
+              <a:fontRef idx="minor">
+                <a:schemeClr val="lt1"/>
+              </a:fontRef>
+            </p:style>
+            <p:txBody>
+              <a:bodyPr rtlCol="0" anchor="ctr"/>
+              <a:lstStyle/>
+              <a:p>
+                <a:pPr algn="ctr"/>
+                <a:endParaRPr lang="pt-BR"/>
+              </a:p>
+            </p:txBody>
+          </p:sp>
+          <p:sp>
+            <p:nvSpPr>
+              <p:cNvPr id="113" name="Retângulo de cantos arredondados 112"/>
+              <p:cNvSpPr/>
+              <p:nvPr/>
+            </p:nvSpPr>
+            <p:spPr>
+              <a:xfrm>
+                <a:off x="5280576" y="1160472"/>
+                <a:ext cx="45719" cy="292267"/>
+              </a:xfrm>
+              <a:prstGeom prst="roundRect">
+                <a:avLst/>
+              </a:prstGeom>
+              <a:solidFill>
+                <a:srgbClr val="B92573"/>
+              </a:solidFill>
+              <a:ln>
+                <a:noFill/>
+              </a:ln>
+            </p:spPr>
+            <p:style>
+              <a:lnRef idx="2">
+                <a:schemeClr val="accent1">
+                  <a:shade val="50000"/>
+                </a:schemeClr>
+              </a:lnRef>
+              <a:fillRef idx="1">
+                <a:schemeClr val="accent1"/>
+              </a:fillRef>
+              <a:effectRef idx="0">
+                <a:schemeClr val="accent1"/>
+              </a:effectRef>
+              <a:fontRef idx="minor">
+                <a:schemeClr val="lt1"/>
+              </a:fontRef>
+            </p:style>
+            <p:txBody>
+              <a:bodyPr rtlCol="0" anchor="ctr"/>
+              <a:lstStyle/>
+              <a:p>
+                <a:pPr algn="ctr"/>
+                <a:endParaRPr lang="pt-BR"/>
+              </a:p>
+            </p:txBody>
+          </p:sp>
+          <p:sp>
+            <p:nvSpPr>
+              <p:cNvPr id="114" name="Retângulo de cantos arredondados 113"/>
+              <p:cNvSpPr/>
+              <p:nvPr/>
+            </p:nvSpPr>
+            <p:spPr>
+              <a:xfrm>
+                <a:off x="5371482" y="1160480"/>
+                <a:ext cx="45719" cy="292267"/>
+              </a:xfrm>
+              <a:prstGeom prst="roundRect">
+                <a:avLst/>
+              </a:prstGeom>
+              <a:solidFill>
+                <a:srgbClr val="B92573"/>
+              </a:solidFill>
+              <a:ln>
+                <a:noFill/>
+              </a:ln>
+            </p:spPr>
+            <p:style>
+              <a:lnRef idx="2">
+                <a:schemeClr val="accent1">
+                  <a:shade val="50000"/>
+                </a:schemeClr>
+              </a:lnRef>
+              <a:fillRef idx="1">
+                <a:schemeClr val="accent1"/>
+              </a:fillRef>
+              <a:effectRef idx="0">
+                <a:schemeClr val="accent1"/>
+              </a:effectRef>
+              <a:fontRef idx="minor">
+                <a:schemeClr val="lt1"/>
+              </a:fontRef>
+            </p:style>
+            <p:txBody>
+              <a:bodyPr rtlCol="0" anchor="ctr"/>
+              <a:lstStyle/>
+              <a:p>
+                <a:pPr algn="ctr"/>
+                <a:endParaRPr lang="pt-BR"/>
+              </a:p>
+            </p:txBody>
+          </p:sp>
+          <p:sp>
+            <p:nvSpPr>
+              <p:cNvPr id="115" name="Retângulo de cantos arredondados 114"/>
+              <p:cNvSpPr/>
+              <p:nvPr/>
+            </p:nvSpPr>
+            <p:spPr>
+              <a:xfrm>
+                <a:off x="5462385" y="1160480"/>
+                <a:ext cx="45719" cy="292267"/>
+              </a:xfrm>
+              <a:prstGeom prst="roundRect">
+                <a:avLst/>
+              </a:prstGeom>
+              <a:solidFill>
+                <a:srgbClr val="B92573"/>
+              </a:solidFill>
+              <a:ln>
+                <a:noFill/>
+              </a:ln>
+            </p:spPr>
+            <p:style>
+              <a:lnRef idx="2">
+                <a:schemeClr val="accent1">
+                  <a:shade val="50000"/>
+                </a:schemeClr>
+              </a:lnRef>
+              <a:fillRef idx="1">
+                <a:schemeClr val="accent1"/>
+              </a:fillRef>
+              <a:effectRef idx="0">
+                <a:schemeClr val="accent1"/>
+              </a:effectRef>
+              <a:fontRef idx="minor">
+                <a:schemeClr val="lt1"/>
+              </a:fontRef>
+            </p:style>
+            <p:txBody>
+              <a:bodyPr rtlCol="0" anchor="ctr"/>
+              <a:lstStyle/>
+              <a:p>
+                <a:pPr algn="ctr"/>
+                <a:endParaRPr lang="pt-BR"/>
+              </a:p>
+            </p:txBody>
+          </p:sp>
+          <p:sp>
+            <p:nvSpPr>
+              <p:cNvPr id="116" name="Elipse 115"/>
+              <p:cNvSpPr/>
+              <p:nvPr/>
+            </p:nvSpPr>
+            <p:spPr>
+              <a:xfrm>
+                <a:off x="4679592" y="2017447"/>
+                <a:ext cx="766060" cy="766060"/>
+              </a:xfrm>
+              <a:prstGeom prst="ellipse">
+                <a:avLst/>
+              </a:prstGeom>
+              <a:gradFill>
+                <a:gsLst>
+                  <a:gs pos="49000">
+                    <a:schemeClr val="bg1"/>
+                  </a:gs>
+                  <a:gs pos="50000">
+                    <a:schemeClr val="bg1">
+                      <a:lumMod val="86000"/>
+                    </a:schemeClr>
+                  </a:gs>
+                </a:gsLst>
+                <a:lin ang="10800000" scaled="0"/>
+              </a:gradFill>
+              <a:ln>
+                <a:noFill/>
+              </a:ln>
+            </p:spPr>
+            <p:style>
+              <a:lnRef idx="2">
+                <a:schemeClr val="accent1">
+                  <a:shade val="50000"/>
+                </a:schemeClr>
+              </a:lnRef>
+              <a:fillRef idx="1">
+                <a:schemeClr val="accent1"/>
+              </a:fillRef>
+              <a:effectRef idx="0">
+                <a:schemeClr val="accent1"/>
+              </a:effectRef>
+              <a:fontRef idx="minor">
+                <a:schemeClr val="lt1"/>
+              </a:fontRef>
+            </p:style>
+            <p:txBody>
+              <a:bodyPr rtlCol="0" anchor="ctr"/>
+              <a:lstStyle/>
+              <a:p>
+                <a:pPr algn="ctr"/>
+                <a:endParaRPr lang="pt-BR"/>
+              </a:p>
+            </p:txBody>
+          </p:sp>
+          <p:sp>
+            <p:nvSpPr>
+              <p:cNvPr id="117" name="Raio 116"/>
+              <p:cNvSpPr/>
+              <p:nvPr/>
+            </p:nvSpPr>
+            <p:spPr>
+              <a:xfrm>
+                <a:off x="4819937" y="2157792"/>
+                <a:ext cx="485370" cy="485370"/>
+              </a:xfrm>
+              <a:prstGeom prst="lightningBolt">
+                <a:avLst/>
+              </a:prstGeom>
+              <a:gradFill>
+                <a:gsLst>
+                  <a:gs pos="49000">
+                    <a:srgbClr val="92D050"/>
+                  </a:gs>
+                  <a:gs pos="50000">
+                    <a:srgbClr val="92D050">
+                      <a:lumMod val="84000"/>
+                    </a:srgbClr>
+                  </a:gs>
+                </a:gsLst>
+                <a:lin ang="10800000" scaled="0"/>
+              </a:gradFill>
+              <a:ln>
+                <a:noFill/>
+              </a:ln>
+            </p:spPr>
+            <p:style>
+              <a:lnRef idx="2">
+                <a:schemeClr val="accent1">
+                  <a:shade val="50000"/>
+                </a:schemeClr>
+              </a:lnRef>
+              <a:fillRef idx="1">
+                <a:schemeClr val="accent1"/>
+              </a:fillRef>
+              <a:effectRef idx="0">
+                <a:schemeClr val="accent1"/>
+              </a:effectRef>
+              <a:fontRef idx="minor">
+                <a:schemeClr val="lt1"/>
+              </a:fontRef>
+            </p:style>
+            <p:txBody>
+              <a:bodyPr rtlCol="0" anchor="ctr"/>
+              <a:lstStyle/>
+              <a:p>
+                <a:pPr algn="ctr"/>
+                <a:endParaRPr lang="pt-BR"/>
+              </a:p>
+            </p:txBody>
+          </p:sp>
+        </p:grpSp>
+      </p:grpSp>
     </p:spTree>
     <p:extLst>
       <p:ext uri="{BB962C8B-B14F-4D97-AF65-F5344CB8AC3E}">
@@ -8019,6 +11632,13 @@
   <p:clrMapOvr>
     <a:masterClrMapping/>
   </p:clrMapOvr>
+  <p:timing>
+    <p:tnLst>
+      <p:par>
+        <p:cTn id="1" dur="indefinite" restart="never" nodeType="tmRoot"/>
+      </p:par>
+    </p:tnLst>
+  </p:timing>
 </p:sld>
 </file>
 
@@ -8047,7 +11667,7 @@
         </p:nvSpPr>
         <p:spPr>
           <a:xfrm>
-            <a:off x="2915815" y="476671"/>
+            <a:off x="2915814" y="476671"/>
             <a:ext cx="3527623" cy="5681775"/>
           </a:xfrm>
           <a:prstGeom prst="rect">
@@ -8089,6 +11709,3866 @@
           </a:p>
         </p:txBody>
       </p:sp>
+      <p:sp>
+        <p:nvSpPr>
+          <p:cNvPr id="22" name="Retângulo de cantos arredondados 21"/>
+          <p:cNvSpPr/>
+          <p:nvPr/>
+        </p:nvSpPr>
+        <p:spPr>
+          <a:xfrm>
+            <a:off x="5402188" y="1513130"/>
+            <a:ext cx="576064" cy="464508"/>
+          </a:xfrm>
+          <a:prstGeom prst="roundRect">
+            <a:avLst>
+              <a:gd name="adj" fmla="val 29791"/>
+            </a:avLst>
+          </a:prstGeom>
+          <a:solidFill>
+            <a:schemeClr val="bg1">
+              <a:lumMod val="65000"/>
+            </a:schemeClr>
+          </a:solidFill>
+          <a:ln>
+            <a:noFill/>
+          </a:ln>
+        </p:spPr>
+        <p:style>
+          <a:lnRef idx="2">
+            <a:schemeClr val="accent1">
+              <a:shade val="50000"/>
+            </a:schemeClr>
+          </a:lnRef>
+          <a:fillRef idx="1">
+            <a:schemeClr val="accent1"/>
+          </a:fillRef>
+          <a:effectRef idx="0">
+            <a:schemeClr val="accent1"/>
+          </a:effectRef>
+          <a:fontRef idx="minor">
+            <a:schemeClr val="lt1"/>
+          </a:fontRef>
+        </p:style>
+        <p:txBody>
+          <a:bodyPr rtlCol="0" anchor="ctr"/>
+          <a:lstStyle/>
+          <a:p>
+            <a:pPr algn="ctr"/>
+            <a:endParaRPr lang="pt-BR"/>
+          </a:p>
+        </p:txBody>
+      </p:sp>
+      <p:sp>
+        <p:nvSpPr>
+          <p:cNvPr id="20" name="Retângulo de cantos arredondados 19"/>
+          <p:cNvSpPr/>
+          <p:nvPr/>
+        </p:nvSpPr>
+        <p:spPr>
+          <a:xfrm>
+            <a:off x="3881594" y="1508736"/>
+            <a:ext cx="1770526" cy="472143"/>
+          </a:xfrm>
+          <a:prstGeom prst="roundRect">
+            <a:avLst>
+              <a:gd name="adj" fmla="val 36034"/>
+            </a:avLst>
+          </a:prstGeom>
+          <a:solidFill>
+            <a:schemeClr val="bg1">
+              <a:lumMod val="85000"/>
+            </a:schemeClr>
+          </a:solidFill>
+          <a:ln>
+            <a:noFill/>
+          </a:ln>
+        </p:spPr>
+        <p:style>
+          <a:lnRef idx="2">
+            <a:schemeClr val="accent1">
+              <a:shade val="50000"/>
+            </a:schemeClr>
+          </a:lnRef>
+          <a:fillRef idx="1">
+            <a:schemeClr val="accent1"/>
+          </a:fillRef>
+          <a:effectRef idx="0">
+            <a:schemeClr val="accent1"/>
+          </a:effectRef>
+          <a:fontRef idx="minor">
+            <a:schemeClr val="lt1"/>
+          </a:fontRef>
+        </p:style>
+        <p:txBody>
+          <a:bodyPr rtlCol="0" anchor="ctr"/>
+          <a:lstStyle/>
+          <a:p>
+            <a:pPr algn="ctr"/>
+            <a:endParaRPr lang="pt-BR"/>
+          </a:p>
+        </p:txBody>
+      </p:sp>
+      <p:grpSp>
+        <p:nvGrpSpPr>
+          <p:cNvPr id="3" name="Grupo 2"/>
+          <p:cNvGrpSpPr/>
+          <p:nvPr/>
+        </p:nvGrpSpPr>
+        <p:grpSpPr>
+          <a:xfrm>
+            <a:off x="3294847" y="1341474"/>
+            <a:ext cx="833218" cy="833218"/>
+            <a:chOff x="1082336" y="836712"/>
+            <a:chExt cx="2115750" cy="2115750"/>
+          </a:xfrm>
+        </p:grpSpPr>
+        <p:sp>
+          <p:nvSpPr>
+            <p:cNvPr id="4" name="Retângulo de cantos arredondados 3"/>
+            <p:cNvSpPr/>
+            <p:nvPr/>
+          </p:nvSpPr>
+          <p:spPr>
+            <a:xfrm>
+              <a:off x="1082336" y="836712"/>
+              <a:ext cx="2115750" cy="2115750"/>
+            </a:xfrm>
+            <a:prstGeom prst="roundRect">
+              <a:avLst/>
+            </a:prstGeom>
+            <a:solidFill>
+              <a:srgbClr val="C1E3C2"/>
+            </a:solidFill>
+            <a:ln>
+              <a:noFill/>
+            </a:ln>
+          </p:spPr>
+          <p:style>
+            <a:lnRef idx="2">
+              <a:schemeClr val="accent1">
+                <a:shade val="50000"/>
+              </a:schemeClr>
+            </a:lnRef>
+            <a:fillRef idx="1">
+              <a:schemeClr val="accent1"/>
+            </a:fillRef>
+            <a:effectRef idx="0">
+              <a:schemeClr val="accent1"/>
+            </a:effectRef>
+            <a:fontRef idx="minor">
+              <a:schemeClr val="lt1"/>
+            </a:fontRef>
+          </p:style>
+          <p:txBody>
+            <a:bodyPr rtlCol="0" anchor="ctr"/>
+            <a:lstStyle/>
+            <a:p>
+              <a:pPr algn="ctr"/>
+              <a:endParaRPr lang="pt-BR"/>
+            </a:p>
+          </p:txBody>
+        </p:sp>
+        <p:grpSp>
+          <p:nvGrpSpPr>
+            <p:cNvPr id="5" name="Grupo 4"/>
+            <p:cNvGrpSpPr/>
+            <p:nvPr/>
+          </p:nvGrpSpPr>
+          <p:grpSpPr>
+            <a:xfrm>
+              <a:off x="1847520" y="1114078"/>
+              <a:ext cx="585381" cy="1561017"/>
+              <a:chOff x="4499992" y="1484783"/>
+              <a:chExt cx="1512168" cy="4032449"/>
+            </a:xfrm>
+          </p:grpSpPr>
+          <p:grpSp>
+            <p:nvGrpSpPr>
+              <p:cNvPr id="6" name="Grupo 5"/>
+              <p:cNvGrpSpPr/>
+              <p:nvPr/>
+            </p:nvGrpSpPr>
+            <p:grpSpPr>
+              <a:xfrm>
+                <a:off x="4499992" y="1865434"/>
+                <a:ext cx="1512168" cy="3651798"/>
+                <a:chOff x="4499992" y="1865434"/>
+                <a:chExt cx="1512168" cy="3651798"/>
+              </a:xfrm>
+            </p:grpSpPr>
+            <p:grpSp>
+              <p:nvGrpSpPr>
+                <p:cNvPr id="11" name="Grupo 10"/>
+                <p:cNvGrpSpPr/>
+                <p:nvPr/>
+              </p:nvGrpSpPr>
+              <p:grpSpPr>
+                <a:xfrm>
+                  <a:off x="4499992" y="1865434"/>
+                  <a:ext cx="1512168" cy="3651798"/>
+                  <a:chOff x="4499992" y="1865434"/>
+                  <a:chExt cx="1512168" cy="3651798"/>
+                </a:xfrm>
+                <a:solidFill>
+                  <a:srgbClr val="87C7D9"/>
+                </a:solidFill>
+                <a:effectLst/>
+              </p:grpSpPr>
+              <p:sp>
+                <p:nvSpPr>
+                  <p:cNvPr id="14" name="Retângulo de cantos arredondados 13"/>
+                  <p:cNvSpPr/>
+                  <p:nvPr/>
+                </p:nvSpPr>
+                <p:spPr>
+                  <a:xfrm>
+                    <a:off x="4499992" y="2453032"/>
+                    <a:ext cx="1512168" cy="2808312"/>
+                  </a:xfrm>
+                  <a:prstGeom prst="roundRect">
+                    <a:avLst/>
+                  </a:prstGeom>
+                  <a:grpFill/>
+                  <a:ln>
+                    <a:noFill/>
+                  </a:ln>
+                </p:spPr>
+                <p:style>
+                  <a:lnRef idx="2">
+                    <a:schemeClr val="accent1">
+                      <a:shade val="50000"/>
+                    </a:schemeClr>
+                  </a:lnRef>
+                  <a:fillRef idx="1">
+                    <a:schemeClr val="accent1"/>
+                  </a:fillRef>
+                  <a:effectRef idx="0">
+                    <a:schemeClr val="accent1"/>
+                  </a:effectRef>
+                  <a:fontRef idx="minor">
+                    <a:schemeClr val="lt1"/>
+                  </a:fontRef>
+                </p:style>
+                <p:txBody>
+                  <a:bodyPr rtlCol="0" anchor="ctr"/>
+                  <a:lstStyle/>
+                  <a:p>
+                    <a:pPr algn="ctr"/>
+                    <a:endParaRPr lang="pt-BR"/>
+                  </a:p>
+                </p:txBody>
+              </p:sp>
+              <p:sp>
+                <p:nvSpPr>
+                  <p:cNvPr id="15" name="Elipse 14"/>
+                  <p:cNvSpPr/>
+                  <p:nvPr/>
+                </p:nvSpPr>
+                <p:spPr>
+                  <a:xfrm>
+                    <a:off x="4499992" y="1865434"/>
+                    <a:ext cx="1512168" cy="1413222"/>
+                  </a:xfrm>
+                  <a:prstGeom prst="ellipse">
+                    <a:avLst/>
+                  </a:prstGeom>
+                  <a:grpFill/>
+                  <a:ln>
+                    <a:noFill/>
+                  </a:ln>
+                </p:spPr>
+                <p:style>
+                  <a:lnRef idx="2">
+                    <a:schemeClr val="accent1">
+                      <a:shade val="50000"/>
+                    </a:schemeClr>
+                  </a:lnRef>
+                  <a:fillRef idx="1">
+                    <a:schemeClr val="accent1"/>
+                  </a:fillRef>
+                  <a:effectRef idx="0">
+                    <a:schemeClr val="accent1"/>
+                  </a:effectRef>
+                  <a:fontRef idx="minor">
+                    <a:schemeClr val="lt1"/>
+                  </a:fontRef>
+                </p:style>
+                <p:txBody>
+                  <a:bodyPr rtlCol="0" anchor="ctr"/>
+                  <a:lstStyle/>
+                  <a:p>
+                    <a:pPr algn="ctr"/>
+                    <a:endParaRPr lang="pt-BR"/>
+                  </a:p>
+                </p:txBody>
+              </p:sp>
+              <p:sp>
+                <p:nvSpPr>
+                  <p:cNvPr id="16" name="Elipse 15"/>
+                  <p:cNvSpPr/>
+                  <p:nvPr/>
+                </p:nvSpPr>
+                <p:spPr>
+                  <a:xfrm>
+                    <a:off x="4499992" y="4602832"/>
+                    <a:ext cx="648072" cy="914400"/>
+                  </a:xfrm>
+                  <a:prstGeom prst="ellipse">
+                    <a:avLst/>
+                  </a:prstGeom>
+                  <a:grpFill/>
+                  <a:ln>
+                    <a:noFill/>
+                  </a:ln>
+                </p:spPr>
+                <p:style>
+                  <a:lnRef idx="2">
+                    <a:schemeClr val="accent1">
+                      <a:shade val="50000"/>
+                    </a:schemeClr>
+                  </a:lnRef>
+                  <a:fillRef idx="1">
+                    <a:schemeClr val="accent1"/>
+                  </a:fillRef>
+                  <a:effectRef idx="0">
+                    <a:schemeClr val="accent1"/>
+                  </a:effectRef>
+                  <a:fontRef idx="minor">
+                    <a:schemeClr val="lt1"/>
+                  </a:fontRef>
+                </p:style>
+                <p:txBody>
+                  <a:bodyPr rtlCol="0" anchor="ctr"/>
+                  <a:lstStyle/>
+                  <a:p>
+                    <a:pPr algn="ctr"/>
+                    <a:endParaRPr lang="pt-BR"/>
+                  </a:p>
+                </p:txBody>
+              </p:sp>
+              <p:sp>
+                <p:nvSpPr>
+                  <p:cNvPr id="17" name="Elipse 16"/>
+                  <p:cNvSpPr/>
+                  <p:nvPr/>
+                </p:nvSpPr>
+                <p:spPr>
+                  <a:xfrm>
+                    <a:off x="4932040" y="4602832"/>
+                    <a:ext cx="648072" cy="914400"/>
+                  </a:xfrm>
+                  <a:prstGeom prst="ellipse">
+                    <a:avLst/>
+                  </a:prstGeom>
+                  <a:grpFill/>
+                  <a:ln>
+                    <a:noFill/>
+                  </a:ln>
+                </p:spPr>
+                <p:style>
+                  <a:lnRef idx="2">
+                    <a:schemeClr val="accent1">
+                      <a:shade val="50000"/>
+                    </a:schemeClr>
+                  </a:lnRef>
+                  <a:fillRef idx="1">
+                    <a:schemeClr val="accent1"/>
+                  </a:fillRef>
+                  <a:effectRef idx="0">
+                    <a:schemeClr val="accent1"/>
+                  </a:effectRef>
+                  <a:fontRef idx="minor">
+                    <a:schemeClr val="lt1"/>
+                  </a:fontRef>
+                </p:style>
+                <p:txBody>
+                  <a:bodyPr rtlCol="0" anchor="ctr"/>
+                  <a:lstStyle/>
+                  <a:p>
+                    <a:pPr algn="ctr"/>
+                    <a:endParaRPr lang="pt-BR"/>
+                  </a:p>
+                </p:txBody>
+              </p:sp>
+              <p:sp>
+                <p:nvSpPr>
+                  <p:cNvPr id="18" name="Elipse 17"/>
+                  <p:cNvSpPr/>
+                  <p:nvPr/>
+                </p:nvSpPr>
+                <p:spPr>
+                  <a:xfrm>
+                    <a:off x="5364088" y="4602832"/>
+                    <a:ext cx="648072" cy="914400"/>
+                  </a:xfrm>
+                  <a:prstGeom prst="ellipse">
+                    <a:avLst/>
+                  </a:prstGeom>
+                  <a:grpFill/>
+                  <a:ln>
+                    <a:noFill/>
+                  </a:ln>
+                </p:spPr>
+                <p:style>
+                  <a:lnRef idx="2">
+                    <a:schemeClr val="accent1">
+                      <a:shade val="50000"/>
+                    </a:schemeClr>
+                  </a:lnRef>
+                  <a:fillRef idx="1">
+                    <a:schemeClr val="accent1"/>
+                  </a:fillRef>
+                  <a:effectRef idx="0">
+                    <a:schemeClr val="accent1"/>
+                  </a:effectRef>
+                  <a:fontRef idx="minor">
+                    <a:schemeClr val="lt1"/>
+                  </a:fontRef>
+                </p:style>
+                <p:txBody>
+                  <a:bodyPr rtlCol="0" anchor="ctr"/>
+                  <a:lstStyle/>
+                  <a:p>
+                    <a:pPr algn="ctr"/>
+                    <a:endParaRPr lang="pt-BR"/>
+                  </a:p>
+                </p:txBody>
+              </p:sp>
+            </p:grpSp>
+            <p:sp>
+              <p:nvSpPr>
+                <p:cNvPr id="12" name="Retângulo 11"/>
+                <p:cNvSpPr/>
+                <p:nvPr/>
+              </p:nvSpPr>
+              <p:spPr>
+                <a:xfrm>
+                  <a:off x="4499992" y="3278656"/>
+                  <a:ext cx="1512168" cy="1080120"/>
+                </a:xfrm>
+                <a:prstGeom prst="rect">
+                  <a:avLst/>
+                </a:prstGeom>
+                <a:solidFill>
+                  <a:srgbClr val="47AAC5"/>
+                </a:solidFill>
+                <a:ln>
+                  <a:noFill/>
+                </a:ln>
+              </p:spPr>
+              <p:style>
+                <a:lnRef idx="2">
+                  <a:schemeClr val="accent1">
+                    <a:shade val="50000"/>
+                  </a:schemeClr>
+                </a:lnRef>
+                <a:fillRef idx="1">
+                  <a:schemeClr val="accent1"/>
+                </a:fillRef>
+                <a:effectRef idx="0">
+                  <a:schemeClr val="accent1"/>
+                </a:effectRef>
+                <a:fontRef idx="minor">
+                  <a:schemeClr val="lt1"/>
+                </a:fontRef>
+              </p:style>
+              <p:txBody>
+                <a:bodyPr rtlCol="0" anchor="ctr"/>
+                <a:lstStyle/>
+                <a:p>
+                  <a:pPr algn="ctr"/>
+                  <a:endParaRPr lang="pt-BR"/>
+                </a:p>
+              </p:txBody>
+            </p:sp>
+            <p:sp>
+              <p:nvSpPr>
+                <p:cNvPr id="13" name="Elipse 12"/>
+                <p:cNvSpPr/>
+                <p:nvPr/>
+              </p:nvSpPr>
+              <p:spPr>
+                <a:xfrm>
+                  <a:off x="4942892" y="3505532"/>
+                  <a:ext cx="626368" cy="626368"/>
+                </a:xfrm>
+                <a:prstGeom prst="ellipse">
+                  <a:avLst/>
+                </a:prstGeom>
+                <a:solidFill>
+                  <a:schemeClr val="bg1"/>
+                </a:solidFill>
+                <a:ln>
+                  <a:noFill/>
+                </a:ln>
+              </p:spPr>
+              <p:style>
+                <a:lnRef idx="2">
+                  <a:schemeClr val="accent1">
+                    <a:shade val="50000"/>
+                  </a:schemeClr>
+                </a:lnRef>
+                <a:fillRef idx="1">
+                  <a:schemeClr val="accent1"/>
+                </a:fillRef>
+                <a:effectRef idx="0">
+                  <a:schemeClr val="accent1"/>
+                </a:effectRef>
+                <a:fontRef idx="minor">
+                  <a:schemeClr val="lt1"/>
+                </a:fontRef>
+              </p:style>
+              <p:txBody>
+                <a:bodyPr rtlCol="0" anchor="ctr"/>
+                <a:lstStyle/>
+                <a:p>
+                  <a:pPr algn="ctr"/>
+                  <a:endParaRPr lang="pt-BR"/>
+                </a:p>
+              </p:txBody>
+            </p:sp>
+          </p:grpSp>
+          <p:sp>
+            <p:nvSpPr>
+              <p:cNvPr id="7" name="Retângulo de cantos arredondados 6"/>
+              <p:cNvSpPr/>
+              <p:nvPr/>
+            </p:nvSpPr>
+            <p:spPr>
+              <a:xfrm>
+                <a:off x="5780035" y="2572045"/>
+                <a:ext cx="102586" cy="2369123"/>
+              </a:xfrm>
+              <a:prstGeom prst="roundRect">
+                <a:avLst>
+                  <a:gd name="adj" fmla="val 50000"/>
+                </a:avLst>
+              </a:prstGeom>
+              <a:solidFill>
+                <a:srgbClr val="FFFFFF">
+                  <a:alpha val="38824"/>
+                </a:srgbClr>
+              </a:solidFill>
+              <a:ln>
+                <a:noFill/>
+              </a:ln>
+            </p:spPr>
+            <p:style>
+              <a:lnRef idx="2">
+                <a:schemeClr val="accent1">
+                  <a:shade val="50000"/>
+                </a:schemeClr>
+              </a:lnRef>
+              <a:fillRef idx="1">
+                <a:schemeClr val="accent1"/>
+              </a:fillRef>
+              <a:effectRef idx="0">
+                <a:schemeClr val="accent1"/>
+              </a:effectRef>
+              <a:fontRef idx="minor">
+                <a:schemeClr val="lt1"/>
+              </a:fontRef>
+            </p:style>
+            <p:txBody>
+              <a:bodyPr rtlCol="0" anchor="ctr"/>
+              <a:lstStyle/>
+              <a:p>
+                <a:pPr algn="ctr"/>
+                <a:endParaRPr lang="pt-BR"/>
+              </a:p>
+            </p:txBody>
+          </p:sp>
+          <p:sp>
+            <p:nvSpPr>
+              <p:cNvPr id="8" name="Retângulo de cantos arredondados 7"/>
+              <p:cNvSpPr/>
+              <p:nvPr/>
+            </p:nvSpPr>
+            <p:spPr>
+              <a:xfrm>
+                <a:off x="5004047" y="1794049"/>
+                <a:ext cx="504057" cy="71385"/>
+              </a:xfrm>
+              <a:prstGeom prst="roundRect">
+                <a:avLst>
+                  <a:gd name="adj" fmla="val 50000"/>
+                </a:avLst>
+              </a:prstGeom>
+              <a:solidFill>
+                <a:srgbClr val="87C7D9"/>
+              </a:solidFill>
+              <a:ln>
+                <a:noFill/>
+              </a:ln>
+            </p:spPr>
+            <p:style>
+              <a:lnRef idx="2">
+                <a:schemeClr val="accent1">
+                  <a:shade val="50000"/>
+                </a:schemeClr>
+              </a:lnRef>
+              <a:fillRef idx="1">
+                <a:schemeClr val="accent1"/>
+              </a:fillRef>
+              <a:effectRef idx="0">
+                <a:schemeClr val="accent1"/>
+              </a:effectRef>
+              <a:fontRef idx="minor">
+                <a:schemeClr val="lt1"/>
+              </a:fontRef>
+            </p:style>
+            <p:txBody>
+              <a:bodyPr rtlCol="0" anchor="ctr"/>
+              <a:lstStyle/>
+              <a:p>
+                <a:pPr algn="ctr"/>
+                <a:endParaRPr lang="pt-BR"/>
+              </a:p>
+            </p:txBody>
+          </p:sp>
+          <p:sp>
+            <p:nvSpPr>
+              <p:cNvPr id="9" name="Retângulo de cantos arredondados 8"/>
+              <p:cNvSpPr/>
+              <p:nvPr/>
+            </p:nvSpPr>
+            <p:spPr>
+              <a:xfrm>
+                <a:off x="5076056" y="1624159"/>
+                <a:ext cx="360040" cy="540193"/>
+              </a:xfrm>
+              <a:prstGeom prst="roundRect">
+                <a:avLst/>
+              </a:prstGeom>
+              <a:solidFill>
+                <a:srgbClr val="87C7D9"/>
+              </a:solidFill>
+              <a:ln>
+                <a:noFill/>
+              </a:ln>
+            </p:spPr>
+            <p:style>
+              <a:lnRef idx="2">
+                <a:schemeClr val="accent1">
+                  <a:shade val="50000"/>
+                </a:schemeClr>
+              </a:lnRef>
+              <a:fillRef idx="1">
+                <a:schemeClr val="accent1"/>
+              </a:fillRef>
+              <a:effectRef idx="0">
+                <a:schemeClr val="accent1"/>
+              </a:effectRef>
+              <a:fontRef idx="minor">
+                <a:schemeClr val="lt1"/>
+              </a:fontRef>
+            </p:style>
+            <p:txBody>
+              <a:bodyPr rtlCol="0" anchor="ctr"/>
+              <a:lstStyle/>
+              <a:p>
+                <a:pPr algn="ctr"/>
+                <a:endParaRPr lang="pt-BR"/>
+              </a:p>
+            </p:txBody>
+          </p:sp>
+          <p:sp>
+            <p:nvSpPr>
+              <p:cNvPr id="10" name="Arredondar Retângulo no Mesmo Canto Lateral 9"/>
+              <p:cNvSpPr/>
+              <p:nvPr/>
+            </p:nvSpPr>
+            <p:spPr>
+              <a:xfrm>
+                <a:off x="5009472" y="1484783"/>
+                <a:ext cx="493205" cy="288033"/>
+              </a:xfrm>
+              <a:prstGeom prst="round2SameRect">
+                <a:avLst>
+                  <a:gd name="adj1" fmla="val 26472"/>
+                  <a:gd name="adj2" fmla="val 6568"/>
+                </a:avLst>
+              </a:prstGeom>
+              <a:solidFill>
+                <a:srgbClr val="4AABC6"/>
+              </a:solidFill>
+              <a:ln>
+                <a:noFill/>
+              </a:ln>
+            </p:spPr>
+            <p:style>
+              <a:lnRef idx="2">
+                <a:schemeClr val="accent1">
+                  <a:shade val="50000"/>
+                </a:schemeClr>
+              </a:lnRef>
+              <a:fillRef idx="1">
+                <a:schemeClr val="accent1"/>
+              </a:fillRef>
+              <a:effectRef idx="0">
+                <a:schemeClr val="accent1"/>
+              </a:effectRef>
+              <a:fontRef idx="minor">
+                <a:schemeClr val="lt1"/>
+              </a:fontRef>
+            </p:style>
+            <p:txBody>
+              <a:bodyPr rtlCol="0" anchor="ctr"/>
+              <a:lstStyle/>
+              <a:p>
+                <a:pPr algn="ctr"/>
+                <a:endParaRPr lang="pt-BR"/>
+              </a:p>
+            </p:txBody>
+          </p:sp>
+        </p:grpSp>
+      </p:grpSp>
+      <p:sp>
+        <p:nvSpPr>
+          <p:cNvPr id="19" name="CaixaDeTexto 18"/>
+          <p:cNvSpPr txBox="1"/>
+          <p:nvPr/>
+        </p:nvSpPr>
+        <p:spPr>
+          <a:xfrm>
+            <a:off x="3059832" y="652626"/>
+            <a:ext cx="938077" cy="369332"/>
+          </a:xfrm>
+          <a:prstGeom prst="rect">
+            <a:avLst/>
+          </a:prstGeom>
+          <a:noFill/>
+        </p:spPr>
+        <p:txBody>
+          <a:bodyPr wrap="none" rtlCol="0">
+            <a:spAutoFit/>
+          </a:bodyPr>
+          <a:lstStyle/>
+          <a:p>
+            <a:r>
+              <a:rPr lang="pt-BR" b="1" dirty="0" smtClean="0">
+                <a:solidFill>
+                  <a:schemeClr val="tx1">
+                    <a:lumMod val="75000"/>
+                    <a:lumOff val="25000"/>
+                  </a:schemeClr>
+                </a:solidFill>
+                <a:latin typeface="Courier New" panose="02070309020205020404" pitchFamily="49" charset="0"/>
+                <a:cs typeface="Courier New" panose="02070309020205020404" pitchFamily="49" charset="0"/>
+              </a:rPr>
+              <a:t>Dicas</a:t>
+            </a:r>
+            <a:r>
+              <a:rPr lang="pt-BR" b="1" dirty="0" smtClean="0">
+                <a:solidFill>
+                  <a:schemeClr val="tx1">
+                    <a:lumMod val="75000"/>
+                    <a:lumOff val="25000"/>
+                  </a:schemeClr>
+                </a:solidFill>
+                <a:latin typeface="Century Gothic" panose="020B0502020202020204" pitchFamily="34" charset="0"/>
+              </a:rPr>
+              <a:t>:</a:t>
+            </a:r>
+            <a:endParaRPr lang="pt-BR" b="1" dirty="0">
+              <a:solidFill>
+                <a:schemeClr val="tx1">
+                  <a:lumMod val="75000"/>
+                  <a:lumOff val="25000"/>
+                </a:schemeClr>
+              </a:solidFill>
+            </a:endParaRPr>
+          </a:p>
+        </p:txBody>
+      </p:sp>
+      <p:sp>
+        <p:nvSpPr>
+          <p:cNvPr id="21" name="CaixaDeTexto 20"/>
+          <p:cNvSpPr txBox="1"/>
+          <p:nvPr/>
+        </p:nvSpPr>
+        <p:spPr>
+          <a:xfrm>
+            <a:off x="4102149" y="1561874"/>
+            <a:ext cx="1162498" cy="369332"/>
+          </a:xfrm>
+          <a:prstGeom prst="rect">
+            <a:avLst/>
+          </a:prstGeom>
+          <a:noFill/>
+        </p:spPr>
+        <p:txBody>
+          <a:bodyPr wrap="none" rtlCol="0">
+            <a:spAutoFit/>
+          </a:bodyPr>
+          <a:lstStyle/>
+          <a:p>
+            <a:r>
+              <a:rPr lang="pt-BR" dirty="0" smtClean="0">
+                <a:solidFill>
+                  <a:schemeClr val="tx1">
+                    <a:lumMod val="75000"/>
+                    <a:lumOff val="25000"/>
+                  </a:schemeClr>
+                </a:solidFill>
+              </a:rPr>
+              <a:t>Beba água</a:t>
+            </a:r>
+            <a:endParaRPr lang="pt-BR" dirty="0">
+              <a:solidFill>
+                <a:schemeClr val="tx1">
+                  <a:lumMod val="75000"/>
+                  <a:lumOff val="25000"/>
+                </a:schemeClr>
+              </a:solidFill>
+            </a:endParaRPr>
+          </a:p>
+        </p:txBody>
+      </p:sp>
+      <p:grpSp>
+        <p:nvGrpSpPr>
+          <p:cNvPr id="26" name="Grupo 25"/>
+          <p:cNvGrpSpPr/>
+          <p:nvPr/>
+        </p:nvGrpSpPr>
+        <p:grpSpPr>
+          <a:xfrm>
+            <a:off x="5671204" y="1690605"/>
+            <a:ext cx="286952" cy="116063"/>
+            <a:chOff x="3867881" y="5634656"/>
+            <a:chExt cx="325833" cy="131473"/>
+          </a:xfrm>
+        </p:grpSpPr>
+        <p:sp>
+          <p:nvSpPr>
+            <p:cNvPr id="23" name="Retângulo de cantos arredondados 22"/>
+            <p:cNvSpPr/>
+            <p:nvPr/>
+          </p:nvSpPr>
+          <p:spPr>
+            <a:xfrm>
+              <a:off x="3867881" y="5672882"/>
+              <a:ext cx="302643" cy="61523"/>
+            </a:xfrm>
+            <a:prstGeom prst="roundRect">
+              <a:avLst>
+                <a:gd name="adj" fmla="val 50000"/>
+              </a:avLst>
+            </a:prstGeom>
+            <a:solidFill>
+              <a:schemeClr val="bg1"/>
+            </a:solidFill>
+            <a:ln>
+              <a:noFill/>
+            </a:ln>
+          </p:spPr>
+          <p:style>
+            <a:lnRef idx="2">
+              <a:schemeClr val="accent1">
+                <a:shade val="50000"/>
+              </a:schemeClr>
+            </a:lnRef>
+            <a:fillRef idx="1">
+              <a:schemeClr val="accent1"/>
+            </a:fillRef>
+            <a:effectRef idx="0">
+              <a:schemeClr val="accent1"/>
+            </a:effectRef>
+            <a:fontRef idx="minor">
+              <a:schemeClr val="lt1"/>
+            </a:fontRef>
+          </p:style>
+          <p:txBody>
+            <a:bodyPr rtlCol="0" anchor="ctr"/>
+            <a:lstStyle/>
+            <a:p>
+              <a:pPr algn="ctr"/>
+              <a:endParaRPr lang="pt-BR"/>
+            </a:p>
+          </p:txBody>
+        </p:sp>
+        <p:sp>
+          <p:nvSpPr>
+            <p:cNvPr id="24" name="Retângulo de cantos arredondados 23"/>
+            <p:cNvSpPr/>
+            <p:nvPr/>
+          </p:nvSpPr>
+          <p:spPr>
+            <a:xfrm rot="19491298" flipV="1">
+              <a:off x="4008457" y="5710196"/>
+              <a:ext cx="185257" cy="55933"/>
+            </a:xfrm>
+            <a:prstGeom prst="roundRect">
+              <a:avLst>
+                <a:gd name="adj" fmla="val 50000"/>
+              </a:avLst>
+            </a:prstGeom>
+            <a:solidFill>
+              <a:schemeClr val="bg1"/>
+            </a:solidFill>
+            <a:ln>
+              <a:noFill/>
+            </a:ln>
+          </p:spPr>
+          <p:style>
+            <a:lnRef idx="2">
+              <a:schemeClr val="accent1">
+                <a:shade val="50000"/>
+              </a:schemeClr>
+            </a:lnRef>
+            <a:fillRef idx="1">
+              <a:schemeClr val="accent1"/>
+            </a:fillRef>
+            <a:effectRef idx="0">
+              <a:schemeClr val="accent1"/>
+            </a:effectRef>
+            <a:fontRef idx="minor">
+              <a:schemeClr val="lt1"/>
+            </a:fontRef>
+          </p:style>
+          <p:txBody>
+            <a:bodyPr rtlCol="0" anchor="ctr"/>
+            <a:lstStyle/>
+            <a:p>
+              <a:pPr algn="ctr"/>
+              <a:endParaRPr lang="pt-BR"/>
+            </a:p>
+          </p:txBody>
+        </p:sp>
+        <p:sp>
+          <p:nvSpPr>
+            <p:cNvPr id="25" name="Retângulo de cantos arredondados 24"/>
+            <p:cNvSpPr/>
+            <p:nvPr/>
+          </p:nvSpPr>
+          <p:spPr>
+            <a:xfrm rot="2108702">
+              <a:off x="4007869" y="5634656"/>
+              <a:ext cx="185257" cy="55535"/>
+            </a:xfrm>
+            <a:prstGeom prst="roundRect">
+              <a:avLst>
+                <a:gd name="adj" fmla="val 50000"/>
+              </a:avLst>
+            </a:prstGeom>
+            <a:solidFill>
+              <a:schemeClr val="bg1"/>
+            </a:solidFill>
+            <a:ln>
+              <a:noFill/>
+            </a:ln>
+          </p:spPr>
+          <p:style>
+            <a:lnRef idx="2">
+              <a:schemeClr val="accent1">
+                <a:shade val="50000"/>
+              </a:schemeClr>
+            </a:lnRef>
+            <a:fillRef idx="1">
+              <a:schemeClr val="accent1"/>
+            </a:fillRef>
+            <a:effectRef idx="0">
+              <a:schemeClr val="accent1"/>
+            </a:effectRef>
+            <a:fontRef idx="minor">
+              <a:schemeClr val="lt1"/>
+            </a:fontRef>
+          </p:style>
+          <p:txBody>
+            <a:bodyPr rtlCol="0" anchor="ctr"/>
+            <a:lstStyle/>
+            <a:p>
+              <a:pPr algn="ctr"/>
+              <a:endParaRPr lang="pt-BR"/>
+            </a:p>
+          </p:txBody>
+        </p:sp>
+      </p:grpSp>
+      <p:grpSp>
+        <p:nvGrpSpPr>
+          <p:cNvPr id="50" name="Grupo 49"/>
+          <p:cNvGrpSpPr/>
+          <p:nvPr/>
+        </p:nvGrpSpPr>
+        <p:grpSpPr>
+          <a:xfrm>
+            <a:off x="3294847" y="2420888"/>
+            <a:ext cx="2683405" cy="833218"/>
+            <a:chOff x="3447247" y="1493874"/>
+            <a:chExt cx="2683405" cy="833218"/>
+          </a:xfrm>
+        </p:grpSpPr>
+        <p:sp>
+          <p:nvSpPr>
+            <p:cNvPr id="27" name="Retângulo de cantos arredondados 26"/>
+            <p:cNvSpPr/>
+            <p:nvPr/>
+          </p:nvSpPr>
+          <p:spPr>
+            <a:xfrm>
+              <a:off x="5554588" y="1665530"/>
+              <a:ext cx="576064" cy="464508"/>
+            </a:xfrm>
+            <a:prstGeom prst="roundRect">
+              <a:avLst>
+                <a:gd name="adj" fmla="val 29791"/>
+              </a:avLst>
+            </a:prstGeom>
+            <a:solidFill>
+              <a:schemeClr val="bg1">
+                <a:lumMod val="65000"/>
+              </a:schemeClr>
+            </a:solidFill>
+            <a:ln>
+              <a:noFill/>
+            </a:ln>
+          </p:spPr>
+          <p:style>
+            <a:lnRef idx="2">
+              <a:schemeClr val="accent1">
+                <a:shade val="50000"/>
+              </a:schemeClr>
+            </a:lnRef>
+            <a:fillRef idx="1">
+              <a:schemeClr val="accent1"/>
+            </a:fillRef>
+            <a:effectRef idx="0">
+              <a:schemeClr val="accent1"/>
+            </a:effectRef>
+            <a:fontRef idx="minor">
+              <a:schemeClr val="lt1"/>
+            </a:fontRef>
+          </p:style>
+          <p:txBody>
+            <a:bodyPr rtlCol="0" anchor="ctr"/>
+            <a:lstStyle/>
+            <a:p>
+              <a:pPr algn="ctr"/>
+              <a:endParaRPr lang="pt-BR"/>
+            </a:p>
+          </p:txBody>
+        </p:sp>
+        <p:sp>
+          <p:nvSpPr>
+            <p:cNvPr id="28" name="Retângulo de cantos arredondados 27"/>
+            <p:cNvSpPr/>
+            <p:nvPr/>
+          </p:nvSpPr>
+          <p:spPr>
+            <a:xfrm>
+              <a:off x="4033994" y="1661136"/>
+              <a:ext cx="1770526" cy="472143"/>
+            </a:xfrm>
+            <a:prstGeom prst="roundRect">
+              <a:avLst>
+                <a:gd name="adj" fmla="val 36034"/>
+              </a:avLst>
+            </a:prstGeom>
+            <a:solidFill>
+              <a:schemeClr val="bg1">
+                <a:lumMod val="85000"/>
+              </a:schemeClr>
+            </a:solidFill>
+            <a:ln>
+              <a:noFill/>
+            </a:ln>
+          </p:spPr>
+          <p:style>
+            <a:lnRef idx="2">
+              <a:schemeClr val="accent1">
+                <a:shade val="50000"/>
+              </a:schemeClr>
+            </a:lnRef>
+            <a:fillRef idx="1">
+              <a:schemeClr val="accent1"/>
+            </a:fillRef>
+            <a:effectRef idx="0">
+              <a:schemeClr val="accent1"/>
+            </a:effectRef>
+            <a:fontRef idx="minor">
+              <a:schemeClr val="lt1"/>
+            </a:fontRef>
+          </p:style>
+          <p:txBody>
+            <a:bodyPr rtlCol="0" anchor="ctr"/>
+            <a:lstStyle/>
+            <a:p>
+              <a:pPr algn="ctr"/>
+              <a:endParaRPr lang="pt-BR"/>
+            </a:p>
+          </p:txBody>
+        </p:sp>
+        <p:grpSp>
+          <p:nvGrpSpPr>
+            <p:cNvPr id="29" name="Grupo 28"/>
+            <p:cNvGrpSpPr/>
+            <p:nvPr/>
+          </p:nvGrpSpPr>
+          <p:grpSpPr>
+            <a:xfrm>
+              <a:off x="3447247" y="1493874"/>
+              <a:ext cx="833218" cy="833218"/>
+              <a:chOff x="1082336" y="836712"/>
+              <a:chExt cx="2115750" cy="2115750"/>
+            </a:xfrm>
+          </p:grpSpPr>
+          <p:sp>
+            <p:nvSpPr>
+              <p:cNvPr id="30" name="Retângulo de cantos arredondados 29"/>
+              <p:cNvSpPr/>
+              <p:nvPr/>
+            </p:nvSpPr>
+            <p:spPr>
+              <a:xfrm>
+                <a:off x="1082336" y="836712"/>
+                <a:ext cx="2115750" cy="2115750"/>
+              </a:xfrm>
+              <a:prstGeom prst="roundRect">
+                <a:avLst/>
+              </a:prstGeom>
+              <a:solidFill>
+                <a:srgbClr val="C1E3C2"/>
+              </a:solidFill>
+              <a:ln>
+                <a:noFill/>
+              </a:ln>
+            </p:spPr>
+            <p:style>
+              <a:lnRef idx="2">
+                <a:schemeClr val="accent1">
+                  <a:shade val="50000"/>
+                </a:schemeClr>
+              </a:lnRef>
+              <a:fillRef idx="1">
+                <a:schemeClr val="accent1"/>
+              </a:fillRef>
+              <a:effectRef idx="0">
+                <a:schemeClr val="accent1"/>
+              </a:effectRef>
+              <a:fontRef idx="minor">
+                <a:schemeClr val="lt1"/>
+              </a:fontRef>
+            </p:style>
+            <p:txBody>
+              <a:bodyPr rtlCol="0" anchor="ctr"/>
+              <a:lstStyle/>
+              <a:p>
+                <a:pPr algn="ctr"/>
+                <a:endParaRPr lang="pt-BR"/>
+              </a:p>
+            </p:txBody>
+          </p:sp>
+          <p:grpSp>
+            <p:nvGrpSpPr>
+              <p:cNvPr id="31" name="Grupo 30"/>
+              <p:cNvGrpSpPr/>
+              <p:nvPr/>
+            </p:nvGrpSpPr>
+            <p:grpSpPr>
+              <a:xfrm>
+                <a:off x="1847520" y="1114078"/>
+                <a:ext cx="585381" cy="1561017"/>
+                <a:chOff x="4499992" y="1484783"/>
+                <a:chExt cx="1512168" cy="4032449"/>
+              </a:xfrm>
+            </p:grpSpPr>
+            <p:grpSp>
+              <p:nvGrpSpPr>
+                <p:cNvPr id="32" name="Grupo 31"/>
+                <p:cNvGrpSpPr/>
+                <p:nvPr/>
+              </p:nvGrpSpPr>
+              <p:grpSpPr>
+                <a:xfrm>
+                  <a:off x="4499992" y="1865434"/>
+                  <a:ext cx="1512168" cy="3651798"/>
+                  <a:chOff x="4499992" y="1865434"/>
+                  <a:chExt cx="1512168" cy="3651798"/>
+                </a:xfrm>
+              </p:grpSpPr>
+              <p:grpSp>
+                <p:nvGrpSpPr>
+                  <p:cNvPr id="37" name="Grupo 36"/>
+                  <p:cNvGrpSpPr/>
+                  <p:nvPr/>
+                </p:nvGrpSpPr>
+                <p:grpSpPr>
+                  <a:xfrm>
+                    <a:off x="4499992" y="1865434"/>
+                    <a:ext cx="1512168" cy="3651798"/>
+                    <a:chOff x="4499992" y="1865434"/>
+                    <a:chExt cx="1512168" cy="3651798"/>
+                  </a:xfrm>
+                  <a:solidFill>
+                    <a:srgbClr val="87C7D9"/>
+                  </a:solidFill>
+                  <a:effectLst/>
+                </p:grpSpPr>
+                <p:sp>
+                  <p:nvSpPr>
+                    <p:cNvPr id="40" name="Retângulo de cantos arredondados 39"/>
+                    <p:cNvSpPr/>
+                    <p:nvPr/>
+                  </p:nvSpPr>
+                  <p:spPr>
+                    <a:xfrm>
+                      <a:off x="4499992" y="2453032"/>
+                      <a:ext cx="1512168" cy="2808312"/>
+                    </a:xfrm>
+                    <a:prstGeom prst="roundRect">
+                      <a:avLst/>
+                    </a:prstGeom>
+                    <a:grpFill/>
+                    <a:ln>
+                      <a:noFill/>
+                    </a:ln>
+                  </p:spPr>
+                  <p:style>
+                    <a:lnRef idx="2">
+                      <a:schemeClr val="accent1">
+                        <a:shade val="50000"/>
+                      </a:schemeClr>
+                    </a:lnRef>
+                    <a:fillRef idx="1">
+                      <a:schemeClr val="accent1"/>
+                    </a:fillRef>
+                    <a:effectRef idx="0">
+                      <a:schemeClr val="accent1"/>
+                    </a:effectRef>
+                    <a:fontRef idx="minor">
+                      <a:schemeClr val="lt1"/>
+                    </a:fontRef>
+                  </p:style>
+                  <p:txBody>
+                    <a:bodyPr rtlCol="0" anchor="ctr"/>
+                    <a:lstStyle/>
+                    <a:p>
+                      <a:pPr algn="ctr"/>
+                      <a:endParaRPr lang="pt-BR"/>
+                    </a:p>
+                  </p:txBody>
+                </p:sp>
+                <p:sp>
+                  <p:nvSpPr>
+                    <p:cNvPr id="41" name="Elipse 40"/>
+                    <p:cNvSpPr/>
+                    <p:nvPr/>
+                  </p:nvSpPr>
+                  <p:spPr>
+                    <a:xfrm>
+                      <a:off x="4499992" y="1865434"/>
+                      <a:ext cx="1512168" cy="1413222"/>
+                    </a:xfrm>
+                    <a:prstGeom prst="ellipse">
+                      <a:avLst/>
+                    </a:prstGeom>
+                    <a:grpFill/>
+                    <a:ln>
+                      <a:noFill/>
+                    </a:ln>
+                  </p:spPr>
+                  <p:style>
+                    <a:lnRef idx="2">
+                      <a:schemeClr val="accent1">
+                        <a:shade val="50000"/>
+                      </a:schemeClr>
+                    </a:lnRef>
+                    <a:fillRef idx="1">
+                      <a:schemeClr val="accent1"/>
+                    </a:fillRef>
+                    <a:effectRef idx="0">
+                      <a:schemeClr val="accent1"/>
+                    </a:effectRef>
+                    <a:fontRef idx="minor">
+                      <a:schemeClr val="lt1"/>
+                    </a:fontRef>
+                  </p:style>
+                  <p:txBody>
+                    <a:bodyPr rtlCol="0" anchor="ctr"/>
+                    <a:lstStyle/>
+                    <a:p>
+                      <a:pPr algn="ctr"/>
+                      <a:endParaRPr lang="pt-BR"/>
+                    </a:p>
+                  </p:txBody>
+                </p:sp>
+                <p:sp>
+                  <p:nvSpPr>
+                    <p:cNvPr id="42" name="Elipse 41"/>
+                    <p:cNvSpPr/>
+                    <p:nvPr/>
+                  </p:nvSpPr>
+                  <p:spPr>
+                    <a:xfrm>
+                      <a:off x="4499992" y="4602832"/>
+                      <a:ext cx="648072" cy="914400"/>
+                    </a:xfrm>
+                    <a:prstGeom prst="ellipse">
+                      <a:avLst/>
+                    </a:prstGeom>
+                    <a:grpFill/>
+                    <a:ln>
+                      <a:noFill/>
+                    </a:ln>
+                  </p:spPr>
+                  <p:style>
+                    <a:lnRef idx="2">
+                      <a:schemeClr val="accent1">
+                        <a:shade val="50000"/>
+                      </a:schemeClr>
+                    </a:lnRef>
+                    <a:fillRef idx="1">
+                      <a:schemeClr val="accent1"/>
+                    </a:fillRef>
+                    <a:effectRef idx="0">
+                      <a:schemeClr val="accent1"/>
+                    </a:effectRef>
+                    <a:fontRef idx="minor">
+                      <a:schemeClr val="lt1"/>
+                    </a:fontRef>
+                  </p:style>
+                  <p:txBody>
+                    <a:bodyPr rtlCol="0" anchor="ctr"/>
+                    <a:lstStyle/>
+                    <a:p>
+                      <a:pPr algn="ctr"/>
+                      <a:endParaRPr lang="pt-BR"/>
+                    </a:p>
+                  </p:txBody>
+                </p:sp>
+                <p:sp>
+                  <p:nvSpPr>
+                    <p:cNvPr id="43" name="Elipse 42"/>
+                    <p:cNvSpPr/>
+                    <p:nvPr/>
+                  </p:nvSpPr>
+                  <p:spPr>
+                    <a:xfrm>
+                      <a:off x="4932040" y="4602832"/>
+                      <a:ext cx="648072" cy="914400"/>
+                    </a:xfrm>
+                    <a:prstGeom prst="ellipse">
+                      <a:avLst/>
+                    </a:prstGeom>
+                    <a:grpFill/>
+                    <a:ln>
+                      <a:noFill/>
+                    </a:ln>
+                  </p:spPr>
+                  <p:style>
+                    <a:lnRef idx="2">
+                      <a:schemeClr val="accent1">
+                        <a:shade val="50000"/>
+                      </a:schemeClr>
+                    </a:lnRef>
+                    <a:fillRef idx="1">
+                      <a:schemeClr val="accent1"/>
+                    </a:fillRef>
+                    <a:effectRef idx="0">
+                      <a:schemeClr val="accent1"/>
+                    </a:effectRef>
+                    <a:fontRef idx="minor">
+                      <a:schemeClr val="lt1"/>
+                    </a:fontRef>
+                  </p:style>
+                  <p:txBody>
+                    <a:bodyPr rtlCol="0" anchor="ctr"/>
+                    <a:lstStyle/>
+                    <a:p>
+                      <a:pPr algn="ctr"/>
+                      <a:endParaRPr lang="pt-BR"/>
+                    </a:p>
+                  </p:txBody>
+                </p:sp>
+                <p:sp>
+                  <p:nvSpPr>
+                    <p:cNvPr id="44" name="Elipse 43"/>
+                    <p:cNvSpPr/>
+                    <p:nvPr/>
+                  </p:nvSpPr>
+                  <p:spPr>
+                    <a:xfrm>
+                      <a:off x="5364088" y="4602832"/>
+                      <a:ext cx="648072" cy="914400"/>
+                    </a:xfrm>
+                    <a:prstGeom prst="ellipse">
+                      <a:avLst/>
+                    </a:prstGeom>
+                    <a:grpFill/>
+                    <a:ln>
+                      <a:noFill/>
+                    </a:ln>
+                  </p:spPr>
+                  <p:style>
+                    <a:lnRef idx="2">
+                      <a:schemeClr val="accent1">
+                        <a:shade val="50000"/>
+                      </a:schemeClr>
+                    </a:lnRef>
+                    <a:fillRef idx="1">
+                      <a:schemeClr val="accent1"/>
+                    </a:fillRef>
+                    <a:effectRef idx="0">
+                      <a:schemeClr val="accent1"/>
+                    </a:effectRef>
+                    <a:fontRef idx="minor">
+                      <a:schemeClr val="lt1"/>
+                    </a:fontRef>
+                  </p:style>
+                  <p:txBody>
+                    <a:bodyPr rtlCol="0" anchor="ctr"/>
+                    <a:lstStyle/>
+                    <a:p>
+                      <a:pPr algn="ctr"/>
+                      <a:endParaRPr lang="pt-BR"/>
+                    </a:p>
+                  </p:txBody>
+                </p:sp>
+              </p:grpSp>
+              <p:sp>
+                <p:nvSpPr>
+                  <p:cNvPr id="38" name="Retângulo 37"/>
+                  <p:cNvSpPr/>
+                  <p:nvPr/>
+                </p:nvSpPr>
+                <p:spPr>
+                  <a:xfrm>
+                    <a:off x="4499992" y="3278656"/>
+                    <a:ext cx="1512168" cy="1080120"/>
+                  </a:xfrm>
+                  <a:prstGeom prst="rect">
+                    <a:avLst/>
+                  </a:prstGeom>
+                  <a:solidFill>
+                    <a:srgbClr val="47AAC5"/>
+                  </a:solidFill>
+                  <a:ln>
+                    <a:noFill/>
+                  </a:ln>
+                </p:spPr>
+                <p:style>
+                  <a:lnRef idx="2">
+                    <a:schemeClr val="accent1">
+                      <a:shade val="50000"/>
+                    </a:schemeClr>
+                  </a:lnRef>
+                  <a:fillRef idx="1">
+                    <a:schemeClr val="accent1"/>
+                  </a:fillRef>
+                  <a:effectRef idx="0">
+                    <a:schemeClr val="accent1"/>
+                  </a:effectRef>
+                  <a:fontRef idx="minor">
+                    <a:schemeClr val="lt1"/>
+                  </a:fontRef>
+                </p:style>
+                <p:txBody>
+                  <a:bodyPr rtlCol="0" anchor="ctr"/>
+                  <a:lstStyle/>
+                  <a:p>
+                    <a:pPr algn="ctr"/>
+                    <a:endParaRPr lang="pt-BR"/>
+                  </a:p>
+                </p:txBody>
+              </p:sp>
+              <p:sp>
+                <p:nvSpPr>
+                  <p:cNvPr id="39" name="Elipse 38"/>
+                  <p:cNvSpPr/>
+                  <p:nvPr/>
+                </p:nvSpPr>
+                <p:spPr>
+                  <a:xfrm>
+                    <a:off x="4942892" y="3505532"/>
+                    <a:ext cx="626368" cy="626368"/>
+                  </a:xfrm>
+                  <a:prstGeom prst="ellipse">
+                    <a:avLst/>
+                  </a:prstGeom>
+                  <a:solidFill>
+                    <a:schemeClr val="bg1"/>
+                  </a:solidFill>
+                  <a:ln>
+                    <a:noFill/>
+                  </a:ln>
+                </p:spPr>
+                <p:style>
+                  <a:lnRef idx="2">
+                    <a:schemeClr val="accent1">
+                      <a:shade val="50000"/>
+                    </a:schemeClr>
+                  </a:lnRef>
+                  <a:fillRef idx="1">
+                    <a:schemeClr val="accent1"/>
+                  </a:fillRef>
+                  <a:effectRef idx="0">
+                    <a:schemeClr val="accent1"/>
+                  </a:effectRef>
+                  <a:fontRef idx="minor">
+                    <a:schemeClr val="lt1"/>
+                  </a:fontRef>
+                </p:style>
+                <p:txBody>
+                  <a:bodyPr rtlCol="0" anchor="ctr"/>
+                  <a:lstStyle/>
+                  <a:p>
+                    <a:pPr algn="ctr"/>
+                    <a:endParaRPr lang="pt-BR"/>
+                  </a:p>
+                </p:txBody>
+              </p:sp>
+            </p:grpSp>
+            <p:sp>
+              <p:nvSpPr>
+                <p:cNvPr id="33" name="Retângulo de cantos arredondados 32"/>
+                <p:cNvSpPr/>
+                <p:nvPr/>
+              </p:nvSpPr>
+              <p:spPr>
+                <a:xfrm>
+                  <a:off x="5780035" y="2572045"/>
+                  <a:ext cx="102586" cy="2369123"/>
+                </a:xfrm>
+                <a:prstGeom prst="roundRect">
+                  <a:avLst>
+                    <a:gd name="adj" fmla="val 50000"/>
+                  </a:avLst>
+                </a:prstGeom>
+                <a:solidFill>
+                  <a:srgbClr val="FFFFFF">
+                    <a:alpha val="38824"/>
+                  </a:srgbClr>
+                </a:solidFill>
+                <a:ln>
+                  <a:noFill/>
+                </a:ln>
+              </p:spPr>
+              <p:style>
+                <a:lnRef idx="2">
+                  <a:schemeClr val="accent1">
+                    <a:shade val="50000"/>
+                  </a:schemeClr>
+                </a:lnRef>
+                <a:fillRef idx="1">
+                  <a:schemeClr val="accent1"/>
+                </a:fillRef>
+                <a:effectRef idx="0">
+                  <a:schemeClr val="accent1"/>
+                </a:effectRef>
+                <a:fontRef idx="minor">
+                  <a:schemeClr val="lt1"/>
+                </a:fontRef>
+              </p:style>
+              <p:txBody>
+                <a:bodyPr rtlCol="0" anchor="ctr"/>
+                <a:lstStyle/>
+                <a:p>
+                  <a:pPr algn="ctr"/>
+                  <a:endParaRPr lang="pt-BR"/>
+                </a:p>
+              </p:txBody>
+            </p:sp>
+            <p:sp>
+              <p:nvSpPr>
+                <p:cNvPr id="34" name="Retângulo de cantos arredondados 33"/>
+                <p:cNvSpPr/>
+                <p:nvPr/>
+              </p:nvSpPr>
+              <p:spPr>
+                <a:xfrm>
+                  <a:off x="5004047" y="1794049"/>
+                  <a:ext cx="504057" cy="71385"/>
+                </a:xfrm>
+                <a:prstGeom prst="roundRect">
+                  <a:avLst>
+                    <a:gd name="adj" fmla="val 50000"/>
+                  </a:avLst>
+                </a:prstGeom>
+                <a:solidFill>
+                  <a:srgbClr val="87C7D9"/>
+                </a:solidFill>
+                <a:ln>
+                  <a:noFill/>
+                </a:ln>
+              </p:spPr>
+              <p:style>
+                <a:lnRef idx="2">
+                  <a:schemeClr val="accent1">
+                    <a:shade val="50000"/>
+                  </a:schemeClr>
+                </a:lnRef>
+                <a:fillRef idx="1">
+                  <a:schemeClr val="accent1"/>
+                </a:fillRef>
+                <a:effectRef idx="0">
+                  <a:schemeClr val="accent1"/>
+                </a:effectRef>
+                <a:fontRef idx="minor">
+                  <a:schemeClr val="lt1"/>
+                </a:fontRef>
+              </p:style>
+              <p:txBody>
+                <a:bodyPr rtlCol="0" anchor="ctr"/>
+                <a:lstStyle/>
+                <a:p>
+                  <a:pPr algn="ctr"/>
+                  <a:endParaRPr lang="pt-BR"/>
+                </a:p>
+              </p:txBody>
+            </p:sp>
+            <p:sp>
+              <p:nvSpPr>
+                <p:cNvPr id="35" name="Retângulo de cantos arredondados 34"/>
+                <p:cNvSpPr/>
+                <p:nvPr/>
+              </p:nvSpPr>
+              <p:spPr>
+                <a:xfrm>
+                  <a:off x="5076056" y="1624159"/>
+                  <a:ext cx="360040" cy="540193"/>
+                </a:xfrm>
+                <a:prstGeom prst="roundRect">
+                  <a:avLst/>
+                </a:prstGeom>
+                <a:solidFill>
+                  <a:srgbClr val="87C7D9"/>
+                </a:solidFill>
+                <a:ln>
+                  <a:noFill/>
+                </a:ln>
+              </p:spPr>
+              <p:style>
+                <a:lnRef idx="2">
+                  <a:schemeClr val="accent1">
+                    <a:shade val="50000"/>
+                  </a:schemeClr>
+                </a:lnRef>
+                <a:fillRef idx="1">
+                  <a:schemeClr val="accent1"/>
+                </a:fillRef>
+                <a:effectRef idx="0">
+                  <a:schemeClr val="accent1"/>
+                </a:effectRef>
+                <a:fontRef idx="minor">
+                  <a:schemeClr val="lt1"/>
+                </a:fontRef>
+              </p:style>
+              <p:txBody>
+                <a:bodyPr rtlCol="0" anchor="ctr"/>
+                <a:lstStyle/>
+                <a:p>
+                  <a:pPr algn="ctr"/>
+                  <a:endParaRPr lang="pt-BR"/>
+                </a:p>
+              </p:txBody>
+            </p:sp>
+            <p:sp>
+              <p:nvSpPr>
+                <p:cNvPr id="36" name="Arredondar Retângulo no Mesmo Canto Lateral 35"/>
+                <p:cNvSpPr/>
+                <p:nvPr/>
+              </p:nvSpPr>
+              <p:spPr>
+                <a:xfrm>
+                  <a:off x="5009472" y="1484783"/>
+                  <a:ext cx="493205" cy="288033"/>
+                </a:xfrm>
+                <a:prstGeom prst="round2SameRect">
+                  <a:avLst>
+                    <a:gd name="adj1" fmla="val 26472"/>
+                    <a:gd name="adj2" fmla="val 6568"/>
+                  </a:avLst>
+                </a:prstGeom>
+                <a:solidFill>
+                  <a:srgbClr val="4AABC6"/>
+                </a:solidFill>
+                <a:ln>
+                  <a:noFill/>
+                </a:ln>
+              </p:spPr>
+              <p:style>
+                <a:lnRef idx="2">
+                  <a:schemeClr val="accent1">
+                    <a:shade val="50000"/>
+                  </a:schemeClr>
+                </a:lnRef>
+                <a:fillRef idx="1">
+                  <a:schemeClr val="accent1"/>
+                </a:fillRef>
+                <a:effectRef idx="0">
+                  <a:schemeClr val="accent1"/>
+                </a:effectRef>
+                <a:fontRef idx="minor">
+                  <a:schemeClr val="lt1"/>
+                </a:fontRef>
+              </p:style>
+              <p:txBody>
+                <a:bodyPr rtlCol="0" anchor="ctr"/>
+                <a:lstStyle/>
+                <a:p>
+                  <a:pPr algn="ctr"/>
+                  <a:endParaRPr lang="pt-BR"/>
+                </a:p>
+              </p:txBody>
+            </p:sp>
+          </p:grpSp>
+        </p:grpSp>
+        <p:sp>
+          <p:nvSpPr>
+            <p:cNvPr id="45" name="CaixaDeTexto 44"/>
+            <p:cNvSpPr txBox="1"/>
+            <p:nvPr/>
+          </p:nvSpPr>
+          <p:spPr>
+            <a:xfrm>
+              <a:off x="4254549" y="1714274"/>
+              <a:ext cx="1162498" cy="369332"/>
+            </a:xfrm>
+            <a:prstGeom prst="rect">
+              <a:avLst/>
+            </a:prstGeom>
+            <a:noFill/>
+          </p:spPr>
+          <p:txBody>
+            <a:bodyPr wrap="none" rtlCol="0">
+              <a:spAutoFit/>
+            </a:bodyPr>
+            <a:lstStyle/>
+            <a:p>
+              <a:r>
+                <a:rPr lang="pt-BR" dirty="0" smtClean="0">
+                  <a:solidFill>
+                    <a:schemeClr val="tx1">
+                      <a:lumMod val="75000"/>
+                      <a:lumOff val="25000"/>
+                    </a:schemeClr>
+                  </a:solidFill>
+                </a:rPr>
+                <a:t>Beba água</a:t>
+              </a:r>
+              <a:endParaRPr lang="pt-BR" dirty="0">
+                <a:solidFill>
+                  <a:schemeClr val="tx1">
+                    <a:lumMod val="75000"/>
+                    <a:lumOff val="25000"/>
+                  </a:schemeClr>
+                </a:solidFill>
+              </a:endParaRPr>
+            </a:p>
+          </p:txBody>
+        </p:sp>
+        <p:grpSp>
+          <p:nvGrpSpPr>
+            <p:cNvPr id="46" name="Grupo 45"/>
+            <p:cNvGrpSpPr/>
+            <p:nvPr/>
+          </p:nvGrpSpPr>
+          <p:grpSpPr>
+            <a:xfrm>
+              <a:off x="5823604" y="1843005"/>
+              <a:ext cx="286952" cy="116063"/>
+              <a:chOff x="3867881" y="5634656"/>
+              <a:chExt cx="325833" cy="131473"/>
+            </a:xfrm>
+          </p:grpSpPr>
+          <p:sp>
+            <p:nvSpPr>
+              <p:cNvPr id="47" name="Retângulo de cantos arredondados 46"/>
+              <p:cNvSpPr/>
+              <p:nvPr/>
+            </p:nvSpPr>
+            <p:spPr>
+              <a:xfrm>
+                <a:off x="3867881" y="5672882"/>
+                <a:ext cx="302643" cy="61523"/>
+              </a:xfrm>
+              <a:prstGeom prst="roundRect">
+                <a:avLst>
+                  <a:gd name="adj" fmla="val 50000"/>
+                </a:avLst>
+              </a:prstGeom>
+              <a:solidFill>
+                <a:schemeClr val="bg1"/>
+              </a:solidFill>
+              <a:ln>
+                <a:noFill/>
+              </a:ln>
+            </p:spPr>
+            <p:style>
+              <a:lnRef idx="2">
+                <a:schemeClr val="accent1">
+                  <a:shade val="50000"/>
+                </a:schemeClr>
+              </a:lnRef>
+              <a:fillRef idx="1">
+                <a:schemeClr val="accent1"/>
+              </a:fillRef>
+              <a:effectRef idx="0">
+                <a:schemeClr val="accent1"/>
+              </a:effectRef>
+              <a:fontRef idx="minor">
+                <a:schemeClr val="lt1"/>
+              </a:fontRef>
+            </p:style>
+            <p:txBody>
+              <a:bodyPr rtlCol="0" anchor="ctr"/>
+              <a:lstStyle/>
+              <a:p>
+                <a:pPr algn="ctr"/>
+                <a:endParaRPr lang="pt-BR"/>
+              </a:p>
+            </p:txBody>
+          </p:sp>
+          <p:sp>
+            <p:nvSpPr>
+              <p:cNvPr id="48" name="Retângulo de cantos arredondados 47"/>
+              <p:cNvSpPr/>
+              <p:nvPr/>
+            </p:nvSpPr>
+            <p:spPr>
+              <a:xfrm rot="19491298" flipV="1">
+                <a:off x="4008457" y="5710196"/>
+                <a:ext cx="185257" cy="55933"/>
+              </a:xfrm>
+              <a:prstGeom prst="roundRect">
+                <a:avLst>
+                  <a:gd name="adj" fmla="val 50000"/>
+                </a:avLst>
+              </a:prstGeom>
+              <a:solidFill>
+                <a:schemeClr val="bg1"/>
+              </a:solidFill>
+              <a:ln>
+                <a:noFill/>
+              </a:ln>
+            </p:spPr>
+            <p:style>
+              <a:lnRef idx="2">
+                <a:schemeClr val="accent1">
+                  <a:shade val="50000"/>
+                </a:schemeClr>
+              </a:lnRef>
+              <a:fillRef idx="1">
+                <a:schemeClr val="accent1"/>
+              </a:fillRef>
+              <a:effectRef idx="0">
+                <a:schemeClr val="accent1"/>
+              </a:effectRef>
+              <a:fontRef idx="minor">
+                <a:schemeClr val="lt1"/>
+              </a:fontRef>
+            </p:style>
+            <p:txBody>
+              <a:bodyPr rtlCol="0" anchor="ctr"/>
+              <a:lstStyle/>
+              <a:p>
+                <a:pPr algn="ctr"/>
+                <a:endParaRPr lang="pt-BR"/>
+              </a:p>
+            </p:txBody>
+          </p:sp>
+          <p:sp>
+            <p:nvSpPr>
+              <p:cNvPr id="49" name="Retângulo de cantos arredondados 48"/>
+              <p:cNvSpPr/>
+              <p:nvPr/>
+            </p:nvSpPr>
+            <p:spPr>
+              <a:xfrm rot="2108702">
+                <a:off x="4007869" y="5634656"/>
+                <a:ext cx="185257" cy="55535"/>
+              </a:xfrm>
+              <a:prstGeom prst="roundRect">
+                <a:avLst>
+                  <a:gd name="adj" fmla="val 50000"/>
+                </a:avLst>
+              </a:prstGeom>
+              <a:solidFill>
+                <a:schemeClr val="bg1"/>
+              </a:solidFill>
+              <a:ln>
+                <a:noFill/>
+              </a:ln>
+            </p:spPr>
+            <p:style>
+              <a:lnRef idx="2">
+                <a:schemeClr val="accent1">
+                  <a:shade val="50000"/>
+                </a:schemeClr>
+              </a:lnRef>
+              <a:fillRef idx="1">
+                <a:schemeClr val="accent1"/>
+              </a:fillRef>
+              <a:effectRef idx="0">
+                <a:schemeClr val="accent1"/>
+              </a:effectRef>
+              <a:fontRef idx="minor">
+                <a:schemeClr val="lt1"/>
+              </a:fontRef>
+            </p:style>
+            <p:txBody>
+              <a:bodyPr rtlCol="0" anchor="ctr"/>
+              <a:lstStyle/>
+              <a:p>
+                <a:pPr algn="ctr"/>
+                <a:endParaRPr lang="pt-BR"/>
+              </a:p>
+            </p:txBody>
+          </p:sp>
+        </p:grpSp>
+      </p:grpSp>
+      <p:grpSp>
+        <p:nvGrpSpPr>
+          <p:cNvPr id="51" name="Grupo 50"/>
+          <p:cNvGrpSpPr/>
+          <p:nvPr/>
+        </p:nvGrpSpPr>
+        <p:grpSpPr>
+          <a:xfrm>
+            <a:off x="3337923" y="3501008"/>
+            <a:ext cx="2683405" cy="833218"/>
+            <a:chOff x="3447247" y="1493874"/>
+            <a:chExt cx="2683405" cy="833218"/>
+          </a:xfrm>
+        </p:grpSpPr>
+        <p:sp>
+          <p:nvSpPr>
+            <p:cNvPr id="52" name="Retângulo de cantos arredondados 51"/>
+            <p:cNvSpPr/>
+            <p:nvPr/>
+          </p:nvSpPr>
+          <p:spPr>
+            <a:xfrm>
+              <a:off x="5554588" y="1665530"/>
+              <a:ext cx="576064" cy="464508"/>
+            </a:xfrm>
+            <a:prstGeom prst="roundRect">
+              <a:avLst>
+                <a:gd name="adj" fmla="val 29791"/>
+              </a:avLst>
+            </a:prstGeom>
+            <a:solidFill>
+              <a:schemeClr val="bg1">
+                <a:lumMod val="65000"/>
+              </a:schemeClr>
+            </a:solidFill>
+            <a:ln>
+              <a:noFill/>
+            </a:ln>
+          </p:spPr>
+          <p:style>
+            <a:lnRef idx="2">
+              <a:schemeClr val="accent1">
+                <a:shade val="50000"/>
+              </a:schemeClr>
+            </a:lnRef>
+            <a:fillRef idx="1">
+              <a:schemeClr val="accent1"/>
+            </a:fillRef>
+            <a:effectRef idx="0">
+              <a:schemeClr val="accent1"/>
+            </a:effectRef>
+            <a:fontRef idx="minor">
+              <a:schemeClr val="lt1"/>
+            </a:fontRef>
+          </p:style>
+          <p:txBody>
+            <a:bodyPr rtlCol="0" anchor="ctr"/>
+            <a:lstStyle/>
+            <a:p>
+              <a:pPr algn="ctr"/>
+              <a:endParaRPr lang="pt-BR"/>
+            </a:p>
+          </p:txBody>
+        </p:sp>
+        <p:sp>
+          <p:nvSpPr>
+            <p:cNvPr id="53" name="Retângulo de cantos arredondados 52"/>
+            <p:cNvSpPr/>
+            <p:nvPr/>
+          </p:nvSpPr>
+          <p:spPr>
+            <a:xfrm>
+              <a:off x="4033994" y="1661136"/>
+              <a:ext cx="1770526" cy="472143"/>
+            </a:xfrm>
+            <a:prstGeom prst="roundRect">
+              <a:avLst>
+                <a:gd name="adj" fmla="val 36034"/>
+              </a:avLst>
+            </a:prstGeom>
+            <a:solidFill>
+              <a:schemeClr val="bg1">
+                <a:lumMod val="85000"/>
+              </a:schemeClr>
+            </a:solidFill>
+            <a:ln>
+              <a:noFill/>
+            </a:ln>
+          </p:spPr>
+          <p:style>
+            <a:lnRef idx="2">
+              <a:schemeClr val="accent1">
+                <a:shade val="50000"/>
+              </a:schemeClr>
+            </a:lnRef>
+            <a:fillRef idx="1">
+              <a:schemeClr val="accent1"/>
+            </a:fillRef>
+            <a:effectRef idx="0">
+              <a:schemeClr val="accent1"/>
+            </a:effectRef>
+            <a:fontRef idx="minor">
+              <a:schemeClr val="lt1"/>
+            </a:fontRef>
+          </p:style>
+          <p:txBody>
+            <a:bodyPr rtlCol="0" anchor="ctr"/>
+            <a:lstStyle/>
+            <a:p>
+              <a:pPr algn="ctr"/>
+              <a:endParaRPr lang="pt-BR"/>
+            </a:p>
+          </p:txBody>
+        </p:sp>
+        <p:grpSp>
+          <p:nvGrpSpPr>
+            <p:cNvPr id="54" name="Grupo 53"/>
+            <p:cNvGrpSpPr/>
+            <p:nvPr/>
+          </p:nvGrpSpPr>
+          <p:grpSpPr>
+            <a:xfrm>
+              <a:off x="3447247" y="1493874"/>
+              <a:ext cx="833218" cy="833218"/>
+              <a:chOff x="1082336" y="836712"/>
+              <a:chExt cx="2115750" cy="2115750"/>
+            </a:xfrm>
+          </p:grpSpPr>
+          <p:sp>
+            <p:nvSpPr>
+              <p:cNvPr id="60" name="Retângulo de cantos arredondados 59"/>
+              <p:cNvSpPr/>
+              <p:nvPr/>
+            </p:nvSpPr>
+            <p:spPr>
+              <a:xfrm>
+                <a:off x="1082336" y="836712"/>
+                <a:ext cx="2115750" cy="2115750"/>
+              </a:xfrm>
+              <a:prstGeom prst="roundRect">
+                <a:avLst/>
+              </a:prstGeom>
+              <a:solidFill>
+                <a:srgbClr val="C1E3C2"/>
+              </a:solidFill>
+              <a:ln>
+                <a:noFill/>
+              </a:ln>
+            </p:spPr>
+            <p:style>
+              <a:lnRef idx="2">
+                <a:schemeClr val="accent1">
+                  <a:shade val="50000"/>
+                </a:schemeClr>
+              </a:lnRef>
+              <a:fillRef idx="1">
+                <a:schemeClr val="accent1"/>
+              </a:fillRef>
+              <a:effectRef idx="0">
+                <a:schemeClr val="accent1"/>
+              </a:effectRef>
+              <a:fontRef idx="minor">
+                <a:schemeClr val="lt1"/>
+              </a:fontRef>
+            </p:style>
+            <p:txBody>
+              <a:bodyPr rtlCol="0" anchor="ctr"/>
+              <a:lstStyle/>
+              <a:p>
+                <a:pPr algn="ctr"/>
+                <a:endParaRPr lang="pt-BR"/>
+              </a:p>
+            </p:txBody>
+          </p:sp>
+          <p:grpSp>
+            <p:nvGrpSpPr>
+              <p:cNvPr id="61" name="Grupo 60"/>
+              <p:cNvGrpSpPr/>
+              <p:nvPr/>
+            </p:nvGrpSpPr>
+            <p:grpSpPr>
+              <a:xfrm>
+                <a:off x="1847520" y="1114078"/>
+                <a:ext cx="585381" cy="1561017"/>
+                <a:chOff x="4499992" y="1484783"/>
+                <a:chExt cx="1512168" cy="4032449"/>
+              </a:xfrm>
+            </p:grpSpPr>
+            <p:grpSp>
+              <p:nvGrpSpPr>
+                <p:cNvPr id="62" name="Grupo 61"/>
+                <p:cNvGrpSpPr/>
+                <p:nvPr/>
+              </p:nvGrpSpPr>
+              <p:grpSpPr>
+                <a:xfrm>
+                  <a:off x="4499992" y="1865434"/>
+                  <a:ext cx="1512168" cy="3651798"/>
+                  <a:chOff x="4499992" y="1865434"/>
+                  <a:chExt cx="1512168" cy="3651798"/>
+                </a:xfrm>
+              </p:grpSpPr>
+              <p:grpSp>
+                <p:nvGrpSpPr>
+                  <p:cNvPr id="67" name="Grupo 66"/>
+                  <p:cNvGrpSpPr/>
+                  <p:nvPr/>
+                </p:nvGrpSpPr>
+                <p:grpSpPr>
+                  <a:xfrm>
+                    <a:off x="4499992" y="1865434"/>
+                    <a:ext cx="1512168" cy="3651798"/>
+                    <a:chOff x="4499992" y="1865434"/>
+                    <a:chExt cx="1512168" cy="3651798"/>
+                  </a:xfrm>
+                  <a:solidFill>
+                    <a:srgbClr val="87C7D9"/>
+                  </a:solidFill>
+                  <a:effectLst/>
+                </p:grpSpPr>
+                <p:sp>
+                  <p:nvSpPr>
+                    <p:cNvPr id="70" name="Retângulo de cantos arredondados 69"/>
+                    <p:cNvSpPr/>
+                    <p:nvPr/>
+                  </p:nvSpPr>
+                  <p:spPr>
+                    <a:xfrm>
+                      <a:off x="4499992" y="2453032"/>
+                      <a:ext cx="1512168" cy="2808312"/>
+                    </a:xfrm>
+                    <a:prstGeom prst="roundRect">
+                      <a:avLst/>
+                    </a:prstGeom>
+                    <a:grpFill/>
+                    <a:ln>
+                      <a:noFill/>
+                    </a:ln>
+                  </p:spPr>
+                  <p:style>
+                    <a:lnRef idx="2">
+                      <a:schemeClr val="accent1">
+                        <a:shade val="50000"/>
+                      </a:schemeClr>
+                    </a:lnRef>
+                    <a:fillRef idx="1">
+                      <a:schemeClr val="accent1"/>
+                    </a:fillRef>
+                    <a:effectRef idx="0">
+                      <a:schemeClr val="accent1"/>
+                    </a:effectRef>
+                    <a:fontRef idx="minor">
+                      <a:schemeClr val="lt1"/>
+                    </a:fontRef>
+                  </p:style>
+                  <p:txBody>
+                    <a:bodyPr rtlCol="0" anchor="ctr"/>
+                    <a:lstStyle/>
+                    <a:p>
+                      <a:pPr algn="ctr"/>
+                      <a:endParaRPr lang="pt-BR"/>
+                    </a:p>
+                  </p:txBody>
+                </p:sp>
+                <p:sp>
+                  <p:nvSpPr>
+                    <p:cNvPr id="71" name="Elipse 70"/>
+                    <p:cNvSpPr/>
+                    <p:nvPr/>
+                  </p:nvSpPr>
+                  <p:spPr>
+                    <a:xfrm>
+                      <a:off x="4499992" y="1865434"/>
+                      <a:ext cx="1512168" cy="1413222"/>
+                    </a:xfrm>
+                    <a:prstGeom prst="ellipse">
+                      <a:avLst/>
+                    </a:prstGeom>
+                    <a:grpFill/>
+                    <a:ln>
+                      <a:noFill/>
+                    </a:ln>
+                  </p:spPr>
+                  <p:style>
+                    <a:lnRef idx="2">
+                      <a:schemeClr val="accent1">
+                        <a:shade val="50000"/>
+                      </a:schemeClr>
+                    </a:lnRef>
+                    <a:fillRef idx="1">
+                      <a:schemeClr val="accent1"/>
+                    </a:fillRef>
+                    <a:effectRef idx="0">
+                      <a:schemeClr val="accent1"/>
+                    </a:effectRef>
+                    <a:fontRef idx="minor">
+                      <a:schemeClr val="lt1"/>
+                    </a:fontRef>
+                  </p:style>
+                  <p:txBody>
+                    <a:bodyPr rtlCol="0" anchor="ctr"/>
+                    <a:lstStyle/>
+                    <a:p>
+                      <a:pPr algn="ctr"/>
+                      <a:endParaRPr lang="pt-BR"/>
+                    </a:p>
+                  </p:txBody>
+                </p:sp>
+                <p:sp>
+                  <p:nvSpPr>
+                    <p:cNvPr id="72" name="Elipse 71"/>
+                    <p:cNvSpPr/>
+                    <p:nvPr/>
+                  </p:nvSpPr>
+                  <p:spPr>
+                    <a:xfrm>
+                      <a:off x="4499992" y="4602832"/>
+                      <a:ext cx="648072" cy="914400"/>
+                    </a:xfrm>
+                    <a:prstGeom prst="ellipse">
+                      <a:avLst/>
+                    </a:prstGeom>
+                    <a:grpFill/>
+                    <a:ln>
+                      <a:noFill/>
+                    </a:ln>
+                  </p:spPr>
+                  <p:style>
+                    <a:lnRef idx="2">
+                      <a:schemeClr val="accent1">
+                        <a:shade val="50000"/>
+                      </a:schemeClr>
+                    </a:lnRef>
+                    <a:fillRef idx="1">
+                      <a:schemeClr val="accent1"/>
+                    </a:fillRef>
+                    <a:effectRef idx="0">
+                      <a:schemeClr val="accent1"/>
+                    </a:effectRef>
+                    <a:fontRef idx="minor">
+                      <a:schemeClr val="lt1"/>
+                    </a:fontRef>
+                  </p:style>
+                  <p:txBody>
+                    <a:bodyPr rtlCol="0" anchor="ctr"/>
+                    <a:lstStyle/>
+                    <a:p>
+                      <a:pPr algn="ctr"/>
+                      <a:endParaRPr lang="pt-BR"/>
+                    </a:p>
+                  </p:txBody>
+                </p:sp>
+                <p:sp>
+                  <p:nvSpPr>
+                    <p:cNvPr id="73" name="Elipse 72"/>
+                    <p:cNvSpPr/>
+                    <p:nvPr/>
+                  </p:nvSpPr>
+                  <p:spPr>
+                    <a:xfrm>
+                      <a:off x="4932040" y="4602832"/>
+                      <a:ext cx="648072" cy="914400"/>
+                    </a:xfrm>
+                    <a:prstGeom prst="ellipse">
+                      <a:avLst/>
+                    </a:prstGeom>
+                    <a:grpFill/>
+                    <a:ln>
+                      <a:noFill/>
+                    </a:ln>
+                  </p:spPr>
+                  <p:style>
+                    <a:lnRef idx="2">
+                      <a:schemeClr val="accent1">
+                        <a:shade val="50000"/>
+                      </a:schemeClr>
+                    </a:lnRef>
+                    <a:fillRef idx="1">
+                      <a:schemeClr val="accent1"/>
+                    </a:fillRef>
+                    <a:effectRef idx="0">
+                      <a:schemeClr val="accent1"/>
+                    </a:effectRef>
+                    <a:fontRef idx="minor">
+                      <a:schemeClr val="lt1"/>
+                    </a:fontRef>
+                  </p:style>
+                  <p:txBody>
+                    <a:bodyPr rtlCol="0" anchor="ctr"/>
+                    <a:lstStyle/>
+                    <a:p>
+                      <a:pPr algn="ctr"/>
+                      <a:endParaRPr lang="pt-BR"/>
+                    </a:p>
+                  </p:txBody>
+                </p:sp>
+                <p:sp>
+                  <p:nvSpPr>
+                    <p:cNvPr id="74" name="Elipse 73"/>
+                    <p:cNvSpPr/>
+                    <p:nvPr/>
+                  </p:nvSpPr>
+                  <p:spPr>
+                    <a:xfrm>
+                      <a:off x="5364088" y="4602832"/>
+                      <a:ext cx="648072" cy="914400"/>
+                    </a:xfrm>
+                    <a:prstGeom prst="ellipse">
+                      <a:avLst/>
+                    </a:prstGeom>
+                    <a:grpFill/>
+                    <a:ln>
+                      <a:noFill/>
+                    </a:ln>
+                  </p:spPr>
+                  <p:style>
+                    <a:lnRef idx="2">
+                      <a:schemeClr val="accent1">
+                        <a:shade val="50000"/>
+                      </a:schemeClr>
+                    </a:lnRef>
+                    <a:fillRef idx="1">
+                      <a:schemeClr val="accent1"/>
+                    </a:fillRef>
+                    <a:effectRef idx="0">
+                      <a:schemeClr val="accent1"/>
+                    </a:effectRef>
+                    <a:fontRef idx="minor">
+                      <a:schemeClr val="lt1"/>
+                    </a:fontRef>
+                  </p:style>
+                  <p:txBody>
+                    <a:bodyPr rtlCol="0" anchor="ctr"/>
+                    <a:lstStyle/>
+                    <a:p>
+                      <a:pPr algn="ctr"/>
+                      <a:endParaRPr lang="pt-BR"/>
+                    </a:p>
+                  </p:txBody>
+                </p:sp>
+              </p:grpSp>
+              <p:sp>
+                <p:nvSpPr>
+                  <p:cNvPr id="68" name="Retângulo 67"/>
+                  <p:cNvSpPr/>
+                  <p:nvPr/>
+                </p:nvSpPr>
+                <p:spPr>
+                  <a:xfrm>
+                    <a:off x="4499992" y="3278656"/>
+                    <a:ext cx="1512168" cy="1080120"/>
+                  </a:xfrm>
+                  <a:prstGeom prst="rect">
+                    <a:avLst/>
+                  </a:prstGeom>
+                  <a:solidFill>
+                    <a:srgbClr val="47AAC5"/>
+                  </a:solidFill>
+                  <a:ln>
+                    <a:noFill/>
+                  </a:ln>
+                </p:spPr>
+                <p:style>
+                  <a:lnRef idx="2">
+                    <a:schemeClr val="accent1">
+                      <a:shade val="50000"/>
+                    </a:schemeClr>
+                  </a:lnRef>
+                  <a:fillRef idx="1">
+                    <a:schemeClr val="accent1"/>
+                  </a:fillRef>
+                  <a:effectRef idx="0">
+                    <a:schemeClr val="accent1"/>
+                  </a:effectRef>
+                  <a:fontRef idx="minor">
+                    <a:schemeClr val="lt1"/>
+                  </a:fontRef>
+                </p:style>
+                <p:txBody>
+                  <a:bodyPr rtlCol="0" anchor="ctr"/>
+                  <a:lstStyle/>
+                  <a:p>
+                    <a:pPr algn="ctr"/>
+                    <a:endParaRPr lang="pt-BR"/>
+                  </a:p>
+                </p:txBody>
+              </p:sp>
+              <p:sp>
+                <p:nvSpPr>
+                  <p:cNvPr id="69" name="Elipse 68"/>
+                  <p:cNvSpPr/>
+                  <p:nvPr/>
+                </p:nvSpPr>
+                <p:spPr>
+                  <a:xfrm>
+                    <a:off x="4942892" y="3505532"/>
+                    <a:ext cx="626368" cy="626368"/>
+                  </a:xfrm>
+                  <a:prstGeom prst="ellipse">
+                    <a:avLst/>
+                  </a:prstGeom>
+                  <a:solidFill>
+                    <a:schemeClr val="bg1"/>
+                  </a:solidFill>
+                  <a:ln>
+                    <a:noFill/>
+                  </a:ln>
+                </p:spPr>
+                <p:style>
+                  <a:lnRef idx="2">
+                    <a:schemeClr val="accent1">
+                      <a:shade val="50000"/>
+                    </a:schemeClr>
+                  </a:lnRef>
+                  <a:fillRef idx="1">
+                    <a:schemeClr val="accent1"/>
+                  </a:fillRef>
+                  <a:effectRef idx="0">
+                    <a:schemeClr val="accent1"/>
+                  </a:effectRef>
+                  <a:fontRef idx="minor">
+                    <a:schemeClr val="lt1"/>
+                  </a:fontRef>
+                </p:style>
+                <p:txBody>
+                  <a:bodyPr rtlCol="0" anchor="ctr"/>
+                  <a:lstStyle/>
+                  <a:p>
+                    <a:pPr algn="ctr"/>
+                    <a:endParaRPr lang="pt-BR"/>
+                  </a:p>
+                </p:txBody>
+              </p:sp>
+            </p:grpSp>
+            <p:sp>
+              <p:nvSpPr>
+                <p:cNvPr id="63" name="Retângulo de cantos arredondados 62"/>
+                <p:cNvSpPr/>
+                <p:nvPr/>
+              </p:nvSpPr>
+              <p:spPr>
+                <a:xfrm>
+                  <a:off x="5780035" y="2572045"/>
+                  <a:ext cx="102586" cy="2369123"/>
+                </a:xfrm>
+                <a:prstGeom prst="roundRect">
+                  <a:avLst>
+                    <a:gd name="adj" fmla="val 50000"/>
+                  </a:avLst>
+                </a:prstGeom>
+                <a:solidFill>
+                  <a:srgbClr val="FFFFFF">
+                    <a:alpha val="38824"/>
+                  </a:srgbClr>
+                </a:solidFill>
+                <a:ln>
+                  <a:noFill/>
+                </a:ln>
+              </p:spPr>
+              <p:style>
+                <a:lnRef idx="2">
+                  <a:schemeClr val="accent1">
+                    <a:shade val="50000"/>
+                  </a:schemeClr>
+                </a:lnRef>
+                <a:fillRef idx="1">
+                  <a:schemeClr val="accent1"/>
+                </a:fillRef>
+                <a:effectRef idx="0">
+                  <a:schemeClr val="accent1"/>
+                </a:effectRef>
+                <a:fontRef idx="minor">
+                  <a:schemeClr val="lt1"/>
+                </a:fontRef>
+              </p:style>
+              <p:txBody>
+                <a:bodyPr rtlCol="0" anchor="ctr"/>
+                <a:lstStyle/>
+                <a:p>
+                  <a:pPr algn="ctr"/>
+                  <a:endParaRPr lang="pt-BR"/>
+                </a:p>
+              </p:txBody>
+            </p:sp>
+            <p:sp>
+              <p:nvSpPr>
+                <p:cNvPr id="64" name="Retângulo de cantos arredondados 63"/>
+                <p:cNvSpPr/>
+                <p:nvPr/>
+              </p:nvSpPr>
+              <p:spPr>
+                <a:xfrm>
+                  <a:off x="5004047" y="1794049"/>
+                  <a:ext cx="504057" cy="71385"/>
+                </a:xfrm>
+                <a:prstGeom prst="roundRect">
+                  <a:avLst>
+                    <a:gd name="adj" fmla="val 50000"/>
+                  </a:avLst>
+                </a:prstGeom>
+                <a:solidFill>
+                  <a:srgbClr val="87C7D9"/>
+                </a:solidFill>
+                <a:ln>
+                  <a:noFill/>
+                </a:ln>
+              </p:spPr>
+              <p:style>
+                <a:lnRef idx="2">
+                  <a:schemeClr val="accent1">
+                    <a:shade val="50000"/>
+                  </a:schemeClr>
+                </a:lnRef>
+                <a:fillRef idx="1">
+                  <a:schemeClr val="accent1"/>
+                </a:fillRef>
+                <a:effectRef idx="0">
+                  <a:schemeClr val="accent1"/>
+                </a:effectRef>
+                <a:fontRef idx="minor">
+                  <a:schemeClr val="lt1"/>
+                </a:fontRef>
+              </p:style>
+              <p:txBody>
+                <a:bodyPr rtlCol="0" anchor="ctr"/>
+                <a:lstStyle/>
+                <a:p>
+                  <a:pPr algn="ctr"/>
+                  <a:endParaRPr lang="pt-BR"/>
+                </a:p>
+              </p:txBody>
+            </p:sp>
+            <p:sp>
+              <p:nvSpPr>
+                <p:cNvPr id="65" name="Retângulo de cantos arredondados 64"/>
+                <p:cNvSpPr/>
+                <p:nvPr/>
+              </p:nvSpPr>
+              <p:spPr>
+                <a:xfrm>
+                  <a:off x="5076056" y="1624159"/>
+                  <a:ext cx="360040" cy="540193"/>
+                </a:xfrm>
+                <a:prstGeom prst="roundRect">
+                  <a:avLst/>
+                </a:prstGeom>
+                <a:solidFill>
+                  <a:srgbClr val="87C7D9"/>
+                </a:solidFill>
+                <a:ln>
+                  <a:noFill/>
+                </a:ln>
+              </p:spPr>
+              <p:style>
+                <a:lnRef idx="2">
+                  <a:schemeClr val="accent1">
+                    <a:shade val="50000"/>
+                  </a:schemeClr>
+                </a:lnRef>
+                <a:fillRef idx="1">
+                  <a:schemeClr val="accent1"/>
+                </a:fillRef>
+                <a:effectRef idx="0">
+                  <a:schemeClr val="accent1"/>
+                </a:effectRef>
+                <a:fontRef idx="minor">
+                  <a:schemeClr val="lt1"/>
+                </a:fontRef>
+              </p:style>
+              <p:txBody>
+                <a:bodyPr rtlCol="0" anchor="ctr"/>
+                <a:lstStyle/>
+                <a:p>
+                  <a:pPr algn="ctr"/>
+                  <a:endParaRPr lang="pt-BR"/>
+                </a:p>
+              </p:txBody>
+            </p:sp>
+            <p:sp>
+              <p:nvSpPr>
+                <p:cNvPr id="66" name="Arredondar Retângulo no Mesmo Canto Lateral 65"/>
+                <p:cNvSpPr/>
+                <p:nvPr/>
+              </p:nvSpPr>
+              <p:spPr>
+                <a:xfrm>
+                  <a:off x="5009472" y="1484783"/>
+                  <a:ext cx="493205" cy="288033"/>
+                </a:xfrm>
+                <a:prstGeom prst="round2SameRect">
+                  <a:avLst>
+                    <a:gd name="adj1" fmla="val 26472"/>
+                    <a:gd name="adj2" fmla="val 6568"/>
+                  </a:avLst>
+                </a:prstGeom>
+                <a:solidFill>
+                  <a:srgbClr val="4AABC6"/>
+                </a:solidFill>
+                <a:ln>
+                  <a:noFill/>
+                </a:ln>
+              </p:spPr>
+              <p:style>
+                <a:lnRef idx="2">
+                  <a:schemeClr val="accent1">
+                    <a:shade val="50000"/>
+                  </a:schemeClr>
+                </a:lnRef>
+                <a:fillRef idx="1">
+                  <a:schemeClr val="accent1"/>
+                </a:fillRef>
+                <a:effectRef idx="0">
+                  <a:schemeClr val="accent1"/>
+                </a:effectRef>
+                <a:fontRef idx="minor">
+                  <a:schemeClr val="lt1"/>
+                </a:fontRef>
+              </p:style>
+              <p:txBody>
+                <a:bodyPr rtlCol="0" anchor="ctr"/>
+                <a:lstStyle/>
+                <a:p>
+                  <a:pPr algn="ctr"/>
+                  <a:endParaRPr lang="pt-BR"/>
+                </a:p>
+              </p:txBody>
+            </p:sp>
+          </p:grpSp>
+        </p:grpSp>
+        <p:sp>
+          <p:nvSpPr>
+            <p:cNvPr id="55" name="CaixaDeTexto 54"/>
+            <p:cNvSpPr txBox="1"/>
+            <p:nvPr/>
+          </p:nvSpPr>
+          <p:spPr>
+            <a:xfrm>
+              <a:off x="4254549" y="1714274"/>
+              <a:ext cx="1162498" cy="369332"/>
+            </a:xfrm>
+            <a:prstGeom prst="rect">
+              <a:avLst/>
+            </a:prstGeom>
+            <a:noFill/>
+          </p:spPr>
+          <p:txBody>
+            <a:bodyPr wrap="none" rtlCol="0">
+              <a:spAutoFit/>
+            </a:bodyPr>
+            <a:lstStyle/>
+            <a:p>
+              <a:r>
+                <a:rPr lang="pt-BR" dirty="0" smtClean="0">
+                  <a:solidFill>
+                    <a:schemeClr val="tx1">
+                      <a:lumMod val="75000"/>
+                      <a:lumOff val="25000"/>
+                    </a:schemeClr>
+                  </a:solidFill>
+                </a:rPr>
+                <a:t>Beba água</a:t>
+              </a:r>
+              <a:endParaRPr lang="pt-BR" dirty="0">
+                <a:solidFill>
+                  <a:schemeClr val="tx1">
+                    <a:lumMod val="75000"/>
+                    <a:lumOff val="25000"/>
+                  </a:schemeClr>
+                </a:solidFill>
+              </a:endParaRPr>
+            </a:p>
+          </p:txBody>
+        </p:sp>
+        <p:grpSp>
+          <p:nvGrpSpPr>
+            <p:cNvPr id="56" name="Grupo 55"/>
+            <p:cNvGrpSpPr/>
+            <p:nvPr/>
+          </p:nvGrpSpPr>
+          <p:grpSpPr>
+            <a:xfrm>
+              <a:off x="5823604" y="1843005"/>
+              <a:ext cx="286952" cy="116063"/>
+              <a:chOff x="3867881" y="5634656"/>
+              <a:chExt cx="325833" cy="131473"/>
+            </a:xfrm>
+          </p:grpSpPr>
+          <p:sp>
+            <p:nvSpPr>
+              <p:cNvPr id="57" name="Retângulo de cantos arredondados 56"/>
+              <p:cNvSpPr/>
+              <p:nvPr/>
+            </p:nvSpPr>
+            <p:spPr>
+              <a:xfrm>
+                <a:off x="3867881" y="5672882"/>
+                <a:ext cx="302643" cy="61523"/>
+              </a:xfrm>
+              <a:prstGeom prst="roundRect">
+                <a:avLst>
+                  <a:gd name="adj" fmla="val 50000"/>
+                </a:avLst>
+              </a:prstGeom>
+              <a:solidFill>
+                <a:schemeClr val="bg1"/>
+              </a:solidFill>
+              <a:ln>
+                <a:noFill/>
+              </a:ln>
+            </p:spPr>
+            <p:style>
+              <a:lnRef idx="2">
+                <a:schemeClr val="accent1">
+                  <a:shade val="50000"/>
+                </a:schemeClr>
+              </a:lnRef>
+              <a:fillRef idx="1">
+                <a:schemeClr val="accent1"/>
+              </a:fillRef>
+              <a:effectRef idx="0">
+                <a:schemeClr val="accent1"/>
+              </a:effectRef>
+              <a:fontRef idx="minor">
+                <a:schemeClr val="lt1"/>
+              </a:fontRef>
+            </p:style>
+            <p:txBody>
+              <a:bodyPr rtlCol="0" anchor="ctr"/>
+              <a:lstStyle/>
+              <a:p>
+                <a:pPr algn="ctr"/>
+                <a:endParaRPr lang="pt-BR"/>
+              </a:p>
+            </p:txBody>
+          </p:sp>
+          <p:sp>
+            <p:nvSpPr>
+              <p:cNvPr id="58" name="Retângulo de cantos arredondados 57"/>
+              <p:cNvSpPr/>
+              <p:nvPr/>
+            </p:nvSpPr>
+            <p:spPr>
+              <a:xfrm rot="19491298" flipV="1">
+                <a:off x="4008457" y="5710196"/>
+                <a:ext cx="185257" cy="55933"/>
+              </a:xfrm>
+              <a:prstGeom prst="roundRect">
+                <a:avLst>
+                  <a:gd name="adj" fmla="val 50000"/>
+                </a:avLst>
+              </a:prstGeom>
+              <a:solidFill>
+                <a:schemeClr val="bg1"/>
+              </a:solidFill>
+              <a:ln>
+                <a:noFill/>
+              </a:ln>
+            </p:spPr>
+            <p:style>
+              <a:lnRef idx="2">
+                <a:schemeClr val="accent1">
+                  <a:shade val="50000"/>
+                </a:schemeClr>
+              </a:lnRef>
+              <a:fillRef idx="1">
+                <a:schemeClr val="accent1"/>
+              </a:fillRef>
+              <a:effectRef idx="0">
+                <a:schemeClr val="accent1"/>
+              </a:effectRef>
+              <a:fontRef idx="minor">
+                <a:schemeClr val="lt1"/>
+              </a:fontRef>
+            </p:style>
+            <p:txBody>
+              <a:bodyPr rtlCol="0" anchor="ctr"/>
+              <a:lstStyle/>
+              <a:p>
+                <a:pPr algn="ctr"/>
+                <a:endParaRPr lang="pt-BR"/>
+              </a:p>
+            </p:txBody>
+          </p:sp>
+          <p:sp>
+            <p:nvSpPr>
+              <p:cNvPr id="59" name="Retângulo de cantos arredondados 58"/>
+              <p:cNvSpPr/>
+              <p:nvPr/>
+            </p:nvSpPr>
+            <p:spPr>
+              <a:xfrm rot="2108702">
+                <a:off x="4007869" y="5634656"/>
+                <a:ext cx="185257" cy="55535"/>
+              </a:xfrm>
+              <a:prstGeom prst="roundRect">
+                <a:avLst>
+                  <a:gd name="adj" fmla="val 50000"/>
+                </a:avLst>
+              </a:prstGeom>
+              <a:solidFill>
+                <a:schemeClr val="bg1"/>
+              </a:solidFill>
+              <a:ln>
+                <a:noFill/>
+              </a:ln>
+            </p:spPr>
+            <p:style>
+              <a:lnRef idx="2">
+                <a:schemeClr val="accent1">
+                  <a:shade val="50000"/>
+                </a:schemeClr>
+              </a:lnRef>
+              <a:fillRef idx="1">
+                <a:schemeClr val="accent1"/>
+              </a:fillRef>
+              <a:effectRef idx="0">
+                <a:schemeClr val="accent1"/>
+              </a:effectRef>
+              <a:fontRef idx="minor">
+                <a:schemeClr val="lt1"/>
+              </a:fontRef>
+            </p:style>
+            <p:txBody>
+              <a:bodyPr rtlCol="0" anchor="ctr"/>
+              <a:lstStyle/>
+              <a:p>
+                <a:pPr algn="ctr"/>
+                <a:endParaRPr lang="pt-BR"/>
+              </a:p>
+            </p:txBody>
+          </p:sp>
+        </p:grpSp>
+      </p:grpSp>
+      <p:grpSp>
+        <p:nvGrpSpPr>
+          <p:cNvPr id="75" name="Grupo 74"/>
+          <p:cNvGrpSpPr/>
+          <p:nvPr/>
+        </p:nvGrpSpPr>
+        <p:grpSpPr>
+          <a:xfrm>
+            <a:off x="3364118" y="4869160"/>
+            <a:ext cx="2683405" cy="833218"/>
+            <a:chOff x="3447247" y="1493874"/>
+            <a:chExt cx="2683405" cy="833218"/>
+          </a:xfrm>
+        </p:grpSpPr>
+        <p:sp>
+          <p:nvSpPr>
+            <p:cNvPr id="76" name="Retângulo de cantos arredondados 75"/>
+            <p:cNvSpPr/>
+            <p:nvPr/>
+          </p:nvSpPr>
+          <p:spPr>
+            <a:xfrm>
+              <a:off x="5554588" y="1665530"/>
+              <a:ext cx="576064" cy="464508"/>
+            </a:xfrm>
+            <a:prstGeom prst="roundRect">
+              <a:avLst>
+                <a:gd name="adj" fmla="val 29791"/>
+              </a:avLst>
+            </a:prstGeom>
+            <a:solidFill>
+              <a:schemeClr val="bg1">
+                <a:lumMod val="65000"/>
+              </a:schemeClr>
+            </a:solidFill>
+            <a:ln>
+              <a:noFill/>
+            </a:ln>
+          </p:spPr>
+          <p:style>
+            <a:lnRef idx="2">
+              <a:schemeClr val="accent1">
+                <a:shade val="50000"/>
+              </a:schemeClr>
+            </a:lnRef>
+            <a:fillRef idx="1">
+              <a:schemeClr val="accent1"/>
+            </a:fillRef>
+            <a:effectRef idx="0">
+              <a:schemeClr val="accent1"/>
+            </a:effectRef>
+            <a:fontRef idx="minor">
+              <a:schemeClr val="lt1"/>
+            </a:fontRef>
+          </p:style>
+          <p:txBody>
+            <a:bodyPr rtlCol="0" anchor="ctr"/>
+            <a:lstStyle/>
+            <a:p>
+              <a:pPr algn="ctr"/>
+              <a:endParaRPr lang="pt-BR"/>
+            </a:p>
+          </p:txBody>
+        </p:sp>
+        <p:sp>
+          <p:nvSpPr>
+            <p:cNvPr id="77" name="Retângulo de cantos arredondados 76"/>
+            <p:cNvSpPr/>
+            <p:nvPr/>
+          </p:nvSpPr>
+          <p:spPr>
+            <a:xfrm>
+              <a:off x="4033994" y="1661136"/>
+              <a:ext cx="1770526" cy="472143"/>
+            </a:xfrm>
+            <a:prstGeom prst="roundRect">
+              <a:avLst>
+                <a:gd name="adj" fmla="val 36034"/>
+              </a:avLst>
+            </a:prstGeom>
+            <a:solidFill>
+              <a:schemeClr val="bg1">
+                <a:lumMod val="85000"/>
+              </a:schemeClr>
+            </a:solidFill>
+            <a:ln>
+              <a:noFill/>
+            </a:ln>
+          </p:spPr>
+          <p:style>
+            <a:lnRef idx="2">
+              <a:schemeClr val="accent1">
+                <a:shade val="50000"/>
+              </a:schemeClr>
+            </a:lnRef>
+            <a:fillRef idx="1">
+              <a:schemeClr val="accent1"/>
+            </a:fillRef>
+            <a:effectRef idx="0">
+              <a:schemeClr val="accent1"/>
+            </a:effectRef>
+            <a:fontRef idx="minor">
+              <a:schemeClr val="lt1"/>
+            </a:fontRef>
+          </p:style>
+          <p:txBody>
+            <a:bodyPr rtlCol="0" anchor="ctr"/>
+            <a:lstStyle/>
+            <a:p>
+              <a:pPr algn="ctr"/>
+              <a:endParaRPr lang="pt-BR"/>
+            </a:p>
+          </p:txBody>
+        </p:sp>
+        <p:grpSp>
+          <p:nvGrpSpPr>
+            <p:cNvPr id="78" name="Grupo 77"/>
+            <p:cNvGrpSpPr/>
+            <p:nvPr/>
+          </p:nvGrpSpPr>
+          <p:grpSpPr>
+            <a:xfrm>
+              <a:off x="3447247" y="1493874"/>
+              <a:ext cx="833218" cy="833218"/>
+              <a:chOff x="1082336" y="836712"/>
+              <a:chExt cx="2115750" cy="2115750"/>
+            </a:xfrm>
+          </p:grpSpPr>
+          <p:sp>
+            <p:nvSpPr>
+              <p:cNvPr id="84" name="Retângulo de cantos arredondados 83"/>
+              <p:cNvSpPr/>
+              <p:nvPr/>
+            </p:nvSpPr>
+            <p:spPr>
+              <a:xfrm>
+                <a:off x="1082336" y="836712"/>
+                <a:ext cx="2115750" cy="2115750"/>
+              </a:xfrm>
+              <a:prstGeom prst="roundRect">
+                <a:avLst/>
+              </a:prstGeom>
+              <a:solidFill>
+                <a:srgbClr val="C1E3C2"/>
+              </a:solidFill>
+              <a:ln>
+                <a:noFill/>
+              </a:ln>
+            </p:spPr>
+            <p:style>
+              <a:lnRef idx="2">
+                <a:schemeClr val="accent1">
+                  <a:shade val="50000"/>
+                </a:schemeClr>
+              </a:lnRef>
+              <a:fillRef idx="1">
+                <a:schemeClr val="accent1"/>
+              </a:fillRef>
+              <a:effectRef idx="0">
+                <a:schemeClr val="accent1"/>
+              </a:effectRef>
+              <a:fontRef idx="minor">
+                <a:schemeClr val="lt1"/>
+              </a:fontRef>
+            </p:style>
+            <p:txBody>
+              <a:bodyPr rtlCol="0" anchor="ctr"/>
+              <a:lstStyle/>
+              <a:p>
+                <a:pPr algn="ctr"/>
+                <a:endParaRPr lang="pt-BR"/>
+              </a:p>
+            </p:txBody>
+          </p:sp>
+          <p:grpSp>
+            <p:nvGrpSpPr>
+              <p:cNvPr id="85" name="Grupo 84"/>
+              <p:cNvGrpSpPr/>
+              <p:nvPr/>
+            </p:nvGrpSpPr>
+            <p:grpSpPr>
+              <a:xfrm>
+                <a:off x="1847520" y="1114078"/>
+                <a:ext cx="585381" cy="1561017"/>
+                <a:chOff x="4499992" y="1484783"/>
+                <a:chExt cx="1512168" cy="4032449"/>
+              </a:xfrm>
+            </p:grpSpPr>
+            <p:grpSp>
+              <p:nvGrpSpPr>
+                <p:cNvPr id="86" name="Grupo 85"/>
+                <p:cNvGrpSpPr/>
+                <p:nvPr/>
+              </p:nvGrpSpPr>
+              <p:grpSpPr>
+                <a:xfrm>
+                  <a:off x="4499992" y="1865434"/>
+                  <a:ext cx="1512168" cy="3651798"/>
+                  <a:chOff x="4499992" y="1865434"/>
+                  <a:chExt cx="1512168" cy="3651798"/>
+                </a:xfrm>
+              </p:grpSpPr>
+              <p:grpSp>
+                <p:nvGrpSpPr>
+                  <p:cNvPr id="91" name="Grupo 90"/>
+                  <p:cNvGrpSpPr/>
+                  <p:nvPr/>
+                </p:nvGrpSpPr>
+                <p:grpSpPr>
+                  <a:xfrm>
+                    <a:off x="4499992" y="1865434"/>
+                    <a:ext cx="1512168" cy="3651798"/>
+                    <a:chOff x="4499992" y="1865434"/>
+                    <a:chExt cx="1512168" cy="3651798"/>
+                  </a:xfrm>
+                  <a:solidFill>
+                    <a:srgbClr val="87C7D9"/>
+                  </a:solidFill>
+                  <a:effectLst/>
+                </p:grpSpPr>
+                <p:sp>
+                  <p:nvSpPr>
+                    <p:cNvPr id="94" name="Retângulo de cantos arredondados 93"/>
+                    <p:cNvSpPr/>
+                    <p:nvPr/>
+                  </p:nvSpPr>
+                  <p:spPr>
+                    <a:xfrm>
+                      <a:off x="4499992" y="2453032"/>
+                      <a:ext cx="1512168" cy="2808312"/>
+                    </a:xfrm>
+                    <a:prstGeom prst="roundRect">
+                      <a:avLst/>
+                    </a:prstGeom>
+                    <a:grpFill/>
+                    <a:ln>
+                      <a:noFill/>
+                    </a:ln>
+                  </p:spPr>
+                  <p:style>
+                    <a:lnRef idx="2">
+                      <a:schemeClr val="accent1">
+                        <a:shade val="50000"/>
+                      </a:schemeClr>
+                    </a:lnRef>
+                    <a:fillRef idx="1">
+                      <a:schemeClr val="accent1"/>
+                    </a:fillRef>
+                    <a:effectRef idx="0">
+                      <a:schemeClr val="accent1"/>
+                    </a:effectRef>
+                    <a:fontRef idx="minor">
+                      <a:schemeClr val="lt1"/>
+                    </a:fontRef>
+                  </p:style>
+                  <p:txBody>
+                    <a:bodyPr rtlCol="0" anchor="ctr"/>
+                    <a:lstStyle/>
+                    <a:p>
+                      <a:pPr algn="ctr"/>
+                      <a:endParaRPr lang="pt-BR"/>
+                    </a:p>
+                  </p:txBody>
+                </p:sp>
+                <p:sp>
+                  <p:nvSpPr>
+                    <p:cNvPr id="95" name="Elipse 94"/>
+                    <p:cNvSpPr/>
+                    <p:nvPr/>
+                  </p:nvSpPr>
+                  <p:spPr>
+                    <a:xfrm>
+                      <a:off x="4499992" y="1865434"/>
+                      <a:ext cx="1512168" cy="1413222"/>
+                    </a:xfrm>
+                    <a:prstGeom prst="ellipse">
+                      <a:avLst/>
+                    </a:prstGeom>
+                    <a:grpFill/>
+                    <a:ln>
+                      <a:noFill/>
+                    </a:ln>
+                  </p:spPr>
+                  <p:style>
+                    <a:lnRef idx="2">
+                      <a:schemeClr val="accent1">
+                        <a:shade val="50000"/>
+                      </a:schemeClr>
+                    </a:lnRef>
+                    <a:fillRef idx="1">
+                      <a:schemeClr val="accent1"/>
+                    </a:fillRef>
+                    <a:effectRef idx="0">
+                      <a:schemeClr val="accent1"/>
+                    </a:effectRef>
+                    <a:fontRef idx="minor">
+                      <a:schemeClr val="lt1"/>
+                    </a:fontRef>
+                  </p:style>
+                  <p:txBody>
+                    <a:bodyPr rtlCol="0" anchor="ctr"/>
+                    <a:lstStyle/>
+                    <a:p>
+                      <a:pPr algn="ctr"/>
+                      <a:endParaRPr lang="pt-BR"/>
+                    </a:p>
+                  </p:txBody>
+                </p:sp>
+                <p:sp>
+                  <p:nvSpPr>
+                    <p:cNvPr id="96" name="Elipse 95"/>
+                    <p:cNvSpPr/>
+                    <p:nvPr/>
+                  </p:nvSpPr>
+                  <p:spPr>
+                    <a:xfrm>
+                      <a:off x="4499992" y="4602832"/>
+                      <a:ext cx="648072" cy="914400"/>
+                    </a:xfrm>
+                    <a:prstGeom prst="ellipse">
+                      <a:avLst/>
+                    </a:prstGeom>
+                    <a:grpFill/>
+                    <a:ln>
+                      <a:noFill/>
+                    </a:ln>
+                  </p:spPr>
+                  <p:style>
+                    <a:lnRef idx="2">
+                      <a:schemeClr val="accent1">
+                        <a:shade val="50000"/>
+                      </a:schemeClr>
+                    </a:lnRef>
+                    <a:fillRef idx="1">
+                      <a:schemeClr val="accent1"/>
+                    </a:fillRef>
+                    <a:effectRef idx="0">
+                      <a:schemeClr val="accent1"/>
+                    </a:effectRef>
+                    <a:fontRef idx="minor">
+                      <a:schemeClr val="lt1"/>
+                    </a:fontRef>
+                  </p:style>
+                  <p:txBody>
+                    <a:bodyPr rtlCol="0" anchor="ctr"/>
+                    <a:lstStyle/>
+                    <a:p>
+                      <a:pPr algn="ctr"/>
+                      <a:endParaRPr lang="pt-BR"/>
+                    </a:p>
+                  </p:txBody>
+                </p:sp>
+                <p:sp>
+                  <p:nvSpPr>
+                    <p:cNvPr id="97" name="Elipse 96"/>
+                    <p:cNvSpPr/>
+                    <p:nvPr/>
+                  </p:nvSpPr>
+                  <p:spPr>
+                    <a:xfrm>
+                      <a:off x="4932040" y="4602832"/>
+                      <a:ext cx="648072" cy="914400"/>
+                    </a:xfrm>
+                    <a:prstGeom prst="ellipse">
+                      <a:avLst/>
+                    </a:prstGeom>
+                    <a:grpFill/>
+                    <a:ln>
+                      <a:noFill/>
+                    </a:ln>
+                  </p:spPr>
+                  <p:style>
+                    <a:lnRef idx="2">
+                      <a:schemeClr val="accent1">
+                        <a:shade val="50000"/>
+                      </a:schemeClr>
+                    </a:lnRef>
+                    <a:fillRef idx="1">
+                      <a:schemeClr val="accent1"/>
+                    </a:fillRef>
+                    <a:effectRef idx="0">
+                      <a:schemeClr val="accent1"/>
+                    </a:effectRef>
+                    <a:fontRef idx="minor">
+                      <a:schemeClr val="lt1"/>
+                    </a:fontRef>
+                  </p:style>
+                  <p:txBody>
+                    <a:bodyPr rtlCol="0" anchor="ctr"/>
+                    <a:lstStyle/>
+                    <a:p>
+                      <a:pPr algn="ctr"/>
+                      <a:endParaRPr lang="pt-BR"/>
+                    </a:p>
+                  </p:txBody>
+                </p:sp>
+                <p:sp>
+                  <p:nvSpPr>
+                    <p:cNvPr id="98" name="Elipse 97"/>
+                    <p:cNvSpPr/>
+                    <p:nvPr/>
+                  </p:nvSpPr>
+                  <p:spPr>
+                    <a:xfrm>
+                      <a:off x="5364088" y="4602832"/>
+                      <a:ext cx="648072" cy="914400"/>
+                    </a:xfrm>
+                    <a:prstGeom prst="ellipse">
+                      <a:avLst/>
+                    </a:prstGeom>
+                    <a:grpFill/>
+                    <a:ln>
+                      <a:noFill/>
+                    </a:ln>
+                  </p:spPr>
+                  <p:style>
+                    <a:lnRef idx="2">
+                      <a:schemeClr val="accent1">
+                        <a:shade val="50000"/>
+                      </a:schemeClr>
+                    </a:lnRef>
+                    <a:fillRef idx="1">
+                      <a:schemeClr val="accent1"/>
+                    </a:fillRef>
+                    <a:effectRef idx="0">
+                      <a:schemeClr val="accent1"/>
+                    </a:effectRef>
+                    <a:fontRef idx="minor">
+                      <a:schemeClr val="lt1"/>
+                    </a:fontRef>
+                  </p:style>
+                  <p:txBody>
+                    <a:bodyPr rtlCol="0" anchor="ctr"/>
+                    <a:lstStyle/>
+                    <a:p>
+                      <a:pPr algn="ctr"/>
+                      <a:endParaRPr lang="pt-BR"/>
+                    </a:p>
+                  </p:txBody>
+                </p:sp>
+              </p:grpSp>
+              <p:sp>
+                <p:nvSpPr>
+                  <p:cNvPr id="92" name="Retângulo 91"/>
+                  <p:cNvSpPr/>
+                  <p:nvPr/>
+                </p:nvSpPr>
+                <p:spPr>
+                  <a:xfrm>
+                    <a:off x="4499992" y="3278656"/>
+                    <a:ext cx="1512168" cy="1080120"/>
+                  </a:xfrm>
+                  <a:prstGeom prst="rect">
+                    <a:avLst/>
+                  </a:prstGeom>
+                  <a:solidFill>
+                    <a:srgbClr val="47AAC5"/>
+                  </a:solidFill>
+                  <a:ln>
+                    <a:noFill/>
+                  </a:ln>
+                </p:spPr>
+                <p:style>
+                  <a:lnRef idx="2">
+                    <a:schemeClr val="accent1">
+                      <a:shade val="50000"/>
+                    </a:schemeClr>
+                  </a:lnRef>
+                  <a:fillRef idx="1">
+                    <a:schemeClr val="accent1"/>
+                  </a:fillRef>
+                  <a:effectRef idx="0">
+                    <a:schemeClr val="accent1"/>
+                  </a:effectRef>
+                  <a:fontRef idx="minor">
+                    <a:schemeClr val="lt1"/>
+                  </a:fontRef>
+                </p:style>
+                <p:txBody>
+                  <a:bodyPr rtlCol="0" anchor="ctr"/>
+                  <a:lstStyle/>
+                  <a:p>
+                    <a:pPr algn="ctr"/>
+                    <a:endParaRPr lang="pt-BR"/>
+                  </a:p>
+                </p:txBody>
+              </p:sp>
+              <p:sp>
+                <p:nvSpPr>
+                  <p:cNvPr id="93" name="Elipse 92"/>
+                  <p:cNvSpPr/>
+                  <p:nvPr/>
+                </p:nvSpPr>
+                <p:spPr>
+                  <a:xfrm>
+                    <a:off x="4942892" y="3505532"/>
+                    <a:ext cx="626368" cy="626368"/>
+                  </a:xfrm>
+                  <a:prstGeom prst="ellipse">
+                    <a:avLst/>
+                  </a:prstGeom>
+                  <a:solidFill>
+                    <a:schemeClr val="bg1"/>
+                  </a:solidFill>
+                  <a:ln>
+                    <a:noFill/>
+                  </a:ln>
+                </p:spPr>
+                <p:style>
+                  <a:lnRef idx="2">
+                    <a:schemeClr val="accent1">
+                      <a:shade val="50000"/>
+                    </a:schemeClr>
+                  </a:lnRef>
+                  <a:fillRef idx="1">
+                    <a:schemeClr val="accent1"/>
+                  </a:fillRef>
+                  <a:effectRef idx="0">
+                    <a:schemeClr val="accent1"/>
+                  </a:effectRef>
+                  <a:fontRef idx="minor">
+                    <a:schemeClr val="lt1"/>
+                  </a:fontRef>
+                </p:style>
+                <p:txBody>
+                  <a:bodyPr rtlCol="0" anchor="ctr"/>
+                  <a:lstStyle/>
+                  <a:p>
+                    <a:pPr algn="ctr"/>
+                    <a:endParaRPr lang="pt-BR"/>
+                  </a:p>
+                </p:txBody>
+              </p:sp>
+            </p:grpSp>
+            <p:sp>
+              <p:nvSpPr>
+                <p:cNvPr id="87" name="Retângulo de cantos arredondados 86"/>
+                <p:cNvSpPr/>
+                <p:nvPr/>
+              </p:nvSpPr>
+              <p:spPr>
+                <a:xfrm>
+                  <a:off x="5780035" y="2572045"/>
+                  <a:ext cx="102586" cy="2369123"/>
+                </a:xfrm>
+                <a:prstGeom prst="roundRect">
+                  <a:avLst>
+                    <a:gd name="adj" fmla="val 50000"/>
+                  </a:avLst>
+                </a:prstGeom>
+                <a:solidFill>
+                  <a:srgbClr val="FFFFFF">
+                    <a:alpha val="38824"/>
+                  </a:srgbClr>
+                </a:solidFill>
+                <a:ln>
+                  <a:noFill/>
+                </a:ln>
+              </p:spPr>
+              <p:style>
+                <a:lnRef idx="2">
+                  <a:schemeClr val="accent1">
+                    <a:shade val="50000"/>
+                  </a:schemeClr>
+                </a:lnRef>
+                <a:fillRef idx="1">
+                  <a:schemeClr val="accent1"/>
+                </a:fillRef>
+                <a:effectRef idx="0">
+                  <a:schemeClr val="accent1"/>
+                </a:effectRef>
+                <a:fontRef idx="minor">
+                  <a:schemeClr val="lt1"/>
+                </a:fontRef>
+              </p:style>
+              <p:txBody>
+                <a:bodyPr rtlCol="0" anchor="ctr"/>
+                <a:lstStyle/>
+                <a:p>
+                  <a:pPr algn="ctr"/>
+                  <a:endParaRPr lang="pt-BR"/>
+                </a:p>
+              </p:txBody>
+            </p:sp>
+            <p:sp>
+              <p:nvSpPr>
+                <p:cNvPr id="88" name="Retângulo de cantos arredondados 87"/>
+                <p:cNvSpPr/>
+                <p:nvPr/>
+              </p:nvSpPr>
+              <p:spPr>
+                <a:xfrm>
+                  <a:off x="5004047" y="1794049"/>
+                  <a:ext cx="504057" cy="71385"/>
+                </a:xfrm>
+                <a:prstGeom prst="roundRect">
+                  <a:avLst>
+                    <a:gd name="adj" fmla="val 50000"/>
+                  </a:avLst>
+                </a:prstGeom>
+                <a:solidFill>
+                  <a:srgbClr val="87C7D9"/>
+                </a:solidFill>
+                <a:ln>
+                  <a:noFill/>
+                </a:ln>
+              </p:spPr>
+              <p:style>
+                <a:lnRef idx="2">
+                  <a:schemeClr val="accent1">
+                    <a:shade val="50000"/>
+                  </a:schemeClr>
+                </a:lnRef>
+                <a:fillRef idx="1">
+                  <a:schemeClr val="accent1"/>
+                </a:fillRef>
+                <a:effectRef idx="0">
+                  <a:schemeClr val="accent1"/>
+                </a:effectRef>
+                <a:fontRef idx="minor">
+                  <a:schemeClr val="lt1"/>
+                </a:fontRef>
+              </p:style>
+              <p:txBody>
+                <a:bodyPr rtlCol="0" anchor="ctr"/>
+                <a:lstStyle/>
+                <a:p>
+                  <a:pPr algn="ctr"/>
+                  <a:endParaRPr lang="pt-BR"/>
+                </a:p>
+              </p:txBody>
+            </p:sp>
+            <p:sp>
+              <p:nvSpPr>
+                <p:cNvPr id="89" name="Retângulo de cantos arredondados 88"/>
+                <p:cNvSpPr/>
+                <p:nvPr/>
+              </p:nvSpPr>
+              <p:spPr>
+                <a:xfrm>
+                  <a:off x="5076056" y="1624159"/>
+                  <a:ext cx="360040" cy="540193"/>
+                </a:xfrm>
+                <a:prstGeom prst="roundRect">
+                  <a:avLst/>
+                </a:prstGeom>
+                <a:solidFill>
+                  <a:srgbClr val="87C7D9"/>
+                </a:solidFill>
+                <a:ln>
+                  <a:noFill/>
+                </a:ln>
+              </p:spPr>
+              <p:style>
+                <a:lnRef idx="2">
+                  <a:schemeClr val="accent1">
+                    <a:shade val="50000"/>
+                  </a:schemeClr>
+                </a:lnRef>
+                <a:fillRef idx="1">
+                  <a:schemeClr val="accent1"/>
+                </a:fillRef>
+                <a:effectRef idx="0">
+                  <a:schemeClr val="accent1"/>
+                </a:effectRef>
+                <a:fontRef idx="minor">
+                  <a:schemeClr val="lt1"/>
+                </a:fontRef>
+              </p:style>
+              <p:txBody>
+                <a:bodyPr rtlCol="0" anchor="ctr"/>
+                <a:lstStyle/>
+                <a:p>
+                  <a:pPr algn="ctr"/>
+                  <a:endParaRPr lang="pt-BR"/>
+                </a:p>
+              </p:txBody>
+            </p:sp>
+            <p:sp>
+              <p:nvSpPr>
+                <p:cNvPr id="90" name="Arredondar Retângulo no Mesmo Canto Lateral 89"/>
+                <p:cNvSpPr/>
+                <p:nvPr/>
+              </p:nvSpPr>
+              <p:spPr>
+                <a:xfrm>
+                  <a:off x="5009472" y="1484783"/>
+                  <a:ext cx="493205" cy="288033"/>
+                </a:xfrm>
+                <a:prstGeom prst="round2SameRect">
+                  <a:avLst>
+                    <a:gd name="adj1" fmla="val 26472"/>
+                    <a:gd name="adj2" fmla="val 6568"/>
+                  </a:avLst>
+                </a:prstGeom>
+                <a:solidFill>
+                  <a:srgbClr val="4AABC6"/>
+                </a:solidFill>
+                <a:ln>
+                  <a:noFill/>
+                </a:ln>
+              </p:spPr>
+              <p:style>
+                <a:lnRef idx="2">
+                  <a:schemeClr val="accent1">
+                    <a:shade val="50000"/>
+                  </a:schemeClr>
+                </a:lnRef>
+                <a:fillRef idx="1">
+                  <a:schemeClr val="accent1"/>
+                </a:fillRef>
+                <a:effectRef idx="0">
+                  <a:schemeClr val="accent1"/>
+                </a:effectRef>
+                <a:fontRef idx="minor">
+                  <a:schemeClr val="lt1"/>
+                </a:fontRef>
+              </p:style>
+              <p:txBody>
+                <a:bodyPr rtlCol="0" anchor="ctr"/>
+                <a:lstStyle/>
+                <a:p>
+                  <a:pPr algn="ctr"/>
+                  <a:endParaRPr lang="pt-BR"/>
+                </a:p>
+              </p:txBody>
+            </p:sp>
+          </p:grpSp>
+        </p:grpSp>
+        <p:sp>
+          <p:nvSpPr>
+            <p:cNvPr id="79" name="CaixaDeTexto 78"/>
+            <p:cNvSpPr txBox="1"/>
+            <p:nvPr/>
+          </p:nvSpPr>
+          <p:spPr>
+            <a:xfrm>
+              <a:off x="4254549" y="1714274"/>
+              <a:ext cx="1162498" cy="369332"/>
+            </a:xfrm>
+            <a:prstGeom prst="rect">
+              <a:avLst/>
+            </a:prstGeom>
+            <a:noFill/>
+          </p:spPr>
+          <p:txBody>
+            <a:bodyPr wrap="none" rtlCol="0">
+              <a:spAutoFit/>
+            </a:bodyPr>
+            <a:lstStyle/>
+            <a:p>
+              <a:r>
+                <a:rPr lang="pt-BR" dirty="0" smtClean="0">
+                  <a:solidFill>
+                    <a:schemeClr val="tx1">
+                      <a:lumMod val="75000"/>
+                      <a:lumOff val="25000"/>
+                    </a:schemeClr>
+                  </a:solidFill>
+                </a:rPr>
+                <a:t>Beba água</a:t>
+              </a:r>
+              <a:endParaRPr lang="pt-BR" dirty="0">
+                <a:solidFill>
+                  <a:schemeClr val="tx1">
+                    <a:lumMod val="75000"/>
+                    <a:lumOff val="25000"/>
+                  </a:schemeClr>
+                </a:solidFill>
+              </a:endParaRPr>
+            </a:p>
+          </p:txBody>
+        </p:sp>
+        <p:grpSp>
+          <p:nvGrpSpPr>
+            <p:cNvPr id="80" name="Grupo 79"/>
+            <p:cNvGrpSpPr/>
+            <p:nvPr/>
+          </p:nvGrpSpPr>
+          <p:grpSpPr>
+            <a:xfrm>
+              <a:off x="5823604" y="1843005"/>
+              <a:ext cx="286952" cy="116063"/>
+              <a:chOff x="3867881" y="5634656"/>
+              <a:chExt cx="325833" cy="131473"/>
+            </a:xfrm>
+          </p:grpSpPr>
+          <p:sp>
+            <p:nvSpPr>
+              <p:cNvPr id="81" name="Retângulo de cantos arredondados 80"/>
+              <p:cNvSpPr/>
+              <p:nvPr/>
+            </p:nvSpPr>
+            <p:spPr>
+              <a:xfrm>
+                <a:off x="3867881" y="5672882"/>
+                <a:ext cx="302643" cy="61523"/>
+              </a:xfrm>
+              <a:prstGeom prst="roundRect">
+                <a:avLst>
+                  <a:gd name="adj" fmla="val 50000"/>
+                </a:avLst>
+              </a:prstGeom>
+              <a:solidFill>
+                <a:schemeClr val="bg1"/>
+              </a:solidFill>
+              <a:ln>
+                <a:noFill/>
+              </a:ln>
+            </p:spPr>
+            <p:style>
+              <a:lnRef idx="2">
+                <a:schemeClr val="accent1">
+                  <a:shade val="50000"/>
+                </a:schemeClr>
+              </a:lnRef>
+              <a:fillRef idx="1">
+                <a:schemeClr val="accent1"/>
+              </a:fillRef>
+              <a:effectRef idx="0">
+                <a:schemeClr val="accent1"/>
+              </a:effectRef>
+              <a:fontRef idx="minor">
+                <a:schemeClr val="lt1"/>
+              </a:fontRef>
+            </p:style>
+            <p:txBody>
+              <a:bodyPr rtlCol="0" anchor="ctr"/>
+              <a:lstStyle/>
+              <a:p>
+                <a:pPr algn="ctr"/>
+                <a:endParaRPr lang="pt-BR"/>
+              </a:p>
+            </p:txBody>
+          </p:sp>
+          <p:sp>
+            <p:nvSpPr>
+              <p:cNvPr id="82" name="Retângulo de cantos arredondados 81"/>
+              <p:cNvSpPr/>
+              <p:nvPr/>
+            </p:nvSpPr>
+            <p:spPr>
+              <a:xfrm rot="19491298" flipV="1">
+                <a:off x="4008457" y="5710196"/>
+                <a:ext cx="185257" cy="55933"/>
+              </a:xfrm>
+              <a:prstGeom prst="roundRect">
+                <a:avLst>
+                  <a:gd name="adj" fmla="val 50000"/>
+                </a:avLst>
+              </a:prstGeom>
+              <a:solidFill>
+                <a:schemeClr val="bg1"/>
+              </a:solidFill>
+              <a:ln>
+                <a:noFill/>
+              </a:ln>
+            </p:spPr>
+            <p:style>
+              <a:lnRef idx="2">
+                <a:schemeClr val="accent1">
+                  <a:shade val="50000"/>
+                </a:schemeClr>
+              </a:lnRef>
+              <a:fillRef idx="1">
+                <a:schemeClr val="accent1"/>
+              </a:fillRef>
+              <a:effectRef idx="0">
+                <a:schemeClr val="accent1"/>
+              </a:effectRef>
+              <a:fontRef idx="minor">
+                <a:schemeClr val="lt1"/>
+              </a:fontRef>
+            </p:style>
+            <p:txBody>
+              <a:bodyPr rtlCol="0" anchor="ctr"/>
+              <a:lstStyle/>
+              <a:p>
+                <a:pPr algn="ctr"/>
+                <a:endParaRPr lang="pt-BR"/>
+              </a:p>
+            </p:txBody>
+          </p:sp>
+          <p:sp>
+            <p:nvSpPr>
+              <p:cNvPr id="83" name="Retângulo de cantos arredondados 82"/>
+              <p:cNvSpPr/>
+              <p:nvPr/>
+            </p:nvSpPr>
+            <p:spPr>
+              <a:xfrm rot="2108702">
+                <a:off x="4007869" y="5634656"/>
+                <a:ext cx="185257" cy="55535"/>
+              </a:xfrm>
+              <a:prstGeom prst="roundRect">
+                <a:avLst>
+                  <a:gd name="adj" fmla="val 50000"/>
+                </a:avLst>
+              </a:prstGeom>
+              <a:solidFill>
+                <a:schemeClr val="bg1"/>
+              </a:solidFill>
+              <a:ln>
+                <a:noFill/>
+              </a:ln>
+            </p:spPr>
+            <p:style>
+              <a:lnRef idx="2">
+                <a:schemeClr val="accent1">
+                  <a:shade val="50000"/>
+                </a:schemeClr>
+              </a:lnRef>
+              <a:fillRef idx="1">
+                <a:schemeClr val="accent1"/>
+              </a:fillRef>
+              <a:effectRef idx="0">
+                <a:schemeClr val="accent1"/>
+              </a:effectRef>
+              <a:fontRef idx="minor">
+                <a:schemeClr val="lt1"/>
+              </a:fontRef>
+            </p:style>
+            <p:txBody>
+              <a:bodyPr rtlCol="0" anchor="ctr"/>
+              <a:lstStyle/>
+              <a:p>
+                <a:pPr algn="ctr"/>
+                <a:endParaRPr lang="pt-BR"/>
+              </a:p>
+            </p:txBody>
+          </p:sp>
+        </p:grpSp>
+      </p:grpSp>
+      <p:sp>
+        <p:nvSpPr>
+          <p:cNvPr id="99" name="Retângulo de cantos arredondados 98"/>
+          <p:cNvSpPr/>
+          <p:nvPr/>
+        </p:nvSpPr>
+        <p:spPr>
+          <a:xfrm>
+            <a:off x="2915814" y="476672"/>
+            <a:ext cx="3527623" cy="648073"/>
+          </a:xfrm>
+          <a:custGeom>
+            <a:avLst/>
+            <a:gdLst/>
+            <a:ahLst/>
+            <a:cxnLst/>
+            <a:rect l="l" t="t" r="r" b="b"/>
+            <a:pathLst>
+              <a:path w="3527623" h="648073">
+                <a:moveTo>
+                  <a:pt x="0" y="0"/>
+                </a:moveTo>
+                <a:lnTo>
+                  <a:pt x="3527623" y="0"/>
+                </a:lnTo>
+                <a:lnTo>
+                  <a:pt x="3527623" y="504054"/>
+                </a:lnTo>
+                <a:cubicBezTo>
+                  <a:pt x="3527623" y="583593"/>
+                  <a:pt x="3463143" y="648073"/>
+                  <a:pt x="3383604" y="648073"/>
+                </a:cubicBezTo>
+                <a:lnTo>
+                  <a:pt x="144019" y="648073"/>
+                </a:lnTo>
+                <a:cubicBezTo>
+                  <a:pt x="64480" y="648073"/>
+                  <a:pt x="0" y="583593"/>
+                  <a:pt x="0" y="504054"/>
+                </a:cubicBezTo>
+                <a:close/>
+              </a:path>
+            </a:pathLst>
+          </a:custGeom>
+          <a:solidFill>
+            <a:srgbClr val="05ACF7"/>
+          </a:solidFill>
+          <a:ln>
+            <a:noFill/>
+          </a:ln>
+        </p:spPr>
+        <p:style>
+          <a:lnRef idx="2">
+            <a:schemeClr val="accent1">
+              <a:shade val="50000"/>
+            </a:schemeClr>
+          </a:lnRef>
+          <a:fillRef idx="1">
+            <a:schemeClr val="accent1"/>
+          </a:fillRef>
+          <a:effectRef idx="0">
+            <a:schemeClr val="accent1"/>
+          </a:effectRef>
+          <a:fontRef idx="minor">
+            <a:schemeClr val="lt1"/>
+          </a:fontRef>
+        </p:style>
+        <p:txBody>
+          <a:bodyPr rtlCol="0" anchor="ctr"/>
+          <a:lstStyle/>
+          <a:p>
+            <a:pPr algn="ctr"/>
+            <a:r>
+              <a:rPr lang="pt-BR" b="1" dirty="0" smtClean="0"/>
+              <a:t>Dicas</a:t>
+            </a:r>
+            <a:r>
+              <a:rPr lang="pt-BR" dirty="0" smtClean="0"/>
+              <a:t>:</a:t>
+            </a:r>
+            <a:endParaRPr lang="pt-BR" dirty="0"/>
+          </a:p>
+        </p:txBody>
+      </p:sp>
     </p:spTree>
     <p:extLst>
       <p:ext uri="{BB962C8B-B14F-4D97-AF65-F5344CB8AC3E}">
@@ -8099,6 +15579,174 @@
   <p:clrMapOvr>
     <a:masterClrMapping/>
   </p:clrMapOvr>
+  <p:timing>
+    <p:tnLst>
+      <p:par>
+        <p:cTn id="1" dur="indefinite" restart="never" nodeType="tmRoot"/>
+      </p:par>
+    </p:tnLst>
+  </p:timing>
+</p:sld>
+</file>
+
+<file path=ppt/slides/slide13.xml><?xml version="1.0" encoding="utf-8"?>
+<p:sld xmlns:a="http://schemas.openxmlformats.org/drawingml/2006/main" xmlns:r="http://schemas.openxmlformats.org/officeDocument/2006/relationships" xmlns:p="http://schemas.openxmlformats.org/presentationml/2006/main">
+  <p:cSld>
+    <p:spTree>
+      <p:nvGrpSpPr>
+        <p:cNvPr id="1" name=""/>
+        <p:cNvGrpSpPr/>
+        <p:nvPr/>
+      </p:nvGrpSpPr>
+      <p:grpSpPr>
+        <a:xfrm>
+          <a:off x="0" y="0"/>
+          <a:ext cx="0" cy="0"/>
+          <a:chOff x="0" y="0"/>
+          <a:chExt cx="0" cy="0"/>
+        </a:xfrm>
+      </p:grpSpPr>
+      <p:sp>
+        <p:nvSpPr>
+          <p:cNvPr id="214" name="Google Shape;117;p2"/>
+          <p:cNvSpPr/>
+          <p:nvPr/>
+        </p:nvSpPr>
+        <p:spPr>
+          <a:xfrm rot="7297920">
+            <a:off x="3588355" y="1040528"/>
+            <a:ext cx="1214375" cy="905715"/>
+          </a:xfrm>
+          <a:prstGeom prst="chord">
+            <a:avLst>
+              <a:gd name="adj1" fmla="val 2700000"/>
+              <a:gd name="adj2" fmla="val 9134488"/>
+            </a:avLst>
+          </a:prstGeom>
+          <a:gradFill>
+            <a:gsLst>
+              <a:gs pos="0">
+                <a:srgbClr val="FCC44F"/>
+              </a:gs>
+              <a:gs pos="50000">
+                <a:srgbClr val="FCC44F"/>
+              </a:gs>
+              <a:gs pos="100000">
+                <a:srgbClr val="FF9F36"/>
+              </a:gs>
+            </a:gsLst>
+            <a:lin ang="8400000" scaled="0"/>
+          </a:gradFill>
+          <a:ln>
+            <a:noFill/>
+          </a:ln>
+        </p:spPr>
+        <p:txBody>
+          <a:bodyPr spcFirstLastPara="1" wrap="square" lIns="91425" tIns="45700" rIns="91425" bIns="45700" anchor="ctr" anchorCtr="0">
+            <a:noAutofit/>
+          </a:bodyPr>
+          <a:lstStyle/>
+          <a:p>
+            <a:pPr marL="0" marR="0" lvl="0" indent="0" algn="ctr" rtl="0">
+              <a:spcBef>
+                <a:spcPts val="0"/>
+              </a:spcBef>
+              <a:spcAft>
+                <a:spcPts val="0"/>
+              </a:spcAft>
+              <a:buNone/>
+            </a:pPr>
+            <a:endParaRPr sz="1800">
+              <a:solidFill>
+                <a:schemeClr val="lt1"/>
+              </a:solidFill>
+              <a:latin typeface="Calibri"/>
+              <a:ea typeface="Calibri"/>
+              <a:cs typeface="Calibri"/>
+              <a:sym typeface="Calibri"/>
+            </a:endParaRPr>
+          </a:p>
+        </p:txBody>
+      </p:sp>
+      <p:sp>
+        <p:nvSpPr>
+          <p:cNvPr id="215" name="Google Shape;118;p2"/>
+          <p:cNvSpPr/>
+          <p:nvPr/>
+        </p:nvSpPr>
+        <p:spPr>
+          <a:xfrm rot="18133036">
+            <a:off x="3159487" y="634931"/>
+            <a:ext cx="1214375" cy="905715"/>
+          </a:xfrm>
+          <a:prstGeom prst="chord">
+            <a:avLst>
+              <a:gd name="adj1" fmla="val 2700000"/>
+              <a:gd name="adj2" fmla="val 9134488"/>
+            </a:avLst>
+          </a:prstGeom>
+          <a:gradFill>
+            <a:gsLst>
+              <a:gs pos="0">
+                <a:srgbClr val="FCC44F"/>
+              </a:gs>
+              <a:gs pos="50000">
+                <a:srgbClr val="FCC44F"/>
+              </a:gs>
+              <a:gs pos="100000">
+                <a:srgbClr val="FF9F36"/>
+              </a:gs>
+            </a:gsLst>
+            <a:lin ang="8400000" scaled="0"/>
+          </a:gradFill>
+          <a:ln>
+            <a:noFill/>
+          </a:ln>
+        </p:spPr>
+        <p:txBody>
+          <a:bodyPr spcFirstLastPara="1" wrap="square" lIns="91425" tIns="45700" rIns="91425" bIns="45700" anchor="ctr" anchorCtr="0">
+            <a:noAutofit/>
+          </a:bodyPr>
+          <a:lstStyle/>
+          <a:p>
+            <a:pPr marL="0" marR="0" lvl="0" indent="0" algn="ctr" rtl="0">
+              <a:spcBef>
+                <a:spcPts val="0"/>
+              </a:spcBef>
+              <a:spcAft>
+                <a:spcPts val="0"/>
+              </a:spcAft>
+              <a:buNone/>
+            </a:pPr>
+            <a:endParaRPr sz="1800">
+              <a:solidFill>
+                <a:schemeClr val="lt1"/>
+              </a:solidFill>
+              <a:latin typeface="Calibri"/>
+              <a:ea typeface="Calibri"/>
+              <a:cs typeface="Calibri"/>
+              <a:sym typeface="Calibri"/>
+            </a:endParaRPr>
+          </a:p>
+        </p:txBody>
+      </p:sp>
+    </p:spTree>
+    <p:extLst>
+      <p:ext uri="{BB962C8B-B14F-4D97-AF65-F5344CB8AC3E}">
+        <p14:creationId xmlns:p14="http://schemas.microsoft.com/office/powerpoint/2010/main" val="1772685782"/>
+      </p:ext>
+    </p:extLst>
+  </p:cSld>
+  <p:clrMapOvr>
+    <a:masterClrMapping/>
+  </p:clrMapOvr>
+  <p:timing>
+    <p:tnLst>
+      <p:par>
+        <p:cTn id="1" dur="indefinite" restart="never" nodeType="tmRoot"/>
+      </p:par>
+    </p:tnLst>
+  </p:timing>
 </p:sld>
 </file>
 
@@ -11920,7 +19568,7 @@
         </p:nvSpPr>
         <p:spPr>
           <a:xfrm>
-            <a:off x="2941864" y="647631"/>
+            <a:off x="1874644" y="-603448"/>
             <a:ext cx="3527623" cy="5681775"/>
           </a:xfrm>
           <a:prstGeom prst="rect">
@@ -12044,44 +19692,168 @@
           </a:extLst>
         </p:spPr>
       </p:pic>
+      <p:sp>
+        <p:nvSpPr>
+          <p:cNvPr id="32" name="Google Shape;117;p2"/>
+          <p:cNvSpPr/>
+          <p:nvPr/>
+        </p:nvSpPr>
+        <p:spPr>
+          <a:xfrm rot="7297920">
+            <a:off x="3517821" y="1573947"/>
+            <a:ext cx="329844" cy="246007"/>
+          </a:xfrm>
+          <a:prstGeom prst="chord">
+            <a:avLst>
+              <a:gd name="adj1" fmla="val 2700000"/>
+              <a:gd name="adj2" fmla="val 9134488"/>
+            </a:avLst>
+          </a:prstGeom>
+          <a:gradFill>
+            <a:gsLst>
+              <a:gs pos="0">
+                <a:srgbClr val="FCC44F"/>
+              </a:gs>
+              <a:gs pos="50000">
+                <a:srgbClr val="FCC44F"/>
+              </a:gs>
+              <a:gs pos="100000">
+                <a:srgbClr val="FF9F36"/>
+              </a:gs>
+            </a:gsLst>
+            <a:lin ang="8400000" scaled="0"/>
+          </a:gradFill>
+          <a:ln>
+            <a:noFill/>
+          </a:ln>
+        </p:spPr>
+        <p:txBody>
+          <a:bodyPr spcFirstLastPara="1" wrap="square" lIns="91425" tIns="45700" rIns="91425" bIns="45700" anchor="ctr" anchorCtr="0">
+            <a:noAutofit/>
+          </a:bodyPr>
+          <a:lstStyle/>
+          <a:p>
+            <a:pPr marL="0" marR="0" lvl="0" indent="0" algn="ctr" rtl="0">
+              <a:spcBef>
+                <a:spcPts val="0"/>
+              </a:spcBef>
+              <a:spcAft>
+                <a:spcPts val="0"/>
+              </a:spcAft>
+              <a:buNone/>
+            </a:pPr>
+            <a:endParaRPr sz="1800">
+              <a:solidFill>
+                <a:schemeClr val="lt1"/>
+              </a:solidFill>
+              <a:latin typeface="Calibri"/>
+              <a:ea typeface="Calibri"/>
+              <a:cs typeface="Calibri"/>
+              <a:sym typeface="Calibri"/>
+            </a:endParaRPr>
+          </a:p>
+        </p:txBody>
+      </p:sp>
+      <p:sp>
+        <p:nvSpPr>
+          <p:cNvPr id="33" name="Google Shape;118;p2"/>
+          <p:cNvSpPr/>
+          <p:nvPr/>
+        </p:nvSpPr>
+        <p:spPr>
+          <a:xfrm rot="18133036">
+            <a:off x="3392038" y="1452755"/>
+            <a:ext cx="329844" cy="246007"/>
+          </a:xfrm>
+          <a:prstGeom prst="chord">
+            <a:avLst>
+              <a:gd name="adj1" fmla="val 2700000"/>
+              <a:gd name="adj2" fmla="val 9134488"/>
+            </a:avLst>
+          </a:prstGeom>
+          <a:gradFill>
+            <a:gsLst>
+              <a:gs pos="0">
+                <a:srgbClr val="FCC44F"/>
+              </a:gs>
+              <a:gs pos="50000">
+                <a:srgbClr val="FCC44F"/>
+              </a:gs>
+              <a:gs pos="100000">
+                <a:srgbClr val="FF9F36"/>
+              </a:gs>
+            </a:gsLst>
+            <a:lin ang="8400000" scaled="0"/>
+          </a:gradFill>
+          <a:ln>
+            <a:noFill/>
+          </a:ln>
+        </p:spPr>
+        <p:txBody>
+          <a:bodyPr spcFirstLastPara="1" wrap="square" lIns="91425" tIns="45700" rIns="91425" bIns="45700" anchor="ctr" anchorCtr="0">
+            <a:noAutofit/>
+          </a:bodyPr>
+          <a:lstStyle/>
+          <a:p>
+            <a:pPr marL="0" marR="0" lvl="0" indent="0" algn="ctr" rtl="0">
+              <a:spcBef>
+                <a:spcPts val="0"/>
+              </a:spcBef>
+              <a:spcAft>
+                <a:spcPts val="0"/>
+              </a:spcAft>
+              <a:buNone/>
+            </a:pPr>
+            <a:endParaRPr sz="1800">
+              <a:solidFill>
+                <a:schemeClr val="lt1"/>
+              </a:solidFill>
+              <a:latin typeface="Calibri"/>
+              <a:ea typeface="Calibri"/>
+              <a:cs typeface="Calibri"/>
+              <a:sym typeface="Calibri"/>
+            </a:endParaRPr>
+          </a:p>
+        </p:txBody>
+      </p:sp>
       <p:grpSp>
         <p:nvGrpSpPr>
-          <p:cNvPr id="7" name="Google Shape;115;p2"/>
+          <p:cNvPr id="11" name="Google Shape;120;p2"/>
           <p:cNvGrpSpPr/>
           <p:nvPr/>
         </p:nvGrpSpPr>
         <p:grpSpPr>
-          <a:xfrm rot="2475221">
-            <a:off x="2797963" y="1104737"/>
-            <a:ext cx="1390854" cy="1413802"/>
-            <a:chOff x="3736402" y="2329175"/>
-            <a:chExt cx="2679472" cy="2698961"/>
+          <a:xfrm rot="2273720">
+            <a:off x="3281628" y="1424336"/>
+            <a:ext cx="505099" cy="828166"/>
+            <a:chOff x="3508004" y="2828745"/>
+            <a:chExt cx="1383130" cy="1926283"/>
           </a:xfrm>
         </p:grpSpPr>
         <p:grpSp>
           <p:nvGrpSpPr>
-            <p:cNvPr id="9" name="Google Shape;116;p2"/>
+            <p:cNvPr id="23" name="Google Shape;121;p2"/>
             <p:cNvGrpSpPr/>
             <p:nvPr/>
           </p:nvGrpSpPr>
           <p:grpSpPr>
-            <a:xfrm rot="2209887">
-              <a:off x="4508514" y="2781309"/>
-              <a:ext cx="1056238" cy="974093"/>
-              <a:chOff x="3489153" y="2860114"/>
-              <a:chExt cx="972615" cy="880857"/>
+            <a:xfrm rot="1917277">
+              <a:off x="3662554" y="3721936"/>
+              <a:ext cx="1089231" cy="805917"/>
+              <a:chOff x="3520461" y="2909665"/>
+              <a:chExt cx="1089231" cy="805917"/>
             </a:xfrm>
           </p:grpSpPr>
           <p:sp>
             <p:nvSpPr>
-              <p:cNvPr id="32" name="Google Shape;117;p2"/>
+              <p:cNvPr id="30" name="Google Shape;122;p2"/>
               <p:cNvSpPr/>
               <p:nvPr/>
             </p:nvSpPr>
             <p:spPr>
-              <a:xfrm rot="2612812">
-                <a:off x="3810854" y="3003244"/>
-                <a:ext cx="585134" cy="424679"/>
+              <a:xfrm rot="4944884">
+                <a:off x="3906990" y="3020572"/>
+                <a:ext cx="712935" cy="603643"/>
               </a:xfrm>
               <a:prstGeom prst="chord">
                 <a:avLst>
@@ -12089,20 +19861,9 @@
                   <a:gd name="adj2" fmla="val 9134488"/>
                 </a:avLst>
               </a:prstGeom>
-              <a:gradFill>
-                <a:gsLst>
-                  <a:gs pos="0">
-                    <a:srgbClr val="FCC44F"/>
-                  </a:gs>
-                  <a:gs pos="50000">
-                    <a:srgbClr val="FCC44F"/>
-                  </a:gs>
-                  <a:gs pos="100000">
-                    <a:srgbClr val="FF9F36"/>
-                  </a:gs>
-                </a:gsLst>
-                <a:lin ang="8400000" scaled="0"/>
-              </a:gradFill>
+              <a:solidFill>
+                <a:srgbClr val="FCC44F"/>
+              </a:solidFill>
               <a:ln>
                 <a:noFill/>
               </a:ln>
@@ -12136,14 +19897,14 @@
           </p:sp>
           <p:sp>
             <p:nvSpPr>
-              <p:cNvPr id="33" name="Google Shape;118;p2"/>
+              <p:cNvPr id="31" name="Google Shape;123;p2"/>
               <p:cNvSpPr/>
               <p:nvPr/>
             </p:nvSpPr>
             <p:spPr>
-              <a:xfrm rot="-8152072">
-                <a:off x="3554427" y="3172509"/>
-                <a:ext cx="585134" cy="424679"/>
+              <a:xfrm rot="-5820000">
+                <a:off x="3507008" y="2998437"/>
+                <a:ext cx="712935" cy="603643"/>
               </a:xfrm>
               <a:prstGeom prst="chord">
                 <a:avLst>
@@ -12151,20 +19912,9 @@
                   <a:gd name="adj2" fmla="val 9134488"/>
                 </a:avLst>
               </a:prstGeom>
-              <a:gradFill>
-                <a:gsLst>
-                  <a:gs pos="0">
-                    <a:srgbClr val="FCC44F"/>
-                  </a:gs>
-                  <a:gs pos="50000">
-                    <a:srgbClr val="FCC44F"/>
-                  </a:gs>
-                  <a:gs pos="100000">
-                    <a:srgbClr val="FF9F36"/>
-                  </a:gs>
-                </a:gsLst>
-                <a:lin ang="8400000" scaled="0"/>
-              </a:gradFill>
+              <a:solidFill>
+                <a:srgbClr val="FCC44F"/>
+              </a:solidFill>
               <a:ln>
                 <a:noFill/>
               </a:ln>
@@ -12199,778 +19949,206 @@
         </p:grpSp>
         <p:grpSp>
           <p:nvGrpSpPr>
-            <p:cNvPr id="10" name="Google Shape;119;p2"/>
+            <p:cNvPr id="24" name="Google Shape;124;p2"/>
             <p:cNvGrpSpPr/>
             <p:nvPr/>
           </p:nvGrpSpPr>
           <p:grpSpPr>
-            <a:xfrm rot="2130571">
-              <a:off x="4133057" y="2693785"/>
-              <a:ext cx="1886162" cy="1969740"/>
-              <a:chOff x="2909605" y="2940112"/>
-              <a:chExt cx="1886163" cy="1969740"/>
+            <a:xfrm rot="1917277">
+              <a:off x="3638741" y="3055920"/>
+              <a:ext cx="1089231" cy="805917"/>
+              <a:chOff x="3520461" y="2909665"/>
+              <a:chExt cx="1089231" cy="805917"/>
             </a:xfrm>
           </p:grpSpPr>
-          <p:grpSp>
-            <p:nvGrpSpPr>
-              <p:cNvPr id="11" name="Google Shape;120;p2"/>
-              <p:cNvGrpSpPr/>
-              <p:nvPr/>
-            </p:nvGrpSpPr>
-            <p:grpSpPr>
-              <a:xfrm rot="-2332072">
-                <a:off x="3434367" y="3070407"/>
-                <a:ext cx="973070" cy="1580976"/>
-                <a:chOff x="3508004" y="2828745"/>
-                <a:chExt cx="1383130" cy="1926283"/>
-              </a:xfrm>
-            </p:grpSpPr>
-            <p:grpSp>
-              <p:nvGrpSpPr>
-                <p:cNvPr id="23" name="Google Shape;121;p2"/>
-                <p:cNvGrpSpPr/>
-                <p:nvPr/>
-              </p:nvGrpSpPr>
-              <p:grpSpPr>
-                <a:xfrm rot="1917277">
-                  <a:off x="3662554" y="3721936"/>
-                  <a:ext cx="1089231" cy="805917"/>
-                  <a:chOff x="3520461" y="2909665"/>
-                  <a:chExt cx="1089231" cy="805917"/>
-                </a:xfrm>
-              </p:grpSpPr>
-              <p:sp>
-                <p:nvSpPr>
-                  <p:cNvPr id="30" name="Google Shape;122;p2"/>
-                  <p:cNvSpPr/>
-                  <p:nvPr/>
-                </p:nvSpPr>
-                <p:spPr>
-                  <a:xfrm rot="4944884">
-                    <a:off x="3906990" y="3020572"/>
-                    <a:ext cx="712935" cy="603643"/>
-                  </a:xfrm>
-                  <a:prstGeom prst="chord">
-                    <a:avLst>
-                      <a:gd name="adj1" fmla="val 2700000"/>
-                      <a:gd name="adj2" fmla="val 9134488"/>
-                    </a:avLst>
-                  </a:prstGeom>
-                  <a:solidFill>
-                    <a:srgbClr val="FCC44F"/>
-                  </a:solidFill>
-                  <a:ln>
-                    <a:noFill/>
-                  </a:ln>
-                </p:spPr>
-                <p:txBody>
-                  <a:bodyPr spcFirstLastPara="1" wrap="square" lIns="91425" tIns="45700" rIns="91425" bIns="45700" anchor="ctr" anchorCtr="0">
-                    <a:noAutofit/>
-                  </a:bodyPr>
-                  <a:lstStyle/>
-                  <a:p>
-                    <a:pPr marL="0" marR="0" lvl="0" indent="0" algn="ctr" rtl="0">
-                      <a:spcBef>
-                        <a:spcPts val="0"/>
-                      </a:spcBef>
-                      <a:spcAft>
-                        <a:spcPts val="0"/>
-                      </a:spcAft>
-                      <a:buNone/>
-                    </a:pPr>
-                    <a:endParaRPr sz="1800">
-                      <a:solidFill>
-                        <a:schemeClr val="lt1"/>
-                      </a:solidFill>
-                      <a:latin typeface="Calibri"/>
-                      <a:ea typeface="Calibri"/>
-                      <a:cs typeface="Calibri"/>
-                      <a:sym typeface="Calibri"/>
-                    </a:endParaRPr>
-                  </a:p>
-                </p:txBody>
-              </p:sp>
-              <p:sp>
-                <p:nvSpPr>
-                  <p:cNvPr id="31" name="Google Shape;123;p2"/>
-                  <p:cNvSpPr/>
-                  <p:nvPr/>
-                </p:nvSpPr>
-                <p:spPr>
-                  <a:xfrm rot="-5820000">
-                    <a:off x="3507008" y="2998437"/>
-                    <a:ext cx="712935" cy="603643"/>
-                  </a:xfrm>
-                  <a:prstGeom prst="chord">
-                    <a:avLst>
-                      <a:gd name="adj1" fmla="val 2700000"/>
-                      <a:gd name="adj2" fmla="val 9134488"/>
-                    </a:avLst>
-                  </a:prstGeom>
-                  <a:solidFill>
-                    <a:srgbClr val="FCC44F"/>
-                  </a:solidFill>
-                  <a:ln>
-                    <a:noFill/>
-                  </a:ln>
-                </p:spPr>
-                <p:txBody>
-                  <a:bodyPr spcFirstLastPara="1" wrap="square" lIns="91425" tIns="45700" rIns="91425" bIns="45700" anchor="ctr" anchorCtr="0">
-                    <a:noAutofit/>
-                  </a:bodyPr>
-                  <a:lstStyle/>
-                  <a:p>
-                    <a:pPr marL="0" marR="0" lvl="0" indent="0" algn="ctr" rtl="0">
-                      <a:spcBef>
-                        <a:spcPts val="0"/>
-                      </a:spcBef>
-                      <a:spcAft>
-                        <a:spcPts val="0"/>
-                      </a:spcAft>
-                      <a:buNone/>
-                    </a:pPr>
-                    <a:endParaRPr sz="1800">
-                      <a:solidFill>
-                        <a:schemeClr val="lt1"/>
-                      </a:solidFill>
-                      <a:latin typeface="Calibri"/>
-                      <a:ea typeface="Calibri"/>
-                      <a:cs typeface="Calibri"/>
-                      <a:sym typeface="Calibri"/>
-                    </a:endParaRPr>
-                  </a:p>
-                </p:txBody>
-              </p:sp>
-            </p:grpSp>
-            <p:grpSp>
-              <p:nvGrpSpPr>
-                <p:cNvPr id="24" name="Google Shape;124;p2"/>
-                <p:cNvGrpSpPr/>
-                <p:nvPr/>
-              </p:nvGrpSpPr>
-              <p:grpSpPr>
-                <a:xfrm rot="1917277">
-                  <a:off x="3638741" y="3055920"/>
-                  <a:ext cx="1089231" cy="805917"/>
-                  <a:chOff x="3520461" y="2909665"/>
-                  <a:chExt cx="1089231" cy="805917"/>
-                </a:xfrm>
-              </p:grpSpPr>
-              <p:sp>
-                <p:nvSpPr>
-                  <p:cNvPr id="28" name="Google Shape;125;p2"/>
-                  <p:cNvSpPr/>
-                  <p:nvPr/>
-                </p:nvSpPr>
-                <p:spPr>
-                  <a:xfrm rot="4944884">
-                    <a:off x="3906990" y="3020572"/>
-                    <a:ext cx="712935" cy="603643"/>
-                  </a:xfrm>
-                  <a:prstGeom prst="chord">
-                    <a:avLst>
-                      <a:gd name="adj1" fmla="val 2700000"/>
-                      <a:gd name="adj2" fmla="val 9134488"/>
-                    </a:avLst>
-                  </a:prstGeom>
-                  <a:solidFill>
-                    <a:srgbClr val="FCC44F"/>
-                  </a:solidFill>
-                  <a:ln>
-                    <a:noFill/>
-                  </a:ln>
-                </p:spPr>
-                <p:txBody>
-                  <a:bodyPr spcFirstLastPara="1" wrap="square" lIns="91425" tIns="45700" rIns="91425" bIns="45700" anchor="ctr" anchorCtr="0">
-                    <a:noAutofit/>
-                  </a:bodyPr>
-                  <a:lstStyle/>
-                  <a:p>
-                    <a:pPr marL="0" marR="0" lvl="0" indent="0" algn="ctr" rtl="0">
-                      <a:spcBef>
-                        <a:spcPts val="0"/>
-                      </a:spcBef>
-                      <a:spcAft>
-                        <a:spcPts val="0"/>
-                      </a:spcAft>
-                      <a:buNone/>
-                    </a:pPr>
-                    <a:endParaRPr sz="1800">
-                      <a:solidFill>
-                        <a:schemeClr val="lt1"/>
-                      </a:solidFill>
-                      <a:latin typeface="Calibri"/>
-                      <a:ea typeface="Calibri"/>
-                      <a:cs typeface="Calibri"/>
-                      <a:sym typeface="Calibri"/>
-                    </a:endParaRPr>
-                  </a:p>
-                </p:txBody>
-              </p:sp>
-              <p:sp>
-                <p:nvSpPr>
-                  <p:cNvPr id="29" name="Google Shape;126;p2"/>
-                  <p:cNvSpPr/>
-                  <p:nvPr/>
-                </p:nvSpPr>
-                <p:spPr>
-                  <a:xfrm rot="-5820000">
-                    <a:off x="3507008" y="2998437"/>
-                    <a:ext cx="712935" cy="603643"/>
-                  </a:xfrm>
-                  <a:prstGeom prst="chord">
-                    <a:avLst>
-                      <a:gd name="adj1" fmla="val 2700000"/>
-                      <a:gd name="adj2" fmla="val 9134488"/>
-                    </a:avLst>
-                  </a:prstGeom>
-                  <a:solidFill>
-                    <a:srgbClr val="FCC44F"/>
-                  </a:solidFill>
-                  <a:ln>
-                    <a:noFill/>
-                  </a:ln>
-                </p:spPr>
-                <p:txBody>
-                  <a:bodyPr spcFirstLastPara="1" wrap="square" lIns="91425" tIns="45700" rIns="91425" bIns="45700" anchor="ctr" anchorCtr="0">
-                    <a:noAutofit/>
-                  </a:bodyPr>
-                  <a:lstStyle/>
-                  <a:p>
-                    <a:pPr marL="0" marR="0" lvl="0" indent="0" algn="ctr" rtl="0">
-                      <a:spcBef>
-                        <a:spcPts val="0"/>
-                      </a:spcBef>
-                      <a:spcAft>
-                        <a:spcPts val="0"/>
-                      </a:spcAft>
-                      <a:buNone/>
-                    </a:pPr>
-                    <a:endParaRPr sz="1800">
-                      <a:solidFill>
-                        <a:schemeClr val="lt1"/>
-                      </a:solidFill>
-                      <a:latin typeface="Calibri"/>
-                      <a:ea typeface="Calibri"/>
-                      <a:cs typeface="Calibri"/>
-                      <a:sym typeface="Calibri"/>
-                    </a:endParaRPr>
-                  </a:p>
-                </p:txBody>
-              </p:sp>
-            </p:grpSp>
-            <p:grpSp>
-              <p:nvGrpSpPr>
-                <p:cNvPr id="25" name="Google Shape;127;p2"/>
-                <p:cNvGrpSpPr/>
-                <p:nvPr/>
-              </p:nvGrpSpPr>
-              <p:grpSpPr>
-                <a:xfrm rot="1917277">
-                  <a:off x="3671165" y="3365721"/>
-                  <a:ext cx="1089231" cy="805917"/>
-                  <a:chOff x="3520461" y="2909665"/>
-                  <a:chExt cx="1089231" cy="805917"/>
-                </a:xfrm>
-              </p:grpSpPr>
-              <p:sp>
-                <p:nvSpPr>
-                  <p:cNvPr id="26" name="Google Shape;128;p2"/>
-                  <p:cNvSpPr/>
-                  <p:nvPr/>
-                </p:nvSpPr>
-                <p:spPr>
-                  <a:xfrm rot="4944884">
-                    <a:off x="3906990" y="3020572"/>
-                    <a:ext cx="712935" cy="603643"/>
-                  </a:xfrm>
-                  <a:prstGeom prst="chord">
-                    <a:avLst>
-                      <a:gd name="adj1" fmla="val 2700000"/>
-                      <a:gd name="adj2" fmla="val 9134488"/>
-                    </a:avLst>
-                  </a:prstGeom>
-                  <a:solidFill>
-                    <a:srgbClr val="FCC44F"/>
-                  </a:solidFill>
-                  <a:ln>
-                    <a:noFill/>
-                  </a:ln>
-                </p:spPr>
-                <p:txBody>
-                  <a:bodyPr spcFirstLastPara="1" wrap="square" lIns="91425" tIns="45700" rIns="91425" bIns="45700" anchor="ctr" anchorCtr="0">
-                    <a:noAutofit/>
-                  </a:bodyPr>
-                  <a:lstStyle/>
-                  <a:p>
-                    <a:pPr marL="0" marR="0" lvl="0" indent="0" algn="ctr" rtl="0">
-                      <a:spcBef>
-                        <a:spcPts val="0"/>
-                      </a:spcBef>
-                      <a:spcAft>
-                        <a:spcPts val="0"/>
-                      </a:spcAft>
-                      <a:buNone/>
-                    </a:pPr>
-                    <a:endParaRPr sz="1800">
-                      <a:solidFill>
-                        <a:schemeClr val="lt1"/>
-                      </a:solidFill>
-                      <a:latin typeface="Calibri"/>
-                      <a:ea typeface="Calibri"/>
-                      <a:cs typeface="Calibri"/>
-                      <a:sym typeface="Calibri"/>
-                    </a:endParaRPr>
-                  </a:p>
-                </p:txBody>
-              </p:sp>
-              <p:sp>
-                <p:nvSpPr>
-                  <p:cNvPr id="27" name="Google Shape;129;p2"/>
-                  <p:cNvSpPr/>
-                  <p:nvPr/>
-                </p:nvSpPr>
-                <p:spPr>
-                  <a:xfrm rot="-5820000">
-                    <a:off x="3507008" y="2998437"/>
-                    <a:ext cx="712935" cy="603643"/>
-                  </a:xfrm>
-                  <a:prstGeom prst="chord">
-                    <a:avLst>
-                      <a:gd name="adj1" fmla="val 2700000"/>
-                      <a:gd name="adj2" fmla="val 9134488"/>
-                    </a:avLst>
-                  </a:prstGeom>
-                  <a:solidFill>
-                    <a:srgbClr val="FCC44F"/>
-                  </a:solidFill>
-                  <a:ln>
-                    <a:noFill/>
-                  </a:ln>
-                </p:spPr>
-                <p:txBody>
-                  <a:bodyPr spcFirstLastPara="1" wrap="square" lIns="91425" tIns="45700" rIns="91425" bIns="45700" anchor="ctr" anchorCtr="0">
-                    <a:noAutofit/>
-                  </a:bodyPr>
-                  <a:lstStyle/>
-                  <a:p>
-                    <a:pPr marL="0" marR="0" lvl="0" indent="0" algn="ctr" rtl="0">
-                      <a:spcBef>
-                        <a:spcPts val="0"/>
-                      </a:spcBef>
-                      <a:spcAft>
-                        <a:spcPts val="0"/>
-                      </a:spcAft>
-                      <a:buNone/>
-                    </a:pPr>
-                    <a:endParaRPr sz="1800">
-                      <a:solidFill>
-                        <a:schemeClr val="lt1"/>
-                      </a:solidFill>
-                      <a:latin typeface="Calibri"/>
-                      <a:ea typeface="Calibri"/>
-                      <a:cs typeface="Calibri"/>
-                      <a:sym typeface="Calibri"/>
-                    </a:endParaRPr>
-                  </a:p>
-                </p:txBody>
-              </p:sp>
-            </p:grpSp>
-          </p:grpSp>
-          <p:grpSp>
-            <p:nvGrpSpPr>
-              <p:cNvPr id="12" name="Google Shape;130;p2"/>
-              <p:cNvGrpSpPr/>
-              <p:nvPr/>
-            </p:nvGrpSpPr>
-            <p:grpSpPr>
-              <a:xfrm rot="8467928" flipH="1">
-                <a:off x="3297936" y="3198580"/>
-                <a:ext cx="973070" cy="1580976"/>
-                <a:chOff x="3508004" y="2828745"/>
-                <a:chExt cx="1383130" cy="1926283"/>
-              </a:xfrm>
-            </p:grpSpPr>
-            <p:grpSp>
-              <p:nvGrpSpPr>
-                <p:cNvPr id="14" name="Google Shape;131;p2"/>
-                <p:cNvGrpSpPr/>
-                <p:nvPr/>
-              </p:nvGrpSpPr>
-              <p:grpSpPr>
-                <a:xfrm rot="1917277">
-                  <a:off x="3662554" y="3721936"/>
-                  <a:ext cx="1089231" cy="805917"/>
-                  <a:chOff x="3520461" y="2909665"/>
-                  <a:chExt cx="1089231" cy="805917"/>
-                </a:xfrm>
-              </p:grpSpPr>
-              <p:sp>
-                <p:nvSpPr>
-                  <p:cNvPr id="21" name="Google Shape;132;p2"/>
-                  <p:cNvSpPr/>
-                  <p:nvPr/>
-                </p:nvSpPr>
-                <p:spPr>
-                  <a:xfrm rot="4944884">
-                    <a:off x="3906990" y="3020572"/>
-                    <a:ext cx="712935" cy="603643"/>
-                  </a:xfrm>
-                  <a:prstGeom prst="chord">
-                    <a:avLst>
-                      <a:gd name="adj1" fmla="val 2700000"/>
-                      <a:gd name="adj2" fmla="val 9134488"/>
-                    </a:avLst>
-                  </a:prstGeom>
-                  <a:solidFill>
-                    <a:srgbClr val="FF9F36"/>
-                  </a:solidFill>
-                  <a:ln>
-                    <a:noFill/>
-                  </a:ln>
-                </p:spPr>
-                <p:txBody>
-                  <a:bodyPr spcFirstLastPara="1" wrap="square" lIns="91425" tIns="45700" rIns="91425" bIns="45700" anchor="ctr" anchorCtr="0">
-                    <a:noAutofit/>
-                  </a:bodyPr>
-                  <a:lstStyle/>
-                  <a:p>
-                    <a:pPr marL="0" marR="0" lvl="0" indent="0" algn="ctr" rtl="0">
-                      <a:spcBef>
-                        <a:spcPts val="0"/>
-                      </a:spcBef>
-                      <a:spcAft>
-                        <a:spcPts val="0"/>
-                      </a:spcAft>
-                      <a:buNone/>
-                    </a:pPr>
-                    <a:endParaRPr sz="1800">
-                      <a:solidFill>
-                        <a:schemeClr val="lt1"/>
-                      </a:solidFill>
-                      <a:latin typeface="Calibri"/>
-                      <a:ea typeface="Calibri"/>
-                      <a:cs typeface="Calibri"/>
-                      <a:sym typeface="Calibri"/>
-                    </a:endParaRPr>
-                  </a:p>
-                </p:txBody>
-              </p:sp>
-              <p:sp>
-                <p:nvSpPr>
-                  <p:cNvPr id="22" name="Google Shape;133;p2"/>
-                  <p:cNvSpPr/>
-                  <p:nvPr/>
-                </p:nvSpPr>
-                <p:spPr>
-                  <a:xfrm rot="-5820000">
-                    <a:off x="3507008" y="2998437"/>
-                    <a:ext cx="712935" cy="603643"/>
-                  </a:xfrm>
-                  <a:prstGeom prst="chord">
-                    <a:avLst>
-                      <a:gd name="adj1" fmla="val 2700000"/>
-                      <a:gd name="adj2" fmla="val 9134488"/>
-                    </a:avLst>
-                  </a:prstGeom>
-                  <a:solidFill>
-                    <a:srgbClr val="FF9F36"/>
-                  </a:solidFill>
-                  <a:ln>
-                    <a:noFill/>
-                  </a:ln>
-                </p:spPr>
-                <p:txBody>
-                  <a:bodyPr spcFirstLastPara="1" wrap="square" lIns="91425" tIns="45700" rIns="91425" bIns="45700" anchor="ctr" anchorCtr="0">
-                    <a:noAutofit/>
-                  </a:bodyPr>
-                  <a:lstStyle/>
-                  <a:p>
-                    <a:pPr marL="0" marR="0" lvl="0" indent="0" algn="ctr" rtl="0">
-                      <a:spcBef>
-                        <a:spcPts val="0"/>
-                      </a:spcBef>
-                      <a:spcAft>
-                        <a:spcPts val="0"/>
-                      </a:spcAft>
-                      <a:buNone/>
-                    </a:pPr>
-                    <a:endParaRPr sz="1800">
-                      <a:solidFill>
-                        <a:schemeClr val="lt1"/>
-                      </a:solidFill>
-                      <a:latin typeface="Calibri"/>
-                      <a:ea typeface="Calibri"/>
-                      <a:cs typeface="Calibri"/>
-                      <a:sym typeface="Calibri"/>
-                    </a:endParaRPr>
-                  </a:p>
-                </p:txBody>
-              </p:sp>
-            </p:grpSp>
-            <p:grpSp>
-              <p:nvGrpSpPr>
-                <p:cNvPr id="15" name="Google Shape;134;p2"/>
-                <p:cNvGrpSpPr/>
-                <p:nvPr/>
-              </p:nvGrpSpPr>
-              <p:grpSpPr>
-                <a:xfrm rot="1917277">
-                  <a:off x="3638741" y="3055920"/>
-                  <a:ext cx="1089231" cy="805917"/>
-                  <a:chOff x="3520461" y="2909665"/>
-                  <a:chExt cx="1089231" cy="805917"/>
-                </a:xfrm>
-              </p:grpSpPr>
-              <p:sp>
-                <p:nvSpPr>
-                  <p:cNvPr id="19" name="Google Shape;135;p2"/>
-                  <p:cNvSpPr/>
-                  <p:nvPr/>
-                </p:nvSpPr>
-                <p:spPr>
-                  <a:xfrm rot="4944884">
-                    <a:off x="3906990" y="3020572"/>
-                    <a:ext cx="712935" cy="603643"/>
-                  </a:xfrm>
-                  <a:prstGeom prst="chord">
-                    <a:avLst>
-                      <a:gd name="adj1" fmla="val 2700000"/>
-                      <a:gd name="adj2" fmla="val 9134488"/>
-                    </a:avLst>
-                  </a:prstGeom>
-                  <a:solidFill>
-                    <a:srgbClr val="FF9F36"/>
-                  </a:solidFill>
-                  <a:ln>
-                    <a:noFill/>
-                  </a:ln>
-                </p:spPr>
-                <p:txBody>
-                  <a:bodyPr spcFirstLastPara="1" wrap="square" lIns="91425" tIns="45700" rIns="91425" bIns="45700" anchor="ctr" anchorCtr="0">
-                    <a:noAutofit/>
-                  </a:bodyPr>
-                  <a:lstStyle/>
-                  <a:p>
-                    <a:pPr marL="0" marR="0" lvl="0" indent="0" algn="ctr" rtl="0">
-                      <a:spcBef>
-                        <a:spcPts val="0"/>
-                      </a:spcBef>
-                      <a:spcAft>
-                        <a:spcPts val="0"/>
-                      </a:spcAft>
-                      <a:buNone/>
-                    </a:pPr>
-                    <a:endParaRPr sz="1800">
-                      <a:solidFill>
-                        <a:schemeClr val="lt1"/>
-                      </a:solidFill>
-                      <a:latin typeface="Calibri"/>
-                      <a:ea typeface="Calibri"/>
-                      <a:cs typeface="Calibri"/>
-                      <a:sym typeface="Calibri"/>
-                    </a:endParaRPr>
-                  </a:p>
-                </p:txBody>
-              </p:sp>
-              <p:sp>
-                <p:nvSpPr>
-                  <p:cNvPr id="20" name="Google Shape;136;p2"/>
-                  <p:cNvSpPr/>
-                  <p:nvPr/>
-                </p:nvSpPr>
-                <p:spPr>
-                  <a:xfrm rot="-5820000">
-                    <a:off x="3507008" y="2998437"/>
-                    <a:ext cx="712935" cy="603643"/>
-                  </a:xfrm>
-                  <a:prstGeom prst="chord">
-                    <a:avLst>
-                      <a:gd name="adj1" fmla="val 2700000"/>
-                      <a:gd name="adj2" fmla="val 9134488"/>
-                    </a:avLst>
-                  </a:prstGeom>
-                  <a:solidFill>
-                    <a:srgbClr val="FF9F36"/>
-                  </a:solidFill>
-                  <a:ln>
-                    <a:noFill/>
-                  </a:ln>
-                </p:spPr>
-                <p:txBody>
-                  <a:bodyPr spcFirstLastPara="1" wrap="square" lIns="91425" tIns="45700" rIns="91425" bIns="45700" anchor="ctr" anchorCtr="0">
-                    <a:noAutofit/>
-                  </a:bodyPr>
-                  <a:lstStyle/>
-                  <a:p>
-                    <a:pPr marL="0" marR="0" lvl="0" indent="0" algn="ctr" rtl="0">
-                      <a:spcBef>
-                        <a:spcPts val="0"/>
-                      </a:spcBef>
-                      <a:spcAft>
-                        <a:spcPts val="0"/>
-                      </a:spcAft>
-                      <a:buNone/>
-                    </a:pPr>
-                    <a:endParaRPr sz="1800">
-                      <a:solidFill>
-                        <a:schemeClr val="lt1"/>
-                      </a:solidFill>
-                      <a:latin typeface="Calibri"/>
-                      <a:ea typeface="Calibri"/>
-                      <a:cs typeface="Calibri"/>
-                      <a:sym typeface="Calibri"/>
-                    </a:endParaRPr>
-                  </a:p>
-                </p:txBody>
-              </p:sp>
-            </p:grpSp>
-            <p:grpSp>
-              <p:nvGrpSpPr>
-                <p:cNvPr id="16" name="Google Shape;137;p2"/>
-                <p:cNvGrpSpPr/>
-                <p:nvPr/>
-              </p:nvGrpSpPr>
-              <p:grpSpPr>
-                <a:xfrm rot="1917277">
-                  <a:off x="3671165" y="3365721"/>
-                  <a:ext cx="1089231" cy="805917"/>
-                  <a:chOff x="3520461" y="2909665"/>
-                  <a:chExt cx="1089231" cy="805917"/>
-                </a:xfrm>
-              </p:grpSpPr>
-              <p:sp>
-                <p:nvSpPr>
-                  <p:cNvPr id="17" name="Google Shape;138;p2"/>
-                  <p:cNvSpPr/>
-                  <p:nvPr/>
-                </p:nvSpPr>
-                <p:spPr>
-                  <a:xfrm rot="4944884">
-                    <a:off x="3906990" y="3020572"/>
-                    <a:ext cx="712935" cy="603643"/>
-                  </a:xfrm>
-                  <a:prstGeom prst="chord">
-                    <a:avLst>
-                      <a:gd name="adj1" fmla="val 2700000"/>
-                      <a:gd name="adj2" fmla="val 9134488"/>
-                    </a:avLst>
-                  </a:prstGeom>
-                  <a:solidFill>
-                    <a:srgbClr val="FF9F36"/>
-                  </a:solidFill>
-                  <a:ln>
-                    <a:noFill/>
-                  </a:ln>
-                </p:spPr>
-                <p:txBody>
-                  <a:bodyPr spcFirstLastPara="1" wrap="square" lIns="91425" tIns="45700" rIns="91425" bIns="45700" anchor="ctr" anchorCtr="0">
-                    <a:noAutofit/>
-                  </a:bodyPr>
-                  <a:lstStyle/>
-                  <a:p>
-                    <a:pPr marL="0" marR="0" lvl="0" indent="0" algn="ctr" rtl="0">
-                      <a:spcBef>
-                        <a:spcPts val="0"/>
-                      </a:spcBef>
-                      <a:spcAft>
-                        <a:spcPts val="0"/>
-                      </a:spcAft>
-                      <a:buNone/>
-                    </a:pPr>
-                    <a:endParaRPr sz="1800">
-                      <a:solidFill>
-                        <a:schemeClr val="lt1"/>
-                      </a:solidFill>
-                      <a:latin typeface="Calibri"/>
-                      <a:ea typeface="Calibri"/>
-                      <a:cs typeface="Calibri"/>
-                      <a:sym typeface="Calibri"/>
-                    </a:endParaRPr>
-                  </a:p>
-                </p:txBody>
-              </p:sp>
-              <p:sp>
-                <p:nvSpPr>
-                  <p:cNvPr id="18" name="Google Shape;139;p2"/>
-                  <p:cNvSpPr/>
-                  <p:nvPr/>
-                </p:nvSpPr>
-                <p:spPr>
-                  <a:xfrm rot="-5820000">
-                    <a:off x="3507008" y="2998437"/>
-                    <a:ext cx="712935" cy="603643"/>
-                  </a:xfrm>
-                  <a:prstGeom prst="chord">
-                    <a:avLst>
-                      <a:gd name="adj1" fmla="val 2700000"/>
-                      <a:gd name="adj2" fmla="val 9134488"/>
-                    </a:avLst>
-                  </a:prstGeom>
-                  <a:solidFill>
-                    <a:srgbClr val="FF9F36"/>
-                  </a:solidFill>
-                  <a:ln>
-                    <a:noFill/>
-                  </a:ln>
-                </p:spPr>
-                <p:txBody>
-                  <a:bodyPr spcFirstLastPara="1" wrap="square" lIns="91425" tIns="45700" rIns="91425" bIns="45700" anchor="ctr" anchorCtr="0">
-                    <a:noAutofit/>
-                  </a:bodyPr>
-                  <a:lstStyle/>
-                  <a:p>
-                    <a:pPr marL="0" marR="0" lvl="0" indent="0" algn="ctr" rtl="0">
-                      <a:spcBef>
-                        <a:spcPts val="0"/>
-                      </a:spcBef>
-                      <a:spcAft>
-                        <a:spcPts val="0"/>
-                      </a:spcAft>
-                      <a:buNone/>
-                    </a:pPr>
-                    <a:endParaRPr sz="1800">
-                      <a:solidFill>
-                        <a:schemeClr val="lt1"/>
-                      </a:solidFill>
-                      <a:latin typeface="Calibri"/>
-                      <a:ea typeface="Calibri"/>
-                      <a:cs typeface="Calibri"/>
-                      <a:sym typeface="Calibri"/>
-                    </a:endParaRPr>
-                  </a:p>
-                </p:txBody>
-              </p:sp>
-            </p:grpSp>
-          </p:grpSp>
           <p:sp>
             <p:nvSpPr>
-              <p:cNvPr id="13" name="Google Shape;140;p2"/>
+              <p:cNvPr id="28" name="Google Shape;125;p2"/>
               <p:cNvSpPr/>
               <p:nvPr/>
             </p:nvSpPr>
             <p:spPr>
-              <a:xfrm rot="3067928">
-                <a:off x="3308588" y="3912602"/>
-                <a:ext cx="1150592" cy="151979"/>
+              <a:xfrm rot="4944884">
+                <a:off x="3906990" y="3020572"/>
+                <a:ext cx="712935" cy="603643"/>
               </a:xfrm>
-              <a:prstGeom prst="flowChartTerminator">
-                <a:avLst/>
+              <a:prstGeom prst="chord">
+                <a:avLst>
+                  <a:gd name="adj1" fmla="val 2700000"/>
+                  <a:gd name="adj2" fmla="val 9134488"/>
+                </a:avLst>
               </a:prstGeom>
-              <a:gradFill>
-                <a:gsLst>
-                  <a:gs pos="0">
-                    <a:srgbClr val="FCC44F"/>
-                  </a:gs>
-                  <a:gs pos="50000">
-                    <a:srgbClr val="FCC44F"/>
-                  </a:gs>
-                  <a:gs pos="100000">
-                    <a:srgbClr val="FF9F36"/>
-                  </a:gs>
-                </a:gsLst>
-                <a:lin ang="5400000" scaled="0"/>
-              </a:gradFill>
+              <a:solidFill>
+                <a:srgbClr val="FCC44F"/>
+              </a:solidFill>
+              <a:ln>
+                <a:noFill/>
+              </a:ln>
+            </p:spPr>
+            <p:txBody>
+              <a:bodyPr spcFirstLastPara="1" wrap="square" lIns="91425" tIns="45700" rIns="91425" bIns="45700" anchor="ctr" anchorCtr="0">
+                <a:noAutofit/>
+              </a:bodyPr>
+              <a:lstStyle/>
+              <a:p>
+                <a:pPr marL="0" marR="0" lvl="0" indent="0" algn="ctr" rtl="0">
+                  <a:spcBef>
+                    <a:spcPts val="0"/>
+                  </a:spcBef>
+                  <a:spcAft>
+                    <a:spcPts val="0"/>
+                  </a:spcAft>
+                  <a:buNone/>
+                </a:pPr>
+                <a:endParaRPr sz="1800">
+                  <a:solidFill>
+                    <a:schemeClr val="lt1"/>
+                  </a:solidFill>
+                  <a:latin typeface="Calibri"/>
+                  <a:ea typeface="Calibri"/>
+                  <a:cs typeface="Calibri"/>
+                  <a:sym typeface="Calibri"/>
+                </a:endParaRPr>
+              </a:p>
+            </p:txBody>
+          </p:sp>
+          <p:sp>
+            <p:nvSpPr>
+              <p:cNvPr id="29" name="Google Shape;126;p2"/>
+              <p:cNvSpPr/>
+              <p:nvPr/>
+            </p:nvSpPr>
+            <p:spPr>
+              <a:xfrm rot="-5820000">
+                <a:off x="3507008" y="2998437"/>
+                <a:ext cx="712935" cy="603643"/>
+              </a:xfrm>
+              <a:prstGeom prst="chord">
+                <a:avLst>
+                  <a:gd name="adj1" fmla="val 2700000"/>
+                  <a:gd name="adj2" fmla="val 9134488"/>
+                </a:avLst>
+              </a:prstGeom>
+              <a:solidFill>
+                <a:srgbClr val="FCC44F"/>
+              </a:solidFill>
+              <a:ln>
+                <a:noFill/>
+              </a:ln>
+            </p:spPr>
+            <p:txBody>
+              <a:bodyPr spcFirstLastPara="1" wrap="square" lIns="91425" tIns="45700" rIns="91425" bIns="45700" anchor="ctr" anchorCtr="0">
+                <a:noAutofit/>
+              </a:bodyPr>
+              <a:lstStyle/>
+              <a:p>
+                <a:pPr marL="0" marR="0" lvl="0" indent="0" algn="ctr" rtl="0">
+                  <a:spcBef>
+                    <a:spcPts val="0"/>
+                  </a:spcBef>
+                  <a:spcAft>
+                    <a:spcPts val="0"/>
+                  </a:spcAft>
+                  <a:buNone/>
+                </a:pPr>
+                <a:endParaRPr sz="1800">
+                  <a:solidFill>
+                    <a:schemeClr val="lt1"/>
+                  </a:solidFill>
+                  <a:latin typeface="Calibri"/>
+                  <a:ea typeface="Calibri"/>
+                  <a:cs typeface="Calibri"/>
+                  <a:sym typeface="Calibri"/>
+                </a:endParaRPr>
+              </a:p>
+            </p:txBody>
+          </p:sp>
+        </p:grpSp>
+        <p:grpSp>
+          <p:nvGrpSpPr>
+            <p:cNvPr id="25" name="Google Shape;127;p2"/>
+            <p:cNvGrpSpPr/>
+            <p:nvPr/>
+          </p:nvGrpSpPr>
+          <p:grpSpPr>
+            <a:xfrm rot="1917277">
+              <a:off x="3671165" y="3365721"/>
+              <a:ext cx="1089231" cy="805917"/>
+              <a:chOff x="3520461" y="2909665"/>
+              <a:chExt cx="1089231" cy="805917"/>
+            </a:xfrm>
+          </p:grpSpPr>
+          <p:sp>
+            <p:nvSpPr>
+              <p:cNvPr id="26" name="Google Shape;128;p2"/>
+              <p:cNvSpPr/>
+              <p:nvPr/>
+            </p:nvSpPr>
+            <p:spPr>
+              <a:xfrm rot="4944884">
+                <a:off x="3906990" y="3020572"/>
+                <a:ext cx="712935" cy="603643"/>
+              </a:xfrm>
+              <a:prstGeom prst="chord">
+                <a:avLst>
+                  <a:gd name="adj1" fmla="val 2700000"/>
+                  <a:gd name="adj2" fmla="val 9134488"/>
+                </a:avLst>
+              </a:prstGeom>
+              <a:solidFill>
+                <a:srgbClr val="FCC44F"/>
+              </a:solidFill>
+              <a:ln>
+                <a:noFill/>
+              </a:ln>
+            </p:spPr>
+            <p:txBody>
+              <a:bodyPr spcFirstLastPara="1" wrap="square" lIns="91425" tIns="45700" rIns="91425" bIns="45700" anchor="ctr" anchorCtr="0">
+                <a:noAutofit/>
+              </a:bodyPr>
+              <a:lstStyle/>
+              <a:p>
+                <a:pPr marL="0" marR="0" lvl="0" indent="0" algn="ctr" rtl="0">
+                  <a:spcBef>
+                    <a:spcPts val="0"/>
+                  </a:spcBef>
+                  <a:spcAft>
+                    <a:spcPts val="0"/>
+                  </a:spcAft>
+                  <a:buNone/>
+                </a:pPr>
+                <a:endParaRPr sz="1800">
+                  <a:solidFill>
+                    <a:schemeClr val="lt1"/>
+                  </a:solidFill>
+                  <a:latin typeface="Calibri"/>
+                  <a:ea typeface="Calibri"/>
+                  <a:cs typeface="Calibri"/>
+                  <a:sym typeface="Calibri"/>
+                </a:endParaRPr>
+              </a:p>
+            </p:txBody>
+          </p:sp>
+          <p:sp>
+            <p:nvSpPr>
+              <p:cNvPr id="27" name="Google Shape;129;p2"/>
+              <p:cNvSpPr/>
+              <p:nvPr/>
+            </p:nvSpPr>
+            <p:spPr>
+              <a:xfrm rot="-5820000">
+                <a:off x="3507008" y="2998437"/>
+                <a:ext cx="712935" cy="603643"/>
+              </a:xfrm>
+              <a:prstGeom prst="chord">
+                <a:avLst>
+                  <a:gd name="adj1" fmla="val 2700000"/>
+                  <a:gd name="adj2" fmla="val 9134488"/>
+                </a:avLst>
+              </a:prstGeom>
+              <a:solidFill>
+                <a:srgbClr val="FCC44F"/>
+              </a:solidFill>
               <a:ln>
                 <a:noFill/>
               </a:ln>
@@ -13004,6 +20182,431 @@
           </p:sp>
         </p:grpSp>
       </p:grpSp>
+      <p:grpSp>
+        <p:nvGrpSpPr>
+          <p:cNvPr id="12" name="Google Shape;130;p2"/>
+          <p:cNvGrpSpPr/>
+          <p:nvPr/>
+        </p:nvGrpSpPr>
+        <p:grpSpPr>
+          <a:xfrm rot="13073720" flipH="1">
+            <a:off x="3200055" y="1370773"/>
+            <a:ext cx="505099" cy="828166"/>
+            <a:chOff x="3508004" y="2828745"/>
+            <a:chExt cx="1383130" cy="1926283"/>
+          </a:xfrm>
+        </p:grpSpPr>
+        <p:grpSp>
+          <p:nvGrpSpPr>
+            <p:cNvPr id="14" name="Google Shape;131;p2"/>
+            <p:cNvGrpSpPr/>
+            <p:nvPr/>
+          </p:nvGrpSpPr>
+          <p:grpSpPr>
+            <a:xfrm rot="1917277">
+              <a:off x="3662554" y="3721936"/>
+              <a:ext cx="1089231" cy="805917"/>
+              <a:chOff x="3520461" y="2909665"/>
+              <a:chExt cx="1089231" cy="805917"/>
+            </a:xfrm>
+          </p:grpSpPr>
+          <p:sp>
+            <p:nvSpPr>
+              <p:cNvPr id="21" name="Google Shape;132;p2"/>
+              <p:cNvSpPr/>
+              <p:nvPr/>
+            </p:nvSpPr>
+            <p:spPr>
+              <a:xfrm rot="4944884">
+                <a:off x="3906990" y="3020572"/>
+                <a:ext cx="712935" cy="603643"/>
+              </a:xfrm>
+              <a:prstGeom prst="chord">
+                <a:avLst>
+                  <a:gd name="adj1" fmla="val 2700000"/>
+                  <a:gd name="adj2" fmla="val 9134488"/>
+                </a:avLst>
+              </a:prstGeom>
+              <a:solidFill>
+                <a:srgbClr val="FF9F36"/>
+              </a:solidFill>
+              <a:ln>
+                <a:noFill/>
+              </a:ln>
+            </p:spPr>
+            <p:txBody>
+              <a:bodyPr spcFirstLastPara="1" wrap="square" lIns="91425" tIns="45700" rIns="91425" bIns="45700" anchor="ctr" anchorCtr="0">
+                <a:noAutofit/>
+              </a:bodyPr>
+              <a:lstStyle/>
+              <a:p>
+                <a:pPr marL="0" marR="0" lvl="0" indent="0" algn="ctr" rtl="0">
+                  <a:spcBef>
+                    <a:spcPts val="0"/>
+                  </a:spcBef>
+                  <a:spcAft>
+                    <a:spcPts val="0"/>
+                  </a:spcAft>
+                  <a:buNone/>
+                </a:pPr>
+                <a:endParaRPr sz="1800">
+                  <a:solidFill>
+                    <a:schemeClr val="lt1"/>
+                  </a:solidFill>
+                  <a:latin typeface="Calibri"/>
+                  <a:ea typeface="Calibri"/>
+                  <a:cs typeface="Calibri"/>
+                  <a:sym typeface="Calibri"/>
+                </a:endParaRPr>
+              </a:p>
+            </p:txBody>
+          </p:sp>
+          <p:sp>
+            <p:nvSpPr>
+              <p:cNvPr id="22" name="Google Shape;133;p2"/>
+              <p:cNvSpPr/>
+              <p:nvPr/>
+            </p:nvSpPr>
+            <p:spPr>
+              <a:xfrm rot="-5820000">
+                <a:off x="3507008" y="2998437"/>
+                <a:ext cx="712935" cy="603643"/>
+              </a:xfrm>
+              <a:prstGeom prst="chord">
+                <a:avLst>
+                  <a:gd name="adj1" fmla="val 2700000"/>
+                  <a:gd name="adj2" fmla="val 9134488"/>
+                </a:avLst>
+              </a:prstGeom>
+              <a:solidFill>
+                <a:srgbClr val="FF9F36"/>
+              </a:solidFill>
+              <a:ln>
+                <a:noFill/>
+              </a:ln>
+            </p:spPr>
+            <p:txBody>
+              <a:bodyPr spcFirstLastPara="1" wrap="square" lIns="91425" tIns="45700" rIns="91425" bIns="45700" anchor="ctr" anchorCtr="0">
+                <a:noAutofit/>
+              </a:bodyPr>
+              <a:lstStyle/>
+              <a:p>
+                <a:pPr marL="0" marR="0" lvl="0" indent="0" algn="ctr" rtl="0">
+                  <a:spcBef>
+                    <a:spcPts val="0"/>
+                  </a:spcBef>
+                  <a:spcAft>
+                    <a:spcPts val="0"/>
+                  </a:spcAft>
+                  <a:buNone/>
+                </a:pPr>
+                <a:endParaRPr sz="1800">
+                  <a:solidFill>
+                    <a:schemeClr val="lt1"/>
+                  </a:solidFill>
+                  <a:latin typeface="Calibri"/>
+                  <a:ea typeface="Calibri"/>
+                  <a:cs typeface="Calibri"/>
+                  <a:sym typeface="Calibri"/>
+                </a:endParaRPr>
+              </a:p>
+            </p:txBody>
+          </p:sp>
+        </p:grpSp>
+        <p:grpSp>
+          <p:nvGrpSpPr>
+            <p:cNvPr id="15" name="Google Shape;134;p2"/>
+            <p:cNvGrpSpPr/>
+            <p:nvPr/>
+          </p:nvGrpSpPr>
+          <p:grpSpPr>
+            <a:xfrm rot="1917277">
+              <a:off x="3638741" y="3055920"/>
+              <a:ext cx="1089231" cy="805917"/>
+              <a:chOff x="3520461" y="2909665"/>
+              <a:chExt cx="1089231" cy="805917"/>
+            </a:xfrm>
+          </p:grpSpPr>
+          <p:sp>
+            <p:nvSpPr>
+              <p:cNvPr id="19" name="Google Shape;135;p2"/>
+              <p:cNvSpPr/>
+              <p:nvPr/>
+            </p:nvSpPr>
+            <p:spPr>
+              <a:xfrm rot="4944884">
+                <a:off x="3906990" y="3020572"/>
+                <a:ext cx="712935" cy="603643"/>
+              </a:xfrm>
+              <a:prstGeom prst="chord">
+                <a:avLst>
+                  <a:gd name="adj1" fmla="val 2700000"/>
+                  <a:gd name="adj2" fmla="val 9134488"/>
+                </a:avLst>
+              </a:prstGeom>
+              <a:solidFill>
+                <a:srgbClr val="FF9F36"/>
+              </a:solidFill>
+              <a:ln>
+                <a:noFill/>
+              </a:ln>
+            </p:spPr>
+            <p:txBody>
+              <a:bodyPr spcFirstLastPara="1" wrap="square" lIns="91425" tIns="45700" rIns="91425" bIns="45700" anchor="ctr" anchorCtr="0">
+                <a:noAutofit/>
+              </a:bodyPr>
+              <a:lstStyle/>
+              <a:p>
+                <a:pPr marL="0" marR="0" lvl="0" indent="0" algn="ctr" rtl="0">
+                  <a:spcBef>
+                    <a:spcPts val="0"/>
+                  </a:spcBef>
+                  <a:spcAft>
+                    <a:spcPts val="0"/>
+                  </a:spcAft>
+                  <a:buNone/>
+                </a:pPr>
+                <a:endParaRPr sz="1800">
+                  <a:solidFill>
+                    <a:schemeClr val="lt1"/>
+                  </a:solidFill>
+                  <a:latin typeface="Calibri"/>
+                  <a:ea typeface="Calibri"/>
+                  <a:cs typeface="Calibri"/>
+                  <a:sym typeface="Calibri"/>
+                </a:endParaRPr>
+              </a:p>
+            </p:txBody>
+          </p:sp>
+          <p:sp>
+            <p:nvSpPr>
+              <p:cNvPr id="20" name="Google Shape;136;p2"/>
+              <p:cNvSpPr/>
+              <p:nvPr/>
+            </p:nvSpPr>
+            <p:spPr>
+              <a:xfrm rot="-5820000">
+                <a:off x="3507008" y="2998437"/>
+                <a:ext cx="712935" cy="603643"/>
+              </a:xfrm>
+              <a:prstGeom prst="chord">
+                <a:avLst>
+                  <a:gd name="adj1" fmla="val 2700000"/>
+                  <a:gd name="adj2" fmla="val 9134488"/>
+                </a:avLst>
+              </a:prstGeom>
+              <a:solidFill>
+                <a:srgbClr val="FF9F36"/>
+              </a:solidFill>
+              <a:ln>
+                <a:noFill/>
+              </a:ln>
+            </p:spPr>
+            <p:txBody>
+              <a:bodyPr spcFirstLastPara="1" wrap="square" lIns="91425" tIns="45700" rIns="91425" bIns="45700" anchor="ctr" anchorCtr="0">
+                <a:noAutofit/>
+              </a:bodyPr>
+              <a:lstStyle/>
+              <a:p>
+                <a:pPr marL="0" marR="0" lvl="0" indent="0" algn="ctr" rtl="0">
+                  <a:spcBef>
+                    <a:spcPts val="0"/>
+                  </a:spcBef>
+                  <a:spcAft>
+                    <a:spcPts val="0"/>
+                  </a:spcAft>
+                  <a:buNone/>
+                </a:pPr>
+                <a:endParaRPr sz="1800">
+                  <a:solidFill>
+                    <a:schemeClr val="lt1"/>
+                  </a:solidFill>
+                  <a:latin typeface="Calibri"/>
+                  <a:ea typeface="Calibri"/>
+                  <a:cs typeface="Calibri"/>
+                  <a:sym typeface="Calibri"/>
+                </a:endParaRPr>
+              </a:p>
+            </p:txBody>
+          </p:sp>
+        </p:grpSp>
+        <p:grpSp>
+          <p:nvGrpSpPr>
+            <p:cNvPr id="16" name="Google Shape;137;p2"/>
+            <p:cNvGrpSpPr/>
+            <p:nvPr/>
+          </p:nvGrpSpPr>
+          <p:grpSpPr>
+            <a:xfrm rot="1917277">
+              <a:off x="3671165" y="3365721"/>
+              <a:ext cx="1089231" cy="805917"/>
+              <a:chOff x="3520461" y="2909665"/>
+              <a:chExt cx="1089231" cy="805917"/>
+            </a:xfrm>
+          </p:grpSpPr>
+          <p:sp>
+            <p:nvSpPr>
+              <p:cNvPr id="17" name="Google Shape;138;p2"/>
+              <p:cNvSpPr/>
+              <p:nvPr/>
+            </p:nvSpPr>
+            <p:spPr>
+              <a:xfrm rot="4944884">
+                <a:off x="3906990" y="3020572"/>
+                <a:ext cx="712935" cy="603643"/>
+              </a:xfrm>
+              <a:prstGeom prst="chord">
+                <a:avLst>
+                  <a:gd name="adj1" fmla="val 2700000"/>
+                  <a:gd name="adj2" fmla="val 9134488"/>
+                </a:avLst>
+              </a:prstGeom>
+              <a:solidFill>
+                <a:srgbClr val="FF9F36"/>
+              </a:solidFill>
+              <a:ln>
+                <a:noFill/>
+              </a:ln>
+            </p:spPr>
+            <p:txBody>
+              <a:bodyPr spcFirstLastPara="1" wrap="square" lIns="91425" tIns="45700" rIns="91425" bIns="45700" anchor="ctr" anchorCtr="0">
+                <a:noAutofit/>
+              </a:bodyPr>
+              <a:lstStyle/>
+              <a:p>
+                <a:pPr marL="0" marR="0" lvl="0" indent="0" algn="ctr" rtl="0">
+                  <a:spcBef>
+                    <a:spcPts val="0"/>
+                  </a:spcBef>
+                  <a:spcAft>
+                    <a:spcPts val="0"/>
+                  </a:spcAft>
+                  <a:buNone/>
+                </a:pPr>
+                <a:endParaRPr sz="1800">
+                  <a:solidFill>
+                    <a:schemeClr val="lt1"/>
+                  </a:solidFill>
+                  <a:latin typeface="Calibri"/>
+                  <a:ea typeface="Calibri"/>
+                  <a:cs typeface="Calibri"/>
+                  <a:sym typeface="Calibri"/>
+                </a:endParaRPr>
+              </a:p>
+            </p:txBody>
+          </p:sp>
+          <p:sp>
+            <p:nvSpPr>
+              <p:cNvPr id="18" name="Google Shape;139;p2"/>
+              <p:cNvSpPr/>
+              <p:nvPr/>
+            </p:nvSpPr>
+            <p:spPr>
+              <a:xfrm rot="-5820000">
+                <a:off x="3507008" y="2998437"/>
+                <a:ext cx="712935" cy="603643"/>
+              </a:xfrm>
+              <a:prstGeom prst="chord">
+                <a:avLst>
+                  <a:gd name="adj1" fmla="val 2700000"/>
+                  <a:gd name="adj2" fmla="val 9134488"/>
+                </a:avLst>
+              </a:prstGeom>
+              <a:solidFill>
+                <a:srgbClr val="FF9F36"/>
+              </a:solidFill>
+              <a:ln>
+                <a:noFill/>
+              </a:ln>
+            </p:spPr>
+            <p:txBody>
+              <a:bodyPr spcFirstLastPara="1" wrap="square" lIns="91425" tIns="45700" rIns="91425" bIns="45700" anchor="ctr" anchorCtr="0">
+                <a:noAutofit/>
+              </a:bodyPr>
+              <a:lstStyle/>
+              <a:p>
+                <a:pPr marL="0" marR="0" lvl="0" indent="0" algn="ctr" rtl="0">
+                  <a:spcBef>
+                    <a:spcPts val="0"/>
+                  </a:spcBef>
+                  <a:spcAft>
+                    <a:spcPts val="0"/>
+                  </a:spcAft>
+                  <a:buNone/>
+                </a:pPr>
+                <a:endParaRPr sz="1800">
+                  <a:solidFill>
+                    <a:schemeClr val="lt1"/>
+                  </a:solidFill>
+                  <a:latin typeface="Calibri"/>
+                  <a:ea typeface="Calibri"/>
+                  <a:cs typeface="Calibri"/>
+                  <a:sym typeface="Calibri"/>
+                </a:endParaRPr>
+              </a:p>
+            </p:txBody>
+          </p:sp>
+        </p:grpSp>
+      </p:grpSp>
+      <p:sp>
+        <p:nvSpPr>
+          <p:cNvPr id="13" name="Google Shape;140;p2"/>
+          <p:cNvSpPr/>
+          <p:nvPr/>
+        </p:nvSpPr>
+        <p:spPr>
+          <a:xfrm rot="7673720">
+            <a:off x="2843118" y="1596036"/>
+            <a:ext cx="602717" cy="78889"/>
+          </a:xfrm>
+          <a:prstGeom prst="flowChartTerminator">
+            <a:avLst/>
+          </a:prstGeom>
+          <a:gradFill>
+            <a:gsLst>
+              <a:gs pos="0">
+                <a:srgbClr val="FCC44F"/>
+              </a:gs>
+              <a:gs pos="50000">
+                <a:srgbClr val="FCC44F"/>
+              </a:gs>
+              <a:gs pos="100000">
+                <a:srgbClr val="FF9F36"/>
+              </a:gs>
+            </a:gsLst>
+            <a:lin ang="5400000" scaled="0"/>
+          </a:gradFill>
+          <a:ln>
+            <a:noFill/>
+          </a:ln>
+        </p:spPr>
+        <p:txBody>
+          <a:bodyPr spcFirstLastPara="1" wrap="square" lIns="91425" tIns="45700" rIns="91425" bIns="45700" anchor="ctr" anchorCtr="0">
+            <a:noAutofit/>
+          </a:bodyPr>
+          <a:lstStyle/>
+          <a:p>
+            <a:pPr marL="0" marR="0" lvl="0" indent="0" algn="ctr" rtl="0">
+              <a:spcBef>
+                <a:spcPts val="0"/>
+              </a:spcBef>
+              <a:spcAft>
+                <a:spcPts val="0"/>
+              </a:spcAft>
+              <a:buNone/>
+            </a:pPr>
+            <a:endParaRPr sz="1800">
+              <a:solidFill>
+                <a:schemeClr val="lt1"/>
+              </a:solidFill>
+              <a:latin typeface="Calibri"/>
+              <a:ea typeface="Calibri"/>
+              <a:cs typeface="Calibri"/>
+              <a:sym typeface="Calibri"/>
+            </a:endParaRPr>
+          </a:p>
+        </p:txBody>
+      </p:sp>
       <p:sp>
         <p:nvSpPr>
           <p:cNvPr id="8" name="Google Shape;141;p2"/>
@@ -15237,6 +22840,13 @@
   <p:clrMapOvr>
     <a:masterClrMapping/>
   </p:clrMapOvr>
+  <p:timing>
+    <p:tnLst>
+      <p:par>
+        <p:cTn id="1" dur="indefinite" restart="never" nodeType="tmRoot"/>
+      </p:par>
+    </p:tnLst>
+  </p:timing>
 </p:sld>
 </file>
 
@@ -15375,6 +22985,13 @@
   <p:clrMapOvr>
     <a:masterClrMapping/>
   </p:clrMapOvr>
+  <p:timing>
+    <p:tnLst>
+      <p:par>
+        <p:cTn id="1" dur="indefinite" restart="never" nodeType="tmRoot"/>
+      </p:par>
+    </p:tnLst>
+  </p:timing>
 </p:sld>
 </file>
 
@@ -15808,6 +23425,13 @@
   <p:clrMapOvr>
     <a:masterClrMapping/>
   </p:clrMapOvr>
+  <p:timing>
+    <p:tnLst>
+      <p:par>
+        <p:cTn id="1" dur="indefinite" restart="never" nodeType="tmRoot"/>
+      </p:par>
+    </p:tnLst>
+  </p:timing>
 </p:sld>
 </file>
 

--- a/design.pptx
+++ b/design.pptx
@@ -118,7 +118,7 @@
   </p:defaultTextStyle>
   <p:extLst>
     <p:ext uri="{EFAFB233-063F-42B5-8137-9DF3F51BA10A}">
-      <p15:sldGuideLst xmlns:p15="http://schemas.microsoft.com/office/powerpoint/2012/main" xmlns="">
+      <p15:sldGuideLst xmlns="" xmlns:p15="http://schemas.microsoft.com/office/powerpoint/2012/main">
         <p15:guide id="1" orient="horz" pos="2160">
           <p15:clr>
             <a:srgbClr val="A4A3A4"/>
@@ -11622,6 +11622,749 @@
           </p:sp>
         </p:grpSp>
       </p:grpSp>
+      <p:grpSp>
+        <p:nvGrpSpPr>
+          <p:cNvPr id="120" name="Grupo 119"/>
+          <p:cNvGrpSpPr/>
+          <p:nvPr/>
+        </p:nvGrpSpPr>
+        <p:grpSpPr>
+          <a:xfrm>
+            <a:off x="7769839" y="-153088"/>
+            <a:ext cx="3357968" cy="2482073"/>
+            <a:chOff x="3058720" y="1055733"/>
+            <a:chExt cx="5046518" cy="3730180"/>
+          </a:xfrm>
+        </p:grpSpPr>
+        <p:sp>
+          <p:nvSpPr>
+            <p:cNvPr id="121" name="Retângulo de cantos arredondados 120"/>
+            <p:cNvSpPr/>
+            <p:nvPr/>
+          </p:nvSpPr>
+          <p:spPr>
+            <a:xfrm>
+              <a:off x="3716889" y="1055733"/>
+              <a:ext cx="3730180" cy="3730180"/>
+            </a:xfrm>
+            <a:prstGeom prst="roundRect">
+              <a:avLst/>
+            </a:prstGeom>
+            <a:solidFill>
+              <a:srgbClr val="C1E3C2"/>
+            </a:solidFill>
+            <a:ln>
+              <a:noFill/>
+            </a:ln>
+          </p:spPr>
+          <p:style>
+            <a:lnRef idx="2">
+              <a:schemeClr val="accent1">
+                <a:shade val="50000"/>
+              </a:schemeClr>
+            </a:lnRef>
+            <a:fillRef idx="1">
+              <a:schemeClr val="accent1"/>
+            </a:fillRef>
+            <a:effectRef idx="0">
+              <a:schemeClr val="accent1"/>
+            </a:effectRef>
+            <a:fontRef idx="minor">
+              <a:schemeClr val="lt1"/>
+            </a:fontRef>
+          </p:style>
+          <p:txBody>
+            <a:bodyPr rtlCol="0" anchor="ctr"/>
+            <a:lstStyle/>
+            <a:p>
+              <a:pPr algn="ctr"/>
+              <a:endParaRPr lang="pt-BR"/>
+            </a:p>
+          </p:txBody>
+        </p:sp>
+        <p:grpSp>
+          <p:nvGrpSpPr>
+            <p:cNvPr id="122" name="Grupo 121"/>
+            <p:cNvGrpSpPr/>
+            <p:nvPr/>
+          </p:nvGrpSpPr>
+          <p:grpSpPr>
+            <a:xfrm rot="1800000">
+              <a:off x="3058720" y="1055733"/>
+              <a:ext cx="5046518" cy="3492637"/>
+              <a:chOff x="452634" y="347116"/>
+              <a:chExt cx="5046518" cy="3492637"/>
+            </a:xfrm>
+          </p:grpSpPr>
+          <p:sp>
+            <p:nvSpPr>
+              <p:cNvPr id="123" name="Google Shape;117;p2"/>
+              <p:cNvSpPr/>
+              <p:nvPr/>
+            </p:nvSpPr>
+            <p:spPr>
+              <a:xfrm rot="5014128">
+                <a:off x="2317134" y="540108"/>
+                <a:ext cx="3249656" cy="3114380"/>
+              </a:xfrm>
+              <a:prstGeom prst="chord">
+                <a:avLst>
+                  <a:gd name="adj1" fmla="val 2700000"/>
+                  <a:gd name="adj2" fmla="val 9134488"/>
+                </a:avLst>
+              </a:prstGeom>
+              <a:solidFill>
+                <a:srgbClr val="79CD4B"/>
+              </a:solidFill>
+              <a:ln>
+                <a:noFill/>
+              </a:ln>
+            </p:spPr>
+            <p:txBody>
+              <a:bodyPr spcFirstLastPara="1" wrap="square" lIns="91425" tIns="45700" rIns="91425" bIns="45700" anchor="ctr" anchorCtr="0">
+                <a:noAutofit/>
+              </a:bodyPr>
+              <a:lstStyle/>
+              <a:p>
+                <a:pPr marL="0" marR="0" lvl="0" indent="0" algn="ctr" rtl="0">
+                  <a:spcBef>
+                    <a:spcPts val="0"/>
+                  </a:spcBef>
+                  <a:spcAft>
+                    <a:spcPts val="0"/>
+                  </a:spcAft>
+                  <a:buNone/>
+                </a:pPr>
+                <a:endParaRPr sz="1800">
+                  <a:solidFill>
+                    <a:schemeClr val="lt1"/>
+                  </a:solidFill>
+                  <a:latin typeface="Calibri"/>
+                  <a:ea typeface="Calibri"/>
+                  <a:cs typeface="Calibri"/>
+                  <a:sym typeface="Calibri"/>
+                </a:endParaRPr>
+              </a:p>
+            </p:txBody>
+          </p:sp>
+          <p:sp>
+            <p:nvSpPr>
+              <p:cNvPr id="124" name="Google Shape;117;p2"/>
+              <p:cNvSpPr/>
+              <p:nvPr/>
+            </p:nvSpPr>
+            <p:spPr>
+              <a:xfrm rot="5014128" flipH="1" flipV="1">
+                <a:off x="328729" y="471021"/>
+                <a:ext cx="3362189" cy="3114380"/>
+              </a:xfrm>
+              <a:prstGeom prst="chord">
+                <a:avLst>
+                  <a:gd name="adj1" fmla="val 2700000"/>
+                  <a:gd name="adj2" fmla="val 9134488"/>
+                </a:avLst>
+              </a:prstGeom>
+              <a:solidFill>
+                <a:srgbClr val="79CD4B"/>
+              </a:solidFill>
+              <a:ln>
+                <a:noFill/>
+              </a:ln>
+            </p:spPr>
+            <p:txBody>
+              <a:bodyPr spcFirstLastPara="1" wrap="square" lIns="91425" tIns="45700" rIns="91425" bIns="45700" anchor="ctr" anchorCtr="0">
+                <a:noAutofit/>
+              </a:bodyPr>
+              <a:lstStyle/>
+              <a:p>
+                <a:pPr marL="0" marR="0" lvl="0" indent="0" algn="ctr" rtl="0">
+                  <a:spcBef>
+                    <a:spcPts val="0"/>
+                  </a:spcBef>
+                  <a:spcAft>
+                    <a:spcPts val="0"/>
+                  </a:spcAft>
+                  <a:buNone/>
+                </a:pPr>
+                <a:endParaRPr sz="1800">
+                  <a:solidFill>
+                    <a:schemeClr val="lt1"/>
+                  </a:solidFill>
+                  <a:latin typeface="Calibri"/>
+                  <a:ea typeface="Calibri"/>
+                  <a:cs typeface="Calibri"/>
+                  <a:sym typeface="Calibri"/>
+                </a:endParaRPr>
+              </a:p>
+            </p:txBody>
+          </p:sp>
+          <p:sp>
+            <p:nvSpPr>
+              <p:cNvPr id="125" name="Retângulo de cantos arredondados 124"/>
+              <p:cNvSpPr/>
+              <p:nvPr/>
+            </p:nvSpPr>
+            <p:spPr>
+              <a:xfrm>
+                <a:off x="2930792" y="2001893"/>
+                <a:ext cx="108012" cy="1837860"/>
+              </a:xfrm>
+              <a:prstGeom prst="roundRect">
+                <a:avLst>
+                  <a:gd name="adj" fmla="val 11111"/>
+                </a:avLst>
+              </a:prstGeom>
+              <a:solidFill>
+                <a:srgbClr val="ADE090"/>
+              </a:solidFill>
+              <a:ln>
+                <a:noFill/>
+              </a:ln>
+            </p:spPr>
+            <p:style>
+              <a:lnRef idx="2">
+                <a:schemeClr val="accent1">
+                  <a:shade val="50000"/>
+                </a:schemeClr>
+              </a:lnRef>
+              <a:fillRef idx="1">
+                <a:schemeClr val="accent1"/>
+              </a:fillRef>
+              <a:effectRef idx="0">
+                <a:schemeClr val="accent1"/>
+              </a:effectRef>
+              <a:fontRef idx="minor">
+                <a:schemeClr val="lt1"/>
+              </a:fontRef>
+            </p:style>
+            <p:txBody>
+              <a:bodyPr rtlCol="0" anchor="ctr"/>
+              <a:lstStyle/>
+              <a:p>
+                <a:pPr algn="ctr"/>
+                <a:endParaRPr lang="pt-BR"/>
+              </a:p>
+            </p:txBody>
+          </p:sp>
+        </p:grpSp>
+      </p:grpSp>
+      <p:grpSp>
+        <p:nvGrpSpPr>
+          <p:cNvPr id="126" name="Grupo 125"/>
+          <p:cNvGrpSpPr/>
+          <p:nvPr/>
+        </p:nvGrpSpPr>
+        <p:grpSpPr>
+          <a:xfrm>
+            <a:off x="8358292" y="2651609"/>
+            <a:ext cx="2314480" cy="2314480"/>
+            <a:chOff x="4184487" y="2306283"/>
+            <a:chExt cx="3287217" cy="3287217"/>
+          </a:xfrm>
+        </p:grpSpPr>
+        <p:sp>
+          <p:nvSpPr>
+            <p:cNvPr id="127" name="Retângulo de cantos arredondados 126"/>
+            <p:cNvSpPr/>
+            <p:nvPr/>
+          </p:nvSpPr>
+          <p:spPr>
+            <a:xfrm>
+              <a:off x="4184487" y="2306283"/>
+              <a:ext cx="3287216" cy="3287216"/>
+            </a:xfrm>
+            <a:prstGeom prst="roundRect">
+              <a:avLst/>
+            </a:prstGeom>
+            <a:solidFill>
+              <a:srgbClr val="79CD4B"/>
+            </a:solidFill>
+            <a:ln>
+              <a:noFill/>
+            </a:ln>
+          </p:spPr>
+          <p:style>
+            <a:lnRef idx="2">
+              <a:schemeClr val="accent1">
+                <a:shade val="50000"/>
+              </a:schemeClr>
+            </a:lnRef>
+            <a:fillRef idx="1">
+              <a:schemeClr val="accent1"/>
+            </a:fillRef>
+            <a:effectRef idx="0">
+              <a:schemeClr val="accent1"/>
+            </a:effectRef>
+            <a:fontRef idx="minor">
+              <a:schemeClr val="lt1"/>
+            </a:fontRef>
+          </p:style>
+          <p:txBody>
+            <a:bodyPr rtlCol="0" anchor="ctr"/>
+            <a:lstStyle/>
+            <a:p>
+              <a:pPr algn="ctr"/>
+              <a:endParaRPr lang="pt-BR"/>
+            </a:p>
+          </p:txBody>
+        </p:sp>
+        <p:sp>
+          <p:nvSpPr>
+            <p:cNvPr id="128" name="Forma livre 127"/>
+            <p:cNvSpPr/>
+            <p:nvPr/>
+          </p:nvSpPr>
+          <p:spPr>
+            <a:xfrm>
+              <a:off x="4457701" y="3787141"/>
+              <a:ext cx="3014003" cy="1806359"/>
+            </a:xfrm>
+            <a:custGeom>
+              <a:avLst/>
+              <a:gdLst/>
+              <a:ahLst/>
+              <a:cxnLst/>
+              <a:rect l="l" t="t" r="r" b="b"/>
+              <a:pathLst>
+                <a:path w="3014003" h="1806359">
+                  <a:moveTo>
+                    <a:pt x="1287780" y="0"/>
+                  </a:moveTo>
+                  <a:lnTo>
+                    <a:pt x="1485900" y="0"/>
+                  </a:lnTo>
+                  <a:lnTo>
+                    <a:pt x="1478280" y="152400"/>
+                  </a:lnTo>
+                  <a:lnTo>
+                    <a:pt x="1493520" y="152400"/>
+                  </a:lnTo>
+                  <a:lnTo>
+                    <a:pt x="2773680" y="160020"/>
+                  </a:lnTo>
+                  <a:lnTo>
+                    <a:pt x="3014003" y="463684"/>
+                  </a:lnTo>
+                  <a:lnTo>
+                    <a:pt x="3014003" y="1258479"/>
+                  </a:lnTo>
+                  <a:cubicBezTo>
+                    <a:pt x="3014003" y="1561065"/>
+                    <a:pt x="2768709" y="1806359"/>
+                    <a:pt x="2466123" y="1806359"/>
+                  </a:cubicBezTo>
+                  <a:lnTo>
+                    <a:pt x="1706571" y="1806359"/>
+                  </a:lnTo>
+                  <a:lnTo>
+                    <a:pt x="0" y="160020"/>
+                  </a:lnTo>
+                  <a:lnTo>
+                    <a:pt x="1165860" y="152400"/>
+                  </a:lnTo>
+                  <a:lnTo>
+                    <a:pt x="1272540" y="144780"/>
+                  </a:lnTo>
+                  <a:lnTo>
+                    <a:pt x="1264920" y="7620"/>
+                  </a:lnTo>
+                  <a:close/>
+                </a:path>
+              </a:pathLst>
+            </a:custGeom>
+            <a:solidFill>
+              <a:srgbClr val="000000">
+                <a:alpha val="10196"/>
+              </a:srgbClr>
+            </a:solidFill>
+            <a:ln>
+              <a:noFill/>
+            </a:ln>
+          </p:spPr>
+          <p:style>
+            <a:lnRef idx="2">
+              <a:schemeClr val="accent1">
+                <a:shade val="50000"/>
+              </a:schemeClr>
+            </a:lnRef>
+            <a:fillRef idx="1">
+              <a:schemeClr val="accent1"/>
+            </a:fillRef>
+            <a:effectRef idx="0">
+              <a:schemeClr val="accent1"/>
+            </a:effectRef>
+            <a:fontRef idx="minor">
+              <a:schemeClr val="lt1"/>
+            </a:fontRef>
+          </p:style>
+          <p:txBody>
+            <a:bodyPr rtlCol="0" anchor="ctr"/>
+            <a:lstStyle/>
+            <a:p>
+              <a:pPr algn="ctr"/>
+              <a:endParaRPr lang="pt-BR"/>
+            </a:p>
+          </p:txBody>
+        </p:sp>
+        <p:grpSp>
+          <p:nvGrpSpPr>
+            <p:cNvPr id="129" name="Grupo 128"/>
+            <p:cNvGrpSpPr/>
+            <p:nvPr/>
+          </p:nvGrpSpPr>
+          <p:grpSpPr>
+            <a:xfrm>
+              <a:off x="4449091" y="3492691"/>
+              <a:ext cx="2758008" cy="914400"/>
+              <a:chOff x="4190256" y="1412776"/>
+              <a:chExt cx="2758008" cy="914400"/>
+            </a:xfrm>
+          </p:grpSpPr>
+          <p:sp>
+            <p:nvSpPr>
+              <p:cNvPr id="130" name="Elipse 129"/>
+              <p:cNvSpPr/>
+              <p:nvPr/>
+            </p:nvSpPr>
+            <p:spPr>
+              <a:xfrm>
+                <a:off x="4427984" y="1412776"/>
+                <a:ext cx="914400" cy="914400"/>
+              </a:xfrm>
+              <a:prstGeom prst="ellipse">
+                <a:avLst/>
+              </a:prstGeom>
+              <a:solidFill>
+                <a:srgbClr val="E0E088"/>
+              </a:solidFill>
+              <a:ln w="57150">
+                <a:solidFill>
+                  <a:srgbClr val="002060"/>
+                </a:solidFill>
+              </a:ln>
+            </p:spPr>
+            <p:style>
+              <a:lnRef idx="2">
+                <a:schemeClr val="accent1">
+                  <a:shade val="50000"/>
+                </a:schemeClr>
+              </a:lnRef>
+              <a:fillRef idx="1">
+                <a:schemeClr val="accent1"/>
+              </a:fillRef>
+              <a:effectRef idx="0">
+                <a:schemeClr val="accent1"/>
+              </a:effectRef>
+              <a:fontRef idx="minor">
+                <a:schemeClr val="lt1"/>
+              </a:fontRef>
+            </p:style>
+            <p:txBody>
+              <a:bodyPr rtlCol="0" anchor="ctr"/>
+              <a:lstStyle/>
+              <a:p>
+                <a:pPr algn="ctr"/>
+                <a:endParaRPr lang="pt-BR"/>
+              </a:p>
+            </p:txBody>
+          </p:sp>
+          <p:sp>
+            <p:nvSpPr>
+              <p:cNvPr id="131" name="Elipse 130"/>
+              <p:cNvSpPr/>
+              <p:nvPr/>
+            </p:nvSpPr>
+            <p:spPr>
+              <a:xfrm>
+                <a:off x="5796136" y="1412776"/>
+                <a:ext cx="914400" cy="914400"/>
+              </a:xfrm>
+              <a:prstGeom prst="ellipse">
+                <a:avLst/>
+              </a:prstGeom>
+              <a:solidFill>
+                <a:srgbClr val="E0E088"/>
+              </a:solidFill>
+              <a:ln w="57150">
+                <a:solidFill>
+                  <a:srgbClr val="002060"/>
+                </a:solidFill>
+              </a:ln>
+            </p:spPr>
+            <p:style>
+              <a:lnRef idx="2">
+                <a:schemeClr val="accent1">
+                  <a:shade val="50000"/>
+                </a:schemeClr>
+              </a:lnRef>
+              <a:fillRef idx="1">
+                <a:schemeClr val="accent1"/>
+              </a:fillRef>
+              <a:effectRef idx="0">
+                <a:schemeClr val="accent1"/>
+              </a:effectRef>
+              <a:fontRef idx="minor">
+                <a:schemeClr val="lt1"/>
+              </a:fontRef>
+            </p:style>
+            <p:txBody>
+              <a:bodyPr rtlCol="0" anchor="ctr"/>
+              <a:lstStyle/>
+              <a:p>
+                <a:pPr algn="ctr"/>
+                <a:endParaRPr lang="pt-BR"/>
+              </a:p>
+            </p:txBody>
+          </p:sp>
+          <p:cxnSp>
+            <p:nvCxnSpPr>
+              <p:cNvPr id="132" name="Conector reto 131"/>
+              <p:cNvCxnSpPr>
+                <a:stCxn id="131" idx="6"/>
+              </p:cNvCxnSpPr>
+              <p:nvPr/>
+            </p:nvCxnSpPr>
+            <p:spPr>
+              <a:xfrm>
+                <a:off x="6710536" y="1869976"/>
+                <a:ext cx="237728" cy="0"/>
+              </a:xfrm>
+              <a:prstGeom prst="line">
+                <a:avLst/>
+              </a:prstGeom>
+              <a:ln w="38100">
+                <a:solidFill>
+                  <a:srgbClr val="002060"/>
+                </a:solidFill>
+              </a:ln>
+            </p:spPr>
+            <p:style>
+              <a:lnRef idx="1">
+                <a:schemeClr val="accent1"/>
+              </a:lnRef>
+              <a:fillRef idx="0">
+                <a:schemeClr val="accent1"/>
+              </a:fillRef>
+              <a:effectRef idx="0">
+                <a:schemeClr val="accent1"/>
+              </a:effectRef>
+              <a:fontRef idx="minor">
+                <a:schemeClr val="tx1"/>
+              </a:fontRef>
+            </p:style>
+          </p:cxnSp>
+          <p:cxnSp>
+            <p:nvCxnSpPr>
+              <p:cNvPr id="133" name="Conector reto 132"/>
+              <p:cNvCxnSpPr/>
+              <p:nvPr/>
+            </p:nvCxnSpPr>
+            <p:spPr>
+              <a:xfrm>
+                <a:off x="4190256" y="1869976"/>
+                <a:ext cx="237728" cy="0"/>
+              </a:xfrm>
+              <a:prstGeom prst="line">
+                <a:avLst/>
+              </a:prstGeom>
+              <a:ln w="38100">
+                <a:solidFill>
+                  <a:srgbClr val="002060"/>
+                </a:solidFill>
+              </a:ln>
+            </p:spPr>
+            <p:style>
+              <a:lnRef idx="1">
+                <a:schemeClr val="accent1"/>
+              </a:lnRef>
+              <a:fillRef idx="0">
+                <a:schemeClr val="accent1"/>
+              </a:fillRef>
+              <a:effectRef idx="0">
+                <a:schemeClr val="accent1"/>
+              </a:effectRef>
+              <a:fontRef idx="minor">
+                <a:schemeClr val="tx1"/>
+              </a:fontRef>
+            </p:style>
+          </p:cxnSp>
+          <p:cxnSp>
+            <p:nvCxnSpPr>
+              <p:cNvPr id="134" name="Conector reto 133"/>
+              <p:cNvCxnSpPr/>
+              <p:nvPr/>
+            </p:nvCxnSpPr>
+            <p:spPr>
+              <a:xfrm>
+                <a:off x="5342384" y="1857078"/>
+                <a:ext cx="118864" cy="0"/>
+              </a:xfrm>
+              <a:prstGeom prst="line">
+                <a:avLst/>
+              </a:prstGeom>
+              <a:ln w="38100">
+                <a:solidFill>
+                  <a:srgbClr val="002060"/>
+                </a:solidFill>
+              </a:ln>
+            </p:spPr>
+            <p:style>
+              <a:lnRef idx="1">
+                <a:schemeClr val="accent1"/>
+              </a:lnRef>
+              <a:fillRef idx="0">
+                <a:schemeClr val="accent1"/>
+              </a:fillRef>
+              <a:effectRef idx="0">
+                <a:schemeClr val="accent1"/>
+              </a:effectRef>
+              <a:fontRef idx="minor">
+                <a:schemeClr val="tx1"/>
+              </a:fontRef>
+            </p:style>
+          </p:cxnSp>
+          <p:cxnSp>
+            <p:nvCxnSpPr>
+              <p:cNvPr id="135" name="Conector reto 134"/>
+              <p:cNvCxnSpPr/>
+              <p:nvPr/>
+            </p:nvCxnSpPr>
+            <p:spPr>
+              <a:xfrm>
+                <a:off x="5677272" y="1857078"/>
+                <a:ext cx="118864" cy="0"/>
+              </a:xfrm>
+              <a:prstGeom prst="line">
+                <a:avLst/>
+              </a:prstGeom>
+              <a:ln w="38100">
+                <a:solidFill>
+                  <a:srgbClr val="002060"/>
+                </a:solidFill>
+              </a:ln>
+            </p:spPr>
+            <p:style>
+              <a:lnRef idx="1">
+                <a:schemeClr val="accent1"/>
+              </a:lnRef>
+              <a:fillRef idx="0">
+                <a:schemeClr val="accent1"/>
+              </a:fillRef>
+              <a:effectRef idx="0">
+                <a:schemeClr val="accent1"/>
+              </a:effectRef>
+              <a:fontRef idx="minor">
+                <a:schemeClr val="tx1"/>
+              </a:fontRef>
+            </p:style>
+          </p:cxnSp>
+          <p:cxnSp>
+            <p:nvCxnSpPr>
+              <p:cNvPr id="136" name="Conector reto 135"/>
+              <p:cNvCxnSpPr/>
+              <p:nvPr/>
+            </p:nvCxnSpPr>
+            <p:spPr>
+              <a:xfrm flipV="1">
+                <a:off x="5677272" y="1700808"/>
+                <a:ext cx="0" cy="156270"/>
+              </a:xfrm>
+              <a:prstGeom prst="line">
+                <a:avLst/>
+              </a:prstGeom>
+              <a:ln w="28575">
+                <a:solidFill>
+                  <a:srgbClr val="002060"/>
+                </a:solidFill>
+              </a:ln>
+            </p:spPr>
+            <p:style>
+              <a:lnRef idx="1">
+                <a:schemeClr val="accent1"/>
+              </a:lnRef>
+              <a:fillRef idx="0">
+                <a:schemeClr val="accent1"/>
+              </a:fillRef>
+              <a:effectRef idx="0">
+                <a:schemeClr val="accent1"/>
+              </a:effectRef>
+              <a:fontRef idx="minor">
+                <a:schemeClr val="tx1"/>
+              </a:fontRef>
+            </p:style>
+          </p:cxnSp>
+          <p:cxnSp>
+            <p:nvCxnSpPr>
+              <p:cNvPr id="137" name="Conector reto 136"/>
+              <p:cNvCxnSpPr/>
+              <p:nvPr/>
+            </p:nvCxnSpPr>
+            <p:spPr>
+              <a:xfrm flipV="1">
+                <a:off x="5461248" y="1708101"/>
+                <a:ext cx="0" cy="156270"/>
+              </a:xfrm>
+              <a:prstGeom prst="line">
+                <a:avLst/>
+              </a:prstGeom>
+              <a:ln w="28575">
+                <a:solidFill>
+                  <a:srgbClr val="002060"/>
+                </a:solidFill>
+              </a:ln>
+            </p:spPr>
+            <p:style>
+              <a:lnRef idx="1">
+                <a:schemeClr val="accent1"/>
+              </a:lnRef>
+              <a:fillRef idx="0">
+                <a:schemeClr val="accent1"/>
+              </a:fillRef>
+              <a:effectRef idx="0">
+                <a:schemeClr val="accent1"/>
+              </a:effectRef>
+              <a:fontRef idx="minor">
+                <a:schemeClr val="tx1"/>
+              </a:fontRef>
+            </p:style>
+          </p:cxnSp>
+          <p:cxnSp>
+            <p:nvCxnSpPr>
+              <p:cNvPr id="138" name="Conector reto 137"/>
+              <p:cNvCxnSpPr/>
+              <p:nvPr/>
+            </p:nvCxnSpPr>
+            <p:spPr>
+              <a:xfrm>
+                <a:off x="5461248" y="1708101"/>
+                <a:ext cx="216024" cy="0"/>
+              </a:xfrm>
+              <a:prstGeom prst="line">
+                <a:avLst/>
+              </a:prstGeom>
+              <a:ln w="28575">
+                <a:solidFill>
+                  <a:srgbClr val="002060"/>
+                </a:solidFill>
+              </a:ln>
+            </p:spPr>
+            <p:style>
+              <a:lnRef idx="1">
+                <a:schemeClr val="accent1"/>
+              </a:lnRef>
+              <a:fillRef idx="0">
+                <a:schemeClr val="accent1"/>
+              </a:fillRef>
+              <a:effectRef idx="0">
+                <a:schemeClr val="accent1"/>
+              </a:effectRef>
+              <a:fontRef idx="minor">
+                <a:schemeClr val="tx1"/>
+              </a:fontRef>
+            </p:style>
+          </p:cxnSp>
+        </p:grpSp>
+      </p:grpSp>
     </p:spTree>
     <p:extLst>
       <p:ext uri="{BB962C8B-B14F-4D97-AF65-F5344CB8AC3E}">
@@ -15606,130 +16349,6 @@
           <a:chExt cx="0" cy="0"/>
         </a:xfrm>
       </p:grpSpPr>
-      <p:sp>
-        <p:nvSpPr>
-          <p:cNvPr id="214" name="Google Shape;117;p2"/>
-          <p:cNvSpPr/>
-          <p:nvPr/>
-        </p:nvSpPr>
-        <p:spPr>
-          <a:xfrm rot="7297920">
-            <a:off x="3588355" y="1040528"/>
-            <a:ext cx="1214375" cy="905715"/>
-          </a:xfrm>
-          <a:prstGeom prst="chord">
-            <a:avLst>
-              <a:gd name="adj1" fmla="val 2700000"/>
-              <a:gd name="adj2" fmla="val 9134488"/>
-            </a:avLst>
-          </a:prstGeom>
-          <a:gradFill>
-            <a:gsLst>
-              <a:gs pos="0">
-                <a:srgbClr val="FCC44F"/>
-              </a:gs>
-              <a:gs pos="50000">
-                <a:srgbClr val="FCC44F"/>
-              </a:gs>
-              <a:gs pos="100000">
-                <a:srgbClr val="FF9F36"/>
-              </a:gs>
-            </a:gsLst>
-            <a:lin ang="8400000" scaled="0"/>
-          </a:gradFill>
-          <a:ln>
-            <a:noFill/>
-          </a:ln>
-        </p:spPr>
-        <p:txBody>
-          <a:bodyPr spcFirstLastPara="1" wrap="square" lIns="91425" tIns="45700" rIns="91425" bIns="45700" anchor="ctr" anchorCtr="0">
-            <a:noAutofit/>
-          </a:bodyPr>
-          <a:lstStyle/>
-          <a:p>
-            <a:pPr marL="0" marR="0" lvl="0" indent="0" algn="ctr" rtl="0">
-              <a:spcBef>
-                <a:spcPts val="0"/>
-              </a:spcBef>
-              <a:spcAft>
-                <a:spcPts val="0"/>
-              </a:spcAft>
-              <a:buNone/>
-            </a:pPr>
-            <a:endParaRPr sz="1800">
-              <a:solidFill>
-                <a:schemeClr val="lt1"/>
-              </a:solidFill>
-              <a:latin typeface="Calibri"/>
-              <a:ea typeface="Calibri"/>
-              <a:cs typeface="Calibri"/>
-              <a:sym typeface="Calibri"/>
-            </a:endParaRPr>
-          </a:p>
-        </p:txBody>
-      </p:sp>
-      <p:sp>
-        <p:nvSpPr>
-          <p:cNvPr id="215" name="Google Shape;118;p2"/>
-          <p:cNvSpPr/>
-          <p:nvPr/>
-        </p:nvSpPr>
-        <p:spPr>
-          <a:xfrm rot="18133036">
-            <a:off x="3159487" y="634931"/>
-            <a:ext cx="1214375" cy="905715"/>
-          </a:xfrm>
-          <a:prstGeom prst="chord">
-            <a:avLst>
-              <a:gd name="adj1" fmla="val 2700000"/>
-              <a:gd name="adj2" fmla="val 9134488"/>
-            </a:avLst>
-          </a:prstGeom>
-          <a:gradFill>
-            <a:gsLst>
-              <a:gs pos="0">
-                <a:srgbClr val="FCC44F"/>
-              </a:gs>
-              <a:gs pos="50000">
-                <a:srgbClr val="FCC44F"/>
-              </a:gs>
-              <a:gs pos="100000">
-                <a:srgbClr val="FF9F36"/>
-              </a:gs>
-            </a:gsLst>
-            <a:lin ang="8400000" scaled="0"/>
-          </a:gradFill>
-          <a:ln>
-            <a:noFill/>
-          </a:ln>
-        </p:spPr>
-        <p:txBody>
-          <a:bodyPr spcFirstLastPara="1" wrap="square" lIns="91425" tIns="45700" rIns="91425" bIns="45700" anchor="ctr" anchorCtr="0">
-            <a:noAutofit/>
-          </a:bodyPr>
-          <a:lstStyle/>
-          <a:p>
-            <a:pPr marL="0" marR="0" lvl="0" indent="0" algn="ctr" rtl="0">
-              <a:spcBef>
-                <a:spcPts val="0"/>
-              </a:spcBef>
-              <a:spcAft>
-                <a:spcPts val="0"/>
-              </a:spcAft>
-              <a:buNone/>
-            </a:pPr>
-            <a:endParaRPr sz="1800">
-              <a:solidFill>
-                <a:schemeClr val="lt1"/>
-              </a:solidFill>
-              <a:latin typeface="Calibri"/>
-              <a:ea typeface="Calibri"/>
-              <a:cs typeface="Calibri"/>
-              <a:sym typeface="Calibri"/>
-            </a:endParaRPr>
-          </a:p>
-        </p:txBody>
-      </p:sp>
     </p:spTree>
     <p:extLst>
       <p:ext uri="{BB962C8B-B14F-4D97-AF65-F5344CB8AC3E}">

--- a/design.pptx
+++ b/design.pptx
@@ -118,7 +118,7 @@
   </p:defaultTextStyle>
   <p:extLst>
     <p:ext uri="{EFAFB233-063F-42B5-8137-9DF3F51BA10A}">
-      <p15:sldGuideLst xmlns="" xmlns:p15="http://schemas.microsoft.com/office/powerpoint/2012/main">
+      <p15:sldGuideLst xmlns:p15="http://schemas.microsoft.com/office/powerpoint/2012/main">
         <p15:guide id="1" orient="horz" pos="2160">
           <p15:clr>
             <a:srgbClr val="A4A3A4"/>
@@ -5354,7 +5354,7 @@
       </p:grpSpPr>
       <p:grpSp>
         <p:nvGrpSpPr>
-          <p:cNvPr id="8" name="Grupo 7"/>
+          <p:cNvPr id="5" name="Grupo 4"/>
           <p:cNvGrpSpPr/>
           <p:nvPr/>
         </p:nvGrpSpPr>
@@ -5362,7 +5362,7 @@
           <a:xfrm>
             <a:off x="4785717" y="405408"/>
             <a:ext cx="3524250" cy="5686425"/>
-            <a:chOff x="4788024" y="554931"/>
+            <a:chOff x="4785717" y="405408"/>
             <a:chExt cx="3524250" cy="5686425"/>
           </a:xfrm>
         </p:grpSpPr>
@@ -5389,7 +5389,7 @@
           </p:blipFill>
           <p:spPr bwMode="auto">
             <a:xfrm>
-              <a:off x="4788024" y="554931"/>
+              <a:off x="4785717" y="405408"/>
               <a:ext cx="3524250" cy="5686425"/>
             </a:xfrm>
             <a:prstGeom prst="rect">
@@ -5428,7 +5428,7 @@
           </p:nvSpPr>
           <p:spPr>
             <a:xfrm>
-              <a:off x="4788024" y="563712"/>
+              <a:off x="4785717" y="414189"/>
               <a:ext cx="1872208" cy="1722685"/>
             </a:xfrm>
             <a:custGeom>
@@ -5502,16 +5502,16 @@
       </p:grpSp>
       <p:grpSp>
         <p:nvGrpSpPr>
-          <p:cNvPr id="4" name="Grupo 3"/>
+          <p:cNvPr id="2" name="Grupo 1"/>
           <p:cNvGrpSpPr/>
           <p:nvPr/>
         </p:nvGrpSpPr>
         <p:grpSpPr>
           <a:xfrm>
-            <a:off x="971600" y="425971"/>
-            <a:ext cx="3524250" cy="5690592"/>
-            <a:chOff x="755576" y="674986"/>
-            <a:chExt cx="3524250" cy="5690592"/>
+            <a:off x="971600" y="430138"/>
+            <a:ext cx="3524250" cy="5686425"/>
+            <a:chOff x="971600" y="430138"/>
+            <a:chExt cx="3524250" cy="5686425"/>
           </a:xfrm>
         </p:grpSpPr>
         <p:pic>
@@ -5537,7 +5537,7 @@
           </p:blipFill>
           <p:spPr bwMode="auto">
             <a:xfrm>
-              <a:off x="755576" y="679153"/>
+              <a:off x="971600" y="430138"/>
               <a:ext cx="3524250" cy="5686425"/>
             </a:xfrm>
             <a:prstGeom prst="rect">
@@ -5576,7 +5576,7 @@
           </p:nvSpPr>
           <p:spPr>
             <a:xfrm>
-              <a:off x="755576" y="674986"/>
+              <a:off x="971600" y="430733"/>
               <a:ext cx="1872208" cy="1722685"/>
             </a:xfrm>
             <a:custGeom>
@@ -5671,7 +5671,7 @@
         </p:blipFill>
         <p:spPr bwMode="auto">
           <a:xfrm>
-            <a:off x="1053629" y="548680"/>
+            <a:off x="1026030" y="557549"/>
             <a:ext cx="854075" cy="835025"/>
           </a:xfrm>
           <a:prstGeom prst="rect">
@@ -7248,6 +7248,56 @@
           </p:sp>
         </p:grpSp>
       </p:grpSp>
+      <p:sp>
+        <p:nvSpPr>
+          <p:cNvPr id="50" name="Elipse 49"/>
+          <p:cNvSpPr/>
+          <p:nvPr/>
+        </p:nvSpPr>
+        <p:spPr>
+          <a:xfrm>
+            <a:off x="5081649" y="695722"/>
+            <a:ext cx="794492" cy="781447"/>
+          </a:xfrm>
+          <a:prstGeom prst="ellipse">
+            <a:avLst/>
+          </a:prstGeom>
+          <a:solidFill>
+            <a:srgbClr val="D6368A"/>
+          </a:solidFill>
+          <a:ln w="57150">
+            <a:solidFill>
+              <a:schemeClr val="bg1">
+                <a:lumMod val="85000"/>
+              </a:schemeClr>
+            </a:solidFill>
+          </a:ln>
+        </p:spPr>
+        <p:style>
+          <a:lnRef idx="2">
+            <a:schemeClr val="accent1">
+              <a:shade val="50000"/>
+            </a:schemeClr>
+          </a:lnRef>
+          <a:fillRef idx="1">
+            <a:schemeClr val="accent1"/>
+          </a:fillRef>
+          <a:effectRef idx="0">
+            <a:schemeClr val="accent1"/>
+          </a:effectRef>
+          <a:fontRef idx="minor">
+            <a:schemeClr val="lt1"/>
+          </a:fontRef>
+        </p:style>
+        <p:txBody>
+          <a:bodyPr rtlCol="0" anchor="ctr"/>
+          <a:lstStyle/>
+          <a:p>
+            <a:pPr algn="ctr"/>
+            <a:endParaRPr lang="pt-BR"/>
+          </a:p>
+        </p:txBody>
+      </p:sp>
     </p:spTree>
     <p:extLst>
       <p:ext uri="{BB962C8B-B14F-4D97-AF65-F5344CB8AC3E}">
@@ -11630,8 +11680,8 @@
         </p:nvGrpSpPr>
         <p:grpSpPr>
           <a:xfrm>
-            <a:off x="7769839" y="-153088"/>
-            <a:ext cx="3357968" cy="2482073"/>
+            <a:off x="7609840" y="98479"/>
+            <a:ext cx="2918917" cy="2157545"/>
             <a:chOff x="3058720" y="1055733"/>
             <a:chExt cx="5046518" cy="3730180"/>
           </a:xfrm>
@@ -11856,8 +11906,8 @@
         </p:nvGrpSpPr>
         <p:grpSpPr>
           <a:xfrm>
-            <a:off x="8358292" y="2651609"/>
-            <a:ext cx="2314480" cy="2314480"/>
+            <a:off x="7871820" y="2681275"/>
+            <a:ext cx="2086084" cy="2086084"/>
             <a:chOff x="4184487" y="2306283"/>
             <a:chExt cx="3287217" cy="3287217"/>
           </a:xfrm>
@@ -23708,7 +23758,7 @@
         </p:blipFill>
         <p:spPr bwMode="auto">
           <a:xfrm>
-            <a:off x="4644008" y="836711"/>
+            <a:off x="4644008" y="836712"/>
             <a:ext cx="3524250" cy="5686425"/>
           </a:xfrm>
           <a:prstGeom prst="rect">

--- a/design.pptx
+++ b/design.pptx
@@ -316,7 +316,7 @@
           <a:p>
             <a:fld id="{F13F1855-5749-4CE7-8869-7B9A02C9C351}" type="datetimeFigureOut">
               <a:rPr lang="pt-BR" smtClean="0"/>
-              <a:t>11/10/2019</a:t>
+              <a:t>12/10/2019</a:t>
             </a:fld>
             <a:endParaRPr lang="pt-BR"/>
           </a:p>
@@ -486,7 +486,7 @@
           <a:p>
             <a:fld id="{F13F1855-5749-4CE7-8869-7B9A02C9C351}" type="datetimeFigureOut">
               <a:rPr lang="pt-BR" smtClean="0"/>
-              <a:t>11/10/2019</a:t>
+              <a:t>12/10/2019</a:t>
             </a:fld>
             <a:endParaRPr lang="pt-BR"/>
           </a:p>
@@ -666,7 +666,7 @@
           <a:p>
             <a:fld id="{F13F1855-5749-4CE7-8869-7B9A02C9C351}" type="datetimeFigureOut">
               <a:rPr lang="pt-BR" smtClean="0"/>
-              <a:t>11/10/2019</a:t>
+              <a:t>12/10/2019</a:t>
             </a:fld>
             <a:endParaRPr lang="pt-BR"/>
           </a:p>
@@ -836,7 +836,7 @@
           <a:p>
             <a:fld id="{F13F1855-5749-4CE7-8869-7B9A02C9C351}" type="datetimeFigureOut">
               <a:rPr lang="pt-BR" smtClean="0"/>
-              <a:t>11/10/2019</a:t>
+              <a:t>12/10/2019</a:t>
             </a:fld>
             <a:endParaRPr lang="pt-BR"/>
           </a:p>
@@ -1082,7 +1082,7 @@
           <a:p>
             <a:fld id="{F13F1855-5749-4CE7-8869-7B9A02C9C351}" type="datetimeFigureOut">
               <a:rPr lang="pt-BR" smtClean="0"/>
-              <a:t>11/10/2019</a:t>
+              <a:t>12/10/2019</a:t>
             </a:fld>
             <a:endParaRPr lang="pt-BR"/>
           </a:p>
@@ -1370,7 +1370,7 @@
           <a:p>
             <a:fld id="{F13F1855-5749-4CE7-8869-7B9A02C9C351}" type="datetimeFigureOut">
               <a:rPr lang="pt-BR" smtClean="0"/>
-              <a:t>11/10/2019</a:t>
+              <a:t>12/10/2019</a:t>
             </a:fld>
             <a:endParaRPr lang="pt-BR"/>
           </a:p>
@@ -1792,7 +1792,7 @@
           <a:p>
             <a:fld id="{F13F1855-5749-4CE7-8869-7B9A02C9C351}" type="datetimeFigureOut">
               <a:rPr lang="pt-BR" smtClean="0"/>
-              <a:t>11/10/2019</a:t>
+              <a:t>12/10/2019</a:t>
             </a:fld>
             <a:endParaRPr lang="pt-BR"/>
           </a:p>
@@ -1910,7 +1910,7 @@
           <a:p>
             <a:fld id="{F13F1855-5749-4CE7-8869-7B9A02C9C351}" type="datetimeFigureOut">
               <a:rPr lang="pt-BR" smtClean="0"/>
-              <a:t>11/10/2019</a:t>
+              <a:t>12/10/2019</a:t>
             </a:fld>
             <a:endParaRPr lang="pt-BR"/>
           </a:p>
@@ -2005,7 +2005,7 @@
           <a:p>
             <a:fld id="{F13F1855-5749-4CE7-8869-7B9A02C9C351}" type="datetimeFigureOut">
               <a:rPr lang="pt-BR" smtClean="0"/>
-              <a:t>11/10/2019</a:t>
+              <a:t>12/10/2019</a:t>
             </a:fld>
             <a:endParaRPr lang="pt-BR"/>
           </a:p>
@@ -2282,7 +2282,7 @@
           <a:p>
             <a:fld id="{F13F1855-5749-4CE7-8869-7B9A02C9C351}" type="datetimeFigureOut">
               <a:rPr lang="pt-BR" smtClean="0"/>
-              <a:t>11/10/2019</a:t>
+              <a:t>12/10/2019</a:t>
             </a:fld>
             <a:endParaRPr lang="pt-BR"/>
           </a:p>
@@ -2535,7 +2535,7 @@
           <a:p>
             <a:fld id="{F13F1855-5749-4CE7-8869-7B9A02C9C351}" type="datetimeFigureOut">
               <a:rPr lang="pt-BR" smtClean="0"/>
-              <a:t>11/10/2019</a:t>
+              <a:t>12/10/2019</a:t>
             </a:fld>
             <a:endParaRPr lang="pt-BR"/>
           </a:p>
@@ -2753,7 +2753,7 @@
           <a:p>
             <a:fld id="{F13F1855-5749-4CE7-8869-7B9A02C9C351}" type="datetimeFigureOut">
               <a:rPr lang="pt-BR" smtClean="0"/>
-              <a:t>11/10/2019</a:t>
+              <a:t>12/10/2019</a:t>
             </a:fld>
             <a:endParaRPr lang="pt-BR"/>
           </a:p>
@@ -6368,72 +6368,18 @@
       </p:sp>
       <p:grpSp>
         <p:nvGrpSpPr>
-          <p:cNvPr id="20" name="Grupo 19"/>
+          <p:cNvPr id="8" name="Grupo 7"/>
           <p:cNvGrpSpPr/>
           <p:nvPr/>
         </p:nvGrpSpPr>
         <p:grpSpPr>
           <a:xfrm>
-            <a:off x="1081621" y="5375275"/>
-            <a:ext cx="3304207" cy="652616"/>
-            <a:chOff x="1053629" y="5373215"/>
-            <a:chExt cx="3304207" cy="652616"/>
+            <a:off x="3675769" y="5375275"/>
+            <a:ext cx="710059" cy="652615"/>
+            <a:chOff x="3675769" y="5375275"/>
+            <a:chExt cx="710059" cy="652615"/>
           </a:xfrm>
         </p:grpSpPr>
-        <p:pic>
-          <p:nvPicPr>
-            <p:cNvPr id="28" name="Picture 4"/>
-            <p:cNvPicPr>
-              <a:picLocks noChangeAspect="1" noChangeArrowheads="1"/>
-            </p:cNvPicPr>
-            <p:nvPr/>
-          </p:nvPicPr>
-          <p:blipFill>
-            <a:blip r:embed="rId5" cstate="print">
-              <a:extLst>
-                <a:ext uri="{28A0092B-C50C-407E-A947-70E740481C1C}">
-                  <a14:useLocalDpi xmlns:a14="http://schemas.microsoft.com/office/drawing/2010/main" val="0"/>
-                </a:ext>
-              </a:extLst>
-            </a:blip>
-            <a:srcRect/>
-            <a:stretch>
-              <a:fillRect/>
-            </a:stretch>
-          </p:blipFill>
-          <p:spPr bwMode="auto">
-            <a:xfrm>
-              <a:off x="1053629" y="5373216"/>
-              <a:ext cx="710059" cy="652615"/>
-            </a:xfrm>
-            <a:prstGeom prst="ellipse">
-              <a:avLst/>
-            </a:prstGeom>
-            <a:noFill/>
-            <a:ln>
-              <a:noFill/>
-            </a:ln>
-            <a:extLst>
-              <a:ext uri="{909E8E84-426E-40DD-AFC4-6F175D3DCCD1}">
-                <a14:hiddenFill xmlns:a14="http://schemas.microsoft.com/office/drawing/2010/main">
-                  <a:solidFill>
-                    <a:schemeClr val="accent1"/>
-                  </a:solidFill>
-                </a14:hiddenFill>
-              </a:ext>
-              <a:ext uri="{91240B29-F687-4F45-9708-019B960494DF}">
-                <a14:hiddenLine xmlns:a14="http://schemas.microsoft.com/office/drawing/2010/main" w="9525">
-                  <a:solidFill>
-                    <a:schemeClr val="tx1"/>
-                  </a:solidFill>
-                  <a:miter lim="800000"/>
-                  <a:headEnd/>
-                  <a:tailEnd/>
-                </a14:hiddenLine>
-              </a:ext>
-            </a:extLst>
-          </p:spPr>
-        </p:pic>
         <p:pic>
           <p:nvPicPr>
             <p:cNvPr id="29" name="Picture 4"/>
@@ -6457,7 +6403,7 @@
           </p:blipFill>
           <p:spPr bwMode="auto">
             <a:xfrm>
-              <a:off x="3647777" y="5373215"/>
+              <a:off x="3675769" y="5375275"/>
               <a:ext cx="710059" cy="652615"/>
             </a:xfrm>
             <a:prstGeom prst="ellipse">
@@ -6496,7 +6442,7 @@
           </p:nvGrpSpPr>
           <p:grpSpPr>
             <a:xfrm>
-              <a:off x="3839889" y="5623072"/>
+              <a:off x="3867881" y="5625132"/>
               <a:ext cx="325833" cy="152902"/>
               <a:chOff x="5909863" y="6008511"/>
               <a:chExt cx="325833" cy="152902"/>
@@ -6647,6 +6593,75 @@
             </p:txBody>
           </p:sp>
         </p:grpSp>
+      </p:grpSp>
+      <p:grpSp>
+        <p:nvGrpSpPr>
+          <p:cNvPr id="4" name="Grupo 3"/>
+          <p:cNvGrpSpPr/>
+          <p:nvPr/>
+        </p:nvGrpSpPr>
+        <p:grpSpPr>
+          <a:xfrm>
+            <a:off x="1081621" y="5375276"/>
+            <a:ext cx="710059" cy="652615"/>
+            <a:chOff x="1081621" y="5375276"/>
+            <a:chExt cx="710059" cy="652615"/>
+          </a:xfrm>
+        </p:grpSpPr>
+        <p:pic>
+          <p:nvPicPr>
+            <p:cNvPr id="28" name="Picture 4"/>
+            <p:cNvPicPr>
+              <a:picLocks noChangeAspect="1" noChangeArrowheads="1"/>
+            </p:cNvPicPr>
+            <p:nvPr/>
+          </p:nvPicPr>
+          <p:blipFill>
+            <a:blip r:embed="rId5" cstate="print">
+              <a:extLst>
+                <a:ext uri="{28A0092B-C50C-407E-A947-70E740481C1C}">
+                  <a14:useLocalDpi xmlns:a14="http://schemas.microsoft.com/office/drawing/2010/main" val="0"/>
+                </a:ext>
+              </a:extLst>
+            </a:blip>
+            <a:srcRect/>
+            <a:stretch>
+              <a:fillRect/>
+            </a:stretch>
+          </p:blipFill>
+          <p:spPr bwMode="auto">
+            <a:xfrm>
+              <a:off x="1081621" y="5375276"/>
+              <a:ext cx="710059" cy="652615"/>
+            </a:xfrm>
+            <a:prstGeom prst="ellipse">
+              <a:avLst/>
+            </a:prstGeom>
+            <a:noFill/>
+            <a:ln>
+              <a:noFill/>
+            </a:ln>
+            <a:extLst>
+              <a:ext uri="{909E8E84-426E-40DD-AFC4-6F175D3DCCD1}">
+                <a14:hiddenFill xmlns:a14="http://schemas.microsoft.com/office/drawing/2010/main">
+                  <a:solidFill>
+                    <a:schemeClr val="accent1"/>
+                  </a:solidFill>
+                </a14:hiddenFill>
+              </a:ext>
+              <a:ext uri="{91240B29-F687-4F45-9708-019B960494DF}">
+                <a14:hiddenLine xmlns:a14="http://schemas.microsoft.com/office/drawing/2010/main" w="9525">
+                  <a:solidFill>
+                    <a:schemeClr val="tx1"/>
+                  </a:solidFill>
+                  <a:miter lim="800000"/>
+                  <a:headEnd/>
+                  <a:tailEnd/>
+                </a14:hiddenLine>
+              </a:ext>
+            </a:extLst>
+          </p:spPr>
+        </p:pic>
         <p:grpSp>
           <p:nvGrpSpPr>
             <p:cNvPr id="34" name="Grupo 33"/>
@@ -6655,7 +6670,7 @@
           </p:nvGrpSpPr>
           <p:grpSpPr>
             <a:xfrm rot="10996738">
-              <a:off x="1245741" y="5623884"/>
+              <a:off x="1273733" y="5625944"/>
               <a:ext cx="325833" cy="152902"/>
               <a:chOff x="5909863" y="6008511"/>
               <a:chExt cx="325833" cy="152902"/>
@@ -6809,72 +6824,18 @@
       </p:grpSp>
       <p:grpSp>
         <p:nvGrpSpPr>
-          <p:cNvPr id="39" name="Grupo 38"/>
+          <p:cNvPr id="17" name="Grupo 16"/>
           <p:cNvGrpSpPr/>
           <p:nvPr/>
         </p:nvGrpSpPr>
         <p:grpSpPr>
-          <a:xfrm rot="10800000">
-            <a:off x="4895738" y="5372633"/>
-            <a:ext cx="3304207" cy="652616"/>
-            <a:chOff x="1053629" y="5373215"/>
-            <a:chExt cx="3304207" cy="652616"/>
+          <a:xfrm>
+            <a:off x="4895738" y="5372634"/>
+            <a:ext cx="710059" cy="652615"/>
+            <a:chOff x="4895738" y="5372634"/>
+            <a:chExt cx="710059" cy="652615"/>
           </a:xfrm>
         </p:grpSpPr>
-        <p:pic>
-          <p:nvPicPr>
-            <p:cNvPr id="40" name="Picture 4"/>
-            <p:cNvPicPr>
-              <a:picLocks noChangeAspect="1" noChangeArrowheads="1"/>
-            </p:cNvPicPr>
-            <p:nvPr/>
-          </p:nvPicPr>
-          <p:blipFill>
-            <a:blip r:embed="rId5" cstate="print">
-              <a:extLst>
-                <a:ext uri="{28A0092B-C50C-407E-A947-70E740481C1C}">
-                  <a14:useLocalDpi xmlns:a14="http://schemas.microsoft.com/office/drawing/2010/main" val="0"/>
-                </a:ext>
-              </a:extLst>
-            </a:blip>
-            <a:srcRect/>
-            <a:stretch>
-              <a:fillRect/>
-            </a:stretch>
-          </p:blipFill>
-          <p:spPr bwMode="auto">
-            <a:xfrm>
-              <a:off x="1053629" y="5373216"/>
-              <a:ext cx="710059" cy="652615"/>
-            </a:xfrm>
-            <a:prstGeom prst="ellipse">
-              <a:avLst/>
-            </a:prstGeom>
-            <a:noFill/>
-            <a:ln>
-              <a:noFill/>
-            </a:ln>
-            <a:extLst>
-              <a:ext uri="{909E8E84-426E-40DD-AFC4-6F175D3DCCD1}">
-                <a14:hiddenFill xmlns:a14="http://schemas.microsoft.com/office/drawing/2010/main">
-                  <a:solidFill>
-                    <a:schemeClr val="accent1"/>
-                  </a:solidFill>
-                </a14:hiddenFill>
-              </a:ext>
-              <a:ext uri="{91240B29-F687-4F45-9708-019B960494DF}">
-                <a14:hiddenLine xmlns:a14="http://schemas.microsoft.com/office/drawing/2010/main" w="9525">
-                  <a:solidFill>
-                    <a:schemeClr val="tx1"/>
-                  </a:solidFill>
-                  <a:miter lim="800000"/>
-                  <a:headEnd/>
-                  <a:tailEnd/>
-                </a14:hiddenLine>
-              </a:ext>
-            </a:extLst>
-          </p:spPr>
-        </p:pic>
         <p:pic>
           <p:nvPicPr>
             <p:cNvPr id="41" name="Picture 4"/>
@@ -6897,8 +6858,8 @@
             </a:stretch>
           </p:blipFill>
           <p:spPr bwMode="auto">
-            <a:xfrm>
-              <a:off x="3647777" y="5373215"/>
+            <a:xfrm rot="10800000">
+              <a:off x="4895738" y="5372634"/>
               <a:ext cx="710059" cy="652615"/>
             </a:xfrm>
             <a:prstGeom prst="ellipse">
@@ -6936,8 +6897,8 @@
             <p:nvPr/>
           </p:nvGrpSpPr>
           <p:grpSpPr>
-            <a:xfrm>
-              <a:off x="3839889" y="5623072"/>
+            <a:xfrm rot="10800000">
+              <a:off x="5087852" y="5622490"/>
               <a:ext cx="325833" cy="152902"/>
               <a:chOff x="5909863" y="6008511"/>
               <a:chExt cx="325833" cy="152902"/>
@@ -7088,6 +7049,75 @@
             </p:txBody>
           </p:sp>
         </p:grpSp>
+      </p:grpSp>
+      <p:grpSp>
+        <p:nvGrpSpPr>
+          <p:cNvPr id="10" name="Grupo 9"/>
+          <p:cNvGrpSpPr/>
+          <p:nvPr/>
+        </p:nvGrpSpPr>
+        <p:grpSpPr>
+          <a:xfrm>
+            <a:off x="7489886" y="5372633"/>
+            <a:ext cx="710059" cy="652615"/>
+            <a:chOff x="7489886" y="5372633"/>
+            <a:chExt cx="710059" cy="652615"/>
+          </a:xfrm>
+        </p:grpSpPr>
+        <p:pic>
+          <p:nvPicPr>
+            <p:cNvPr id="40" name="Picture 4"/>
+            <p:cNvPicPr>
+              <a:picLocks noChangeAspect="1" noChangeArrowheads="1"/>
+            </p:cNvPicPr>
+            <p:nvPr/>
+          </p:nvPicPr>
+          <p:blipFill>
+            <a:blip r:embed="rId5" cstate="print">
+              <a:extLst>
+                <a:ext uri="{28A0092B-C50C-407E-A947-70E740481C1C}">
+                  <a14:useLocalDpi xmlns:a14="http://schemas.microsoft.com/office/drawing/2010/main" val="0"/>
+                </a:ext>
+              </a:extLst>
+            </a:blip>
+            <a:srcRect/>
+            <a:stretch>
+              <a:fillRect/>
+            </a:stretch>
+          </p:blipFill>
+          <p:spPr bwMode="auto">
+            <a:xfrm rot="10800000">
+              <a:off x="7489886" y="5372633"/>
+              <a:ext cx="710059" cy="652615"/>
+            </a:xfrm>
+            <a:prstGeom prst="ellipse">
+              <a:avLst/>
+            </a:prstGeom>
+            <a:noFill/>
+            <a:ln>
+              <a:noFill/>
+            </a:ln>
+            <a:extLst>
+              <a:ext uri="{909E8E84-426E-40DD-AFC4-6F175D3DCCD1}">
+                <a14:hiddenFill xmlns:a14="http://schemas.microsoft.com/office/drawing/2010/main">
+                  <a:solidFill>
+                    <a:schemeClr val="accent1"/>
+                  </a:solidFill>
+                </a14:hiddenFill>
+              </a:ext>
+              <a:ext uri="{91240B29-F687-4F45-9708-019B960494DF}">
+                <a14:hiddenLine xmlns:a14="http://schemas.microsoft.com/office/drawing/2010/main" w="9525">
+                  <a:solidFill>
+                    <a:schemeClr val="tx1"/>
+                  </a:solidFill>
+                  <a:miter lim="800000"/>
+                  <a:headEnd/>
+                  <a:tailEnd/>
+                </a14:hiddenLine>
+              </a:ext>
+            </a:extLst>
+          </p:spPr>
+        </p:pic>
         <p:grpSp>
           <p:nvGrpSpPr>
             <p:cNvPr id="43" name="Grupo 42"/>
@@ -7095,8 +7125,8 @@
             <p:nvPr/>
           </p:nvGrpSpPr>
           <p:grpSpPr>
-            <a:xfrm rot="10996738">
-              <a:off x="1245741" y="5623884"/>
+            <a:xfrm rot="196738">
+              <a:off x="7682000" y="5621678"/>
               <a:ext cx="325833" cy="152902"/>
               <a:chOff x="5909863" y="6008511"/>
               <a:chExt cx="325833" cy="152902"/>

--- a/design.pptx
+++ b/design.pptx
@@ -316,7 +316,7 @@
           <a:p>
             <a:fld id="{F13F1855-5749-4CE7-8869-7B9A02C9C351}" type="datetimeFigureOut">
               <a:rPr lang="pt-BR" smtClean="0"/>
-              <a:t>12/10/2019</a:t>
+              <a:t>13/10/2019</a:t>
             </a:fld>
             <a:endParaRPr lang="pt-BR"/>
           </a:p>
@@ -486,7 +486,7 @@
           <a:p>
             <a:fld id="{F13F1855-5749-4CE7-8869-7B9A02C9C351}" type="datetimeFigureOut">
               <a:rPr lang="pt-BR" smtClean="0"/>
-              <a:t>12/10/2019</a:t>
+              <a:t>13/10/2019</a:t>
             </a:fld>
             <a:endParaRPr lang="pt-BR"/>
           </a:p>
@@ -666,7 +666,7 @@
           <a:p>
             <a:fld id="{F13F1855-5749-4CE7-8869-7B9A02C9C351}" type="datetimeFigureOut">
               <a:rPr lang="pt-BR" smtClean="0"/>
-              <a:t>12/10/2019</a:t>
+              <a:t>13/10/2019</a:t>
             </a:fld>
             <a:endParaRPr lang="pt-BR"/>
           </a:p>
@@ -836,7 +836,7 @@
           <a:p>
             <a:fld id="{F13F1855-5749-4CE7-8869-7B9A02C9C351}" type="datetimeFigureOut">
               <a:rPr lang="pt-BR" smtClean="0"/>
-              <a:t>12/10/2019</a:t>
+              <a:t>13/10/2019</a:t>
             </a:fld>
             <a:endParaRPr lang="pt-BR"/>
           </a:p>
@@ -1082,7 +1082,7 @@
           <a:p>
             <a:fld id="{F13F1855-5749-4CE7-8869-7B9A02C9C351}" type="datetimeFigureOut">
               <a:rPr lang="pt-BR" smtClean="0"/>
-              <a:t>12/10/2019</a:t>
+              <a:t>13/10/2019</a:t>
             </a:fld>
             <a:endParaRPr lang="pt-BR"/>
           </a:p>
@@ -1370,7 +1370,7 @@
           <a:p>
             <a:fld id="{F13F1855-5749-4CE7-8869-7B9A02C9C351}" type="datetimeFigureOut">
               <a:rPr lang="pt-BR" smtClean="0"/>
-              <a:t>12/10/2019</a:t>
+              <a:t>13/10/2019</a:t>
             </a:fld>
             <a:endParaRPr lang="pt-BR"/>
           </a:p>
@@ -1792,7 +1792,7 @@
           <a:p>
             <a:fld id="{F13F1855-5749-4CE7-8869-7B9A02C9C351}" type="datetimeFigureOut">
               <a:rPr lang="pt-BR" smtClean="0"/>
-              <a:t>12/10/2019</a:t>
+              <a:t>13/10/2019</a:t>
             </a:fld>
             <a:endParaRPr lang="pt-BR"/>
           </a:p>
@@ -1910,7 +1910,7 @@
           <a:p>
             <a:fld id="{F13F1855-5749-4CE7-8869-7B9A02C9C351}" type="datetimeFigureOut">
               <a:rPr lang="pt-BR" smtClean="0"/>
-              <a:t>12/10/2019</a:t>
+              <a:t>13/10/2019</a:t>
             </a:fld>
             <a:endParaRPr lang="pt-BR"/>
           </a:p>
@@ -2005,7 +2005,7 @@
           <a:p>
             <a:fld id="{F13F1855-5749-4CE7-8869-7B9A02C9C351}" type="datetimeFigureOut">
               <a:rPr lang="pt-BR" smtClean="0"/>
-              <a:t>12/10/2019</a:t>
+              <a:t>13/10/2019</a:t>
             </a:fld>
             <a:endParaRPr lang="pt-BR"/>
           </a:p>
@@ -2282,7 +2282,7 @@
           <a:p>
             <a:fld id="{F13F1855-5749-4CE7-8869-7B9A02C9C351}" type="datetimeFigureOut">
               <a:rPr lang="pt-BR" smtClean="0"/>
-              <a:t>12/10/2019</a:t>
+              <a:t>13/10/2019</a:t>
             </a:fld>
             <a:endParaRPr lang="pt-BR"/>
           </a:p>
@@ -2535,7 +2535,7 @@
           <a:p>
             <a:fld id="{F13F1855-5749-4CE7-8869-7B9A02C9C351}" type="datetimeFigureOut">
               <a:rPr lang="pt-BR" smtClean="0"/>
-              <a:t>12/10/2019</a:t>
+              <a:t>13/10/2019</a:t>
             </a:fld>
             <a:endParaRPr lang="pt-BR"/>
           </a:p>
@@ -2753,7 +2753,7 @@
           <a:p>
             <a:fld id="{F13F1855-5749-4CE7-8869-7B9A02C9C351}" type="datetimeFigureOut">
               <a:rPr lang="pt-BR" smtClean="0"/>
-              <a:t>12/10/2019</a:t>
+              <a:t>13/10/2019</a:t>
             </a:fld>
             <a:endParaRPr lang="pt-BR"/>
           </a:p>
@@ -6366,245 +6366,230 @@
           </a:p>
         </p:txBody>
       </p:sp>
+      <p:pic>
+        <p:nvPicPr>
+          <p:cNvPr id="29" name="Picture 4"/>
+          <p:cNvPicPr>
+            <a:picLocks noChangeAspect="1" noChangeArrowheads="1"/>
+          </p:cNvPicPr>
+          <p:nvPr/>
+        </p:nvPicPr>
+        <p:blipFill>
+          <a:blip r:embed="rId5" cstate="print">
+            <a:extLst>
+              <a:ext uri="{28A0092B-C50C-407E-A947-70E740481C1C}">
+                <a14:useLocalDpi xmlns:a14="http://schemas.microsoft.com/office/drawing/2010/main" val="0"/>
+              </a:ext>
+            </a:extLst>
+          </a:blip>
+          <a:srcRect/>
+          <a:stretch>
+            <a:fillRect/>
+          </a:stretch>
+        </p:blipFill>
+        <p:spPr bwMode="auto">
+          <a:xfrm>
+            <a:off x="3675769" y="5375275"/>
+            <a:ext cx="710059" cy="652615"/>
+          </a:xfrm>
+          <a:prstGeom prst="ellipse">
+            <a:avLst/>
+          </a:prstGeom>
+          <a:noFill/>
+          <a:ln>
+            <a:noFill/>
+          </a:ln>
+          <a:extLst>
+            <a:ext uri="{909E8E84-426E-40DD-AFC4-6F175D3DCCD1}">
+              <a14:hiddenFill xmlns:a14="http://schemas.microsoft.com/office/drawing/2010/main">
+                <a:solidFill>
+                  <a:schemeClr val="accent1"/>
+                </a:solidFill>
+              </a14:hiddenFill>
+            </a:ext>
+            <a:ext uri="{91240B29-F687-4F45-9708-019B960494DF}">
+              <a14:hiddenLine xmlns:a14="http://schemas.microsoft.com/office/drawing/2010/main" w="9525">
+                <a:solidFill>
+                  <a:schemeClr val="tx1"/>
+                </a:solidFill>
+                <a:miter lim="800000"/>
+                <a:headEnd/>
+                <a:tailEnd/>
+              </a14:hiddenLine>
+            </a:ext>
+          </a:extLst>
+        </p:spPr>
+      </p:pic>
       <p:grpSp>
         <p:nvGrpSpPr>
-          <p:cNvPr id="8" name="Grupo 7"/>
+          <p:cNvPr id="18" name="Grupo 17"/>
           <p:cNvGrpSpPr/>
           <p:nvPr/>
         </p:nvGrpSpPr>
         <p:grpSpPr>
           <a:xfrm>
-            <a:off x="3675769" y="5375275"/>
-            <a:ext cx="710059" cy="652615"/>
-            <a:chOff x="3675769" y="5375275"/>
-            <a:chExt cx="710059" cy="652615"/>
+            <a:off x="3867881" y="5625132"/>
+            <a:ext cx="325833" cy="152902"/>
+            <a:chOff x="5909863" y="6008511"/>
+            <a:chExt cx="325833" cy="152902"/>
           </a:xfrm>
         </p:grpSpPr>
-        <p:pic>
-          <p:nvPicPr>
-            <p:cNvPr id="29" name="Picture 4"/>
-            <p:cNvPicPr>
-              <a:picLocks noChangeAspect="1" noChangeArrowheads="1"/>
-            </p:cNvPicPr>
+        <p:sp>
+          <p:nvSpPr>
+            <p:cNvPr id="30" name="Retângulo de cantos arredondados 29"/>
+            <p:cNvSpPr/>
             <p:nvPr/>
-          </p:nvPicPr>
-          <p:blipFill>
-            <a:blip r:embed="rId5" cstate="print">
-              <a:extLst>
-                <a:ext uri="{28A0092B-C50C-407E-A947-70E740481C1C}">
-                  <a14:useLocalDpi xmlns:a14="http://schemas.microsoft.com/office/drawing/2010/main" val="0"/>
-                </a:ext>
-              </a:extLst>
-            </a:blip>
-            <a:srcRect/>
-            <a:stretch>
-              <a:fillRect/>
-            </a:stretch>
-          </p:blipFill>
-          <p:spPr bwMode="auto">
+          </p:nvSpPr>
+          <p:spPr>
             <a:xfrm>
-              <a:off x="3675769" y="5375275"/>
-              <a:ext cx="710059" cy="652615"/>
+              <a:off x="5909863" y="6056261"/>
+              <a:ext cx="302643" cy="61523"/>
             </a:xfrm>
-            <a:prstGeom prst="ellipse">
-              <a:avLst/>
+            <a:prstGeom prst="roundRect">
+              <a:avLst>
+                <a:gd name="adj" fmla="val 50000"/>
+              </a:avLst>
             </a:prstGeom>
-            <a:noFill/>
+            <a:solidFill>
+              <a:schemeClr val="bg1"/>
+            </a:solidFill>
             <a:ln>
               <a:noFill/>
             </a:ln>
-            <a:extLst>
-              <a:ext uri="{909E8E84-426E-40DD-AFC4-6F175D3DCCD1}">
-                <a14:hiddenFill xmlns:a14="http://schemas.microsoft.com/office/drawing/2010/main">
-                  <a:solidFill>
-                    <a:schemeClr val="accent1"/>
-                  </a:solidFill>
-                </a14:hiddenFill>
-              </a:ext>
-              <a:ext uri="{91240B29-F687-4F45-9708-019B960494DF}">
-                <a14:hiddenLine xmlns:a14="http://schemas.microsoft.com/office/drawing/2010/main" w="9525">
-                  <a:solidFill>
-                    <a:schemeClr val="tx1"/>
-                  </a:solidFill>
-                  <a:miter lim="800000"/>
-                  <a:headEnd/>
-                  <a:tailEnd/>
-                </a14:hiddenLine>
-              </a:ext>
-            </a:extLst>
           </p:spPr>
-        </p:pic>
-        <p:grpSp>
-          <p:nvGrpSpPr>
-            <p:cNvPr id="18" name="Grupo 17"/>
-            <p:cNvGrpSpPr/>
+          <p:style>
+            <a:lnRef idx="2">
+              <a:schemeClr val="accent1">
+                <a:shade val="50000"/>
+              </a:schemeClr>
+            </a:lnRef>
+            <a:fillRef idx="1">
+              <a:schemeClr val="accent1"/>
+            </a:fillRef>
+            <a:effectRef idx="0">
+              <a:schemeClr val="accent1"/>
+            </a:effectRef>
+            <a:fontRef idx="minor">
+              <a:schemeClr val="lt1"/>
+            </a:fontRef>
+          </p:style>
+          <p:txBody>
+            <a:bodyPr rtlCol="0" anchor="ctr"/>
+            <a:lstStyle/>
+            <a:p>
+              <a:pPr algn="ctr"/>
+              <a:endParaRPr lang="pt-BR"/>
+            </a:p>
+          </p:txBody>
+        </p:sp>
+        <p:sp>
+          <p:nvSpPr>
+            <p:cNvPr id="31" name="Retângulo de cantos arredondados 30"/>
+            <p:cNvSpPr/>
             <p:nvPr/>
-          </p:nvGrpSpPr>
-          <p:grpSpPr>
-            <a:xfrm>
-              <a:off x="3867881" y="5625132"/>
-              <a:ext cx="325833" cy="152902"/>
-              <a:chOff x="5909863" y="6008511"/>
-              <a:chExt cx="325833" cy="152902"/>
+          </p:nvSpPr>
+          <p:spPr>
+            <a:xfrm rot="19491298" flipV="1">
+              <a:off x="6050439" y="6105480"/>
+              <a:ext cx="185257" cy="55933"/>
             </a:xfrm>
-          </p:grpSpPr>
-          <p:sp>
-            <p:nvSpPr>
-              <p:cNvPr id="30" name="Retângulo de cantos arredondados 29"/>
-              <p:cNvSpPr/>
-              <p:nvPr/>
-            </p:nvSpPr>
-            <p:spPr>
-              <a:xfrm>
-                <a:off x="5909863" y="6056261"/>
-                <a:ext cx="302643" cy="61523"/>
-              </a:xfrm>
-              <a:prstGeom prst="roundRect">
-                <a:avLst>
-                  <a:gd name="adj" fmla="val 50000"/>
-                </a:avLst>
-              </a:prstGeom>
-              <a:solidFill>
-                <a:schemeClr val="bg1"/>
-              </a:solidFill>
-              <a:ln>
-                <a:noFill/>
-              </a:ln>
-            </p:spPr>
-            <p:style>
-              <a:lnRef idx="2">
-                <a:schemeClr val="accent1">
-                  <a:shade val="50000"/>
-                </a:schemeClr>
-              </a:lnRef>
-              <a:fillRef idx="1">
-                <a:schemeClr val="accent1"/>
-              </a:fillRef>
-              <a:effectRef idx="0">
-                <a:schemeClr val="accent1"/>
-              </a:effectRef>
-              <a:fontRef idx="minor">
-                <a:schemeClr val="lt1"/>
-              </a:fontRef>
-            </p:style>
-            <p:txBody>
-              <a:bodyPr rtlCol="0" anchor="ctr"/>
-              <a:lstStyle/>
-              <a:p>
-                <a:pPr algn="ctr"/>
-                <a:endParaRPr lang="pt-BR"/>
-              </a:p>
-            </p:txBody>
-          </p:sp>
-          <p:sp>
-            <p:nvSpPr>
-              <p:cNvPr id="31" name="Retângulo de cantos arredondados 30"/>
-              <p:cNvSpPr/>
-              <p:nvPr/>
-            </p:nvSpPr>
-            <p:spPr>
-              <a:xfrm rot="19491298" flipV="1">
-                <a:off x="6050439" y="6105480"/>
-                <a:ext cx="185257" cy="55933"/>
-              </a:xfrm>
-              <a:prstGeom prst="roundRect">
-                <a:avLst>
-                  <a:gd name="adj" fmla="val 50000"/>
-                </a:avLst>
-              </a:prstGeom>
-              <a:solidFill>
-                <a:schemeClr val="bg1"/>
-              </a:solidFill>
-              <a:ln>
-                <a:noFill/>
-              </a:ln>
-            </p:spPr>
-            <p:style>
-              <a:lnRef idx="2">
-                <a:schemeClr val="accent1">
-                  <a:shade val="50000"/>
-                </a:schemeClr>
-              </a:lnRef>
-              <a:fillRef idx="1">
-                <a:schemeClr val="accent1"/>
-              </a:fillRef>
-              <a:effectRef idx="0">
-                <a:schemeClr val="accent1"/>
-              </a:effectRef>
-              <a:fontRef idx="minor">
-                <a:schemeClr val="lt1"/>
-              </a:fontRef>
-            </p:style>
-            <p:txBody>
-              <a:bodyPr rtlCol="0" anchor="ctr"/>
-              <a:lstStyle/>
-              <a:p>
-                <a:pPr algn="ctr"/>
-                <a:endParaRPr lang="pt-BR"/>
-              </a:p>
-            </p:txBody>
-          </p:sp>
-          <p:sp>
-            <p:nvSpPr>
-              <p:cNvPr id="32" name="Retângulo de cantos arredondados 31"/>
-              <p:cNvSpPr/>
-              <p:nvPr/>
-            </p:nvSpPr>
-            <p:spPr>
-              <a:xfrm rot="2108702">
-                <a:off x="6049851" y="6008511"/>
-                <a:ext cx="185257" cy="55535"/>
-              </a:xfrm>
-              <a:prstGeom prst="roundRect">
-                <a:avLst>
-                  <a:gd name="adj" fmla="val 50000"/>
-                </a:avLst>
-              </a:prstGeom>
-              <a:solidFill>
-                <a:schemeClr val="bg1"/>
-              </a:solidFill>
-              <a:ln>
-                <a:noFill/>
-              </a:ln>
-            </p:spPr>
-            <p:style>
-              <a:lnRef idx="2">
-                <a:schemeClr val="accent1">
-                  <a:shade val="50000"/>
-                </a:schemeClr>
-              </a:lnRef>
-              <a:fillRef idx="1">
-                <a:schemeClr val="accent1"/>
-              </a:fillRef>
-              <a:effectRef idx="0">
-                <a:schemeClr val="accent1"/>
-              </a:effectRef>
-              <a:fontRef idx="minor">
-                <a:schemeClr val="lt1"/>
-              </a:fontRef>
-            </p:style>
-            <p:txBody>
-              <a:bodyPr rtlCol="0" anchor="ctr"/>
-              <a:lstStyle/>
-              <a:p>
-                <a:pPr algn="ctr"/>
-                <a:endParaRPr lang="pt-BR"/>
-              </a:p>
-            </p:txBody>
-          </p:sp>
-        </p:grpSp>
+            <a:prstGeom prst="roundRect">
+              <a:avLst>
+                <a:gd name="adj" fmla="val 50000"/>
+              </a:avLst>
+            </a:prstGeom>
+            <a:solidFill>
+              <a:schemeClr val="bg1"/>
+            </a:solidFill>
+            <a:ln>
+              <a:noFill/>
+            </a:ln>
+          </p:spPr>
+          <p:style>
+            <a:lnRef idx="2">
+              <a:schemeClr val="accent1">
+                <a:shade val="50000"/>
+              </a:schemeClr>
+            </a:lnRef>
+            <a:fillRef idx="1">
+              <a:schemeClr val="accent1"/>
+            </a:fillRef>
+            <a:effectRef idx="0">
+              <a:schemeClr val="accent1"/>
+            </a:effectRef>
+            <a:fontRef idx="minor">
+              <a:schemeClr val="lt1"/>
+            </a:fontRef>
+          </p:style>
+          <p:txBody>
+            <a:bodyPr rtlCol="0" anchor="ctr"/>
+            <a:lstStyle/>
+            <a:p>
+              <a:pPr algn="ctr"/>
+              <a:endParaRPr lang="pt-BR"/>
+            </a:p>
+          </p:txBody>
+        </p:sp>
+        <p:sp>
+          <p:nvSpPr>
+            <p:cNvPr id="32" name="Retângulo de cantos arredondados 31"/>
+            <p:cNvSpPr/>
+            <p:nvPr/>
+          </p:nvSpPr>
+          <p:spPr>
+            <a:xfrm rot="2108702">
+              <a:off x="6049851" y="6008511"/>
+              <a:ext cx="185257" cy="55535"/>
+            </a:xfrm>
+            <a:prstGeom prst="roundRect">
+              <a:avLst>
+                <a:gd name="adj" fmla="val 50000"/>
+              </a:avLst>
+            </a:prstGeom>
+            <a:solidFill>
+              <a:schemeClr val="bg1"/>
+            </a:solidFill>
+            <a:ln>
+              <a:noFill/>
+            </a:ln>
+          </p:spPr>
+          <p:style>
+            <a:lnRef idx="2">
+              <a:schemeClr val="accent1">
+                <a:shade val="50000"/>
+              </a:schemeClr>
+            </a:lnRef>
+            <a:fillRef idx="1">
+              <a:schemeClr val="accent1"/>
+            </a:fillRef>
+            <a:effectRef idx="0">
+              <a:schemeClr val="accent1"/>
+            </a:effectRef>
+            <a:fontRef idx="minor">
+              <a:schemeClr val="lt1"/>
+            </a:fontRef>
+          </p:style>
+          <p:txBody>
+            <a:bodyPr rtlCol="0" anchor="ctr"/>
+            <a:lstStyle/>
+            <a:p>
+              <a:pPr algn="ctr"/>
+              <a:endParaRPr lang="pt-BR"/>
+            </a:p>
+          </p:txBody>
+        </p:sp>
       </p:grpSp>
       <p:grpSp>
         <p:nvGrpSpPr>
-          <p:cNvPr id="4" name="Grupo 3"/>
+          <p:cNvPr id="20" name="Grupo 19"/>
           <p:cNvGrpSpPr/>
           <p:nvPr/>
         </p:nvGrpSpPr>
         <p:grpSpPr>
           <a:xfrm>
-            <a:off x="1081621" y="5375276"/>
+            <a:off x="1140541" y="5377335"/>
             <a:ext cx="710059" cy="652615"/>
-            <a:chOff x="1081621" y="5375276"/>
+            <a:chOff x="1140541" y="5377335"/>
             <a:chExt cx="710059" cy="652615"/>
           </a:xfrm>
         </p:grpSpPr>
@@ -6631,7 +6616,7 @@
           </p:blipFill>
           <p:spPr bwMode="auto">
             <a:xfrm>
-              <a:off x="1081621" y="5375276"/>
+              <a:off x="1140541" y="5377335"/>
               <a:ext cx="710059" cy="652615"/>
             </a:xfrm>
             <a:prstGeom prst="ellipse">
@@ -6669,8 +6654,8 @@
             <p:nvPr/>
           </p:nvGrpSpPr>
           <p:grpSpPr>
-            <a:xfrm rot="10996738">
-              <a:off x="1273733" y="5625944"/>
+            <a:xfrm rot="10800000">
+              <a:off x="1332653" y="5628003"/>
               <a:ext cx="325833" cy="152902"/>
               <a:chOff x="5909863" y="6008511"/>
               <a:chExt cx="325833" cy="152902"/>
@@ -6822,233 +6807,218 @@
           </p:sp>
         </p:grpSp>
       </p:grpSp>
+      <p:pic>
+        <p:nvPicPr>
+          <p:cNvPr id="41" name="Picture 4"/>
+          <p:cNvPicPr>
+            <a:picLocks noChangeAspect="1" noChangeArrowheads="1"/>
+          </p:cNvPicPr>
+          <p:nvPr/>
+        </p:nvPicPr>
+        <p:blipFill>
+          <a:blip r:embed="rId5" cstate="print">
+            <a:extLst>
+              <a:ext uri="{28A0092B-C50C-407E-A947-70E740481C1C}">
+                <a14:useLocalDpi xmlns:a14="http://schemas.microsoft.com/office/drawing/2010/main" val="0"/>
+              </a:ext>
+            </a:extLst>
+          </a:blip>
+          <a:srcRect/>
+          <a:stretch>
+            <a:fillRect/>
+          </a:stretch>
+        </p:blipFill>
+        <p:spPr bwMode="auto">
+          <a:xfrm rot="10800000">
+            <a:off x="4946731" y="5372634"/>
+            <a:ext cx="710059" cy="652615"/>
+          </a:xfrm>
+          <a:prstGeom prst="ellipse">
+            <a:avLst/>
+          </a:prstGeom>
+          <a:noFill/>
+          <a:ln>
+            <a:noFill/>
+          </a:ln>
+          <a:extLst>
+            <a:ext uri="{909E8E84-426E-40DD-AFC4-6F175D3DCCD1}">
+              <a14:hiddenFill xmlns:a14="http://schemas.microsoft.com/office/drawing/2010/main">
+                <a:solidFill>
+                  <a:schemeClr val="accent1"/>
+                </a:solidFill>
+              </a14:hiddenFill>
+            </a:ext>
+            <a:ext uri="{91240B29-F687-4F45-9708-019B960494DF}">
+              <a14:hiddenLine xmlns:a14="http://schemas.microsoft.com/office/drawing/2010/main" w="9525">
+                <a:solidFill>
+                  <a:schemeClr val="tx1"/>
+                </a:solidFill>
+                <a:miter lim="800000"/>
+                <a:headEnd/>
+                <a:tailEnd/>
+              </a14:hiddenLine>
+            </a:ext>
+          </a:extLst>
+        </p:spPr>
+      </p:pic>
       <p:grpSp>
         <p:nvGrpSpPr>
-          <p:cNvPr id="17" name="Grupo 16"/>
+          <p:cNvPr id="42" name="Grupo 41"/>
           <p:cNvGrpSpPr/>
           <p:nvPr/>
         </p:nvGrpSpPr>
         <p:grpSpPr>
-          <a:xfrm>
-            <a:off x="4895738" y="5372634"/>
-            <a:ext cx="710059" cy="652615"/>
-            <a:chOff x="4895738" y="5372634"/>
-            <a:chExt cx="710059" cy="652615"/>
+          <a:xfrm rot="10800000">
+            <a:off x="5138845" y="5622490"/>
+            <a:ext cx="325833" cy="152902"/>
+            <a:chOff x="5909863" y="6008511"/>
+            <a:chExt cx="325833" cy="152902"/>
           </a:xfrm>
         </p:grpSpPr>
-        <p:pic>
-          <p:nvPicPr>
-            <p:cNvPr id="41" name="Picture 4"/>
-            <p:cNvPicPr>
-              <a:picLocks noChangeAspect="1" noChangeArrowheads="1"/>
-            </p:cNvPicPr>
+        <p:sp>
+          <p:nvSpPr>
+            <p:cNvPr id="47" name="Retângulo de cantos arredondados 46"/>
+            <p:cNvSpPr/>
             <p:nvPr/>
-          </p:nvPicPr>
-          <p:blipFill>
-            <a:blip r:embed="rId5" cstate="print">
-              <a:extLst>
-                <a:ext uri="{28A0092B-C50C-407E-A947-70E740481C1C}">
-                  <a14:useLocalDpi xmlns:a14="http://schemas.microsoft.com/office/drawing/2010/main" val="0"/>
-                </a:ext>
-              </a:extLst>
-            </a:blip>
-            <a:srcRect/>
-            <a:stretch>
-              <a:fillRect/>
-            </a:stretch>
-          </p:blipFill>
-          <p:spPr bwMode="auto">
-            <a:xfrm rot="10800000">
-              <a:off x="4895738" y="5372634"/>
-              <a:ext cx="710059" cy="652615"/>
+          </p:nvSpPr>
+          <p:spPr>
+            <a:xfrm>
+              <a:off x="5909863" y="6056261"/>
+              <a:ext cx="302643" cy="61523"/>
             </a:xfrm>
-            <a:prstGeom prst="ellipse">
-              <a:avLst/>
+            <a:prstGeom prst="roundRect">
+              <a:avLst>
+                <a:gd name="adj" fmla="val 50000"/>
+              </a:avLst>
             </a:prstGeom>
-            <a:noFill/>
+            <a:solidFill>
+              <a:schemeClr val="bg1"/>
+            </a:solidFill>
             <a:ln>
               <a:noFill/>
             </a:ln>
-            <a:extLst>
-              <a:ext uri="{909E8E84-426E-40DD-AFC4-6F175D3DCCD1}">
-                <a14:hiddenFill xmlns:a14="http://schemas.microsoft.com/office/drawing/2010/main">
-                  <a:solidFill>
-                    <a:schemeClr val="accent1"/>
-                  </a:solidFill>
-                </a14:hiddenFill>
-              </a:ext>
-              <a:ext uri="{91240B29-F687-4F45-9708-019B960494DF}">
-                <a14:hiddenLine xmlns:a14="http://schemas.microsoft.com/office/drawing/2010/main" w="9525">
-                  <a:solidFill>
-                    <a:schemeClr val="tx1"/>
-                  </a:solidFill>
-                  <a:miter lim="800000"/>
-                  <a:headEnd/>
-                  <a:tailEnd/>
-                </a14:hiddenLine>
-              </a:ext>
-            </a:extLst>
           </p:spPr>
-        </p:pic>
-        <p:grpSp>
-          <p:nvGrpSpPr>
-            <p:cNvPr id="42" name="Grupo 41"/>
-            <p:cNvGrpSpPr/>
+          <p:style>
+            <a:lnRef idx="2">
+              <a:schemeClr val="accent1">
+                <a:shade val="50000"/>
+              </a:schemeClr>
+            </a:lnRef>
+            <a:fillRef idx="1">
+              <a:schemeClr val="accent1"/>
+            </a:fillRef>
+            <a:effectRef idx="0">
+              <a:schemeClr val="accent1"/>
+            </a:effectRef>
+            <a:fontRef idx="minor">
+              <a:schemeClr val="lt1"/>
+            </a:fontRef>
+          </p:style>
+          <p:txBody>
+            <a:bodyPr rtlCol="0" anchor="ctr"/>
+            <a:lstStyle/>
+            <a:p>
+              <a:pPr algn="ctr"/>
+              <a:endParaRPr lang="pt-BR"/>
+            </a:p>
+          </p:txBody>
+        </p:sp>
+        <p:sp>
+          <p:nvSpPr>
+            <p:cNvPr id="48" name="Retângulo de cantos arredondados 47"/>
+            <p:cNvSpPr/>
             <p:nvPr/>
-          </p:nvGrpSpPr>
-          <p:grpSpPr>
-            <a:xfrm rot="10800000">
-              <a:off x="5087852" y="5622490"/>
-              <a:ext cx="325833" cy="152902"/>
-              <a:chOff x="5909863" y="6008511"/>
-              <a:chExt cx="325833" cy="152902"/>
+          </p:nvSpPr>
+          <p:spPr>
+            <a:xfrm rot="19491298" flipV="1">
+              <a:off x="6050439" y="6105480"/>
+              <a:ext cx="185257" cy="55933"/>
             </a:xfrm>
-          </p:grpSpPr>
-          <p:sp>
-            <p:nvSpPr>
-              <p:cNvPr id="47" name="Retângulo de cantos arredondados 46"/>
-              <p:cNvSpPr/>
-              <p:nvPr/>
-            </p:nvSpPr>
-            <p:spPr>
-              <a:xfrm>
-                <a:off x="5909863" y="6056261"/>
-                <a:ext cx="302643" cy="61523"/>
-              </a:xfrm>
-              <a:prstGeom prst="roundRect">
-                <a:avLst>
-                  <a:gd name="adj" fmla="val 50000"/>
-                </a:avLst>
-              </a:prstGeom>
-              <a:solidFill>
-                <a:schemeClr val="bg1"/>
-              </a:solidFill>
-              <a:ln>
-                <a:noFill/>
-              </a:ln>
-            </p:spPr>
-            <p:style>
-              <a:lnRef idx="2">
-                <a:schemeClr val="accent1">
-                  <a:shade val="50000"/>
-                </a:schemeClr>
-              </a:lnRef>
-              <a:fillRef idx="1">
-                <a:schemeClr val="accent1"/>
-              </a:fillRef>
-              <a:effectRef idx="0">
-                <a:schemeClr val="accent1"/>
-              </a:effectRef>
-              <a:fontRef idx="minor">
-                <a:schemeClr val="lt1"/>
-              </a:fontRef>
-            </p:style>
-            <p:txBody>
-              <a:bodyPr rtlCol="0" anchor="ctr"/>
-              <a:lstStyle/>
-              <a:p>
-                <a:pPr algn="ctr"/>
-                <a:endParaRPr lang="pt-BR"/>
-              </a:p>
-            </p:txBody>
-          </p:sp>
-          <p:sp>
-            <p:nvSpPr>
-              <p:cNvPr id="48" name="Retângulo de cantos arredondados 47"/>
-              <p:cNvSpPr/>
-              <p:nvPr/>
-            </p:nvSpPr>
-            <p:spPr>
-              <a:xfrm rot="19491298" flipV="1">
-                <a:off x="6050439" y="6105480"/>
-                <a:ext cx="185257" cy="55933"/>
-              </a:xfrm>
-              <a:prstGeom prst="roundRect">
-                <a:avLst>
-                  <a:gd name="adj" fmla="val 50000"/>
-                </a:avLst>
-              </a:prstGeom>
-              <a:solidFill>
-                <a:schemeClr val="bg1"/>
-              </a:solidFill>
-              <a:ln>
-                <a:noFill/>
-              </a:ln>
-            </p:spPr>
-            <p:style>
-              <a:lnRef idx="2">
-                <a:schemeClr val="accent1">
-                  <a:shade val="50000"/>
-                </a:schemeClr>
-              </a:lnRef>
-              <a:fillRef idx="1">
-                <a:schemeClr val="accent1"/>
-              </a:fillRef>
-              <a:effectRef idx="0">
-                <a:schemeClr val="accent1"/>
-              </a:effectRef>
-              <a:fontRef idx="minor">
-                <a:schemeClr val="lt1"/>
-              </a:fontRef>
-            </p:style>
-            <p:txBody>
-              <a:bodyPr rtlCol="0" anchor="ctr"/>
-              <a:lstStyle/>
-              <a:p>
-                <a:pPr algn="ctr"/>
-                <a:endParaRPr lang="pt-BR"/>
-              </a:p>
-            </p:txBody>
-          </p:sp>
-          <p:sp>
-            <p:nvSpPr>
-              <p:cNvPr id="49" name="Retângulo de cantos arredondados 48"/>
-              <p:cNvSpPr/>
-              <p:nvPr/>
-            </p:nvSpPr>
-            <p:spPr>
-              <a:xfrm rot="2108702">
-                <a:off x="6049851" y="6008511"/>
-                <a:ext cx="185257" cy="55535"/>
-              </a:xfrm>
-              <a:prstGeom prst="roundRect">
-                <a:avLst>
-                  <a:gd name="adj" fmla="val 50000"/>
-                </a:avLst>
-              </a:prstGeom>
-              <a:solidFill>
-                <a:schemeClr val="bg1"/>
-              </a:solidFill>
-              <a:ln>
-                <a:noFill/>
-              </a:ln>
-            </p:spPr>
-            <p:style>
-              <a:lnRef idx="2">
-                <a:schemeClr val="accent1">
-                  <a:shade val="50000"/>
-                </a:schemeClr>
-              </a:lnRef>
-              <a:fillRef idx="1">
-                <a:schemeClr val="accent1"/>
-              </a:fillRef>
-              <a:effectRef idx="0">
-                <a:schemeClr val="accent1"/>
-              </a:effectRef>
-              <a:fontRef idx="minor">
-                <a:schemeClr val="lt1"/>
-              </a:fontRef>
-            </p:style>
-            <p:txBody>
-              <a:bodyPr rtlCol="0" anchor="ctr"/>
-              <a:lstStyle/>
-              <a:p>
-                <a:pPr algn="ctr"/>
-                <a:endParaRPr lang="pt-BR"/>
-              </a:p>
-            </p:txBody>
-          </p:sp>
-        </p:grpSp>
+            <a:prstGeom prst="roundRect">
+              <a:avLst>
+                <a:gd name="adj" fmla="val 50000"/>
+              </a:avLst>
+            </a:prstGeom>
+            <a:solidFill>
+              <a:schemeClr val="bg1"/>
+            </a:solidFill>
+            <a:ln>
+              <a:noFill/>
+            </a:ln>
+          </p:spPr>
+          <p:style>
+            <a:lnRef idx="2">
+              <a:schemeClr val="accent1">
+                <a:shade val="50000"/>
+              </a:schemeClr>
+            </a:lnRef>
+            <a:fillRef idx="1">
+              <a:schemeClr val="accent1"/>
+            </a:fillRef>
+            <a:effectRef idx="0">
+              <a:schemeClr val="accent1"/>
+            </a:effectRef>
+            <a:fontRef idx="minor">
+              <a:schemeClr val="lt1"/>
+            </a:fontRef>
+          </p:style>
+          <p:txBody>
+            <a:bodyPr rtlCol="0" anchor="ctr"/>
+            <a:lstStyle/>
+            <a:p>
+              <a:pPr algn="ctr"/>
+              <a:endParaRPr lang="pt-BR"/>
+            </a:p>
+          </p:txBody>
+        </p:sp>
+        <p:sp>
+          <p:nvSpPr>
+            <p:cNvPr id="49" name="Retângulo de cantos arredondados 48"/>
+            <p:cNvSpPr/>
+            <p:nvPr/>
+          </p:nvSpPr>
+          <p:spPr>
+            <a:xfrm rot="2108702">
+              <a:off x="6049851" y="6008511"/>
+              <a:ext cx="185257" cy="55535"/>
+            </a:xfrm>
+            <a:prstGeom prst="roundRect">
+              <a:avLst>
+                <a:gd name="adj" fmla="val 50000"/>
+              </a:avLst>
+            </a:prstGeom>
+            <a:solidFill>
+              <a:schemeClr val="bg1"/>
+            </a:solidFill>
+            <a:ln>
+              <a:noFill/>
+            </a:ln>
+          </p:spPr>
+          <p:style>
+            <a:lnRef idx="2">
+              <a:schemeClr val="accent1">
+                <a:shade val="50000"/>
+              </a:schemeClr>
+            </a:lnRef>
+            <a:fillRef idx="1">
+              <a:schemeClr val="accent1"/>
+            </a:fillRef>
+            <a:effectRef idx="0">
+              <a:schemeClr val="accent1"/>
+            </a:effectRef>
+            <a:fontRef idx="minor">
+              <a:schemeClr val="lt1"/>
+            </a:fontRef>
+          </p:style>
+          <p:txBody>
+            <a:bodyPr rtlCol="0" anchor="ctr"/>
+            <a:lstStyle/>
+            <a:p>
+              <a:pPr algn="ctr"/>
+              <a:endParaRPr lang="pt-BR"/>
+            </a:p>
+          </p:txBody>
+        </p:sp>
       </p:grpSp>
       <p:grpSp>
         <p:nvGrpSpPr>
@@ -7058,7 +7028,7 @@
         </p:nvGrpSpPr>
         <p:grpSpPr>
           <a:xfrm>
-            <a:off x="7489886" y="5372633"/>
+            <a:off x="7499150" y="5335327"/>
             <a:ext cx="710059" cy="652615"/>
             <a:chOff x="7489886" y="5372633"/>
             <a:chExt cx="710059" cy="652615"/>

--- a/design.pptx
+++ b/design.pptx
@@ -16,8 +16,8 @@
     <p:sldId id="264" r:id="rId10"/>
     <p:sldId id="265" r:id="rId11"/>
     <p:sldId id="267" r:id="rId12"/>
-    <p:sldId id="266" r:id="rId13"/>
-    <p:sldId id="268" r:id="rId14"/>
+    <p:sldId id="268" r:id="rId13"/>
+    <p:sldId id="266" r:id="rId14"/>
   </p:sldIdLst>
   <p:sldSz cx="9144000" cy="6858000" type="screen4x3"/>
   <p:notesSz cx="6858000" cy="9144000"/>
@@ -9195,7 +9195,7 @@
         </p:nvGrpSpPr>
         <p:grpSpPr>
           <a:xfrm>
-            <a:off x="2767988" y="2545827"/>
+            <a:off x="2685636" y="2575851"/>
             <a:ext cx="2115750" cy="2115750"/>
             <a:chOff x="4283968" y="2060848"/>
             <a:chExt cx="2115750" cy="2115750"/>
@@ -10868,7 +10868,7 @@
         </p:nvGrpSpPr>
         <p:grpSpPr>
           <a:xfrm>
-            <a:off x="5532996" y="4970167"/>
+            <a:off x="5574278" y="4729148"/>
             <a:ext cx="2128852" cy="2128852"/>
             <a:chOff x="3702974" y="1072734"/>
             <a:chExt cx="2655485" cy="2655485"/>
@@ -12502,26 +12502,59 @@
           </a:p>
         </p:txBody>
       </p:sp>
+    </p:spTree>
+    <p:extLst>
+      <p:ext uri="{BB962C8B-B14F-4D97-AF65-F5344CB8AC3E}">
+        <p14:creationId xmlns:p14="http://schemas.microsoft.com/office/powerpoint/2010/main" val="1772685782"/>
+      </p:ext>
+    </p:extLst>
+  </p:cSld>
+  <p:clrMapOvr>
+    <a:masterClrMapping/>
+  </p:clrMapOvr>
+  <p:timing>
+    <p:tnLst>
+      <p:par>
+        <p:cTn id="1" dur="indefinite" restart="never" nodeType="tmRoot"/>
+      </p:par>
+    </p:tnLst>
+  </p:timing>
+</p:sld>
+</file>
+
+<file path=ppt/slides/slide13.xml><?xml version="1.0" encoding="utf-8"?>
+<p:sld xmlns:a="http://schemas.openxmlformats.org/drawingml/2006/main" xmlns:r="http://schemas.openxmlformats.org/officeDocument/2006/relationships" xmlns:p="http://schemas.openxmlformats.org/presentationml/2006/main">
+  <p:cSld>
+    <p:spTree>
+      <p:nvGrpSpPr>
+        <p:cNvPr id="1" name=""/>
+        <p:cNvGrpSpPr/>
+        <p:nvPr/>
+      </p:nvGrpSpPr>
+      <p:grpSpPr>
+        <a:xfrm>
+          <a:off x="0" y="0"/>
+          <a:ext cx="0" cy="0"/>
+          <a:chOff x="0" y="0"/>
+          <a:chExt cx="0" cy="0"/>
+        </a:xfrm>
+      </p:grpSpPr>
       <p:sp>
         <p:nvSpPr>
-          <p:cNvPr id="22" name="Retângulo de cantos arredondados 21"/>
+          <p:cNvPr id="2" name="Retângulo 1"/>
           <p:cNvSpPr/>
           <p:nvPr/>
         </p:nvSpPr>
         <p:spPr>
           <a:xfrm>
-            <a:off x="5402188" y="1513130"/>
-            <a:ext cx="576064" cy="464508"/>
+            <a:off x="2915814" y="476671"/>
+            <a:ext cx="3527623" cy="5681775"/>
           </a:xfrm>
-          <a:prstGeom prst="roundRect">
-            <a:avLst>
-              <a:gd name="adj" fmla="val 29791"/>
-            </a:avLst>
+          <a:prstGeom prst="rect">
+            <a:avLst/>
           </a:prstGeom>
           <a:solidFill>
-            <a:schemeClr val="bg1">
-              <a:lumMod val="65000"/>
-            </a:schemeClr>
+            <a:schemeClr val="bg1"/>
           </a:solidFill>
           <a:ln>
             <a:noFill/>
@@ -12548,675 +12581,14 @@
           <a:lstStyle/>
           <a:p>
             <a:pPr algn="ctr"/>
-            <a:endParaRPr lang="pt-BR"/>
+            <a:endParaRPr lang="pt-BR" b="1" dirty="0">
+              <a:solidFill>
+                <a:srgbClr val="E1B12C"/>
+              </a:solidFill>
+            </a:endParaRPr>
           </a:p>
         </p:txBody>
       </p:sp>
-      <p:sp>
-        <p:nvSpPr>
-          <p:cNvPr id="20" name="Retângulo de cantos arredondados 19"/>
-          <p:cNvSpPr/>
-          <p:nvPr/>
-        </p:nvSpPr>
-        <p:spPr>
-          <a:xfrm>
-            <a:off x="3881594" y="1508736"/>
-            <a:ext cx="1770526" cy="472143"/>
-          </a:xfrm>
-          <a:prstGeom prst="roundRect">
-            <a:avLst>
-              <a:gd name="adj" fmla="val 36034"/>
-            </a:avLst>
-          </a:prstGeom>
-          <a:solidFill>
-            <a:schemeClr val="bg1">
-              <a:lumMod val="85000"/>
-            </a:schemeClr>
-          </a:solidFill>
-          <a:ln>
-            <a:noFill/>
-          </a:ln>
-        </p:spPr>
-        <p:style>
-          <a:lnRef idx="2">
-            <a:schemeClr val="accent1">
-              <a:shade val="50000"/>
-            </a:schemeClr>
-          </a:lnRef>
-          <a:fillRef idx="1">
-            <a:schemeClr val="accent1"/>
-          </a:fillRef>
-          <a:effectRef idx="0">
-            <a:schemeClr val="accent1"/>
-          </a:effectRef>
-          <a:fontRef idx="minor">
-            <a:schemeClr val="lt1"/>
-          </a:fontRef>
-        </p:style>
-        <p:txBody>
-          <a:bodyPr rtlCol="0" anchor="ctr"/>
-          <a:lstStyle/>
-          <a:p>
-            <a:pPr algn="ctr"/>
-            <a:endParaRPr lang="pt-BR"/>
-          </a:p>
-        </p:txBody>
-      </p:sp>
-      <p:grpSp>
-        <p:nvGrpSpPr>
-          <p:cNvPr id="3" name="Grupo 2"/>
-          <p:cNvGrpSpPr/>
-          <p:nvPr/>
-        </p:nvGrpSpPr>
-        <p:grpSpPr>
-          <a:xfrm>
-            <a:off x="3294847" y="1341474"/>
-            <a:ext cx="833218" cy="833218"/>
-            <a:chOff x="1082336" y="836712"/>
-            <a:chExt cx="2115750" cy="2115750"/>
-          </a:xfrm>
-        </p:grpSpPr>
-        <p:sp>
-          <p:nvSpPr>
-            <p:cNvPr id="4" name="Retângulo de cantos arredondados 3"/>
-            <p:cNvSpPr/>
-            <p:nvPr/>
-          </p:nvSpPr>
-          <p:spPr>
-            <a:xfrm>
-              <a:off x="1082336" y="836712"/>
-              <a:ext cx="2115750" cy="2115750"/>
-            </a:xfrm>
-            <a:prstGeom prst="roundRect">
-              <a:avLst/>
-            </a:prstGeom>
-            <a:solidFill>
-              <a:srgbClr val="C1E3C2"/>
-            </a:solidFill>
-            <a:ln>
-              <a:noFill/>
-            </a:ln>
-          </p:spPr>
-          <p:style>
-            <a:lnRef idx="2">
-              <a:schemeClr val="accent1">
-                <a:shade val="50000"/>
-              </a:schemeClr>
-            </a:lnRef>
-            <a:fillRef idx="1">
-              <a:schemeClr val="accent1"/>
-            </a:fillRef>
-            <a:effectRef idx="0">
-              <a:schemeClr val="accent1"/>
-            </a:effectRef>
-            <a:fontRef idx="minor">
-              <a:schemeClr val="lt1"/>
-            </a:fontRef>
-          </p:style>
-          <p:txBody>
-            <a:bodyPr rtlCol="0" anchor="ctr"/>
-            <a:lstStyle/>
-            <a:p>
-              <a:pPr algn="ctr"/>
-              <a:endParaRPr lang="pt-BR"/>
-            </a:p>
-          </p:txBody>
-        </p:sp>
-        <p:grpSp>
-          <p:nvGrpSpPr>
-            <p:cNvPr id="5" name="Grupo 4"/>
-            <p:cNvGrpSpPr/>
-            <p:nvPr/>
-          </p:nvGrpSpPr>
-          <p:grpSpPr>
-            <a:xfrm>
-              <a:off x="1847520" y="1114078"/>
-              <a:ext cx="585381" cy="1561017"/>
-              <a:chOff x="4499992" y="1484783"/>
-              <a:chExt cx="1512168" cy="4032449"/>
-            </a:xfrm>
-          </p:grpSpPr>
-          <p:grpSp>
-            <p:nvGrpSpPr>
-              <p:cNvPr id="6" name="Grupo 5"/>
-              <p:cNvGrpSpPr/>
-              <p:nvPr/>
-            </p:nvGrpSpPr>
-            <p:grpSpPr>
-              <a:xfrm>
-                <a:off x="4499992" y="1865434"/>
-                <a:ext cx="1512168" cy="3651798"/>
-                <a:chOff x="4499992" y="1865434"/>
-                <a:chExt cx="1512168" cy="3651798"/>
-              </a:xfrm>
-            </p:grpSpPr>
-            <p:grpSp>
-              <p:nvGrpSpPr>
-                <p:cNvPr id="11" name="Grupo 10"/>
-                <p:cNvGrpSpPr/>
-                <p:nvPr/>
-              </p:nvGrpSpPr>
-              <p:grpSpPr>
-                <a:xfrm>
-                  <a:off x="4499992" y="1865434"/>
-                  <a:ext cx="1512168" cy="3651798"/>
-                  <a:chOff x="4499992" y="1865434"/>
-                  <a:chExt cx="1512168" cy="3651798"/>
-                </a:xfrm>
-                <a:solidFill>
-                  <a:srgbClr val="87C7D9"/>
-                </a:solidFill>
-                <a:effectLst/>
-              </p:grpSpPr>
-              <p:sp>
-                <p:nvSpPr>
-                  <p:cNvPr id="14" name="Retângulo de cantos arredondados 13"/>
-                  <p:cNvSpPr/>
-                  <p:nvPr/>
-                </p:nvSpPr>
-                <p:spPr>
-                  <a:xfrm>
-                    <a:off x="4499992" y="2453032"/>
-                    <a:ext cx="1512168" cy="2808312"/>
-                  </a:xfrm>
-                  <a:prstGeom prst="roundRect">
-                    <a:avLst/>
-                  </a:prstGeom>
-                  <a:grpFill/>
-                  <a:ln>
-                    <a:noFill/>
-                  </a:ln>
-                </p:spPr>
-                <p:style>
-                  <a:lnRef idx="2">
-                    <a:schemeClr val="accent1">
-                      <a:shade val="50000"/>
-                    </a:schemeClr>
-                  </a:lnRef>
-                  <a:fillRef idx="1">
-                    <a:schemeClr val="accent1"/>
-                  </a:fillRef>
-                  <a:effectRef idx="0">
-                    <a:schemeClr val="accent1"/>
-                  </a:effectRef>
-                  <a:fontRef idx="minor">
-                    <a:schemeClr val="lt1"/>
-                  </a:fontRef>
-                </p:style>
-                <p:txBody>
-                  <a:bodyPr rtlCol="0" anchor="ctr"/>
-                  <a:lstStyle/>
-                  <a:p>
-                    <a:pPr algn="ctr"/>
-                    <a:endParaRPr lang="pt-BR"/>
-                  </a:p>
-                </p:txBody>
-              </p:sp>
-              <p:sp>
-                <p:nvSpPr>
-                  <p:cNvPr id="15" name="Elipse 14"/>
-                  <p:cNvSpPr/>
-                  <p:nvPr/>
-                </p:nvSpPr>
-                <p:spPr>
-                  <a:xfrm>
-                    <a:off x="4499992" y="1865434"/>
-                    <a:ext cx="1512168" cy="1413222"/>
-                  </a:xfrm>
-                  <a:prstGeom prst="ellipse">
-                    <a:avLst/>
-                  </a:prstGeom>
-                  <a:grpFill/>
-                  <a:ln>
-                    <a:noFill/>
-                  </a:ln>
-                </p:spPr>
-                <p:style>
-                  <a:lnRef idx="2">
-                    <a:schemeClr val="accent1">
-                      <a:shade val="50000"/>
-                    </a:schemeClr>
-                  </a:lnRef>
-                  <a:fillRef idx="1">
-                    <a:schemeClr val="accent1"/>
-                  </a:fillRef>
-                  <a:effectRef idx="0">
-                    <a:schemeClr val="accent1"/>
-                  </a:effectRef>
-                  <a:fontRef idx="minor">
-                    <a:schemeClr val="lt1"/>
-                  </a:fontRef>
-                </p:style>
-                <p:txBody>
-                  <a:bodyPr rtlCol="0" anchor="ctr"/>
-                  <a:lstStyle/>
-                  <a:p>
-                    <a:pPr algn="ctr"/>
-                    <a:endParaRPr lang="pt-BR"/>
-                  </a:p>
-                </p:txBody>
-              </p:sp>
-              <p:sp>
-                <p:nvSpPr>
-                  <p:cNvPr id="16" name="Elipse 15"/>
-                  <p:cNvSpPr/>
-                  <p:nvPr/>
-                </p:nvSpPr>
-                <p:spPr>
-                  <a:xfrm>
-                    <a:off x="4499992" y="4602832"/>
-                    <a:ext cx="648072" cy="914400"/>
-                  </a:xfrm>
-                  <a:prstGeom prst="ellipse">
-                    <a:avLst/>
-                  </a:prstGeom>
-                  <a:grpFill/>
-                  <a:ln>
-                    <a:noFill/>
-                  </a:ln>
-                </p:spPr>
-                <p:style>
-                  <a:lnRef idx="2">
-                    <a:schemeClr val="accent1">
-                      <a:shade val="50000"/>
-                    </a:schemeClr>
-                  </a:lnRef>
-                  <a:fillRef idx="1">
-                    <a:schemeClr val="accent1"/>
-                  </a:fillRef>
-                  <a:effectRef idx="0">
-                    <a:schemeClr val="accent1"/>
-                  </a:effectRef>
-                  <a:fontRef idx="minor">
-                    <a:schemeClr val="lt1"/>
-                  </a:fontRef>
-                </p:style>
-                <p:txBody>
-                  <a:bodyPr rtlCol="0" anchor="ctr"/>
-                  <a:lstStyle/>
-                  <a:p>
-                    <a:pPr algn="ctr"/>
-                    <a:endParaRPr lang="pt-BR"/>
-                  </a:p>
-                </p:txBody>
-              </p:sp>
-              <p:sp>
-                <p:nvSpPr>
-                  <p:cNvPr id="17" name="Elipse 16"/>
-                  <p:cNvSpPr/>
-                  <p:nvPr/>
-                </p:nvSpPr>
-                <p:spPr>
-                  <a:xfrm>
-                    <a:off x="4932040" y="4602832"/>
-                    <a:ext cx="648072" cy="914400"/>
-                  </a:xfrm>
-                  <a:prstGeom prst="ellipse">
-                    <a:avLst/>
-                  </a:prstGeom>
-                  <a:grpFill/>
-                  <a:ln>
-                    <a:noFill/>
-                  </a:ln>
-                </p:spPr>
-                <p:style>
-                  <a:lnRef idx="2">
-                    <a:schemeClr val="accent1">
-                      <a:shade val="50000"/>
-                    </a:schemeClr>
-                  </a:lnRef>
-                  <a:fillRef idx="1">
-                    <a:schemeClr val="accent1"/>
-                  </a:fillRef>
-                  <a:effectRef idx="0">
-                    <a:schemeClr val="accent1"/>
-                  </a:effectRef>
-                  <a:fontRef idx="minor">
-                    <a:schemeClr val="lt1"/>
-                  </a:fontRef>
-                </p:style>
-                <p:txBody>
-                  <a:bodyPr rtlCol="0" anchor="ctr"/>
-                  <a:lstStyle/>
-                  <a:p>
-                    <a:pPr algn="ctr"/>
-                    <a:endParaRPr lang="pt-BR"/>
-                  </a:p>
-                </p:txBody>
-              </p:sp>
-              <p:sp>
-                <p:nvSpPr>
-                  <p:cNvPr id="18" name="Elipse 17"/>
-                  <p:cNvSpPr/>
-                  <p:nvPr/>
-                </p:nvSpPr>
-                <p:spPr>
-                  <a:xfrm>
-                    <a:off x="5364088" y="4602832"/>
-                    <a:ext cx="648072" cy="914400"/>
-                  </a:xfrm>
-                  <a:prstGeom prst="ellipse">
-                    <a:avLst/>
-                  </a:prstGeom>
-                  <a:grpFill/>
-                  <a:ln>
-                    <a:noFill/>
-                  </a:ln>
-                </p:spPr>
-                <p:style>
-                  <a:lnRef idx="2">
-                    <a:schemeClr val="accent1">
-                      <a:shade val="50000"/>
-                    </a:schemeClr>
-                  </a:lnRef>
-                  <a:fillRef idx="1">
-                    <a:schemeClr val="accent1"/>
-                  </a:fillRef>
-                  <a:effectRef idx="0">
-                    <a:schemeClr val="accent1"/>
-                  </a:effectRef>
-                  <a:fontRef idx="minor">
-                    <a:schemeClr val="lt1"/>
-                  </a:fontRef>
-                </p:style>
-                <p:txBody>
-                  <a:bodyPr rtlCol="0" anchor="ctr"/>
-                  <a:lstStyle/>
-                  <a:p>
-                    <a:pPr algn="ctr"/>
-                    <a:endParaRPr lang="pt-BR"/>
-                  </a:p>
-                </p:txBody>
-              </p:sp>
-            </p:grpSp>
-            <p:sp>
-              <p:nvSpPr>
-                <p:cNvPr id="12" name="Retângulo 11"/>
-                <p:cNvSpPr/>
-                <p:nvPr/>
-              </p:nvSpPr>
-              <p:spPr>
-                <a:xfrm>
-                  <a:off x="4499992" y="3278656"/>
-                  <a:ext cx="1512168" cy="1080120"/>
-                </a:xfrm>
-                <a:prstGeom prst="rect">
-                  <a:avLst/>
-                </a:prstGeom>
-                <a:solidFill>
-                  <a:srgbClr val="47AAC5"/>
-                </a:solidFill>
-                <a:ln>
-                  <a:noFill/>
-                </a:ln>
-              </p:spPr>
-              <p:style>
-                <a:lnRef idx="2">
-                  <a:schemeClr val="accent1">
-                    <a:shade val="50000"/>
-                  </a:schemeClr>
-                </a:lnRef>
-                <a:fillRef idx="1">
-                  <a:schemeClr val="accent1"/>
-                </a:fillRef>
-                <a:effectRef idx="0">
-                  <a:schemeClr val="accent1"/>
-                </a:effectRef>
-                <a:fontRef idx="minor">
-                  <a:schemeClr val="lt1"/>
-                </a:fontRef>
-              </p:style>
-              <p:txBody>
-                <a:bodyPr rtlCol="0" anchor="ctr"/>
-                <a:lstStyle/>
-                <a:p>
-                  <a:pPr algn="ctr"/>
-                  <a:endParaRPr lang="pt-BR"/>
-                </a:p>
-              </p:txBody>
-            </p:sp>
-            <p:sp>
-              <p:nvSpPr>
-                <p:cNvPr id="13" name="Elipse 12"/>
-                <p:cNvSpPr/>
-                <p:nvPr/>
-              </p:nvSpPr>
-              <p:spPr>
-                <a:xfrm>
-                  <a:off x="4942892" y="3505532"/>
-                  <a:ext cx="626368" cy="626368"/>
-                </a:xfrm>
-                <a:prstGeom prst="ellipse">
-                  <a:avLst/>
-                </a:prstGeom>
-                <a:solidFill>
-                  <a:schemeClr val="bg1"/>
-                </a:solidFill>
-                <a:ln>
-                  <a:noFill/>
-                </a:ln>
-              </p:spPr>
-              <p:style>
-                <a:lnRef idx="2">
-                  <a:schemeClr val="accent1">
-                    <a:shade val="50000"/>
-                  </a:schemeClr>
-                </a:lnRef>
-                <a:fillRef idx="1">
-                  <a:schemeClr val="accent1"/>
-                </a:fillRef>
-                <a:effectRef idx="0">
-                  <a:schemeClr val="accent1"/>
-                </a:effectRef>
-                <a:fontRef idx="minor">
-                  <a:schemeClr val="lt1"/>
-                </a:fontRef>
-              </p:style>
-              <p:txBody>
-                <a:bodyPr rtlCol="0" anchor="ctr"/>
-                <a:lstStyle/>
-                <a:p>
-                  <a:pPr algn="ctr"/>
-                  <a:endParaRPr lang="pt-BR"/>
-                </a:p>
-              </p:txBody>
-            </p:sp>
-          </p:grpSp>
-          <p:sp>
-            <p:nvSpPr>
-              <p:cNvPr id="7" name="Retângulo de cantos arredondados 6"/>
-              <p:cNvSpPr/>
-              <p:nvPr/>
-            </p:nvSpPr>
-            <p:spPr>
-              <a:xfrm>
-                <a:off x="5780035" y="2572045"/>
-                <a:ext cx="102586" cy="2369123"/>
-              </a:xfrm>
-              <a:prstGeom prst="roundRect">
-                <a:avLst>
-                  <a:gd name="adj" fmla="val 50000"/>
-                </a:avLst>
-              </a:prstGeom>
-              <a:solidFill>
-                <a:srgbClr val="FFFFFF">
-                  <a:alpha val="38824"/>
-                </a:srgbClr>
-              </a:solidFill>
-              <a:ln>
-                <a:noFill/>
-              </a:ln>
-            </p:spPr>
-            <p:style>
-              <a:lnRef idx="2">
-                <a:schemeClr val="accent1">
-                  <a:shade val="50000"/>
-                </a:schemeClr>
-              </a:lnRef>
-              <a:fillRef idx="1">
-                <a:schemeClr val="accent1"/>
-              </a:fillRef>
-              <a:effectRef idx="0">
-                <a:schemeClr val="accent1"/>
-              </a:effectRef>
-              <a:fontRef idx="minor">
-                <a:schemeClr val="lt1"/>
-              </a:fontRef>
-            </p:style>
-            <p:txBody>
-              <a:bodyPr rtlCol="0" anchor="ctr"/>
-              <a:lstStyle/>
-              <a:p>
-                <a:pPr algn="ctr"/>
-                <a:endParaRPr lang="pt-BR"/>
-              </a:p>
-            </p:txBody>
-          </p:sp>
-          <p:sp>
-            <p:nvSpPr>
-              <p:cNvPr id="8" name="Retângulo de cantos arredondados 7"/>
-              <p:cNvSpPr/>
-              <p:nvPr/>
-            </p:nvSpPr>
-            <p:spPr>
-              <a:xfrm>
-                <a:off x="5004047" y="1794049"/>
-                <a:ext cx="504057" cy="71385"/>
-              </a:xfrm>
-              <a:prstGeom prst="roundRect">
-                <a:avLst>
-                  <a:gd name="adj" fmla="val 50000"/>
-                </a:avLst>
-              </a:prstGeom>
-              <a:solidFill>
-                <a:srgbClr val="87C7D9"/>
-              </a:solidFill>
-              <a:ln>
-                <a:noFill/>
-              </a:ln>
-            </p:spPr>
-            <p:style>
-              <a:lnRef idx="2">
-                <a:schemeClr val="accent1">
-                  <a:shade val="50000"/>
-                </a:schemeClr>
-              </a:lnRef>
-              <a:fillRef idx="1">
-                <a:schemeClr val="accent1"/>
-              </a:fillRef>
-              <a:effectRef idx="0">
-                <a:schemeClr val="accent1"/>
-              </a:effectRef>
-              <a:fontRef idx="minor">
-                <a:schemeClr val="lt1"/>
-              </a:fontRef>
-            </p:style>
-            <p:txBody>
-              <a:bodyPr rtlCol="0" anchor="ctr"/>
-              <a:lstStyle/>
-              <a:p>
-                <a:pPr algn="ctr"/>
-                <a:endParaRPr lang="pt-BR"/>
-              </a:p>
-            </p:txBody>
-          </p:sp>
-          <p:sp>
-            <p:nvSpPr>
-              <p:cNvPr id="9" name="Retângulo de cantos arredondados 8"/>
-              <p:cNvSpPr/>
-              <p:nvPr/>
-            </p:nvSpPr>
-            <p:spPr>
-              <a:xfrm>
-                <a:off x="5076056" y="1624159"/>
-                <a:ext cx="360040" cy="540193"/>
-              </a:xfrm>
-              <a:prstGeom prst="roundRect">
-                <a:avLst/>
-              </a:prstGeom>
-              <a:solidFill>
-                <a:srgbClr val="87C7D9"/>
-              </a:solidFill>
-              <a:ln>
-                <a:noFill/>
-              </a:ln>
-            </p:spPr>
-            <p:style>
-              <a:lnRef idx="2">
-                <a:schemeClr val="accent1">
-                  <a:shade val="50000"/>
-                </a:schemeClr>
-              </a:lnRef>
-              <a:fillRef idx="1">
-                <a:schemeClr val="accent1"/>
-              </a:fillRef>
-              <a:effectRef idx="0">
-                <a:schemeClr val="accent1"/>
-              </a:effectRef>
-              <a:fontRef idx="minor">
-                <a:schemeClr val="lt1"/>
-              </a:fontRef>
-            </p:style>
-            <p:txBody>
-              <a:bodyPr rtlCol="0" anchor="ctr"/>
-              <a:lstStyle/>
-              <a:p>
-                <a:pPr algn="ctr"/>
-                <a:endParaRPr lang="pt-BR"/>
-              </a:p>
-            </p:txBody>
-          </p:sp>
-          <p:sp>
-            <p:nvSpPr>
-              <p:cNvPr id="10" name="Arredondar Retângulo no Mesmo Canto Lateral 9"/>
-              <p:cNvSpPr/>
-              <p:nvPr/>
-            </p:nvSpPr>
-            <p:spPr>
-              <a:xfrm>
-                <a:off x="5009472" y="1484783"/>
-                <a:ext cx="493205" cy="288033"/>
-              </a:xfrm>
-              <a:prstGeom prst="round2SameRect">
-                <a:avLst>
-                  <a:gd name="adj1" fmla="val 26472"/>
-                  <a:gd name="adj2" fmla="val 6568"/>
-                </a:avLst>
-              </a:prstGeom>
-              <a:solidFill>
-                <a:srgbClr val="4AABC6"/>
-              </a:solidFill>
-              <a:ln>
-                <a:noFill/>
-              </a:ln>
-            </p:spPr>
-            <p:style>
-              <a:lnRef idx="2">
-                <a:schemeClr val="accent1">
-                  <a:shade val="50000"/>
-                </a:schemeClr>
-              </a:lnRef>
-              <a:fillRef idx="1">
-                <a:schemeClr val="accent1"/>
-              </a:fillRef>
-              <a:effectRef idx="0">
-                <a:schemeClr val="accent1"/>
-              </a:effectRef>
-              <a:fontRef idx="minor">
-                <a:schemeClr val="lt1"/>
-              </a:fontRef>
-            </p:style>
-            <p:txBody>
-              <a:bodyPr rtlCol="0" anchor="ctr"/>
-              <a:lstStyle/>
-              <a:p>
-                <a:pPr algn="ctr"/>
-                <a:endParaRPr lang="pt-BR"/>
-              </a:p>
-            </p:txBody>
-          </p:sp>
-        </p:grpSp>
-      </p:grpSp>
       <p:sp>
         <p:nvSpPr>
           <p:cNvPr id="19" name="CaixaDeTexto 18"/>
@@ -13275,82 +12647,40 @@
           </a:p>
         </p:txBody>
       </p:sp>
-      <p:sp>
-        <p:nvSpPr>
-          <p:cNvPr id="21" name="CaixaDeTexto 20"/>
-          <p:cNvSpPr txBox="1"/>
-          <p:nvPr/>
-        </p:nvSpPr>
-        <p:spPr>
-          <a:xfrm>
-            <a:off x="4102149" y="1561874"/>
-            <a:ext cx="1162498" cy="369332"/>
-          </a:xfrm>
-          <a:prstGeom prst="rect">
-            <a:avLst/>
-          </a:prstGeom>
-          <a:noFill/>
-        </p:spPr>
-        <p:txBody>
-          <a:bodyPr wrap="none" rtlCol="0">
-            <a:spAutoFit/>
-          </a:bodyPr>
-          <a:lstStyle/>
-          <a:p>
-            <a:r>
-              <a:rPr lang="pt-BR" dirty="0" smtClean="0">
-                <a:solidFill>
-                  <a:schemeClr val="tx1">
-                    <a:lumMod val="75000"/>
-                    <a:lumOff val="25000"/>
-                  </a:schemeClr>
-                </a:solidFill>
-              </a:rPr>
-              <a:t>Beba água</a:t>
-            </a:r>
-            <a:endParaRPr lang="pt-BR" dirty="0">
-              <a:solidFill>
-                <a:schemeClr val="tx1">
-                  <a:lumMod val="75000"/>
-                  <a:lumOff val="25000"/>
-                </a:schemeClr>
-              </a:solidFill>
-            </a:endParaRPr>
-          </a:p>
-        </p:txBody>
-      </p:sp>
       <p:grpSp>
         <p:nvGrpSpPr>
-          <p:cNvPr id="26" name="Grupo 25"/>
+          <p:cNvPr id="100" name="Grupo 99"/>
           <p:cNvGrpSpPr/>
           <p:nvPr/>
         </p:nvGrpSpPr>
         <p:grpSpPr>
           <a:xfrm>
-            <a:off x="5671204" y="1690605"/>
-            <a:ext cx="286952" cy="116063"/>
-            <a:chOff x="3867881" y="5634656"/>
-            <a:chExt cx="325833" cy="131473"/>
+            <a:off x="3294847" y="1341474"/>
+            <a:ext cx="2683405" cy="833218"/>
+            <a:chOff x="3294847" y="1341474"/>
+            <a:chExt cx="2683405" cy="833218"/>
           </a:xfrm>
         </p:grpSpPr>
         <p:sp>
           <p:nvSpPr>
-            <p:cNvPr id="23" name="Retângulo de cantos arredondados 22"/>
+            <p:cNvPr id="22" name="Retângulo de cantos arredondados 21"/>
             <p:cNvSpPr/>
             <p:nvPr/>
           </p:nvSpPr>
           <p:spPr>
             <a:xfrm>
-              <a:off x="3867881" y="5672882"/>
-              <a:ext cx="302643" cy="61523"/>
+              <a:off x="5402188" y="1513130"/>
+              <a:ext cx="576064" cy="464508"/>
             </a:xfrm>
             <a:prstGeom prst="roundRect">
               <a:avLst>
-                <a:gd name="adj" fmla="val 50000"/>
+                <a:gd name="adj" fmla="val 29791"/>
               </a:avLst>
             </a:prstGeom>
             <a:solidFill>
-              <a:schemeClr val="bg1"/>
+              <a:schemeClr val="bg1">
+                <a:lumMod val="65000"/>
+              </a:schemeClr>
             </a:solidFill>
             <a:ln>
               <a:noFill/>
@@ -13383,22 +12713,24 @@
         </p:sp>
         <p:sp>
           <p:nvSpPr>
-            <p:cNvPr id="24" name="Retângulo de cantos arredondados 23"/>
+            <p:cNvPr id="20" name="Retângulo de cantos arredondados 19"/>
             <p:cNvSpPr/>
             <p:nvPr/>
           </p:nvSpPr>
           <p:spPr>
-            <a:xfrm rot="19491298" flipV="1">
-              <a:off x="4008457" y="5710196"/>
-              <a:ext cx="185257" cy="55933"/>
+            <a:xfrm>
+              <a:off x="3881594" y="1508736"/>
+              <a:ext cx="1770526" cy="472143"/>
             </a:xfrm>
             <a:prstGeom prst="roundRect">
               <a:avLst>
-                <a:gd name="adj" fmla="val 50000"/>
+                <a:gd name="adj" fmla="val 36034"/>
               </a:avLst>
             </a:prstGeom>
             <a:solidFill>
-              <a:schemeClr val="bg1"/>
+              <a:schemeClr val="bg1">
+                <a:lumMod val="85000"/>
+              </a:schemeClr>
             </a:solidFill>
             <a:ln>
               <a:noFill/>
@@ -13429,54 +12761,824 @@
             </a:p>
           </p:txBody>
         </p:sp>
+        <p:grpSp>
+          <p:nvGrpSpPr>
+            <p:cNvPr id="3" name="Grupo 2"/>
+            <p:cNvGrpSpPr/>
+            <p:nvPr/>
+          </p:nvGrpSpPr>
+          <p:grpSpPr>
+            <a:xfrm>
+              <a:off x="3294847" y="1341474"/>
+              <a:ext cx="833218" cy="833218"/>
+              <a:chOff x="1082336" y="836712"/>
+              <a:chExt cx="2115750" cy="2115750"/>
+            </a:xfrm>
+          </p:grpSpPr>
+          <p:sp>
+            <p:nvSpPr>
+              <p:cNvPr id="4" name="Retângulo de cantos arredondados 3"/>
+              <p:cNvSpPr/>
+              <p:nvPr/>
+            </p:nvSpPr>
+            <p:spPr>
+              <a:xfrm>
+                <a:off x="1082336" y="836712"/>
+                <a:ext cx="2115750" cy="2115750"/>
+              </a:xfrm>
+              <a:prstGeom prst="roundRect">
+                <a:avLst/>
+              </a:prstGeom>
+              <a:solidFill>
+                <a:srgbClr val="C1E3C2"/>
+              </a:solidFill>
+              <a:ln>
+                <a:noFill/>
+              </a:ln>
+            </p:spPr>
+            <p:style>
+              <a:lnRef idx="2">
+                <a:schemeClr val="accent1">
+                  <a:shade val="50000"/>
+                </a:schemeClr>
+              </a:lnRef>
+              <a:fillRef idx="1">
+                <a:schemeClr val="accent1"/>
+              </a:fillRef>
+              <a:effectRef idx="0">
+                <a:schemeClr val="accent1"/>
+              </a:effectRef>
+              <a:fontRef idx="minor">
+                <a:schemeClr val="lt1"/>
+              </a:fontRef>
+            </p:style>
+            <p:txBody>
+              <a:bodyPr rtlCol="0" anchor="ctr"/>
+              <a:lstStyle/>
+              <a:p>
+                <a:pPr algn="ctr"/>
+                <a:endParaRPr lang="pt-BR"/>
+              </a:p>
+            </p:txBody>
+          </p:sp>
+          <p:grpSp>
+            <p:nvGrpSpPr>
+              <p:cNvPr id="5" name="Grupo 4"/>
+              <p:cNvGrpSpPr/>
+              <p:nvPr/>
+            </p:nvGrpSpPr>
+            <p:grpSpPr>
+              <a:xfrm>
+                <a:off x="1847520" y="1114078"/>
+                <a:ext cx="585381" cy="1561017"/>
+                <a:chOff x="4499992" y="1484783"/>
+                <a:chExt cx="1512168" cy="4032449"/>
+              </a:xfrm>
+            </p:grpSpPr>
+            <p:grpSp>
+              <p:nvGrpSpPr>
+                <p:cNvPr id="6" name="Grupo 5"/>
+                <p:cNvGrpSpPr/>
+                <p:nvPr/>
+              </p:nvGrpSpPr>
+              <p:grpSpPr>
+                <a:xfrm>
+                  <a:off x="4499992" y="1865434"/>
+                  <a:ext cx="1512168" cy="3651798"/>
+                  <a:chOff x="4499992" y="1865434"/>
+                  <a:chExt cx="1512168" cy="3651798"/>
+                </a:xfrm>
+              </p:grpSpPr>
+              <p:grpSp>
+                <p:nvGrpSpPr>
+                  <p:cNvPr id="11" name="Grupo 10"/>
+                  <p:cNvGrpSpPr/>
+                  <p:nvPr/>
+                </p:nvGrpSpPr>
+                <p:grpSpPr>
+                  <a:xfrm>
+                    <a:off x="4499992" y="1865434"/>
+                    <a:ext cx="1512168" cy="3651798"/>
+                    <a:chOff x="4499992" y="1865434"/>
+                    <a:chExt cx="1512168" cy="3651798"/>
+                  </a:xfrm>
+                  <a:solidFill>
+                    <a:srgbClr val="87C7D9"/>
+                  </a:solidFill>
+                  <a:effectLst/>
+                </p:grpSpPr>
+                <p:sp>
+                  <p:nvSpPr>
+                    <p:cNvPr id="14" name="Retângulo de cantos arredondados 13"/>
+                    <p:cNvSpPr/>
+                    <p:nvPr/>
+                  </p:nvSpPr>
+                  <p:spPr>
+                    <a:xfrm>
+                      <a:off x="4499992" y="2453032"/>
+                      <a:ext cx="1512168" cy="2808312"/>
+                    </a:xfrm>
+                    <a:prstGeom prst="roundRect">
+                      <a:avLst/>
+                    </a:prstGeom>
+                    <a:grpFill/>
+                    <a:ln>
+                      <a:noFill/>
+                    </a:ln>
+                  </p:spPr>
+                  <p:style>
+                    <a:lnRef idx="2">
+                      <a:schemeClr val="accent1">
+                        <a:shade val="50000"/>
+                      </a:schemeClr>
+                    </a:lnRef>
+                    <a:fillRef idx="1">
+                      <a:schemeClr val="accent1"/>
+                    </a:fillRef>
+                    <a:effectRef idx="0">
+                      <a:schemeClr val="accent1"/>
+                    </a:effectRef>
+                    <a:fontRef idx="minor">
+                      <a:schemeClr val="lt1"/>
+                    </a:fontRef>
+                  </p:style>
+                  <p:txBody>
+                    <a:bodyPr rtlCol="0" anchor="ctr"/>
+                    <a:lstStyle/>
+                    <a:p>
+                      <a:pPr algn="ctr"/>
+                      <a:endParaRPr lang="pt-BR"/>
+                    </a:p>
+                  </p:txBody>
+                </p:sp>
+                <p:sp>
+                  <p:nvSpPr>
+                    <p:cNvPr id="15" name="Elipse 14"/>
+                    <p:cNvSpPr/>
+                    <p:nvPr/>
+                  </p:nvSpPr>
+                  <p:spPr>
+                    <a:xfrm>
+                      <a:off x="4499992" y="1865434"/>
+                      <a:ext cx="1512168" cy="1413222"/>
+                    </a:xfrm>
+                    <a:prstGeom prst="ellipse">
+                      <a:avLst/>
+                    </a:prstGeom>
+                    <a:grpFill/>
+                    <a:ln>
+                      <a:noFill/>
+                    </a:ln>
+                  </p:spPr>
+                  <p:style>
+                    <a:lnRef idx="2">
+                      <a:schemeClr val="accent1">
+                        <a:shade val="50000"/>
+                      </a:schemeClr>
+                    </a:lnRef>
+                    <a:fillRef idx="1">
+                      <a:schemeClr val="accent1"/>
+                    </a:fillRef>
+                    <a:effectRef idx="0">
+                      <a:schemeClr val="accent1"/>
+                    </a:effectRef>
+                    <a:fontRef idx="minor">
+                      <a:schemeClr val="lt1"/>
+                    </a:fontRef>
+                  </p:style>
+                  <p:txBody>
+                    <a:bodyPr rtlCol="0" anchor="ctr"/>
+                    <a:lstStyle/>
+                    <a:p>
+                      <a:pPr algn="ctr"/>
+                      <a:endParaRPr lang="pt-BR"/>
+                    </a:p>
+                  </p:txBody>
+                </p:sp>
+                <p:sp>
+                  <p:nvSpPr>
+                    <p:cNvPr id="16" name="Elipse 15"/>
+                    <p:cNvSpPr/>
+                    <p:nvPr/>
+                  </p:nvSpPr>
+                  <p:spPr>
+                    <a:xfrm>
+                      <a:off x="4499992" y="4602832"/>
+                      <a:ext cx="648072" cy="914400"/>
+                    </a:xfrm>
+                    <a:prstGeom prst="ellipse">
+                      <a:avLst/>
+                    </a:prstGeom>
+                    <a:grpFill/>
+                    <a:ln>
+                      <a:noFill/>
+                    </a:ln>
+                  </p:spPr>
+                  <p:style>
+                    <a:lnRef idx="2">
+                      <a:schemeClr val="accent1">
+                        <a:shade val="50000"/>
+                      </a:schemeClr>
+                    </a:lnRef>
+                    <a:fillRef idx="1">
+                      <a:schemeClr val="accent1"/>
+                    </a:fillRef>
+                    <a:effectRef idx="0">
+                      <a:schemeClr val="accent1"/>
+                    </a:effectRef>
+                    <a:fontRef idx="minor">
+                      <a:schemeClr val="lt1"/>
+                    </a:fontRef>
+                  </p:style>
+                  <p:txBody>
+                    <a:bodyPr rtlCol="0" anchor="ctr"/>
+                    <a:lstStyle/>
+                    <a:p>
+                      <a:pPr algn="ctr"/>
+                      <a:endParaRPr lang="pt-BR"/>
+                    </a:p>
+                  </p:txBody>
+                </p:sp>
+                <p:sp>
+                  <p:nvSpPr>
+                    <p:cNvPr id="17" name="Elipse 16"/>
+                    <p:cNvSpPr/>
+                    <p:nvPr/>
+                  </p:nvSpPr>
+                  <p:spPr>
+                    <a:xfrm>
+                      <a:off x="4932040" y="4602832"/>
+                      <a:ext cx="648072" cy="914400"/>
+                    </a:xfrm>
+                    <a:prstGeom prst="ellipse">
+                      <a:avLst/>
+                    </a:prstGeom>
+                    <a:grpFill/>
+                    <a:ln>
+                      <a:noFill/>
+                    </a:ln>
+                  </p:spPr>
+                  <p:style>
+                    <a:lnRef idx="2">
+                      <a:schemeClr val="accent1">
+                        <a:shade val="50000"/>
+                      </a:schemeClr>
+                    </a:lnRef>
+                    <a:fillRef idx="1">
+                      <a:schemeClr val="accent1"/>
+                    </a:fillRef>
+                    <a:effectRef idx="0">
+                      <a:schemeClr val="accent1"/>
+                    </a:effectRef>
+                    <a:fontRef idx="minor">
+                      <a:schemeClr val="lt1"/>
+                    </a:fontRef>
+                  </p:style>
+                  <p:txBody>
+                    <a:bodyPr rtlCol="0" anchor="ctr"/>
+                    <a:lstStyle/>
+                    <a:p>
+                      <a:pPr algn="ctr"/>
+                      <a:endParaRPr lang="pt-BR"/>
+                    </a:p>
+                  </p:txBody>
+                </p:sp>
+                <p:sp>
+                  <p:nvSpPr>
+                    <p:cNvPr id="18" name="Elipse 17"/>
+                    <p:cNvSpPr/>
+                    <p:nvPr/>
+                  </p:nvSpPr>
+                  <p:spPr>
+                    <a:xfrm>
+                      <a:off x="5364088" y="4602832"/>
+                      <a:ext cx="648072" cy="914400"/>
+                    </a:xfrm>
+                    <a:prstGeom prst="ellipse">
+                      <a:avLst/>
+                    </a:prstGeom>
+                    <a:grpFill/>
+                    <a:ln>
+                      <a:noFill/>
+                    </a:ln>
+                  </p:spPr>
+                  <p:style>
+                    <a:lnRef idx="2">
+                      <a:schemeClr val="accent1">
+                        <a:shade val="50000"/>
+                      </a:schemeClr>
+                    </a:lnRef>
+                    <a:fillRef idx="1">
+                      <a:schemeClr val="accent1"/>
+                    </a:fillRef>
+                    <a:effectRef idx="0">
+                      <a:schemeClr val="accent1"/>
+                    </a:effectRef>
+                    <a:fontRef idx="minor">
+                      <a:schemeClr val="lt1"/>
+                    </a:fontRef>
+                  </p:style>
+                  <p:txBody>
+                    <a:bodyPr rtlCol="0" anchor="ctr"/>
+                    <a:lstStyle/>
+                    <a:p>
+                      <a:pPr algn="ctr"/>
+                      <a:endParaRPr lang="pt-BR"/>
+                    </a:p>
+                  </p:txBody>
+                </p:sp>
+              </p:grpSp>
+              <p:sp>
+                <p:nvSpPr>
+                  <p:cNvPr id="12" name="Retângulo 11"/>
+                  <p:cNvSpPr/>
+                  <p:nvPr/>
+                </p:nvSpPr>
+                <p:spPr>
+                  <a:xfrm>
+                    <a:off x="4499992" y="3278656"/>
+                    <a:ext cx="1512168" cy="1080120"/>
+                  </a:xfrm>
+                  <a:prstGeom prst="rect">
+                    <a:avLst/>
+                  </a:prstGeom>
+                  <a:solidFill>
+                    <a:srgbClr val="47AAC5"/>
+                  </a:solidFill>
+                  <a:ln>
+                    <a:noFill/>
+                  </a:ln>
+                </p:spPr>
+                <p:style>
+                  <a:lnRef idx="2">
+                    <a:schemeClr val="accent1">
+                      <a:shade val="50000"/>
+                    </a:schemeClr>
+                  </a:lnRef>
+                  <a:fillRef idx="1">
+                    <a:schemeClr val="accent1"/>
+                  </a:fillRef>
+                  <a:effectRef idx="0">
+                    <a:schemeClr val="accent1"/>
+                  </a:effectRef>
+                  <a:fontRef idx="minor">
+                    <a:schemeClr val="lt1"/>
+                  </a:fontRef>
+                </p:style>
+                <p:txBody>
+                  <a:bodyPr rtlCol="0" anchor="ctr"/>
+                  <a:lstStyle/>
+                  <a:p>
+                    <a:pPr algn="ctr"/>
+                    <a:endParaRPr lang="pt-BR"/>
+                  </a:p>
+                </p:txBody>
+              </p:sp>
+              <p:sp>
+                <p:nvSpPr>
+                  <p:cNvPr id="13" name="Elipse 12"/>
+                  <p:cNvSpPr/>
+                  <p:nvPr/>
+                </p:nvSpPr>
+                <p:spPr>
+                  <a:xfrm>
+                    <a:off x="4942892" y="3505532"/>
+                    <a:ext cx="626368" cy="626368"/>
+                  </a:xfrm>
+                  <a:prstGeom prst="ellipse">
+                    <a:avLst/>
+                  </a:prstGeom>
+                  <a:solidFill>
+                    <a:schemeClr val="bg1"/>
+                  </a:solidFill>
+                  <a:ln>
+                    <a:noFill/>
+                  </a:ln>
+                </p:spPr>
+                <p:style>
+                  <a:lnRef idx="2">
+                    <a:schemeClr val="accent1">
+                      <a:shade val="50000"/>
+                    </a:schemeClr>
+                  </a:lnRef>
+                  <a:fillRef idx="1">
+                    <a:schemeClr val="accent1"/>
+                  </a:fillRef>
+                  <a:effectRef idx="0">
+                    <a:schemeClr val="accent1"/>
+                  </a:effectRef>
+                  <a:fontRef idx="minor">
+                    <a:schemeClr val="lt1"/>
+                  </a:fontRef>
+                </p:style>
+                <p:txBody>
+                  <a:bodyPr rtlCol="0" anchor="ctr"/>
+                  <a:lstStyle/>
+                  <a:p>
+                    <a:pPr algn="ctr"/>
+                    <a:endParaRPr lang="pt-BR"/>
+                  </a:p>
+                </p:txBody>
+              </p:sp>
+            </p:grpSp>
+            <p:sp>
+              <p:nvSpPr>
+                <p:cNvPr id="7" name="Retângulo de cantos arredondados 6"/>
+                <p:cNvSpPr/>
+                <p:nvPr/>
+              </p:nvSpPr>
+              <p:spPr>
+                <a:xfrm>
+                  <a:off x="5780035" y="2572045"/>
+                  <a:ext cx="102586" cy="2369123"/>
+                </a:xfrm>
+                <a:prstGeom prst="roundRect">
+                  <a:avLst>
+                    <a:gd name="adj" fmla="val 50000"/>
+                  </a:avLst>
+                </a:prstGeom>
+                <a:solidFill>
+                  <a:srgbClr val="FFFFFF">
+                    <a:alpha val="38824"/>
+                  </a:srgbClr>
+                </a:solidFill>
+                <a:ln>
+                  <a:noFill/>
+                </a:ln>
+              </p:spPr>
+              <p:style>
+                <a:lnRef idx="2">
+                  <a:schemeClr val="accent1">
+                    <a:shade val="50000"/>
+                  </a:schemeClr>
+                </a:lnRef>
+                <a:fillRef idx="1">
+                  <a:schemeClr val="accent1"/>
+                </a:fillRef>
+                <a:effectRef idx="0">
+                  <a:schemeClr val="accent1"/>
+                </a:effectRef>
+                <a:fontRef idx="minor">
+                  <a:schemeClr val="lt1"/>
+                </a:fontRef>
+              </p:style>
+              <p:txBody>
+                <a:bodyPr rtlCol="0" anchor="ctr"/>
+                <a:lstStyle/>
+                <a:p>
+                  <a:pPr algn="ctr"/>
+                  <a:endParaRPr lang="pt-BR"/>
+                </a:p>
+              </p:txBody>
+            </p:sp>
+            <p:sp>
+              <p:nvSpPr>
+                <p:cNvPr id="8" name="Retângulo de cantos arredondados 7"/>
+                <p:cNvSpPr/>
+                <p:nvPr/>
+              </p:nvSpPr>
+              <p:spPr>
+                <a:xfrm>
+                  <a:off x="5004047" y="1794049"/>
+                  <a:ext cx="504057" cy="71385"/>
+                </a:xfrm>
+                <a:prstGeom prst="roundRect">
+                  <a:avLst>
+                    <a:gd name="adj" fmla="val 50000"/>
+                  </a:avLst>
+                </a:prstGeom>
+                <a:solidFill>
+                  <a:srgbClr val="87C7D9"/>
+                </a:solidFill>
+                <a:ln>
+                  <a:noFill/>
+                </a:ln>
+              </p:spPr>
+              <p:style>
+                <a:lnRef idx="2">
+                  <a:schemeClr val="accent1">
+                    <a:shade val="50000"/>
+                  </a:schemeClr>
+                </a:lnRef>
+                <a:fillRef idx="1">
+                  <a:schemeClr val="accent1"/>
+                </a:fillRef>
+                <a:effectRef idx="0">
+                  <a:schemeClr val="accent1"/>
+                </a:effectRef>
+                <a:fontRef idx="minor">
+                  <a:schemeClr val="lt1"/>
+                </a:fontRef>
+              </p:style>
+              <p:txBody>
+                <a:bodyPr rtlCol="0" anchor="ctr"/>
+                <a:lstStyle/>
+                <a:p>
+                  <a:pPr algn="ctr"/>
+                  <a:endParaRPr lang="pt-BR"/>
+                </a:p>
+              </p:txBody>
+            </p:sp>
+            <p:sp>
+              <p:nvSpPr>
+                <p:cNvPr id="9" name="Retângulo de cantos arredondados 8"/>
+                <p:cNvSpPr/>
+                <p:nvPr/>
+              </p:nvSpPr>
+              <p:spPr>
+                <a:xfrm>
+                  <a:off x="5076056" y="1624159"/>
+                  <a:ext cx="360040" cy="540193"/>
+                </a:xfrm>
+                <a:prstGeom prst="roundRect">
+                  <a:avLst/>
+                </a:prstGeom>
+                <a:solidFill>
+                  <a:srgbClr val="87C7D9"/>
+                </a:solidFill>
+                <a:ln>
+                  <a:noFill/>
+                </a:ln>
+              </p:spPr>
+              <p:style>
+                <a:lnRef idx="2">
+                  <a:schemeClr val="accent1">
+                    <a:shade val="50000"/>
+                  </a:schemeClr>
+                </a:lnRef>
+                <a:fillRef idx="1">
+                  <a:schemeClr val="accent1"/>
+                </a:fillRef>
+                <a:effectRef idx="0">
+                  <a:schemeClr val="accent1"/>
+                </a:effectRef>
+                <a:fontRef idx="minor">
+                  <a:schemeClr val="lt1"/>
+                </a:fontRef>
+              </p:style>
+              <p:txBody>
+                <a:bodyPr rtlCol="0" anchor="ctr"/>
+                <a:lstStyle/>
+                <a:p>
+                  <a:pPr algn="ctr"/>
+                  <a:endParaRPr lang="pt-BR"/>
+                </a:p>
+              </p:txBody>
+            </p:sp>
+            <p:sp>
+              <p:nvSpPr>
+                <p:cNvPr id="10" name="Arredondar Retângulo no Mesmo Canto Lateral 9"/>
+                <p:cNvSpPr/>
+                <p:nvPr/>
+              </p:nvSpPr>
+              <p:spPr>
+                <a:xfrm>
+                  <a:off x="5009472" y="1484783"/>
+                  <a:ext cx="493205" cy="288033"/>
+                </a:xfrm>
+                <a:prstGeom prst="round2SameRect">
+                  <a:avLst>
+                    <a:gd name="adj1" fmla="val 26472"/>
+                    <a:gd name="adj2" fmla="val 6568"/>
+                  </a:avLst>
+                </a:prstGeom>
+                <a:solidFill>
+                  <a:srgbClr val="4AABC6"/>
+                </a:solidFill>
+                <a:ln>
+                  <a:noFill/>
+                </a:ln>
+              </p:spPr>
+              <p:style>
+                <a:lnRef idx="2">
+                  <a:schemeClr val="accent1">
+                    <a:shade val="50000"/>
+                  </a:schemeClr>
+                </a:lnRef>
+                <a:fillRef idx="1">
+                  <a:schemeClr val="accent1"/>
+                </a:fillRef>
+                <a:effectRef idx="0">
+                  <a:schemeClr val="accent1"/>
+                </a:effectRef>
+                <a:fontRef idx="minor">
+                  <a:schemeClr val="lt1"/>
+                </a:fontRef>
+              </p:style>
+              <p:txBody>
+                <a:bodyPr rtlCol="0" anchor="ctr"/>
+                <a:lstStyle/>
+                <a:p>
+                  <a:pPr algn="ctr"/>
+                  <a:endParaRPr lang="pt-BR"/>
+                </a:p>
+              </p:txBody>
+            </p:sp>
+          </p:grpSp>
+        </p:grpSp>
         <p:sp>
           <p:nvSpPr>
-            <p:cNvPr id="25" name="Retângulo de cantos arredondados 24"/>
-            <p:cNvSpPr/>
+            <p:cNvPr id="21" name="CaixaDeTexto 20"/>
+            <p:cNvSpPr txBox="1"/>
             <p:nvPr/>
           </p:nvSpPr>
           <p:spPr>
-            <a:xfrm rot="2108702">
-              <a:off x="4007869" y="5634656"/>
-              <a:ext cx="185257" cy="55535"/>
+            <a:xfrm>
+              <a:off x="4102149" y="1561874"/>
+              <a:ext cx="1162498" cy="369332"/>
             </a:xfrm>
-            <a:prstGeom prst="roundRect">
-              <a:avLst>
-                <a:gd name="adj" fmla="val 50000"/>
-              </a:avLst>
+            <a:prstGeom prst="rect">
+              <a:avLst/>
             </a:prstGeom>
-            <a:solidFill>
-              <a:schemeClr val="bg1"/>
-            </a:solidFill>
-            <a:ln>
-              <a:noFill/>
-            </a:ln>
+            <a:noFill/>
           </p:spPr>
-          <p:style>
-            <a:lnRef idx="2">
-              <a:schemeClr val="accent1">
-                <a:shade val="50000"/>
-              </a:schemeClr>
-            </a:lnRef>
-            <a:fillRef idx="1">
-              <a:schemeClr val="accent1"/>
-            </a:fillRef>
-            <a:effectRef idx="0">
-              <a:schemeClr val="accent1"/>
-            </a:effectRef>
-            <a:fontRef idx="minor">
-              <a:schemeClr val="lt1"/>
-            </a:fontRef>
-          </p:style>
           <p:txBody>
-            <a:bodyPr rtlCol="0" anchor="ctr"/>
+            <a:bodyPr wrap="none" rtlCol="0">
+              <a:spAutoFit/>
+            </a:bodyPr>
             <a:lstStyle/>
             <a:p>
-              <a:pPr algn="ctr"/>
-              <a:endParaRPr lang="pt-BR"/>
+              <a:r>
+                <a:rPr lang="pt-BR" dirty="0" smtClean="0">
+                  <a:solidFill>
+                    <a:schemeClr val="tx1">
+                      <a:lumMod val="75000"/>
+                      <a:lumOff val="25000"/>
+                    </a:schemeClr>
+                  </a:solidFill>
+                </a:rPr>
+                <a:t>Beba água</a:t>
+              </a:r>
+              <a:endParaRPr lang="pt-BR" dirty="0">
+                <a:solidFill>
+                  <a:schemeClr val="tx1">
+                    <a:lumMod val="75000"/>
+                    <a:lumOff val="25000"/>
+                  </a:schemeClr>
+                </a:solidFill>
+              </a:endParaRPr>
             </a:p>
           </p:txBody>
         </p:sp>
+        <p:grpSp>
+          <p:nvGrpSpPr>
+            <p:cNvPr id="26" name="Grupo 25"/>
+            <p:cNvGrpSpPr/>
+            <p:nvPr/>
+          </p:nvGrpSpPr>
+          <p:grpSpPr>
+            <a:xfrm>
+              <a:off x="5671204" y="1690605"/>
+              <a:ext cx="286952" cy="116063"/>
+              <a:chOff x="3867881" y="5634656"/>
+              <a:chExt cx="325833" cy="131473"/>
+            </a:xfrm>
+          </p:grpSpPr>
+          <p:sp>
+            <p:nvSpPr>
+              <p:cNvPr id="23" name="Retângulo de cantos arredondados 22"/>
+              <p:cNvSpPr/>
+              <p:nvPr/>
+            </p:nvSpPr>
+            <p:spPr>
+              <a:xfrm>
+                <a:off x="3867881" y="5672882"/>
+                <a:ext cx="302643" cy="61523"/>
+              </a:xfrm>
+              <a:prstGeom prst="roundRect">
+                <a:avLst>
+                  <a:gd name="adj" fmla="val 50000"/>
+                </a:avLst>
+              </a:prstGeom>
+              <a:solidFill>
+                <a:schemeClr val="bg1"/>
+              </a:solidFill>
+              <a:ln>
+                <a:noFill/>
+              </a:ln>
+            </p:spPr>
+            <p:style>
+              <a:lnRef idx="2">
+                <a:schemeClr val="accent1">
+                  <a:shade val="50000"/>
+                </a:schemeClr>
+              </a:lnRef>
+              <a:fillRef idx="1">
+                <a:schemeClr val="accent1"/>
+              </a:fillRef>
+              <a:effectRef idx="0">
+                <a:schemeClr val="accent1"/>
+              </a:effectRef>
+              <a:fontRef idx="minor">
+                <a:schemeClr val="lt1"/>
+              </a:fontRef>
+            </p:style>
+            <p:txBody>
+              <a:bodyPr rtlCol="0" anchor="ctr"/>
+              <a:lstStyle/>
+              <a:p>
+                <a:pPr algn="ctr"/>
+                <a:endParaRPr lang="pt-BR"/>
+              </a:p>
+            </p:txBody>
+          </p:sp>
+          <p:sp>
+            <p:nvSpPr>
+              <p:cNvPr id="24" name="Retângulo de cantos arredondados 23"/>
+              <p:cNvSpPr/>
+              <p:nvPr/>
+            </p:nvSpPr>
+            <p:spPr>
+              <a:xfrm rot="19491298" flipV="1">
+                <a:off x="4008457" y="5710196"/>
+                <a:ext cx="185257" cy="55933"/>
+              </a:xfrm>
+              <a:prstGeom prst="roundRect">
+                <a:avLst>
+                  <a:gd name="adj" fmla="val 50000"/>
+                </a:avLst>
+              </a:prstGeom>
+              <a:solidFill>
+                <a:schemeClr val="bg1"/>
+              </a:solidFill>
+              <a:ln>
+                <a:noFill/>
+              </a:ln>
+            </p:spPr>
+            <p:style>
+              <a:lnRef idx="2">
+                <a:schemeClr val="accent1">
+                  <a:shade val="50000"/>
+                </a:schemeClr>
+              </a:lnRef>
+              <a:fillRef idx="1">
+                <a:schemeClr val="accent1"/>
+              </a:fillRef>
+              <a:effectRef idx="0">
+                <a:schemeClr val="accent1"/>
+              </a:effectRef>
+              <a:fontRef idx="minor">
+                <a:schemeClr val="lt1"/>
+              </a:fontRef>
+            </p:style>
+            <p:txBody>
+              <a:bodyPr rtlCol="0" anchor="ctr"/>
+              <a:lstStyle/>
+              <a:p>
+                <a:pPr algn="ctr"/>
+                <a:endParaRPr lang="pt-BR"/>
+              </a:p>
+            </p:txBody>
+          </p:sp>
+          <p:sp>
+            <p:nvSpPr>
+              <p:cNvPr id="25" name="Retângulo de cantos arredondados 24"/>
+              <p:cNvSpPr/>
+              <p:nvPr/>
+            </p:nvSpPr>
+            <p:spPr>
+              <a:xfrm rot="2108702">
+                <a:off x="4007869" y="5634656"/>
+                <a:ext cx="185257" cy="55535"/>
+              </a:xfrm>
+              <a:prstGeom prst="roundRect">
+                <a:avLst>
+                  <a:gd name="adj" fmla="val 50000"/>
+                </a:avLst>
+              </a:prstGeom>
+              <a:solidFill>
+                <a:schemeClr val="bg1"/>
+              </a:solidFill>
+              <a:ln>
+                <a:noFill/>
+              </a:ln>
+            </p:spPr>
+            <p:style>
+              <a:lnRef idx="2">
+                <a:schemeClr val="accent1">
+                  <a:shade val="50000"/>
+                </a:schemeClr>
+              </a:lnRef>
+              <a:fillRef idx="1">
+                <a:schemeClr val="accent1"/>
+              </a:fillRef>
+              <a:effectRef idx="0">
+                <a:schemeClr val="accent1"/>
+              </a:effectRef>
+              <a:fontRef idx="minor">
+                <a:schemeClr val="lt1"/>
+              </a:fontRef>
+            </p:style>
+            <p:txBody>
+              <a:bodyPr rtlCol="0" anchor="ctr"/>
+              <a:lstStyle/>
+              <a:p>
+                <a:pPr algn="ctr"/>
+                <a:endParaRPr lang="pt-BR"/>
+              </a:p>
+            </p:txBody>
+          </p:sp>
+        </p:grpSp>
       </p:grpSp>
       <p:grpSp>
         <p:nvGrpSpPr>
@@ -15352,7 +15454,7 @@
         </p:nvGrpSpPr>
         <p:grpSpPr>
           <a:xfrm>
-            <a:off x="3364118" y="4869160"/>
+            <a:off x="3337922" y="4581128"/>
             <a:ext cx="2683405" cy="833218"/>
             <a:chOff x="3447247" y="1493874"/>
             <a:chExt cx="2683405" cy="833218"/>
@@ -16351,12 +16453,8 @@
           <a:p>
             <a:pPr algn="ctr"/>
             <a:r>
-              <a:rPr lang="pt-BR" b="1" dirty="0" smtClean="0"/>
-              <a:t>Dicas</a:t>
-            </a:r>
-            <a:r>
               <a:rPr lang="pt-BR" dirty="0" smtClean="0"/>
-              <a:t>:</a:t>
+              <a:t>Notificações:</a:t>
             </a:r>
             <a:endParaRPr lang="pt-BR" dirty="0"/>
           </a:p>
@@ -16366,43 +16464,6 @@
     <p:extLst>
       <p:ext uri="{BB962C8B-B14F-4D97-AF65-F5344CB8AC3E}">
         <p14:creationId xmlns:p14="http://schemas.microsoft.com/office/powerpoint/2010/main" val="1731839163"/>
-      </p:ext>
-    </p:extLst>
-  </p:cSld>
-  <p:clrMapOvr>
-    <a:masterClrMapping/>
-  </p:clrMapOvr>
-  <p:timing>
-    <p:tnLst>
-      <p:par>
-        <p:cTn id="1" dur="indefinite" restart="never" nodeType="tmRoot"/>
-      </p:par>
-    </p:tnLst>
-  </p:timing>
-</p:sld>
-</file>
-
-<file path=ppt/slides/slide13.xml><?xml version="1.0" encoding="utf-8"?>
-<p:sld xmlns:a="http://schemas.openxmlformats.org/drawingml/2006/main" xmlns:r="http://schemas.openxmlformats.org/officeDocument/2006/relationships" xmlns:p="http://schemas.openxmlformats.org/presentationml/2006/main">
-  <p:cSld>
-    <p:spTree>
-      <p:nvGrpSpPr>
-        <p:cNvPr id="1" name=""/>
-        <p:cNvGrpSpPr/>
-        <p:nvPr/>
-      </p:nvGrpSpPr>
-      <p:grpSpPr>
-        <a:xfrm>
-          <a:off x="0" y="0"/>
-          <a:ext cx="0" cy="0"/>
-          <a:chOff x="0" y="0"/>
-          <a:chExt cx="0" cy="0"/>
-        </a:xfrm>
-      </p:grpSpPr>
-    </p:spTree>
-    <p:extLst>
-      <p:ext uri="{BB962C8B-B14F-4D97-AF65-F5344CB8AC3E}">
-        <p14:creationId xmlns:p14="http://schemas.microsoft.com/office/powerpoint/2010/main" val="1772685782"/>
       </p:ext>
     </p:extLst>
   </p:cSld>

--- a/design.pptx
+++ b/design.pptx
@@ -118,7 +118,7 @@
   </p:defaultTextStyle>
   <p:extLst>
     <p:ext uri="{EFAFB233-063F-42B5-8137-9DF3F51BA10A}">
-      <p15:sldGuideLst xmlns:p15="http://schemas.microsoft.com/office/powerpoint/2012/main">
+      <p15:sldGuideLst xmlns:p15="http://schemas.microsoft.com/office/powerpoint/2012/main" xmlns="">
         <p15:guide id="1" orient="horz" pos="2160">
           <p15:clr>
             <a:srgbClr val="A4A3A4"/>
@@ -316,7 +316,7 @@
           <a:p>
             <a:fld id="{F13F1855-5749-4CE7-8869-7B9A02C9C351}" type="datetimeFigureOut">
               <a:rPr lang="pt-BR" smtClean="0"/>
-              <a:t>13/10/2019</a:t>
+              <a:t>18/10/2019</a:t>
             </a:fld>
             <a:endParaRPr lang="pt-BR"/>
           </a:p>
@@ -486,7 +486,7 @@
           <a:p>
             <a:fld id="{F13F1855-5749-4CE7-8869-7B9A02C9C351}" type="datetimeFigureOut">
               <a:rPr lang="pt-BR" smtClean="0"/>
-              <a:t>13/10/2019</a:t>
+              <a:t>18/10/2019</a:t>
             </a:fld>
             <a:endParaRPr lang="pt-BR"/>
           </a:p>
@@ -666,7 +666,7 @@
           <a:p>
             <a:fld id="{F13F1855-5749-4CE7-8869-7B9A02C9C351}" type="datetimeFigureOut">
               <a:rPr lang="pt-BR" smtClean="0"/>
-              <a:t>13/10/2019</a:t>
+              <a:t>18/10/2019</a:t>
             </a:fld>
             <a:endParaRPr lang="pt-BR"/>
           </a:p>
@@ -836,7 +836,7 @@
           <a:p>
             <a:fld id="{F13F1855-5749-4CE7-8869-7B9A02C9C351}" type="datetimeFigureOut">
               <a:rPr lang="pt-BR" smtClean="0"/>
-              <a:t>13/10/2019</a:t>
+              <a:t>18/10/2019</a:t>
             </a:fld>
             <a:endParaRPr lang="pt-BR"/>
           </a:p>
@@ -1082,7 +1082,7 @@
           <a:p>
             <a:fld id="{F13F1855-5749-4CE7-8869-7B9A02C9C351}" type="datetimeFigureOut">
               <a:rPr lang="pt-BR" smtClean="0"/>
-              <a:t>13/10/2019</a:t>
+              <a:t>18/10/2019</a:t>
             </a:fld>
             <a:endParaRPr lang="pt-BR"/>
           </a:p>
@@ -1370,7 +1370,7 @@
           <a:p>
             <a:fld id="{F13F1855-5749-4CE7-8869-7B9A02C9C351}" type="datetimeFigureOut">
               <a:rPr lang="pt-BR" smtClean="0"/>
-              <a:t>13/10/2019</a:t>
+              <a:t>18/10/2019</a:t>
             </a:fld>
             <a:endParaRPr lang="pt-BR"/>
           </a:p>
@@ -1792,7 +1792,7 @@
           <a:p>
             <a:fld id="{F13F1855-5749-4CE7-8869-7B9A02C9C351}" type="datetimeFigureOut">
               <a:rPr lang="pt-BR" smtClean="0"/>
-              <a:t>13/10/2019</a:t>
+              <a:t>18/10/2019</a:t>
             </a:fld>
             <a:endParaRPr lang="pt-BR"/>
           </a:p>
@@ -1910,7 +1910,7 @@
           <a:p>
             <a:fld id="{F13F1855-5749-4CE7-8869-7B9A02C9C351}" type="datetimeFigureOut">
               <a:rPr lang="pt-BR" smtClean="0"/>
-              <a:t>13/10/2019</a:t>
+              <a:t>18/10/2019</a:t>
             </a:fld>
             <a:endParaRPr lang="pt-BR"/>
           </a:p>
@@ -2005,7 +2005,7 @@
           <a:p>
             <a:fld id="{F13F1855-5749-4CE7-8869-7B9A02C9C351}" type="datetimeFigureOut">
               <a:rPr lang="pt-BR" smtClean="0"/>
-              <a:t>13/10/2019</a:t>
+              <a:t>18/10/2019</a:t>
             </a:fld>
             <a:endParaRPr lang="pt-BR"/>
           </a:p>
@@ -2282,7 +2282,7 @@
           <a:p>
             <a:fld id="{F13F1855-5749-4CE7-8869-7B9A02C9C351}" type="datetimeFigureOut">
               <a:rPr lang="pt-BR" smtClean="0"/>
-              <a:t>13/10/2019</a:t>
+              <a:t>18/10/2019</a:t>
             </a:fld>
             <a:endParaRPr lang="pt-BR"/>
           </a:p>
@@ -2535,7 +2535,7 @@
           <a:p>
             <a:fld id="{F13F1855-5749-4CE7-8869-7B9A02C9C351}" type="datetimeFigureOut">
               <a:rPr lang="pt-BR" smtClean="0"/>
-              <a:t>13/10/2019</a:t>
+              <a:t>18/10/2019</a:t>
             </a:fld>
             <a:endParaRPr lang="pt-BR"/>
           </a:p>
@@ -2753,7 +2753,7 @@
           <a:p>
             <a:fld id="{F13F1855-5749-4CE7-8869-7B9A02C9C351}" type="datetimeFigureOut">
               <a:rPr lang="pt-BR" smtClean="0"/>
-              <a:t>13/10/2019</a:t>
+              <a:t>18/10/2019</a:t>
             </a:fld>
             <a:endParaRPr lang="pt-BR"/>
           </a:p>
@@ -12649,16 +12649,675 @@
       </p:sp>
       <p:grpSp>
         <p:nvGrpSpPr>
-          <p:cNvPr id="100" name="Grupo 99"/>
+          <p:cNvPr id="3" name="Grupo 2"/>
           <p:cNvGrpSpPr/>
           <p:nvPr/>
         </p:nvGrpSpPr>
         <p:grpSpPr>
           <a:xfrm>
             <a:off x="3294847" y="1341474"/>
-            <a:ext cx="2683405" cy="833218"/>
-            <a:chOff x="3294847" y="1341474"/>
-            <a:chExt cx="2683405" cy="833218"/>
+            <a:ext cx="833218" cy="833218"/>
+            <a:chOff x="1082336" y="836712"/>
+            <a:chExt cx="2115750" cy="2115750"/>
+          </a:xfrm>
+        </p:grpSpPr>
+        <p:sp>
+          <p:nvSpPr>
+            <p:cNvPr id="4" name="Retângulo de cantos arredondados 3"/>
+            <p:cNvSpPr/>
+            <p:nvPr/>
+          </p:nvSpPr>
+          <p:spPr>
+            <a:xfrm>
+              <a:off x="1082336" y="836712"/>
+              <a:ext cx="2115750" cy="2115750"/>
+            </a:xfrm>
+            <a:prstGeom prst="roundRect">
+              <a:avLst/>
+            </a:prstGeom>
+            <a:solidFill>
+              <a:srgbClr val="C1E3C2"/>
+            </a:solidFill>
+            <a:ln>
+              <a:noFill/>
+            </a:ln>
+          </p:spPr>
+          <p:style>
+            <a:lnRef idx="2">
+              <a:schemeClr val="accent1">
+                <a:shade val="50000"/>
+              </a:schemeClr>
+            </a:lnRef>
+            <a:fillRef idx="1">
+              <a:schemeClr val="accent1"/>
+            </a:fillRef>
+            <a:effectRef idx="0">
+              <a:schemeClr val="accent1"/>
+            </a:effectRef>
+            <a:fontRef idx="minor">
+              <a:schemeClr val="lt1"/>
+            </a:fontRef>
+          </p:style>
+          <p:txBody>
+            <a:bodyPr rtlCol="0" anchor="ctr"/>
+            <a:lstStyle/>
+            <a:p>
+              <a:pPr algn="ctr"/>
+              <a:endParaRPr lang="pt-BR"/>
+            </a:p>
+          </p:txBody>
+        </p:sp>
+        <p:grpSp>
+          <p:nvGrpSpPr>
+            <p:cNvPr id="5" name="Grupo 4"/>
+            <p:cNvGrpSpPr/>
+            <p:nvPr/>
+          </p:nvGrpSpPr>
+          <p:grpSpPr>
+            <a:xfrm>
+              <a:off x="1847520" y="1114078"/>
+              <a:ext cx="585381" cy="1561017"/>
+              <a:chOff x="4499992" y="1484783"/>
+              <a:chExt cx="1512168" cy="4032449"/>
+            </a:xfrm>
+          </p:grpSpPr>
+          <p:grpSp>
+            <p:nvGrpSpPr>
+              <p:cNvPr id="6" name="Grupo 5"/>
+              <p:cNvGrpSpPr/>
+              <p:nvPr/>
+            </p:nvGrpSpPr>
+            <p:grpSpPr>
+              <a:xfrm>
+                <a:off x="4499992" y="1865434"/>
+                <a:ext cx="1512168" cy="3651798"/>
+                <a:chOff x="4499992" y="1865434"/>
+                <a:chExt cx="1512168" cy="3651798"/>
+              </a:xfrm>
+            </p:grpSpPr>
+            <p:grpSp>
+              <p:nvGrpSpPr>
+                <p:cNvPr id="11" name="Grupo 10"/>
+                <p:cNvGrpSpPr/>
+                <p:nvPr/>
+              </p:nvGrpSpPr>
+              <p:grpSpPr>
+                <a:xfrm>
+                  <a:off x="4499992" y="1865434"/>
+                  <a:ext cx="1512168" cy="3651798"/>
+                  <a:chOff x="4499992" y="1865434"/>
+                  <a:chExt cx="1512168" cy="3651798"/>
+                </a:xfrm>
+                <a:solidFill>
+                  <a:srgbClr val="87C7D9"/>
+                </a:solidFill>
+                <a:effectLst/>
+              </p:grpSpPr>
+              <p:sp>
+                <p:nvSpPr>
+                  <p:cNvPr id="14" name="Retângulo de cantos arredondados 13"/>
+                  <p:cNvSpPr/>
+                  <p:nvPr/>
+                </p:nvSpPr>
+                <p:spPr>
+                  <a:xfrm>
+                    <a:off x="4499992" y="2453032"/>
+                    <a:ext cx="1512168" cy="2808312"/>
+                  </a:xfrm>
+                  <a:prstGeom prst="roundRect">
+                    <a:avLst/>
+                  </a:prstGeom>
+                  <a:grpFill/>
+                  <a:ln>
+                    <a:noFill/>
+                  </a:ln>
+                </p:spPr>
+                <p:style>
+                  <a:lnRef idx="2">
+                    <a:schemeClr val="accent1">
+                      <a:shade val="50000"/>
+                    </a:schemeClr>
+                  </a:lnRef>
+                  <a:fillRef idx="1">
+                    <a:schemeClr val="accent1"/>
+                  </a:fillRef>
+                  <a:effectRef idx="0">
+                    <a:schemeClr val="accent1"/>
+                  </a:effectRef>
+                  <a:fontRef idx="minor">
+                    <a:schemeClr val="lt1"/>
+                  </a:fontRef>
+                </p:style>
+                <p:txBody>
+                  <a:bodyPr rtlCol="0" anchor="ctr"/>
+                  <a:lstStyle/>
+                  <a:p>
+                    <a:pPr algn="ctr"/>
+                    <a:endParaRPr lang="pt-BR"/>
+                  </a:p>
+                </p:txBody>
+              </p:sp>
+              <p:sp>
+                <p:nvSpPr>
+                  <p:cNvPr id="15" name="Elipse 14"/>
+                  <p:cNvSpPr/>
+                  <p:nvPr/>
+                </p:nvSpPr>
+                <p:spPr>
+                  <a:xfrm>
+                    <a:off x="4499992" y="1865434"/>
+                    <a:ext cx="1512168" cy="1413222"/>
+                  </a:xfrm>
+                  <a:prstGeom prst="ellipse">
+                    <a:avLst/>
+                  </a:prstGeom>
+                  <a:grpFill/>
+                  <a:ln>
+                    <a:noFill/>
+                  </a:ln>
+                </p:spPr>
+                <p:style>
+                  <a:lnRef idx="2">
+                    <a:schemeClr val="accent1">
+                      <a:shade val="50000"/>
+                    </a:schemeClr>
+                  </a:lnRef>
+                  <a:fillRef idx="1">
+                    <a:schemeClr val="accent1"/>
+                  </a:fillRef>
+                  <a:effectRef idx="0">
+                    <a:schemeClr val="accent1"/>
+                  </a:effectRef>
+                  <a:fontRef idx="minor">
+                    <a:schemeClr val="lt1"/>
+                  </a:fontRef>
+                </p:style>
+                <p:txBody>
+                  <a:bodyPr rtlCol="0" anchor="ctr"/>
+                  <a:lstStyle/>
+                  <a:p>
+                    <a:pPr algn="ctr"/>
+                    <a:endParaRPr lang="pt-BR"/>
+                  </a:p>
+                </p:txBody>
+              </p:sp>
+              <p:sp>
+                <p:nvSpPr>
+                  <p:cNvPr id="16" name="Elipse 15"/>
+                  <p:cNvSpPr/>
+                  <p:nvPr/>
+                </p:nvSpPr>
+                <p:spPr>
+                  <a:xfrm>
+                    <a:off x="4499992" y="4602832"/>
+                    <a:ext cx="648072" cy="914400"/>
+                  </a:xfrm>
+                  <a:prstGeom prst="ellipse">
+                    <a:avLst/>
+                  </a:prstGeom>
+                  <a:grpFill/>
+                  <a:ln>
+                    <a:noFill/>
+                  </a:ln>
+                </p:spPr>
+                <p:style>
+                  <a:lnRef idx="2">
+                    <a:schemeClr val="accent1">
+                      <a:shade val="50000"/>
+                    </a:schemeClr>
+                  </a:lnRef>
+                  <a:fillRef idx="1">
+                    <a:schemeClr val="accent1"/>
+                  </a:fillRef>
+                  <a:effectRef idx="0">
+                    <a:schemeClr val="accent1"/>
+                  </a:effectRef>
+                  <a:fontRef idx="minor">
+                    <a:schemeClr val="lt1"/>
+                  </a:fontRef>
+                </p:style>
+                <p:txBody>
+                  <a:bodyPr rtlCol="0" anchor="ctr"/>
+                  <a:lstStyle/>
+                  <a:p>
+                    <a:pPr algn="ctr"/>
+                    <a:endParaRPr lang="pt-BR"/>
+                  </a:p>
+                </p:txBody>
+              </p:sp>
+              <p:sp>
+                <p:nvSpPr>
+                  <p:cNvPr id="17" name="Elipse 16"/>
+                  <p:cNvSpPr/>
+                  <p:nvPr/>
+                </p:nvSpPr>
+                <p:spPr>
+                  <a:xfrm>
+                    <a:off x="4932040" y="4602832"/>
+                    <a:ext cx="648072" cy="914400"/>
+                  </a:xfrm>
+                  <a:prstGeom prst="ellipse">
+                    <a:avLst/>
+                  </a:prstGeom>
+                  <a:grpFill/>
+                  <a:ln>
+                    <a:noFill/>
+                  </a:ln>
+                </p:spPr>
+                <p:style>
+                  <a:lnRef idx="2">
+                    <a:schemeClr val="accent1">
+                      <a:shade val="50000"/>
+                    </a:schemeClr>
+                  </a:lnRef>
+                  <a:fillRef idx="1">
+                    <a:schemeClr val="accent1"/>
+                  </a:fillRef>
+                  <a:effectRef idx="0">
+                    <a:schemeClr val="accent1"/>
+                  </a:effectRef>
+                  <a:fontRef idx="minor">
+                    <a:schemeClr val="lt1"/>
+                  </a:fontRef>
+                </p:style>
+                <p:txBody>
+                  <a:bodyPr rtlCol="0" anchor="ctr"/>
+                  <a:lstStyle/>
+                  <a:p>
+                    <a:pPr algn="ctr"/>
+                    <a:endParaRPr lang="pt-BR"/>
+                  </a:p>
+                </p:txBody>
+              </p:sp>
+              <p:sp>
+                <p:nvSpPr>
+                  <p:cNvPr id="18" name="Elipse 17"/>
+                  <p:cNvSpPr/>
+                  <p:nvPr/>
+                </p:nvSpPr>
+                <p:spPr>
+                  <a:xfrm>
+                    <a:off x="5364088" y="4602832"/>
+                    <a:ext cx="648072" cy="914400"/>
+                  </a:xfrm>
+                  <a:prstGeom prst="ellipse">
+                    <a:avLst/>
+                  </a:prstGeom>
+                  <a:grpFill/>
+                  <a:ln>
+                    <a:noFill/>
+                  </a:ln>
+                </p:spPr>
+                <p:style>
+                  <a:lnRef idx="2">
+                    <a:schemeClr val="accent1">
+                      <a:shade val="50000"/>
+                    </a:schemeClr>
+                  </a:lnRef>
+                  <a:fillRef idx="1">
+                    <a:schemeClr val="accent1"/>
+                  </a:fillRef>
+                  <a:effectRef idx="0">
+                    <a:schemeClr val="accent1"/>
+                  </a:effectRef>
+                  <a:fontRef idx="minor">
+                    <a:schemeClr val="lt1"/>
+                  </a:fontRef>
+                </p:style>
+                <p:txBody>
+                  <a:bodyPr rtlCol="0" anchor="ctr"/>
+                  <a:lstStyle/>
+                  <a:p>
+                    <a:pPr algn="ctr"/>
+                    <a:endParaRPr lang="pt-BR"/>
+                  </a:p>
+                </p:txBody>
+              </p:sp>
+            </p:grpSp>
+            <p:sp>
+              <p:nvSpPr>
+                <p:cNvPr id="12" name="Retângulo 11"/>
+                <p:cNvSpPr/>
+                <p:nvPr/>
+              </p:nvSpPr>
+              <p:spPr>
+                <a:xfrm>
+                  <a:off x="4499992" y="3278656"/>
+                  <a:ext cx="1512168" cy="1080120"/>
+                </a:xfrm>
+                <a:prstGeom prst="rect">
+                  <a:avLst/>
+                </a:prstGeom>
+                <a:solidFill>
+                  <a:srgbClr val="47AAC5"/>
+                </a:solidFill>
+                <a:ln>
+                  <a:noFill/>
+                </a:ln>
+              </p:spPr>
+              <p:style>
+                <a:lnRef idx="2">
+                  <a:schemeClr val="accent1">
+                    <a:shade val="50000"/>
+                  </a:schemeClr>
+                </a:lnRef>
+                <a:fillRef idx="1">
+                  <a:schemeClr val="accent1"/>
+                </a:fillRef>
+                <a:effectRef idx="0">
+                  <a:schemeClr val="accent1"/>
+                </a:effectRef>
+                <a:fontRef idx="minor">
+                  <a:schemeClr val="lt1"/>
+                </a:fontRef>
+              </p:style>
+              <p:txBody>
+                <a:bodyPr rtlCol="0" anchor="ctr"/>
+                <a:lstStyle/>
+                <a:p>
+                  <a:pPr algn="ctr"/>
+                  <a:endParaRPr lang="pt-BR"/>
+                </a:p>
+              </p:txBody>
+            </p:sp>
+            <p:sp>
+              <p:nvSpPr>
+                <p:cNvPr id="13" name="Elipse 12"/>
+                <p:cNvSpPr/>
+                <p:nvPr/>
+              </p:nvSpPr>
+              <p:spPr>
+                <a:xfrm>
+                  <a:off x="4942892" y="3505532"/>
+                  <a:ext cx="626368" cy="626368"/>
+                </a:xfrm>
+                <a:prstGeom prst="ellipse">
+                  <a:avLst/>
+                </a:prstGeom>
+                <a:solidFill>
+                  <a:schemeClr val="bg1"/>
+                </a:solidFill>
+                <a:ln>
+                  <a:noFill/>
+                </a:ln>
+              </p:spPr>
+              <p:style>
+                <a:lnRef idx="2">
+                  <a:schemeClr val="accent1">
+                    <a:shade val="50000"/>
+                  </a:schemeClr>
+                </a:lnRef>
+                <a:fillRef idx="1">
+                  <a:schemeClr val="accent1"/>
+                </a:fillRef>
+                <a:effectRef idx="0">
+                  <a:schemeClr val="accent1"/>
+                </a:effectRef>
+                <a:fontRef idx="minor">
+                  <a:schemeClr val="lt1"/>
+                </a:fontRef>
+              </p:style>
+              <p:txBody>
+                <a:bodyPr rtlCol="0" anchor="ctr"/>
+                <a:lstStyle/>
+                <a:p>
+                  <a:pPr algn="ctr"/>
+                  <a:endParaRPr lang="pt-BR"/>
+                </a:p>
+              </p:txBody>
+            </p:sp>
+          </p:grpSp>
+          <p:sp>
+            <p:nvSpPr>
+              <p:cNvPr id="7" name="Retângulo de cantos arredondados 6"/>
+              <p:cNvSpPr/>
+              <p:nvPr/>
+            </p:nvSpPr>
+            <p:spPr>
+              <a:xfrm>
+                <a:off x="5780035" y="2572045"/>
+                <a:ext cx="102586" cy="2369123"/>
+              </a:xfrm>
+              <a:prstGeom prst="roundRect">
+                <a:avLst>
+                  <a:gd name="adj" fmla="val 50000"/>
+                </a:avLst>
+              </a:prstGeom>
+              <a:solidFill>
+                <a:srgbClr val="FFFFFF">
+                  <a:alpha val="38824"/>
+                </a:srgbClr>
+              </a:solidFill>
+              <a:ln>
+                <a:noFill/>
+              </a:ln>
+            </p:spPr>
+            <p:style>
+              <a:lnRef idx="2">
+                <a:schemeClr val="accent1">
+                  <a:shade val="50000"/>
+                </a:schemeClr>
+              </a:lnRef>
+              <a:fillRef idx="1">
+                <a:schemeClr val="accent1"/>
+              </a:fillRef>
+              <a:effectRef idx="0">
+                <a:schemeClr val="accent1"/>
+              </a:effectRef>
+              <a:fontRef idx="minor">
+                <a:schemeClr val="lt1"/>
+              </a:fontRef>
+            </p:style>
+            <p:txBody>
+              <a:bodyPr rtlCol="0" anchor="ctr"/>
+              <a:lstStyle/>
+              <a:p>
+                <a:pPr algn="ctr"/>
+                <a:endParaRPr lang="pt-BR"/>
+              </a:p>
+            </p:txBody>
+          </p:sp>
+          <p:sp>
+            <p:nvSpPr>
+              <p:cNvPr id="8" name="Retângulo de cantos arredondados 7"/>
+              <p:cNvSpPr/>
+              <p:nvPr/>
+            </p:nvSpPr>
+            <p:spPr>
+              <a:xfrm>
+                <a:off x="5004047" y="1794049"/>
+                <a:ext cx="504057" cy="71385"/>
+              </a:xfrm>
+              <a:prstGeom prst="roundRect">
+                <a:avLst>
+                  <a:gd name="adj" fmla="val 50000"/>
+                </a:avLst>
+              </a:prstGeom>
+              <a:solidFill>
+                <a:srgbClr val="87C7D9"/>
+              </a:solidFill>
+              <a:ln>
+                <a:noFill/>
+              </a:ln>
+            </p:spPr>
+            <p:style>
+              <a:lnRef idx="2">
+                <a:schemeClr val="accent1">
+                  <a:shade val="50000"/>
+                </a:schemeClr>
+              </a:lnRef>
+              <a:fillRef idx="1">
+                <a:schemeClr val="accent1"/>
+              </a:fillRef>
+              <a:effectRef idx="0">
+                <a:schemeClr val="accent1"/>
+              </a:effectRef>
+              <a:fontRef idx="minor">
+                <a:schemeClr val="lt1"/>
+              </a:fontRef>
+            </p:style>
+            <p:txBody>
+              <a:bodyPr rtlCol="0" anchor="ctr"/>
+              <a:lstStyle/>
+              <a:p>
+                <a:pPr algn="ctr"/>
+                <a:endParaRPr lang="pt-BR"/>
+              </a:p>
+            </p:txBody>
+          </p:sp>
+          <p:sp>
+            <p:nvSpPr>
+              <p:cNvPr id="9" name="Retângulo de cantos arredondados 8"/>
+              <p:cNvSpPr/>
+              <p:nvPr/>
+            </p:nvSpPr>
+            <p:spPr>
+              <a:xfrm>
+                <a:off x="5076056" y="1624159"/>
+                <a:ext cx="360040" cy="540193"/>
+              </a:xfrm>
+              <a:prstGeom prst="roundRect">
+                <a:avLst/>
+              </a:prstGeom>
+              <a:solidFill>
+                <a:srgbClr val="87C7D9"/>
+              </a:solidFill>
+              <a:ln>
+                <a:noFill/>
+              </a:ln>
+            </p:spPr>
+            <p:style>
+              <a:lnRef idx="2">
+                <a:schemeClr val="accent1">
+                  <a:shade val="50000"/>
+                </a:schemeClr>
+              </a:lnRef>
+              <a:fillRef idx="1">
+                <a:schemeClr val="accent1"/>
+              </a:fillRef>
+              <a:effectRef idx="0">
+                <a:schemeClr val="accent1"/>
+              </a:effectRef>
+              <a:fontRef idx="minor">
+                <a:schemeClr val="lt1"/>
+              </a:fontRef>
+            </p:style>
+            <p:txBody>
+              <a:bodyPr rtlCol="0" anchor="ctr"/>
+              <a:lstStyle/>
+              <a:p>
+                <a:pPr algn="ctr"/>
+                <a:endParaRPr lang="pt-BR"/>
+              </a:p>
+            </p:txBody>
+          </p:sp>
+          <p:sp>
+            <p:nvSpPr>
+              <p:cNvPr id="10" name="Arredondar Retângulo no Mesmo Canto Lateral 9"/>
+              <p:cNvSpPr/>
+              <p:nvPr/>
+            </p:nvSpPr>
+            <p:spPr>
+              <a:xfrm>
+                <a:off x="5009472" y="1484783"/>
+                <a:ext cx="493205" cy="288033"/>
+              </a:xfrm>
+              <a:prstGeom prst="round2SameRect">
+                <a:avLst>
+                  <a:gd name="adj1" fmla="val 26472"/>
+                  <a:gd name="adj2" fmla="val 6568"/>
+                </a:avLst>
+              </a:prstGeom>
+              <a:solidFill>
+                <a:srgbClr val="4AABC6"/>
+              </a:solidFill>
+              <a:ln>
+                <a:noFill/>
+              </a:ln>
+            </p:spPr>
+            <p:style>
+              <a:lnRef idx="2">
+                <a:schemeClr val="accent1">
+                  <a:shade val="50000"/>
+                </a:schemeClr>
+              </a:lnRef>
+              <a:fillRef idx="1">
+                <a:schemeClr val="accent1"/>
+              </a:fillRef>
+              <a:effectRef idx="0">
+                <a:schemeClr val="accent1"/>
+              </a:effectRef>
+              <a:fontRef idx="minor">
+                <a:schemeClr val="lt1"/>
+              </a:fontRef>
+            </p:style>
+            <p:txBody>
+              <a:bodyPr rtlCol="0" anchor="ctr"/>
+              <a:lstStyle/>
+              <a:p>
+                <a:pPr algn="ctr"/>
+                <a:endParaRPr lang="pt-BR"/>
+              </a:p>
+            </p:txBody>
+          </p:sp>
+        </p:grpSp>
+      </p:grpSp>
+      <p:sp>
+        <p:nvSpPr>
+          <p:cNvPr id="21" name="CaixaDeTexto 20"/>
+          <p:cNvSpPr txBox="1"/>
+          <p:nvPr/>
+        </p:nvSpPr>
+        <p:spPr>
+          <a:xfrm>
+            <a:off x="4102149" y="1561874"/>
+            <a:ext cx="1162498" cy="369332"/>
+          </a:xfrm>
+          <a:prstGeom prst="rect">
+            <a:avLst/>
+          </a:prstGeom>
+          <a:noFill/>
+        </p:spPr>
+        <p:txBody>
+          <a:bodyPr wrap="none" rtlCol="0">
+            <a:spAutoFit/>
+          </a:bodyPr>
+          <a:lstStyle/>
+          <a:p>
+            <a:r>
+              <a:rPr lang="pt-BR" dirty="0" smtClean="0">
+                <a:solidFill>
+                  <a:schemeClr val="tx1">
+                    <a:lumMod val="75000"/>
+                    <a:lumOff val="25000"/>
+                  </a:schemeClr>
+                </a:solidFill>
+              </a:rPr>
+              <a:t>Beba água</a:t>
+            </a:r>
+            <a:endParaRPr lang="pt-BR" dirty="0">
+              <a:solidFill>
+                <a:schemeClr val="tx1">
+                  <a:lumMod val="75000"/>
+                  <a:lumOff val="25000"/>
+                </a:schemeClr>
+              </a:solidFill>
+            </a:endParaRPr>
+          </a:p>
+        </p:txBody>
+      </p:sp>
+      <p:grpSp>
+        <p:nvGrpSpPr>
+          <p:cNvPr id="101" name="Grupo 100"/>
+          <p:cNvGrpSpPr/>
+          <p:nvPr/>
+        </p:nvGrpSpPr>
+        <p:grpSpPr>
+          <a:xfrm>
+            <a:off x="3881594" y="1508736"/>
+            <a:ext cx="2096658" cy="472143"/>
+            <a:chOff x="3881594" y="1508736"/>
+            <a:chExt cx="2096658" cy="472143"/>
           </a:xfrm>
         </p:grpSpPr>
         <p:sp>
@@ -12758,665 +13417,6 @@
             <a:p>
               <a:pPr algn="ctr"/>
               <a:endParaRPr lang="pt-BR"/>
-            </a:p>
-          </p:txBody>
-        </p:sp>
-        <p:grpSp>
-          <p:nvGrpSpPr>
-            <p:cNvPr id="3" name="Grupo 2"/>
-            <p:cNvGrpSpPr/>
-            <p:nvPr/>
-          </p:nvGrpSpPr>
-          <p:grpSpPr>
-            <a:xfrm>
-              <a:off x="3294847" y="1341474"/>
-              <a:ext cx="833218" cy="833218"/>
-              <a:chOff x="1082336" y="836712"/>
-              <a:chExt cx="2115750" cy="2115750"/>
-            </a:xfrm>
-          </p:grpSpPr>
-          <p:sp>
-            <p:nvSpPr>
-              <p:cNvPr id="4" name="Retângulo de cantos arredondados 3"/>
-              <p:cNvSpPr/>
-              <p:nvPr/>
-            </p:nvSpPr>
-            <p:spPr>
-              <a:xfrm>
-                <a:off x="1082336" y="836712"/>
-                <a:ext cx="2115750" cy="2115750"/>
-              </a:xfrm>
-              <a:prstGeom prst="roundRect">
-                <a:avLst/>
-              </a:prstGeom>
-              <a:solidFill>
-                <a:srgbClr val="C1E3C2"/>
-              </a:solidFill>
-              <a:ln>
-                <a:noFill/>
-              </a:ln>
-            </p:spPr>
-            <p:style>
-              <a:lnRef idx="2">
-                <a:schemeClr val="accent1">
-                  <a:shade val="50000"/>
-                </a:schemeClr>
-              </a:lnRef>
-              <a:fillRef idx="1">
-                <a:schemeClr val="accent1"/>
-              </a:fillRef>
-              <a:effectRef idx="0">
-                <a:schemeClr val="accent1"/>
-              </a:effectRef>
-              <a:fontRef idx="minor">
-                <a:schemeClr val="lt1"/>
-              </a:fontRef>
-            </p:style>
-            <p:txBody>
-              <a:bodyPr rtlCol="0" anchor="ctr"/>
-              <a:lstStyle/>
-              <a:p>
-                <a:pPr algn="ctr"/>
-                <a:endParaRPr lang="pt-BR"/>
-              </a:p>
-            </p:txBody>
-          </p:sp>
-          <p:grpSp>
-            <p:nvGrpSpPr>
-              <p:cNvPr id="5" name="Grupo 4"/>
-              <p:cNvGrpSpPr/>
-              <p:nvPr/>
-            </p:nvGrpSpPr>
-            <p:grpSpPr>
-              <a:xfrm>
-                <a:off x="1847520" y="1114078"/>
-                <a:ext cx="585381" cy="1561017"/>
-                <a:chOff x="4499992" y="1484783"/>
-                <a:chExt cx="1512168" cy="4032449"/>
-              </a:xfrm>
-            </p:grpSpPr>
-            <p:grpSp>
-              <p:nvGrpSpPr>
-                <p:cNvPr id="6" name="Grupo 5"/>
-                <p:cNvGrpSpPr/>
-                <p:nvPr/>
-              </p:nvGrpSpPr>
-              <p:grpSpPr>
-                <a:xfrm>
-                  <a:off x="4499992" y="1865434"/>
-                  <a:ext cx="1512168" cy="3651798"/>
-                  <a:chOff x="4499992" y="1865434"/>
-                  <a:chExt cx="1512168" cy="3651798"/>
-                </a:xfrm>
-              </p:grpSpPr>
-              <p:grpSp>
-                <p:nvGrpSpPr>
-                  <p:cNvPr id="11" name="Grupo 10"/>
-                  <p:cNvGrpSpPr/>
-                  <p:nvPr/>
-                </p:nvGrpSpPr>
-                <p:grpSpPr>
-                  <a:xfrm>
-                    <a:off x="4499992" y="1865434"/>
-                    <a:ext cx="1512168" cy="3651798"/>
-                    <a:chOff x="4499992" y="1865434"/>
-                    <a:chExt cx="1512168" cy="3651798"/>
-                  </a:xfrm>
-                  <a:solidFill>
-                    <a:srgbClr val="87C7D9"/>
-                  </a:solidFill>
-                  <a:effectLst/>
-                </p:grpSpPr>
-                <p:sp>
-                  <p:nvSpPr>
-                    <p:cNvPr id="14" name="Retângulo de cantos arredondados 13"/>
-                    <p:cNvSpPr/>
-                    <p:nvPr/>
-                  </p:nvSpPr>
-                  <p:spPr>
-                    <a:xfrm>
-                      <a:off x="4499992" y="2453032"/>
-                      <a:ext cx="1512168" cy="2808312"/>
-                    </a:xfrm>
-                    <a:prstGeom prst="roundRect">
-                      <a:avLst/>
-                    </a:prstGeom>
-                    <a:grpFill/>
-                    <a:ln>
-                      <a:noFill/>
-                    </a:ln>
-                  </p:spPr>
-                  <p:style>
-                    <a:lnRef idx="2">
-                      <a:schemeClr val="accent1">
-                        <a:shade val="50000"/>
-                      </a:schemeClr>
-                    </a:lnRef>
-                    <a:fillRef idx="1">
-                      <a:schemeClr val="accent1"/>
-                    </a:fillRef>
-                    <a:effectRef idx="0">
-                      <a:schemeClr val="accent1"/>
-                    </a:effectRef>
-                    <a:fontRef idx="minor">
-                      <a:schemeClr val="lt1"/>
-                    </a:fontRef>
-                  </p:style>
-                  <p:txBody>
-                    <a:bodyPr rtlCol="0" anchor="ctr"/>
-                    <a:lstStyle/>
-                    <a:p>
-                      <a:pPr algn="ctr"/>
-                      <a:endParaRPr lang="pt-BR"/>
-                    </a:p>
-                  </p:txBody>
-                </p:sp>
-                <p:sp>
-                  <p:nvSpPr>
-                    <p:cNvPr id="15" name="Elipse 14"/>
-                    <p:cNvSpPr/>
-                    <p:nvPr/>
-                  </p:nvSpPr>
-                  <p:spPr>
-                    <a:xfrm>
-                      <a:off x="4499992" y="1865434"/>
-                      <a:ext cx="1512168" cy="1413222"/>
-                    </a:xfrm>
-                    <a:prstGeom prst="ellipse">
-                      <a:avLst/>
-                    </a:prstGeom>
-                    <a:grpFill/>
-                    <a:ln>
-                      <a:noFill/>
-                    </a:ln>
-                  </p:spPr>
-                  <p:style>
-                    <a:lnRef idx="2">
-                      <a:schemeClr val="accent1">
-                        <a:shade val="50000"/>
-                      </a:schemeClr>
-                    </a:lnRef>
-                    <a:fillRef idx="1">
-                      <a:schemeClr val="accent1"/>
-                    </a:fillRef>
-                    <a:effectRef idx="0">
-                      <a:schemeClr val="accent1"/>
-                    </a:effectRef>
-                    <a:fontRef idx="minor">
-                      <a:schemeClr val="lt1"/>
-                    </a:fontRef>
-                  </p:style>
-                  <p:txBody>
-                    <a:bodyPr rtlCol="0" anchor="ctr"/>
-                    <a:lstStyle/>
-                    <a:p>
-                      <a:pPr algn="ctr"/>
-                      <a:endParaRPr lang="pt-BR"/>
-                    </a:p>
-                  </p:txBody>
-                </p:sp>
-                <p:sp>
-                  <p:nvSpPr>
-                    <p:cNvPr id="16" name="Elipse 15"/>
-                    <p:cNvSpPr/>
-                    <p:nvPr/>
-                  </p:nvSpPr>
-                  <p:spPr>
-                    <a:xfrm>
-                      <a:off x="4499992" y="4602832"/>
-                      <a:ext cx="648072" cy="914400"/>
-                    </a:xfrm>
-                    <a:prstGeom prst="ellipse">
-                      <a:avLst/>
-                    </a:prstGeom>
-                    <a:grpFill/>
-                    <a:ln>
-                      <a:noFill/>
-                    </a:ln>
-                  </p:spPr>
-                  <p:style>
-                    <a:lnRef idx="2">
-                      <a:schemeClr val="accent1">
-                        <a:shade val="50000"/>
-                      </a:schemeClr>
-                    </a:lnRef>
-                    <a:fillRef idx="1">
-                      <a:schemeClr val="accent1"/>
-                    </a:fillRef>
-                    <a:effectRef idx="0">
-                      <a:schemeClr val="accent1"/>
-                    </a:effectRef>
-                    <a:fontRef idx="minor">
-                      <a:schemeClr val="lt1"/>
-                    </a:fontRef>
-                  </p:style>
-                  <p:txBody>
-                    <a:bodyPr rtlCol="0" anchor="ctr"/>
-                    <a:lstStyle/>
-                    <a:p>
-                      <a:pPr algn="ctr"/>
-                      <a:endParaRPr lang="pt-BR"/>
-                    </a:p>
-                  </p:txBody>
-                </p:sp>
-                <p:sp>
-                  <p:nvSpPr>
-                    <p:cNvPr id="17" name="Elipse 16"/>
-                    <p:cNvSpPr/>
-                    <p:nvPr/>
-                  </p:nvSpPr>
-                  <p:spPr>
-                    <a:xfrm>
-                      <a:off x="4932040" y="4602832"/>
-                      <a:ext cx="648072" cy="914400"/>
-                    </a:xfrm>
-                    <a:prstGeom prst="ellipse">
-                      <a:avLst/>
-                    </a:prstGeom>
-                    <a:grpFill/>
-                    <a:ln>
-                      <a:noFill/>
-                    </a:ln>
-                  </p:spPr>
-                  <p:style>
-                    <a:lnRef idx="2">
-                      <a:schemeClr val="accent1">
-                        <a:shade val="50000"/>
-                      </a:schemeClr>
-                    </a:lnRef>
-                    <a:fillRef idx="1">
-                      <a:schemeClr val="accent1"/>
-                    </a:fillRef>
-                    <a:effectRef idx="0">
-                      <a:schemeClr val="accent1"/>
-                    </a:effectRef>
-                    <a:fontRef idx="minor">
-                      <a:schemeClr val="lt1"/>
-                    </a:fontRef>
-                  </p:style>
-                  <p:txBody>
-                    <a:bodyPr rtlCol="0" anchor="ctr"/>
-                    <a:lstStyle/>
-                    <a:p>
-                      <a:pPr algn="ctr"/>
-                      <a:endParaRPr lang="pt-BR"/>
-                    </a:p>
-                  </p:txBody>
-                </p:sp>
-                <p:sp>
-                  <p:nvSpPr>
-                    <p:cNvPr id="18" name="Elipse 17"/>
-                    <p:cNvSpPr/>
-                    <p:nvPr/>
-                  </p:nvSpPr>
-                  <p:spPr>
-                    <a:xfrm>
-                      <a:off x="5364088" y="4602832"/>
-                      <a:ext cx="648072" cy="914400"/>
-                    </a:xfrm>
-                    <a:prstGeom prst="ellipse">
-                      <a:avLst/>
-                    </a:prstGeom>
-                    <a:grpFill/>
-                    <a:ln>
-                      <a:noFill/>
-                    </a:ln>
-                  </p:spPr>
-                  <p:style>
-                    <a:lnRef idx="2">
-                      <a:schemeClr val="accent1">
-                        <a:shade val="50000"/>
-                      </a:schemeClr>
-                    </a:lnRef>
-                    <a:fillRef idx="1">
-                      <a:schemeClr val="accent1"/>
-                    </a:fillRef>
-                    <a:effectRef idx="0">
-                      <a:schemeClr val="accent1"/>
-                    </a:effectRef>
-                    <a:fontRef idx="minor">
-                      <a:schemeClr val="lt1"/>
-                    </a:fontRef>
-                  </p:style>
-                  <p:txBody>
-                    <a:bodyPr rtlCol="0" anchor="ctr"/>
-                    <a:lstStyle/>
-                    <a:p>
-                      <a:pPr algn="ctr"/>
-                      <a:endParaRPr lang="pt-BR"/>
-                    </a:p>
-                  </p:txBody>
-                </p:sp>
-              </p:grpSp>
-              <p:sp>
-                <p:nvSpPr>
-                  <p:cNvPr id="12" name="Retângulo 11"/>
-                  <p:cNvSpPr/>
-                  <p:nvPr/>
-                </p:nvSpPr>
-                <p:spPr>
-                  <a:xfrm>
-                    <a:off x="4499992" y="3278656"/>
-                    <a:ext cx="1512168" cy="1080120"/>
-                  </a:xfrm>
-                  <a:prstGeom prst="rect">
-                    <a:avLst/>
-                  </a:prstGeom>
-                  <a:solidFill>
-                    <a:srgbClr val="47AAC5"/>
-                  </a:solidFill>
-                  <a:ln>
-                    <a:noFill/>
-                  </a:ln>
-                </p:spPr>
-                <p:style>
-                  <a:lnRef idx="2">
-                    <a:schemeClr val="accent1">
-                      <a:shade val="50000"/>
-                    </a:schemeClr>
-                  </a:lnRef>
-                  <a:fillRef idx="1">
-                    <a:schemeClr val="accent1"/>
-                  </a:fillRef>
-                  <a:effectRef idx="0">
-                    <a:schemeClr val="accent1"/>
-                  </a:effectRef>
-                  <a:fontRef idx="minor">
-                    <a:schemeClr val="lt1"/>
-                  </a:fontRef>
-                </p:style>
-                <p:txBody>
-                  <a:bodyPr rtlCol="0" anchor="ctr"/>
-                  <a:lstStyle/>
-                  <a:p>
-                    <a:pPr algn="ctr"/>
-                    <a:endParaRPr lang="pt-BR"/>
-                  </a:p>
-                </p:txBody>
-              </p:sp>
-              <p:sp>
-                <p:nvSpPr>
-                  <p:cNvPr id="13" name="Elipse 12"/>
-                  <p:cNvSpPr/>
-                  <p:nvPr/>
-                </p:nvSpPr>
-                <p:spPr>
-                  <a:xfrm>
-                    <a:off x="4942892" y="3505532"/>
-                    <a:ext cx="626368" cy="626368"/>
-                  </a:xfrm>
-                  <a:prstGeom prst="ellipse">
-                    <a:avLst/>
-                  </a:prstGeom>
-                  <a:solidFill>
-                    <a:schemeClr val="bg1"/>
-                  </a:solidFill>
-                  <a:ln>
-                    <a:noFill/>
-                  </a:ln>
-                </p:spPr>
-                <p:style>
-                  <a:lnRef idx="2">
-                    <a:schemeClr val="accent1">
-                      <a:shade val="50000"/>
-                    </a:schemeClr>
-                  </a:lnRef>
-                  <a:fillRef idx="1">
-                    <a:schemeClr val="accent1"/>
-                  </a:fillRef>
-                  <a:effectRef idx="0">
-                    <a:schemeClr val="accent1"/>
-                  </a:effectRef>
-                  <a:fontRef idx="minor">
-                    <a:schemeClr val="lt1"/>
-                  </a:fontRef>
-                </p:style>
-                <p:txBody>
-                  <a:bodyPr rtlCol="0" anchor="ctr"/>
-                  <a:lstStyle/>
-                  <a:p>
-                    <a:pPr algn="ctr"/>
-                    <a:endParaRPr lang="pt-BR"/>
-                  </a:p>
-                </p:txBody>
-              </p:sp>
-            </p:grpSp>
-            <p:sp>
-              <p:nvSpPr>
-                <p:cNvPr id="7" name="Retângulo de cantos arredondados 6"/>
-                <p:cNvSpPr/>
-                <p:nvPr/>
-              </p:nvSpPr>
-              <p:spPr>
-                <a:xfrm>
-                  <a:off x="5780035" y="2572045"/>
-                  <a:ext cx="102586" cy="2369123"/>
-                </a:xfrm>
-                <a:prstGeom prst="roundRect">
-                  <a:avLst>
-                    <a:gd name="adj" fmla="val 50000"/>
-                  </a:avLst>
-                </a:prstGeom>
-                <a:solidFill>
-                  <a:srgbClr val="FFFFFF">
-                    <a:alpha val="38824"/>
-                  </a:srgbClr>
-                </a:solidFill>
-                <a:ln>
-                  <a:noFill/>
-                </a:ln>
-              </p:spPr>
-              <p:style>
-                <a:lnRef idx="2">
-                  <a:schemeClr val="accent1">
-                    <a:shade val="50000"/>
-                  </a:schemeClr>
-                </a:lnRef>
-                <a:fillRef idx="1">
-                  <a:schemeClr val="accent1"/>
-                </a:fillRef>
-                <a:effectRef idx="0">
-                  <a:schemeClr val="accent1"/>
-                </a:effectRef>
-                <a:fontRef idx="minor">
-                  <a:schemeClr val="lt1"/>
-                </a:fontRef>
-              </p:style>
-              <p:txBody>
-                <a:bodyPr rtlCol="0" anchor="ctr"/>
-                <a:lstStyle/>
-                <a:p>
-                  <a:pPr algn="ctr"/>
-                  <a:endParaRPr lang="pt-BR"/>
-                </a:p>
-              </p:txBody>
-            </p:sp>
-            <p:sp>
-              <p:nvSpPr>
-                <p:cNvPr id="8" name="Retângulo de cantos arredondados 7"/>
-                <p:cNvSpPr/>
-                <p:nvPr/>
-              </p:nvSpPr>
-              <p:spPr>
-                <a:xfrm>
-                  <a:off x="5004047" y="1794049"/>
-                  <a:ext cx="504057" cy="71385"/>
-                </a:xfrm>
-                <a:prstGeom prst="roundRect">
-                  <a:avLst>
-                    <a:gd name="adj" fmla="val 50000"/>
-                  </a:avLst>
-                </a:prstGeom>
-                <a:solidFill>
-                  <a:srgbClr val="87C7D9"/>
-                </a:solidFill>
-                <a:ln>
-                  <a:noFill/>
-                </a:ln>
-              </p:spPr>
-              <p:style>
-                <a:lnRef idx="2">
-                  <a:schemeClr val="accent1">
-                    <a:shade val="50000"/>
-                  </a:schemeClr>
-                </a:lnRef>
-                <a:fillRef idx="1">
-                  <a:schemeClr val="accent1"/>
-                </a:fillRef>
-                <a:effectRef idx="0">
-                  <a:schemeClr val="accent1"/>
-                </a:effectRef>
-                <a:fontRef idx="minor">
-                  <a:schemeClr val="lt1"/>
-                </a:fontRef>
-              </p:style>
-              <p:txBody>
-                <a:bodyPr rtlCol="0" anchor="ctr"/>
-                <a:lstStyle/>
-                <a:p>
-                  <a:pPr algn="ctr"/>
-                  <a:endParaRPr lang="pt-BR"/>
-                </a:p>
-              </p:txBody>
-            </p:sp>
-            <p:sp>
-              <p:nvSpPr>
-                <p:cNvPr id="9" name="Retângulo de cantos arredondados 8"/>
-                <p:cNvSpPr/>
-                <p:nvPr/>
-              </p:nvSpPr>
-              <p:spPr>
-                <a:xfrm>
-                  <a:off x="5076056" y="1624159"/>
-                  <a:ext cx="360040" cy="540193"/>
-                </a:xfrm>
-                <a:prstGeom prst="roundRect">
-                  <a:avLst/>
-                </a:prstGeom>
-                <a:solidFill>
-                  <a:srgbClr val="87C7D9"/>
-                </a:solidFill>
-                <a:ln>
-                  <a:noFill/>
-                </a:ln>
-              </p:spPr>
-              <p:style>
-                <a:lnRef idx="2">
-                  <a:schemeClr val="accent1">
-                    <a:shade val="50000"/>
-                  </a:schemeClr>
-                </a:lnRef>
-                <a:fillRef idx="1">
-                  <a:schemeClr val="accent1"/>
-                </a:fillRef>
-                <a:effectRef idx="0">
-                  <a:schemeClr val="accent1"/>
-                </a:effectRef>
-                <a:fontRef idx="minor">
-                  <a:schemeClr val="lt1"/>
-                </a:fontRef>
-              </p:style>
-              <p:txBody>
-                <a:bodyPr rtlCol="0" anchor="ctr"/>
-                <a:lstStyle/>
-                <a:p>
-                  <a:pPr algn="ctr"/>
-                  <a:endParaRPr lang="pt-BR"/>
-                </a:p>
-              </p:txBody>
-            </p:sp>
-            <p:sp>
-              <p:nvSpPr>
-                <p:cNvPr id="10" name="Arredondar Retângulo no Mesmo Canto Lateral 9"/>
-                <p:cNvSpPr/>
-                <p:nvPr/>
-              </p:nvSpPr>
-              <p:spPr>
-                <a:xfrm>
-                  <a:off x="5009472" y="1484783"/>
-                  <a:ext cx="493205" cy="288033"/>
-                </a:xfrm>
-                <a:prstGeom prst="round2SameRect">
-                  <a:avLst>
-                    <a:gd name="adj1" fmla="val 26472"/>
-                    <a:gd name="adj2" fmla="val 6568"/>
-                  </a:avLst>
-                </a:prstGeom>
-                <a:solidFill>
-                  <a:srgbClr val="4AABC6"/>
-                </a:solidFill>
-                <a:ln>
-                  <a:noFill/>
-                </a:ln>
-              </p:spPr>
-              <p:style>
-                <a:lnRef idx="2">
-                  <a:schemeClr val="accent1">
-                    <a:shade val="50000"/>
-                  </a:schemeClr>
-                </a:lnRef>
-                <a:fillRef idx="1">
-                  <a:schemeClr val="accent1"/>
-                </a:fillRef>
-                <a:effectRef idx="0">
-                  <a:schemeClr val="accent1"/>
-                </a:effectRef>
-                <a:fontRef idx="minor">
-                  <a:schemeClr val="lt1"/>
-                </a:fontRef>
-              </p:style>
-              <p:txBody>
-                <a:bodyPr rtlCol="0" anchor="ctr"/>
-                <a:lstStyle/>
-                <a:p>
-                  <a:pPr algn="ctr"/>
-                  <a:endParaRPr lang="pt-BR"/>
-                </a:p>
-              </p:txBody>
-            </p:sp>
-          </p:grpSp>
-        </p:grpSp>
-        <p:sp>
-          <p:nvSpPr>
-            <p:cNvPr id="21" name="CaixaDeTexto 20"/>
-            <p:cNvSpPr txBox="1"/>
-            <p:nvPr/>
-          </p:nvSpPr>
-          <p:spPr>
-            <a:xfrm>
-              <a:off x="4102149" y="1561874"/>
-              <a:ext cx="1162498" cy="369332"/>
-            </a:xfrm>
-            <a:prstGeom prst="rect">
-              <a:avLst/>
-            </a:prstGeom>
-            <a:noFill/>
-          </p:spPr>
-          <p:txBody>
-            <a:bodyPr wrap="none" rtlCol="0">
-              <a:spAutoFit/>
-            </a:bodyPr>
-            <a:lstStyle/>
-            <a:p>
-              <a:r>
-                <a:rPr lang="pt-BR" dirty="0" smtClean="0">
-                  <a:solidFill>
-                    <a:schemeClr val="tx1">
-                      <a:lumMod val="75000"/>
-                      <a:lumOff val="25000"/>
-                    </a:schemeClr>
-                  </a:solidFill>
-                </a:rPr>
-                <a:t>Beba água</a:t>
-              </a:r>
-              <a:endParaRPr lang="pt-BR" dirty="0">
-                <a:solidFill>
-                  <a:schemeClr val="tx1">
-                    <a:lumMod val="75000"/>
-                    <a:lumOff val="25000"/>
-                  </a:schemeClr>
-                </a:solidFill>
-              </a:endParaRPr>
             </a:p>
           </p:txBody>
         </p:sp>
@@ -16424,9 +16424,12 @@
               </a:path>
             </a:pathLst>
           </a:custGeom>
-          <a:solidFill>
-            <a:srgbClr val="05ACF7"/>
-          </a:solidFill>
+          <a:blipFill>
+            <a:blip r:embed="rId2"/>
+            <a:stretch>
+              <a:fillRect/>
+            </a:stretch>
+          </a:blipFill>
           <a:ln>
             <a:noFill/>
           </a:ln>

--- a/design.pptx
+++ b/design.pptx
@@ -18,6 +18,7 @@
     <p:sldId id="267" r:id="rId12"/>
     <p:sldId id="268" r:id="rId13"/>
     <p:sldId id="266" r:id="rId14"/>
+    <p:sldId id="269" r:id="rId15"/>
   </p:sldIdLst>
   <p:sldSz cx="9144000" cy="6858000" type="screen4x3"/>
   <p:notesSz cx="6858000" cy="9144000"/>
@@ -118,7 +119,7 @@
   </p:defaultTextStyle>
   <p:extLst>
     <p:ext uri="{EFAFB233-063F-42B5-8137-9DF3F51BA10A}">
-      <p15:sldGuideLst xmlns:p15="http://schemas.microsoft.com/office/powerpoint/2012/main" xmlns="">
+      <p15:sldGuideLst xmlns:p15="http://schemas.microsoft.com/office/powerpoint/2012/main">
         <p15:guide id="1" orient="horz" pos="2160">
           <p15:clr>
             <a:srgbClr val="A4A3A4"/>
@@ -316,7 +317,7 @@
           <a:p>
             <a:fld id="{F13F1855-5749-4CE7-8869-7B9A02C9C351}" type="datetimeFigureOut">
               <a:rPr lang="pt-BR" smtClean="0"/>
-              <a:t>18/10/2019</a:t>
+              <a:t>20/11/2019</a:t>
             </a:fld>
             <a:endParaRPr lang="pt-BR"/>
           </a:p>
@@ -486,7 +487,7 @@
           <a:p>
             <a:fld id="{F13F1855-5749-4CE7-8869-7B9A02C9C351}" type="datetimeFigureOut">
               <a:rPr lang="pt-BR" smtClean="0"/>
-              <a:t>18/10/2019</a:t>
+              <a:t>20/11/2019</a:t>
             </a:fld>
             <a:endParaRPr lang="pt-BR"/>
           </a:p>
@@ -666,7 +667,7 @@
           <a:p>
             <a:fld id="{F13F1855-5749-4CE7-8869-7B9A02C9C351}" type="datetimeFigureOut">
               <a:rPr lang="pt-BR" smtClean="0"/>
-              <a:t>18/10/2019</a:t>
+              <a:t>20/11/2019</a:t>
             </a:fld>
             <a:endParaRPr lang="pt-BR"/>
           </a:p>
@@ -836,7 +837,7 @@
           <a:p>
             <a:fld id="{F13F1855-5749-4CE7-8869-7B9A02C9C351}" type="datetimeFigureOut">
               <a:rPr lang="pt-BR" smtClean="0"/>
-              <a:t>18/10/2019</a:t>
+              <a:t>20/11/2019</a:t>
             </a:fld>
             <a:endParaRPr lang="pt-BR"/>
           </a:p>
@@ -1082,7 +1083,7 @@
           <a:p>
             <a:fld id="{F13F1855-5749-4CE7-8869-7B9A02C9C351}" type="datetimeFigureOut">
               <a:rPr lang="pt-BR" smtClean="0"/>
-              <a:t>18/10/2019</a:t>
+              <a:t>20/11/2019</a:t>
             </a:fld>
             <a:endParaRPr lang="pt-BR"/>
           </a:p>
@@ -1370,7 +1371,7 @@
           <a:p>
             <a:fld id="{F13F1855-5749-4CE7-8869-7B9A02C9C351}" type="datetimeFigureOut">
               <a:rPr lang="pt-BR" smtClean="0"/>
-              <a:t>18/10/2019</a:t>
+              <a:t>20/11/2019</a:t>
             </a:fld>
             <a:endParaRPr lang="pt-BR"/>
           </a:p>
@@ -1792,7 +1793,7 @@
           <a:p>
             <a:fld id="{F13F1855-5749-4CE7-8869-7B9A02C9C351}" type="datetimeFigureOut">
               <a:rPr lang="pt-BR" smtClean="0"/>
-              <a:t>18/10/2019</a:t>
+              <a:t>20/11/2019</a:t>
             </a:fld>
             <a:endParaRPr lang="pt-BR"/>
           </a:p>
@@ -1910,7 +1911,7 @@
           <a:p>
             <a:fld id="{F13F1855-5749-4CE7-8869-7B9A02C9C351}" type="datetimeFigureOut">
               <a:rPr lang="pt-BR" smtClean="0"/>
-              <a:t>18/10/2019</a:t>
+              <a:t>20/11/2019</a:t>
             </a:fld>
             <a:endParaRPr lang="pt-BR"/>
           </a:p>
@@ -2005,7 +2006,7 @@
           <a:p>
             <a:fld id="{F13F1855-5749-4CE7-8869-7B9A02C9C351}" type="datetimeFigureOut">
               <a:rPr lang="pt-BR" smtClean="0"/>
-              <a:t>18/10/2019</a:t>
+              <a:t>20/11/2019</a:t>
             </a:fld>
             <a:endParaRPr lang="pt-BR"/>
           </a:p>
@@ -2282,7 +2283,7 @@
           <a:p>
             <a:fld id="{F13F1855-5749-4CE7-8869-7B9A02C9C351}" type="datetimeFigureOut">
               <a:rPr lang="pt-BR" smtClean="0"/>
-              <a:t>18/10/2019</a:t>
+              <a:t>20/11/2019</a:t>
             </a:fld>
             <a:endParaRPr lang="pt-BR"/>
           </a:p>
@@ -2535,7 +2536,7 @@
           <a:p>
             <a:fld id="{F13F1855-5749-4CE7-8869-7B9A02C9C351}" type="datetimeFigureOut">
               <a:rPr lang="pt-BR" smtClean="0"/>
-              <a:t>18/10/2019</a:t>
+              <a:t>20/11/2019</a:t>
             </a:fld>
             <a:endParaRPr lang="pt-BR"/>
           </a:p>
@@ -2753,7 +2754,7 @@
           <a:p>
             <a:fld id="{F13F1855-5749-4CE7-8869-7B9A02C9C351}" type="datetimeFigureOut">
               <a:rPr lang="pt-BR" smtClean="0"/>
-              <a:t>18/10/2019</a:t>
+              <a:t>20/11/2019</a:t>
             </a:fld>
             <a:endParaRPr lang="pt-BR"/>
           </a:p>
@@ -9529,85 +9530,39 @@
           </a:extLst>
         </p:spPr>
       </p:pic>
-      <p:sp>
-        <p:nvSpPr>
-          <p:cNvPr id="76" name="Retângulo de cantos arredondados 75"/>
-          <p:cNvSpPr/>
-          <p:nvPr/>
-        </p:nvSpPr>
-        <p:spPr>
-          <a:xfrm>
-            <a:off x="5580112" y="2545827"/>
-            <a:ext cx="2115750" cy="2115750"/>
-          </a:xfrm>
-          <a:prstGeom prst="roundRect">
-            <a:avLst/>
-          </a:prstGeom>
-          <a:solidFill>
-            <a:schemeClr val="accent5">
-              <a:lumMod val="40000"/>
-              <a:lumOff val="60000"/>
-            </a:schemeClr>
-          </a:solidFill>
-          <a:ln>
-            <a:noFill/>
-          </a:ln>
-        </p:spPr>
-        <p:style>
-          <a:lnRef idx="2">
-            <a:schemeClr val="accent1">
-              <a:shade val="50000"/>
-            </a:schemeClr>
-          </a:lnRef>
-          <a:fillRef idx="1">
-            <a:schemeClr val="accent1"/>
-          </a:fillRef>
-          <a:effectRef idx="0">
-            <a:schemeClr val="accent1"/>
-          </a:effectRef>
-          <a:fontRef idx="minor">
-            <a:schemeClr val="lt1"/>
-          </a:fontRef>
-        </p:style>
-        <p:txBody>
-          <a:bodyPr rtlCol="0" anchor="ctr"/>
-          <a:lstStyle/>
-          <a:p>
-            <a:pPr algn="ctr"/>
-            <a:endParaRPr lang="pt-BR"/>
-          </a:p>
-        </p:txBody>
-      </p:sp>
       <p:grpSp>
         <p:nvGrpSpPr>
-          <p:cNvPr id="77" name="Grupo 76"/>
+          <p:cNvPr id="5" name="Grupo 4"/>
           <p:cNvGrpSpPr/>
           <p:nvPr/>
         </p:nvGrpSpPr>
         <p:grpSpPr>
           <a:xfrm>
-            <a:off x="5784988" y="2742283"/>
-            <a:ext cx="1705998" cy="1722835"/>
-            <a:chOff x="6214619" y="3329160"/>
-            <a:chExt cx="1705998" cy="1722835"/>
+            <a:off x="5580112" y="2545827"/>
+            <a:ext cx="2115750" cy="2115750"/>
+            <a:chOff x="5580112" y="2545827"/>
+            <a:chExt cx="2115750" cy="2115750"/>
           </a:xfrm>
         </p:grpSpPr>
         <p:sp>
           <p:nvSpPr>
-            <p:cNvPr id="78" name="Elipse 77"/>
+            <p:cNvPr id="76" name="Retângulo de cantos arredondados 75"/>
             <p:cNvSpPr/>
             <p:nvPr/>
           </p:nvSpPr>
           <p:spPr>
             <a:xfrm>
-              <a:off x="6214619" y="3329160"/>
-              <a:ext cx="1705998" cy="1722835"/>
+              <a:off x="5580112" y="2545827"/>
+              <a:ext cx="2115750" cy="2115750"/>
             </a:xfrm>
-            <a:prstGeom prst="ellipse">
+            <a:prstGeom prst="roundRect">
               <a:avLst/>
             </a:prstGeom>
             <a:solidFill>
-              <a:srgbClr val="F6931E"/>
+              <a:schemeClr val="accent5">
+                <a:lumMod val="40000"/>
+                <a:lumOff val="60000"/>
+              </a:schemeClr>
             </a:solidFill>
             <a:ln>
               <a:noFill/>
@@ -9638,144 +9593,205 @@
             </a:p>
           </p:txBody>
         </p:sp>
-        <p:sp>
-          <p:nvSpPr>
-            <p:cNvPr id="79" name="Elipse 78"/>
-            <p:cNvSpPr/>
+        <p:grpSp>
+          <p:nvGrpSpPr>
+            <p:cNvPr id="77" name="Grupo 76"/>
+            <p:cNvGrpSpPr/>
             <p:nvPr/>
-          </p:nvSpPr>
-          <p:spPr>
+          </p:nvGrpSpPr>
+          <p:grpSpPr>
             <a:xfrm>
-              <a:off x="6324415" y="3447376"/>
-              <a:ext cx="1486405" cy="1486405"/>
+              <a:off x="5784988" y="2742283"/>
+              <a:ext cx="1705998" cy="1722835"/>
+              <a:chOff x="6214619" y="3329160"/>
+              <a:chExt cx="1705998" cy="1722835"/>
             </a:xfrm>
-            <a:prstGeom prst="ellipse">
-              <a:avLst/>
-            </a:prstGeom>
-            <a:solidFill>
-              <a:srgbClr val="F6BB00"/>
-            </a:solidFill>
-            <a:ln>
-              <a:noFill/>
-            </a:ln>
-          </p:spPr>
-          <p:style>
-            <a:lnRef idx="2">
-              <a:schemeClr val="accent1">
-                <a:shade val="50000"/>
-              </a:schemeClr>
-            </a:lnRef>
-            <a:fillRef idx="1">
-              <a:schemeClr val="accent1"/>
-            </a:fillRef>
-            <a:effectRef idx="0">
-              <a:schemeClr val="accent1"/>
-            </a:effectRef>
-            <a:fontRef idx="minor">
-              <a:schemeClr val="lt1"/>
-            </a:fontRef>
-          </p:style>
-          <p:txBody>
-            <a:bodyPr rtlCol="0" anchor="ctr"/>
-            <a:lstStyle/>
-            <a:p>
-              <a:pPr algn="ctr"/>
-              <a:endParaRPr lang="pt-BR"/>
-            </a:p>
-          </p:txBody>
-        </p:sp>
-        <p:sp>
-          <p:nvSpPr>
-            <p:cNvPr id="80" name="Elipse 79"/>
-            <p:cNvSpPr/>
-            <p:nvPr/>
-          </p:nvSpPr>
-          <p:spPr>
-            <a:xfrm>
-              <a:off x="6431718" y="3554679"/>
-              <a:ext cx="1271800" cy="1271800"/>
-            </a:xfrm>
-            <a:prstGeom prst="ellipse">
-              <a:avLst/>
-            </a:prstGeom>
-            <a:solidFill>
-              <a:srgbClr val="F4EE00"/>
-            </a:solidFill>
-            <a:ln>
-              <a:noFill/>
-            </a:ln>
-          </p:spPr>
-          <p:style>
-            <a:lnRef idx="2">
-              <a:schemeClr val="accent1">
-                <a:shade val="50000"/>
-              </a:schemeClr>
-            </a:lnRef>
-            <a:fillRef idx="1">
-              <a:schemeClr val="accent1"/>
-            </a:fillRef>
-            <a:effectRef idx="0">
-              <a:schemeClr val="accent1"/>
-            </a:effectRef>
-            <a:fontRef idx="minor">
-              <a:schemeClr val="lt1"/>
-            </a:fontRef>
-          </p:style>
-          <p:txBody>
-            <a:bodyPr rtlCol="0" anchor="ctr"/>
-            <a:lstStyle/>
-            <a:p>
-              <a:pPr algn="ctr"/>
-              <a:endParaRPr lang="pt-BR"/>
-            </a:p>
-          </p:txBody>
-        </p:sp>
-        <p:sp>
-          <p:nvSpPr>
-            <p:cNvPr id="81" name="Elipse 80"/>
-            <p:cNvSpPr/>
-            <p:nvPr/>
-          </p:nvSpPr>
-          <p:spPr>
-            <a:xfrm>
-              <a:off x="6552220" y="3675181"/>
-              <a:ext cx="1030796" cy="1030796"/>
-            </a:xfrm>
-            <a:prstGeom prst="ellipse">
-              <a:avLst/>
-            </a:prstGeom>
-            <a:solidFill>
-              <a:srgbClr val="FFFF1D"/>
-            </a:solidFill>
-            <a:ln>
-              <a:noFill/>
-            </a:ln>
-          </p:spPr>
-          <p:style>
-            <a:lnRef idx="2">
-              <a:schemeClr val="accent1">
-                <a:shade val="50000"/>
-              </a:schemeClr>
-            </a:lnRef>
-            <a:fillRef idx="1">
-              <a:schemeClr val="accent1"/>
-            </a:fillRef>
-            <a:effectRef idx="0">
-              <a:schemeClr val="accent1"/>
-            </a:effectRef>
-            <a:fontRef idx="minor">
-              <a:schemeClr val="lt1"/>
-            </a:fontRef>
-          </p:style>
-          <p:txBody>
-            <a:bodyPr rtlCol="0" anchor="ctr"/>
-            <a:lstStyle/>
-            <a:p>
-              <a:pPr algn="ctr"/>
-              <a:endParaRPr lang="pt-BR"/>
-            </a:p>
-          </p:txBody>
-        </p:sp>
+          </p:grpSpPr>
+          <p:sp>
+            <p:nvSpPr>
+              <p:cNvPr id="78" name="Elipse 77"/>
+              <p:cNvSpPr/>
+              <p:nvPr/>
+            </p:nvSpPr>
+            <p:spPr>
+              <a:xfrm>
+                <a:off x="6214619" y="3329160"/>
+                <a:ext cx="1705998" cy="1722835"/>
+              </a:xfrm>
+              <a:prstGeom prst="ellipse">
+                <a:avLst/>
+              </a:prstGeom>
+              <a:solidFill>
+                <a:srgbClr val="F6931E"/>
+              </a:solidFill>
+              <a:ln>
+                <a:noFill/>
+              </a:ln>
+            </p:spPr>
+            <p:style>
+              <a:lnRef idx="2">
+                <a:schemeClr val="accent1">
+                  <a:shade val="50000"/>
+                </a:schemeClr>
+              </a:lnRef>
+              <a:fillRef idx="1">
+                <a:schemeClr val="accent1"/>
+              </a:fillRef>
+              <a:effectRef idx="0">
+                <a:schemeClr val="accent1"/>
+              </a:effectRef>
+              <a:fontRef idx="minor">
+                <a:schemeClr val="lt1"/>
+              </a:fontRef>
+            </p:style>
+            <p:txBody>
+              <a:bodyPr rtlCol="0" anchor="ctr"/>
+              <a:lstStyle/>
+              <a:p>
+                <a:pPr algn="ctr"/>
+                <a:endParaRPr lang="pt-BR"/>
+              </a:p>
+            </p:txBody>
+          </p:sp>
+          <p:sp>
+            <p:nvSpPr>
+              <p:cNvPr id="79" name="Elipse 78"/>
+              <p:cNvSpPr/>
+              <p:nvPr/>
+            </p:nvSpPr>
+            <p:spPr>
+              <a:xfrm>
+                <a:off x="6324415" y="3447376"/>
+                <a:ext cx="1486405" cy="1486405"/>
+              </a:xfrm>
+              <a:prstGeom prst="ellipse">
+                <a:avLst/>
+              </a:prstGeom>
+              <a:solidFill>
+                <a:srgbClr val="F6BB00"/>
+              </a:solidFill>
+              <a:ln>
+                <a:noFill/>
+              </a:ln>
+            </p:spPr>
+            <p:style>
+              <a:lnRef idx="2">
+                <a:schemeClr val="accent1">
+                  <a:shade val="50000"/>
+                </a:schemeClr>
+              </a:lnRef>
+              <a:fillRef idx="1">
+                <a:schemeClr val="accent1"/>
+              </a:fillRef>
+              <a:effectRef idx="0">
+                <a:schemeClr val="accent1"/>
+              </a:effectRef>
+              <a:fontRef idx="minor">
+                <a:schemeClr val="lt1"/>
+              </a:fontRef>
+            </p:style>
+            <p:txBody>
+              <a:bodyPr rtlCol="0" anchor="ctr"/>
+              <a:lstStyle/>
+              <a:p>
+                <a:pPr algn="ctr"/>
+                <a:endParaRPr lang="pt-BR"/>
+              </a:p>
+            </p:txBody>
+          </p:sp>
+          <p:sp>
+            <p:nvSpPr>
+              <p:cNvPr id="80" name="Elipse 79"/>
+              <p:cNvSpPr/>
+              <p:nvPr/>
+            </p:nvSpPr>
+            <p:spPr>
+              <a:xfrm>
+                <a:off x="6431718" y="3554679"/>
+                <a:ext cx="1271800" cy="1271800"/>
+              </a:xfrm>
+              <a:prstGeom prst="ellipse">
+                <a:avLst/>
+              </a:prstGeom>
+              <a:solidFill>
+                <a:srgbClr val="F4EE00"/>
+              </a:solidFill>
+              <a:ln>
+                <a:noFill/>
+              </a:ln>
+            </p:spPr>
+            <p:style>
+              <a:lnRef idx="2">
+                <a:schemeClr val="accent1">
+                  <a:shade val="50000"/>
+                </a:schemeClr>
+              </a:lnRef>
+              <a:fillRef idx="1">
+                <a:schemeClr val="accent1"/>
+              </a:fillRef>
+              <a:effectRef idx="0">
+                <a:schemeClr val="accent1"/>
+              </a:effectRef>
+              <a:fontRef idx="minor">
+                <a:schemeClr val="lt1"/>
+              </a:fontRef>
+            </p:style>
+            <p:txBody>
+              <a:bodyPr rtlCol="0" anchor="ctr"/>
+              <a:lstStyle/>
+              <a:p>
+                <a:pPr algn="ctr"/>
+                <a:endParaRPr lang="pt-BR"/>
+              </a:p>
+            </p:txBody>
+          </p:sp>
+          <p:sp>
+            <p:nvSpPr>
+              <p:cNvPr id="81" name="Elipse 80"/>
+              <p:cNvSpPr/>
+              <p:nvPr/>
+            </p:nvSpPr>
+            <p:spPr>
+              <a:xfrm>
+                <a:off x="6552220" y="3675181"/>
+                <a:ext cx="1030796" cy="1030796"/>
+              </a:xfrm>
+              <a:prstGeom prst="ellipse">
+                <a:avLst/>
+              </a:prstGeom>
+              <a:solidFill>
+                <a:srgbClr val="FFFF1D"/>
+              </a:solidFill>
+              <a:ln>
+                <a:noFill/>
+              </a:ln>
+            </p:spPr>
+            <p:style>
+              <a:lnRef idx="2">
+                <a:schemeClr val="accent1">
+                  <a:shade val="50000"/>
+                </a:schemeClr>
+              </a:lnRef>
+              <a:fillRef idx="1">
+                <a:schemeClr val="accent1"/>
+              </a:fillRef>
+              <a:effectRef idx="0">
+                <a:schemeClr val="accent1"/>
+              </a:effectRef>
+              <a:fontRef idx="minor">
+                <a:schemeClr val="lt1"/>
+              </a:fontRef>
+            </p:style>
+            <p:txBody>
+              <a:bodyPr rtlCol="0" anchor="ctr"/>
+              <a:lstStyle/>
+              <a:p>
+                <a:pPr algn="ctr"/>
+                <a:endParaRPr lang="pt-BR"/>
+              </a:p>
+            </p:txBody>
+          </p:sp>
+        </p:grpSp>
       </p:grpSp>
       <p:grpSp>
         <p:nvGrpSpPr>
@@ -10860,215 +10876,106 @@
           </p:grpSp>
         </p:grpSp>
       </p:grpSp>
+      <p:sp>
+        <p:nvSpPr>
+          <p:cNvPr id="102" name="Retângulo de cantos arredondados 101"/>
+          <p:cNvSpPr/>
+          <p:nvPr/>
+        </p:nvSpPr>
+        <p:spPr>
+          <a:xfrm>
+            <a:off x="5574278" y="4729148"/>
+            <a:ext cx="2128852" cy="2128852"/>
+          </a:xfrm>
+          <a:prstGeom prst="roundRect">
+            <a:avLst/>
+          </a:prstGeom>
+          <a:solidFill>
+            <a:srgbClr val="79CD4B"/>
+          </a:solidFill>
+          <a:ln>
+            <a:noFill/>
+          </a:ln>
+        </p:spPr>
+        <p:style>
+          <a:lnRef idx="2">
+            <a:schemeClr val="accent1">
+              <a:shade val="50000"/>
+            </a:schemeClr>
+          </a:lnRef>
+          <a:fillRef idx="1">
+            <a:schemeClr val="accent1"/>
+          </a:fillRef>
+          <a:effectRef idx="0">
+            <a:schemeClr val="accent1"/>
+          </a:effectRef>
+          <a:fontRef idx="minor">
+            <a:schemeClr val="lt1"/>
+          </a:fontRef>
+        </p:style>
+        <p:txBody>
+          <a:bodyPr rtlCol="0" anchor="ctr"/>
+          <a:lstStyle/>
+          <a:p>
+            <a:pPr algn="ctr"/>
+            <a:endParaRPr lang="pt-BR"/>
+          </a:p>
+        </p:txBody>
+      </p:sp>
       <p:grpSp>
         <p:nvGrpSpPr>
-          <p:cNvPr id="101" name="Grupo 100"/>
+          <p:cNvPr id="103" name="Grupo 102"/>
           <p:cNvGrpSpPr/>
           <p:nvPr/>
         </p:nvGrpSpPr>
         <p:grpSpPr>
           <a:xfrm>
-            <a:off x="5574278" y="4729148"/>
-            <a:ext cx="2128852" cy="2128852"/>
-            <a:chOff x="3702974" y="1072734"/>
-            <a:chExt cx="2655485" cy="2655485"/>
+            <a:off x="6139321" y="5071980"/>
+            <a:ext cx="998766" cy="1443186"/>
+            <a:chOff x="4439702" y="1124744"/>
+            <a:chExt cx="1245840" cy="1800200"/>
           </a:xfrm>
         </p:grpSpPr>
-        <p:sp>
-          <p:nvSpPr>
-            <p:cNvPr id="102" name="Retângulo de cantos arredondados 101"/>
-            <p:cNvSpPr/>
-            <p:nvPr/>
-          </p:nvSpPr>
-          <p:spPr>
-            <a:xfrm>
-              <a:off x="3702974" y="1072734"/>
-              <a:ext cx="2655485" cy="2655485"/>
-            </a:xfrm>
-            <a:prstGeom prst="roundRect">
-              <a:avLst/>
-            </a:prstGeom>
-            <a:solidFill>
-              <a:srgbClr val="79CD4B"/>
-            </a:solidFill>
-            <a:ln>
-              <a:noFill/>
-            </a:ln>
-          </p:spPr>
-          <p:style>
-            <a:lnRef idx="2">
-              <a:schemeClr val="accent1">
-                <a:shade val="50000"/>
-              </a:schemeClr>
-            </a:lnRef>
-            <a:fillRef idx="1">
-              <a:schemeClr val="accent1"/>
-            </a:fillRef>
-            <a:effectRef idx="0">
-              <a:schemeClr val="accent1"/>
-            </a:effectRef>
-            <a:fontRef idx="minor">
-              <a:schemeClr val="lt1"/>
-            </a:fontRef>
-          </p:style>
-          <p:txBody>
-            <a:bodyPr rtlCol="0" anchor="ctr"/>
-            <a:lstStyle/>
-            <a:p>
-              <a:pPr algn="ctr"/>
-              <a:endParaRPr lang="pt-BR"/>
-            </a:p>
-          </p:txBody>
-        </p:sp>
         <p:grpSp>
           <p:nvGrpSpPr>
-            <p:cNvPr id="103" name="Grupo 102"/>
+            <p:cNvPr id="104" name="Grupo 103"/>
             <p:cNvGrpSpPr/>
             <p:nvPr/>
           </p:nvGrpSpPr>
           <p:grpSpPr>
             <a:xfrm>
-              <a:off x="4407797" y="1500376"/>
-              <a:ext cx="1245840" cy="1800200"/>
-              <a:chOff x="4439702" y="1124744"/>
-              <a:chExt cx="1245840" cy="1800200"/>
+              <a:off x="4439702" y="1412776"/>
+              <a:ext cx="1245840" cy="1512168"/>
+              <a:chOff x="4439702" y="1412776"/>
+              <a:chExt cx="1245840" cy="1512168"/>
             </a:xfrm>
+            <a:gradFill>
+              <a:gsLst>
+                <a:gs pos="49000">
+                  <a:srgbClr val="D6368A"/>
+                </a:gs>
+                <a:gs pos="50000">
+                  <a:srgbClr val="B92573"/>
+                </a:gs>
+              </a:gsLst>
+              <a:lin ang="10800000" scaled="0"/>
+            </a:gradFill>
           </p:grpSpPr>
-          <p:grpSp>
-            <p:nvGrpSpPr>
-              <p:cNvPr id="104" name="Grupo 103"/>
-              <p:cNvGrpSpPr/>
-              <p:nvPr/>
-            </p:nvGrpSpPr>
-            <p:grpSpPr>
-              <a:xfrm>
-                <a:off x="4439702" y="1412776"/>
-                <a:ext cx="1245840" cy="1512168"/>
-                <a:chOff x="4439702" y="1412776"/>
-                <a:chExt cx="1245840" cy="1512168"/>
-              </a:xfrm>
-              <a:gradFill>
-                <a:gsLst>
-                  <a:gs pos="49000">
-                    <a:srgbClr val="D6368A"/>
-                  </a:gs>
-                  <a:gs pos="50000">
-                    <a:srgbClr val="B92573"/>
-                  </a:gs>
-                </a:gsLst>
-                <a:lin ang="10800000" scaled="0"/>
-              </a:gradFill>
-            </p:grpSpPr>
-            <p:sp>
-              <p:nvSpPr>
-                <p:cNvPr id="118" name="Retângulo 117"/>
-                <p:cNvSpPr/>
-                <p:nvPr/>
-              </p:nvSpPr>
-              <p:spPr>
-                <a:xfrm>
-                  <a:off x="4439702" y="1876010"/>
-                  <a:ext cx="1245840" cy="1048934"/>
-                </a:xfrm>
-                <a:prstGeom prst="rect">
-                  <a:avLst/>
-                </a:prstGeom>
-                <a:grpFill/>
-                <a:ln>
-                  <a:noFill/>
-                </a:ln>
-              </p:spPr>
-              <p:style>
-                <a:lnRef idx="2">
-                  <a:schemeClr val="accent1">
-                    <a:shade val="50000"/>
-                  </a:schemeClr>
-                </a:lnRef>
-                <a:fillRef idx="1">
-                  <a:schemeClr val="accent1"/>
-                </a:fillRef>
-                <a:effectRef idx="0">
-                  <a:schemeClr val="accent1"/>
-                </a:effectRef>
-                <a:fontRef idx="minor">
-                  <a:schemeClr val="lt1"/>
-                </a:fontRef>
-              </p:style>
-              <p:txBody>
-                <a:bodyPr rtlCol="0" anchor="ctr"/>
-                <a:lstStyle/>
-                <a:p>
-                  <a:pPr algn="ctr"/>
-                  <a:endParaRPr lang="pt-BR"/>
-                </a:p>
-              </p:txBody>
-            </p:sp>
-            <p:sp>
-              <p:nvSpPr>
-                <p:cNvPr id="119" name="Trapezoide 118"/>
-                <p:cNvSpPr/>
-                <p:nvPr/>
-              </p:nvSpPr>
-              <p:spPr>
-                <a:xfrm>
-                  <a:off x="4439702" y="1412776"/>
-                  <a:ext cx="1245840" cy="463234"/>
-                </a:xfrm>
-                <a:prstGeom prst="trapezoid">
-                  <a:avLst>
-                    <a:gd name="adj" fmla="val 52964"/>
-                  </a:avLst>
-                </a:prstGeom>
-                <a:grpFill/>
-                <a:ln>
-                  <a:noFill/>
-                </a:ln>
-              </p:spPr>
-              <p:style>
-                <a:lnRef idx="2">
-                  <a:schemeClr val="accent1">
-                    <a:shade val="50000"/>
-                  </a:schemeClr>
-                </a:lnRef>
-                <a:fillRef idx="1">
-                  <a:schemeClr val="accent1"/>
-                </a:fillRef>
-                <a:effectRef idx="0">
-                  <a:schemeClr val="accent1"/>
-                </a:effectRef>
-                <a:fontRef idx="minor">
-                  <a:schemeClr val="lt1"/>
-                </a:fontRef>
-              </p:style>
-              <p:txBody>
-                <a:bodyPr rtlCol="0" anchor="ctr"/>
-                <a:lstStyle/>
-                <a:p>
-                  <a:pPr algn="ctr"/>
-                  <a:endParaRPr lang="pt-BR"/>
-                </a:p>
-              </p:txBody>
-            </p:sp>
-          </p:grpSp>
           <p:sp>
             <p:nvSpPr>
-              <p:cNvPr id="105" name="Retângulo de cantos arredondados 104"/>
+              <p:cNvPr id="118" name="Retângulo 117"/>
               <p:cNvSpPr/>
               <p:nvPr/>
             </p:nvSpPr>
             <p:spPr>
               <a:xfrm>
-                <a:off x="4545132" y="1124744"/>
-                <a:ext cx="1034980" cy="380170"/>
+                <a:off x="4439702" y="1876010"/>
+                <a:ext cx="1245840" cy="1048934"/>
               </a:xfrm>
-              <a:prstGeom prst="roundRect">
-                <a:avLst>
-                  <a:gd name="adj" fmla="val 10654"/>
-                </a:avLst>
+              <a:prstGeom prst="rect">
+                <a:avLst/>
               </a:prstGeom>
-              <a:solidFill>
-                <a:srgbClr val="D6368A"/>
-              </a:solidFill>
+              <a:grpFill/>
               <a:ln>
                 <a:noFill/>
               </a:ln>
@@ -11100,547 +11007,21 @@
           </p:sp>
           <p:sp>
             <p:nvSpPr>
-              <p:cNvPr id="106" name="Retângulo de cantos arredondados 105"/>
+              <p:cNvPr id="119" name="Trapezoide 118"/>
               <p:cNvSpPr/>
               <p:nvPr/>
             </p:nvSpPr>
             <p:spPr>
               <a:xfrm>
-                <a:off x="4644234" y="1160480"/>
-                <a:ext cx="45719" cy="292267"/>
+                <a:off x="4439702" y="1412776"/>
+                <a:ext cx="1245840" cy="463234"/>
               </a:xfrm>
-              <a:prstGeom prst="roundRect">
-                <a:avLst/>
+              <a:prstGeom prst="trapezoid">
+                <a:avLst>
+                  <a:gd name="adj" fmla="val 52964"/>
+                </a:avLst>
               </a:prstGeom>
-              <a:solidFill>
-                <a:srgbClr val="B92573"/>
-              </a:solidFill>
-              <a:ln>
-                <a:noFill/>
-              </a:ln>
-            </p:spPr>
-            <p:style>
-              <a:lnRef idx="2">
-                <a:schemeClr val="accent1">
-                  <a:shade val="50000"/>
-                </a:schemeClr>
-              </a:lnRef>
-              <a:fillRef idx="1">
-                <a:schemeClr val="accent1"/>
-              </a:fillRef>
-              <a:effectRef idx="0">
-                <a:schemeClr val="accent1"/>
-              </a:effectRef>
-              <a:fontRef idx="minor">
-                <a:schemeClr val="lt1"/>
-              </a:fontRef>
-            </p:style>
-            <p:txBody>
-              <a:bodyPr rtlCol="0" anchor="ctr"/>
-              <a:lstStyle/>
-              <a:p>
-                <a:pPr algn="ctr"/>
-                <a:endParaRPr lang="pt-BR"/>
-              </a:p>
-            </p:txBody>
-          </p:sp>
-          <p:sp>
-            <p:nvSpPr>
-              <p:cNvPr id="107" name="Retângulo de cantos arredondados 106"/>
-              <p:cNvSpPr/>
-              <p:nvPr/>
-            </p:nvSpPr>
-            <p:spPr>
-              <a:xfrm>
-                <a:off x="4735140" y="1160476"/>
-                <a:ext cx="45719" cy="292267"/>
-              </a:xfrm>
-              <a:prstGeom prst="roundRect">
-                <a:avLst/>
-              </a:prstGeom>
-              <a:solidFill>
-                <a:srgbClr val="B92573"/>
-              </a:solidFill>
-              <a:ln>
-                <a:noFill/>
-              </a:ln>
-            </p:spPr>
-            <p:style>
-              <a:lnRef idx="2">
-                <a:schemeClr val="accent1">
-                  <a:shade val="50000"/>
-                </a:schemeClr>
-              </a:lnRef>
-              <a:fillRef idx="1">
-                <a:schemeClr val="accent1"/>
-              </a:fillRef>
-              <a:effectRef idx="0">
-                <a:schemeClr val="accent1"/>
-              </a:effectRef>
-              <a:fontRef idx="minor">
-                <a:schemeClr val="lt1"/>
-              </a:fontRef>
-            </p:style>
-            <p:txBody>
-              <a:bodyPr rtlCol="0" anchor="ctr"/>
-              <a:lstStyle/>
-              <a:p>
-                <a:pPr algn="ctr"/>
-                <a:endParaRPr lang="pt-BR"/>
-              </a:p>
-            </p:txBody>
-          </p:sp>
-          <p:sp>
-            <p:nvSpPr>
-              <p:cNvPr id="108" name="Retângulo de cantos arredondados 107"/>
-              <p:cNvSpPr/>
-              <p:nvPr/>
-            </p:nvSpPr>
-            <p:spPr>
-              <a:xfrm>
-                <a:off x="4826046" y="1160480"/>
-                <a:ext cx="45719" cy="292267"/>
-              </a:xfrm>
-              <a:prstGeom prst="roundRect">
-                <a:avLst/>
-              </a:prstGeom>
-              <a:solidFill>
-                <a:srgbClr val="B92573"/>
-              </a:solidFill>
-              <a:ln>
-                <a:noFill/>
-              </a:ln>
-            </p:spPr>
-            <p:style>
-              <a:lnRef idx="2">
-                <a:schemeClr val="accent1">
-                  <a:shade val="50000"/>
-                </a:schemeClr>
-              </a:lnRef>
-              <a:fillRef idx="1">
-                <a:schemeClr val="accent1"/>
-              </a:fillRef>
-              <a:effectRef idx="0">
-                <a:schemeClr val="accent1"/>
-              </a:effectRef>
-              <a:fontRef idx="minor">
-                <a:schemeClr val="lt1"/>
-              </a:fontRef>
-            </p:style>
-            <p:txBody>
-              <a:bodyPr rtlCol="0" anchor="ctr"/>
-              <a:lstStyle/>
-              <a:p>
-                <a:pPr algn="ctr"/>
-                <a:endParaRPr lang="pt-BR"/>
-              </a:p>
-            </p:txBody>
-          </p:sp>
-          <p:sp>
-            <p:nvSpPr>
-              <p:cNvPr id="109" name="Retângulo de cantos arredondados 108"/>
-              <p:cNvSpPr/>
-              <p:nvPr/>
-            </p:nvSpPr>
-            <p:spPr>
-              <a:xfrm>
-                <a:off x="4916952" y="1160477"/>
-                <a:ext cx="45719" cy="292267"/>
-              </a:xfrm>
-              <a:prstGeom prst="roundRect">
-                <a:avLst/>
-              </a:prstGeom>
-              <a:solidFill>
-                <a:srgbClr val="B92573"/>
-              </a:solidFill>
-              <a:ln>
-                <a:noFill/>
-              </a:ln>
-            </p:spPr>
-            <p:style>
-              <a:lnRef idx="2">
-                <a:schemeClr val="accent1">
-                  <a:shade val="50000"/>
-                </a:schemeClr>
-              </a:lnRef>
-              <a:fillRef idx="1">
-                <a:schemeClr val="accent1"/>
-              </a:fillRef>
-              <a:effectRef idx="0">
-                <a:schemeClr val="accent1"/>
-              </a:effectRef>
-              <a:fontRef idx="minor">
-                <a:schemeClr val="lt1"/>
-              </a:fontRef>
-            </p:style>
-            <p:txBody>
-              <a:bodyPr rtlCol="0" anchor="ctr"/>
-              <a:lstStyle/>
-              <a:p>
-                <a:pPr algn="ctr"/>
-                <a:endParaRPr lang="pt-BR"/>
-              </a:p>
-            </p:txBody>
-          </p:sp>
-          <p:sp>
-            <p:nvSpPr>
-              <p:cNvPr id="110" name="Retângulo de cantos arredondados 109"/>
-              <p:cNvSpPr/>
-              <p:nvPr/>
-            </p:nvSpPr>
-            <p:spPr>
-              <a:xfrm>
-                <a:off x="5007858" y="1160475"/>
-                <a:ext cx="45719" cy="292267"/>
-              </a:xfrm>
-              <a:prstGeom prst="roundRect">
-                <a:avLst/>
-              </a:prstGeom>
-              <a:solidFill>
-                <a:srgbClr val="B92573"/>
-              </a:solidFill>
-              <a:ln>
-                <a:noFill/>
-              </a:ln>
-            </p:spPr>
-            <p:style>
-              <a:lnRef idx="2">
-                <a:schemeClr val="accent1">
-                  <a:shade val="50000"/>
-                </a:schemeClr>
-              </a:lnRef>
-              <a:fillRef idx="1">
-                <a:schemeClr val="accent1"/>
-              </a:fillRef>
-              <a:effectRef idx="0">
-                <a:schemeClr val="accent1"/>
-              </a:effectRef>
-              <a:fontRef idx="minor">
-                <a:schemeClr val="lt1"/>
-              </a:fontRef>
-            </p:style>
-            <p:txBody>
-              <a:bodyPr rtlCol="0" anchor="ctr"/>
-              <a:lstStyle/>
-              <a:p>
-                <a:pPr algn="ctr"/>
-                <a:endParaRPr lang="pt-BR"/>
-              </a:p>
-            </p:txBody>
-          </p:sp>
-          <p:sp>
-            <p:nvSpPr>
-              <p:cNvPr id="111" name="Retângulo de cantos arredondados 110"/>
-              <p:cNvSpPr/>
-              <p:nvPr/>
-            </p:nvSpPr>
-            <p:spPr>
-              <a:xfrm>
-                <a:off x="5098764" y="1160474"/>
-                <a:ext cx="45719" cy="292267"/>
-              </a:xfrm>
-              <a:prstGeom prst="roundRect">
-                <a:avLst/>
-              </a:prstGeom>
-              <a:solidFill>
-                <a:srgbClr val="B92573"/>
-              </a:solidFill>
-              <a:ln>
-                <a:noFill/>
-              </a:ln>
-            </p:spPr>
-            <p:style>
-              <a:lnRef idx="2">
-                <a:schemeClr val="accent1">
-                  <a:shade val="50000"/>
-                </a:schemeClr>
-              </a:lnRef>
-              <a:fillRef idx="1">
-                <a:schemeClr val="accent1"/>
-              </a:fillRef>
-              <a:effectRef idx="0">
-                <a:schemeClr val="accent1"/>
-              </a:effectRef>
-              <a:fontRef idx="minor">
-                <a:schemeClr val="lt1"/>
-              </a:fontRef>
-            </p:style>
-            <p:txBody>
-              <a:bodyPr rtlCol="0" anchor="ctr"/>
-              <a:lstStyle/>
-              <a:p>
-                <a:pPr algn="ctr"/>
-                <a:endParaRPr lang="pt-BR"/>
-              </a:p>
-            </p:txBody>
-          </p:sp>
-          <p:sp>
-            <p:nvSpPr>
-              <p:cNvPr id="112" name="Retângulo de cantos arredondados 111"/>
-              <p:cNvSpPr/>
-              <p:nvPr/>
-            </p:nvSpPr>
-            <p:spPr>
-              <a:xfrm>
-                <a:off x="5189670" y="1160473"/>
-                <a:ext cx="45719" cy="292267"/>
-              </a:xfrm>
-              <a:prstGeom prst="roundRect">
-                <a:avLst/>
-              </a:prstGeom>
-              <a:solidFill>
-                <a:srgbClr val="B92573"/>
-              </a:solidFill>
-              <a:ln>
-                <a:noFill/>
-              </a:ln>
-            </p:spPr>
-            <p:style>
-              <a:lnRef idx="2">
-                <a:schemeClr val="accent1">
-                  <a:shade val="50000"/>
-                </a:schemeClr>
-              </a:lnRef>
-              <a:fillRef idx="1">
-                <a:schemeClr val="accent1"/>
-              </a:fillRef>
-              <a:effectRef idx="0">
-                <a:schemeClr val="accent1"/>
-              </a:effectRef>
-              <a:fontRef idx="minor">
-                <a:schemeClr val="lt1"/>
-              </a:fontRef>
-            </p:style>
-            <p:txBody>
-              <a:bodyPr rtlCol="0" anchor="ctr"/>
-              <a:lstStyle/>
-              <a:p>
-                <a:pPr algn="ctr"/>
-                <a:endParaRPr lang="pt-BR"/>
-              </a:p>
-            </p:txBody>
-          </p:sp>
-          <p:sp>
-            <p:nvSpPr>
-              <p:cNvPr id="113" name="Retângulo de cantos arredondados 112"/>
-              <p:cNvSpPr/>
-              <p:nvPr/>
-            </p:nvSpPr>
-            <p:spPr>
-              <a:xfrm>
-                <a:off x="5280576" y="1160472"/>
-                <a:ext cx="45719" cy="292267"/>
-              </a:xfrm>
-              <a:prstGeom prst="roundRect">
-                <a:avLst/>
-              </a:prstGeom>
-              <a:solidFill>
-                <a:srgbClr val="B92573"/>
-              </a:solidFill>
-              <a:ln>
-                <a:noFill/>
-              </a:ln>
-            </p:spPr>
-            <p:style>
-              <a:lnRef idx="2">
-                <a:schemeClr val="accent1">
-                  <a:shade val="50000"/>
-                </a:schemeClr>
-              </a:lnRef>
-              <a:fillRef idx="1">
-                <a:schemeClr val="accent1"/>
-              </a:fillRef>
-              <a:effectRef idx="0">
-                <a:schemeClr val="accent1"/>
-              </a:effectRef>
-              <a:fontRef idx="minor">
-                <a:schemeClr val="lt1"/>
-              </a:fontRef>
-            </p:style>
-            <p:txBody>
-              <a:bodyPr rtlCol="0" anchor="ctr"/>
-              <a:lstStyle/>
-              <a:p>
-                <a:pPr algn="ctr"/>
-                <a:endParaRPr lang="pt-BR"/>
-              </a:p>
-            </p:txBody>
-          </p:sp>
-          <p:sp>
-            <p:nvSpPr>
-              <p:cNvPr id="114" name="Retângulo de cantos arredondados 113"/>
-              <p:cNvSpPr/>
-              <p:nvPr/>
-            </p:nvSpPr>
-            <p:spPr>
-              <a:xfrm>
-                <a:off x="5371482" y="1160480"/>
-                <a:ext cx="45719" cy="292267"/>
-              </a:xfrm>
-              <a:prstGeom prst="roundRect">
-                <a:avLst/>
-              </a:prstGeom>
-              <a:solidFill>
-                <a:srgbClr val="B92573"/>
-              </a:solidFill>
-              <a:ln>
-                <a:noFill/>
-              </a:ln>
-            </p:spPr>
-            <p:style>
-              <a:lnRef idx="2">
-                <a:schemeClr val="accent1">
-                  <a:shade val="50000"/>
-                </a:schemeClr>
-              </a:lnRef>
-              <a:fillRef idx="1">
-                <a:schemeClr val="accent1"/>
-              </a:fillRef>
-              <a:effectRef idx="0">
-                <a:schemeClr val="accent1"/>
-              </a:effectRef>
-              <a:fontRef idx="minor">
-                <a:schemeClr val="lt1"/>
-              </a:fontRef>
-            </p:style>
-            <p:txBody>
-              <a:bodyPr rtlCol="0" anchor="ctr"/>
-              <a:lstStyle/>
-              <a:p>
-                <a:pPr algn="ctr"/>
-                <a:endParaRPr lang="pt-BR"/>
-              </a:p>
-            </p:txBody>
-          </p:sp>
-          <p:sp>
-            <p:nvSpPr>
-              <p:cNvPr id="115" name="Retângulo de cantos arredondados 114"/>
-              <p:cNvSpPr/>
-              <p:nvPr/>
-            </p:nvSpPr>
-            <p:spPr>
-              <a:xfrm>
-                <a:off x="5462385" y="1160480"/>
-                <a:ext cx="45719" cy="292267"/>
-              </a:xfrm>
-              <a:prstGeom prst="roundRect">
-                <a:avLst/>
-              </a:prstGeom>
-              <a:solidFill>
-                <a:srgbClr val="B92573"/>
-              </a:solidFill>
-              <a:ln>
-                <a:noFill/>
-              </a:ln>
-            </p:spPr>
-            <p:style>
-              <a:lnRef idx="2">
-                <a:schemeClr val="accent1">
-                  <a:shade val="50000"/>
-                </a:schemeClr>
-              </a:lnRef>
-              <a:fillRef idx="1">
-                <a:schemeClr val="accent1"/>
-              </a:fillRef>
-              <a:effectRef idx="0">
-                <a:schemeClr val="accent1"/>
-              </a:effectRef>
-              <a:fontRef idx="minor">
-                <a:schemeClr val="lt1"/>
-              </a:fontRef>
-            </p:style>
-            <p:txBody>
-              <a:bodyPr rtlCol="0" anchor="ctr"/>
-              <a:lstStyle/>
-              <a:p>
-                <a:pPr algn="ctr"/>
-                <a:endParaRPr lang="pt-BR"/>
-              </a:p>
-            </p:txBody>
-          </p:sp>
-          <p:sp>
-            <p:nvSpPr>
-              <p:cNvPr id="116" name="Elipse 115"/>
-              <p:cNvSpPr/>
-              <p:nvPr/>
-            </p:nvSpPr>
-            <p:spPr>
-              <a:xfrm>
-                <a:off x="4679592" y="2017447"/>
-                <a:ext cx="766060" cy="766060"/>
-              </a:xfrm>
-              <a:prstGeom prst="ellipse">
-                <a:avLst/>
-              </a:prstGeom>
-              <a:gradFill>
-                <a:gsLst>
-                  <a:gs pos="49000">
-                    <a:schemeClr val="bg1"/>
-                  </a:gs>
-                  <a:gs pos="50000">
-                    <a:schemeClr val="bg1">
-                      <a:lumMod val="86000"/>
-                    </a:schemeClr>
-                  </a:gs>
-                </a:gsLst>
-                <a:lin ang="10800000" scaled="0"/>
-              </a:gradFill>
-              <a:ln>
-                <a:noFill/>
-              </a:ln>
-            </p:spPr>
-            <p:style>
-              <a:lnRef idx="2">
-                <a:schemeClr val="accent1">
-                  <a:shade val="50000"/>
-                </a:schemeClr>
-              </a:lnRef>
-              <a:fillRef idx="1">
-                <a:schemeClr val="accent1"/>
-              </a:fillRef>
-              <a:effectRef idx="0">
-                <a:schemeClr val="accent1"/>
-              </a:effectRef>
-              <a:fontRef idx="minor">
-                <a:schemeClr val="lt1"/>
-              </a:fontRef>
-            </p:style>
-            <p:txBody>
-              <a:bodyPr rtlCol="0" anchor="ctr"/>
-              <a:lstStyle/>
-              <a:p>
-                <a:pPr algn="ctr"/>
-                <a:endParaRPr lang="pt-BR"/>
-              </a:p>
-            </p:txBody>
-          </p:sp>
-          <p:sp>
-            <p:nvSpPr>
-              <p:cNvPr id="117" name="Raio 116"/>
-              <p:cNvSpPr/>
-              <p:nvPr/>
-            </p:nvSpPr>
-            <p:spPr>
-              <a:xfrm>
-                <a:off x="4819937" y="2157792"/>
-                <a:ext cx="485370" cy="485370"/>
-              </a:xfrm>
-              <a:prstGeom prst="lightningBolt">
-                <a:avLst/>
-              </a:prstGeom>
-              <a:gradFill>
-                <a:gsLst>
-                  <a:gs pos="49000">
-                    <a:srgbClr val="92D050"/>
-                  </a:gs>
-                  <a:gs pos="50000">
-                    <a:srgbClr val="92D050">
-                      <a:lumMod val="84000"/>
-                    </a:srgbClr>
-                  </a:gs>
-                </a:gsLst>
-                <a:lin ang="10800000" scaled="0"/>
-              </a:gradFill>
+              <a:grpFill/>
               <a:ln>
                 <a:noFill/>
               </a:ln>
@@ -11671,37 +11052,24 @@
             </p:txBody>
           </p:sp>
         </p:grpSp>
-      </p:grpSp>
-      <p:grpSp>
-        <p:nvGrpSpPr>
-          <p:cNvPr id="120" name="Grupo 119"/>
-          <p:cNvGrpSpPr/>
-          <p:nvPr/>
-        </p:nvGrpSpPr>
-        <p:grpSpPr>
-          <a:xfrm>
-            <a:off x="7609840" y="98479"/>
-            <a:ext cx="2918917" cy="2157545"/>
-            <a:chOff x="3058720" y="1055733"/>
-            <a:chExt cx="5046518" cy="3730180"/>
-          </a:xfrm>
-        </p:grpSpPr>
         <p:sp>
           <p:nvSpPr>
-            <p:cNvPr id="121" name="Retângulo de cantos arredondados 120"/>
+            <p:cNvPr id="105" name="Retângulo de cantos arredondados 104"/>
             <p:cNvSpPr/>
             <p:nvPr/>
           </p:nvSpPr>
           <p:spPr>
             <a:xfrm>
-              <a:off x="3716889" y="1055733"/>
-              <a:ext cx="3730180" cy="3730180"/>
+              <a:off x="4545132" y="1124744"/>
+              <a:ext cx="1034980" cy="380170"/>
             </a:xfrm>
             <a:prstGeom prst="roundRect">
-              <a:avLst/>
+              <a:avLst>
+                <a:gd name="adj" fmla="val 10654"/>
+              </a:avLst>
             </a:prstGeom>
             <a:solidFill>
-              <a:srgbClr val="C1E3C2"/>
+              <a:srgbClr val="D6368A"/>
             </a:solidFill>
             <a:ln>
               <a:noFill/>
@@ -11732,171 +11100,578 @@
             </a:p>
           </p:txBody>
         </p:sp>
-        <p:grpSp>
-          <p:nvGrpSpPr>
-            <p:cNvPr id="122" name="Grupo 121"/>
-            <p:cNvGrpSpPr/>
+        <p:sp>
+          <p:nvSpPr>
+            <p:cNvPr id="106" name="Retângulo de cantos arredondados 105"/>
+            <p:cNvSpPr/>
             <p:nvPr/>
-          </p:nvGrpSpPr>
-          <p:grpSpPr>
-            <a:xfrm rot="1800000">
-              <a:off x="3058720" y="1055733"/>
-              <a:ext cx="5046518" cy="3492637"/>
-              <a:chOff x="452634" y="347116"/>
-              <a:chExt cx="5046518" cy="3492637"/>
+          </p:nvSpPr>
+          <p:spPr>
+            <a:xfrm>
+              <a:off x="4644234" y="1160480"/>
+              <a:ext cx="45719" cy="292267"/>
             </a:xfrm>
-          </p:grpSpPr>
-          <p:sp>
-            <p:nvSpPr>
-              <p:cNvPr id="123" name="Google Shape;117;p2"/>
-              <p:cNvSpPr/>
-              <p:nvPr/>
-            </p:nvSpPr>
-            <p:spPr>
-              <a:xfrm rot="5014128">
-                <a:off x="2317134" y="540108"/>
-                <a:ext cx="3249656" cy="3114380"/>
-              </a:xfrm>
-              <a:prstGeom prst="chord">
-                <a:avLst>
-                  <a:gd name="adj1" fmla="val 2700000"/>
-                  <a:gd name="adj2" fmla="val 9134488"/>
-                </a:avLst>
-              </a:prstGeom>
-              <a:solidFill>
-                <a:srgbClr val="79CD4B"/>
-              </a:solidFill>
-              <a:ln>
-                <a:noFill/>
-              </a:ln>
-            </p:spPr>
-            <p:txBody>
-              <a:bodyPr spcFirstLastPara="1" wrap="square" lIns="91425" tIns="45700" rIns="91425" bIns="45700" anchor="ctr" anchorCtr="0">
-                <a:noAutofit/>
-              </a:bodyPr>
-              <a:lstStyle/>
-              <a:p>
-                <a:pPr marL="0" marR="0" lvl="0" indent="0" algn="ctr" rtl="0">
-                  <a:spcBef>
-                    <a:spcPts val="0"/>
-                  </a:spcBef>
-                  <a:spcAft>
-                    <a:spcPts val="0"/>
-                  </a:spcAft>
-                  <a:buNone/>
-                </a:pPr>
-                <a:endParaRPr sz="1800">
-                  <a:solidFill>
-                    <a:schemeClr val="lt1"/>
-                  </a:solidFill>
-                  <a:latin typeface="Calibri"/>
-                  <a:ea typeface="Calibri"/>
-                  <a:cs typeface="Calibri"/>
-                  <a:sym typeface="Calibri"/>
-                </a:endParaRPr>
-              </a:p>
-            </p:txBody>
-          </p:sp>
-          <p:sp>
-            <p:nvSpPr>
-              <p:cNvPr id="124" name="Google Shape;117;p2"/>
-              <p:cNvSpPr/>
-              <p:nvPr/>
-            </p:nvSpPr>
-            <p:spPr>
-              <a:xfrm rot="5014128" flipH="1" flipV="1">
-                <a:off x="328729" y="471021"/>
-                <a:ext cx="3362189" cy="3114380"/>
-              </a:xfrm>
-              <a:prstGeom prst="chord">
-                <a:avLst>
-                  <a:gd name="adj1" fmla="val 2700000"/>
-                  <a:gd name="adj2" fmla="val 9134488"/>
-                </a:avLst>
-              </a:prstGeom>
-              <a:solidFill>
-                <a:srgbClr val="79CD4B"/>
-              </a:solidFill>
-              <a:ln>
-                <a:noFill/>
-              </a:ln>
-            </p:spPr>
-            <p:txBody>
-              <a:bodyPr spcFirstLastPara="1" wrap="square" lIns="91425" tIns="45700" rIns="91425" bIns="45700" anchor="ctr" anchorCtr="0">
-                <a:noAutofit/>
-              </a:bodyPr>
-              <a:lstStyle/>
-              <a:p>
-                <a:pPr marL="0" marR="0" lvl="0" indent="0" algn="ctr" rtl="0">
-                  <a:spcBef>
-                    <a:spcPts val="0"/>
-                  </a:spcBef>
-                  <a:spcAft>
-                    <a:spcPts val="0"/>
-                  </a:spcAft>
-                  <a:buNone/>
-                </a:pPr>
-                <a:endParaRPr sz="1800">
-                  <a:solidFill>
-                    <a:schemeClr val="lt1"/>
-                  </a:solidFill>
-                  <a:latin typeface="Calibri"/>
-                  <a:ea typeface="Calibri"/>
-                  <a:cs typeface="Calibri"/>
-                  <a:sym typeface="Calibri"/>
-                </a:endParaRPr>
-              </a:p>
-            </p:txBody>
-          </p:sp>
-          <p:sp>
-            <p:nvSpPr>
-              <p:cNvPr id="125" name="Retângulo de cantos arredondados 124"/>
-              <p:cNvSpPr/>
-              <p:nvPr/>
-            </p:nvSpPr>
-            <p:spPr>
-              <a:xfrm>
-                <a:off x="2930792" y="2001893"/>
-                <a:ext cx="108012" cy="1837860"/>
-              </a:xfrm>
-              <a:prstGeom prst="roundRect">
-                <a:avLst>
-                  <a:gd name="adj" fmla="val 11111"/>
-                </a:avLst>
-              </a:prstGeom>
-              <a:solidFill>
-                <a:srgbClr val="ADE090"/>
-              </a:solidFill>
-              <a:ln>
-                <a:noFill/>
-              </a:ln>
-            </p:spPr>
-            <p:style>
-              <a:lnRef idx="2">
-                <a:schemeClr val="accent1">
-                  <a:shade val="50000"/>
-                </a:schemeClr>
-              </a:lnRef>
-              <a:fillRef idx="1">
-                <a:schemeClr val="accent1"/>
-              </a:fillRef>
-              <a:effectRef idx="0">
-                <a:schemeClr val="accent1"/>
-              </a:effectRef>
-              <a:fontRef idx="minor">
-                <a:schemeClr val="lt1"/>
-              </a:fontRef>
-            </p:style>
-            <p:txBody>
-              <a:bodyPr rtlCol="0" anchor="ctr"/>
-              <a:lstStyle/>
-              <a:p>
-                <a:pPr algn="ctr"/>
-                <a:endParaRPr lang="pt-BR"/>
-              </a:p>
-            </p:txBody>
-          </p:sp>
-        </p:grpSp>
+            <a:prstGeom prst="roundRect">
+              <a:avLst/>
+            </a:prstGeom>
+            <a:solidFill>
+              <a:srgbClr val="B92573"/>
+            </a:solidFill>
+            <a:ln>
+              <a:noFill/>
+            </a:ln>
+          </p:spPr>
+          <p:style>
+            <a:lnRef idx="2">
+              <a:schemeClr val="accent1">
+                <a:shade val="50000"/>
+              </a:schemeClr>
+            </a:lnRef>
+            <a:fillRef idx="1">
+              <a:schemeClr val="accent1"/>
+            </a:fillRef>
+            <a:effectRef idx="0">
+              <a:schemeClr val="accent1"/>
+            </a:effectRef>
+            <a:fontRef idx="minor">
+              <a:schemeClr val="lt1"/>
+            </a:fontRef>
+          </p:style>
+          <p:txBody>
+            <a:bodyPr rtlCol="0" anchor="ctr"/>
+            <a:lstStyle/>
+            <a:p>
+              <a:pPr algn="ctr"/>
+              <a:endParaRPr lang="pt-BR"/>
+            </a:p>
+          </p:txBody>
+        </p:sp>
+        <p:sp>
+          <p:nvSpPr>
+            <p:cNvPr id="107" name="Retângulo de cantos arredondados 106"/>
+            <p:cNvSpPr/>
+            <p:nvPr/>
+          </p:nvSpPr>
+          <p:spPr>
+            <a:xfrm>
+              <a:off x="4735140" y="1160476"/>
+              <a:ext cx="45719" cy="292267"/>
+            </a:xfrm>
+            <a:prstGeom prst="roundRect">
+              <a:avLst/>
+            </a:prstGeom>
+            <a:solidFill>
+              <a:srgbClr val="B92573"/>
+            </a:solidFill>
+            <a:ln>
+              <a:noFill/>
+            </a:ln>
+          </p:spPr>
+          <p:style>
+            <a:lnRef idx="2">
+              <a:schemeClr val="accent1">
+                <a:shade val="50000"/>
+              </a:schemeClr>
+            </a:lnRef>
+            <a:fillRef idx="1">
+              <a:schemeClr val="accent1"/>
+            </a:fillRef>
+            <a:effectRef idx="0">
+              <a:schemeClr val="accent1"/>
+            </a:effectRef>
+            <a:fontRef idx="minor">
+              <a:schemeClr val="lt1"/>
+            </a:fontRef>
+          </p:style>
+          <p:txBody>
+            <a:bodyPr rtlCol="0" anchor="ctr"/>
+            <a:lstStyle/>
+            <a:p>
+              <a:pPr algn="ctr"/>
+              <a:endParaRPr lang="pt-BR"/>
+            </a:p>
+          </p:txBody>
+        </p:sp>
+        <p:sp>
+          <p:nvSpPr>
+            <p:cNvPr id="108" name="Retângulo de cantos arredondados 107"/>
+            <p:cNvSpPr/>
+            <p:nvPr/>
+          </p:nvSpPr>
+          <p:spPr>
+            <a:xfrm>
+              <a:off x="4826046" y="1160480"/>
+              <a:ext cx="45719" cy="292267"/>
+            </a:xfrm>
+            <a:prstGeom prst="roundRect">
+              <a:avLst/>
+            </a:prstGeom>
+            <a:solidFill>
+              <a:srgbClr val="B92573"/>
+            </a:solidFill>
+            <a:ln>
+              <a:noFill/>
+            </a:ln>
+          </p:spPr>
+          <p:style>
+            <a:lnRef idx="2">
+              <a:schemeClr val="accent1">
+                <a:shade val="50000"/>
+              </a:schemeClr>
+            </a:lnRef>
+            <a:fillRef idx="1">
+              <a:schemeClr val="accent1"/>
+            </a:fillRef>
+            <a:effectRef idx="0">
+              <a:schemeClr val="accent1"/>
+            </a:effectRef>
+            <a:fontRef idx="minor">
+              <a:schemeClr val="lt1"/>
+            </a:fontRef>
+          </p:style>
+          <p:txBody>
+            <a:bodyPr rtlCol="0" anchor="ctr"/>
+            <a:lstStyle/>
+            <a:p>
+              <a:pPr algn="ctr"/>
+              <a:endParaRPr lang="pt-BR"/>
+            </a:p>
+          </p:txBody>
+        </p:sp>
+        <p:sp>
+          <p:nvSpPr>
+            <p:cNvPr id="109" name="Retângulo de cantos arredondados 108"/>
+            <p:cNvSpPr/>
+            <p:nvPr/>
+          </p:nvSpPr>
+          <p:spPr>
+            <a:xfrm>
+              <a:off x="4916952" y="1160477"/>
+              <a:ext cx="45719" cy="292267"/>
+            </a:xfrm>
+            <a:prstGeom prst="roundRect">
+              <a:avLst/>
+            </a:prstGeom>
+            <a:solidFill>
+              <a:srgbClr val="B92573"/>
+            </a:solidFill>
+            <a:ln>
+              <a:noFill/>
+            </a:ln>
+          </p:spPr>
+          <p:style>
+            <a:lnRef idx="2">
+              <a:schemeClr val="accent1">
+                <a:shade val="50000"/>
+              </a:schemeClr>
+            </a:lnRef>
+            <a:fillRef idx="1">
+              <a:schemeClr val="accent1"/>
+            </a:fillRef>
+            <a:effectRef idx="0">
+              <a:schemeClr val="accent1"/>
+            </a:effectRef>
+            <a:fontRef idx="minor">
+              <a:schemeClr val="lt1"/>
+            </a:fontRef>
+          </p:style>
+          <p:txBody>
+            <a:bodyPr rtlCol="0" anchor="ctr"/>
+            <a:lstStyle/>
+            <a:p>
+              <a:pPr algn="ctr"/>
+              <a:endParaRPr lang="pt-BR"/>
+            </a:p>
+          </p:txBody>
+        </p:sp>
+        <p:sp>
+          <p:nvSpPr>
+            <p:cNvPr id="110" name="Retângulo de cantos arredondados 109"/>
+            <p:cNvSpPr/>
+            <p:nvPr/>
+          </p:nvSpPr>
+          <p:spPr>
+            <a:xfrm>
+              <a:off x="5007858" y="1160475"/>
+              <a:ext cx="45719" cy="292267"/>
+            </a:xfrm>
+            <a:prstGeom prst="roundRect">
+              <a:avLst/>
+            </a:prstGeom>
+            <a:solidFill>
+              <a:srgbClr val="B92573"/>
+            </a:solidFill>
+            <a:ln>
+              <a:noFill/>
+            </a:ln>
+          </p:spPr>
+          <p:style>
+            <a:lnRef idx="2">
+              <a:schemeClr val="accent1">
+                <a:shade val="50000"/>
+              </a:schemeClr>
+            </a:lnRef>
+            <a:fillRef idx="1">
+              <a:schemeClr val="accent1"/>
+            </a:fillRef>
+            <a:effectRef idx="0">
+              <a:schemeClr val="accent1"/>
+            </a:effectRef>
+            <a:fontRef idx="minor">
+              <a:schemeClr val="lt1"/>
+            </a:fontRef>
+          </p:style>
+          <p:txBody>
+            <a:bodyPr rtlCol="0" anchor="ctr"/>
+            <a:lstStyle/>
+            <a:p>
+              <a:pPr algn="ctr"/>
+              <a:endParaRPr lang="pt-BR"/>
+            </a:p>
+          </p:txBody>
+        </p:sp>
+        <p:sp>
+          <p:nvSpPr>
+            <p:cNvPr id="111" name="Retângulo de cantos arredondados 110"/>
+            <p:cNvSpPr/>
+            <p:nvPr/>
+          </p:nvSpPr>
+          <p:spPr>
+            <a:xfrm>
+              <a:off x="5098764" y="1160474"/>
+              <a:ext cx="45719" cy="292267"/>
+            </a:xfrm>
+            <a:prstGeom prst="roundRect">
+              <a:avLst/>
+            </a:prstGeom>
+            <a:solidFill>
+              <a:srgbClr val="B92573"/>
+            </a:solidFill>
+            <a:ln>
+              <a:noFill/>
+            </a:ln>
+          </p:spPr>
+          <p:style>
+            <a:lnRef idx="2">
+              <a:schemeClr val="accent1">
+                <a:shade val="50000"/>
+              </a:schemeClr>
+            </a:lnRef>
+            <a:fillRef idx="1">
+              <a:schemeClr val="accent1"/>
+            </a:fillRef>
+            <a:effectRef idx="0">
+              <a:schemeClr val="accent1"/>
+            </a:effectRef>
+            <a:fontRef idx="minor">
+              <a:schemeClr val="lt1"/>
+            </a:fontRef>
+          </p:style>
+          <p:txBody>
+            <a:bodyPr rtlCol="0" anchor="ctr"/>
+            <a:lstStyle/>
+            <a:p>
+              <a:pPr algn="ctr"/>
+              <a:endParaRPr lang="pt-BR"/>
+            </a:p>
+          </p:txBody>
+        </p:sp>
+        <p:sp>
+          <p:nvSpPr>
+            <p:cNvPr id="112" name="Retângulo de cantos arredondados 111"/>
+            <p:cNvSpPr/>
+            <p:nvPr/>
+          </p:nvSpPr>
+          <p:spPr>
+            <a:xfrm>
+              <a:off x="5189670" y="1160473"/>
+              <a:ext cx="45719" cy="292267"/>
+            </a:xfrm>
+            <a:prstGeom prst="roundRect">
+              <a:avLst/>
+            </a:prstGeom>
+            <a:solidFill>
+              <a:srgbClr val="B92573"/>
+            </a:solidFill>
+            <a:ln>
+              <a:noFill/>
+            </a:ln>
+          </p:spPr>
+          <p:style>
+            <a:lnRef idx="2">
+              <a:schemeClr val="accent1">
+                <a:shade val="50000"/>
+              </a:schemeClr>
+            </a:lnRef>
+            <a:fillRef idx="1">
+              <a:schemeClr val="accent1"/>
+            </a:fillRef>
+            <a:effectRef idx="0">
+              <a:schemeClr val="accent1"/>
+            </a:effectRef>
+            <a:fontRef idx="minor">
+              <a:schemeClr val="lt1"/>
+            </a:fontRef>
+          </p:style>
+          <p:txBody>
+            <a:bodyPr rtlCol="0" anchor="ctr"/>
+            <a:lstStyle/>
+            <a:p>
+              <a:pPr algn="ctr"/>
+              <a:endParaRPr lang="pt-BR"/>
+            </a:p>
+          </p:txBody>
+        </p:sp>
+        <p:sp>
+          <p:nvSpPr>
+            <p:cNvPr id="113" name="Retângulo de cantos arredondados 112"/>
+            <p:cNvSpPr/>
+            <p:nvPr/>
+          </p:nvSpPr>
+          <p:spPr>
+            <a:xfrm>
+              <a:off x="5280576" y="1160472"/>
+              <a:ext cx="45719" cy="292267"/>
+            </a:xfrm>
+            <a:prstGeom prst="roundRect">
+              <a:avLst/>
+            </a:prstGeom>
+            <a:solidFill>
+              <a:srgbClr val="B92573"/>
+            </a:solidFill>
+            <a:ln>
+              <a:noFill/>
+            </a:ln>
+          </p:spPr>
+          <p:style>
+            <a:lnRef idx="2">
+              <a:schemeClr val="accent1">
+                <a:shade val="50000"/>
+              </a:schemeClr>
+            </a:lnRef>
+            <a:fillRef idx="1">
+              <a:schemeClr val="accent1"/>
+            </a:fillRef>
+            <a:effectRef idx="0">
+              <a:schemeClr val="accent1"/>
+            </a:effectRef>
+            <a:fontRef idx="minor">
+              <a:schemeClr val="lt1"/>
+            </a:fontRef>
+          </p:style>
+          <p:txBody>
+            <a:bodyPr rtlCol="0" anchor="ctr"/>
+            <a:lstStyle/>
+            <a:p>
+              <a:pPr algn="ctr"/>
+              <a:endParaRPr lang="pt-BR"/>
+            </a:p>
+          </p:txBody>
+        </p:sp>
+        <p:sp>
+          <p:nvSpPr>
+            <p:cNvPr id="114" name="Retângulo de cantos arredondados 113"/>
+            <p:cNvSpPr/>
+            <p:nvPr/>
+          </p:nvSpPr>
+          <p:spPr>
+            <a:xfrm>
+              <a:off x="5371482" y="1160480"/>
+              <a:ext cx="45719" cy="292267"/>
+            </a:xfrm>
+            <a:prstGeom prst="roundRect">
+              <a:avLst/>
+            </a:prstGeom>
+            <a:solidFill>
+              <a:srgbClr val="B92573"/>
+            </a:solidFill>
+            <a:ln>
+              <a:noFill/>
+            </a:ln>
+          </p:spPr>
+          <p:style>
+            <a:lnRef idx="2">
+              <a:schemeClr val="accent1">
+                <a:shade val="50000"/>
+              </a:schemeClr>
+            </a:lnRef>
+            <a:fillRef idx="1">
+              <a:schemeClr val="accent1"/>
+            </a:fillRef>
+            <a:effectRef idx="0">
+              <a:schemeClr val="accent1"/>
+            </a:effectRef>
+            <a:fontRef idx="minor">
+              <a:schemeClr val="lt1"/>
+            </a:fontRef>
+          </p:style>
+          <p:txBody>
+            <a:bodyPr rtlCol="0" anchor="ctr"/>
+            <a:lstStyle/>
+            <a:p>
+              <a:pPr algn="ctr"/>
+              <a:endParaRPr lang="pt-BR"/>
+            </a:p>
+          </p:txBody>
+        </p:sp>
+        <p:sp>
+          <p:nvSpPr>
+            <p:cNvPr id="115" name="Retângulo de cantos arredondados 114"/>
+            <p:cNvSpPr/>
+            <p:nvPr/>
+          </p:nvSpPr>
+          <p:spPr>
+            <a:xfrm>
+              <a:off x="5462385" y="1160480"/>
+              <a:ext cx="45719" cy="292267"/>
+            </a:xfrm>
+            <a:prstGeom prst="roundRect">
+              <a:avLst/>
+            </a:prstGeom>
+            <a:solidFill>
+              <a:srgbClr val="B92573"/>
+            </a:solidFill>
+            <a:ln>
+              <a:noFill/>
+            </a:ln>
+          </p:spPr>
+          <p:style>
+            <a:lnRef idx="2">
+              <a:schemeClr val="accent1">
+                <a:shade val="50000"/>
+              </a:schemeClr>
+            </a:lnRef>
+            <a:fillRef idx="1">
+              <a:schemeClr val="accent1"/>
+            </a:fillRef>
+            <a:effectRef idx="0">
+              <a:schemeClr val="accent1"/>
+            </a:effectRef>
+            <a:fontRef idx="minor">
+              <a:schemeClr val="lt1"/>
+            </a:fontRef>
+          </p:style>
+          <p:txBody>
+            <a:bodyPr rtlCol="0" anchor="ctr"/>
+            <a:lstStyle/>
+            <a:p>
+              <a:pPr algn="ctr"/>
+              <a:endParaRPr lang="pt-BR"/>
+            </a:p>
+          </p:txBody>
+        </p:sp>
+        <p:sp>
+          <p:nvSpPr>
+            <p:cNvPr id="116" name="Elipse 115"/>
+            <p:cNvSpPr/>
+            <p:nvPr/>
+          </p:nvSpPr>
+          <p:spPr>
+            <a:xfrm>
+              <a:off x="4679592" y="2017447"/>
+              <a:ext cx="766060" cy="766060"/>
+            </a:xfrm>
+            <a:prstGeom prst="ellipse">
+              <a:avLst/>
+            </a:prstGeom>
+            <a:gradFill>
+              <a:gsLst>
+                <a:gs pos="49000">
+                  <a:schemeClr val="bg1"/>
+                </a:gs>
+                <a:gs pos="50000">
+                  <a:schemeClr val="bg1">
+                    <a:lumMod val="86000"/>
+                  </a:schemeClr>
+                </a:gs>
+              </a:gsLst>
+              <a:lin ang="10800000" scaled="0"/>
+            </a:gradFill>
+            <a:ln>
+              <a:noFill/>
+            </a:ln>
+          </p:spPr>
+          <p:style>
+            <a:lnRef idx="2">
+              <a:schemeClr val="accent1">
+                <a:shade val="50000"/>
+              </a:schemeClr>
+            </a:lnRef>
+            <a:fillRef idx="1">
+              <a:schemeClr val="accent1"/>
+            </a:fillRef>
+            <a:effectRef idx="0">
+              <a:schemeClr val="accent1"/>
+            </a:effectRef>
+            <a:fontRef idx="minor">
+              <a:schemeClr val="lt1"/>
+            </a:fontRef>
+          </p:style>
+          <p:txBody>
+            <a:bodyPr rtlCol="0" anchor="ctr"/>
+            <a:lstStyle/>
+            <a:p>
+              <a:pPr algn="ctr"/>
+              <a:endParaRPr lang="pt-BR"/>
+            </a:p>
+          </p:txBody>
+        </p:sp>
+        <p:sp>
+          <p:nvSpPr>
+            <p:cNvPr id="117" name="Raio 116"/>
+            <p:cNvSpPr/>
+            <p:nvPr/>
+          </p:nvSpPr>
+          <p:spPr>
+            <a:xfrm>
+              <a:off x="4819937" y="2157792"/>
+              <a:ext cx="485370" cy="485370"/>
+            </a:xfrm>
+            <a:prstGeom prst="lightningBolt">
+              <a:avLst/>
+            </a:prstGeom>
+            <a:gradFill>
+              <a:gsLst>
+                <a:gs pos="49000">
+                  <a:srgbClr val="92D050"/>
+                </a:gs>
+                <a:gs pos="50000">
+                  <a:srgbClr val="92D050">
+                    <a:lumMod val="84000"/>
+                  </a:srgbClr>
+                </a:gs>
+              </a:gsLst>
+              <a:lin ang="10800000" scaled="0"/>
+            </a:gradFill>
+            <a:ln>
+              <a:noFill/>
+            </a:ln>
+          </p:spPr>
+          <p:style>
+            <a:lnRef idx="2">
+              <a:schemeClr val="accent1">
+                <a:shade val="50000"/>
+              </a:schemeClr>
+            </a:lnRef>
+            <a:fillRef idx="1">
+              <a:schemeClr val="accent1"/>
+            </a:fillRef>
+            <a:effectRef idx="0">
+              <a:schemeClr val="accent1"/>
+            </a:effectRef>
+            <a:fontRef idx="minor">
+              <a:schemeClr val="lt1"/>
+            </a:fontRef>
+          </p:style>
+          <p:txBody>
+            <a:bodyPr rtlCol="0" anchor="ctr"/>
+            <a:lstStyle/>
+            <a:p>
+              <a:pPr algn="ctr"/>
+              <a:endParaRPr lang="pt-BR"/>
+            </a:p>
+          </p:txBody>
+        </p:sp>
       </p:grpSp>
       <p:grpSp>
         <p:nvGrpSpPr>
@@ -12414,6 +12189,766 @@
             </p:style>
           </p:cxnSp>
         </p:grpSp>
+      </p:grpSp>
+      <p:grpSp>
+        <p:nvGrpSpPr>
+          <p:cNvPr id="139" name="Grupo 138"/>
+          <p:cNvGrpSpPr/>
+          <p:nvPr/>
+        </p:nvGrpSpPr>
+        <p:grpSpPr>
+          <a:xfrm>
+            <a:off x="7885110" y="4905141"/>
+            <a:ext cx="2115750" cy="2115750"/>
+            <a:chOff x="3779912" y="1521210"/>
+            <a:chExt cx="2115750" cy="2115750"/>
+          </a:xfrm>
+        </p:grpSpPr>
+        <p:sp>
+          <p:nvSpPr>
+            <p:cNvPr id="140" name="Retângulo de cantos arredondados 139"/>
+            <p:cNvSpPr/>
+            <p:nvPr/>
+          </p:nvSpPr>
+          <p:spPr>
+            <a:xfrm>
+              <a:off x="3779912" y="1521210"/>
+              <a:ext cx="2115750" cy="2115750"/>
+            </a:xfrm>
+            <a:prstGeom prst="roundRect">
+              <a:avLst/>
+            </a:prstGeom>
+            <a:solidFill>
+              <a:srgbClr val="E3C1D4"/>
+            </a:solidFill>
+            <a:ln>
+              <a:noFill/>
+            </a:ln>
+          </p:spPr>
+          <p:style>
+            <a:lnRef idx="2">
+              <a:schemeClr val="accent1">
+                <a:shade val="50000"/>
+              </a:schemeClr>
+            </a:lnRef>
+            <a:fillRef idx="1">
+              <a:schemeClr val="accent1"/>
+            </a:fillRef>
+            <a:effectRef idx="0">
+              <a:schemeClr val="accent1"/>
+            </a:effectRef>
+            <a:fontRef idx="minor">
+              <a:schemeClr val="lt1"/>
+            </a:fontRef>
+          </p:style>
+          <p:txBody>
+            <a:bodyPr rtlCol="0" anchor="ctr"/>
+            <a:lstStyle/>
+            <a:p>
+              <a:pPr algn="ctr"/>
+              <a:endParaRPr lang="pt-BR"/>
+            </a:p>
+          </p:txBody>
+        </p:sp>
+        <p:sp>
+          <p:nvSpPr>
+            <p:cNvPr id="141" name="Forma livre 140"/>
+            <p:cNvSpPr/>
+            <p:nvPr/>
+          </p:nvSpPr>
+          <p:spPr>
+            <a:xfrm>
+              <a:off x="4061254" y="1869989"/>
+              <a:ext cx="1834408" cy="1766971"/>
+            </a:xfrm>
+            <a:custGeom>
+              <a:avLst/>
+              <a:gdLst>
+                <a:gd name="connsiteX0" fmla="*/ 1186249 w 1834408"/>
+                <a:gd name="connsiteY0" fmla="*/ 0 h 1766971"/>
+                <a:gd name="connsiteX1" fmla="*/ 1834408 w 1834408"/>
+                <a:gd name="connsiteY1" fmla="*/ 457791 h 1766971"/>
+                <a:gd name="connsiteX2" fmla="*/ 1834408 w 1834408"/>
+                <a:gd name="connsiteY2" fmla="*/ 1414339 h 1766971"/>
+                <a:gd name="connsiteX3" fmla="*/ 1481776 w 1834408"/>
+                <a:gd name="connsiteY3" fmla="*/ 1766971 h 1766971"/>
+                <a:gd name="connsiteX4" fmla="*/ 500042 w 1834408"/>
+                <a:gd name="connsiteY4" fmla="*/ 1766971 h 1766971"/>
+                <a:gd name="connsiteX5" fmla="*/ 0 w 1834408"/>
+                <a:gd name="connsiteY5" fmla="*/ 1367481 h 1766971"/>
+              </a:gdLst>
+              <a:ahLst/>
+              <a:cxnLst>
+                <a:cxn ang="0">
+                  <a:pos x="connsiteX0" y="connsiteY0"/>
+                </a:cxn>
+                <a:cxn ang="0">
+                  <a:pos x="connsiteX1" y="connsiteY1"/>
+                </a:cxn>
+                <a:cxn ang="0">
+                  <a:pos x="connsiteX2" y="connsiteY2"/>
+                </a:cxn>
+                <a:cxn ang="0">
+                  <a:pos x="connsiteX3" y="connsiteY3"/>
+                </a:cxn>
+                <a:cxn ang="0">
+                  <a:pos x="connsiteX4" y="connsiteY4"/>
+                </a:cxn>
+                <a:cxn ang="0">
+                  <a:pos x="connsiteX5" y="connsiteY5"/>
+                </a:cxn>
+              </a:cxnLst>
+              <a:rect l="l" t="t" r="r" b="b"/>
+              <a:pathLst>
+                <a:path w="1834408" h="1766971">
+                  <a:moveTo>
+                    <a:pt x="1186249" y="0"/>
+                  </a:moveTo>
+                  <a:lnTo>
+                    <a:pt x="1834408" y="457791"/>
+                  </a:lnTo>
+                  <a:lnTo>
+                    <a:pt x="1834408" y="1414339"/>
+                  </a:lnTo>
+                  <a:cubicBezTo>
+                    <a:pt x="1834408" y="1609092"/>
+                    <a:pt x="1676529" y="1766971"/>
+                    <a:pt x="1481776" y="1766971"/>
+                  </a:cubicBezTo>
+                  <a:lnTo>
+                    <a:pt x="500042" y="1766971"/>
+                  </a:lnTo>
+                  <a:lnTo>
+                    <a:pt x="0" y="1367481"/>
+                  </a:lnTo>
+                  <a:close/>
+                </a:path>
+              </a:pathLst>
+            </a:custGeom>
+            <a:solidFill>
+              <a:srgbClr val="000000">
+                <a:alpha val="14118"/>
+              </a:srgbClr>
+            </a:solidFill>
+            <a:ln>
+              <a:noFill/>
+            </a:ln>
+          </p:spPr>
+          <p:style>
+            <a:lnRef idx="2">
+              <a:schemeClr val="accent1">
+                <a:shade val="50000"/>
+              </a:schemeClr>
+            </a:lnRef>
+            <a:fillRef idx="1">
+              <a:schemeClr val="accent1"/>
+            </a:fillRef>
+            <a:effectRef idx="0">
+              <a:schemeClr val="accent1"/>
+            </a:effectRef>
+            <a:fontRef idx="minor">
+              <a:schemeClr val="lt1"/>
+            </a:fontRef>
+          </p:style>
+          <p:txBody>
+            <a:bodyPr rtlCol="0" anchor="ctr"/>
+            <a:lstStyle/>
+            <a:p>
+              <a:pPr algn="ctr"/>
+              <a:endParaRPr lang="pt-BR"/>
+            </a:p>
+          </p:txBody>
+        </p:sp>
+        <p:sp>
+          <p:nvSpPr>
+            <p:cNvPr id="142" name="Retângulo de cantos arredondados 141"/>
+            <p:cNvSpPr/>
+            <p:nvPr/>
+          </p:nvSpPr>
+          <p:spPr>
+            <a:xfrm rot="21253335">
+              <a:off x="4007971" y="2368276"/>
+              <a:ext cx="914400" cy="914400"/>
+            </a:xfrm>
+            <a:prstGeom prst="roundRect">
+              <a:avLst/>
+            </a:prstGeom>
+            <a:solidFill>
+              <a:schemeClr val="bg1"/>
+            </a:solidFill>
+            <a:ln>
+              <a:noFill/>
+            </a:ln>
+            <a:effectLst>
+              <a:outerShdw blurRad="12700" dist="101600" dir="9840000" sx="90000" sy="90000" algn="ctr" rotWithShape="0">
+                <a:srgbClr val="000000">
+                  <a:alpha val="19000"/>
+                </a:srgbClr>
+              </a:outerShdw>
+            </a:effectLst>
+          </p:spPr>
+          <p:style>
+            <a:lnRef idx="2">
+              <a:schemeClr val="accent1">
+                <a:shade val="50000"/>
+              </a:schemeClr>
+            </a:lnRef>
+            <a:fillRef idx="1">
+              <a:schemeClr val="accent1"/>
+            </a:fillRef>
+            <a:effectRef idx="0">
+              <a:schemeClr val="accent1"/>
+            </a:effectRef>
+            <a:fontRef idx="minor">
+              <a:schemeClr val="lt1"/>
+            </a:fontRef>
+          </p:style>
+          <p:txBody>
+            <a:bodyPr rtlCol="0" anchor="ctr"/>
+            <a:lstStyle/>
+            <a:p>
+              <a:pPr algn="ctr"/>
+              <a:endParaRPr lang="pt-BR"/>
+            </a:p>
+          </p:txBody>
+        </p:sp>
+        <p:sp>
+          <p:nvSpPr>
+            <p:cNvPr id="143" name="Retângulo de cantos arredondados 142"/>
+            <p:cNvSpPr/>
+            <p:nvPr/>
+          </p:nvSpPr>
+          <p:spPr>
+            <a:xfrm rot="1446222">
+              <a:off x="4753203" y="2368276"/>
+              <a:ext cx="914400" cy="914400"/>
+            </a:xfrm>
+            <a:prstGeom prst="roundRect">
+              <a:avLst/>
+            </a:prstGeom>
+            <a:solidFill>
+              <a:schemeClr val="bg1"/>
+            </a:solidFill>
+            <a:ln>
+              <a:noFill/>
+            </a:ln>
+            <a:effectLst>
+              <a:outerShdw dist="114300" dir="1200000" sx="90000" sy="90000" algn="ctr" rotWithShape="0">
+                <a:schemeClr val="tx1">
+                  <a:lumMod val="50000"/>
+                  <a:lumOff val="50000"/>
+                  <a:alpha val="19000"/>
+                </a:schemeClr>
+              </a:outerShdw>
+            </a:effectLst>
+          </p:spPr>
+          <p:style>
+            <a:lnRef idx="2">
+              <a:schemeClr val="accent1">
+                <a:shade val="50000"/>
+              </a:schemeClr>
+            </a:lnRef>
+            <a:fillRef idx="1">
+              <a:schemeClr val="accent1"/>
+            </a:fillRef>
+            <a:effectRef idx="0">
+              <a:schemeClr val="accent1"/>
+            </a:effectRef>
+            <a:fontRef idx="minor">
+              <a:schemeClr val="lt1"/>
+            </a:fontRef>
+          </p:style>
+          <p:txBody>
+            <a:bodyPr rtlCol="0" anchor="ctr"/>
+            <a:lstStyle/>
+            <a:p>
+              <a:pPr algn="ctr"/>
+              <a:endParaRPr lang="pt-BR"/>
+            </a:p>
+          </p:txBody>
+        </p:sp>
+        <p:sp>
+          <p:nvSpPr>
+            <p:cNvPr id="144" name="Elipse 143"/>
+            <p:cNvSpPr/>
+            <p:nvPr/>
+          </p:nvSpPr>
+          <p:spPr>
+            <a:xfrm>
+              <a:off x="4064844" y="3068960"/>
+              <a:ext cx="128288" cy="128288"/>
+            </a:xfrm>
+            <a:prstGeom prst="ellipse">
+              <a:avLst/>
+            </a:prstGeom>
+            <a:solidFill>
+              <a:srgbClr val="F9F9F9"/>
+            </a:solidFill>
+            <a:ln>
+              <a:noFill/>
+            </a:ln>
+          </p:spPr>
+          <p:style>
+            <a:lnRef idx="2">
+              <a:schemeClr val="accent1">
+                <a:shade val="50000"/>
+              </a:schemeClr>
+            </a:lnRef>
+            <a:fillRef idx="1">
+              <a:schemeClr val="accent1"/>
+            </a:fillRef>
+            <a:effectRef idx="0">
+              <a:schemeClr val="accent1"/>
+            </a:effectRef>
+            <a:fontRef idx="minor">
+              <a:schemeClr val="lt1"/>
+            </a:fontRef>
+          </p:style>
+          <p:txBody>
+            <a:bodyPr rtlCol="0" anchor="ctr"/>
+            <a:lstStyle/>
+            <a:p>
+              <a:pPr algn="ctr"/>
+              <a:endParaRPr lang="pt-BR"/>
+            </a:p>
+          </p:txBody>
+        </p:sp>
+        <p:sp>
+          <p:nvSpPr>
+            <p:cNvPr id="145" name="Elipse 144"/>
+            <p:cNvSpPr/>
+            <p:nvPr/>
+          </p:nvSpPr>
+          <p:spPr>
+            <a:xfrm>
+              <a:off x="5371659" y="2917279"/>
+              <a:ext cx="128288" cy="128288"/>
+            </a:xfrm>
+            <a:prstGeom prst="ellipse">
+              <a:avLst/>
+            </a:prstGeom>
+            <a:solidFill>
+              <a:srgbClr val="F9F9F9"/>
+            </a:solidFill>
+            <a:ln>
+              <a:noFill/>
+            </a:ln>
+          </p:spPr>
+          <p:style>
+            <a:lnRef idx="2">
+              <a:schemeClr val="accent1">
+                <a:shade val="50000"/>
+              </a:schemeClr>
+            </a:lnRef>
+            <a:fillRef idx="1">
+              <a:schemeClr val="accent1"/>
+            </a:fillRef>
+            <a:effectRef idx="0">
+              <a:schemeClr val="accent1"/>
+            </a:effectRef>
+            <a:fontRef idx="minor">
+              <a:schemeClr val="lt1"/>
+            </a:fontRef>
+          </p:style>
+          <p:txBody>
+            <a:bodyPr rtlCol="0" anchor="ctr"/>
+            <a:lstStyle/>
+            <a:p>
+              <a:pPr algn="ctr"/>
+              <a:endParaRPr lang="pt-BR"/>
+            </a:p>
+          </p:txBody>
+        </p:sp>
+        <p:sp>
+          <p:nvSpPr>
+            <p:cNvPr id="146" name="Elipse 145"/>
+            <p:cNvSpPr/>
+            <p:nvPr/>
+          </p:nvSpPr>
+          <p:spPr>
+            <a:xfrm>
+              <a:off x="5146259" y="1973802"/>
+              <a:ext cx="128288" cy="128288"/>
+            </a:xfrm>
+            <a:prstGeom prst="ellipse">
+              <a:avLst/>
+            </a:prstGeom>
+            <a:solidFill>
+              <a:srgbClr val="F9F9F9"/>
+            </a:solidFill>
+            <a:ln>
+              <a:noFill/>
+            </a:ln>
+          </p:spPr>
+          <p:style>
+            <a:lnRef idx="2">
+              <a:schemeClr val="accent1">
+                <a:shade val="50000"/>
+              </a:schemeClr>
+            </a:lnRef>
+            <a:fillRef idx="1">
+              <a:schemeClr val="accent1"/>
+            </a:fillRef>
+            <a:effectRef idx="0">
+              <a:schemeClr val="accent1"/>
+            </a:effectRef>
+            <a:fontRef idx="minor">
+              <a:schemeClr val="lt1"/>
+            </a:fontRef>
+          </p:style>
+          <p:txBody>
+            <a:bodyPr rtlCol="0" anchor="ctr"/>
+            <a:lstStyle/>
+            <a:p>
+              <a:pPr algn="ctr"/>
+              <a:endParaRPr lang="pt-BR"/>
+            </a:p>
+          </p:txBody>
+        </p:sp>
+        <p:sp>
+          <p:nvSpPr>
+            <p:cNvPr id="147" name="Elipse 146"/>
+            <p:cNvSpPr/>
+            <p:nvPr/>
+          </p:nvSpPr>
+          <p:spPr>
+            <a:xfrm>
+              <a:off x="4605910" y="2579085"/>
+              <a:ext cx="128288" cy="128288"/>
+            </a:xfrm>
+            <a:prstGeom prst="ellipse">
+              <a:avLst/>
+            </a:prstGeom>
+            <a:solidFill>
+              <a:srgbClr val="F9F9F9"/>
+            </a:solidFill>
+            <a:ln>
+              <a:noFill/>
+            </a:ln>
+          </p:spPr>
+          <p:style>
+            <a:lnRef idx="2">
+              <a:schemeClr val="accent1">
+                <a:shade val="50000"/>
+              </a:schemeClr>
+            </a:lnRef>
+            <a:fillRef idx="1">
+              <a:schemeClr val="accent1"/>
+            </a:fillRef>
+            <a:effectRef idx="0">
+              <a:schemeClr val="accent1"/>
+            </a:effectRef>
+            <a:fontRef idx="minor">
+              <a:schemeClr val="lt1"/>
+            </a:fontRef>
+          </p:style>
+          <p:txBody>
+            <a:bodyPr rtlCol="0" anchor="ctr"/>
+            <a:lstStyle/>
+            <a:p>
+              <a:pPr algn="ctr"/>
+              <a:endParaRPr lang="pt-BR"/>
+            </a:p>
+          </p:txBody>
+        </p:sp>
+        <p:sp>
+          <p:nvSpPr>
+            <p:cNvPr id="148" name="Retângulo de cantos arredondados 147"/>
+            <p:cNvSpPr/>
+            <p:nvPr/>
+          </p:nvSpPr>
+          <p:spPr>
+            <a:xfrm>
+              <a:off x="4465171" y="1875494"/>
+              <a:ext cx="914400" cy="914400"/>
+            </a:xfrm>
+            <a:prstGeom prst="roundRect">
+              <a:avLst/>
+            </a:prstGeom>
+            <a:solidFill>
+              <a:schemeClr val="bg1"/>
+            </a:solidFill>
+            <a:ln>
+              <a:noFill/>
+            </a:ln>
+            <a:effectLst>
+              <a:outerShdw blurRad="12700" dist="152400" dir="5400000" sx="90000" sy="90000" algn="t" rotWithShape="0">
+                <a:prstClr val="black">
+                  <a:alpha val="19000"/>
+                </a:prstClr>
+              </a:outerShdw>
+            </a:effectLst>
+          </p:spPr>
+          <p:style>
+            <a:lnRef idx="2">
+              <a:schemeClr val="accent1">
+                <a:shade val="50000"/>
+              </a:schemeClr>
+            </a:lnRef>
+            <a:fillRef idx="1">
+              <a:schemeClr val="accent1"/>
+            </a:fillRef>
+            <a:effectRef idx="0">
+              <a:schemeClr val="accent1"/>
+            </a:effectRef>
+            <a:fontRef idx="minor">
+              <a:schemeClr val="lt1"/>
+            </a:fontRef>
+          </p:style>
+          <p:txBody>
+            <a:bodyPr rtlCol="0" anchor="ctr"/>
+            <a:lstStyle/>
+            <a:p>
+              <a:pPr algn="ctr"/>
+              <a:endParaRPr lang="pt-BR"/>
+            </a:p>
+          </p:txBody>
+        </p:sp>
+      </p:grpSp>
+      <p:grpSp>
+        <p:nvGrpSpPr>
+          <p:cNvPr id="149" name="Grupo 148"/>
+          <p:cNvGrpSpPr/>
+          <p:nvPr/>
+        </p:nvGrpSpPr>
+        <p:grpSpPr>
+          <a:xfrm>
+            <a:off x="8138013" y="85964"/>
+            <a:ext cx="2128852" cy="2128852"/>
+            <a:chOff x="3635896" y="1916832"/>
+            <a:chExt cx="2128852" cy="2128852"/>
+          </a:xfrm>
+        </p:grpSpPr>
+        <p:sp>
+          <p:nvSpPr>
+            <p:cNvPr id="150" name="Retângulo de cantos arredondados 149"/>
+            <p:cNvSpPr/>
+            <p:nvPr/>
+          </p:nvSpPr>
+          <p:spPr>
+            <a:xfrm>
+              <a:off x="3635896" y="1916832"/>
+              <a:ext cx="2128852" cy="2128852"/>
+            </a:xfrm>
+            <a:prstGeom prst="roundRect">
+              <a:avLst/>
+            </a:prstGeom>
+            <a:solidFill>
+              <a:srgbClr val="ADE090"/>
+            </a:solidFill>
+            <a:ln>
+              <a:noFill/>
+            </a:ln>
+          </p:spPr>
+          <p:style>
+            <a:lnRef idx="2">
+              <a:schemeClr val="accent1">
+                <a:shade val="50000"/>
+              </a:schemeClr>
+            </a:lnRef>
+            <a:fillRef idx="1">
+              <a:schemeClr val="accent1"/>
+            </a:fillRef>
+            <a:effectRef idx="0">
+              <a:schemeClr val="accent1"/>
+            </a:effectRef>
+            <a:fontRef idx="minor">
+              <a:schemeClr val="lt1"/>
+            </a:fontRef>
+          </p:style>
+          <p:txBody>
+            <a:bodyPr rtlCol="0" anchor="ctr"/>
+            <a:lstStyle/>
+            <a:p>
+              <a:pPr algn="ctr"/>
+              <a:endParaRPr lang="pt-BR"/>
+            </a:p>
+          </p:txBody>
+        </p:sp>
+        <p:sp>
+          <p:nvSpPr>
+            <p:cNvPr id="151" name="Elipse 150"/>
+            <p:cNvSpPr/>
+            <p:nvPr/>
+          </p:nvSpPr>
+          <p:spPr>
+            <a:xfrm>
+              <a:off x="4067944" y="2060848"/>
+              <a:ext cx="1331026" cy="1584176"/>
+            </a:xfrm>
+            <a:prstGeom prst="ellipse">
+              <a:avLst/>
+            </a:prstGeom>
+            <a:solidFill>
+              <a:srgbClr val="00B050"/>
+            </a:solidFill>
+            <a:ln>
+              <a:noFill/>
+            </a:ln>
+          </p:spPr>
+          <p:style>
+            <a:lnRef idx="2">
+              <a:schemeClr val="accent1">
+                <a:shade val="50000"/>
+              </a:schemeClr>
+            </a:lnRef>
+            <a:fillRef idx="1">
+              <a:schemeClr val="accent1"/>
+            </a:fillRef>
+            <a:effectRef idx="0">
+              <a:schemeClr val="accent1"/>
+            </a:effectRef>
+            <a:fontRef idx="minor">
+              <a:schemeClr val="lt1"/>
+            </a:fontRef>
+          </p:style>
+          <p:txBody>
+            <a:bodyPr rtlCol="0" anchor="ctr"/>
+            <a:lstStyle/>
+            <a:p>
+              <a:pPr algn="ctr"/>
+              <a:endParaRPr lang="pt-BR"/>
+            </a:p>
+          </p:txBody>
+        </p:sp>
+        <p:sp>
+          <p:nvSpPr>
+            <p:cNvPr id="152" name="Triângulo isósceles 151"/>
+            <p:cNvSpPr/>
+            <p:nvPr/>
+          </p:nvSpPr>
+          <p:spPr>
+            <a:xfrm>
+              <a:off x="4620446" y="2240755"/>
+              <a:ext cx="226023" cy="1769038"/>
+            </a:xfrm>
+            <a:prstGeom prst="triangle">
+              <a:avLst/>
+            </a:prstGeom>
+            <a:solidFill>
+              <a:srgbClr val="5D4141"/>
+            </a:solidFill>
+            <a:ln>
+              <a:noFill/>
+            </a:ln>
+          </p:spPr>
+          <p:style>
+            <a:lnRef idx="2">
+              <a:schemeClr val="accent1">
+                <a:shade val="50000"/>
+              </a:schemeClr>
+            </a:lnRef>
+            <a:fillRef idx="1">
+              <a:schemeClr val="accent1"/>
+            </a:fillRef>
+            <a:effectRef idx="0">
+              <a:schemeClr val="accent1"/>
+            </a:effectRef>
+            <a:fontRef idx="minor">
+              <a:schemeClr val="lt1"/>
+            </a:fontRef>
+          </p:style>
+          <p:txBody>
+            <a:bodyPr rtlCol="0" anchor="ctr"/>
+            <a:lstStyle/>
+            <a:p>
+              <a:pPr algn="ctr"/>
+              <a:endParaRPr lang="pt-BR"/>
+            </a:p>
+          </p:txBody>
+        </p:sp>
+        <p:sp>
+          <p:nvSpPr>
+            <p:cNvPr id="153" name="Triângulo isósceles 152"/>
+            <p:cNvSpPr/>
+            <p:nvPr/>
+          </p:nvSpPr>
+          <p:spPr>
+            <a:xfrm rot="3544326">
+              <a:off x="4941408" y="2659289"/>
+              <a:ext cx="97593" cy="640008"/>
+            </a:xfrm>
+            <a:prstGeom prst="triangle">
+              <a:avLst/>
+            </a:prstGeom>
+            <a:solidFill>
+              <a:srgbClr val="5D4141"/>
+            </a:solidFill>
+            <a:ln>
+              <a:noFill/>
+            </a:ln>
+          </p:spPr>
+          <p:style>
+            <a:lnRef idx="2">
+              <a:schemeClr val="accent1">
+                <a:shade val="50000"/>
+              </a:schemeClr>
+            </a:lnRef>
+            <a:fillRef idx="1">
+              <a:schemeClr val="accent1"/>
+            </a:fillRef>
+            <a:effectRef idx="0">
+              <a:schemeClr val="accent1"/>
+            </a:effectRef>
+            <a:fontRef idx="minor">
+              <a:schemeClr val="lt1"/>
+            </a:fontRef>
+          </p:style>
+          <p:txBody>
+            <a:bodyPr rtlCol="0" anchor="ctr"/>
+            <a:lstStyle/>
+            <a:p>
+              <a:pPr algn="ctr"/>
+              <a:endParaRPr lang="pt-BR"/>
+            </a:p>
+          </p:txBody>
+        </p:sp>
+        <p:sp>
+          <p:nvSpPr>
+            <p:cNvPr id="154" name="Triângulo isósceles 153"/>
+            <p:cNvSpPr/>
+            <p:nvPr/>
+          </p:nvSpPr>
+          <p:spPr>
+            <a:xfrm rot="18248600">
+              <a:off x="4450770" y="2870353"/>
+              <a:ext cx="97593" cy="599395"/>
+            </a:xfrm>
+            <a:prstGeom prst="triangle">
+              <a:avLst/>
+            </a:prstGeom>
+            <a:solidFill>
+              <a:srgbClr val="5D4141"/>
+            </a:solidFill>
+            <a:ln>
+              <a:noFill/>
+            </a:ln>
+          </p:spPr>
+          <p:style>
+            <a:lnRef idx="2">
+              <a:schemeClr val="accent1">
+                <a:shade val="50000"/>
+              </a:schemeClr>
+            </a:lnRef>
+            <a:fillRef idx="1">
+              <a:schemeClr val="accent1"/>
+            </a:fillRef>
+            <a:effectRef idx="0">
+              <a:schemeClr val="accent1"/>
+            </a:effectRef>
+            <a:fontRef idx="minor">
+              <a:schemeClr val="lt1"/>
+            </a:fontRef>
+          </p:style>
+          <p:txBody>
+            <a:bodyPr rtlCol="0" anchor="ctr"/>
+            <a:lstStyle/>
+            <a:p>
+              <a:pPr algn="ctr"/>
+              <a:endParaRPr lang="pt-BR"/>
+            </a:p>
+          </p:txBody>
+        </p:sp>
       </p:grpSp>
     </p:spTree>
     <p:extLst>
@@ -16480,6 +17015,933 @@
       </p:par>
     </p:tnLst>
   </p:timing>
+</p:sld>
+</file>
+
+<file path=ppt/slides/slide14.xml><?xml version="1.0" encoding="utf-8"?>
+<p:sld xmlns:a="http://schemas.openxmlformats.org/drawingml/2006/main" xmlns:r="http://schemas.openxmlformats.org/officeDocument/2006/relationships" xmlns:p="http://schemas.openxmlformats.org/presentationml/2006/main">
+  <p:cSld>
+    <p:spTree>
+      <p:nvGrpSpPr>
+        <p:cNvPr id="1" name=""/>
+        <p:cNvGrpSpPr/>
+        <p:nvPr/>
+      </p:nvGrpSpPr>
+      <p:grpSpPr>
+        <a:xfrm>
+          <a:off x="0" y="0"/>
+          <a:ext cx="0" cy="0"/>
+          <a:chOff x="0" y="0"/>
+          <a:chExt cx="0" cy="0"/>
+        </a:xfrm>
+      </p:grpSpPr>
+      <p:pic>
+        <p:nvPicPr>
+          <p:cNvPr id="49" name="Imagem 48"/>
+          <p:cNvPicPr>
+            <a:picLocks noChangeAspect="1"/>
+          </p:cNvPicPr>
+          <p:nvPr/>
+        </p:nvPicPr>
+        <p:blipFill>
+          <a:blip r:embed="rId2"/>
+          <a:stretch>
+            <a:fillRect/>
+          </a:stretch>
+        </p:blipFill>
+        <p:spPr>
+          <a:xfrm>
+            <a:off x="-7653" y="404664"/>
+            <a:ext cx="2057400" cy="2219325"/>
+          </a:xfrm>
+          <a:prstGeom prst="rect">
+            <a:avLst/>
+          </a:prstGeom>
+        </p:spPr>
+      </p:pic>
+      <p:sp>
+        <p:nvSpPr>
+          <p:cNvPr id="58" name="Elipse 57"/>
+          <p:cNvSpPr/>
+          <p:nvPr/>
+        </p:nvSpPr>
+        <p:spPr>
+          <a:xfrm>
+            <a:off x="3275856" y="1556792"/>
+            <a:ext cx="2880000" cy="2880000"/>
+          </a:xfrm>
+          <a:prstGeom prst="ellipse">
+            <a:avLst/>
+          </a:prstGeom>
+          <a:solidFill>
+            <a:schemeClr val="accent1">
+              <a:lumMod val="20000"/>
+              <a:lumOff val="80000"/>
+            </a:schemeClr>
+          </a:solidFill>
+          <a:ln>
+            <a:noFill/>
+          </a:ln>
+        </p:spPr>
+        <p:style>
+          <a:lnRef idx="2">
+            <a:schemeClr val="accent1">
+              <a:shade val="50000"/>
+            </a:schemeClr>
+          </a:lnRef>
+          <a:fillRef idx="1">
+            <a:schemeClr val="accent1"/>
+          </a:fillRef>
+          <a:effectRef idx="0">
+            <a:schemeClr val="accent1"/>
+          </a:effectRef>
+          <a:fontRef idx="minor">
+            <a:schemeClr val="lt1"/>
+          </a:fontRef>
+        </p:style>
+        <p:txBody>
+          <a:bodyPr rtlCol="0" anchor="ctr"/>
+          <a:lstStyle/>
+          <a:p>
+            <a:pPr algn="ctr"/>
+            <a:endParaRPr lang="pt-BR"/>
+          </a:p>
+        </p:txBody>
+      </p:sp>
+      <p:sp>
+        <p:nvSpPr>
+          <p:cNvPr id="60" name="Retângulo de cantos arredondados 2"/>
+          <p:cNvSpPr/>
+          <p:nvPr/>
+        </p:nvSpPr>
+        <p:spPr>
+          <a:xfrm>
+            <a:off x="4139792" y="2616560"/>
+            <a:ext cx="1152128" cy="1329482"/>
+          </a:xfrm>
+          <a:custGeom>
+            <a:avLst/>
+            <a:gdLst>
+              <a:gd name="connsiteX0" fmla="*/ 0 w 1152128"/>
+              <a:gd name="connsiteY0" fmla="*/ 180020 h 1368152"/>
+              <a:gd name="connsiteX1" fmla="*/ 180020 w 1152128"/>
+              <a:gd name="connsiteY1" fmla="*/ 0 h 1368152"/>
+              <a:gd name="connsiteX2" fmla="*/ 972108 w 1152128"/>
+              <a:gd name="connsiteY2" fmla="*/ 0 h 1368152"/>
+              <a:gd name="connsiteX3" fmla="*/ 1152128 w 1152128"/>
+              <a:gd name="connsiteY3" fmla="*/ 180020 h 1368152"/>
+              <a:gd name="connsiteX4" fmla="*/ 1152128 w 1152128"/>
+              <a:gd name="connsiteY4" fmla="*/ 1188132 h 1368152"/>
+              <a:gd name="connsiteX5" fmla="*/ 972108 w 1152128"/>
+              <a:gd name="connsiteY5" fmla="*/ 1368152 h 1368152"/>
+              <a:gd name="connsiteX6" fmla="*/ 180020 w 1152128"/>
+              <a:gd name="connsiteY6" fmla="*/ 1368152 h 1368152"/>
+              <a:gd name="connsiteX7" fmla="*/ 0 w 1152128"/>
+              <a:gd name="connsiteY7" fmla="*/ 1188132 h 1368152"/>
+              <a:gd name="connsiteX8" fmla="*/ 0 w 1152128"/>
+              <a:gd name="connsiteY8" fmla="*/ 180020 h 1368152"/>
+              <a:gd name="connsiteX0" fmla="*/ 57150 w 1152128"/>
+              <a:gd name="connsiteY0" fmla="*/ 184782 h 1368152"/>
+              <a:gd name="connsiteX1" fmla="*/ 180020 w 1152128"/>
+              <a:gd name="connsiteY1" fmla="*/ 0 h 1368152"/>
+              <a:gd name="connsiteX2" fmla="*/ 972108 w 1152128"/>
+              <a:gd name="connsiteY2" fmla="*/ 0 h 1368152"/>
+              <a:gd name="connsiteX3" fmla="*/ 1152128 w 1152128"/>
+              <a:gd name="connsiteY3" fmla="*/ 180020 h 1368152"/>
+              <a:gd name="connsiteX4" fmla="*/ 1152128 w 1152128"/>
+              <a:gd name="connsiteY4" fmla="*/ 1188132 h 1368152"/>
+              <a:gd name="connsiteX5" fmla="*/ 972108 w 1152128"/>
+              <a:gd name="connsiteY5" fmla="*/ 1368152 h 1368152"/>
+              <a:gd name="connsiteX6" fmla="*/ 180020 w 1152128"/>
+              <a:gd name="connsiteY6" fmla="*/ 1368152 h 1368152"/>
+              <a:gd name="connsiteX7" fmla="*/ 0 w 1152128"/>
+              <a:gd name="connsiteY7" fmla="*/ 1188132 h 1368152"/>
+              <a:gd name="connsiteX8" fmla="*/ 57150 w 1152128"/>
+              <a:gd name="connsiteY8" fmla="*/ 184782 h 1368152"/>
+              <a:gd name="connsiteX0" fmla="*/ 57150 w 1152128"/>
+              <a:gd name="connsiteY0" fmla="*/ 184782 h 1368152"/>
+              <a:gd name="connsiteX1" fmla="*/ 180020 w 1152128"/>
+              <a:gd name="connsiteY1" fmla="*/ 0 h 1368152"/>
+              <a:gd name="connsiteX2" fmla="*/ 972108 w 1152128"/>
+              <a:gd name="connsiteY2" fmla="*/ 0 h 1368152"/>
+              <a:gd name="connsiteX3" fmla="*/ 1085453 w 1152128"/>
+              <a:gd name="connsiteY3" fmla="*/ 175257 h 1368152"/>
+              <a:gd name="connsiteX4" fmla="*/ 1152128 w 1152128"/>
+              <a:gd name="connsiteY4" fmla="*/ 1188132 h 1368152"/>
+              <a:gd name="connsiteX5" fmla="*/ 972108 w 1152128"/>
+              <a:gd name="connsiteY5" fmla="*/ 1368152 h 1368152"/>
+              <a:gd name="connsiteX6" fmla="*/ 180020 w 1152128"/>
+              <a:gd name="connsiteY6" fmla="*/ 1368152 h 1368152"/>
+              <a:gd name="connsiteX7" fmla="*/ 0 w 1152128"/>
+              <a:gd name="connsiteY7" fmla="*/ 1188132 h 1368152"/>
+              <a:gd name="connsiteX8" fmla="*/ 57150 w 1152128"/>
+              <a:gd name="connsiteY8" fmla="*/ 184782 h 1368152"/>
+              <a:gd name="connsiteX0" fmla="*/ 0 w 1152128"/>
+              <a:gd name="connsiteY0" fmla="*/ 1188132 h 1368152"/>
+              <a:gd name="connsiteX1" fmla="*/ 180020 w 1152128"/>
+              <a:gd name="connsiteY1" fmla="*/ 0 h 1368152"/>
+              <a:gd name="connsiteX2" fmla="*/ 972108 w 1152128"/>
+              <a:gd name="connsiteY2" fmla="*/ 0 h 1368152"/>
+              <a:gd name="connsiteX3" fmla="*/ 1085453 w 1152128"/>
+              <a:gd name="connsiteY3" fmla="*/ 175257 h 1368152"/>
+              <a:gd name="connsiteX4" fmla="*/ 1152128 w 1152128"/>
+              <a:gd name="connsiteY4" fmla="*/ 1188132 h 1368152"/>
+              <a:gd name="connsiteX5" fmla="*/ 972108 w 1152128"/>
+              <a:gd name="connsiteY5" fmla="*/ 1368152 h 1368152"/>
+              <a:gd name="connsiteX6" fmla="*/ 180020 w 1152128"/>
+              <a:gd name="connsiteY6" fmla="*/ 1368152 h 1368152"/>
+              <a:gd name="connsiteX7" fmla="*/ 0 w 1152128"/>
+              <a:gd name="connsiteY7" fmla="*/ 1188132 h 1368152"/>
+              <a:gd name="connsiteX0" fmla="*/ 0 w 1152128"/>
+              <a:gd name="connsiteY0" fmla="*/ 1188132 h 1368152"/>
+              <a:gd name="connsiteX1" fmla="*/ 180020 w 1152128"/>
+              <a:gd name="connsiteY1" fmla="*/ 0 h 1368152"/>
+              <a:gd name="connsiteX2" fmla="*/ 972108 w 1152128"/>
+              <a:gd name="connsiteY2" fmla="*/ 0 h 1368152"/>
+              <a:gd name="connsiteX3" fmla="*/ 1152128 w 1152128"/>
+              <a:gd name="connsiteY3" fmla="*/ 1188132 h 1368152"/>
+              <a:gd name="connsiteX4" fmla="*/ 972108 w 1152128"/>
+              <a:gd name="connsiteY4" fmla="*/ 1368152 h 1368152"/>
+              <a:gd name="connsiteX5" fmla="*/ 180020 w 1152128"/>
+              <a:gd name="connsiteY5" fmla="*/ 1368152 h 1368152"/>
+              <a:gd name="connsiteX6" fmla="*/ 0 w 1152128"/>
+              <a:gd name="connsiteY6" fmla="*/ 1188132 h 1368152"/>
+              <a:gd name="connsiteX0" fmla="*/ 0 w 1152128"/>
+              <a:gd name="connsiteY0" fmla="*/ 1223322 h 1403342"/>
+              <a:gd name="connsiteX1" fmla="*/ 194307 w 1152128"/>
+              <a:gd name="connsiteY1" fmla="*/ 0 h 1403342"/>
+              <a:gd name="connsiteX2" fmla="*/ 972108 w 1152128"/>
+              <a:gd name="connsiteY2" fmla="*/ 35190 h 1403342"/>
+              <a:gd name="connsiteX3" fmla="*/ 1152128 w 1152128"/>
+              <a:gd name="connsiteY3" fmla="*/ 1223322 h 1403342"/>
+              <a:gd name="connsiteX4" fmla="*/ 972108 w 1152128"/>
+              <a:gd name="connsiteY4" fmla="*/ 1403342 h 1403342"/>
+              <a:gd name="connsiteX5" fmla="*/ 180020 w 1152128"/>
+              <a:gd name="connsiteY5" fmla="*/ 1403342 h 1403342"/>
+              <a:gd name="connsiteX6" fmla="*/ 0 w 1152128"/>
+              <a:gd name="connsiteY6" fmla="*/ 1223322 h 1403342"/>
+              <a:gd name="connsiteX0" fmla="*/ 0 w 1152128"/>
+              <a:gd name="connsiteY0" fmla="*/ 1223322 h 1403342"/>
+              <a:gd name="connsiteX1" fmla="*/ 194307 w 1152128"/>
+              <a:gd name="connsiteY1" fmla="*/ 0 h 1403342"/>
+              <a:gd name="connsiteX2" fmla="*/ 953058 w 1152128"/>
+              <a:gd name="connsiteY2" fmla="*/ 5028 h 1403342"/>
+              <a:gd name="connsiteX3" fmla="*/ 1152128 w 1152128"/>
+              <a:gd name="connsiteY3" fmla="*/ 1223322 h 1403342"/>
+              <a:gd name="connsiteX4" fmla="*/ 972108 w 1152128"/>
+              <a:gd name="connsiteY4" fmla="*/ 1403342 h 1403342"/>
+              <a:gd name="connsiteX5" fmla="*/ 180020 w 1152128"/>
+              <a:gd name="connsiteY5" fmla="*/ 1403342 h 1403342"/>
+              <a:gd name="connsiteX6" fmla="*/ 0 w 1152128"/>
+              <a:gd name="connsiteY6" fmla="*/ 1223322 h 1403342"/>
+            </a:gdLst>
+            <a:ahLst/>
+            <a:cxnLst>
+              <a:cxn ang="0">
+                <a:pos x="connsiteX0" y="connsiteY0"/>
+              </a:cxn>
+              <a:cxn ang="0">
+                <a:pos x="connsiteX1" y="connsiteY1"/>
+              </a:cxn>
+              <a:cxn ang="0">
+                <a:pos x="connsiteX2" y="connsiteY2"/>
+              </a:cxn>
+              <a:cxn ang="0">
+                <a:pos x="connsiteX3" y="connsiteY3"/>
+              </a:cxn>
+              <a:cxn ang="0">
+                <a:pos x="connsiteX4" y="connsiteY4"/>
+              </a:cxn>
+              <a:cxn ang="0">
+                <a:pos x="connsiteX5" y="connsiteY5"/>
+              </a:cxn>
+              <a:cxn ang="0">
+                <a:pos x="connsiteX6" y="connsiteY6"/>
+              </a:cxn>
+            </a:cxnLst>
+            <a:rect l="l" t="t" r="r" b="b"/>
+            <a:pathLst>
+              <a:path w="1152128" h="1403342">
+                <a:moveTo>
+                  <a:pt x="0" y="1223322"/>
+                </a:moveTo>
+                <a:cubicBezTo>
+                  <a:pt x="0" y="995297"/>
+                  <a:pt x="32289" y="198022"/>
+                  <a:pt x="194307" y="0"/>
+                </a:cubicBezTo>
+                <a:lnTo>
+                  <a:pt x="953058" y="5028"/>
+                </a:lnTo>
+                <a:cubicBezTo>
+                  <a:pt x="1115076" y="203050"/>
+                  <a:pt x="1152128" y="995297"/>
+                  <a:pt x="1152128" y="1223322"/>
+                </a:cubicBezTo>
+                <a:cubicBezTo>
+                  <a:pt x="1152128" y="1322744"/>
+                  <a:pt x="1071530" y="1403342"/>
+                  <a:pt x="972108" y="1403342"/>
+                </a:cubicBezTo>
+                <a:lnTo>
+                  <a:pt x="180020" y="1403342"/>
+                </a:lnTo>
+                <a:cubicBezTo>
+                  <a:pt x="80598" y="1403342"/>
+                  <a:pt x="0" y="1322744"/>
+                  <a:pt x="0" y="1223322"/>
+                </a:cubicBezTo>
+                <a:close/>
+              </a:path>
+            </a:pathLst>
+          </a:custGeom>
+          <a:solidFill>
+            <a:srgbClr val="F5F0EA"/>
+          </a:solidFill>
+          <a:ln>
+            <a:noFill/>
+          </a:ln>
+        </p:spPr>
+        <p:style>
+          <a:lnRef idx="2">
+            <a:schemeClr val="accent1">
+              <a:shade val="50000"/>
+            </a:schemeClr>
+          </a:lnRef>
+          <a:fillRef idx="1">
+            <a:schemeClr val="accent1"/>
+          </a:fillRef>
+          <a:effectRef idx="0">
+            <a:schemeClr val="accent1"/>
+          </a:effectRef>
+          <a:fontRef idx="minor">
+            <a:schemeClr val="lt1"/>
+          </a:fontRef>
+        </p:style>
+        <p:txBody>
+          <a:bodyPr rtlCol="0" anchor="ctr"/>
+          <a:lstStyle/>
+          <a:p>
+            <a:pPr algn="ctr"/>
+            <a:endParaRPr lang="pt-BR"/>
+          </a:p>
+        </p:txBody>
+      </p:sp>
+      <p:sp>
+        <p:nvSpPr>
+          <p:cNvPr id="61" name="Trapezoide 60"/>
+          <p:cNvSpPr/>
+          <p:nvPr/>
+        </p:nvSpPr>
+        <p:spPr>
+          <a:xfrm>
+            <a:off x="4258656" y="3225962"/>
+            <a:ext cx="914400" cy="576064"/>
+          </a:xfrm>
+          <a:prstGeom prst="trapezoid">
+            <a:avLst>
+              <a:gd name="adj" fmla="val 11458"/>
+            </a:avLst>
+          </a:prstGeom>
+          <a:solidFill>
+            <a:srgbClr val="FF9999"/>
+          </a:solidFill>
+          <a:ln>
+            <a:noFill/>
+          </a:ln>
+        </p:spPr>
+        <p:style>
+          <a:lnRef idx="2">
+            <a:schemeClr val="accent1">
+              <a:shade val="50000"/>
+            </a:schemeClr>
+          </a:lnRef>
+          <a:fillRef idx="1">
+            <a:schemeClr val="accent1"/>
+          </a:fillRef>
+          <a:effectRef idx="0">
+            <a:schemeClr val="accent1"/>
+          </a:effectRef>
+          <a:fontRef idx="minor">
+            <a:schemeClr val="lt1"/>
+          </a:fontRef>
+        </p:style>
+        <p:txBody>
+          <a:bodyPr rtlCol="0" anchor="ctr"/>
+          <a:lstStyle/>
+          <a:p>
+            <a:pPr algn="ctr"/>
+            <a:endParaRPr lang="pt-BR"/>
+          </a:p>
+        </p:txBody>
+      </p:sp>
+      <p:sp>
+        <p:nvSpPr>
+          <p:cNvPr id="62" name="Elipse 61"/>
+          <p:cNvSpPr/>
+          <p:nvPr/>
+        </p:nvSpPr>
+        <p:spPr>
+          <a:xfrm>
+            <a:off x="4787864" y="3525817"/>
+            <a:ext cx="72000" cy="72000"/>
+          </a:xfrm>
+          <a:prstGeom prst="ellipse">
+            <a:avLst/>
+          </a:prstGeom>
+          <a:solidFill>
+            <a:srgbClr val="F896AB"/>
+          </a:solidFill>
+          <a:ln>
+            <a:noFill/>
+          </a:ln>
+        </p:spPr>
+        <p:style>
+          <a:lnRef idx="2">
+            <a:schemeClr val="accent1">
+              <a:shade val="50000"/>
+            </a:schemeClr>
+          </a:lnRef>
+          <a:fillRef idx="1">
+            <a:schemeClr val="accent1"/>
+          </a:fillRef>
+          <a:effectRef idx="0">
+            <a:schemeClr val="accent1"/>
+          </a:effectRef>
+          <a:fontRef idx="minor">
+            <a:schemeClr val="lt1"/>
+          </a:fontRef>
+        </p:style>
+        <p:txBody>
+          <a:bodyPr rtlCol="0" anchor="ctr"/>
+          <a:lstStyle/>
+          <a:p>
+            <a:pPr algn="ctr"/>
+            <a:endParaRPr lang="pt-BR"/>
+          </a:p>
+        </p:txBody>
+      </p:sp>
+      <p:sp>
+        <p:nvSpPr>
+          <p:cNvPr id="63" name="Elipse 62"/>
+          <p:cNvSpPr/>
+          <p:nvPr/>
+        </p:nvSpPr>
+        <p:spPr>
+          <a:xfrm>
+            <a:off x="4427824" y="3658010"/>
+            <a:ext cx="72000" cy="72000"/>
+          </a:xfrm>
+          <a:prstGeom prst="ellipse">
+            <a:avLst/>
+          </a:prstGeom>
+          <a:solidFill>
+            <a:srgbClr val="F896AB"/>
+          </a:solidFill>
+          <a:ln>
+            <a:noFill/>
+          </a:ln>
+        </p:spPr>
+        <p:style>
+          <a:lnRef idx="2">
+            <a:schemeClr val="accent1">
+              <a:shade val="50000"/>
+            </a:schemeClr>
+          </a:lnRef>
+          <a:fillRef idx="1">
+            <a:schemeClr val="accent1"/>
+          </a:fillRef>
+          <a:effectRef idx="0">
+            <a:schemeClr val="accent1"/>
+          </a:effectRef>
+          <a:fontRef idx="minor">
+            <a:schemeClr val="lt1"/>
+          </a:fontRef>
+        </p:style>
+        <p:txBody>
+          <a:bodyPr rtlCol="0" anchor="ctr"/>
+          <a:lstStyle/>
+          <a:p>
+            <a:pPr algn="ctr"/>
+            <a:endParaRPr lang="pt-BR"/>
+          </a:p>
+        </p:txBody>
+      </p:sp>
+      <p:sp>
+        <p:nvSpPr>
+          <p:cNvPr id="64" name="Elipse 63"/>
+          <p:cNvSpPr/>
+          <p:nvPr/>
+        </p:nvSpPr>
+        <p:spPr>
+          <a:xfrm>
+            <a:off x="4499824" y="3189962"/>
+            <a:ext cx="72000" cy="72000"/>
+          </a:xfrm>
+          <a:prstGeom prst="ellipse">
+            <a:avLst/>
+          </a:prstGeom>
+          <a:solidFill>
+            <a:srgbClr val="F896AB"/>
+          </a:solidFill>
+          <a:ln>
+            <a:noFill/>
+          </a:ln>
+        </p:spPr>
+        <p:style>
+          <a:lnRef idx="2">
+            <a:schemeClr val="accent1">
+              <a:shade val="50000"/>
+            </a:schemeClr>
+          </a:lnRef>
+          <a:fillRef idx="1">
+            <a:schemeClr val="accent1"/>
+          </a:fillRef>
+          <a:effectRef idx="0">
+            <a:schemeClr val="accent1"/>
+          </a:effectRef>
+          <a:fontRef idx="minor">
+            <a:schemeClr val="lt1"/>
+          </a:fontRef>
+        </p:style>
+        <p:txBody>
+          <a:bodyPr rtlCol="0" anchor="ctr"/>
+          <a:lstStyle/>
+          <a:p>
+            <a:pPr algn="ctr"/>
+            <a:endParaRPr lang="pt-BR"/>
+          </a:p>
+        </p:txBody>
+      </p:sp>
+      <p:sp>
+        <p:nvSpPr>
+          <p:cNvPr id="65" name="Elipse 64"/>
+          <p:cNvSpPr/>
+          <p:nvPr/>
+        </p:nvSpPr>
+        <p:spPr>
+          <a:xfrm>
+            <a:off x="4931880" y="3032258"/>
+            <a:ext cx="72000" cy="72000"/>
+          </a:xfrm>
+          <a:prstGeom prst="ellipse">
+            <a:avLst/>
+          </a:prstGeom>
+          <a:solidFill>
+            <a:srgbClr val="F896AB"/>
+          </a:solidFill>
+          <a:ln>
+            <a:noFill/>
+          </a:ln>
+        </p:spPr>
+        <p:style>
+          <a:lnRef idx="2">
+            <a:schemeClr val="accent1">
+              <a:shade val="50000"/>
+            </a:schemeClr>
+          </a:lnRef>
+          <a:fillRef idx="1">
+            <a:schemeClr val="accent1"/>
+          </a:fillRef>
+          <a:effectRef idx="0">
+            <a:schemeClr val="accent1"/>
+          </a:effectRef>
+          <a:fontRef idx="minor">
+            <a:schemeClr val="lt1"/>
+          </a:fontRef>
+        </p:style>
+        <p:txBody>
+          <a:bodyPr rtlCol="0" anchor="ctr"/>
+          <a:lstStyle/>
+          <a:p>
+            <a:pPr algn="ctr"/>
+            <a:endParaRPr lang="pt-BR"/>
+          </a:p>
+        </p:txBody>
+      </p:sp>
+      <p:sp>
+        <p:nvSpPr>
+          <p:cNvPr id="66" name="Retângulo 65"/>
+          <p:cNvSpPr/>
+          <p:nvPr/>
+        </p:nvSpPr>
+        <p:spPr>
+          <a:xfrm>
+            <a:off x="4651516" y="2620083"/>
+            <a:ext cx="144016" cy="753418"/>
+          </a:xfrm>
+          <a:prstGeom prst="rect">
+            <a:avLst/>
+          </a:prstGeom>
+          <a:solidFill>
+            <a:srgbClr val="FF9999"/>
+          </a:solidFill>
+          <a:ln>
+            <a:noFill/>
+          </a:ln>
+        </p:spPr>
+        <p:style>
+          <a:lnRef idx="2">
+            <a:schemeClr val="accent1">
+              <a:shade val="50000"/>
+            </a:schemeClr>
+          </a:lnRef>
+          <a:fillRef idx="1">
+            <a:schemeClr val="accent1"/>
+          </a:fillRef>
+          <a:effectRef idx="0">
+            <a:schemeClr val="accent1"/>
+          </a:effectRef>
+          <a:fontRef idx="minor">
+            <a:schemeClr val="lt1"/>
+          </a:fontRef>
+        </p:style>
+        <p:txBody>
+          <a:bodyPr rtlCol="0" anchor="ctr"/>
+          <a:lstStyle/>
+          <a:p>
+            <a:pPr algn="ctr"/>
+            <a:endParaRPr lang="pt-BR"/>
+          </a:p>
+        </p:txBody>
+      </p:sp>
+      <p:sp>
+        <p:nvSpPr>
+          <p:cNvPr id="67" name="Retângulo 66"/>
+          <p:cNvSpPr/>
+          <p:nvPr/>
+        </p:nvSpPr>
+        <p:spPr>
+          <a:xfrm>
+            <a:off x="4447543" y="2083722"/>
+            <a:ext cx="540000" cy="540000"/>
+          </a:xfrm>
+          <a:prstGeom prst="rect">
+            <a:avLst/>
+          </a:prstGeom>
+          <a:solidFill>
+            <a:srgbClr val="D3BBAF"/>
+          </a:solidFill>
+          <a:ln>
+            <a:noFill/>
+          </a:ln>
+        </p:spPr>
+        <p:style>
+          <a:lnRef idx="2">
+            <a:schemeClr val="accent1">
+              <a:shade val="50000"/>
+            </a:schemeClr>
+          </a:lnRef>
+          <a:fillRef idx="1">
+            <a:schemeClr val="accent1"/>
+          </a:fillRef>
+          <a:effectRef idx="0">
+            <a:schemeClr val="accent1"/>
+          </a:effectRef>
+          <a:fontRef idx="minor">
+            <a:schemeClr val="lt1"/>
+          </a:fontRef>
+        </p:style>
+        <p:txBody>
+          <a:bodyPr rtlCol="0" anchor="ctr"/>
+          <a:lstStyle/>
+          <a:p>
+            <a:pPr algn="ctr"/>
+            <a:endParaRPr lang="pt-BR"/>
+          </a:p>
+        </p:txBody>
+      </p:sp>
+      <p:sp>
+        <p:nvSpPr>
+          <p:cNvPr id="68" name="Fluxograma: Terminação 67"/>
+          <p:cNvSpPr/>
+          <p:nvPr/>
+        </p:nvSpPr>
+        <p:spPr>
+          <a:xfrm>
+            <a:off x="4266324" y="2578450"/>
+            <a:ext cx="914400" cy="45719"/>
+          </a:xfrm>
+          <a:prstGeom prst="flowChartTerminator">
+            <a:avLst/>
+          </a:prstGeom>
+          <a:solidFill>
+            <a:srgbClr val="C0C0C0"/>
+          </a:solidFill>
+          <a:ln>
+            <a:noFill/>
+          </a:ln>
+        </p:spPr>
+        <p:style>
+          <a:lnRef idx="2">
+            <a:schemeClr val="accent1">
+              <a:shade val="50000"/>
+            </a:schemeClr>
+          </a:lnRef>
+          <a:fillRef idx="1">
+            <a:schemeClr val="accent1"/>
+          </a:fillRef>
+          <a:effectRef idx="0">
+            <a:schemeClr val="accent1"/>
+          </a:effectRef>
+          <a:fontRef idx="minor">
+            <a:schemeClr val="lt1"/>
+          </a:fontRef>
+        </p:style>
+        <p:txBody>
+          <a:bodyPr rtlCol="0" anchor="ctr"/>
+          <a:lstStyle/>
+          <a:p>
+            <a:pPr algn="ctr"/>
+            <a:endParaRPr lang="pt-BR"/>
+          </a:p>
+        </p:txBody>
+      </p:sp>
+      <p:sp>
+        <p:nvSpPr>
+          <p:cNvPr id="69" name="Fluxograma: Terminação 68"/>
+          <p:cNvSpPr/>
+          <p:nvPr/>
+        </p:nvSpPr>
+        <p:spPr>
+          <a:xfrm>
+            <a:off x="4266324" y="2444907"/>
+            <a:ext cx="914400" cy="45719"/>
+          </a:xfrm>
+          <a:prstGeom prst="flowChartTerminator">
+            <a:avLst/>
+          </a:prstGeom>
+          <a:solidFill>
+            <a:srgbClr val="F5F0EA"/>
+          </a:solidFill>
+          <a:ln>
+            <a:noFill/>
+          </a:ln>
+        </p:spPr>
+        <p:style>
+          <a:lnRef idx="2">
+            <a:schemeClr val="accent1">
+              <a:shade val="50000"/>
+            </a:schemeClr>
+          </a:lnRef>
+          <a:fillRef idx="1">
+            <a:schemeClr val="accent1"/>
+          </a:fillRef>
+          <a:effectRef idx="0">
+            <a:schemeClr val="accent1"/>
+          </a:effectRef>
+          <a:fontRef idx="minor">
+            <a:schemeClr val="lt1"/>
+          </a:fontRef>
+        </p:style>
+        <p:txBody>
+          <a:bodyPr rtlCol="0" anchor="ctr"/>
+          <a:lstStyle/>
+          <a:p>
+            <a:pPr algn="ctr"/>
+            <a:endParaRPr lang="pt-BR"/>
+          </a:p>
+        </p:txBody>
+      </p:sp>
+      <p:sp>
+        <p:nvSpPr>
+          <p:cNvPr id="70" name="Forma livre 69"/>
+          <p:cNvSpPr/>
+          <p:nvPr/>
+        </p:nvSpPr>
+        <p:spPr>
+          <a:xfrm>
+            <a:off x="4651516" y="1802944"/>
+            <a:ext cx="144016" cy="466998"/>
+          </a:xfrm>
+          <a:custGeom>
+            <a:avLst/>
+            <a:gdLst>
+              <a:gd name="connsiteX0" fmla="*/ 0 w 144016"/>
+              <a:gd name="connsiteY0" fmla="*/ 0 h 559395"/>
+              <a:gd name="connsiteX1" fmla="*/ 1140 w 144016"/>
+              <a:gd name="connsiteY1" fmla="*/ 0 h 559395"/>
+              <a:gd name="connsiteX2" fmla="*/ 144016 w 144016"/>
+              <a:gd name="connsiteY2" fmla="*/ 166127 h 559395"/>
+              <a:gd name="connsiteX3" fmla="*/ 144016 w 144016"/>
+              <a:gd name="connsiteY3" fmla="*/ 559395 h 559395"/>
+              <a:gd name="connsiteX4" fmla="*/ 0 w 144016"/>
+              <a:gd name="connsiteY4" fmla="*/ 559395 h 559395"/>
+            </a:gdLst>
+            <a:ahLst/>
+            <a:cxnLst>
+              <a:cxn ang="0">
+                <a:pos x="connsiteX0" y="connsiteY0"/>
+              </a:cxn>
+              <a:cxn ang="0">
+                <a:pos x="connsiteX1" y="connsiteY1"/>
+              </a:cxn>
+              <a:cxn ang="0">
+                <a:pos x="connsiteX2" y="connsiteY2"/>
+              </a:cxn>
+              <a:cxn ang="0">
+                <a:pos x="connsiteX3" y="connsiteY3"/>
+              </a:cxn>
+              <a:cxn ang="0">
+                <a:pos x="connsiteX4" y="connsiteY4"/>
+              </a:cxn>
+            </a:cxnLst>
+            <a:rect l="l" t="t" r="r" b="b"/>
+            <a:pathLst>
+              <a:path w="144016" h="559395">
+                <a:moveTo>
+                  <a:pt x="0" y="0"/>
+                </a:moveTo>
+                <a:lnTo>
+                  <a:pt x="1140" y="0"/>
+                </a:lnTo>
+                <a:lnTo>
+                  <a:pt x="144016" y="166127"/>
+                </a:lnTo>
+                <a:lnTo>
+                  <a:pt x="144016" y="559395"/>
+                </a:lnTo>
+                <a:lnTo>
+                  <a:pt x="0" y="559395"/>
+                </a:lnTo>
+                <a:close/>
+              </a:path>
+            </a:pathLst>
+          </a:custGeom>
+          <a:solidFill>
+            <a:schemeClr val="bg1"/>
+          </a:solidFill>
+          <a:ln>
+            <a:noFill/>
+          </a:ln>
+        </p:spPr>
+        <p:style>
+          <a:lnRef idx="2">
+            <a:schemeClr val="accent1">
+              <a:shade val="50000"/>
+            </a:schemeClr>
+          </a:lnRef>
+          <a:fillRef idx="1">
+            <a:schemeClr val="accent1"/>
+          </a:fillRef>
+          <a:effectRef idx="0">
+            <a:schemeClr val="accent1"/>
+          </a:effectRef>
+          <a:fontRef idx="minor">
+            <a:schemeClr val="lt1"/>
+          </a:fontRef>
+        </p:style>
+        <p:txBody>
+          <a:bodyPr rtlCol="0" anchor="ctr"/>
+          <a:lstStyle/>
+          <a:p>
+            <a:pPr algn="ctr"/>
+            <a:endParaRPr lang="pt-BR"/>
+          </a:p>
+        </p:txBody>
+      </p:sp>
+      <p:sp>
+        <p:nvSpPr>
+          <p:cNvPr id="71" name="Retângulo 70"/>
+          <p:cNvSpPr/>
+          <p:nvPr/>
+        </p:nvSpPr>
+        <p:spPr>
+          <a:xfrm>
+            <a:off x="4391824" y="2075690"/>
+            <a:ext cx="648064" cy="202099"/>
+          </a:xfrm>
+          <a:prstGeom prst="rect">
+            <a:avLst/>
+          </a:prstGeom>
+          <a:solidFill>
+            <a:srgbClr val="C0C0C0"/>
+          </a:solidFill>
+          <a:ln>
+            <a:noFill/>
+          </a:ln>
+        </p:spPr>
+        <p:style>
+          <a:lnRef idx="2">
+            <a:schemeClr val="accent1">
+              <a:shade val="50000"/>
+            </a:schemeClr>
+          </a:lnRef>
+          <a:fillRef idx="1">
+            <a:schemeClr val="accent1"/>
+          </a:fillRef>
+          <a:effectRef idx="0">
+            <a:schemeClr val="accent1"/>
+          </a:effectRef>
+          <a:fontRef idx="minor">
+            <a:schemeClr val="lt1"/>
+          </a:fontRef>
+        </p:style>
+        <p:txBody>
+          <a:bodyPr rtlCol="0" anchor="ctr"/>
+          <a:lstStyle/>
+          <a:p>
+            <a:pPr algn="ctr"/>
+            <a:endParaRPr lang="pt-BR"/>
+          </a:p>
+        </p:txBody>
+      </p:sp>
+      <p:sp>
+        <p:nvSpPr>
+          <p:cNvPr id="72" name="Fluxograma: Terminação 71"/>
+          <p:cNvSpPr/>
+          <p:nvPr/>
+        </p:nvSpPr>
+        <p:spPr>
+          <a:xfrm>
+            <a:off x="4266324" y="2269757"/>
+            <a:ext cx="914400" cy="45719"/>
+          </a:xfrm>
+          <a:prstGeom prst="flowChartTerminator">
+            <a:avLst/>
+          </a:prstGeom>
+          <a:solidFill>
+            <a:srgbClr val="F5F0EA"/>
+          </a:solidFill>
+          <a:ln>
+            <a:noFill/>
+          </a:ln>
+        </p:spPr>
+        <p:style>
+          <a:lnRef idx="2">
+            <a:schemeClr val="accent1">
+              <a:shade val="50000"/>
+            </a:schemeClr>
+          </a:lnRef>
+          <a:fillRef idx="1">
+            <a:schemeClr val="accent1"/>
+          </a:fillRef>
+          <a:effectRef idx="0">
+            <a:schemeClr val="accent1"/>
+          </a:effectRef>
+          <a:fontRef idx="minor">
+            <a:schemeClr val="lt1"/>
+          </a:fontRef>
+        </p:style>
+        <p:txBody>
+          <a:bodyPr rtlCol="0" anchor="ctr"/>
+          <a:lstStyle/>
+          <a:p>
+            <a:pPr algn="ctr"/>
+            <a:endParaRPr lang="pt-BR"/>
+          </a:p>
+        </p:txBody>
+      </p:sp>
+    </p:spTree>
+    <p:extLst>
+      <p:ext uri="{BB962C8B-B14F-4D97-AF65-F5344CB8AC3E}">
+        <p14:creationId xmlns:p14="http://schemas.microsoft.com/office/powerpoint/2010/main" val="722989789"/>
+      </p:ext>
+    </p:extLst>
+  </p:cSld>
+  <p:clrMapOvr>
+    <a:masterClrMapping/>
+  </p:clrMapOvr>
 </p:sld>
 </file>
 

--- a/design.pptx
+++ b/design.pptx
@@ -119,7 +119,7 @@
   </p:defaultTextStyle>
   <p:extLst>
     <p:ext uri="{EFAFB233-063F-42B5-8137-9DF3F51BA10A}">
-      <p15:sldGuideLst xmlns:p15="http://schemas.microsoft.com/office/powerpoint/2012/main">
+      <p15:sldGuideLst xmlns="" xmlns:p15="http://schemas.microsoft.com/office/powerpoint/2012/main">
         <p15:guide id="1" orient="horz" pos="2160">
           <p15:clr>
             <a:srgbClr val="A4A3A4"/>
@@ -317,7 +317,7 @@
           <a:p>
             <a:fld id="{F13F1855-5749-4CE7-8869-7B9A02C9C351}" type="datetimeFigureOut">
               <a:rPr lang="pt-BR" smtClean="0"/>
-              <a:t>20/11/2019</a:t>
+              <a:t>26/11/2019</a:t>
             </a:fld>
             <a:endParaRPr lang="pt-BR"/>
           </a:p>
@@ -487,7 +487,7 @@
           <a:p>
             <a:fld id="{F13F1855-5749-4CE7-8869-7B9A02C9C351}" type="datetimeFigureOut">
               <a:rPr lang="pt-BR" smtClean="0"/>
-              <a:t>20/11/2019</a:t>
+              <a:t>26/11/2019</a:t>
             </a:fld>
             <a:endParaRPr lang="pt-BR"/>
           </a:p>
@@ -667,7 +667,7 @@
           <a:p>
             <a:fld id="{F13F1855-5749-4CE7-8869-7B9A02C9C351}" type="datetimeFigureOut">
               <a:rPr lang="pt-BR" smtClean="0"/>
-              <a:t>20/11/2019</a:t>
+              <a:t>26/11/2019</a:t>
             </a:fld>
             <a:endParaRPr lang="pt-BR"/>
           </a:p>
@@ -837,7 +837,7 @@
           <a:p>
             <a:fld id="{F13F1855-5749-4CE7-8869-7B9A02C9C351}" type="datetimeFigureOut">
               <a:rPr lang="pt-BR" smtClean="0"/>
-              <a:t>20/11/2019</a:t>
+              <a:t>26/11/2019</a:t>
             </a:fld>
             <a:endParaRPr lang="pt-BR"/>
           </a:p>
@@ -1083,7 +1083,7 @@
           <a:p>
             <a:fld id="{F13F1855-5749-4CE7-8869-7B9A02C9C351}" type="datetimeFigureOut">
               <a:rPr lang="pt-BR" smtClean="0"/>
-              <a:t>20/11/2019</a:t>
+              <a:t>26/11/2019</a:t>
             </a:fld>
             <a:endParaRPr lang="pt-BR"/>
           </a:p>
@@ -1371,7 +1371,7 @@
           <a:p>
             <a:fld id="{F13F1855-5749-4CE7-8869-7B9A02C9C351}" type="datetimeFigureOut">
               <a:rPr lang="pt-BR" smtClean="0"/>
-              <a:t>20/11/2019</a:t>
+              <a:t>26/11/2019</a:t>
             </a:fld>
             <a:endParaRPr lang="pt-BR"/>
           </a:p>
@@ -1793,7 +1793,7 @@
           <a:p>
             <a:fld id="{F13F1855-5749-4CE7-8869-7B9A02C9C351}" type="datetimeFigureOut">
               <a:rPr lang="pt-BR" smtClean="0"/>
-              <a:t>20/11/2019</a:t>
+              <a:t>26/11/2019</a:t>
             </a:fld>
             <a:endParaRPr lang="pt-BR"/>
           </a:p>
@@ -1911,7 +1911,7 @@
           <a:p>
             <a:fld id="{F13F1855-5749-4CE7-8869-7B9A02C9C351}" type="datetimeFigureOut">
               <a:rPr lang="pt-BR" smtClean="0"/>
-              <a:t>20/11/2019</a:t>
+              <a:t>26/11/2019</a:t>
             </a:fld>
             <a:endParaRPr lang="pt-BR"/>
           </a:p>
@@ -2006,7 +2006,7 @@
           <a:p>
             <a:fld id="{F13F1855-5749-4CE7-8869-7B9A02C9C351}" type="datetimeFigureOut">
               <a:rPr lang="pt-BR" smtClean="0"/>
-              <a:t>20/11/2019</a:t>
+              <a:t>26/11/2019</a:t>
             </a:fld>
             <a:endParaRPr lang="pt-BR"/>
           </a:p>
@@ -2283,7 +2283,7 @@
           <a:p>
             <a:fld id="{F13F1855-5749-4CE7-8869-7B9A02C9C351}" type="datetimeFigureOut">
               <a:rPr lang="pt-BR" smtClean="0"/>
-              <a:t>20/11/2019</a:t>
+              <a:t>26/11/2019</a:t>
             </a:fld>
             <a:endParaRPr lang="pt-BR"/>
           </a:p>
@@ -2536,7 +2536,7 @@
           <a:p>
             <a:fld id="{F13F1855-5749-4CE7-8869-7B9A02C9C351}" type="datetimeFigureOut">
               <a:rPr lang="pt-BR" smtClean="0"/>
-              <a:t>20/11/2019</a:t>
+              <a:t>26/11/2019</a:t>
             </a:fld>
             <a:endParaRPr lang="pt-BR"/>
           </a:p>
@@ -2754,7 +2754,7 @@
           <a:p>
             <a:fld id="{F13F1855-5749-4CE7-8869-7B9A02C9C351}" type="datetimeFigureOut">
               <a:rPr lang="pt-BR" smtClean="0"/>
-              <a:t>20/11/2019</a:t>
+              <a:t>26/11/2019</a:t>
             </a:fld>
             <a:endParaRPr lang="pt-BR"/>
           </a:p>
@@ -9530,39 +9530,85 @@
           </a:extLst>
         </p:spPr>
       </p:pic>
+      <p:sp>
+        <p:nvSpPr>
+          <p:cNvPr id="76" name="Retângulo de cantos arredondados 75"/>
+          <p:cNvSpPr/>
+          <p:nvPr/>
+        </p:nvSpPr>
+        <p:spPr>
+          <a:xfrm>
+            <a:off x="5580112" y="2545827"/>
+            <a:ext cx="2115750" cy="2115750"/>
+          </a:xfrm>
+          <a:prstGeom prst="roundRect">
+            <a:avLst/>
+          </a:prstGeom>
+          <a:solidFill>
+            <a:schemeClr val="accent5">
+              <a:lumMod val="40000"/>
+              <a:lumOff val="60000"/>
+            </a:schemeClr>
+          </a:solidFill>
+          <a:ln>
+            <a:noFill/>
+          </a:ln>
+        </p:spPr>
+        <p:style>
+          <a:lnRef idx="2">
+            <a:schemeClr val="accent1">
+              <a:shade val="50000"/>
+            </a:schemeClr>
+          </a:lnRef>
+          <a:fillRef idx="1">
+            <a:schemeClr val="accent1"/>
+          </a:fillRef>
+          <a:effectRef idx="0">
+            <a:schemeClr val="accent1"/>
+          </a:effectRef>
+          <a:fontRef idx="minor">
+            <a:schemeClr val="lt1"/>
+          </a:fontRef>
+        </p:style>
+        <p:txBody>
+          <a:bodyPr rtlCol="0" anchor="ctr"/>
+          <a:lstStyle/>
+          <a:p>
+            <a:pPr algn="ctr"/>
+            <a:endParaRPr lang="pt-BR"/>
+          </a:p>
+        </p:txBody>
+      </p:sp>
       <p:grpSp>
         <p:nvGrpSpPr>
-          <p:cNvPr id="5" name="Grupo 4"/>
+          <p:cNvPr id="77" name="Grupo 76"/>
           <p:cNvGrpSpPr/>
           <p:nvPr/>
         </p:nvGrpSpPr>
         <p:grpSpPr>
           <a:xfrm>
-            <a:off x="5580112" y="2545827"/>
-            <a:ext cx="2115750" cy="2115750"/>
-            <a:chOff x="5580112" y="2545827"/>
-            <a:chExt cx="2115750" cy="2115750"/>
+            <a:off x="5784988" y="2742283"/>
+            <a:ext cx="1705998" cy="1722835"/>
+            <a:chOff x="6214619" y="3329160"/>
+            <a:chExt cx="1705998" cy="1722835"/>
           </a:xfrm>
         </p:grpSpPr>
         <p:sp>
           <p:nvSpPr>
-            <p:cNvPr id="76" name="Retângulo de cantos arredondados 75"/>
+            <p:cNvPr id="78" name="Elipse 77"/>
             <p:cNvSpPr/>
             <p:nvPr/>
           </p:nvSpPr>
           <p:spPr>
             <a:xfrm>
-              <a:off x="5580112" y="2545827"/>
-              <a:ext cx="2115750" cy="2115750"/>
+              <a:off x="6214619" y="3329160"/>
+              <a:ext cx="1705998" cy="1722835"/>
             </a:xfrm>
-            <a:prstGeom prst="roundRect">
+            <a:prstGeom prst="ellipse">
               <a:avLst/>
             </a:prstGeom>
             <a:solidFill>
-              <a:schemeClr val="accent5">
-                <a:lumMod val="40000"/>
-                <a:lumOff val="60000"/>
-              </a:schemeClr>
+              <a:srgbClr val="F6931E"/>
             </a:solidFill>
             <a:ln>
               <a:noFill/>
@@ -9593,205 +9639,144 @@
             </a:p>
           </p:txBody>
         </p:sp>
-        <p:grpSp>
-          <p:nvGrpSpPr>
-            <p:cNvPr id="77" name="Grupo 76"/>
-            <p:cNvGrpSpPr/>
+        <p:sp>
+          <p:nvSpPr>
+            <p:cNvPr id="79" name="Elipse 78"/>
+            <p:cNvSpPr/>
             <p:nvPr/>
-          </p:nvGrpSpPr>
-          <p:grpSpPr>
+          </p:nvSpPr>
+          <p:spPr>
             <a:xfrm>
-              <a:off x="5784988" y="2742283"/>
-              <a:ext cx="1705998" cy="1722835"/>
-              <a:chOff x="6214619" y="3329160"/>
-              <a:chExt cx="1705998" cy="1722835"/>
+              <a:off x="6324415" y="3447376"/>
+              <a:ext cx="1486405" cy="1486405"/>
             </a:xfrm>
-          </p:grpSpPr>
-          <p:sp>
-            <p:nvSpPr>
-              <p:cNvPr id="78" name="Elipse 77"/>
-              <p:cNvSpPr/>
-              <p:nvPr/>
-            </p:nvSpPr>
-            <p:spPr>
-              <a:xfrm>
-                <a:off x="6214619" y="3329160"/>
-                <a:ext cx="1705998" cy="1722835"/>
-              </a:xfrm>
-              <a:prstGeom prst="ellipse">
-                <a:avLst/>
-              </a:prstGeom>
-              <a:solidFill>
-                <a:srgbClr val="F6931E"/>
-              </a:solidFill>
-              <a:ln>
-                <a:noFill/>
-              </a:ln>
-            </p:spPr>
-            <p:style>
-              <a:lnRef idx="2">
-                <a:schemeClr val="accent1">
-                  <a:shade val="50000"/>
-                </a:schemeClr>
-              </a:lnRef>
-              <a:fillRef idx="1">
-                <a:schemeClr val="accent1"/>
-              </a:fillRef>
-              <a:effectRef idx="0">
-                <a:schemeClr val="accent1"/>
-              </a:effectRef>
-              <a:fontRef idx="minor">
-                <a:schemeClr val="lt1"/>
-              </a:fontRef>
-            </p:style>
-            <p:txBody>
-              <a:bodyPr rtlCol="0" anchor="ctr"/>
-              <a:lstStyle/>
-              <a:p>
-                <a:pPr algn="ctr"/>
-                <a:endParaRPr lang="pt-BR"/>
-              </a:p>
-            </p:txBody>
-          </p:sp>
-          <p:sp>
-            <p:nvSpPr>
-              <p:cNvPr id="79" name="Elipse 78"/>
-              <p:cNvSpPr/>
-              <p:nvPr/>
-            </p:nvSpPr>
-            <p:spPr>
-              <a:xfrm>
-                <a:off x="6324415" y="3447376"/>
-                <a:ext cx="1486405" cy="1486405"/>
-              </a:xfrm>
-              <a:prstGeom prst="ellipse">
-                <a:avLst/>
-              </a:prstGeom>
-              <a:solidFill>
-                <a:srgbClr val="F6BB00"/>
-              </a:solidFill>
-              <a:ln>
-                <a:noFill/>
-              </a:ln>
-            </p:spPr>
-            <p:style>
-              <a:lnRef idx="2">
-                <a:schemeClr val="accent1">
-                  <a:shade val="50000"/>
-                </a:schemeClr>
-              </a:lnRef>
-              <a:fillRef idx="1">
-                <a:schemeClr val="accent1"/>
-              </a:fillRef>
-              <a:effectRef idx="0">
-                <a:schemeClr val="accent1"/>
-              </a:effectRef>
-              <a:fontRef idx="minor">
-                <a:schemeClr val="lt1"/>
-              </a:fontRef>
-            </p:style>
-            <p:txBody>
-              <a:bodyPr rtlCol="0" anchor="ctr"/>
-              <a:lstStyle/>
-              <a:p>
-                <a:pPr algn="ctr"/>
-                <a:endParaRPr lang="pt-BR"/>
-              </a:p>
-            </p:txBody>
-          </p:sp>
-          <p:sp>
-            <p:nvSpPr>
-              <p:cNvPr id="80" name="Elipse 79"/>
-              <p:cNvSpPr/>
-              <p:nvPr/>
-            </p:nvSpPr>
-            <p:spPr>
-              <a:xfrm>
-                <a:off x="6431718" y="3554679"/>
-                <a:ext cx="1271800" cy="1271800"/>
-              </a:xfrm>
-              <a:prstGeom prst="ellipse">
-                <a:avLst/>
-              </a:prstGeom>
-              <a:solidFill>
-                <a:srgbClr val="F4EE00"/>
-              </a:solidFill>
-              <a:ln>
-                <a:noFill/>
-              </a:ln>
-            </p:spPr>
-            <p:style>
-              <a:lnRef idx="2">
-                <a:schemeClr val="accent1">
-                  <a:shade val="50000"/>
-                </a:schemeClr>
-              </a:lnRef>
-              <a:fillRef idx="1">
-                <a:schemeClr val="accent1"/>
-              </a:fillRef>
-              <a:effectRef idx="0">
-                <a:schemeClr val="accent1"/>
-              </a:effectRef>
-              <a:fontRef idx="minor">
-                <a:schemeClr val="lt1"/>
-              </a:fontRef>
-            </p:style>
-            <p:txBody>
-              <a:bodyPr rtlCol="0" anchor="ctr"/>
-              <a:lstStyle/>
-              <a:p>
-                <a:pPr algn="ctr"/>
-                <a:endParaRPr lang="pt-BR"/>
-              </a:p>
-            </p:txBody>
-          </p:sp>
-          <p:sp>
-            <p:nvSpPr>
-              <p:cNvPr id="81" name="Elipse 80"/>
-              <p:cNvSpPr/>
-              <p:nvPr/>
-            </p:nvSpPr>
-            <p:spPr>
-              <a:xfrm>
-                <a:off x="6552220" y="3675181"/>
-                <a:ext cx="1030796" cy="1030796"/>
-              </a:xfrm>
-              <a:prstGeom prst="ellipse">
-                <a:avLst/>
-              </a:prstGeom>
-              <a:solidFill>
-                <a:srgbClr val="FFFF1D"/>
-              </a:solidFill>
-              <a:ln>
-                <a:noFill/>
-              </a:ln>
-            </p:spPr>
-            <p:style>
-              <a:lnRef idx="2">
-                <a:schemeClr val="accent1">
-                  <a:shade val="50000"/>
-                </a:schemeClr>
-              </a:lnRef>
-              <a:fillRef idx="1">
-                <a:schemeClr val="accent1"/>
-              </a:fillRef>
-              <a:effectRef idx="0">
-                <a:schemeClr val="accent1"/>
-              </a:effectRef>
-              <a:fontRef idx="minor">
-                <a:schemeClr val="lt1"/>
-              </a:fontRef>
-            </p:style>
-            <p:txBody>
-              <a:bodyPr rtlCol="0" anchor="ctr"/>
-              <a:lstStyle/>
-              <a:p>
-                <a:pPr algn="ctr"/>
-                <a:endParaRPr lang="pt-BR"/>
-              </a:p>
-            </p:txBody>
-          </p:sp>
-        </p:grpSp>
+            <a:prstGeom prst="ellipse">
+              <a:avLst/>
+            </a:prstGeom>
+            <a:solidFill>
+              <a:srgbClr val="F6BB00"/>
+            </a:solidFill>
+            <a:ln>
+              <a:noFill/>
+            </a:ln>
+          </p:spPr>
+          <p:style>
+            <a:lnRef idx="2">
+              <a:schemeClr val="accent1">
+                <a:shade val="50000"/>
+              </a:schemeClr>
+            </a:lnRef>
+            <a:fillRef idx="1">
+              <a:schemeClr val="accent1"/>
+            </a:fillRef>
+            <a:effectRef idx="0">
+              <a:schemeClr val="accent1"/>
+            </a:effectRef>
+            <a:fontRef idx="minor">
+              <a:schemeClr val="lt1"/>
+            </a:fontRef>
+          </p:style>
+          <p:txBody>
+            <a:bodyPr rtlCol="0" anchor="ctr"/>
+            <a:lstStyle/>
+            <a:p>
+              <a:pPr algn="ctr"/>
+              <a:endParaRPr lang="pt-BR"/>
+            </a:p>
+          </p:txBody>
+        </p:sp>
+        <p:sp>
+          <p:nvSpPr>
+            <p:cNvPr id="80" name="Elipse 79"/>
+            <p:cNvSpPr/>
+            <p:nvPr/>
+          </p:nvSpPr>
+          <p:spPr>
+            <a:xfrm>
+              <a:off x="6431718" y="3554679"/>
+              <a:ext cx="1271800" cy="1271800"/>
+            </a:xfrm>
+            <a:prstGeom prst="ellipse">
+              <a:avLst/>
+            </a:prstGeom>
+            <a:solidFill>
+              <a:srgbClr val="F4EE00"/>
+            </a:solidFill>
+            <a:ln>
+              <a:noFill/>
+            </a:ln>
+          </p:spPr>
+          <p:style>
+            <a:lnRef idx="2">
+              <a:schemeClr val="accent1">
+                <a:shade val="50000"/>
+              </a:schemeClr>
+            </a:lnRef>
+            <a:fillRef idx="1">
+              <a:schemeClr val="accent1"/>
+            </a:fillRef>
+            <a:effectRef idx="0">
+              <a:schemeClr val="accent1"/>
+            </a:effectRef>
+            <a:fontRef idx="minor">
+              <a:schemeClr val="lt1"/>
+            </a:fontRef>
+          </p:style>
+          <p:txBody>
+            <a:bodyPr rtlCol="0" anchor="ctr"/>
+            <a:lstStyle/>
+            <a:p>
+              <a:pPr algn="ctr"/>
+              <a:endParaRPr lang="pt-BR"/>
+            </a:p>
+          </p:txBody>
+        </p:sp>
+        <p:sp>
+          <p:nvSpPr>
+            <p:cNvPr id="81" name="Elipse 80"/>
+            <p:cNvSpPr/>
+            <p:nvPr/>
+          </p:nvSpPr>
+          <p:spPr>
+            <a:xfrm>
+              <a:off x="6552220" y="3675181"/>
+              <a:ext cx="1030796" cy="1030796"/>
+            </a:xfrm>
+            <a:prstGeom prst="ellipse">
+              <a:avLst/>
+            </a:prstGeom>
+            <a:solidFill>
+              <a:srgbClr val="FFFF1D"/>
+            </a:solidFill>
+            <a:ln>
+              <a:noFill/>
+            </a:ln>
+          </p:spPr>
+          <p:style>
+            <a:lnRef idx="2">
+              <a:schemeClr val="accent1">
+                <a:shade val="50000"/>
+              </a:schemeClr>
+            </a:lnRef>
+            <a:fillRef idx="1">
+              <a:schemeClr val="accent1"/>
+            </a:fillRef>
+            <a:effectRef idx="0">
+              <a:schemeClr val="accent1"/>
+            </a:effectRef>
+            <a:fontRef idx="minor">
+              <a:schemeClr val="lt1"/>
+            </a:fontRef>
+          </p:style>
+          <p:txBody>
+            <a:bodyPr rtlCol="0" anchor="ctr"/>
+            <a:lstStyle/>
+            <a:p>
+              <a:pPr algn="ctr"/>
+              <a:endParaRPr lang="pt-BR"/>
+            </a:p>
+          </p:txBody>
+        </p:sp>
       </p:grpSp>
       <p:grpSp>
         <p:nvGrpSpPr>
@@ -13037,6 +13022,97 @@
           </a:p>
         </p:txBody>
       </p:sp>
+      <p:grpSp>
+        <p:nvGrpSpPr>
+          <p:cNvPr id="6" name="Grupo 5"/>
+          <p:cNvGrpSpPr/>
+          <p:nvPr/>
+        </p:nvGrpSpPr>
+        <p:grpSpPr>
+          <a:xfrm>
+            <a:off x="3052372" y="1203438"/>
+            <a:ext cx="3254506" cy="3254506"/>
+            <a:chOff x="3052372" y="1203438"/>
+            <a:chExt cx="3254506" cy="3254506"/>
+          </a:xfrm>
+        </p:grpSpPr>
+        <p:sp>
+          <p:nvSpPr>
+            <p:cNvPr id="3" name="Retângulo de cantos arredondados 2"/>
+            <p:cNvSpPr/>
+            <p:nvPr/>
+          </p:nvSpPr>
+          <p:spPr>
+            <a:xfrm>
+              <a:off x="3052372" y="1203438"/>
+              <a:ext cx="3254506" cy="3254506"/>
+            </a:xfrm>
+            <a:prstGeom prst="roundRect">
+              <a:avLst/>
+            </a:prstGeom>
+            <a:solidFill>
+              <a:schemeClr val="accent5">
+                <a:lumMod val="40000"/>
+                <a:lumOff val="60000"/>
+              </a:schemeClr>
+            </a:solidFill>
+            <a:ln>
+              <a:noFill/>
+            </a:ln>
+          </p:spPr>
+          <p:style>
+            <a:lnRef idx="2">
+              <a:schemeClr val="accent1">
+                <a:shade val="50000"/>
+              </a:schemeClr>
+            </a:lnRef>
+            <a:fillRef idx="1">
+              <a:schemeClr val="accent1"/>
+            </a:fillRef>
+            <a:effectRef idx="0">
+              <a:schemeClr val="accent1"/>
+            </a:effectRef>
+            <a:fontRef idx="minor">
+              <a:schemeClr val="lt1"/>
+            </a:fontRef>
+          </p:style>
+          <p:txBody>
+            <a:bodyPr rtlCol="0" anchor="ctr"/>
+            <a:lstStyle/>
+            <a:p>
+              <a:pPr algn="ctr"/>
+              <a:endParaRPr lang="pt-BR" u="sng"/>
+            </a:p>
+          </p:txBody>
+        </p:sp>
+        <p:pic>
+          <p:nvPicPr>
+            <p:cNvPr id="4" name="Google Shape;242;p5"/>
+            <p:cNvPicPr preferRelativeResize="0"/>
+            <p:nvPr/>
+          </p:nvPicPr>
+          <p:blipFill rotWithShape="1">
+            <a:blip r:embed="rId2">
+              <a:alphaModFix/>
+            </a:blip>
+            <a:srcRect l="39283" t="28880" r="41349" b="23633"/>
+            <a:stretch/>
+          </p:blipFill>
+          <p:spPr>
+            <a:xfrm>
+              <a:off x="3913505" y="1879059"/>
+              <a:ext cx="1532239" cy="1903264"/>
+            </a:xfrm>
+            <a:prstGeom prst="rect">
+              <a:avLst/>
+            </a:prstGeom>
+            <a:noFill/>
+            <a:ln>
+              <a:noFill/>
+            </a:ln>
+          </p:spPr>
+        </p:pic>
+      </p:grpSp>
     </p:spTree>
     <p:extLst>
       <p:ext uri="{BB962C8B-B14F-4D97-AF65-F5344CB8AC3E}">

--- a/design.pptx
+++ b/design.pptx
@@ -19,6 +19,7 @@
     <p:sldId id="268" r:id="rId13"/>
     <p:sldId id="266" r:id="rId14"/>
     <p:sldId id="269" r:id="rId15"/>
+    <p:sldId id="270" r:id="rId16"/>
   </p:sldIdLst>
   <p:sldSz cx="9144000" cy="6858000" type="screen4x3"/>
   <p:notesSz cx="6858000" cy="9144000"/>
@@ -119,7 +120,7 @@
   </p:defaultTextStyle>
   <p:extLst>
     <p:ext uri="{EFAFB233-063F-42B5-8137-9DF3F51BA10A}">
-      <p15:sldGuideLst xmlns="" xmlns:p15="http://schemas.microsoft.com/office/powerpoint/2012/main">
+      <p15:sldGuideLst xmlns:p15="http://schemas.microsoft.com/office/powerpoint/2012/main" xmlns="">
         <p15:guide id="1" orient="horz" pos="2160">
           <p15:clr>
             <a:srgbClr val="A4A3A4"/>
@@ -18021,6 +18022,3212 @@
 </p:sld>
 </file>
 
+<file path=ppt/slides/slide15.xml><?xml version="1.0" encoding="utf-8"?>
+<p:sld xmlns:a="http://schemas.openxmlformats.org/drawingml/2006/main" xmlns:r="http://schemas.openxmlformats.org/officeDocument/2006/relationships" xmlns:p="http://schemas.openxmlformats.org/presentationml/2006/main">
+  <p:cSld>
+    <p:spTree>
+      <p:nvGrpSpPr>
+        <p:cNvPr id="1" name=""/>
+        <p:cNvGrpSpPr/>
+        <p:nvPr/>
+      </p:nvGrpSpPr>
+      <p:grpSpPr>
+        <a:xfrm>
+          <a:off x="0" y="0"/>
+          <a:ext cx="0" cy="0"/>
+          <a:chOff x="0" y="0"/>
+          <a:chExt cx="0" cy="0"/>
+        </a:xfrm>
+      </p:grpSpPr>
+      <p:grpSp>
+        <p:nvGrpSpPr>
+          <p:cNvPr id="2" name="Grupo 1"/>
+          <p:cNvGrpSpPr/>
+          <p:nvPr/>
+        </p:nvGrpSpPr>
+        <p:grpSpPr>
+          <a:xfrm>
+            <a:off x="224002" y="167705"/>
+            <a:ext cx="2115750" cy="2115750"/>
+            <a:chOff x="1082336" y="836712"/>
+            <a:chExt cx="2115750" cy="2115750"/>
+          </a:xfrm>
+        </p:grpSpPr>
+        <p:sp>
+          <p:nvSpPr>
+            <p:cNvPr id="3" name="Retângulo de cantos arredondados 2"/>
+            <p:cNvSpPr/>
+            <p:nvPr/>
+          </p:nvSpPr>
+          <p:spPr>
+            <a:xfrm>
+              <a:off x="1082336" y="836712"/>
+              <a:ext cx="2115750" cy="2115750"/>
+            </a:xfrm>
+            <a:prstGeom prst="roundRect">
+              <a:avLst/>
+            </a:prstGeom>
+            <a:solidFill>
+              <a:srgbClr val="C1E3C2"/>
+            </a:solidFill>
+            <a:ln>
+              <a:noFill/>
+            </a:ln>
+          </p:spPr>
+          <p:style>
+            <a:lnRef idx="2">
+              <a:schemeClr val="accent1">
+                <a:shade val="50000"/>
+              </a:schemeClr>
+            </a:lnRef>
+            <a:fillRef idx="1">
+              <a:schemeClr val="accent1"/>
+            </a:fillRef>
+            <a:effectRef idx="0">
+              <a:schemeClr val="accent1"/>
+            </a:effectRef>
+            <a:fontRef idx="minor">
+              <a:schemeClr val="lt1"/>
+            </a:fontRef>
+          </p:style>
+          <p:txBody>
+            <a:bodyPr rtlCol="0" anchor="ctr"/>
+            <a:lstStyle/>
+            <a:p>
+              <a:pPr algn="ctr"/>
+              <a:endParaRPr lang="pt-BR"/>
+            </a:p>
+          </p:txBody>
+        </p:sp>
+        <p:grpSp>
+          <p:nvGrpSpPr>
+            <p:cNvPr id="4" name="Grupo 3"/>
+            <p:cNvGrpSpPr/>
+            <p:nvPr/>
+          </p:nvGrpSpPr>
+          <p:grpSpPr>
+            <a:xfrm>
+              <a:off x="1847520" y="1114078"/>
+              <a:ext cx="585381" cy="1561017"/>
+              <a:chOff x="4499992" y="1484783"/>
+              <a:chExt cx="1512168" cy="4032449"/>
+            </a:xfrm>
+          </p:grpSpPr>
+          <p:grpSp>
+            <p:nvGrpSpPr>
+              <p:cNvPr id="5" name="Grupo 4"/>
+              <p:cNvGrpSpPr/>
+              <p:nvPr/>
+            </p:nvGrpSpPr>
+            <p:grpSpPr>
+              <a:xfrm>
+                <a:off x="4499992" y="1865434"/>
+                <a:ext cx="1512168" cy="3651798"/>
+                <a:chOff x="4499992" y="1865434"/>
+                <a:chExt cx="1512168" cy="3651798"/>
+              </a:xfrm>
+            </p:grpSpPr>
+            <p:grpSp>
+              <p:nvGrpSpPr>
+                <p:cNvPr id="10" name="Grupo 9"/>
+                <p:cNvGrpSpPr/>
+                <p:nvPr/>
+              </p:nvGrpSpPr>
+              <p:grpSpPr>
+                <a:xfrm>
+                  <a:off x="4499992" y="1865434"/>
+                  <a:ext cx="1512168" cy="3651798"/>
+                  <a:chOff x="4499992" y="1865434"/>
+                  <a:chExt cx="1512168" cy="3651798"/>
+                </a:xfrm>
+                <a:solidFill>
+                  <a:srgbClr val="87C7D9"/>
+                </a:solidFill>
+                <a:effectLst/>
+              </p:grpSpPr>
+              <p:sp>
+                <p:nvSpPr>
+                  <p:cNvPr id="13" name="Retângulo de cantos arredondados 12"/>
+                  <p:cNvSpPr/>
+                  <p:nvPr/>
+                </p:nvSpPr>
+                <p:spPr>
+                  <a:xfrm>
+                    <a:off x="4499992" y="2453032"/>
+                    <a:ext cx="1512168" cy="2808312"/>
+                  </a:xfrm>
+                  <a:prstGeom prst="roundRect">
+                    <a:avLst/>
+                  </a:prstGeom>
+                  <a:grpFill/>
+                  <a:ln>
+                    <a:noFill/>
+                  </a:ln>
+                </p:spPr>
+                <p:style>
+                  <a:lnRef idx="2">
+                    <a:schemeClr val="accent1">
+                      <a:shade val="50000"/>
+                    </a:schemeClr>
+                  </a:lnRef>
+                  <a:fillRef idx="1">
+                    <a:schemeClr val="accent1"/>
+                  </a:fillRef>
+                  <a:effectRef idx="0">
+                    <a:schemeClr val="accent1"/>
+                  </a:effectRef>
+                  <a:fontRef idx="minor">
+                    <a:schemeClr val="lt1"/>
+                  </a:fontRef>
+                </p:style>
+                <p:txBody>
+                  <a:bodyPr rtlCol="0" anchor="ctr"/>
+                  <a:lstStyle/>
+                  <a:p>
+                    <a:pPr algn="ctr"/>
+                    <a:endParaRPr lang="pt-BR"/>
+                  </a:p>
+                </p:txBody>
+              </p:sp>
+              <p:sp>
+                <p:nvSpPr>
+                  <p:cNvPr id="14" name="Elipse 13"/>
+                  <p:cNvSpPr/>
+                  <p:nvPr/>
+                </p:nvSpPr>
+                <p:spPr>
+                  <a:xfrm>
+                    <a:off x="4499992" y="1865434"/>
+                    <a:ext cx="1512168" cy="1413222"/>
+                  </a:xfrm>
+                  <a:prstGeom prst="ellipse">
+                    <a:avLst/>
+                  </a:prstGeom>
+                  <a:grpFill/>
+                  <a:ln>
+                    <a:noFill/>
+                  </a:ln>
+                </p:spPr>
+                <p:style>
+                  <a:lnRef idx="2">
+                    <a:schemeClr val="accent1">
+                      <a:shade val="50000"/>
+                    </a:schemeClr>
+                  </a:lnRef>
+                  <a:fillRef idx="1">
+                    <a:schemeClr val="accent1"/>
+                  </a:fillRef>
+                  <a:effectRef idx="0">
+                    <a:schemeClr val="accent1"/>
+                  </a:effectRef>
+                  <a:fontRef idx="minor">
+                    <a:schemeClr val="lt1"/>
+                  </a:fontRef>
+                </p:style>
+                <p:txBody>
+                  <a:bodyPr rtlCol="0" anchor="ctr"/>
+                  <a:lstStyle/>
+                  <a:p>
+                    <a:pPr algn="ctr"/>
+                    <a:endParaRPr lang="pt-BR"/>
+                  </a:p>
+                </p:txBody>
+              </p:sp>
+              <p:sp>
+                <p:nvSpPr>
+                  <p:cNvPr id="15" name="Elipse 14"/>
+                  <p:cNvSpPr/>
+                  <p:nvPr/>
+                </p:nvSpPr>
+                <p:spPr>
+                  <a:xfrm>
+                    <a:off x="4499992" y="4602832"/>
+                    <a:ext cx="648072" cy="914400"/>
+                  </a:xfrm>
+                  <a:prstGeom prst="ellipse">
+                    <a:avLst/>
+                  </a:prstGeom>
+                  <a:grpFill/>
+                  <a:ln>
+                    <a:noFill/>
+                  </a:ln>
+                </p:spPr>
+                <p:style>
+                  <a:lnRef idx="2">
+                    <a:schemeClr val="accent1">
+                      <a:shade val="50000"/>
+                    </a:schemeClr>
+                  </a:lnRef>
+                  <a:fillRef idx="1">
+                    <a:schemeClr val="accent1"/>
+                  </a:fillRef>
+                  <a:effectRef idx="0">
+                    <a:schemeClr val="accent1"/>
+                  </a:effectRef>
+                  <a:fontRef idx="minor">
+                    <a:schemeClr val="lt1"/>
+                  </a:fontRef>
+                </p:style>
+                <p:txBody>
+                  <a:bodyPr rtlCol="0" anchor="ctr"/>
+                  <a:lstStyle/>
+                  <a:p>
+                    <a:pPr algn="ctr"/>
+                    <a:endParaRPr lang="pt-BR"/>
+                  </a:p>
+                </p:txBody>
+              </p:sp>
+              <p:sp>
+                <p:nvSpPr>
+                  <p:cNvPr id="16" name="Elipse 15"/>
+                  <p:cNvSpPr/>
+                  <p:nvPr/>
+                </p:nvSpPr>
+                <p:spPr>
+                  <a:xfrm>
+                    <a:off x="4932040" y="4602832"/>
+                    <a:ext cx="648072" cy="914400"/>
+                  </a:xfrm>
+                  <a:prstGeom prst="ellipse">
+                    <a:avLst/>
+                  </a:prstGeom>
+                  <a:grpFill/>
+                  <a:ln>
+                    <a:noFill/>
+                  </a:ln>
+                </p:spPr>
+                <p:style>
+                  <a:lnRef idx="2">
+                    <a:schemeClr val="accent1">
+                      <a:shade val="50000"/>
+                    </a:schemeClr>
+                  </a:lnRef>
+                  <a:fillRef idx="1">
+                    <a:schemeClr val="accent1"/>
+                  </a:fillRef>
+                  <a:effectRef idx="0">
+                    <a:schemeClr val="accent1"/>
+                  </a:effectRef>
+                  <a:fontRef idx="minor">
+                    <a:schemeClr val="lt1"/>
+                  </a:fontRef>
+                </p:style>
+                <p:txBody>
+                  <a:bodyPr rtlCol="0" anchor="ctr"/>
+                  <a:lstStyle/>
+                  <a:p>
+                    <a:pPr algn="ctr"/>
+                    <a:endParaRPr lang="pt-BR"/>
+                  </a:p>
+                </p:txBody>
+              </p:sp>
+              <p:sp>
+                <p:nvSpPr>
+                  <p:cNvPr id="17" name="Elipse 16"/>
+                  <p:cNvSpPr/>
+                  <p:nvPr/>
+                </p:nvSpPr>
+                <p:spPr>
+                  <a:xfrm>
+                    <a:off x="5364088" y="4602832"/>
+                    <a:ext cx="648072" cy="914400"/>
+                  </a:xfrm>
+                  <a:prstGeom prst="ellipse">
+                    <a:avLst/>
+                  </a:prstGeom>
+                  <a:grpFill/>
+                  <a:ln>
+                    <a:noFill/>
+                  </a:ln>
+                </p:spPr>
+                <p:style>
+                  <a:lnRef idx="2">
+                    <a:schemeClr val="accent1">
+                      <a:shade val="50000"/>
+                    </a:schemeClr>
+                  </a:lnRef>
+                  <a:fillRef idx="1">
+                    <a:schemeClr val="accent1"/>
+                  </a:fillRef>
+                  <a:effectRef idx="0">
+                    <a:schemeClr val="accent1"/>
+                  </a:effectRef>
+                  <a:fontRef idx="minor">
+                    <a:schemeClr val="lt1"/>
+                  </a:fontRef>
+                </p:style>
+                <p:txBody>
+                  <a:bodyPr rtlCol="0" anchor="ctr"/>
+                  <a:lstStyle/>
+                  <a:p>
+                    <a:pPr algn="ctr"/>
+                    <a:endParaRPr lang="pt-BR"/>
+                  </a:p>
+                </p:txBody>
+              </p:sp>
+            </p:grpSp>
+            <p:sp>
+              <p:nvSpPr>
+                <p:cNvPr id="11" name="Retângulo 10"/>
+                <p:cNvSpPr/>
+                <p:nvPr/>
+              </p:nvSpPr>
+              <p:spPr>
+                <a:xfrm>
+                  <a:off x="4499992" y="3278656"/>
+                  <a:ext cx="1512168" cy="1080120"/>
+                </a:xfrm>
+                <a:prstGeom prst="rect">
+                  <a:avLst/>
+                </a:prstGeom>
+                <a:solidFill>
+                  <a:srgbClr val="47AAC5"/>
+                </a:solidFill>
+                <a:ln>
+                  <a:noFill/>
+                </a:ln>
+              </p:spPr>
+              <p:style>
+                <a:lnRef idx="2">
+                  <a:schemeClr val="accent1">
+                    <a:shade val="50000"/>
+                  </a:schemeClr>
+                </a:lnRef>
+                <a:fillRef idx="1">
+                  <a:schemeClr val="accent1"/>
+                </a:fillRef>
+                <a:effectRef idx="0">
+                  <a:schemeClr val="accent1"/>
+                </a:effectRef>
+                <a:fontRef idx="minor">
+                  <a:schemeClr val="lt1"/>
+                </a:fontRef>
+              </p:style>
+              <p:txBody>
+                <a:bodyPr rtlCol="0" anchor="ctr"/>
+                <a:lstStyle/>
+                <a:p>
+                  <a:pPr algn="ctr"/>
+                  <a:endParaRPr lang="pt-BR"/>
+                </a:p>
+              </p:txBody>
+            </p:sp>
+            <p:sp>
+              <p:nvSpPr>
+                <p:cNvPr id="12" name="Elipse 11"/>
+                <p:cNvSpPr/>
+                <p:nvPr/>
+              </p:nvSpPr>
+              <p:spPr>
+                <a:xfrm>
+                  <a:off x="4942892" y="3505532"/>
+                  <a:ext cx="626368" cy="626368"/>
+                </a:xfrm>
+                <a:prstGeom prst="ellipse">
+                  <a:avLst/>
+                </a:prstGeom>
+                <a:solidFill>
+                  <a:schemeClr val="bg1"/>
+                </a:solidFill>
+                <a:ln>
+                  <a:noFill/>
+                </a:ln>
+              </p:spPr>
+              <p:style>
+                <a:lnRef idx="2">
+                  <a:schemeClr val="accent1">
+                    <a:shade val="50000"/>
+                  </a:schemeClr>
+                </a:lnRef>
+                <a:fillRef idx="1">
+                  <a:schemeClr val="accent1"/>
+                </a:fillRef>
+                <a:effectRef idx="0">
+                  <a:schemeClr val="accent1"/>
+                </a:effectRef>
+                <a:fontRef idx="minor">
+                  <a:schemeClr val="lt1"/>
+                </a:fontRef>
+              </p:style>
+              <p:txBody>
+                <a:bodyPr rtlCol="0" anchor="ctr"/>
+                <a:lstStyle/>
+                <a:p>
+                  <a:pPr algn="ctr"/>
+                  <a:endParaRPr lang="pt-BR"/>
+                </a:p>
+              </p:txBody>
+            </p:sp>
+          </p:grpSp>
+          <p:sp>
+            <p:nvSpPr>
+              <p:cNvPr id="6" name="Retângulo de cantos arredondados 5"/>
+              <p:cNvSpPr/>
+              <p:nvPr/>
+            </p:nvSpPr>
+            <p:spPr>
+              <a:xfrm>
+                <a:off x="5780035" y="2572045"/>
+                <a:ext cx="102586" cy="2369123"/>
+              </a:xfrm>
+              <a:prstGeom prst="roundRect">
+                <a:avLst>
+                  <a:gd name="adj" fmla="val 50000"/>
+                </a:avLst>
+              </a:prstGeom>
+              <a:solidFill>
+                <a:srgbClr val="FFFFFF">
+                  <a:alpha val="38824"/>
+                </a:srgbClr>
+              </a:solidFill>
+              <a:ln>
+                <a:noFill/>
+              </a:ln>
+            </p:spPr>
+            <p:style>
+              <a:lnRef idx="2">
+                <a:schemeClr val="accent1">
+                  <a:shade val="50000"/>
+                </a:schemeClr>
+              </a:lnRef>
+              <a:fillRef idx="1">
+                <a:schemeClr val="accent1"/>
+              </a:fillRef>
+              <a:effectRef idx="0">
+                <a:schemeClr val="accent1"/>
+              </a:effectRef>
+              <a:fontRef idx="minor">
+                <a:schemeClr val="lt1"/>
+              </a:fontRef>
+            </p:style>
+            <p:txBody>
+              <a:bodyPr rtlCol="0" anchor="ctr"/>
+              <a:lstStyle/>
+              <a:p>
+                <a:pPr algn="ctr"/>
+                <a:endParaRPr lang="pt-BR"/>
+              </a:p>
+            </p:txBody>
+          </p:sp>
+          <p:sp>
+            <p:nvSpPr>
+              <p:cNvPr id="7" name="Retângulo de cantos arredondados 6"/>
+              <p:cNvSpPr/>
+              <p:nvPr/>
+            </p:nvSpPr>
+            <p:spPr>
+              <a:xfrm>
+                <a:off x="5004047" y="1794049"/>
+                <a:ext cx="504057" cy="71385"/>
+              </a:xfrm>
+              <a:prstGeom prst="roundRect">
+                <a:avLst>
+                  <a:gd name="adj" fmla="val 50000"/>
+                </a:avLst>
+              </a:prstGeom>
+              <a:solidFill>
+                <a:srgbClr val="87C7D9"/>
+              </a:solidFill>
+              <a:ln>
+                <a:noFill/>
+              </a:ln>
+            </p:spPr>
+            <p:style>
+              <a:lnRef idx="2">
+                <a:schemeClr val="accent1">
+                  <a:shade val="50000"/>
+                </a:schemeClr>
+              </a:lnRef>
+              <a:fillRef idx="1">
+                <a:schemeClr val="accent1"/>
+              </a:fillRef>
+              <a:effectRef idx="0">
+                <a:schemeClr val="accent1"/>
+              </a:effectRef>
+              <a:fontRef idx="minor">
+                <a:schemeClr val="lt1"/>
+              </a:fontRef>
+            </p:style>
+            <p:txBody>
+              <a:bodyPr rtlCol="0" anchor="ctr"/>
+              <a:lstStyle/>
+              <a:p>
+                <a:pPr algn="ctr"/>
+                <a:endParaRPr lang="pt-BR"/>
+              </a:p>
+            </p:txBody>
+          </p:sp>
+          <p:sp>
+            <p:nvSpPr>
+              <p:cNvPr id="8" name="Retângulo de cantos arredondados 7"/>
+              <p:cNvSpPr/>
+              <p:nvPr/>
+            </p:nvSpPr>
+            <p:spPr>
+              <a:xfrm>
+                <a:off x="5076056" y="1624159"/>
+                <a:ext cx="360040" cy="540193"/>
+              </a:xfrm>
+              <a:prstGeom prst="roundRect">
+                <a:avLst/>
+              </a:prstGeom>
+              <a:solidFill>
+                <a:srgbClr val="87C7D9"/>
+              </a:solidFill>
+              <a:ln>
+                <a:noFill/>
+              </a:ln>
+            </p:spPr>
+            <p:style>
+              <a:lnRef idx="2">
+                <a:schemeClr val="accent1">
+                  <a:shade val="50000"/>
+                </a:schemeClr>
+              </a:lnRef>
+              <a:fillRef idx="1">
+                <a:schemeClr val="accent1"/>
+              </a:fillRef>
+              <a:effectRef idx="0">
+                <a:schemeClr val="accent1"/>
+              </a:effectRef>
+              <a:fontRef idx="minor">
+                <a:schemeClr val="lt1"/>
+              </a:fontRef>
+            </p:style>
+            <p:txBody>
+              <a:bodyPr rtlCol="0" anchor="ctr"/>
+              <a:lstStyle/>
+              <a:p>
+                <a:pPr algn="ctr"/>
+                <a:endParaRPr lang="pt-BR"/>
+              </a:p>
+            </p:txBody>
+          </p:sp>
+          <p:sp>
+            <p:nvSpPr>
+              <p:cNvPr id="9" name="Arredondar Retângulo no Mesmo Canto Lateral 8"/>
+              <p:cNvSpPr/>
+              <p:nvPr/>
+            </p:nvSpPr>
+            <p:spPr>
+              <a:xfrm>
+                <a:off x="5009472" y="1484783"/>
+                <a:ext cx="493205" cy="288033"/>
+              </a:xfrm>
+              <a:prstGeom prst="round2SameRect">
+                <a:avLst>
+                  <a:gd name="adj1" fmla="val 26472"/>
+                  <a:gd name="adj2" fmla="val 6568"/>
+                </a:avLst>
+              </a:prstGeom>
+              <a:solidFill>
+                <a:srgbClr val="4AABC6"/>
+              </a:solidFill>
+              <a:ln>
+                <a:noFill/>
+              </a:ln>
+            </p:spPr>
+            <p:style>
+              <a:lnRef idx="2">
+                <a:schemeClr val="accent1">
+                  <a:shade val="50000"/>
+                </a:schemeClr>
+              </a:lnRef>
+              <a:fillRef idx="1">
+                <a:schemeClr val="accent1"/>
+              </a:fillRef>
+              <a:effectRef idx="0">
+                <a:schemeClr val="accent1"/>
+              </a:effectRef>
+              <a:fontRef idx="minor">
+                <a:schemeClr val="lt1"/>
+              </a:fontRef>
+            </p:style>
+            <p:txBody>
+              <a:bodyPr rtlCol="0" anchor="ctr"/>
+              <a:lstStyle/>
+              <a:p>
+                <a:pPr algn="ctr"/>
+                <a:endParaRPr lang="pt-BR"/>
+              </a:p>
+            </p:txBody>
+          </p:sp>
+        </p:grpSp>
+      </p:grpSp>
+      <p:grpSp>
+        <p:nvGrpSpPr>
+          <p:cNvPr id="18" name="Grupo 17"/>
+          <p:cNvGrpSpPr/>
+          <p:nvPr/>
+        </p:nvGrpSpPr>
+        <p:grpSpPr>
+          <a:xfrm>
+            <a:off x="2466109" y="160338"/>
+            <a:ext cx="2115750" cy="2115750"/>
+            <a:chOff x="4813176" y="404664"/>
+            <a:chExt cx="2567136" cy="2761456"/>
+          </a:xfrm>
+        </p:grpSpPr>
+        <p:sp>
+          <p:nvSpPr>
+            <p:cNvPr id="19" name="Retângulo de cantos arredondados 18"/>
+            <p:cNvSpPr/>
+            <p:nvPr/>
+          </p:nvSpPr>
+          <p:spPr>
+            <a:xfrm>
+              <a:off x="4813176" y="404664"/>
+              <a:ext cx="2567136" cy="2761456"/>
+            </a:xfrm>
+            <a:prstGeom prst="roundRect">
+              <a:avLst/>
+            </a:prstGeom>
+            <a:solidFill>
+              <a:srgbClr val="F4C92D"/>
+            </a:solidFill>
+            <a:ln>
+              <a:noFill/>
+            </a:ln>
+          </p:spPr>
+          <p:style>
+            <a:lnRef idx="2">
+              <a:schemeClr val="accent1">
+                <a:shade val="50000"/>
+              </a:schemeClr>
+            </a:lnRef>
+            <a:fillRef idx="1">
+              <a:schemeClr val="accent1"/>
+            </a:fillRef>
+            <a:effectRef idx="0">
+              <a:schemeClr val="accent1"/>
+            </a:effectRef>
+            <a:fontRef idx="minor">
+              <a:schemeClr val="lt1"/>
+            </a:fontRef>
+          </p:style>
+          <p:txBody>
+            <a:bodyPr rtlCol="0" anchor="ctr"/>
+            <a:lstStyle/>
+            <a:p>
+              <a:pPr algn="ctr"/>
+              <a:endParaRPr lang="pt-BR"/>
+            </a:p>
+          </p:txBody>
+        </p:sp>
+        <p:sp>
+          <p:nvSpPr>
+            <p:cNvPr id="20" name="Forma livre 19"/>
+            <p:cNvSpPr/>
+            <p:nvPr/>
+          </p:nvSpPr>
+          <p:spPr>
+            <a:xfrm>
+              <a:off x="5097294" y="1468877"/>
+              <a:ext cx="2283018" cy="1697240"/>
+            </a:xfrm>
+            <a:custGeom>
+              <a:avLst/>
+              <a:gdLst/>
+              <a:ahLst/>
+              <a:cxnLst/>
+              <a:rect l="l" t="t" r="r" b="b"/>
+              <a:pathLst>
+                <a:path w="2283018" h="1697240">
+                  <a:moveTo>
+                    <a:pt x="476655" y="0"/>
+                  </a:moveTo>
+                  <a:lnTo>
+                    <a:pt x="749029" y="311285"/>
+                  </a:lnTo>
+                  <a:lnTo>
+                    <a:pt x="1498059" y="340468"/>
+                  </a:lnTo>
+                  <a:lnTo>
+                    <a:pt x="1721795" y="9727"/>
+                  </a:lnTo>
+                  <a:lnTo>
+                    <a:pt x="2283018" y="357893"/>
+                  </a:lnTo>
+                  <a:lnTo>
+                    <a:pt x="2283018" y="1269375"/>
+                  </a:lnTo>
+                  <a:cubicBezTo>
+                    <a:pt x="2283018" y="1505678"/>
+                    <a:pt x="2091456" y="1697240"/>
+                    <a:pt x="1855153" y="1697240"/>
+                  </a:cubicBezTo>
+                  <a:lnTo>
+                    <a:pt x="1043675" y="1697240"/>
+                  </a:lnTo>
+                  <a:lnTo>
+                    <a:pt x="0" y="379378"/>
+                  </a:lnTo>
+                  <a:close/>
+                </a:path>
+              </a:pathLst>
+            </a:custGeom>
+            <a:solidFill>
+              <a:srgbClr val="000000">
+                <a:alpha val="10196"/>
+              </a:srgbClr>
+            </a:solidFill>
+            <a:ln>
+              <a:noFill/>
+            </a:ln>
+          </p:spPr>
+          <p:style>
+            <a:lnRef idx="2">
+              <a:schemeClr val="accent1">
+                <a:shade val="50000"/>
+              </a:schemeClr>
+            </a:lnRef>
+            <a:fillRef idx="1">
+              <a:schemeClr val="accent1"/>
+            </a:fillRef>
+            <a:effectRef idx="0">
+              <a:schemeClr val="accent1"/>
+            </a:effectRef>
+            <a:fontRef idx="minor">
+              <a:schemeClr val="lt1"/>
+            </a:fontRef>
+          </p:style>
+          <p:txBody>
+            <a:bodyPr rtlCol="0" anchor="ctr"/>
+            <a:lstStyle/>
+            <a:p>
+              <a:pPr algn="ctr"/>
+              <a:endParaRPr lang="pt-BR"/>
+            </a:p>
+          </p:txBody>
+        </p:sp>
+        <p:grpSp>
+          <p:nvGrpSpPr>
+            <p:cNvPr id="21" name="Grupo 20"/>
+            <p:cNvGrpSpPr/>
+            <p:nvPr/>
+          </p:nvGrpSpPr>
+          <p:grpSpPr>
+            <a:xfrm>
+              <a:off x="5089730" y="1461356"/>
+              <a:ext cx="2014028" cy="648072"/>
+              <a:chOff x="5294276" y="3504071"/>
+              <a:chExt cx="2014028" cy="648072"/>
+            </a:xfrm>
+          </p:grpSpPr>
+          <p:sp>
+            <p:nvSpPr>
+              <p:cNvPr id="22" name="Retângulo 21"/>
+              <p:cNvSpPr/>
+              <p:nvPr/>
+            </p:nvSpPr>
+            <p:spPr>
+              <a:xfrm>
+                <a:off x="5580112" y="3789040"/>
+                <a:ext cx="1440160" cy="78135"/>
+              </a:xfrm>
+              <a:prstGeom prst="rect">
+                <a:avLst/>
+              </a:prstGeom>
+              <a:solidFill>
+                <a:srgbClr val="4A272E"/>
+              </a:solidFill>
+              <a:ln>
+                <a:noFill/>
+              </a:ln>
+            </p:spPr>
+            <p:style>
+              <a:lnRef idx="2">
+                <a:schemeClr val="accent1">
+                  <a:shade val="50000"/>
+                </a:schemeClr>
+              </a:lnRef>
+              <a:fillRef idx="1">
+                <a:schemeClr val="accent1"/>
+              </a:fillRef>
+              <a:effectRef idx="0">
+                <a:schemeClr val="accent1"/>
+              </a:effectRef>
+              <a:fontRef idx="minor">
+                <a:schemeClr val="lt1"/>
+              </a:fontRef>
+            </p:style>
+            <p:txBody>
+              <a:bodyPr rtlCol="0" anchor="ctr"/>
+              <a:lstStyle/>
+              <a:p>
+                <a:pPr algn="ctr"/>
+                <a:endParaRPr lang="pt-BR"/>
+              </a:p>
+            </p:txBody>
+          </p:sp>
+          <p:sp>
+            <p:nvSpPr>
+              <p:cNvPr id="23" name="Retângulo 22"/>
+              <p:cNvSpPr/>
+              <p:nvPr/>
+            </p:nvSpPr>
+            <p:spPr>
+              <a:xfrm>
+                <a:off x="5580112" y="3504071"/>
+                <a:ext cx="196164" cy="648072"/>
+              </a:xfrm>
+              <a:prstGeom prst="rect">
+                <a:avLst/>
+              </a:prstGeom>
+              <a:solidFill>
+                <a:srgbClr val="4A272E"/>
+              </a:solidFill>
+              <a:ln>
+                <a:noFill/>
+              </a:ln>
+            </p:spPr>
+            <p:style>
+              <a:lnRef idx="2">
+                <a:schemeClr val="accent1">
+                  <a:shade val="50000"/>
+                </a:schemeClr>
+              </a:lnRef>
+              <a:fillRef idx="1">
+                <a:schemeClr val="accent1"/>
+              </a:fillRef>
+              <a:effectRef idx="0">
+                <a:schemeClr val="accent1"/>
+              </a:effectRef>
+              <a:fontRef idx="minor">
+                <a:schemeClr val="lt1"/>
+              </a:fontRef>
+            </p:style>
+            <p:txBody>
+              <a:bodyPr rtlCol="0" anchor="ctr"/>
+              <a:lstStyle/>
+              <a:p>
+                <a:pPr algn="ctr"/>
+                <a:endParaRPr lang="pt-BR"/>
+              </a:p>
+            </p:txBody>
+          </p:sp>
+          <p:sp>
+            <p:nvSpPr>
+              <p:cNvPr id="24" name="Retângulo 23"/>
+              <p:cNvSpPr/>
+              <p:nvPr/>
+            </p:nvSpPr>
+            <p:spPr>
+              <a:xfrm>
+                <a:off x="6816824" y="3504071"/>
+                <a:ext cx="203448" cy="648072"/>
+              </a:xfrm>
+              <a:prstGeom prst="rect">
+                <a:avLst/>
+              </a:prstGeom>
+              <a:solidFill>
+                <a:srgbClr val="4A272E"/>
+              </a:solidFill>
+              <a:ln>
+                <a:noFill/>
+              </a:ln>
+            </p:spPr>
+            <p:style>
+              <a:lnRef idx="2">
+                <a:schemeClr val="accent1">
+                  <a:shade val="50000"/>
+                </a:schemeClr>
+              </a:lnRef>
+              <a:fillRef idx="1">
+                <a:schemeClr val="accent1"/>
+              </a:fillRef>
+              <a:effectRef idx="0">
+                <a:schemeClr val="accent1"/>
+              </a:effectRef>
+              <a:fontRef idx="minor">
+                <a:schemeClr val="lt1"/>
+              </a:fontRef>
+            </p:style>
+            <p:txBody>
+              <a:bodyPr rtlCol="0" anchor="ctr"/>
+              <a:lstStyle/>
+              <a:p>
+                <a:pPr algn="ctr"/>
+                <a:endParaRPr lang="pt-BR"/>
+              </a:p>
+            </p:txBody>
+          </p:sp>
+          <p:sp>
+            <p:nvSpPr>
+              <p:cNvPr id="25" name="Retângulo 24"/>
+              <p:cNvSpPr/>
+              <p:nvPr/>
+            </p:nvSpPr>
+            <p:spPr>
+              <a:xfrm>
+                <a:off x="5436096" y="3601549"/>
+                <a:ext cx="144016" cy="453113"/>
+              </a:xfrm>
+              <a:prstGeom prst="rect">
+                <a:avLst/>
+              </a:prstGeom>
+              <a:solidFill>
+                <a:srgbClr val="733318"/>
+              </a:solidFill>
+              <a:ln>
+                <a:noFill/>
+              </a:ln>
+            </p:spPr>
+            <p:style>
+              <a:lnRef idx="2">
+                <a:schemeClr val="accent1">
+                  <a:shade val="50000"/>
+                </a:schemeClr>
+              </a:lnRef>
+              <a:fillRef idx="1">
+                <a:schemeClr val="accent1"/>
+              </a:fillRef>
+              <a:effectRef idx="0">
+                <a:schemeClr val="accent1"/>
+              </a:effectRef>
+              <a:fontRef idx="minor">
+                <a:schemeClr val="lt1"/>
+              </a:fontRef>
+            </p:style>
+            <p:txBody>
+              <a:bodyPr rtlCol="0" anchor="ctr"/>
+              <a:lstStyle/>
+              <a:p>
+                <a:pPr algn="ctr"/>
+                <a:endParaRPr lang="pt-BR"/>
+              </a:p>
+            </p:txBody>
+          </p:sp>
+          <p:sp>
+            <p:nvSpPr>
+              <p:cNvPr id="26" name="Retângulo 25"/>
+              <p:cNvSpPr/>
+              <p:nvPr/>
+            </p:nvSpPr>
+            <p:spPr>
+              <a:xfrm>
+                <a:off x="7020272" y="3601550"/>
+                <a:ext cx="144016" cy="453113"/>
+              </a:xfrm>
+              <a:prstGeom prst="rect">
+                <a:avLst/>
+              </a:prstGeom>
+              <a:solidFill>
+                <a:srgbClr val="733318"/>
+              </a:solidFill>
+              <a:ln>
+                <a:noFill/>
+              </a:ln>
+            </p:spPr>
+            <p:style>
+              <a:lnRef idx="2">
+                <a:schemeClr val="accent1">
+                  <a:shade val="50000"/>
+                </a:schemeClr>
+              </a:lnRef>
+              <a:fillRef idx="1">
+                <a:schemeClr val="accent1"/>
+              </a:fillRef>
+              <a:effectRef idx="0">
+                <a:schemeClr val="accent1"/>
+              </a:effectRef>
+              <a:fontRef idx="minor">
+                <a:schemeClr val="lt1"/>
+              </a:fontRef>
+            </p:style>
+            <p:txBody>
+              <a:bodyPr rtlCol="0" anchor="ctr"/>
+              <a:lstStyle/>
+              <a:p>
+                <a:pPr algn="ctr"/>
+                <a:endParaRPr lang="pt-BR"/>
+              </a:p>
+            </p:txBody>
+          </p:sp>
+          <p:sp>
+            <p:nvSpPr>
+              <p:cNvPr id="27" name="Retângulo 26"/>
+              <p:cNvSpPr/>
+              <p:nvPr/>
+            </p:nvSpPr>
+            <p:spPr>
+              <a:xfrm>
+                <a:off x="5294276" y="3742168"/>
+                <a:ext cx="144016" cy="171877"/>
+              </a:xfrm>
+              <a:prstGeom prst="rect">
+                <a:avLst/>
+              </a:prstGeom>
+              <a:solidFill>
+                <a:srgbClr val="4A272E"/>
+              </a:solidFill>
+              <a:ln>
+                <a:noFill/>
+              </a:ln>
+            </p:spPr>
+            <p:style>
+              <a:lnRef idx="2">
+                <a:schemeClr val="accent1">
+                  <a:shade val="50000"/>
+                </a:schemeClr>
+              </a:lnRef>
+              <a:fillRef idx="1">
+                <a:schemeClr val="accent1"/>
+              </a:fillRef>
+              <a:effectRef idx="0">
+                <a:schemeClr val="accent1"/>
+              </a:effectRef>
+              <a:fontRef idx="minor">
+                <a:schemeClr val="lt1"/>
+              </a:fontRef>
+            </p:style>
+            <p:txBody>
+              <a:bodyPr rtlCol="0" anchor="ctr"/>
+              <a:lstStyle/>
+              <a:p>
+                <a:pPr algn="ctr"/>
+                <a:endParaRPr lang="pt-BR"/>
+              </a:p>
+            </p:txBody>
+          </p:sp>
+          <p:sp>
+            <p:nvSpPr>
+              <p:cNvPr id="28" name="Retângulo 27"/>
+              <p:cNvSpPr/>
+              <p:nvPr/>
+            </p:nvSpPr>
+            <p:spPr>
+              <a:xfrm>
+                <a:off x="7164288" y="3742166"/>
+                <a:ext cx="144016" cy="171877"/>
+              </a:xfrm>
+              <a:prstGeom prst="rect">
+                <a:avLst/>
+              </a:prstGeom>
+              <a:solidFill>
+                <a:srgbClr val="4A272E"/>
+              </a:solidFill>
+              <a:ln>
+                <a:noFill/>
+              </a:ln>
+            </p:spPr>
+            <p:style>
+              <a:lnRef idx="2">
+                <a:schemeClr val="accent1">
+                  <a:shade val="50000"/>
+                </a:schemeClr>
+              </a:lnRef>
+              <a:fillRef idx="1">
+                <a:schemeClr val="accent1"/>
+              </a:fillRef>
+              <a:effectRef idx="0">
+                <a:schemeClr val="accent1"/>
+              </a:effectRef>
+              <a:fontRef idx="minor">
+                <a:schemeClr val="lt1"/>
+              </a:fontRef>
+            </p:style>
+            <p:txBody>
+              <a:bodyPr rtlCol="0" anchor="ctr"/>
+              <a:lstStyle/>
+              <a:p>
+                <a:pPr algn="ctr"/>
+                <a:endParaRPr lang="pt-BR"/>
+              </a:p>
+            </p:txBody>
+          </p:sp>
+        </p:grpSp>
+      </p:grpSp>
+      <p:grpSp>
+        <p:nvGrpSpPr>
+          <p:cNvPr id="34" name="Grupo 33"/>
+          <p:cNvGrpSpPr/>
+          <p:nvPr/>
+        </p:nvGrpSpPr>
+        <p:grpSpPr>
+          <a:xfrm>
+            <a:off x="2485916" y="2420888"/>
+            <a:ext cx="2086084" cy="2086084"/>
+            <a:chOff x="4184487" y="2306283"/>
+            <a:chExt cx="3287217" cy="3287217"/>
+          </a:xfrm>
+        </p:grpSpPr>
+        <p:sp>
+          <p:nvSpPr>
+            <p:cNvPr id="35" name="Retângulo de cantos arredondados 34"/>
+            <p:cNvSpPr/>
+            <p:nvPr/>
+          </p:nvSpPr>
+          <p:spPr>
+            <a:xfrm>
+              <a:off x="4184487" y="2306283"/>
+              <a:ext cx="3287216" cy="3287216"/>
+            </a:xfrm>
+            <a:prstGeom prst="roundRect">
+              <a:avLst/>
+            </a:prstGeom>
+            <a:solidFill>
+              <a:srgbClr val="79CD4B"/>
+            </a:solidFill>
+            <a:ln>
+              <a:noFill/>
+            </a:ln>
+          </p:spPr>
+          <p:style>
+            <a:lnRef idx="2">
+              <a:schemeClr val="accent1">
+                <a:shade val="50000"/>
+              </a:schemeClr>
+            </a:lnRef>
+            <a:fillRef idx="1">
+              <a:schemeClr val="accent1"/>
+            </a:fillRef>
+            <a:effectRef idx="0">
+              <a:schemeClr val="accent1"/>
+            </a:effectRef>
+            <a:fontRef idx="minor">
+              <a:schemeClr val="lt1"/>
+            </a:fontRef>
+          </p:style>
+          <p:txBody>
+            <a:bodyPr rtlCol="0" anchor="ctr"/>
+            <a:lstStyle/>
+            <a:p>
+              <a:pPr algn="ctr"/>
+              <a:endParaRPr lang="pt-BR"/>
+            </a:p>
+          </p:txBody>
+        </p:sp>
+        <p:sp>
+          <p:nvSpPr>
+            <p:cNvPr id="36" name="Forma livre 35"/>
+            <p:cNvSpPr/>
+            <p:nvPr/>
+          </p:nvSpPr>
+          <p:spPr>
+            <a:xfrm>
+              <a:off x="4457701" y="3787141"/>
+              <a:ext cx="3014003" cy="1806359"/>
+            </a:xfrm>
+            <a:custGeom>
+              <a:avLst/>
+              <a:gdLst/>
+              <a:ahLst/>
+              <a:cxnLst/>
+              <a:rect l="l" t="t" r="r" b="b"/>
+              <a:pathLst>
+                <a:path w="3014003" h="1806359">
+                  <a:moveTo>
+                    <a:pt x="1287780" y="0"/>
+                  </a:moveTo>
+                  <a:lnTo>
+                    <a:pt x="1485900" y="0"/>
+                  </a:lnTo>
+                  <a:lnTo>
+                    <a:pt x="1478280" y="152400"/>
+                  </a:lnTo>
+                  <a:lnTo>
+                    <a:pt x="1493520" y="152400"/>
+                  </a:lnTo>
+                  <a:lnTo>
+                    <a:pt x="2773680" y="160020"/>
+                  </a:lnTo>
+                  <a:lnTo>
+                    <a:pt x="3014003" y="463684"/>
+                  </a:lnTo>
+                  <a:lnTo>
+                    <a:pt x="3014003" y="1258479"/>
+                  </a:lnTo>
+                  <a:cubicBezTo>
+                    <a:pt x="3014003" y="1561065"/>
+                    <a:pt x="2768709" y="1806359"/>
+                    <a:pt x="2466123" y="1806359"/>
+                  </a:cubicBezTo>
+                  <a:lnTo>
+                    <a:pt x="1706571" y="1806359"/>
+                  </a:lnTo>
+                  <a:lnTo>
+                    <a:pt x="0" y="160020"/>
+                  </a:lnTo>
+                  <a:lnTo>
+                    <a:pt x="1165860" y="152400"/>
+                  </a:lnTo>
+                  <a:lnTo>
+                    <a:pt x="1272540" y="144780"/>
+                  </a:lnTo>
+                  <a:lnTo>
+                    <a:pt x="1264920" y="7620"/>
+                  </a:lnTo>
+                  <a:close/>
+                </a:path>
+              </a:pathLst>
+            </a:custGeom>
+            <a:solidFill>
+              <a:srgbClr val="000000">
+                <a:alpha val="10196"/>
+              </a:srgbClr>
+            </a:solidFill>
+            <a:ln>
+              <a:noFill/>
+            </a:ln>
+          </p:spPr>
+          <p:style>
+            <a:lnRef idx="2">
+              <a:schemeClr val="accent1">
+                <a:shade val="50000"/>
+              </a:schemeClr>
+            </a:lnRef>
+            <a:fillRef idx="1">
+              <a:schemeClr val="accent1"/>
+            </a:fillRef>
+            <a:effectRef idx="0">
+              <a:schemeClr val="accent1"/>
+            </a:effectRef>
+            <a:fontRef idx="minor">
+              <a:schemeClr val="lt1"/>
+            </a:fontRef>
+          </p:style>
+          <p:txBody>
+            <a:bodyPr rtlCol="0" anchor="ctr"/>
+            <a:lstStyle/>
+            <a:p>
+              <a:pPr algn="ctr"/>
+              <a:endParaRPr lang="pt-BR"/>
+            </a:p>
+          </p:txBody>
+        </p:sp>
+        <p:grpSp>
+          <p:nvGrpSpPr>
+            <p:cNvPr id="37" name="Grupo 36"/>
+            <p:cNvGrpSpPr/>
+            <p:nvPr/>
+          </p:nvGrpSpPr>
+          <p:grpSpPr>
+            <a:xfrm>
+              <a:off x="4449091" y="3492691"/>
+              <a:ext cx="2758008" cy="914400"/>
+              <a:chOff x="4190256" y="1412776"/>
+              <a:chExt cx="2758008" cy="914400"/>
+            </a:xfrm>
+          </p:grpSpPr>
+          <p:sp>
+            <p:nvSpPr>
+              <p:cNvPr id="38" name="Elipse 37"/>
+              <p:cNvSpPr/>
+              <p:nvPr/>
+            </p:nvSpPr>
+            <p:spPr>
+              <a:xfrm>
+                <a:off x="4427984" y="1412776"/>
+                <a:ext cx="914400" cy="914400"/>
+              </a:xfrm>
+              <a:prstGeom prst="ellipse">
+                <a:avLst/>
+              </a:prstGeom>
+              <a:solidFill>
+                <a:srgbClr val="E0E088"/>
+              </a:solidFill>
+              <a:ln w="57150">
+                <a:solidFill>
+                  <a:srgbClr val="002060"/>
+                </a:solidFill>
+              </a:ln>
+            </p:spPr>
+            <p:style>
+              <a:lnRef idx="2">
+                <a:schemeClr val="accent1">
+                  <a:shade val="50000"/>
+                </a:schemeClr>
+              </a:lnRef>
+              <a:fillRef idx="1">
+                <a:schemeClr val="accent1"/>
+              </a:fillRef>
+              <a:effectRef idx="0">
+                <a:schemeClr val="accent1"/>
+              </a:effectRef>
+              <a:fontRef idx="minor">
+                <a:schemeClr val="lt1"/>
+              </a:fontRef>
+            </p:style>
+            <p:txBody>
+              <a:bodyPr rtlCol="0" anchor="ctr"/>
+              <a:lstStyle/>
+              <a:p>
+                <a:pPr algn="ctr"/>
+                <a:endParaRPr lang="pt-BR"/>
+              </a:p>
+            </p:txBody>
+          </p:sp>
+          <p:sp>
+            <p:nvSpPr>
+              <p:cNvPr id="39" name="Elipse 38"/>
+              <p:cNvSpPr/>
+              <p:nvPr/>
+            </p:nvSpPr>
+            <p:spPr>
+              <a:xfrm>
+                <a:off x="5796136" y="1412776"/>
+                <a:ext cx="914400" cy="914400"/>
+              </a:xfrm>
+              <a:prstGeom prst="ellipse">
+                <a:avLst/>
+              </a:prstGeom>
+              <a:solidFill>
+                <a:srgbClr val="E0E088"/>
+              </a:solidFill>
+              <a:ln w="57150">
+                <a:solidFill>
+                  <a:srgbClr val="002060"/>
+                </a:solidFill>
+              </a:ln>
+            </p:spPr>
+            <p:style>
+              <a:lnRef idx="2">
+                <a:schemeClr val="accent1">
+                  <a:shade val="50000"/>
+                </a:schemeClr>
+              </a:lnRef>
+              <a:fillRef idx="1">
+                <a:schemeClr val="accent1"/>
+              </a:fillRef>
+              <a:effectRef idx="0">
+                <a:schemeClr val="accent1"/>
+              </a:effectRef>
+              <a:fontRef idx="minor">
+                <a:schemeClr val="lt1"/>
+              </a:fontRef>
+            </p:style>
+            <p:txBody>
+              <a:bodyPr rtlCol="0" anchor="ctr"/>
+              <a:lstStyle/>
+              <a:p>
+                <a:pPr algn="ctr"/>
+                <a:endParaRPr lang="pt-BR"/>
+              </a:p>
+            </p:txBody>
+          </p:sp>
+          <p:cxnSp>
+            <p:nvCxnSpPr>
+              <p:cNvPr id="40" name="Conector reto 39"/>
+              <p:cNvCxnSpPr>
+                <a:stCxn id="39" idx="6"/>
+              </p:cNvCxnSpPr>
+              <p:nvPr/>
+            </p:nvCxnSpPr>
+            <p:spPr>
+              <a:xfrm>
+                <a:off x="6710536" y="1869976"/>
+                <a:ext cx="237728" cy="0"/>
+              </a:xfrm>
+              <a:prstGeom prst="line">
+                <a:avLst/>
+              </a:prstGeom>
+              <a:ln w="38100">
+                <a:solidFill>
+                  <a:srgbClr val="002060"/>
+                </a:solidFill>
+              </a:ln>
+            </p:spPr>
+            <p:style>
+              <a:lnRef idx="1">
+                <a:schemeClr val="accent1"/>
+              </a:lnRef>
+              <a:fillRef idx="0">
+                <a:schemeClr val="accent1"/>
+              </a:fillRef>
+              <a:effectRef idx="0">
+                <a:schemeClr val="accent1"/>
+              </a:effectRef>
+              <a:fontRef idx="minor">
+                <a:schemeClr val="tx1"/>
+              </a:fontRef>
+            </p:style>
+          </p:cxnSp>
+          <p:cxnSp>
+            <p:nvCxnSpPr>
+              <p:cNvPr id="41" name="Conector reto 40"/>
+              <p:cNvCxnSpPr/>
+              <p:nvPr/>
+            </p:nvCxnSpPr>
+            <p:spPr>
+              <a:xfrm>
+                <a:off x="4190256" y="1869976"/>
+                <a:ext cx="237728" cy="0"/>
+              </a:xfrm>
+              <a:prstGeom prst="line">
+                <a:avLst/>
+              </a:prstGeom>
+              <a:ln w="38100">
+                <a:solidFill>
+                  <a:srgbClr val="002060"/>
+                </a:solidFill>
+              </a:ln>
+            </p:spPr>
+            <p:style>
+              <a:lnRef idx="1">
+                <a:schemeClr val="accent1"/>
+              </a:lnRef>
+              <a:fillRef idx="0">
+                <a:schemeClr val="accent1"/>
+              </a:fillRef>
+              <a:effectRef idx="0">
+                <a:schemeClr val="accent1"/>
+              </a:effectRef>
+              <a:fontRef idx="minor">
+                <a:schemeClr val="tx1"/>
+              </a:fontRef>
+            </p:style>
+          </p:cxnSp>
+          <p:cxnSp>
+            <p:nvCxnSpPr>
+              <p:cNvPr id="42" name="Conector reto 41"/>
+              <p:cNvCxnSpPr/>
+              <p:nvPr/>
+            </p:nvCxnSpPr>
+            <p:spPr>
+              <a:xfrm>
+                <a:off x="5342384" y="1857078"/>
+                <a:ext cx="118864" cy="0"/>
+              </a:xfrm>
+              <a:prstGeom prst="line">
+                <a:avLst/>
+              </a:prstGeom>
+              <a:ln w="38100">
+                <a:solidFill>
+                  <a:srgbClr val="002060"/>
+                </a:solidFill>
+              </a:ln>
+            </p:spPr>
+            <p:style>
+              <a:lnRef idx="1">
+                <a:schemeClr val="accent1"/>
+              </a:lnRef>
+              <a:fillRef idx="0">
+                <a:schemeClr val="accent1"/>
+              </a:fillRef>
+              <a:effectRef idx="0">
+                <a:schemeClr val="accent1"/>
+              </a:effectRef>
+              <a:fontRef idx="minor">
+                <a:schemeClr val="tx1"/>
+              </a:fontRef>
+            </p:style>
+          </p:cxnSp>
+          <p:cxnSp>
+            <p:nvCxnSpPr>
+              <p:cNvPr id="43" name="Conector reto 42"/>
+              <p:cNvCxnSpPr/>
+              <p:nvPr/>
+            </p:nvCxnSpPr>
+            <p:spPr>
+              <a:xfrm>
+                <a:off x="5677272" y="1857078"/>
+                <a:ext cx="118864" cy="0"/>
+              </a:xfrm>
+              <a:prstGeom prst="line">
+                <a:avLst/>
+              </a:prstGeom>
+              <a:ln w="38100">
+                <a:solidFill>
+                  <a:srgbClr val="002060"/>
+                </a:solidFill>
+              </a:ln>
+            </p:spPr>
+            <p:style>
+              <a:lnRef idx="1">
+                <a:schemeClr val="accent1"/>
+              </a:lnRef>
+              <a:fillRef idx="0">
+                <a:schemeClr val="accent1"/>
+              </a:fillRef>
+              <a:effectRef idx="0">
+                <a:schemeClr val="accent1"/>
+              </a:effectRef>
+              <a:fontRef idx="minor">
+                <a:schemeClr val="tx1"/>
+              </a:fontRef>
+            </p:style>
+          </p:cxnSp>
+          <p:cxnSp>
+            <p:nvCxnSpPr>
+              <p:cNvPr id="44" name="Conector reto 43"/>
+              <p:cNvCxnSpPr/>
+              <p:nvPr/>
+            </p:nvCxnSpPr>
+            <p:spPr>
+              <a:xfrm flipV="1">
+                <a:off x="5677272" y="1700808"/>
+                <a:ext cx="0" cy="156270"/>
+              </a:xfrm>
+              <a:prstGeom prst="line">
+                <a:avLst/>
+              </a:prstGeom>
+              <a:ln w="28575">
+                <a:solidFill>
+                  <a:srgbClr val="002060"/>
+                </a:solidFill>
+              </a:ln>
+            </p:spPr>
+            <p:style>
+              <a:lnRef idx="1">
+                <a:schemeClr val="accent1"/>
+              </a:lnRef>
+              <a:fillRef idx="0">
+                <a:schemeClr val="accent1"/>
+              </a:fillRef>
+              <a:effectRef idx="0">
+                <a:schemeClr val="accent1"/>
+              </a:effectRef>
+              <a:fontRef idx="minor">
+                <a:schemeClr val="tx1"/>
+              </a:fontRef>
+            </p:style>
+          </p:cxnSp>
+          <p:cxnSp>
+            <p:nvCxnSpPr>
+              <p:cNvPr id="45" name="Conector reto 44"/>
+              <p:cNvCxnSpPr/>
+              <p:nvPr/>
+            </p:nvCxnSpPr>
+            <p:spPr>
+              <a:xfrm flipV="1">
+                <a:off x="5461248" y="1708101"/>
+                <a:ext cx="0" cy="156270"/>
+              </a:xfrm>
+              <a:prstGeom prst="line">
+                <a:avLst/>
+              </a:prstGeom>
+              <a:ln w="28575">
+                <a:solidFill>
+                  <a:srgbClr val="002060"/>
+                </a:solidFill>
+              </a:ln>
+            </p:spPr>
+            <p:style>
+              <a:lnRef idx="1">
+                <a:schemeClr val="accent1"/>
+              </a:lnRef>
+              <a:fillRef idx="0">
+                <a:schemeClr val="accent1"/>
+              </a:fillRef>
+              <a:effectRef idx="0">
+                <a:schemeClr val="accent1"/>
+              </a:effectRef>
+              <a:fontRef idx="minor">
+                <a:schemeClr val="tx1"/>
+              </a:fontRef>
+            </p:style>
+          </p:cxnSp>
+          <p:cxnSp>
+            <p:nvCxnSpPr>
+              <p:cNvPr id="46" name="Conector reto 45"/>
+              <p:cNvCxnSpPr/>
+              <p:nvPr/>
+            </p:nvCxnSpPr>
+            <p:spPr>
+              <a:xfrm>
+                <a:off x="5461248" y="1708101"/>
+                <a:ext cx="216024" cy="0"/>
+              </a:xfrm>
+              <a:prstGeom prst="line">
+                <a:avLst/>
+              </a:prstGeom>
+              <a:ln w="28575">
+                <a:solidFill>
+                  <a:srgbClr val="002060"/>
+                </a:solidFill>
+              </a:ln>
+            </p:spPr>
+            <p:style>
+              <a:lnRef idx="1">
+                <a:schemeClr val="accent1"/>
+              </a:lnRef>
+              <a:fillRef idx="0">
+                <a:schemeClr val="accent1"/>
+              </a:fillRef>
+              <a:effectRef idx="0">
+                <a:schemeClr val="accent1"/>
+              </a:effectRef>
+              <a:fontRef idx="minor">
+                <a:schemeClr val="tx1"/>
+              </a:fontRef>
+            </p:style>
+          </p:cxnSp>
+        </p:grpSp>
+      </p:grpSp>
+      <p:grpSp>
+        <p:nvGrpSpPr>
+          <p:cNvPr id="47" name="Grupo 46"/>
+          <p:cNvGrpSpPr/>
+          <p:nvPr/>
+        </p:nvGrpSpPr>
+        <p:grpSpPr>
+          <a:xfrm>
+            <a:off x="2483768" y="4697626"/>
+            <a:ext cx="2115750" cy="2115750"/>
+            <a:chOff x="3779912" y="1521210"/>
+            <a:chExt cx="2115750" cy="2115750"/>
+          </a:xfrm>
+        </p:grpSpPr>
+        <p:sp>
+          <p:nvSpPr>
+            <p:cNvPr id="48" name="Retângulo de cantos arredondados 47"/>
+            <p:cNvSpPr/>
+            <p:nvPr/>
+          </p:nvSpPr>
+          <p:spPr>
+            <a:xfrm>
+              <a:off x="3779912" y="1521210"/>
+              <a:ext cx="2115750" cy="2115750"/>
+            </a:xfrm>
+            <a:prstGeom prst="roundRect">
+              <a:avLst/>
+            </a:prstGeom>
+            <a:solidFill>
+              <a:srgbClr val="E3C1D4"/>
+            </a:solidFill>
+            <a:ln>
+              <a:noFill/>
+            </a:ln>
+          </p:spPr>
+          <p:style>
+            <a:lnRef idx="2">
+              <a:schemeClr val="accent1">
+                <a:shade val="50000"/>
+              </a:schemeClr>
+            </a:lnRef>
+            <a:fillRef idx="1">
+              <a:schemeClr val="accent1"/>
+            </a:fillRef>
+            <a:effectRef idx="0">
+              <a:schemeClr val="accent1"/>
+            </a:effectRef>
+            <a:fontRef idx="minor">
+              <a:schemeClr val="lt1"/>
+            </a:fontRef>
+          </p:style>
+          <p:txBody>
+            <a:bodyPr rtlCol="0" anchor="ctr"/>
+            <a:lstStyle/>
+            <a:p>
+              <a:pPr algn="ctr"/>
+              <a:endParaRPr lang="pt-BR"/>
+            </a:p>
+          </p:txBody>
+        </p:sp>
+        <p:sp>
+          <p:nvSpPr>
+            <p:cNvPr id="49" name="Forma livre 48"/>
+            <p:cNvSpPr/>
+            <p:nvPr/>
+          </p:nvSpPr>
+          <p:spPr>
+            <a:xfrm>
+              <a:off x="4061254" y="1869989"/>
+              <a:ext cx="1834408" cy="1766971"/>
+            </a:xfrm>
+            <a:custGeom>
+              <a:avLst/>
+              <a:gdLst>
+                <a:gd name="connsiteX0" fmla="*/ 1186249 w 1834408"/>
+                <a:gd name="connsiteY0" fmla="*/ 0 h 1766971"/>
+                <a:gd name="connsiteX1" fmla="*/ 1834408 w 1834408"/>
+                <a:gd name="connsiteY1" fmla="*/ 457791 h 1766971"/>
+                <a:gd name="connsiteX2" fmla="*/ 1834408 w 1834408"/>
+                <a:gd name="connsiteY2" fmla="*/ 1414339 h 1766971"/>
+                <a:gd name="connsiteX3" fmla="*/ 1481776 w 1834408"/>
+                <a:gd name="connsiteY3" fmla="*/ 1766971 h 1766971"/>
+                <a:gd name="connsiteX4" fmla="*/ 500042 w 1834408"/>
+                <a:gd name="connsiteY4" fmla="*/ 1766971 h 1766971"/>
+                <a:gd name="connsiteX5" fmla="*/ 0 w 1834408"/>
+                <a:gd name="connsiteY5" fmla="*/ 1367481 h 1766971"/>
+              </a:gdLst>
+              <a:ahLst/>
+              <a:cxnLst>
+                <a:cxn ang="0">
+                  <a:pos x="connsiteX0" y="connsiteY0"/>
+                </a:cxn>
+                <a:cxn ang="0">
+                  <a:pos x="connsiteX1" y="connsiteY1"/>
+                </a:cxn>
+                <a:cxn ang="0">
+                  <a:pos x="connsiteX2" y="connsiteY2"/>
+                </a:cxn>
+                <a:cxn ang="0">
+                  <a:pos x="connsiteX3" y="connsiteY3"/>
+                </a:cxn>
+                <a:cxn ang="0">
+                  <a:pos x="connsiteX4" y="connsiteY4"/>
+                </a:cxn>
+                <a:cxn ang="0">
+                  <a:pos x="connsiteX5" y="connsiteY5"/>
+                </a:cxn>
+              </a:cxnLst>
+              <a:rect l="l" t="t" r="r" b="b"/>
+              <a:pathLst>
+                <a:path w="1834408" h="1766971">
+                  <a:moveTo>
+                    <a:pt x="1186249" y="0"/>
+                  </a:moveTo>
+                  <a:lnTo>
+                    <a:pt x="1834408" y="457791"/>
+                  </a:lnTo>
+                  <a:lnTo>
+                    <a:pt x="1834408" y="1414339"/>
+                  </a:lnTo>
+                  <a:cubicBezTo>
+                    <a:pt x="1834408" y="1609092"/>
+                    <a:pt x="1676529" y="1766971"/>
+                    <a:pt x="1481776" y="1766971"/>
+                  </a:cubicBezTo>
+                  <a:lnTo>
+                    <a:pt x="500042" y="1766971"/>
+                  </a:lnTo>
+                  <a:lnTo>
+                    <a:pt x="0" y="1367481"/>
+                  </a:lnTo>
+                  <a:close/>
+                </a:path>
+              </a:pathLst>
+            </a:custGeom>
+            <a:solidFill>
+              <a:srgbClr val="000000">
+                <a:alpha val="14118"/>
+              </a:srgbClr>
+            </a:solidFill>
+            <a:ln>
+              <a:noFill/>
+            </a:ln>
+          </p:spPr>
+          <p:style>
+            <a:lnRef idx="2">
+              <a:schemeClr val="accent1">
+                <a:shade val="50000"/>
+              </a:schemeClr>
+            </a:lnRef>
+            <a:fillRef idx="1">
+              <a:schemeClr val="accent1"/>
+            </a:fillRef>
+            <a:effectRef idx="0">
+              <a:schemeClr val="accent1"/>
+            </a:effectRef>
+            <a:fontRef idx="minor">
+              <a:schemeClr val="lt1"/>
+            </a:fontRef>
+          </p:style>
+          <p:txBody>
+            <a:bodyPr rtlCol="0" anchor="ctr"/>
+            <a:lstStyle/>
+            <a:p>
+              <a:pPr algn="ctr"/>
+              <a:endParaRPr lang="pt-BR"/>
+            </a:p>
+          </p:txBody>
+        </p:sp>
+        <p:sp>
+          <p:nvSpPr>
+            <p:cNvPr id="50" name="Retângulo de cantos arredondados 49"/>
+            <p:cNvSpPr/>
+            <p:nvPr/>
+          </p:nvSpPr>
+          <p:spPr>
+            <a:xfrm rot="21253335">
+              <a:off x="4007971" y="2368276"/>
+              <a:ext cx="914400" cy="914400"/>
+            </a:xfrm>
+            <a:prstGeom prst="roundRect">
+              <a:avLst/>
+            </a:prstGeom>
+            <a:solidFill>
+              <a:schemeClr val="bg1"/>
+            </a:solidFill>
+            <a:ln>
+              <a:noFill/>
+            </a:ln>
+            <a:effectLst>
+              <a:outerShdw blurRad="12700" dist="101600" dir="9840000" sx="90000" sy="90000" algn="ctr" rotWithShape="0">
+                <a:srgbClr val="000000">
+                  <a:alpha val="19000"/>
+                </a:srgbClr>
+              </a:outerShdw>
+            </a:effectLst>
+          </p:spPr>
+          <p:style>
+            <a:lnRef idx="2">
+              <a:schemeClr val="accent1">
+                <a:shade val="50000"/>
+              </a:schemeClr>
+            </a:lnRef>
+            <a:fillRef idx="1">
+              <a:schemeClr val="accent1"/>
+            </a:fillRef>
+            <a:effectRef idx="0">
+              <a:schemeClr val="accent1"/>
+            </a:effectRef>
+            <a:fontRef idx="minor">
+              <a:schemeClr val="lt1"/>
+            </a:fontRef>
+          </p:style>
+          <p:txBody>
+            <a:bodyPr rtlCol="0" anchor="ctr"/>
+            <a:lstStyle/>
+            <a:p>
+              <a:pPr algn="ctr"/>
+              <a:endParaRPr lang="pt-BR"/>
+            </a:p>
+          </p:txBody>
+        </p:sp>
+        <p:sp>
+          <p:nvSpPr>
+            <p:cNvPr id="51" name="Retângulo de cantos arredondados 50"/>
+            <p:cNvSpPr/>
+            <p:nvPr/>
+          </p:nvSpPr>
+          <p:spPr>
+            <a:xfrm rot="1446222">
+              <a:off x="4753203" y="2368276"/>
+              <a:ext cx="914400" cy="914400"/>
+            </a:xfrm>
+            <a:prstGeom prst="roundRect">
+              <a:avLst/>
+            </a:prstGeom>
+            <a:solidFill>
+              <a:schemeClr val="bg1"/>
+            </a:solidFill>
+            <a:ln>
+              <a:noFill/>
+            </a:ln>
+            <a:effectLst>
+              <a:outerShdw dist="114300" dir="1200000" sx="90000" sy="90000" algn="ctr" rotWithShape="0">
+                <a:schemeClr val="tx1">
+                  <a:lumMod val="50000"/>
+                  <a:lumOff val="50000"/>
+                  <a:alpha val="19000"/>
+                </a:schemeClr>
+              </a:outerShdw>
+            </a:effectLst>
+          </p:spPr>
+          <p:style>
+            <a:lnRef idx="2">
+              <a:schemeClr val="accent1">
+                <a:shade val="50000"/>
+              </a:schemeClr>
+            </a:lnRef>
+            <a:fillRef idx="1">
+              <a:schemeClr val="accent1"/>
+            </a:fillRef>
+            <a:effectRef idx="0">
+              <a:schemeClr val="accent1"/>
+            </a:effectRef>
+            <a:fontRef idx="minor">
+              <a:schemeClr val="lt1"/>
+            </a:fontRef>
+          </p:style>
+          <p:txBody>
+            <a:bodyPr rtlCol="0" anchor="ctr"/>
+            <a:lstStyle/>
+            <a:p>
+              <a:pPr algn="ctr"/>
+              <a:endParaRPr lang="pt-BR"/>
+            </a:p>
+          </p:txBody>
+        </p:sp>
+        <p:sp>
+          <p:nvSpPr>
+            <p:cNvPr id="52" name="Elipse 51"/>
+            <p:cNvSpPr/>
+            <p:nvPr/>
+          </p:nvSpPr>
+          <p:spPr>
+            <a:xfrm>
+              <a:off x="4064844" y="3068960"/>
+              <a:ext cx="128288" cy="128288"/>
+            </a:xfrm>
+            <a:prstGeom prst="ellipse">
+              <a:avLst/>
+            </a:prstGeom>
+            <a:solidFill>
+              <a:srgbClr val="F9F9F9"/>
+            </a:solidFill>
+            <a:ln>
+              <a:noFill/>
+            </a:ln>
+          </p:spPr>
+          <p:style>
+            <a:lnRef idx="2">
+              <a:schemeClr val="accent1">
+                <a:shade val="50000"/>
+              </a:schemeClr>
+            </a:lnRef>
+            <a:fillRef idx="1">
+              <a:schemeClr val="accent1"/>
+            </a:fillRef>
+            <a:effectRef idx="0">
+              <a:schemeClr val="accent1"/>
+            </a:effectRef>
+            <a:fontRef idx="minor">
+              <a:schemeClr val="lt1"/>
+            </a:fontRef>
+          </p:style>
+          <p:txBody>
+            <a:bodyPr rtlCol="0" anchor="ctr"/>
+            <a:lstStyle/>
+            <a:p>
+              <a:pPr algn="ctr"/>
+              <a:endParaRPr lang="pt-BR"/>
+            </a:p>
+          </p:txBody>
+        </p:sp>
+        <p:sp>
+          <p:nvSpPr>
+            <p:cNvPr id="53" name="Elipse 52"/>
+            <p:cNvSpPr/>
+            <p:nvPr/>
+          </p:nvSpPr>
+          <p:spPr>
+            <a:xfrm>
+              <a:off x="5371659" y="2917279"/>
+              <a:ext cx="128288" cy="128288"/>
+            </a:xfrm>
+            <a:prstGeom prst="ellipse">
+              <a:avLst/>
+            </a:prstGeom>
+            <a:solidFill>
+              <a:srgbClr val="F9F9F9"/>
+            </a:solidFill>
+            <a:ln>
+              <a:noFill/>
+            </a:ln>
+          </p:spPr>
+          <p:style>
+            <a:lnRef idx="2">
+              <a:schemeClr val="accent1">
+                <a:shade val="50000"/>
+              </a:schemeClr>
+            </a:lnRef>
+            <a:fillRef idx="1">
+              <a:schemeClr val="accent1"/>
+            </a:fillRef>
+            <a:effectRef idx="0">
+              <a:schemeClr val="accent1"/>
+            </a:effectRef>
+            <a:fontRef idx="minor">
+              <a:schemeClr val="lt1"/>
+            </a:fontRef>
+          </p:style>
+          <p:txBody>
+            <a:bodyPr rtlCol="0" anchor="ctr"/>
+            <a:lstStyle/>
+            <a:p>
+              <a:pPr algn="ctr"/>
+              <a:endParaRPr lang="pt-BR"/>
+            </a:p>
+          </p:txBody>
+        </p:sp>
+        <p:sp>
+          <p:nvSpPr>
+            <p:cNvPr id="54" name="Elipse 53"/>
+            <p:cNvSpPr/>
+            <p:nvPr/>
+          </p:nvSpPr>
+          <p:spPr>
+            <a:xfrm>
+              <a:off x="5146259" y="1973802"/>
+              <a:ext cx="128288" cy="128288"/>
+            </a:xfrm>
+            <a:prstGeom prst="ellipse">
+              <a:avLst/>
+            </a:prstGeom>
+            <a:solidFill>
+              <a:srgbClr val="F9F9F9"/>
+            </a:solidFill>
+            <a:ln>
+              <a:noFill/>
+            </a:ln>
+          </p:spPr>
+          <p:style>
+            <a:lnRef idx="2">
+              <a:schemeClr val="accent1">
+                <a:shade val="50000"/>
+              </a:schemeClr>
+            </a:lnRef>
+            <a:fillRef idx="1">
+              <a:schemeClr val="accent1"/>
+            </a:fillRef>
+            <a:effectRef idx="0">
+              <a:schemeClr val="accent1"/>
+            </a:effectRef>
+            <a:fontRef idx="minor">
+              <a:schemeClr val="lt1"/>
+            </a:fontRef>
+          </p:style>
+          <p:txBody>
+            <a:bodyPr rtlCol="0" anchor="ctr"/>
+            <a:lstStyle/>
+            <a:p>
+              <a:pPr algn="ctr"/>
+              <a:endParaRPr lang="pt-BR"/>
+            </a:p>
+          </p:txBody>
+        </p:sp>
+        <p:sp>
+          <p:nvSpPr>
+            <p:cNvPr id="55" name="Elipse 54"/>
+            <p:cNvSpPr/>
+            <p:nvPr/>
+          </p:nvSpPr>
+          <p:spPr>
+            <a:xfrm>
+              <a:off x="4605910" y="2579085"/>
+              <a:ext cx="128288" cy="128288"/>
+            </a:xfrm>
+            <a:prstGeom prst="ellipse">
+              <a:avLst/>
+            </a:prstGeom>
+            <a:solidFill>
+              <a:srgbClr val="F9F9F9"/>
+            </a:solidFill>
+            <a:ln>
+              <a:noFill/>
+            </a:ln>
+          </p:spPr>
+          <p:style>
+            <a:lnRef idx="2">
+              <a:schemeClr val="accent1">
+                <a:shade val="50000"/>
+              </a:schemeClr>
+            </a:lnRef>
+            <a:fillRef idx="1">
+              <a:schemeClr val="accent1"/>
+            </a:fillRef>
+            <a:effectRef idx="0">
+              <a:schemeClr val="accent1"/>
+            </a:effectRef>
+            <a:fontRef idx="minor">
+              <a:schemeClr val="lt1"/>
+            </a:fontRef>
+          </p:style>
+          <p:txBody>
+            <a:bodyPr rtlCol="0" anchor="ctr"/>
+            <a:lstStyle/>
+            <a:p>
+              <a:pPr algn="ctr"/>
+              <a:endParaRPr lang="pt-BR"/>
+            </a:p>
+          </p:txBody>
+        </p:sp>
+        <p:sp>
+          <p:nvSpPr>
+            <p:cNvPr id="56" name="Retângulo de cantos arredondados 55"/>
+            <p:cNvSpPr/>
+            <p:nvPr/>
+          </p:nvSpPr>
+          <p:spPr>
+            <a:xfrm>
+              <a:off x="4465171" y="1875494"/>
+              <a:ext cx="914400" cy="914400"/>
+            </a:xfrm>
+            <a:prstGeom prst="roundRect">
+              <a:avLst/>
+            </a:prstGeom>
+            <a:solidFill>
+              <a:schemeClr val="bg1"/>
+            </a:solidFill>
+            <a:ln>
+              <a:noFill/>
+            </a:ln>
+            <a:effectLst>
+              <a:outerShdw blurRad="12700" dist="152400" dir="5400000" sx="90000" sy="90000" algn="t" rotWithShape="0">
+                <a:prstClr val="black">
+                  <a:alpha val="19000"/>
+                </a:prstClr>
+              </a:outerShdw>
+            </a:effectLst>
+          </p:spPr>
+          <p:style>
+            <a:lnRef idx="2">
+              <a:schemeClr val="accent1">
+                <a:shade val="50000"/>
+              </a:schemeClr>
+            </a:lnRef>
+            <a:fillRef idx="1">
+              <a:schemeClr val="accent1"/>
+            </a:fillRef>
+            <a:effectRef idx="0">
+              <a:schemeClr val="accent1"/>
+            </a:effectRef>
+            <a:fontRef idx="minor">
+              <a:schemeClr val="lt1"/>
+            </a:fontRef>
+          </p:style>
+          <p:txBody>
+            <a:bodyPr rtlCol="0" anchor="ctr"/>
+            <a:lstStyle/>
+            <a:p>
+              <a:pPr algn="ctr"/>
+              <a:endParaRPr lang="pt-BR"/>
+            </a:p>
+          </p:txBody>
+        </p:sp>
+      </p:grpSp>
+      <p:sp>
+        <p:nvSpPr>
+          <p:cNvPr id="59" name="Retângulo de cantos arredondados 58"/>
+          <p:cNvSpPr/>
+          <p:nvPr/>
+        </p:nvSpPr>
+        <p:spPr>
+          <a:xfrm>
+            <a:off x="224002" y="2420888"/>
+            <a:ext cx="2115750" cy="2115750"/>
+          </a:xfrm>
+          <a:prstGeom prst="roundRect">
+            <a:avLst/>
+          </a:prstGeom>
+          <a:solidFill>
+            <a:schemeClr val="accent5">
+              <a:lumMod val="40000"/>
+              <a:lumOff val="60000"/>
+            </a:schemeClr>
+          </a:solidFill>
+          <a:ln>
+            <a:noFill/>
+          </a:ln>
+        </p:spPr>
+        <p:style>
+          <a:lnRef idx="2">
+            <a:schemeClr val="accent1">
+              <a:shade val="50000"/>
+            </a:schemeClr>
+          </a:lnRef>
+          <a:fillRef idx="1">
+            <a:schemeClr val="accent1"/>
+          </a:fillRef>
+          <a:effectRef idx="0">
+            <a:schemeClr val="accent1"/>
+          </a:effectRef>
+          <a:fontRef idx="minor">
+            <a:schemeClr val="lt1"/>
+          </a:fontRef>
+        </p:style>
+        <p:txBody>
+          <a:bodyPr rtlCol="0" anchor="ctr"/>
+          <a:lstStyle/>
+          <a:p>
+            <a:pPr algn="ctr"/>
+            <a:endParaRPr lang="pt-BR"/>
+          </a:p>
+        </p:txBody>
+      </p:sp>
+      <p:grpSp>
+        <p:nvGrpSpPr>
+          <p:cNvPr id="60" name="Grupo 59"/>
+          <p:cNvGrpSpPr/>
+          <p:nvPr/>
+        </p:nvGrpSpPr>
+        <p:grpSpPr>
+          <a:xfrm>
+            <a:off x="428878" y="2617344"/>
+            <a:ext cx="1705998" cy="1722835"/>
+            <a:chOff x="6214619" y="3329160"/>
+            <a:chExt cx="1705998" cy="1722835"/>
+          </a:xfrm>
+        </p:grpSpPr>
+        <p:sp>
+          <p:nvSpPr>
+            <p:cNvPr id="61" name="Elipse 60"/>
+            <p:cNvSpPr/>
+            <p:nvPr/>
+          </p:nvSpPr>
+          <p:spPr>
+            <a:xfrm>
+              <a:off x="6214619" y="3329160"/>
+              <a:ext cx="1705998" cy="1722835"/>
+            </a:xfrm>
+            <a:prstGeom prst="ellipse">
+              <a:avLst/>
+            </a:prstGeom>
+            <a:solidFill>
+              <a:srgbClr val="F6931E"/>
+            </a:solidFill>
+            <a:ln>
+              <a:noFill/>
+            </a:ln>
+          </p:spPr>
+          <p:style>
+            <a:lnRef idx="2">
+              <a:schemeClr val="accent1">
+                <a:shade val="50000"/>
+              </a:schemeClr>
+            </a:lnRef>
+            <a:fillRef idx="1">
+              <a:schemeClr val="accent1"/>
+            </a:fillRef>
+            <a:effectRef idx="0">
+              <a:schemeClr val="accent1"/>
+            </a:effectRef>
+            <a:fontRef idx="minor">
+              <a:schemeClr val="lt1"/>
+            </a:fontRef>
+          </p:style>
+          <p:txBody>
+            <a:bodyPr rtlCol="0" anchor="ctr"/>
+            <a:lstStyle/>
+            <a:p>
+              <a:pPr algn="ctr"/>
+              <a:endParaRPr lang="pt-BR"/>
+            </a:p>
+          </p:txBody>
+        </p:sp>
+        <p:sp>
+          <p:nvSpPr>
+            <p:cNvPr id="62" name="Elipse 61"/>
+            <p:cNvSpPr/>
+            <p:nvPr/>
+          </p:nvSpPr>
+          <p:spPr>
+            <a:xfrm>
+              <a:off x="6324415" y="3447376"/>
+              <a:ext cx="1486405" cy="1486405"/>
+            </a:xfrm>
+            <a:prstGeom prst="ellipse">
+              <a:avLst/>
+            </a:prstGeom>
+            <a:solidFill>
+              <a:srgbClr val="F6BB00"/>
+            </a:solidFill>
+            <a:ln>
+              <a:noFill/>
+            </a:ln>
+          </p:spPr>
+          <p:style>
+            <a:lnRef idx="2">
+              <a:schemeClr val="accent1">
+                <a:shade val="50000"/>
+              </a:schemeClr>
+            </a:lnRef>
+            <a:fillRef idx="1">
+              <a:schemeClr val="accent1"/>
+            </a:fillRef>
+            <a:effectRef idx="0">
+              <a:schemeClr val="accent1"/>
+            </a:effectRef>
+            <a:fontRef idx="minor">
+              <a:schemeClr val="lt1"/>
+            </a:fontRef>
+          </p:style>
+          <p:txBody>
+            <a:bodyPr rtlCol="0" anchor="ctr"/>
+            <a:lstStyle/>
+            <a:p>
+              <a:pPr algn="ctr"/>
+              <a:endParaRPr lang="pt-BR"/>
+            </a:p>
+          </p:txBody>
+        </p:sp>
+        <p:sp>
+          <p:nvSpPr>
+            <p:cNvPr id="63" name="Elipse 62"/>
+            <p:cNvSpPr/>
+            <p:nvPr/>
+          </p:nvSpPr>
+          <p:spPr>
+            <a:xfrm>
+              <a:off x="6431718" y="3554679"/>
+              <a:ext cx="1271800" cy="1271800"/>
+            </a:xfrm>
+            <a:prstGeom prst="ellipse">
+              <a:avLst/>
+            </a:prstGeom>
+            <a:solidFill>
+              <a:srgbClr val="F4EE00"/>
+            </a:solidFill>
+            <a:ln>
+              <a:noFill/>
+            </a:ln>
+          </p:spPr>
+          <p:style>
+            <a:lnRef idx="2">
+              <a:schemeClr val="accent1">
+                <a:shade val="50000"/>
+              </a:schemeClr>
+            </a:lnRef>
+            <a:fillRef idx="1">
+              <a:schemeClr val="accent1"/>
+            </a:fillRef>
+            <a:effectRef idx="0">
+              <a:schemeClr val="accent1"/>
+            </a:effectRef>
+            <a:fontRef idx="minor">
+              <a:schemeClr val="lt1"/>
+            </a:fontRef>
+          </p:style>
+          <p:txBody>
+            <a:bodyPr rtlCol="0" anchor="ctr"/>
+            <a:lstStyle/>
+            <a:p>
+              <a:pPr algn="ctr"/>
+              <a:endParaRPr lang="pt-BR"/>
+            </a:p>
+          </p:txBody>
+        </p:sp>
+        <p:sp>
+          <p:nvSpPr>
+            <p:cNvPr id="64" name="Elipse 63"/>
+            <p:cNvSpPr/>
+            <p:nvPr/>
+          </p:nvSpPr>
+          <p:spPr>
+            <a:xfrm>
+              <a:off x="6552220" y="3675181"/>
+              <a:ext cx="1030796" cy="1030796"/>
+            </a:xfrm>
+            <a:prstGeom prst="ellipse">
+              <a:avLst/>
+            </a:prstGeom>
+            <a:solidFill>
+              <a:srgbClr val="FFFF1D"/>
+            </a:solidFill>
+            <a:ln>
+              <a:noFill/>
+            </a:ln>
+          </p:spPr>
+          <p:style>
+            <a:lnRef idx="2">
+              <a:schemeClr val="accent1">
+                <a:shade val="50000"/>
+              </a:schemeClr>
+            </a:lnRef>
+            <a:fillRef idx="1">
+              <a:schemeClr val="accent1"/>
+            </a:fillRef>
+            <a:effectRef idx="0">
+              <a:schemeClr val="accent1"/>
+            </a:effectRef>
+            <a:fontRef idx="minor">
+              <a:schemeClr val="lt1"/>
+            </a:fontRef>
+          </p:style>
+          <p:txBody>
+            <a:bodyPr rtlCol="0" anchor="ctr"/>
+            <a:lstStyle/>
+            <a:p>
+              <a:pPr algn="ctr"/>
+              <a:endParaRPr lang="pt-BR"/>
+            </a:p>
+          </p:txBody>
+        </p:sp>
+      </p:grpSp>
+      <p:sp>
+        <p:nvSpPr>
+          <p:cNvPr id="65" name="Retângulo de cantos arredondados 64"/>
+          <p:cNvSpPr/>
+          <p:nvPr/>
+        </p:nvSpPr>
+        <p:spPr>
+          <a:xfrm>
+            <a:off x="210900" y="4684524"/>
+            <a:ext cx="2128852" cy="2128852"/>
+          </a:xfrm>
+          <a:prstGeom prst="roundRect">
+            <a:avLst/>
+          </a:prstGeom>
+          <a:solidFill>
+            <a:srgbClr val="79CD4B"/>
+          </a:solidFill>
+          <a:ln>
+            <a:noFill/>
+          </a:ln>
+        </p:spPr>
+        <p:style>
+          <a:lnRef idx="2">
+            <a:schemeClr val="accent1">
+              <a:shade val="50000"/>
+            </a:schemeClr>
+          </a:lnRef>
+          <a:fillRef idx="1">
+            <a:schemeClr val="accent1"/>
+          </a:fillRef>
+          <a:effectRef idx="0">
+            <a:schemeClr val="accent1"/>
+          </a:effectRef>
+          <a:fontRef idx="minor">
+            <a:schemeClr val="lt1"/>
+          </a:fontRef>
+        </p:style>
+        <p:txBody>
+          <a:bodyPr rtlCol="0" anchor="ctr"/>
+          <a:lstStyle/>
+          <a:p>
+            <a:pPr algn="ctr"/>
+            <a:endParaRPr lang="pt-BR"/>
+          </a:p>
+        </p:txBody>
+      </p:sp>
+      <p:grpSp>
+        <p:nvGrpSpPr>
+          <p:cNvPr id="66" name="Grupo 65"/>
+          <p:cNvGrpSpPr/>
+          <p:nvPr/>
+        </p:nvGrpSpPr>
+        <p:grpSpPr>
+          <a:xfrm>
+            <a:off x="777550" y="5027356"/>
+            <a:ext cx="998766" cy="1443186"/>
+            <a:chOff x="4439702" y="1124744"/>
+            <a:chExt cx="1245840" cy="1800200"/>
+          </a:xfrm>
+        </p:grpSpPr>
+        <p:grpSp>
+          <p:nvGrpSpPr>
+            <p:cNvPr id="67" name="Grupo 66"/>
+            <p:cNvGrpSpPr/>
+            <p:nvPr/>
+          </p:nvGrpSpPr>
+          <p:grpSpPr>
+            <a:xfrm>
+              <a:off x="4439702" y="1412776"/>
+              <a:ext cx="1245840" cy="1512168"/>
+              <a:chOff x="4439702" y="1412776"/>
+              <a:chExt cx="1245840" cy="1512168"/>
+            </a:xfrm>
+            <a:gradFill>
+              <a:gsLst>
+                <a:gs pos="49000">
+                  <a:srgbClr val="D6368A"/>
+                </a:gs>
+                <a:gs pos="50000">
+                  <a:srgbClr val="B92573"/>
+                </a:gs>
+              </a:gsLst>
+              <a:lin ang="10800000" scaled="0"/>
+            </a:gradFill>
+          </p:grpSpPr>
+          <p:sp>
+            <p:nvSpPr>
+              <p:cNvPr id="81" name="Retângulo 80"/>
+              <p:cNvSpPr/>
+              <p:nvPr/>
+            </p:nvSpPr>
+            <p:spPr>
+              <a:xfrm>
+                <a:off x="4439702" y="1876010"/>
+                <a:ext cx="1245840" cy="1048934"/>
+              </a:xfrm>
+              <a:prstGeom prst="rect">
+                <a:avLst/>
+              </a:prstGeom>
+              <a:grpFill/>
+              <a:ln>
+                <a:noFill/>
+              </a:ln>
+            </p:spPr>
+            <p:style>
+              <a:lnRef idx="2">
+                <a:schemeClr val="accent1">
+                  <a:shade val="50000"/>
+                </a:schemeClr>
+              </a:lnRef>
+              <a:fillRef idx="1">
+                <a:schemeClr val="accent1"/>
+              </a:fillRef>
+              <a:effectRef idx="0">
+                <a:schemeClr val="accent1"/>
+              </a:effectRef>
+              <a:fontRef idx="minor">
+                <a:schemeClr val="lt1"/>
+              </a:fontRef>
+            </p:style>
+            <p:txBody>
+              <a:bodyPr rtlCol="0" anchor="ctr"/>
+              <a:lstStyle/>
+              <a:p>
+                <a:pPr algn="ctr"/>
+                <a:endParaRPr lang="pt-BR"/>
+              </a:p>
+            </p:txBody>
+          </p:sp>
+          <p:sp>
+            <p:nvSpPr>
+              <p:cNvPr id="82" name="Trapezoide 81"/>
+              <p:cNvSpPr/>
+              <p:nvPr/>
+            </p:nvSpPr>
+            <p:spPr>
+              <a:xfrm>
+                <a:off x="4439702" y="1412776"/>
+                <a:ext cx="1245840" cy="463234"/>
+              </a:xfrm>
+              <a:prstGeom prst="trapezoid">
+                <a:avLst>
+                  <a:gd name="adj" fmla="val 52964"/>
+                </a:avLst>
+              </a:prstGeom>
+              <a:grpFill/>
+              <a:ln>
+                <a:noFill/>
+              </a:ln>
+            </p:spPr>
+            <p:style>
+              <a:lnRef idx="2">
+                <a:schemeClr val="accent1">
+                  <a:shade val="50000"/>
+                </a:schemeClr>
+              </a:lnRef>
+              <a:fillRef idx="1">
+                <a:schemeClr val="accent1"/>
+              </a:fillRef>
+              <a:effectRef idx="0">
+                <a:schemeClr val="accent1"/>
+              </a:effectRef>
+              <a:fontRef idx="minor">
+                <a:schemeClr val="lt1"/>
+              </a:fontRef>
+            </p:style>
+            <p:txBody>
+              <a:bodyPr rtlCol="0" anchor="ctr"/>
+              <a:lstStyle/>
+              <a:p>
+                <a:pPr algn="ctr"/>
+                <a:endParaRPr lang="pt-BR"/>
+              </a:p>
+            </p:txBody>
+          </p:sp>
+        </p:grpSp>
+        <p:sp>
+          <p:nvSpPr>
+            <p:cNvPr id="68" name="Retângulo de cantos arredondados 67"/>
+            <p:cNvSpPr/>
+            <p:nvPr/>
+          </p:nvSpPr>
+          <p:spPr>
+            <a:xfrm>
+              <a:off x="4545132" y="1124744"/>
+              <a:ext cx="1034980" cy="380170"/>
+            </a:xfrm>
+            <a:prstGeom prst="roundRect">
+              <a:avLst>
+                <a:gd name="adj" fmla="val 10654"/>
+              </a:avLst>
+            </a:prstGeom>
+            <a:solidFill>
+              <a:srgbClr val="D6368A"/>
+            </a:solidFill>
+            <a:ln>
+              <a:noFill/>
+            </a:ln>
+          </p:spPr>
+          <p:style>
+            <a:lnRef idx="2">
+              <a:schemeClr val="accent1">
+                <a:shade val="50000"/>
+              </a:schemeClr>
+            </a:lnRef>
+            <a:fillRef idx="1">
+              <a:schemeClr val="accent1"/>
+            </a:fillRef>
+            <a:effectRef idx="0">
+              <a:schemeClr val="accent1"/>
+            </a:effectRef>
+            <a:fontRef idx="minor">
+              <a:schemeClr val="lt1"/>
+            </a:fontRef>
+          </p:style>
+          <p:txBody>
+            <a:bodyPr rtlCol="0" anchor="ctr"/>
+            <a:lstStyle/>
+            <a:p>
+              <a:pPr algn="ctr"/>
+              <a:endParaRPr lang="pt-BR"/>
+            </a:p>
+          </p:txBody>
+        </p:sp>
+        <p:sp>
+          <p:nvSpPr>
+            <p:cNvPr id="69" name="Retângulo de cantos arredondados 68"/>
+            <p:cNvSpPr/>
+            <p:nvPr/>
+          </p:nvSpPr>
+          <p:spPr>
+            <a:xfrm>
+              <a:off x="4644234" y="1160480"/>
+              <a:ext cx="45719" cy="292267"/>
+            </a:xfrm>
+            <a:prstGeom prst="roundRect">
+              <a:avLst/>
+            </a:prstGeom>
+            <a:solidFill>
+              <a:srgbClr val="B92573"/>
+            </a:solidFill>
+            <a:ln>
+              <a:noFill/>
+            </a:ln>
+          </p:spPr>
+          <p:style>
+            <a:lnRef idx="2">
+              <a:schemeClr val="accent1">
+                <a:shade val="50000"/>
+              </a:schemeClr>
+            </a:lnRef>
+            <a:fillRef idx="1">
+              <a:schemeClr val="accent1"/>
+            </a:fillRef>
+            <a:effectRef idx="0">
+              <a:schemeClr val="accent1"/>
+            </a:effectRef>
+            <a:fontRef idx="minor">
+              <a:schemeClr val="lt1"/>
+            </a:fontRef>
+          </p:style>
+          <p:txBody>
+            <a:bodyPr rtlCol="0" anchor="ctr"/>
+            <a:lstStyle/>
+            <a:p>
+              <a:pPr algn="ctr"/>
+              <a:endParaRPr lang="pt-BR"/>
+            </a:p>
+          </p:txBody>
+        </p:sp>
+        <p:sp>
+          <p:nvSpPr>
+            <p:cNvPr id="70" name="Retângulo de cantos arredondados 69"/>
+            <p:cNvSpPr/>
+            <p:nvPr/>
+          </p:nvSpPr>
+          <p:spPr>
+            <a:xfrm>
+              <a:off x="4735140" y="1160476"/>
+              <a:ext cx="45719" cy="292267"/>
+            </a:xfrm>
+            <a:prstGeom prst="roundRect">
+              <a:avLst/>
+            </a:prstGeom>
+            <a:solidFill>
+              <a:srgbClr val="B92573"/>
+            </a:solidFill>
+            <a:ln>
+              <a:noFill/>
+            </a:ln>
+          </p:spPr>
+          <p:style>
+            <a:lnRef idx="2">
+              <a:schemeClr val="accent1">
+                <a:shade val="50000"/>
+              </a:schemeClr>
+            </a:lnRef>
+            <a:fillRef idx="1">
+              <a:schemeClr val="accent1"/>
+            </a:fillRef>
+            <a:effectRef idx="0">
+              <a:schemeClr val="accent1"/>
+            </a:effectRef>
+            <a:fontRef idx="minor">
+              <a:schemeClr val="lt1"/>
+            </a:fontRef>
+          </p:style>
+          <p:txBody>
+            <a:bodyPr rtlCol="0" anchor="ctr"/>
+            <a:lstStyle/>
+            <a:p>
+              <a:pPr algn="ctr"/>
+              <a:endParaRPr lang="pt-BR"/>
+            </a:p>
+          </p:txBody>
+        </p:sp>
+        <p:sp>
+          <p:nvSpPr>
+            <p:cNvPr id="71" name="Retângulo de cantos arredondados 70"/>
+            <p:cNvSpPr/>
+            <p:nvPr/>
+          </p:nvSpPr>
+          <p:spPr>
+            <a:xfrm>
+              <a:off x="4826046" y="1160480"/>
+              <a:ext cx="45719" cy="292267"/>
+            </a:xfrm>
+            <a:prstGeom prst="roundRect">
+              <a:avLst/>
+            </a:prstGeom>
+            <a:solidFill>
+              <a:srgbClr val="B92573"/>
+            </a:solidFill>
+            <a:ln>
+              <a:noFill/>
+            </a:ln>
+          </p:spPr>
+          <p:style>
+            <a:lnRef idx="2">
+              <a:schemeClr val="accent1">
+                <a:shade val="50000"/>
+              </a:schemeClr>
+            </a:lnRef>
+            <a:fillRef idx="1">
+              <a:schemeClr val="accent1"/>
+            </a:fillRef>
+            <a:effectRef idx="0">
+              <a:schemeClr val="accent1"/>
+            </a:effectRef>
+            <a:fontRef idx="minor">
+              <a:schemeClr val="lt1"/>
+            </a:fontRef>
+          </p:style>
+          <p:txBody>
+            <a:bodyPr rtlCol="0" anchor="ctr"/>
+            <a:lstStyle/>
+            <a:p>
+              <a:pPr algn="ctr"/>
+              <a:endParaRPr lang="pt-BR"/>
+            </a:p>
+          </p:txBody>
+        </p:sp>
+        <p:sp>
+          <p:nvSpPr>
+            <p:cNvPr id="72" name="Retângulo de cantos arredondados 71"/>
+            <p:cNvSpPr/>
+            <p:nvPr/>
+          </p:nvSpPr>
+          <p:spPr>
+            <a:xfrm>
+              <a:off x="4916952" y="1160477"/>
+              <a:ext cx="45719" cy="292267"/>
+            </a:xfrm>
+            <a:prstGeom prst="roundRect">
+              <a:avLst/>
+            </a:prstGeom>
+            <a:solidFill>
+              <a:srgbClr val="B92573"/>
+            </a:solidFill>
+            <a:ln>
+              <a:noFill/>
+            </a:ln>
+          </p:spPr>
+          <p:style>
+            <a:lnRef idx="2">
+              <a:schemeClr val="accent1">
+                <a:shade val="50000"/>
+              </a:schemeClr>
+            </a:lnRef>
+            <a:fillRef idx="1">
+              <a:schemeClr val="accent1"/>
+            </a:fillRef>
+            <a:effectRef idx="0">
+              <a:schemeClr val="accent1"/>
+            </a:effectRef>
+            <a:fontRef idx="minor">
+              <a:schemeClr val="lt1"/>
+            </a:fontRef>
+          </p:style>
+          <p:txBody>
+            <a:bodyPr rtlCol="0" anchor="ctr"/>
+            <a:lstStyle/>
+            <a:p>
+              <a:pPr algn="ctr"/>
+              <a:endParaRPr lang="pt-BR"/>
+            </a:p>
+          </p:txBody>
+        </p:sp>
+        <p:sp>
+          <p:nvSpPr>
+            <p:cNvPr id="73" name="Retângulo de cantos arredondados 72"/>
+            <p:cNvSpPr/>
+            <p:nvPr/>
+          </p:nvSpPr>
+          <p:spPr>
+            <a:xfrm>
+              <a:off x="5007858" y="1160475"/>
+              <a:ext cx="45719" cy="292267"/>
+            </a:xfrm>
+            <a:prstGeom prst="roundRect">
+              <a:avLst/>
+            </a:prstGeom>
+            <a:solidFill>
+              <a:srgbClr val="B92573"/>
+            </a:solidFill>
+            <a:ln>
+              <a:noFill/>
+            </a:ln>
+          </p:spPr>
+          <p:style>
+            <a:lnRef idx="2">
+              <a:schemeClr val="accent1">
+                <a:shade val="50000"/>
+              </a:schemeClr>
+            </a:lnRef>
+            <a:fillRef idx="1">
+              <a:schemeClr val="accent1"/>
+            </a:fillRef>
+            <a:effectRef idx="0">
+              <a:schemeClr val="accent1"/>
+            </a:effectRef>
+            <a:fontRef idx="minor">
+              <a:schemeClr val="lt1"/>
+            </a:fontRef>
+          </p:style>
+          <p:txBody>
+            <a:bodyPr rtlCol="0" anchor="ctr"/>
+            <a:lstStyle/>
+            <a:p>
+              <a:pPr algn="ctr"/>
+              <a:endParaRPr lang="pt-BR"/>
+            </a:p>
+          </p:txBody>
+        </p:sp>
+        <p:sp>
+          <p:nvSpPr>
+            <p:cNvPr id="74" name="Retângulo de cantos arredondados 73"/>
+            <p:cNvSpPr/>
+            <p:nvPr/>
+          </p:nvSpPr>
+          <p:spPr>
+            <a:xfrm>
+              <a:off x="5098764" y="1160474"/>
+              <a:ext cx="45719" cy="292267"/>
+            </a:xfrm>
+            <a:prstGeom prst="roundRect">
+              <a:avLst/>
+            </a:prstGeom>
+            <a:solidFill>
+              <a:srgbClr val="B92573"/>
+            </a:solidFill>
+            <a:ln>
+              <a:noFill/>
+            </a:ln>
+          </p:spPr>
+          <p:style>
+            <a:lnRef idx="2">
+              <a:schemeClr val="accent1">
+                <a:shade val="50000"/>
+              </a:schemeClr>
+            </a:lnRef>
+            <a:fillRef idx="1">
+              <a:schemeClr val="accent1"/>
+            </a:fillRef>
+            <a:effectRef idx="0">
+              <a:schemeClr val="accent1"/>
+            </a:effectRef>
+            <a:fontRef idx="minor">
+              <a:schemeClr val="lt1"/>
+            </a:fontRef>
+          </p:style>
+          <p:txBody>
+            <a:bodyPr rtlCol="0" anchor="ctr"/>
+            <a:lstStyle/>
+            <a:p>
+              <a:pPr algn="ctr"/>
+              <a:endParaRPr lang="pt-BR"/>
+            </a:p>
+          </p:txBody>
+        </p:sp>
+        <p:sp>
+          <p:nvSpPr>
+            <p:cNvPr id="75" name="Retângulo de cantos arredondados 74"/>
+            <p:cNvSpPr/>
+            <p:nvPr/>
+          </p:nvSpPr>
+          <p:spPr>
+            <a:xfrm>
+              <a:off x="5189670" y="1160473"/>
+              <a:ext cx="45719" cy="292267"/>
+            </a:xfrm>
+            <a:prstGeom prst="roundRect">
+              <a:avLst/>
+            </a:prstGeom>
+            <a:solidFill>
+              <a:srgbClr val="B92573"/>
+            </a:solidFill>
+            <a:ln>
+              <a:noFill/>
+            </a:ln>
+          </p:spPr>
+          <p:style>
+            <a:lnRef idx="2">
+              <a:schemeClr val="accent1">
+                <a:shade val="50000"/>
+              </a:schemeClr>
+            </a:lnRef>
+            <a:fillRef idx="1">
+              <a:schemeClr val="accent1"/>
+            </a:fillRef>
+            <a:effectRef idx="0">
+              <a:schemeClr val="accent1"/>
+            </a:effectRef>
+            <a:fontRef idx="minor">
+              <a:schemeClr val="lt1"/>
+            </a:fontRef>
+          </p:style>
+          <p:txBody>
+            <a:bodyPr rtlCol="0" anchor="ctr"/>
+            <a:lstStyle/>
+            <a:p>
+              <a:pPr algn="ctr"/>
+              <a:endParaRPr lang="pt-BR"/>
+            </a:p>
+          </p:txBody>
+        </p:sp>
+        <p:sp>
+          <p:nvSpPr>
+            <p:cNvPr id="76" name="Retângulo de cantos arredondados 75"/>
+            <p:cNvSpPr/>
+            <p:nvPr/>
+          </p:nvSpPr>
+          <p:spPr>
+            <a:xfrm>
+              <a:off x="5280576" y="1160472"/>
+              <a:ext cx="45719" cy="292267"/>
+            </a:xfrm>
+            <a:prstGeom prst="roundRect">
+              <a:avLst/>
+            </a:prstGeom>
+            <a:solidFill>
+              <a:srgbClr val="B92573"/>
+            </a:solidFill>
+            <a:ln>
+              <a:noFill/>
+            </a:ln>
+          </p:spPr>
+          <p:style>
+            <a:lnRef idx="2">
+              <a:schemeClr val="accent1">
+                <a:shade val="50000"/>
+              </a:schemeClr>
+            </a:lnRef>
+            <a:fillRef idx="1">
+              <a:schemeClr val="accent1"/>
+            </a:fillRef>
+            <a:effectRef idx="0">
+              <a:schemeClr val="accent1"/>
+            </a:effectRef>
+            <a:fontRef idx="minor">
+              <a:schemeClr val="lt1"/>
+            </a:fontRef>
+          </p:style>
+          <p:txBody>
+            <a:bodyPr rtlCol="0" anchor="ctr"/>
+            <a:lstStyle/>
+            <a:p>
+              <a:pPr algn="ctr"/>
+              <a:endParaRPr lang="pt-BR"/>
+            </a:p>
+          </p:txBody>
+        </p:sp>
+        <p:sp>
+          <p:nvSpPr>
+            <p:cNvPr id="77" name="Retângulo de cantos arredondados 76"/>
+            <p:cNvSpPr/>
+            <p:nvPr/>
+          </p:nvSpPr>
+          <p:spPr>
+            <a:xfrm>
+              <a:off x="5371482" y="1160480"/>
+              <a:ext cx="45719" cy="292267"/>
+            </a:xfrm>
+            <a:prstGeom prst="roundRect">
+              <a:avLst/>
+            </a:prstGeom>
+            <a:solidFill>
+              <a:srgbClr val="B92573"/>
+            </a:solidFill>
+            <a:ln>
+              <a:noFill/>
+            </a:ln>
+          </p:spPr>
+          <p:style>
+            <a:lnRef idx="2">
+              <a:schemeClr val="accent1">
+                <a:shade val="50000"/>
+              </a:schemeClr>
+            </a:lnRef>
+            <a:fillRef idx="1">
+              <a:schemeClr val="accent1"/>
+            </a:fillRef>
+            <a:effectRef idx="0">
+              <a:schemeClr val="accent1"/>
+            </a:effectRef>
+            <a:fontRef idx="minor">
+              <a:schemeClr val="lt1"/>
+            </a:fontRef>
+          </p:style>
+          <p:txBody>
+            <a:bodyPr rtlCol="0" anchor="ctr"/>
+            <a:lstStyle/>
+            <a:p>
+              <a:pPr algn="ctr"/>
+              <a:endParaRPr lang="pt-BR"/>
+            </a:p>
+          </p:txBody>
+        </p:sp>
+        <p:sp>
+          <p:nvSpPr>
+            <p:cNvPr id="78" name="Retângulo de cantos arredondados 77"/>
+            <p:cNvSpPr/>
+            <p:nvPr/>
+          </p:nvSpPr>
+          <p:spPr>
+            <a:xfrm>
+              <a:off x="5462385" y="1160480"/>
+              <a:ext cx="45719" cy="292267"/>
+            </a:xfrm>
+            <a:prstGeom prst="roundRect">
+              <a:avLst/>
+            </a:prstGeom>
+            <a:solidFill>
+              <a:srgbClr val="B92573"/>
+            </a:solidFill>
+            <a:ln>
+              <a:noFill/>
+            </a:ln>
+          </p:spPr>
+          <p:style>
+            <a:lnRef idx="2">
+              <a:schemeClr val="accent1">
+                <a:shade val="50000"/>
+              </a:schemeClr>
+            </a:lnRef>
+            <a:fillRef idx="1">
+              <a:schemeClr val="accent1"/>
+            </a:fillRef>
+            <a:effectRef idx="0">
+              <a:schemeClr val="accent1"/>
+            </a:effectRef>
+            <a:fontRef idx="minor">
+              <a:schemeClr val="lt1"/>
+            </a:fontRef>
+          </p:style>
+          <p:txBody>
+            <a:bodyPr rtlCol="0" anchor="ctr"/>
+            <a:lstStyle/>
+            <a:p>
+              <a:pPr algn="ctr"/>
+              <a:endParaRPr lang="pt-BR"/>
+            </a:p>
+          </p:txBody>
+        </p:sp>
+        <p:sp>
+          <p:nvSpPr>
+            <p:cNvPr id="79" name="Elipse 78"/>
+            <p:cNvSpPr/>
+            <p:nvPr/>
+          </p:nvSpPr>
+          <p:spPr>
+            <a:xfrm>
+              <a:off x="4679592" y="2017447"/>
+              <a:ext cx="766060" cy="766060"/>
+            </a:xfrm>
+            <a:prstGeom prst="ellipse">
+              <a:avLst/>
+            </a:prstGeom>
+            <a:gradFill>
+              <a:gsLst>
+                <a:gs pos="49000">
+                  <a:schemeClr val="bg1"/>
+                </a:gs>
+                <a:gs pos="50000">
+                  <a:schemeClr val="bg1">
+                    <a:lumMod val="86000"/>
+                  </a:schemeClr>
+                </a:gs>
+              </a:gsLst>
+              <a:lin ang="10800000" scaled="0"/>
+            </a:gradFill>
+            <a:ln>
+              <a:noFill/>
+            </a:ln>
+          </p:spPr>
+          <p:style>
+            <a:lnRef idx="2">
+              <a:schemeClr val="accent1">
+                <a:shade val="50000"/>
+              </a:schemeClr>
+            </a:lnRef>
+            <a:fillRef idx="1">
+              <a:schemeClr val="accent1"/>
+            </a:fillRef>
+            <a:effectRef idx="0">
+              <a:schemeClr val="accent1"/>
+            </a:effectRef>
+            <a:fontRef idx="minor">
+              <a:schemeClr val="lt1"/>
+            </a:fontRef>
+          </p:style>
+          <p:txBody>
+            <a:bodyPr rtlCol="0" anchor="ctr"/>
+            <a:lstStyle/>
+            <a:p>
+              <a:pPr algn="ctr"/>
+              <a:endParaRPr lang="pt-BR"/>
+            </a:p>
+          </p:txBody>
+        </p:sp>
+        <p:sp>
+          <p:nvSpPr>
+            <p:cNvPr id="80" name="Raio 79"/>
+            <p:cNvSpPr/>
+            <p:nvPr/>
+          </p:nvSpPr>
+          <p:spPr>
+            <a:xfrm>
+              <a:off x="4819937" y="2157792"/>
+              <a:ext cx="485370" cy="485370"/>
+            </a:xfrm>
+            <a:prstGeom prst="lightningBolt">
+              <a:avLst/>
+            </a:prstGeom>
+            <a:gradFill>
+              <a:gsLst>
+                <a:gs pos="49000">
+                  <a:srgbClr val="92D050"/>
+                </a:gs>
+                <a:gs pos="50000">
+                  <a:srgbClr val="92D050">
+                    <a:lumMod val="84000"/>
+                  </a:srgbClr>
+                </a:gs>
+              </a:gsLst>
+              <a:lin ang="10800000" scaled="0"/>
+            </a:gradFill>
+            <a:ln>
+              <a:noFill/>
+            </a:ln>
+          </p:spPr>
+          <p:style>
+            <a:lnRef idx="2">
+              <a:schemeClr val="accent1">
+                <a:shade val="50000"/>
+              </a:schemeClr>
+            </a:lnRef>
+            <a:fillRef idx="1">
+              <a:schemeClr val="accent1"/>
+            </a:fillRef>
+            <a:effectRef idx="0">
+              <a:schemeClr val="accent1"/>
+            </a:effectRef>
+            <a:fontRef idx="minor">
+              <a:schemeClr val="lt1"/>
+            </a:fontRef>
+          </p:style>
+          <p:txBody>
+            <a:bodyPr rtlCol="0" anchor="ctr"/>
+            <a:lstStyle/>
+            <a:p>
+              <a:pPr algn="ctr"/>
+              <a:endParaRPr lang="pt-BR"/>
+            </a:p>
+          </p:txBody>
+        </p:sp>
+      </p:grpSp>
+    </p:spTree>
+    <p:extLst>
+      <p:ext uri="{BB962C8B-B14F-4D97-AF65-F5344CB8AC3E}">
+        <p14:creationId xmlns:p14="http://schemas.microsoft.com/office/powerpoint/2010/main" val="3210761532"/>
+      </p:ext>
+    </p:extLst>
+  </p:cSld>
+  <p:clrMapOvr>
+    <a:masterClrMapping/>
+  </p:clrMapOvr>
+</p:sld>
+</file>
+
 <file path=ppt/slides/slide2.xml><?xml version="1.0" encoding="utf-8"?>
 <p:sld xmlns:a="http://schemas.openxmlformats.org/drawingml/2006/main" xmlns:r="http://schemas.openxmlformats.org/officeDocument/2006/relationships" xmlns:p="http://schemas.openxmlformats.org/presentationml/2006/main">
   <p:cSld>

--- a/design.pptx
+++ b/design.pptx
@@ -120,7 +120,7 @@
   </p:defaultTextStyle>
   <p:extLst>
     <p:ext uri="{EFAFB233-063F-42B5-8137-9DF3F51BA10A}">
-      <p15:sldGuideLst xmlns:p15="http://schemas.microsoft.com/office/powerpoint/2012/main" xmlns="">
+      <p15:sldGuideLst xmlns="" xmlns:p15="http://schemas.microsoft.com/office/powerpoint/2012/main">
         <p15:guide id="1" orient="horz" pos="2160">
           <p15:clr>
             <a:srgbClr val="A4A3A4"/>
@@ -17144,7 +17144,7 @@
         </p:nvSpPr>
         <p:spPr>
           <a:xfrm>
-            <a:off x="3275856" y="1556792"/>
+            <a:off x="430384" y="2852936"/>
             <a:ext cx="2880000" cy="2880000"/>
           </a:xfrm>
           <a:prstGeom prst="ellipse">
@@ -17185,195 +17185,907 @@
           </a:p>
         </p:txBody>
       </p:sp>
+      <p:grpSp>
+        <p:nvGrpSpPr>
+          <p:cNvPr id="4" name="Grupo 3"/>
+          <p:cNvGrpSpPr/>
+          <p:nvPr/>
+        </p:nvGrpSpPr>
+        <p:grpSpPr>
+          <a:xfrm>
+            <a:off x="3923928" y="2276872"/>
+            <a:ext cx="3672408" cy="3672408"/>
+            <a:chOff x="3923928" y="2276872"/>
+            <a:chExt cx="3672408" cy="3672408"/>
+          </a:xfrm>
+        </p:grpSpPr>
+        <p:sp>
+          <p:nvSpPr>
+            <p:cNvPr id="17" name="Retângulo de cantos arredondados 16"/>
+            <p:cNvSpPr/>
+            <p:nvPr/>
+          </p:nvSpPr>
+          <p:spPr>
+            <a:xfrm>
+              <a:off x="3923928" y="2276872"/>
+              <a:ext cx="3672408" cy="3672408"/>
+            </a:xfrm>
+            <a:prstGeom prst="roundRect">
+              <a:avLst/>
+            </a:prstGeom>
+            <a:solidFill>
+              <a:srgbClr val="79CD4B"/>
+            </a:solidFill>
+            <a:ln>
+              <a:noFill/>
+            </a:ln>
+          </p:spPr>
+          <p:style>
+            <a:lnRef idx="2">
+              <a:schemeClr val="accent1">
+                <a:shade val="50000"/>
+              </a:schemeClr>
+            </a:lnRef>
+            <a:fillRef idx="1">
+              <a:schemeClr val="accent1"/>
+            </a:fillRef>
+            <a:effectRef idx="0">
+              <a:schemeClr val="accent1"/>
+            </a:effectRef>
+            <a:fontRef idx="minor">
+              <a:schemeClr val="lt1"/>
+            </a:fontRef>
+          </p:style>
+          <p:txBody>
+            <a:bodyPr rtlCol="0" anchor="ctr"/>
+            <a:lstStyle/>
+            <a:p>
+              <a:pPr algn="ctr"/>
+              <a:endParaRPr lang="pt-BR"/>
+            </a:p>
+          </p:txBody>
+        </p:sp>
+        <p:sp>
+          <p:nvSpPr>
+            <p:cNvPr id="60" name="Retângulo de cantos arredondados 2"/>
+            <p:cNvSpPr/>
+            <p:nvPr/>
+          </p:nvSpPr>
+          <p:spPr>
+            <a:xfrm>
+              <a:off x="5184068" y="3682964"/>
+              <a:ext cx="1152128" cy="1329482"/>
+            </a:xfrm>
+            <a:custGeom>
+              <a:avLst/>
+              <a:gdLst>
+                <a:gd name="connsiteX0" fmla="*/ 0 w 1152128"/>
+                <a:gd name="connsiteY0" fmla="*/ 180020 h 1368152"/>
+                <a:gd name="connsiteX1" fmla="*/ 180020 w 1152128"/>
+                <a:gd name="connsiteY1" fmla="*/ 0 h 1368152"/>
+                <a:gd name="connsiteX2" fmla="*/ 972108 w 1152128"/>
+                <a:gd name="connsiteY2" fmla="*/ 0 h 1368152"/>
+                <a:gd name="connsiteX3" fmla="*/ 1152128 w 1152128"/>
+                <a:gd name="connsiteY3" fmla="*/ 180020 h 1368152"/>
+                <a:gd name="connsiteX4" fmla="*/ 1152128 w 1152128"/>
+                <a:gd name="connsiteY4" fmla="*/ 1188132 h 1368152"/>
+                <a:gd name="connsiteX5" fmla="*/ 972108 w 1152128"/>
+                <a:gd name="connsiteY5" fmla="*/ 1368152 h 1368152"/>
+                <a:gd name="connsiteX6" fmla="*/ 180020 w 1152128"/>
+                <a:gd name="connsiteY6" fmla="*/ 1368152 h 1368152"/>
+                <a:gd name="connsiteX7" fmla="*/ 0 w 1152128"/>
+                <a:gd name="connsiteY7" fmla="*/ 1188132 h 1368152"/>
+                <a:gd name="connsiteX8" fmla="*/ 0 w 1152128"/>
+                <a:gd name="connsiteY8" fmla="*/ 180020 h 1368152"/>
+                <a:gd name="connsiteX0" fmla="*/ 57150 w 1152128"/>
+                <a:gd name="connsiteY0" fmla="*/ 184782 h 1368152"/>
+                <a:gd name="connsiteX1" fmla="*/ 180020 w 1152128"/>
+                <a:gd name="connsiteY1" fmla="*/ 0 h 1368152"/>
+                <a:gd name="connsiteX2" fmla="*/ 972108 w 1152128"/>
+                <a:gd name="connsiteY2" fmla="*/ 0 h 1368152"/>
+                <a:gd name="connsiteX3" fmla="*/ 1152128 w 1152128"/>
+                <a:gd name="connsiteY3" fmla="*/ 180020 h 1368152"/>
+                <a:gd name="connsiteX4" fmla="*/ 1152128 w 1152128"/>
+                <a:gd name="connsiteY4" fmla="*/ 1188132 h 1368152"/>
+                <a:gd name="connsiteX5" fmla="*/ 972108 w 1152128"/>
+                <a:gd name="connsiteY5" fmla="*/ 1368152 h 1368152"/>
+                <a:gd name="connsiteX6" fmla="*/ 180020 w 1152128"/>
+                <a:gd name="connsiteY6" fmla="*/ 1368152 h 1368152"/>
+                <a:gd name="connsiteX7" fmla="*/ 0 w 1152128"/>
+                <a:gd name="connsiteY7" fmla="*/ 1188132 h 1368152"/>
+                <a:gd name="connsiteX8" fmla="*/ 57150 w 1152128"/>
+                <a:gd name="connsiteY8" fmla="*/ 184782 h 1368152"/>
+                <a:gd name="connsiteX0" fmla="*/ 57150 w 1152128"/>
+                <a:gd name="connsiteY0" fmla="*/ 184782 h 1368152"/>
+                <a:gd name="connsiteX1" fmla="*/ 180020 w 1152128"/>
+                <a:gd name="connsiteY1" fmla="*/ 0 h 1368152"/>
+                <a:gd name="connsiteX2" fmla="*/ 972108 w 1152128"/>
+                <a:gd name="connsiteY2" fmla="*/ 0 h 1368152"/>
+                <a:gd name="connsiteX3" fmla="*/ 1085453 w 1152128"/>
+                <a:gd name="connsiteY3" fmla="*/ 175257 h 1368152"/>
+                <a:gd name="connsiteX4" fmla="*/ 1152128 w 1152128"/>
+                <a:gd name="connsiteY4" fmla="*/ 1188132 h 1368152"/>
+                <a:gd name="connsiteX5" fmla="*/ 972108 w 1152128"/>
+                <a:gd name="connsiteY5" fmla="*/ 1368152 h 1368152"/>
+                <a:gd name="connsiteX6" fmla="*/ 180020 w 1152128"/>
+                <a:gd name="connsiteY6" fmla="*/ 1368152 h 1368152"/>
+                <a:gd name="connsiteX7" fmla="*/ 0 w 1152128"/>
+                <a:gd name="connsiteY7" fmla="*/ 1188132 h 1368152"/>
+                <a:gd name="connsiteX8" fmla="*/ 57150 w 1152128"/>
+                <a:gd name="connsiteY8" fmla="*/ 184782 h 1368152"/>
+                <a:gd name="connsiteX0" fmla="*/ 0 w 1152128"/>
+                <a:gd name="connsiteY0" fmla="*/ 1188132 h 1368152"/>
+                <a:gd name="connsiteX1" fmla="*/ 180020 w 1152128"/>
+                <a:gd name="connsiteY1" fmla="*/ 0 h 1368152"/>
+                <a:gd name="connsiteX2" fmla="*/ 972108 w 1152128"/>
+                <a:gd name="connsiteY2" fmla="*/ 0 h 1368152"/>
+                <a:gd name="connsiteX3" fmla="*/ 1085453 w 1152128"/>
+                <a:gd name="connsiteY3" fmla="*/ 175257 h 1368152"/>
+                <a:gd name="connsiteX4" fmla="*/ 1152128 w 1152128"/>
+                <a:gd name="connsiteY4" fmla="*/ 1188132 h 1368152"/>
+                <a:gd name="connsiteX5" fmla="*/ 972108 w 1152128"/>
+                <a:gd name="connsiteY5" fmla="*/ 1368152 h 1368152"/>
+                <a:gd name="connsiteX6" fmla="*/ 180020 w 1152128"/>
+                <a:gd name="connsiteY6" fmla="*/ 1368152 h 1368152"/>
+                <a:gd name="connsiteX7" fmla="*/ 0 w 1152128"/>
+                <a:gd name="connsiteY7" fmla="*/ 1188132 h 1368152"/>
+                <a:gd name="connsiteX0" fmla="*/ 0 w 1152128"/>
+                <a:gd name="connsiteY0" fmla="*/ 1188132 h 1368152"/>
+                <a:gd name="connsiteX1" fmla="*/ 180020 w 1152128"/>
+                <a:gd name="connsiteY1" fmla="*/ 0 h 1368152"/>
+                <a:gd name="connsiteX2" fmla="*/ 972108 w 1152128"/>
+                <a:gd name="connsiteY2" fmla="*/ 0 h 1368152"/>
+                <a:gd name="connsiteX3" fmla="*/ 1152128 w 1152128"/>
+                <a:gd name="connsiteY3" fmla="*/ 1188132 h 1368152"/>
+                <a:gd name="connsiteX4" fmla="*/ 972108 w 1152128"/>
+                <a:gd name="connsiteY4" fmla="*/ 1368152 h 1368152"/>
+                <a:gd name="connsiteX5" fmla="*/ 180020 w 1152128"/>
+                <a:gd name="connsiteY5" fmla="*/ 1368152 h 1368152"/>
+                <a:gd name="connsiteX6" fmla="*/ 0 w 1152128"/>
+                <a:gd name="connsiteY6" fmla="*/ 1188132 h 1368152"/>
+                <a:gd name="connsiteX0" fmla="*/ 0 w 1152128"/>
+                <a:gd name="connsiteY0" fmla="*/ 1223322 h 1403342"/>
+                <a:gd name="connsiteX1" fmla="*/ 194307 w 1152128"/>
+                <a:gd name="connsiteY1" fmla="*/ 0 h 1403342"/>
+                <a:gd name="connsiteX2" fmla="*/ 972108 w 1152128"/>
+                <a:gd name="connsiteY2" fmla="*/ 35190 h 1403342"/>
+                <a:gd name="connsiteX3" fmla="*/ 1152128 w 1152128"/>
+                <a:gd name="connsiteY3" fmla="*/ 1223322 h 1403342"/>
+                <a:gd name="connsiteX4" fmla="*/ 972108 w 1152128"/>
+                <a:gd name="connsiteY4" fmla="*/ 1403342 h 1403342"/>
+                <a:gd name="connsiteX5" fmla="*/ 180020 w 1152128"/>
+                <a:gd name="connsiteY5" fmla="*/ 1403342 h 1403342"/>
+                <a:gd name="connsiteX6" fmla="*/ 0 w 1152128"/>
+                <a:gd name="connsiteY6" fmla="*/ 1223322 h 1403342"/>
+                <a:gd name="connsiteX0" fmla="*/ 0 w 1152128"/>
+                <a:gd name="connsiteY0" fmla="*/ 1223322 h 1403342"/>
+                <a:gd name="connsiteX1" fmla="*/ 194307 w 1152128"/>
+                <a:gd name="connsiteY1" fmla="*/ 0 h 1403342"/>
+                <a:gd name="connsiteX2" fmla="*/ 953058 w 1152128"/>
+                <a:gd name="connsiteY2" fmla="*/ 5028 h 1403342"/>
+                <a:gd name="connsiteX3" fmla="*/ 1152128 w 1152128"/>
+                <a:gd name="connsiteY3" fmla="*/ 1223322 h 1403342"/>
+                <a:gd name="connsiteX4" fmla="*/ 972108 w 1152128"/>
+                <a:gd name="connsiteY4" fmla="*/ 1403342 h 1403342"/>
+                <a:gd name="connsiteX5" fmla="*/ 180020 w 1152128"/>
+                <a:gd name="connsiteY5" fmla="*/ 1403342 h 1403342"/>
+                <a:gd name="connsiteX6" fmla="*/ 0 w 1152128"/>
+                <a:gd name="connsiteY6" fmla="*/ 1223322 h 1403342"/>
+              </a:gdLst>
+              <a:ahLst/>
+              <a:cxnLst>
+                <a:cxn ang="0">
+                  <a:pos x="connsiteX0" y="connsiteY0"/>
+                </a:cxn>
+                <a:cxn ang="0">
+                  <a:pos x="connsiteX1" y="connsiteY1"/>
+                </a:cxn>
+                <a:cxn ang="0">
+                  <a:pos x="connsiteX2" y="connsiteY2"/>
+                </a:cxn>
+                <a:cxn ang="0">
+                  <a:pos x="connsiteX3" y="connsiteY3"/>
+                </a:cxn>
+                <a:cxn ang="0">
+                  <a:pos x="connsiteX4" y="connsiteY4"/>
+                </a:cxn>
+                <a:cxn ang="0">
+                  <a:pos x="connsiteX5" y="connsiteY5"/>
+                </a:cxn>
+                <a:cxn ang="0">
+                  <a:pos x="connsiteX6" y="connsiteY6"/>
+                </a:cxn>
+              </a:cxnLst>
+              <a:rect l="l" t="t" r="r" b="b"/>
+              <a:pathLst>
+                <a:path w="1152128" h="1403342">
+                  <a:moveTo>
+                    <a:pt x="0" y="1223322"/>
+                  </a:moveTo>
+                  <a:cubicBezTo>
+                    <a:pt x="0" y="995297"/>
+                    <a:pt x="32289" y="198022"/>
+                    <a:pt x="194307" y="0"/>
+                  </a:cubicBezTo>
+                  <a:lnTo>
+                    <a:pt x="953058" y="5028"/>
+                  </a:lnTo>
+                  <a:cubicBezTo>
+                    <a:pt x="1115076" y="203050"/>
+                    <a:pt x="1152128" y="995297"/>
+                    <a:pt x="1152128" y="1223322"/>
+                  </a:cubicBezTo>
+                  <a:cubicBezTo>
+                    <a:pt x="1152128" y="1322744"/>
+                    <a:pt x="1071530" y="1403342"/>
+                    <a:pt x="972108" y="1403342"/>
+                  </a:cubicBezTo>
+                  <a:lnTo>
+                    <a:pt x="180020" y="1403342"/>
+                  </a:lnTo>
+                  <a:cubicBezTo>
+                    <a:pt x="80598" y="1403342"/>
+                    <a:pt x="0" y="1322744"/>
+                    <a:pt x="0" y="1223322"/>
+                  </a:cubicBezTo>
+                  <a:close/>
+                </a:path>
+              </a:pathLst>
+            </a:custGeom>
+            <a:solidFill>
+              <a:srgbClr val="F5F0EA"/>
+            </a:solidFill>
+            <a:ln>
+              <a:noFill/>
+            </a:ln>
+          </p:spPr>
+          <p:style>
+            <a:lnRef idx="2">
+              <a:schemeClr val="accent1">
+                <a:shade val="50000"/>
+              </a:schemeClr>
+            </a:lnRef>
+            <a:fillRef idx="1">
+              <a:schemeClr val="accent1"/>
+            </a:fillRef>
+            <a:effectRef idx="0">
+              <a:schemeClr val="accent1"/>
+            </a:effectRef>
+            <a:fontRef idx="minor">
+              <a:schemeClr val="lt1"/>
+            </a:fontRef>
+          </p:style>
+          <p:txBody>
+            <a:bodyPr rtlCol="0" anchor="ctr"/>
+            <a:lstStyle/>
+            <a:p>
+              <a:pPr algn="ctr"/>
+              <a:endParaRPr lang="pt-BR"/>
+            </a:p>
+          </p:txBody>
+        </p:sp>
+        <p:sp>
+          <p:nvSpPr>
+            <p:cNvPr id="61" name="Trapezoide 60"/>
+            <p:cNvSpPr/>
+            <p:nvPr/>
+          </p:nvSpPr>
+          <p:spPr>
+            <a:xfrm>
+              <a:off x="5302932" y="4292366"/>
+              <a:ext cx="914400" cy="576064"/>
+            </a:xfrm>
+            <a:prstGeom prst="trapezoid">
+              <a:avLst>
+                <a:gd name="adj" fmla="val 11458"/>
+              </a:avLst>
+            </a:prstGeom>
+            <a:solidFill>
+              <a:srgbClr val="FFC000"/>
+            </a:solidFill>
+            <a:ln>
+              <a:noFill/>
+            </a:ln>
+          </p:spPr>
+          <p:style>
+            <a:lnRef idx="2">
+              <a:schemeClr val="accent1">
+                <a:shade val="50000"/>
+              </a:schemeClr>
+            </a:lnRef>
+            <a:fillRef idx="1">
+              <a:schemeClr val="accent1"/>
+            </a:fillRef>
+            <a:effectRef idx="0">
+              <a:schemeClr val="accent1"/>
+            </a:effectRef>
+            <a:fontRef idx="minor">
+              <a:schemeClr val="lt1"/>
+            </a:fontRef>
+          </p:style>
+          <p:txBody>
+            <a:bodyPr rtlCol="0" anchor="ctr"/>
+            <a:lstStyle/>
+            <a:p>
+              <a:pPr algn="ctr"/>
+              <a:endParaRPr lang="pt-BR"/>
+            </a:p>
+          </p:txBody>
+        </p:sp>
+        <p:sp>
+          <p:nvSpPr>
+            <p:cNvPr id="62" name="Elipse 61"/>
+            <p:cNvSpPr/>
+            <p:nvPr/>
+          </p:nvSpPr>
+          <p:spPr>
+            <a:xfrm>
+              <a:off x="5832140" y="4592221"/>
+              <a:ext cx="72000" cy="72000"/>
+            </a:xfrm>
+            <a:prstGeom prst="ellipse">
+              <a:avLst/>
+            </a:prstGeom>
+            <a:solidFill>
+              <a:srgbClr val="FFC000"/>
+            </a:solidFill>
+            <a:ln>
+              <a:noFill/>
+            </a:ln>
+          </p:spPr>
+          <p:style>
+            <a:lnRef idx="2">
+              <a:schemeClr val="accent1">
+                <a:shade val="50000"/>
+              </a:schemeClr>
+            </a:lnRef>
+            <a:fillRef idx="1">
+              <a:schemeClr val="accent1"/>
+            </a:fillRef>
+            <a:effectRef idx="0">
+              <a:schemeClr val="accent1"/>
+            </a:effectRef>
+            <a:fontRef idx="minor">
+              <a:schemeClr val="lt1"/>
+            </a:fontRef>
+          </p:style>
+          <p:txBody>
+            <a:bodyPr rtlCol="0" anchor="ctr"/>
+            <a:lstStyle/>
+            <a:p>
+              <a:pPr algn="ctr"/>
+              <a:endParaRPr lang="pt-BR"/>
+            </a:p>
+          </p:txBody>
+        </p:sp>
+        <p:sp>
+          <p:nvSpPr>
+            <p:cNvPr id="63" name="Elipse 62"/>
+            <p:cNvSpPr/>
+            <p:nvPr/>
+          </p:nvSpPr>
+          <p:spPr>
+            <a:xfrm>
+              <a:off x="5472100" y="4724414"/>
+              <a:ext cx="72000" cy="72000"/>
+            </a:xfrm>
+            <a:prstGeom prst="ellipse">
+              <a:avLst/>
+            </a:prstGeom>
+            <a:solidFill>
+              <a:srgbClr val="FFC000"/>
+            </a:solidFill>
+            <a:ln>
+              <a:noFill/>
+            </a:ln>
+          </p:spPr>
+          <p:style>
+            <a:lnRef idx="2">
+              <a:schemeClr val="accent1">
+                <a:shade val="50000"/>
+              </a:schemeClr>
+            </a:lnRef>
+            <a:fillRef idx="1">
+              <a:schemeClr val="accent1"/>
+            </a:fillRef>
+            <a:effectRef idx="0">
+              <a:schemeClr val="accent1"/>
+            </a:effectRef>
+            <a:fontRef idx="minor">
+              <a:schemeClr val="lt1"/>
+            </a:fontRef>
+          </p:style>
+          <p:txBody>
+            <a:bodyPr rtlCol="0" anchor="ctr"/>
+            <a:lstStyle/>
+            <a:p>
+              <a:pPr algn="ctr"/>
+              <a:endParaRPr lang="pt-BR"/>
+            </a:p>
+          </p:txBody>
+        </p:sp>
+        <p:sp>
+          <p:nvSpPr>
+            <p:cNvPr id="64" name="Elipse 63"/>
+            <p:cNvSpPr/>
+            <p:nvPr/>
+          </p:nvSpPr>
+          <p:spPr>
+            <a:xfrm>
+              <a:off x="5544100" y="4256366"/>
+              <a:ext cx="72000" cy="72000"/>
+            </a:xfrm>
+            <a:prstGeom prst="ellipse">
+              <a:avLst/>
+            </a:prstGeom>
+            <a:solidFill>
+              <a:srgbClr val="FFC000"/>
+            </a:solidFill>
+            <a:ln>
+              <a:noFill/>
+            </a:ln>
+          </p:spPr>
+          <p:style>
+            <a:lnRef idx="2">
+              <a:schemeClr val="accent1">
+                <a:shade val="50000"/>
+              </a:schemeClr>
+            </a:lnRef>
+            <a:fillRef idx="1">
+              <a:schemeClr val="accent1"/>
+            </a:fillRef>
+            <a:effectRef idx="0">
+              <a:schemeClr val="accent1"/>
+            </a:effectRef>
+            <a:fontRef idx="minor">
+              <a:schemeClr val="lt1"/>
+            </a:fontRef>
+          </p:style>
+          <p:txBody>
+            <a:bodyPr rtlCol="0" anchor="ctr"/>
+            <a:lstStyle/>
+            <a:p>
+              <a:pPr algn="ctr"/>
+              <a:endParaRPr lang="pt-BR"/>
+            </a:p>
+          </p:txBody>
+        </p:sp>
+        <p:sp>
+          <p:nvSpPr>
+            <p:cNvPr id="65" name="Elipse 64"/>
+            <p:cNvSpPr/>
+            <p:nvPr/>
+          </p:nvSpPr>
+          <p:spPr>
+            <a:xfrm>
+              <a:off x="5976156" y="4098662"/>
+              <a:ext cx="72000" cy="72000"/>
+            </a:xfrm>
+            <a:prstGeom prst="ellipse">
+              <a:avLst/>
+            </a:prstGeom>
+            <a:solidFill>
+              <a:srgbClr val="FFC000"/>
+            </a:solidFill>
+            <a:ln>
+              <a:noFill/>
+            </a:ln>
+          </p:spPr>
+          <p:style>
+            <a:lnRef idx="2">
+              <a:schemeClr val="accent1">
+                <a:shade val="50000"/>
+              </a:schemeClr>
+            </a:lnRef>
+            <a:fillRef idx="1">
+              <a:schemeClr val="accent1"/>
+            </a:fillRef>
+            <a:effectRef idx="0">
+              <a:schemeClr val="accent1"/>
+            </a:effectRef>
+            <a:fontRef idx="minor">
+              <a:schemeClr val="lt1"/>
+            </a:fontRef>
+          </p:style>
+          <p:txBody>
+            <a:bodyPr rtlCol="0" anchor="ctr"/>
+            <a:lstStyle/>
+            <a:p>
+              <a:pPr algn="ctr"/>
+              <a:endParaRPr lang="pt-BR"/>
+            </a:p>
+          </p:txBody>
+        </p:sp>
+        <p:sp>
+          <p:nvSpPr>
+            <p:cNvPr id="66" name="Retângulo 65"/>
+            <p:cNvSpPr/>
+            <p:nvPr/>
+          </p:nvSpPr>
+          <p:spPr>
+            <a:xfrm>
+              <a:off x="5695792" y="3686487"/>
+              <a:ext cx="144016" cy="753418"/>
+            </a:xfrm>
+            <a:prstGeom prst="rect">
+              <a:avLst/>
+            </a:prstGeom>
+            <a:solidFill>
+              <a:srgbClr val="FFC000"/>
+            </a:solidFill>
+            <a:ln>
+              <a:noFill/>
+            </a:ln>
+          </p:spPr>
+          <p:style>
+            <a:lnRef idx="2">
+              <a:schemeClr val="accent1">
+                <a:shade val="50000"/>
+              </a:schemeClr>
+            </a:lnRef>
+            <a:fillRef idx="1">
+              <a:schemeClr val="accent1"/>
+            </a:fillRef>
+            <a:effectRef idx="0">
+              <a:schemeClr val="accent1"/>
+            </a:effectRef>
+            <a:fontRef idx="minor">
+              <a:schemeClr val="lt1"/>
+            </a:fontRef>
+          </p:style>
+          <p:txBody>
+            <a:bodyPr rtlCol="0" anchor="ctr"/>
+            <a:lstStyle/>
+            <a:p>
+              <a:pPr algn="ctr"/>
+              <a:endParaRPr lang="pt-BR"/>
+            </a:p>
+          </p:txBody>
+        </p:sp>
+        <p:sp>
+          <p:nvSpPr>
+            <p:cNvPr id="67" name="Retângulo 66"/>
+            <p:cNvSpPr/>
+            <p:nvPr/>
+          </p:nvSpPr>
+          <p:spPr>
+            <a:xfrm>
+              <a:off x="5491819" y="3150126"/>
+              <a:ext cx="540000" cy="540000"/>
+            </a:xfrm>
+            <a:prstGeom prst="rect">
+              <a:avLst/>
+            </a:prstGeom>
+            <a:solidFill>
+              <a:srgbClr val="D3BBAF"/>
+            </a:solidFill>
+            <a:ln>
+              <a:noFill/>
+            </a:ln>
+          </p:spPr>
+          <p:style>
+            <a:lnRef idx="2">
+              <a:schemeClr val="accent1">
+                <a:shade val="50000"/>
+              </a:schemeClr>
+            </a:lnRef>
+            <a:fillRef idx="1">
+              <a:schemeClr val="accent1"/>
+            </a:fillRef>
+            <a:effectRef idx="0">
+              <a:schemeClr val="accent1"/>
+            </a:effectRef>
+            <a:fontRef idx="minor">
+              <a:schemeClr val="lt1"/>
+            </a:fontRef>
+          </p:style>
+          <p:txBody>
+            <a:bodyPr rtlCol="0" anchor="ctr"/>
+            <a:lstStyle/>
+            <a:p>
+              <a:pPr algn="ctr"/>
+              <a:endParaRPr lang="pt-BR"/>
+            </a:p>
+          </p:txBody>
+        </p:sp>
+        <p:sp>
+          <p:nvSpPr>
+            <p:cNvPr id="68" name="Fluxograma: Terminação 67"/>
+            <p:cNvSpPr/>
+            <p:nvPr/>
+          </p:nvSpPr>
+          <p:spPr>
+            <a:xfrm>
+              <a:off x="5310600" y="3644854"/>
+              <a:ext cx="914400" cy="45719"/>
+            </a:xfrm>
+            <a:prstGeom prst="flowChartTerminator">
+              <a:avLst/>
+            </a:prstGeom>
+            <a:solidFill>
+              <a:srgbClr val="C0C0C0"/>
+            </a:solidFill>
+            <a:ln>
+              <a:noFill/>
+            </a:ln>
+          </p:spPr>
+          <p:style>
+            <a:lnRef idx="2">
+              <a:schemeClr val="accent1">
+                <a:shade val="50000"/>
+              </a:schemeClr>
+            </a:lnRef>
+            <a:fillRef idx="1">
+              <a:schemeClr val="accent1"/>
+            </a:fillRef>
+            <a:effectRef idx="0">
+              <a:schemeClr val="accent1"/>
+            </a:effectRef>
+            <a:fontRef idx="minor">
+              <a:schemeClr val="lt1"/>
+            </a:fontRef>
+          </p:style>
+          <p:txBody>
+            <a:bodyPr rtlCol="0" anchor="ctr"/>
+            <a:lstStyle/>
+            <a:p>
+              <a:pPr algn="ctr"/>
+              <a:endParaRPr lang="pt-BR"/>
+            </a:p>
+          </p:txBody>
+        </p:sp>
+        <p:sp>
+          <p:nvSpPr>
+            <p:cNvPr id="69" name="Fluxograma: Terminação 68"/>
+            <p:cNvSpPr/>
+            <p:nvPr/>
+          </p:nvSpPr>
+          <p:spPr>
+            <a:xfrm>
+              <a:off x="5310600" y="3511311"/>
+              <a:ext cx="914400" cy="45719"/>
+            </a:xfrm>
+            <a:prstGeom prst="flowChartTerminator">
+              <a:avLst/>
+            </a:prstGeom>
+            <a:solidFill>
+              <a:srgbClr val="F5F0EA"/>
+            </a:solidFill>
+            <a:ln>
+              <a:noFill/>
+            </a:ln>
+          </p:spPr>
+          <p:style>
+            <a:lnRef idx="2">
+              <a:schemeClr val="accent1">
+                <a:shade val="50000"/>
+              </a:schemeClr>
+            </a:lnRef>
+            <a:fillRef idx="1">
+              <a:schemeClr val="accent1"/>
+            </a:fillRef>
+            <a:effectRef idx="0">
+              <a:schemeClr val="accent1"/>
+            </a:effectRef>
+            <a:fontRef idx="minor">
+              <a:schemeClr val="lt1"/>
+            </a:fontRef>
+          </p:style>
+          <p:txBody>
+            <a:bodyPr rtlCol="0" anchor="ctr"/>
+            <a:lstStyle/>
+            <a:p>
+              <a:pPr algn="ctr"/>
+              <a:endParaRPr lang="pt-BR"/>
+            </a:p>
+          </p:txBody>
+        </p:sp>
+        <p:sp>
+          <p:nvSpPr>
+            <p:cNvPr id="70" name="Forma livre 69"/>
+            <p:cNvSpPr/>
+            <p:nvPr/>
+          </p:nvSpPr>
+          <p:spPr>
+            <a:xfrm>
+              <a:off x="5695792" y="2869348"/>
+              <a:ext cx="144016" cy="466998"/>
+            </a:xfrm>
+            <a:custGeom>
+              <a:avLst/>
+              <a:gdLst>
+                <a:gd name="connsiteX0" fmla="*/ 0 w 144016"/>
+                <a:gd name="connsiteY0" fmla="*/ 0 h 559395"/>
+                <a:gd name="connsiteX1" fmla="*/ 1140 w 144016"/>
+                <a:gd name="connsiteY1" fmla="*/ 0 h 559395"/>
+                <a:gd name="connsiteX2" fmla="*/ 144016 w 144016"/>
+                <a:gd name="connsiteY2" fmla="*/ 166127 h 559395"/>
+                <a:gd name="connsiteX3" fmla="*/ 144016 w 144016"/>
+                <a:gd name="connsiteY3" fmla="*/ 559395 h 559395"/>
+                <a:gd name="connsiteX4" fmla="*/ 0 w 144016"/>
+                <a:gd name="connsiteY4" fmla="*/ 559395 h 559395"/>
+              </a:gdLst>
+              <a:ahLst/>
+              <a:cxnLst>
+                <a:cxn ang="0">
+                  <a:pos x="connsiteX0" y="connsiteY0"/>
+                </a:cxn>
+                <a:cxn ang="0">
+                  <a:pos x="connsiteX1" y="connsiteY1"/>
+                </a:cxn>
+                <a:cxn ang="0">
+                  <a:pos x="connsiteX2" y="connsiteY2"/>
+                </a:cxn>
+                <a:cxn ang="0">
+                  <a:pos x="connsiteX3" y="connsiteY3"/>
+                </a:cxn>
+                <a:cxn ang="0">
+                  <a:pos x="connsiteX4" y="connsiteY4"/>
+                </a:cxn>
+              </a:cxnLst>
+              <a:rect l="l" t="t" r="r" b="b"/>
+              <a:pathLst>
+                <a:path w="144016" h="559395">
+                  <a:moveTo>
+                    <a:pt x="0" y="0"/>
+                  </a:moveTo>
+                  <a:lnTo>
+                    <a:pt x="1140" y="0"/>
+                  </a:lnTo>
+                  <a:lnTo>
+                    <a:pt x="144016" y="166127"/>
+                  </a:lnTo>
+                  <a:lnTo>
+                    <a:pt x="144016" y="559395"/>
+                  </a:lnTo>
+                  <a:lnTo>
+                    <a:pt x="0" y="559395"/>
+                  </a:lnTo>
+                  <a:close/>
+                </a:path>
+              </a:pathLst>
+            </a:custGeom>
+            <a:solidFill>
+              <a:schemeClr val="bg1"/>
+            </a:solidFill>
+            <a:ln>
+              <a:noFill/>
+            </a:ln>
+          </p:spPr>
+          <p:style>
+            <a:lnRef idx="2">
+              <a:schemeClr val="accent1">
+                <a:shade val="50000"/>
+              </a:schemeClr>
+            </a:lnRef>
+            <a:fillRef idx="1">
+              <a:schemeClr val="accent1"/>
+            </a:fillRef>
+            <a:effectRef idx="0">
+              <a:schemeClr val="accent1"/>
+            </a:effectRef>
+            <a:fontRef idx="minor">
+              <a:schemeClr val="lt1"/>
+            </a:fontRef>
+          </p:style>
+          <p:txBody>
+            <a:bodyPr rtlCol="0" anchor="ctr"/>
+            <a:lstStyle/>
+            <a:p>
+              <a:pPr algn="ctr"/>
+              <a:endParaRPr lang="pt-BR"/>
+            </a:p>
+          </p:txBody>
+        </p:sp>
+        <p:sp>
+          <p:nvSpPr>
+            <p:cNvPr id="71" name="Retângulo 70"/>
+            <p:cNvSpPr/>
+            <p:nvPr/>
+          </p:nvSpPr>
+          <p:spPr>
+            <a:xfrm>
+              <a:off x="5436100" y="3142094"/>
+              <a:ext cx="648064" cy="202099"/>
+            </a:xfrm>
+            <a:prstGeom prst="rect">
+              <a:avLst/>
+            </a:prstGeom>
+            <a:solidFill>
+              <a:srgbClr val="C0C0C0"/>
+            </a:solidFill>
+            <a:ln>
+              <a:noFill/>
+            </a:ln>
+          </p:spPr>
+          <p:style>
+            <a:lnRef idx="2">
+              <a:schemeClr val="accent1">
+                <a:shade val="50000"/>
+              </a:schemeClr>
+            </a:lnRef>
+            <a:fillRef idx="1">
+              <a:schemeClr val="accent1"/>
+            </a:fillRef>
+            <a:effectRef idx="0">
+              <a:schemeClr val="accent1"/>
+            </a:effectRef>
+            <a:fontRef idx="minor">
+              <a:schemeClr val="lt1"/>
+            </a:fontRef>
+          </p:style>
+          <p:txBody>
+            <a:bodyPr rtlCol="0" anchor="ctr"/>
+            <a:lstStyle/>
+            <a:p>
+              <a:pPr algn="ctr"/>
+              <a:endParaRPr lang="pt-BR"/>
+            </a:p>
+          </p:txBody>
+        </p:sp>
+        <p:sp>
+          <p:nvSpPr>
+            <p:cNvPr id="72" name="Fluxograma: Terminação 71"/>
+            <p:cNvSpPr/>
+            <p:nvPr/>
+          </p:nvSpPr>
+          <p:spPr>
+            <a:xfrm>
+              <a:off x="5310600" y="3336161"/>
+              <a:ext cx="914400" cy="45719"/>
+            </a:xfrm>
+            <a:prstGeom prst="flowChartTerminator">
+              <a:avLst/>
+            </a:prstGeom>
+            <a:solidFill>
+              <a:srgbClr val="F5F0EA"/>
+            </a:solidFill>
+            <a:ln>
+              <a:noFill/>
+            </a:ln>
+          </p:spPr>
+          <p:style>
+            <a:lnRef idx="2">
+              <a:schemeClr val="accent1">
+                <a:shade val="50000"/>
+              </a:schemeClr>
+            </a:lnRef>
+            <a:fillRef idx="1">
+              <a:schemeClr val="accent1"/>
+            </a:fillRef>
+            <a:effectRef idx="0">
+              <a:schemeClr val="accent1"/>
+            </a:effectRef>
+            <a:fontRef idx="minor">
+              <a:schemeClr val="lt1"/>
+            </a:fontRef>
+          </p:style>
+          <p:txBody>
+            <a:bodyPr rtlCol="0" anchor="ctr"/>
+            <a:lstStyle/>
+            <a:p>
+              <a:pPr algn="ctr"/>
+              <a:endParaRPr lang="pt-BR"/>
+            </a:p>
+          </p:txBody>
+        </p:sp>
+      </p:grpSp>
       <p:sp>
         <p:nvSpPr>
-          <p:cNvPr id="60" name="Retângulo de cantos arredondados 2"/>
+          <p:cNvPr id="27" name="Retângulo de cantos arredondados 26"/>
           <p:cNvSpPr/>
           <p:nvPr/>
         </p:nvSpPr>
         <p:spPr>
           <a:xfrm>
-            <a:off x="4139792" y="2616560"/>
-            <a:ext cx="1152128" cy="1329482"/>
+            <a:off x="1878052" y="5800125"/>
+            <a:ext cx="2115750" cy="2115750"/>
           </a:xfrm>
-          <a:custGeom>
+          <a:prstGeom prst="roundRect">
             <a:avLst/>
-            <a:gdLst>
-              <a:gd name="connsiteX0" fmla="*/ 0 w 1152128"/>
-              <a:gd name="connsiteY0" fmla="*/ 180020 h 1368152"/>
-              <a:gd name="connsiteX1" fmla="*/ 180020 w 1152128"/>
-              <a:gd name="connsiteY1" fmla="*/ 0 h 1368152"/>
-              <a:gd name="connsiteX2" fmla="*/ 972108 w 1152128"/>
-              <a:gd name="connsiteY2" fmla="*/ 0 h 1368152"/>
-              <a:gd name="connsiteX3" fmla="*/ 1152128 w 1152128"/>
-              <a:gd name="connsiteY3" fmla="*/ 180020 h 1368152"/>
-              <a:gd name="connsiteX4" fmla="*/ 1152128 w 1152128"/>
-              <a:gd name="connsiteY4" fmla="*/ 1188132 h 1368152"/>
-              <a:gd name="connsiteX5" fmla="*/ 972108 w 1152128"/>
-              <a:gd name="connsiteY5" fmla="*/ 1368152 h 1368152"/>
-              <a:gd name="connsiteX6" fmla="*/ 180020 w 1152128"/>
-              <a:gd name="connsiteY6" fmla="*/ 1368152 h 1368152"/>
-              <a:gd name="connsiteX7" fmla="*/ 0 w 1152128"/>
-              <a:gd name="connsiteY7" fmla="*/ 1188132 h 1368152"/>
-              <a:gd name="connsiteX8" fmla="*/ 0 w 1152128"/>
-              <a:gd name="connsiteY8" fmla="*/ 180020 h 1368152"/>
-              <a:gd name="connsiteX0" fmla="*/ 57150 w 1152128"/>
-              <a:gd name="connsiteY0" fmla="*/ 184782 h 1368152"/>
-              <a:gd name="connsiteX1" fmla="*/ 180020 w 1152128"/>
-              <a:gd name="connsiteY1" fmla="*/ 0 h 1368152"/>
-              <a:gd name="connsiteX2" fmla="*/ 972108 w 1152128"/>
-              <a:gd name="connsiteY2" fmla="*/ 0 h 1368152"/>
-              <a:gd name="connsiteX3" fmla="*/ 1152128 w 1152128"/>
-              <a:gd name="connsiteY3" fmla="*/ 180020 h 1368152"/>
-              <a:gd name="connsiteX4" fmla="*/ 1152128 w 1152128"/>
-              <a:gd name="connsiteY4" fmla="*/ 1188132 h 1368152"/>
-              <a:gd name="connsiteX5" fmla="*/ 972108 w 1152128"/>
-              <a:gd name="connsiteY5" fmla="*/ 1368152 h 1368152"/>
-              <a:gd name="connsiteX6" fmla="*/ 180020 w 1152128"/>
-              <a:gd name="connsiteY6" fmla="*/ 1368152 h 1368152"/>
-              <a:gd name="connsiteX7" fmla="*/ 0 w 1152128"/>
-              <a:gd name="connsiteY7" fmla="*/ 1188132 h 1368152"/>
-              <a:gd name="connsiteX8" fmla="*/ 57150 w 1152128"/>
-              <a:gd name="connsiteY8" fmla="*/ 184782 h 1368152"/>
-              <a:gd name="connsiteX0" fmla="*/ 57150 w 1152128"/>
-              <a:gd name="connsiteY0" fmla="*/ 184782 h 1368152"/>
-              <a:gd name="connsiteX1" fmla="*/ 180020 w 1152128"/>
-              <a:gd name="connsiteY1" fmla="*/ 0 h 1368152"/>
-              <a:gd name="connsiteX2" fmla="*/ 972108 w 1152128"/>
-              <a:gd name="connsiteY2" fmla="*/ 0 h 1368152"/>
-              <a:gd name="connsiteX3" fmla="*/ 1085453 w 1152128"/>
-              <a:gd name="connsiteY3" fmla="*/ 175257 h 1368152"/>
-              <a:gd name="connsiteX4" fmla="*/ 1152128 w 1152128"/>
-              <a:gd name="connsiteY4" fmla="*/ 1188132 h 1368152"/>
-              <a:gd name="connsiteX5" fmla="*/ 972108 w 1152128"/>
-              <a:gd name="connsiteY5" fmla="*/ 1368152 h 1368152"/>
-              <a:gd name="connsiteX6" fmla="*/ 180020 w 1152128"/>
-              <a:gd name="connsiteY6" fmla="*/ 1368152 h 1368152"/>
-              <a:gd name="connsiteX7" fmla="*/ 0 w 1152128"/>
-              <a:gd name="connsiteY7" fmla="*/ 1188132 h 1368152"/>
-              <a:gd name="connsiteX8" fmla="*/ 57150 w 1152128"/>
-              <a:gd name="connsiteY8" fmla="*/ 184782 h 1368152"/>
-              <a:gd name="connsiteX0" fmla="*/ 0 w 1152128"/>
-              <a:gd name="connsiteY0" fmla="*/ 1188132 h 1368152"/>
-              <a:gd name="connsiteX1" fmla="*/ 180020 w 1152128"/>
-              <a:gd name="connsiteY1" fmla="*/ 0 h 1368152"/>
-              <a:gd name="connsiteX2" fmla="*/ 972108 w 1152128"/>
-              <a:gd name="connsiteY2" fmla="*/ 0 h 1368152"/>
-              <a:gd name="connsiteX3" fmla="*/ 1085453 w 1152128"/>
-              <a:gd name="connsiteY3" fmla="*/ 175257 h 1368152"/>
-              <a:gd name="connsiteX4" fmla="*/ 1152128 w 1152128"/>
-              <a:gd name="connsiteY4" fmla="*/ 1188132 h 1368152"/>
-              <a:gd name="connsiteX5" fmla="*/ 972108 w 1152128"/>
-              <a:gd name="connsiteY5" fmla="*/ 1368152 h 1368152"/>
-              <a:gd name="connsiteX6" fmla="*/ 180020 w 1152128"/>
-              <a:gd name="connsiteY6" fmla="*/ 1368152 h 1368152"/>
-              <a:gd name="connsiteX7" fmla="*/ 0 w 1152128"/>
-              <a:gd name="connsiteY7" fmla="*/ 1188132 h 1368152"/>
-              <a:gd name="connsiteX0" fmla="*/ 0 w 1152128"/>
-              <a:gd name="connsiteY0" fmla="*/ 1188132 h 1368152"/>
-              <a:gd name="connsiteX1" fmla="*/ 180020 w 1152128"/>
-              <a:gd name="connsiteY1" fmla="*/ 0 h 1368152"/>
-              <a:gd name="connsiteX2" fmla="*/ 972108 w 1152128"/>
-              <a:gd name="connsiteY2" fmla="*/ 0 h 1368152"/>
-              <a:gd name="connsiteX3" fmla="*/ 1152128 w 1152128"/>
-              <a:gd name="connsiteY3" fmla="*/ 1188132 h 1368152"/>
-              <a:gd name="connsiteX4" fmla="*/ 972108 w 1152128"/>
-              <a:gd name="connsiteY4" fmla="*/ 1368152 h 1368152"/>
-              <a:gd name="connsiteX5" fmla="*/ 180020 w 1152128"/>
-              <a:gd name="connsiteY5" fmla="*/ 1368152 h 1368152"/>
-              <a:gd name="connsiteX6" fmla="*/ 0 w 1152128"/>
-              <a:gd name="connsiteY6" fmla="*/ 1188132 h 1368152"/>
-              <a:gd name="connsiteX0" fmla="*/ 0 w 1152128"/>
-              <a:gd name="connsiteY0" fmla="*/ 1223322 h 1403342"/>
-              <a:gd name="connsiteX1" fmla="*/ 194307 w 1152128"/>
-              <a:gd name="connsiteY1" fmla="*/ 0 h 1403342"/>
-              <a:gd name="connsiteX2" fmla="*/ 972108 w 1152128"/>
-              <a:gd name="connsiteY2" fmla="*/ 35190 h 1403342"/>
-              <a:gd name="connsiteX3" fmla="*/ 1152128 w 1152128"/>
-              <a:gd name="connsiteY3" fmla="*/ 1223322 h 1403342"/>
-              <a:gd name="connsiteX4" fmla="*/ 972108 w 1152128"/>
-              <a:gd name="connsiteY4" fmla="*/ 1403342 h 1403342"/>
-              <a:gd name="connsiteX5" fmla="*/ 180020 w 1152128"/>
-              <a:gd name="connsiteY5" fmla="*/ 1403342 h 1403342"/>
-              <a:gd name="connsiteX6" fmla="*/ 0 w 1152128"/>
-              <a:gd name="connsiteY6" fmla="*/ 1223322 h 1403342"/>
-              <a:gd name="connsiteX0" fmla="*/ 0 w 1152128"/>
-              <a:gd name="connsiteY0" fmla="*/ 1223322 h 1403342"/>
-              <a:gd name="connsiteX1" fmla="*/ 194307 w 1152128"/>
-              <a:gd name="connsiteY1" fmla="*/ 0 h 1403342"/>
-              <a:gd name="connsiteX2" fmla="*/ 953058 w 1152128"/>
-              <a:gd name="connsiteY2" fmla="*/ 5028 h 1403342"/>
-              <a:gd name="connsiteX3" fmla="*/ 1152128 w 1152128"/>
-              <a:gd name="connsiteY3" fmla="*/ 1223322 h 1403342"/>
-              <a:gd name="connsiteX4" fmla="*/ 972108 w 1152128"/>
-              <a:gd name="connsiteY4" fmla="*/ 1403342 h 1403342"/>
-              <a:gd name="connsiteX5" fmla="*/ 180020 w 1152128"/>
-              <a:gd name="connsiteY5" fmla="*/ 1403342 h 1403342"/>
-              <a:gd name="connsiteX6" fmla="*/ 0 w 1152128"/>
-              <a:gd name="connsiteY6" fmla="*/ 1223322 h 1403342"/>
-            </a:gdLst>
-            <a:ahLst/>
-            <a:cxnLst>
-              <a:cxn ang="0">
-                <a:pos x="connsiteX0" y="connsiteY0"/>
-              </a:cxn>
-              <a:cxn ang="0">
-                <a:pos x="connsiteX1" y="connsiteY1"/>
-              </a:cxn>
-              <a:cxn ang="0">
-                <a:pos x="connsiteX2" y="connsiteY2"/>
-              </a:cxn>
-              <a:cxn ang="0">
-                <a:pos x="connsiteX3" y="connsiteY3"/>
-              </a:cxn>
-              <a:cxn ang="0">
-                <a:pos x="connsiteX4" y="connsiteY4"/>
-              </a:cxn>
-              <a:cxn ang="0">
-                <a:pos x="connsiteX5" y="connsiteY5"/>
-              </a:cxn>
-              <a:cxn ang="0">
-                <a:pos x="connsiteX6" y="connsiteY6"/>
-              </a:cxn>
-            </a:cxnLst>
-            <a:rect l="l" t="t" r="r" b="b"/>
-            <a:pathLst>
-              <a:path w="1152128" h="1403342">
-                <a:moveTo>
-                  <a:pt x="0" y="1223322"/>
-                </a:moveTo>
-                <a:cubicBezTo>
-                  <a:pt x="0" y="995297"/>
-                  <a:pt x="32289" y="198022"/>
-                  <a:pt x="194307" y="0"/>
-                </a:cubicBezTo>
-                <a:lnTo>
-                  <a:pt x="953058" y="5028"/>
-                </a:lnTo>
-                <a:cubicBezTo>
-                  <a:pt x="1115076" y="203050"/>
-                  <a:pt x="1152128" y="995297"/>
-                  <a:pt x="1152128" y="1223322"/>
-                </a:cubicBezTo>
-                <a:cubicBezTo>
-                  <a:pt x="1152128" y="1322744"/>
-                  <a:pt x="1071530" y="1403342"/>
-                  <a:pt x="972108" y="1403342"/>
-                </a:cubicBezTo>
-                <a:lnTo>
-                  <a:pt x="180020" y="1403342"/>
-                </a:lnTo>
-                <a:cubicBezTo>
-                  <a:pt x="80598" y="1403342"/>
-                  <a:pt x="0" y="1322744"/>
-                  <a:pt x="0" y="1223322"/>
-                </a:cubicBezTo>
-                <a:close/>
-              </a:path>
-            </a:pathLst>
-          </a:custGeom>
+          </a:prstGeom>
           <a:solidFill>
-            <a:srgbClr val="F5F0EA"/>
+            <a:srgbClr val="C1E3C2"/>
           </a:solidFill>
           <a:ln>
             <a:noFill/>
@@ -17406,22 +18118,22 @@
       </p:sp>
       <p:sp>
         <p:nvSpPr>
-          <p:cNvPr id="61" name="Trapezoide 60"/>
+          <p:cNvPr id="37" name="Retângulo de cantos arredondados 36"/>
           <p:cNvSpPr/>
           <p:nvPr/>
         </p:nvSpPr>
         <p:spPr>
           <a:xfrm>
-            <a:off x="4258656" y="3225962"/>
-            <a:ext cx="914400" cy="576064"/>
+            <a:off x="137693" y="4525629"/>
+            <a:ext cx="585381" cy="1087137"/>
           </a:xfrm>
-          <a:prstGeom prst="trapezoid">
-            <a:avLst>
-              <a:gd name="adj" fmla="val 11458"/>
-            </a:avLst>
+          <a:prstGeom prst="roundRect">
+            <a:avLst/>
           </a:prstGeom>
           <a:solidFill>
-            <a:srgbClr val="FF9999"/>
+            <a:schemeClr val="bg1">
+              <a:lumMod val="95000"/>
+            </a:schemeClr>
           </a:solidFill>
           <a:ln>
             <a:noFill/>
@@ -17454,20 +18166,20 @@
       </p:sp>
       <p:sp>
         <p:nvSpPr>
-          <p:cNvPr id="62" name="Elipse 61"/>
+          <p:cNvPr id="38" name="Elipse 37"/>
           <p:cNvSpPr/>
           <p:nvPr/>
         </p:nvSpPr>
         <p:spPr>
           <a:xfrm>
-            <a:off x="4787864" y="3525817"/>
-            <a:ext cx="72000" cy="72000"/>
+            <a:off x="4355976" y="726292"/>
+            <a:ext cx="585381" cy="547078"/>
           </a:xfrm>
           <a:prstGeom prst="ellipse">
             <a:avLst/>
           </a:prstGeom>
           <a:solidFill>
-            <a:srgbClr val="F896AB"/>
+            <a:srgbClr val="87C7D9"/>
           </a:solidFill>
           <a:ln>
             <a:noFill/>
@@ -17500,20 +18212,20 @@
       </p:sp>
       <p:sp>
         <p:nvSpPr>
-          <p:cNvPr id="63" name="Elipse 62"/>
+          <p:cNvPr id="39" name="Elipse 38"/>
           <p:cNvSpPr/>
           <p:nvPr/>
         </p:nvSpPr>
         <p:spPr>
           <a:xfrm>
-            <a:off x="4427824" y="3658010"/>
-            <a:ext cx="72000" cy="72000"/>
+            <a:off x="4355976" y="1785977"/>
+            <a:ext cx="250878" cy="353977"/>
           </a:xfrm>
           <a:prstGeom prst="ellipse">
             <a:avLst/>
           </a:prstGeom>
           <a:solidFill>
-            <a:srgbClr val="F896AB"/>
+            <a:srgbClr val="87C7D9"/>
           </a:solidFill>
           <a:ln>
             <a:noFill/>
@@ -17546,20 +18258,20 @@
       </p:sp>
       <p:sp>
         <p:nvSpPr>
-          <p:cNvPr id="64" name="Elipse 63"/>
+          <p:cNvPr id="40" name="Elipse 39"/>
           <p:cNvSpPr/>
           <p:nvPr/>
         </p:nvSpPr>
         <p:spPr>
           <a:xfrm>
-            <a:off x="4499824" y="3189962"/>
-            <a:ext cx="72000" cy="72000"/>
+            <a:off x="4523228" y="1785977"/>
+            <a:ext cx="250878" cy="353977"/>
           </a:xfrm>
           <a:prstGeom prst="ellipse">
             <a:avLst/>
           </a:prstGeom>
           <a:solidFill>
-            <a:srgbClr val="F896AB"/>
+            <a:srgbClr val="87C7D9"/>
           </a:solidFill>
           <a:ln>
             <a:noFill/>
@@ -17592,20 +18304,20 @@
       </p:sp>
       <p:sp>
         <p:nvSpPr>
-          <p:cNvPr id="65" name="Elipse 64"/>
+          <p:cNvPr id="41" name="Elipse 40"/>
           <p:cNvSpPr/>
           <p:nvPr/>
         </p:nvSpPr>
         <p:spPr>
           <a:xfrm>
-            <a:off x="4931880" y="3032258"/>
-            <a:ext cx="72000" cy="72000"/>
+            <a:off x="4690479" y="1785977"/>
+            <a:ext cx="250878" cy="353977"/>
           </a:xfrm>
           <a:prstGeom prst="ellipse">
             <a:avLst/>
           </a:prstGeom>
           <a:solidFill>
-            <a:srgbClr val="F896AB"/>
+            <a:srgbClr val="87C7D9"/>
           </a:solidFill>
           <a:ln>
             <a:noFill/>
@@ -17638,20 +18350,20 @@
       </p:sp>
       <p:sp>
         <p:nvSpPr>
-          <p:cNvPr id="66" name="Retângulo 65"/>
+          <p:cNvPr id="35" name="Retângulo 34"/>
           <p:cNvSpPr/>
           <p:nvPr/>
         </p:nvSpPr>
         <p:spPr>
           <a:xfrm>
-            <a:off x="4651516" y="2620083"/>
-            <a:ext cx="144016" cy="753418"/>
+            <a:off x="3310384" y="1425656"/>
+            <a:ext cx="585381" cy="418130"/>
           </a:xfrm>
           <a:prstGeom prst="rect">
             <a:avLst/>
           </a:prstGeom>
           <a:solidFill>
-            <a:srgbClr val="FF9999"/>
+            <a:srgbClr val="47AAC5"/>
           </a:solidFill>
           <a:ln>
             <a:noFill/>
@@ -17684,207 +18396,18 @@
       </p:sp>
       <p:sp>
         <p:nvSpPr>
-          <p:cNvPr id="67" name="Retângulo 66"/>
+          <p:cNvPr id="36" name="Elipse 35"/>
           <p:cNvSpPr/>
           <p:nvPr/>
         </p:nvSpPr>
         <p:spPr>
           <a:xfrm>
-            <a:off x="4447543" y="2083722"/>
-            <a:ext cx="540000" cy="540000"/>
+            <a:off x="3481837" y="1513483"/>
+            <a:ext cx="242476" cy="242476"/>
           </a:xfrm>
-          <a:prstGeom prst="rect">
+          <a:prstGeom prst="ellipse">
             <a:avLst/>
           </a:prstGeom>
-          <a:solidFill>
-            <a:srgbClr val="D3BBAF"/>
-          </a:solidFill>
-          <a:ln>
-            <a:noFill/>
-          </a:ln>
-        </p:spPr>
-        <p:style>
-          <a:lnRef idx="2">
-            <a:schemeClr val="accent1">
-              <a:shade val="50000"/>
-            </a:schemeClr>
-          </a:lnRef>
-          <a:fillRef idx="1">
-            <a:schemeClr val="accent1"/>
-          </a:fillRef>
-          <a:effectRef idx="0">
-            <a:schemeClr val="accent1"/>
-          </a:effectRef>
-          <a:fontRef idx="minor">
-            <a:schemeClr val="lt1"/>
-          </a:fontRef>
-        </p:style>
-        <p:txBody>
-          <a:bodyPr rtlCol="0" anchor="ctr"/>
-          <a:lstStyle/>
-          <a:p>
-            <a:pPr algn="ctr"/>
-            <a:endParaRPr lang="pt-BR"/>
-          </a:p>
-        </p:txBody>
-      </p:sp>
-      <p:sp>
-        <p:nvSpPr>
-          <p:cNvPr id="68" name="Fluxograma: Terminação 67"/>
-          <p:cNvSpPr/>
-          <p:nvPr/>
-        </p:nvSpPr>
-        <p:spPr>
-          <a:xfrm>
-            <a:off x="4266324" y="2578450"/>
-            <a:ext cx="914400" cy="45719"/>
-          </a:xfrm>
-          <a:prstGeom prst="flowChartTerminator">
-            <a:avLst/>
-          </a:prstGeom>
-          <a:solidFill>
-            <a:srgbClr val="C0C0C0"/>
-          </a:solidFill>
-          <a:ln>
-            <a:noFill/>
-          </a:ln>
-        </p:spPr>
-        <p:style>
-          <a:lnRef idx="2">
-            <a:schemeClr val="accent1">
-              <a:shade val="50000"/>
-            </a:schemeClr>
-          </a:lnRef>
-          <a:fillRef idx="1">
-            <a:schemeClr val="accent1"/>
-          </a:fillRef>
-          <a:effectRef idx="0">
-            <a:schemeClr val="accent1"/>
-          </a:effectRef>
-          <a:fontRef idx="minor">
-            <a:schemeClr val="lt1"/>
-          </a:fontRef>
-        </p:style>
-        <p:txBody>
-          <a:bodyPr rtlCol="0" anchor="ctr"/>
-          <a:lstStyle/>
-          <a:p>
-            <a:pPr algn="ctr"/>
-            <a:endParaRPr lang="pt-BR"/>
-          </a:p>
-        </p:txBody>
-      </p:sp>
-      <p:sp>
-        <p:nvSpPr>
-          <p:cNvPr id="69" name="Fluxograma: Terminação 68"/>
-          <p:cNvSpPr/>
-          <p:nvPr/>
-        </p:nvSpPr>
-        <p:spPr>
-          <a:xfrm>
-            <a:off x="4266324" y="2444907"/>
-            <a:ext cx="914400" cy="45719"/>
-          </a:xfrm>
-          <a:prstGeom prst="flowChartTerminator">
-            <a:avLst/>
-          </a:prstGeom>
-          <a:solidFill>
-            <a:srgbClr val="F5F0EA"/>
-          </a:solidFill>
-          <a:ln>
-            <a:noFill/>
-          </a:ln>
-        </p:spPr>
-        <p:style>
-          <a:lnRef idx="2">
-            <a:schemeClr val="accent1">
-              <a:shade val="50000"/>
-            </a:schemeClr>
-          </a:lnRef>
-          <a:fillRef idx="1">
-            <a:schemeClr val="accent1"/>
-          </a:fillRef>
-          <a:effectRef idx="0">
-            <a:schemeClr val="accent1"/>
-          </a:effectRef>
-          <a:fontRef idx="minor">
-            <a:schemeClr val="lt1"/>
-          </a:fontRef>
-        </p:style>
-        <p:txBody>
-          <a:bodyPr rtlCol="0" anchor="ctr"/>
-          <a:lstStyle/>
-          <a:p>
-            <a:pPr algn="ctr"/>
-            <a:endParaRPr lang="pt-BR"/>
-          </a:p>
-        </p:txBody>
-      </p:sp>
-      <p:sp>
-        <p:nvSpPr>
-          <p:cNvPr id="70" name="Forma livre 69"/>
-          <p:cNvSpPr/>
-          <p:nvPr/>
-        </p:nvSpPr>
-        <p:spPr>
-          <a:xfrm>
-            <a:off x="4651516" y="1802944"/>
-            <a:ext cx="144016" cy="466998"/>
-          </a:xfrm>
-          <a:custGeom>
-            <a:avLst/>
-            <a:gdLst>
-              <a:gd name="connsiteX0" fmla="*/ 0 w 144016"/>
-              <a:gd name="connsiteY0" fmla="*/ 0 h 559395"/>
-              <a:gd name="connsiteX1" fmla="*/ 1140 w 144016"/>
-              <a:gd name="connsiteY1" fmla="*/ 0 h 559395"/>
-              <a:gd name="connsiteX2" fmla="*/ 144016 w 144016"/>
-              <a:gd name="connsiteY2" fmla="*/ 166127 h 559395"/>
-              <a:gd name="connsiteX3" fmla="*/ 144016 w 144016"/>
-              <a:gd name="connsiteY3" fmla="*/ 559395 h 559395"/>
-              <a:gd name="connsiteX4" fmla="*/ 0 w 144016"/>
-              <a:gd name="connsiteY4" fmla="*/ 559395 h 559395"/>
-            </a:gdLst>
-            <a:ahLst/>
-            <a:cxnLst>
-              <a:cxn ang="0">
-                <a:pos x="connsiteX0" y="connsiteY0"/>
-              </a:cxn>
-              <a:cxn ang="0">
-                <a:pos x="connsiteX1" y="connsiteY1"/>
-              </a:cxn>
-              <a:cxn ang="0">
-                <a:pos x="connsiteX2" y="connsiteY2"/>
-              </a:cxn>
-              <a:cxn ang="0">
-                <a:pos x="connsiteX3" y="connsiteY3"/>
-              </a:cxn>
-              <a:cxn ang="0">
-                <a:pos x="connsiteX4" y="connsiteY4"/>
-              </a:cxn>
-            </a:cxnLst>
-            <a:rect l="l" t="t" r="r" b="b"/>
-            <a:pathLst>
-              <a:path w="144016" h="559395">
-                <a:moveTo>
-                  <a:pt x="0" y="0"/>
-                </a:moveTo>
-                <a:lnTo>
-                  <a:pt x="1140" y="0"/>
-                </a:lnTo>
-                <a:lnTo>
-                  <a:pt x="144016" y="166127"/>
-                </a:lnTo>
-                <a:lnTo>
-                  <a:pt x="144016" y="559395"/>
-                </a:lnTo>
-                <a:lnTo>
-                  <a:pt x="0" y="559395"/>
-                </a:lnTo>
-                <a:close/>
-              </a:path>
-            </a:pathLst>
-          </a:custGeom>
           <a:solidFill>
             <a:schemeClr val="bg1"/>
           </a:solidFill>
@@ -17919,20 +18442,24 @@
       </p:sp>
       <p:sp>
         <p:nvSpPr>
-          <p:cNvPr id="71" name="Retângulo 70"/>
+          <p:cNvPr id="30" name="Retângulo de cantos arredondados 29"/>
           <p:cNvSpPr/>
           <p:nvPr/>
         </p:nvSpPr>
         <p:spPr>
           <a:xfrm>
-            <a:off x="4391824" y="2075690"/>
-            <a:ext cx="648064" cy="202099"/>
+            <a:off x="3805906" y="1152117"/>
+            <a:ext cx="39712" cy="917120"/>
           </a:xfrm>
-          <a:prstGeom prst="rect">
-            <a:avLst/>
+          <a:prstGeom prst="roundRect">
+            <a:avLst>
+              <a:gd name="adj" fmla="val 50000"/>
+            </a:avLst>
           </a:prstGeom>
           <a:solidFill>
-            <a:srgbClr val="C0C0C0"/>
+            <a:srgbClr val="FFFFFF">
+              <a:alpha val="38824"/>
+            </a:srgbClr>
           </a:solidFill>
           <a:ln>
             <a:noFill/>
@@ -17965,20 +18492,117 @@
       </p:sp>
       <p:sp>
         <p:nvSpPr>
-          <p:cNvPr id="72" name="Fluxograma: Terminação 71"/>
+          <p:cNvPr id="31" name="Retângulo de cantos arredondados 30"/>
           <p:cNvSpPr/>
           <p:nvPr/>
         </p:nvSpPr>
         <p:spPr>
           <a:xfrm>
-            <a:off x="4266324" y="2269757"/>
-            <a:ext cx="914400" cy="45719"/>
+            <a:off x="3505511" y="850944"/>
+            <a:ext cx="195127" cy="27634"/>
           </a:xfrm>
-          <a:prstGeom prst="flowChartTerminator">
+          <a:prstGeom prst="roundRect">
+            <a:avLst>
+              <a:gd name="adj" fmla="val 50000"/>
+            </a:avLst>
+          </a:prstGeom>
+          <a:solidFill>
+            <a:srgbClr val="87C7D9"/>
+          </a:solidFill>
+          <a:ln>
+            <a:noFill/>
+          </a:ln>
+        </p:spPr>
+        <p:style>
+          <a:lnRef idx="2">
+            <a:schemeClr val="accent1">
+              <a:shade val="50000"/>
+            </a:schemeClr>
+          </a:lnRef>
+          <a:fillRef idx="1">
+            <a:schemeClr val="accent1"/>
+          </a:fillRef>
+          <a:effectRef idx="0">
+            <a:schemeClr val="accent1"/>
+          </a:effectRef>
+          <a:fontRef idx="minor">
+            <a:schemeClr val="lt1"/>
+          </a:fontRef>
+        </p:style>
+        <p:txBody>
+          <a:bodyPr rtlCol="0" anchor="ctr"/>
+          <a:lstStyle/>
+          <a:p>
+            <a:pPr algn="ctr"/>
+            <a:endParaRPr lang="pt-BR"/>
+          </a:p>
+        </p:txBody>
+      </p:sp>
+      <p:sp>
+        <p:nvSpPr>
+          <p:cNvPr id="32" name="Retângulo de cantos arredondados 31"/>
+          <p:cNvSpPr/>
+          <p:nvPr/>
+        </p:nvSpPr>
+        <p:spPr>
+          <a:xfrm>
+            <a:off x="3533386" y="785177"/>
+            <a:ext cx="139376" cy="209116"/>
+          </a:xfrm>
+          <a:prstGeom prst="roundRect">
             <a:avLst/>
           </a:prstGeom>
           <a:solidFill>
-            <a:srgbClr val="F5F0EA"/>
+            <a:srgbClr val="87C7D9"/>
+          </a:solidFill>
+          <a:ln>
+            <a:noFill/>
+          </a:ln>
+        </p:spPr>
+        <p:style>
+          <a:lnRef idx="2">
+            <a:schemeClr val="accent1">
+              <a:shade val="50000"/>
+            </a:schemeClr>
+          </a:lnRef>
+          <a:fillRef idx="1">
+            <a:schemeClr val="accent1"/>
+          </a:fillRef>
+          <a:effectRef idx="0">
+            <a:schemeClr val="accent1"/>
+          </a:effectRef>
+          <a:fontRef idx="minor">
+            <a:schemeClr val="lt1"/>
+          </a:fontRef>
+        </p:style>
+        <p:txBody>
+          <a:bodyPr rtlCol="0" anchor="ctr"/>
+          <a:lstStyle/>
+          <a:p>
+            <a:pPr algn="ctr"/>
+            <a:endParaRPr lang="pt-BR"/>
+          </a:p>
+        </p:txBody>
+      </p:sp>
+      <p:sp>
+        <p:nvSpPr>
+          <p:cNvPr id="33" name="Arredondar Retângulo no Mesmo Canto Lateral 32"/>
+          <p:cNvSpPr/>
+          <p:nvPr/>
+        </p:nvSpPr>
+        <p:spPr>
+          <a:xfrm>
+            <a:off x="3507611" y="731223"/>
+            <a:ext cx="190926" cy="111502"/>
+          </a:xfrm>
+          <a:prstGeom prst="round2SameRect">
+            <a:avLst>
+              <a:gd name="adj1" fmla="val 26472"/>
+              <a:gd name="adj2" fmla="val 6568"/>
+            </a:avLst>
+          </a:prstGeom>
+          <a:solidFill>
+            <a:srgbClr val="4AABC6"/>
           </a:solidFill>
           <a:ln>
             <a:noFill/>
@@ -18654,36 +19278,168 @@
           </p:sp>
         </p:grpSp>
       </p:grpSp>
+      <p:sp>
+        <p:nvSpPr>
+          <p:cNvPr id="19" name="Retângulo de cantos arredondados 18"/>
+          <p:cNvSpPr/>
+          <p:nvPr/>
+        </p:nvSpPr>
+        <p:spPr>
+          <a:xfrm>
+            <a:off x="2466109" y="160338"/>
+            <a:ext cx="2115750" cy="2115750"/>
+          </a:xfrm>
+          <a:prstGeom prst="roundRect">
+            <a:avLst/>
+          </a:prstGeom>
+          <a:solidFill>
+            <a:srgbClr val="F4C92D"/>
+          </a:solidFill>
+          <a:ln>
+            <a:noFill/>
+          </a:ln>
+        </p:spPr>
+        <p:style>
+          <a:lnRef idx="2">
+            <a:schemeClr val="accent1">
+              <a:shade val="50000"/>
+            </a:schemeClr>
+          </a:lnRef>
+          <a:fillRef idx="1">
+            <a:schemeClr val="accent1"/>
+          </a:fillRef>
+          <a:effectRef idx="0">
+            <a:schemeClr val="accent1"/>
+          </a:effectRef>
+          <a:fontRef idx="minor">
+            <a:schemeClr val="lt1"/>
+          </a:fontRef>
+        </p:style>
+        <p:txBody>
+          <a:bodyPr rtlCol="0" anchor="ctr"/>
+          <a:lstStyle/>
+          <a:p>
+            <a:pPr algn="ctr"/>
+            <a:endParaRPr lang="pt-BR"/>
+          </a:p>
+        </p:txBody>
+      </p:sp>
+      <p:sp>
+        <p:nvSpPr>
+          <p:cNvPr id="20" name="Forma livre 19"/>
+          <p:cNvSpPr/>
+          <p:nvPr/>
+        </p:nvSpPr>
+        <p:spPr>
+          <a:xfrm>
+            <a:off x="2700270" y="975708"/>
+            <a:ext cx="1881589" cy="1300378"/>
+          </a:xfrm>
+          <a:custGeom>
+            <a:avLst/>
+            <a:gdLst/>
+            <a:ahLst/>
+            <a:cxnLst/>
+            <a:rect l="l" t="t" r="r" b="b"/>
+            <a:pathLst>
+              <a:path w="2283018" h="1697240">
+                <a:moveTo>
+                  <a:pt x="476655" y="0"/>
+                </a:moveTo>
+                <a:lnTo>
+                  <a:pt x="749029" y="311285"/>
+                </a:lnTo>
+                <a:lnTo>
+                  <a:pt x="1498059" y="340468"/>
+                </a:lnTo>
+                <a:lnTo>
+                  <a:pt x="1721795" y="9727"/>
+                </a:lnTo>
+                <a:lnTo>
+                  <a:pt x="2283018" y="357893"/>
+                </a:lnTo>
+                <a:lnTo>
+                  <a:pt x="2283018" y="1269375"/>
+                </a:lnTo>
+                <a:cubicBezTo>
+                  <a:pt x="2283018" y="1505678"/>
+                  <a:pt x="2091456" y="1697240"/>
+                  <a:pt x="1855153" y="1697240"/>
+                </a:cubicBezTo>
+                <a:lnTo>
+                  <a:pt x="1043675" y="1697240"/>
+                </a:lnTo>
+                <a:lnTo>
+                  <a:pt x="0" y="379378"/>
+                </a:lnTo>
+                <a:close/>
+              </a:path>
+            </a:pathLst>
+          </a:custGeom>
+          <a:solidFill>
+            <a:srgbClr val="000000">
+              <a:alpha val="10196"/>
+            </a:srgbClr>
+          </a:solidFill>
+          <a:ln>
+            <a:noFill/>
+          </a:ln>
+        </p:spPr>
+        <p:style>
+          <a:lnRef idx="2">
+            <a:schemeClr val="accent1">
+              <a:shade val="50000"/>
+            </a:schemeClr>
+          </a:lnRef>
+          <a:fillRef idx="1">
+            <a:schemeClr val="accent1"/>
+          </a:fillRef>
+          <a:effectRef idx="0">
+            <a:schemeClr val="accent1"/>
+          </a:effectRef>
+          <a:fontRef idx="minor">
+            <a:schemeClr val="lt1"/>
+          </a:fontRef>
+        </p:style>
+        <p:txBody>
+          <a:bodyPr rtlCol="0" anchor="ctr"/>
+          <a:lstStyle/>
+          <a:p>
+            <a:pPr algn="ctr"/>
+            <a:endParaRPr lang="pt-BR"/>
+          </a:p>
+        </p:txBody>
+      </p:sp>
       <p:grpSp>
         <p:nvGrpSpPr>
-          <p:cNvPr id="18" name="Grupo 17"/>
+          <p:cNvPr id="21" name="Grupo 20"/>
           <p:cNvGrpSpPr/>
           <p:nvPr/>
         </p:nvGrpSpPr>
         <p:grpSpPr>
           <a:xfrm>
-            <a:off x="2466109" y="160338"/>
-            <a:ext cx="2115750" cy="2115750"/>
-            <a:chOff x="4813176" y="404664"/>
-            <a:chExt cx="2567136" cy="2761456"/>
+            <a:off x="2694036" y="969946"/>
+            <a:ext cx="1659896" cy="496535"/>
+            <a:chOff x="5294276" y="3504071"/>
+            <a:chExt cx="2014028" cy="648072"/>
           </a:xfrm>
         </p:grpSpPr>
         <p:sp>
           <p:nvSpPr>
-            <p:cNvPr id="19" name="Retângulo de cantos arredondados 18"/>
+            <p:cNvPr id="22" name="Retângulo 21"/>
             <p:cNvSpPr/>
             <p:nvPr/>
           </p:nvSpPr>
           <p:spPr>
             <a:xfrm>
-              <a:off x="4813176" y="404664"/>
-              <a:ext cx="2567136" cy="2761456"/>
+              <a:off x="5580112" y="3789040"/>
+              <a:ext cx="1440160" cy="78135"/>
             </a:xfrm>
-            <a:prstGeom prst="roundRect">
+            <a:prstGeom prst="rect">
               <a:avLst/>
             </a:prstGeom>
             <a:solidFill>
-              <a:srgbClr val="F4C92D"/>
+              <a:srgbClr val="4A272E"/>
             </a:solidFill>
             <a:ln>
               <a:noFill/>
@@ -18716,60 +19472,20 @@
         </p:sp>
         <p:sp>
           <p:nvSpPr>
-            <p:cNvPr id="20" name="Forma livre 19"/>
+            <p:cNvPr id="23" name="Retângulo 22"/>
             <p:cNvSpPr/>
             <p:nvPr/>
           </p:nvSpPr>
           <p:spPr>
             <a:xfrm>
-              <a:off x="5097294" y="1468877"/>
-              <a:ext cx="2283018" cy="1697240"/>
+              <a:off x="5580112" y="3504071"/>
+              <a:ext cx="196164" cy="648072"/>
             </a:xfrm>
-            <a:custGeom>
+            <a:prstGeom prst="rect">
               <a:avLst/>
-              <a:gdLst/>
-              <a:ahLst/>
-              <a:cxnLst/>
-              <a:rect l="l" t="t" r="r" b="b"/>
-              <a:pathLst>
-                <a:path w="2283018" h="1697240">
-                  <a:moveTo>
-                    <a:pt x="476655" y="0"/>
-                  </a:moveTo>
-                  <a:lnTo>
-                    <a:pt x="749029" y="311285"/>
-                  </a:lnTo>
-                  <a:lnTo>
-                    <a:pt x="1498059" y="340468"/>
-                  </a:lnTo>
-                  <a:lnTo>
-                    <a:pt x="1721795" y="9727"/>
-                  </a:lnTo>
-                  <a:lnTo>
-                    <a:pt x="2283018" y="357893"/>
-                  </a:lnTo>
-                  <a:lnTo>
-                    <a:pt x="2283018" y="1269375"/>
-                  </a:lnTo>
-                  <a:cubicBezTo>
-                    <a:pt x="2283018" y="1505678"/>
-                    <a:pt x="2091456" y="1697240"/>
-                    <a:pt x="1855153" y="1697240"/>
-                  </a:cubicBezTo>
-                  <a:lnTo>
-                    <a:pt x="1043675" y="1697240"/>
-                  </a:lnTo>
-                  <a:lnTo>
-                    <a:pt x="0" y="379378"/>
-                  </a:lnTo>
-                  <a:close/>
-                </a:path>
-              </a:pathLst>
-            </a:custGeom>
+            </a:prstGeom>
             <a:solidFill>
-              <a:srgbClr val="000000">
-                <a:alpha val="10196"/>
-              </a:srgbClr>
+              <a:srgbClr val="4A272E"/>
             </a:solidFill>
             <a:ln>
               <a:noFill/>
@@ -18800,343 +19516,236 @@
             </a:p>
           </p:txBody>
         </p:sp>
-        <p:grpSp>
-          <p:nvGrpSpPr>
-            <p:cNvPr id="21" name="Grupo 20"/>
-            <p:cNvGrpSpPr/>
+        <p:sp>
+          <p:nvSpPr>
+            <p:cNvPr id="24" name="Retângulo 23"/>
+            <p:cNvSpPr/>
             <p:nvPr/>
-          </p:nvGrpSpPr>
-          <p:grpSpPr>
+          </p:nvSpPr>
+          <p:spPr>
             <a:xfrm>
-              <a:off x="5089730" y="1461356"/>
-              <a:ext cx="2014028" cy="648072"/>
-              <a:chOff x="5294276" y="3504071"/>
-              <a:chExt cx="2014028" cy="648072"/>
+              <a:off x="6816824" y="3504071"/>
+              <a:ext cx="203448" cy="648072"/>
             </a:xfrm>
-          </p:grpSpPr>
-          <p:sp>
-            <p:nvSpPr>
-              <p:cNvPr id="22" name="Retângulo 21"/>
-              <p:cNvSpPr/>
-              <p:nvPr/>
-            </p:nvSpPr>
-            <p:spPr>
-              <a:xfrm>
-                <a:off x="5580112" y="3789040"/>
-                <a:ext cx="1440160" cy="78135"/>
-              </a:xfrm>
-              <a:prstGeom prst="rect">
-                <a:avLst/>
-              </a:prstGeom>
-              <a:solidFill>
-                <a:srgbClr val="4A272E"/>
-              </a:solidFill>
-              <a:ln>
-                <a:noFill/>
-              </a:ln>
-            </p:spPr>
-            <p:style>
-              <a:lnRef idx="2">
-                <a:schemeClr val="accent1">
-                  <a:shade val="50000"/>
-                </a:schemeClr>
-              </a:lnRef>
-              <a:fillRef idx="1">
-                <a:schemeClr val="accent1"/>
-              </a:fillRef>
-              <a:effectRef idx="0">
-                <a:schemeClr val="accent1"/>
-              </a:effectRef>
-              <a:fontRef idx="minor">
-                <a:schemeClr val="lt1"/>
-              </a:fontRef>
-            </p:style>
-            <p:txBody>
-              <a:bodyPr rtlCol="0" anchor="ctr"/>
-              <a:lstStyle/>
-              <a:p>
-                <a:pPr algn="ctr"/>
-                <a:endParaRPr lang="pt-BR"/>
-              </a:p>
-            </p:txBody>
-          </p:sp>
-          <p:sp>
-            <p:nvSpPr>
-              <p:cNvPr id="23" name="Retângulo 22"/>
-              <p:cNvSpPr/>
-              <p:nvPr/>
-            </p:nvSpPr>
-            <p:spPr>
-              <a:xfrm>
-                <a:off x="5580112" y="3504071"/>
-                <a:ext cx="196164" cy="648072"/>
-              </a:xfrm>
-              <a:prstGeom prst="rect">
-                <a:avLst/>
-              </a:prstGeom>
-              <a:solidFill>
-                <a:srgbClr val="4A272E"/>
-              </a:solidFill>
-              <a:ln>
-                <a:noFill/>
-              </a:ln>
-            </p:spPr>
-            <p:style>
-              <a:lnRef idx="2">
-                <a:schemeClr val="accent1">
-                  <a:shade val="50000"/>
-                </a:schemeClr>
-              </a:lnRef>
-              <a:fillRef idx="1">
-                <a:schemeClr val="accent1"/>
-              </a:fillRef>
-              <a:effectRef idx="0">
-                <a:schemeClr val="accent1"/>
-              </a:effectRef>
-              <a:fontRef idx="minor">
-                <a:schemeClr val="lt1"/>
-              </a:fontRef>
-            </p:style>
-            <p:txBody>
-              <a:bodyPr rtlCol="0" anchor="ctr"/>
-              <a:lstStyle/>
-              <a:p>
-                <a:pPr algn="ctr"/>
-                <a:endParaRPr lang="pt-BR"/>
-              </a:p>
-            </p:txBody>
-          </p:sp>
-          <p:sp>
-            <p:nvSpPr>
-              <p:cNvPr id="24" name="Retângulo 23"/>
-              <p:cNvSpPr/>
-              <p:nvPr/>
-            </p:nvSpPr>
-            <p:spPr>
-              <a:xfrm>
-                <a:off x="6816824" y="3504071"/>
-                <a:ext cx="203448" cy="648072"/>
-              </a:xfrm>
-              <a:prstGeom prst="rect">
-                <a:avLst/>
-              </a:prstGeom>
-              <a:solidFill>
-                <a:srgbClr val="4A272E"/>
-              </a:solidFill>
-              <a:ln>
-                <a:noFill/>
-              </a:ln>
-            </p:spPr>
-            <p:style>
-              <a:lnRef idx="2">
-                <a:schemeClr val="accent1">
-                  <a:shade val="50000"/>
-                </a:schemeClr>
-              </a:lnRef>
-              <a:fillRef idx="1">
-                <a:schemeClr val="accent1"/>
-              </a:fillRef>
-              <a:effectRef idx="0">
-                <a:schemeClr val="accent1"/>
-              </a:effectRef>
-              <a:fontRef idx="minor">
-                <a:schemeClr val="lt1"/>
-              </a:fontRef>
-            </p:style>
-            <p:txBody>
-              <a:bodyPr rtlCol="0" anchor="ctr"/>
-              <a:lstStyle/>
-              <a:p>
-                <a:pPr algn="ctr"/>
-                <a:endParaRPr lang="pt-BR"/>
-              </a:p>
-            </p:txBody>
-          </p:sp>
-          <p:sp>
-            <p:nvSpPr>
-              <p:cNvPr id="25" name="Retângulo 24"/>
-              <p:cNvSpPr/>
-              <p:nvPr/>
-            </p:nvSpPr>
-            <p:spPr>
-              <a:xfrm>
-                <a:off x="5436096" y="3601549"/>
-                <a:ext cx="144016" cy="453113"/>
-              </a:xfrm>
-              <a:prstGeom prst="rect">
-                <a:avLst/>
-              </a:prstGeom>
-              <a:solidFill>
-                <a:srgbClr val="733318"/>
-              </a:solidFill>
-              <a:ln>
-                <a:noFill/>
-              </a:ln>
-            </p:spPr>
-            <p:style>
-              <a:lnRef idx="2">
-                <a:schemeClr val="accent1">
-                  <a:shade val="50000"/>
-                </a:schemeClr>
-              </a:lnRef>
-              <a:fillRef idx="1">
-                <a:schemeClr val="accent1"/>
-              </a:fillRef>
-              <a:effectRef idx="0">
-                <a:schemeClr val="accent1"/>
-              </a:effectRef>
-              <a:fontRef idx="minor">
-                <a:schemeClr val="lt1"/>
-              </a:fontRef>
-            </p:style>
-            <p:txBody>
-              <a:bodyPr rtlCol="0" anchor="ctr"/>
-              <a:lstStyle/>
-              <a:p>
-                <a:pPr algn="ctr"/>
-                <a:endParaRPr lang="pt-BR"/>
-              </a:p>
-            </p:txBody>
-          </p:sp>
-          <p:sp>
-            <p:nvSpPr>
-              <p:cNvPr id="26" name="Retângulo 25"/>
-              <p:cNvSpPr/>
-              <p:nvPr/>
-            </p:nvSpPr>
-            <p:spPr>
-              <a:xfrm>
-                <a:off x="7020272" y="3601550"/>
-                <a:ext cx="144016" cy="453113"/>
-              </a:xfrm>
-              <a:prstGeom prst="rect">
-                <a:avLst/>
-              </a:prstGeom>
-              <a:solidFill>
-                <a:srgbClr val="733318"/>
-              </a:solidFill>
-              <a:ln>
-                <a:noFill/>
-              </a:ln>
-            </p:spPr>
-            <p:style>
-              <a:lnRef idx="2">
-                <a:schemeClr val="accent1">
-                  <a:shade val="50000"/>
-                </a:schemeClr>
-              </a:lnRef>
-              <a:fillRef idx="1">
-                <a:schemeClr val="accent1"/>
-              </a:fillRef>
-              <a:effectRef idx="0">
-                <a:schemeClr val="accent1"/>
-              </a:effectRef>
-              <a:fontRef idx="minor">
-                <a:schemeClr val="lt1"/>
-              </a:fontRef>
-            </p:style>
-            <p:txBody>
-              <a:bodyPr rtlCol="0" anchor="ctr"/>
-              <a:lstStyle/>
-              <a:p>
-                <a:pPr algn="ctr"/>
-                <a:endParaRPr lang="pt-BR"/>
-              </a:p>
-            </p:txBody>
-          </p:sp>
-          <p:sp>
-            <p:nvSpPr>
-              <p:cNvPr id="27" name="Retângulo 26"/>
-              <p:cNvSpPr/>
-              <p:nvPr/>
-            </p:nvSpPr>
-            <p:spPr>
-              <a:xfrm>
-                <a:off x="5294276" y="3742168"/>
-                <a:ext cx="144016" cy="171877"/>
-              </a:xfrm>
-              <a:prstGeom prst="rect">
-                <a:avLst/>
-              </a:prstGeom>
-              <a:solidFill>
-                <a:srgbClr val="4A272E"/>
-              </a:solidFill>
-              <a:ln>
-                <a:noFill/>
-              </a:ln>
-            </p:spPr>
-            <p:style>
-              <a:lnRef idx="2">
-                <a:schemeClr val="accent1">
-                  <a:shade val="50000"/>
-                </a:schemeClr>
-              </a:lnRef>
-              <a:fillRef idx="1">
-                <a:schemeClr val="accent1"/>
-              </a:fillRef>
-              <a:effectRef idx="0">
-                <a:schemeClr val="accent1"/>
-              </a:effectRef>
-              <a:fontRef idx="minor">
-                <a:schemeClr val="lt1"/>
-              </a:fontRef>
-            </p:style>
-            <p:txBody>
-              <a:bodyPr rtlCol="0" anchor="ctr"/>
-              <a:lstStyle/>
-              <a:p>
-                <a:pPr algn="ctr"/>
-                <a:endParaRPr lang="pt-BR"/>
-              </a:p>
-            </p:txBody>
-          </p:sp>
-          <p:sp>
-            <p:nvSpPr>
-              <p:cNvPr id="28" name="Retângulo 27"/>
-              <p:cNvSpPr/>
-              <p:nvPr/>
-            </p:nvSpPr>
-            <p:spPr>
-              <a:xfrm>
-                <a:off x="7164288" y="3742166"/>
-                <a:ext cx="144016" cy="171877"/>
-              </a:xfrm>
-              <a:prstGeom prst="rect">
-                <a:avLst/>
-              </a:prstGeom>
-              <a:solidFill>
-                <a:srgbClr val="4A272E"/>
-              </a:solidFill>
-              <a:ln>
-                <a:noFill/>
-              </a:ln>
-            </p:spPr>
-            <p:style>
-              <a:lnRef idx="2">
-                <a:schemeClr val="accent1">
-                  <a:shade val="50000"/>
-                </a:schemeClr>
-              </a:lnRef>
-              <a:fillRef idx="1">
-                <a:schemeClr val="accent1"/>
-              </a:fillRef>
-              <a:effectRef idx="0">
-                <a:schemeClr val="accent1"/>
-              </a:effectRef>
-              <a:fontRef idx="minor">
-                <a:schemeClr val="lt1"/>
-              </a:fontRef>
-            </p:style>
-            <p:txBody>
-              <a:bodyPr rtlCol="0" anchor="ctr"/>
-              <a:lstStyle/>
-              <a:p>
-                <a:pPr algn="ctr"/>
-                <a:endParaRPr lang="pt-BR"/>
-              </a:p>
-            </p:txBody>
-          </p:sp>
-        </p:grpSp>
+            <a:prstGeom prst="rect">
+              <a:avLst/>
+            </a:prstGeom>
+            <a:solidFill>
+              <a:srgbClr val="4A272E"/>
+            </a:solidFill>
+            <a:ln>
+              <a:noFill/>
+            </a:ln>
+          </p:spPr>
+          <p:style>
+            <a:lnRef idx="2">
+              <a:schemeClr val="accent1">
+                <a:shade val="50000"/>
+              </a:schemeClr>
+            </a:lnRef>
+            <a:fillRef idx="1">
+              <a:schemeClr val="accent1"/>
+            </a:fillRef>
+            <a:effectRef idx="0">
+              <a:schemeClr val="accent1"/>
+            </a:effectRef>
+            <a:fontRef idx="minor">
+              <a:schemeClr val="lt1"/>
+            </a:fontRef>
+          </p:style>
+          <p:txBody>
+            <a:bodyPr rtlCol="0" anchor="ctr"/>
+            <a:lstStyle/>
+            <a:p>
+              <a:pPr algn="ctr"/>
+              <a:endParaRPr lang="pt-BR"/>
+            </a:p>
+          </p:txBody>
+        </p:sp>
+        <p:sp>
+          <p:nvSpPr>
+            <p:cNvPr id="25" name="Retângulo 24"/>
+            <p:cNvSpPr/>
+            <p:nvPr/>
+          </p:nvSpPr>
+          <p:spPr>
+            <a:xfrm>
+              <a:off x="5436096" y="3601549"/>
+              <a:ext cx="144016" cy="453113"/>
+            </a:xfrm>
+            <a:prstGeom prst="rect">
+              <a:avLst/>
+            </a:prstGeom>
+            <a:solidFill>
+              <a:srgbClr val="733318"/>
+            </a:solidFill>
+            <a:ln>
+              <a:noFill/>
+            </a:ln>
+          </p:spPr>
+          <p:style>
+            <a:lnRef idx="2">
+              <a:schemeClr val="accent1">
+                <a:shade val="50000"/>
+              </a:schemeClr>
+            </a:lnRef>
+            <a:fillRef idx="1">
+              <a:schemeClr val="accent1"/>
+            </a:fillRef>
+            <a:effectRef idx="0">
+              <a:schemeClr val="accent1"/>
+            </a:effectRef>
+            <a:fontRef idx="minor">
+              <a:schemeClr val="lt1"/>
+            </a:fontRef>
+          </p:style>
+          <p:txBody>
+            <a:bodyPr rtlCol="0" anchor="ctr"/>
+            <a:lstStyle/>
+            <a:p>
+              <a:pPr algn="ctr"/>
+              <a:endParaRPr lang="pt-BR"/>
+            </a:p>
+          </p:txBody>
+        </p:sp>
+        <p:sp>
+          <p:nvSpPr>
+            <p:cNvPr id="26" name="Retângulo 25"/>
+            <p:cNvSpPr/>
+            <p:nvPr/>
+          </p:nvSpPr>
+          <p:spPr>
+            <a:xfrm>
+              <a:off x="7020272" y="3601550"/>
+              <a:ext cx="144016" cy="453113"/>
+            </a:xfrm>
+            <a:prstGeom prst="rect">
+              <a:avLst/>
+            </a:prstGeom>
+            <a:solidFill>
+              <a:srgbClr val="733318"/>
+            </a:solidFill>
+            <a:ln>
+              <a:noFill/>
+            </a:ln>
+          </p:spPr>
+          <p:style>
+            <a:lnRef idx="2">
+              <a:schemeClr val="accent1">
+                <a:shade val="50000"/>
+              </a:schemeClr>
+            </a:lnRef>
+            <a:fillRef idx="1">
+              <a:schemeClr val="accent1"/>
+            </a:fillRef>
+            <a:effectRef idx="0">
+              <a:schemeClr val="accent1"/>
+            </a:effectRef>
+            <a:fontRef idx="minor">
+              <a:schemeClr val="lt1"/>
+            </a:fontRef>
+          </p:style>
+          <p:txBody>
+            <a:bodyPr rtlCol="0" anchor="ctr"/>
+            <a:lstStyle/>
+            <a:p>
+              <a:pPr algn="ctr"/>
+              <a:endParaRPr lang="pt-BR"/>
+            </a:p>
+          </p:txBody>
+        </p:sp>
+        <p:sp>
+          <p:nvSpPr>
+            <p:cNvPr id="27" name="Retângulo 26"/>
+            <p:cNvSpPr/>
+            <p:nvPr/>
+          </p:nvSpPr>
+          <p:spPr>
+            <a:xfrm>
+              <a:off x="5294276" y="3742168"/>
+              <a:ext cx="144016" cy="171877"/>
+            </a:xfrm>
+            <a:prstGeom prst="rect">
+              <a:avLst/>
+            </a:prstGeom>
+            <a:solidFill>
+              <a:srgbClr val="4A272E"/>
+            </a:solidFill>
+            <a:ln>
+              <a:noFill/>
+            </a:ln>
+          </p:spPr>
+          <p:style>
+            <a:lnRef idx="2">
+              <a:schemeClr val="accent1">
+                <a:shade val="50000"/>
+              </a:schemeClr>
+            </a:lnRef>
+            <a:fillRef idx="1">
+              <a:schemeClr val="accent1"/>
+            </a:fillRef>
+            <a:effectRef idx="0">
+              <a:schemeClr val="accent1"/>
+            </a:effectRef>
+            <a:fontRef idx="minor">
+              <a:schemeClr val="lt1"/>
+            </a:fontRef>
+          </p:style>
+          <p:txBody>
+            <a:bodyPr rtlCol="0" anchor="ctr"/>
+            <a:lstStyle/>
+            <a:p>
+              <a:pPr algn="ctr"/>
+              <a:endParaRPr lang="pt-BR"/>
+            </a:p>
+          </p:txBody>
+        </p:sp>
+        <p:sp>
+          <p:nvSpPr>
+            <p:cNvPr id="28" name="Retângulo 27"/>
+            <p:cNvSpPr/>
+            <p:nvPr/>
+          </p:nvSpPr>
+          <p:spPr>
+            <a:xfrm>
+              <a:off x="7164288" y="3742166"/>
+              <a:ext cx="144016" cy="171877"/>
+            </a:xfrm>
+            <a:prstGeom prst="rect">
+              <a:avLst/>
+            </a:prstGeom>
+            <a:solidFill>
+              <a:srgbClr val="4A272E"/>
+            </a:solidFill>
+            <a:ln>
+              <a:noFill/>
+            </a:ln>
+          </p:spPr>
+          <p:style>
+            <a:lnRef idx="2">
+              <a:schemeClr val="accent1">
+                <a:shade val="50000"/>
+              </a:schemeClr>
+            </a:lnRef>
+            <a:fillRef idx="1">
+              <a:schemeClr val="accent1"/>
+            </a:fillRef>
+            <a:effectRef idx="0">
+              <a:schemeClr val="accent1"/>
+            </a:effectRef>
+            <a:fontRef idx="minor">
+              <a:schemeClr val="lt1"/>
+            </a:fontRef>
+          </p:style>
+          <p:txBody>
+            <a:bodyPr rtlCol="0" anchor="ctr"/>
+            <a:lstStyle/>
+            <a:p>
+              <a:pPr algn="ctr"/>
+              <a:endParaRPr lang="pt-BR"/>
+            </a:p>
+          </p:txBody>
+        </p:sp>
       </p:grpSp>
       <p:grpSp>
         <p:nvGrpSpPr>
@@ -21214,6 +21823,1120 @@
             </a:p>
           </p:txBody>
         </p:sp>
+      </p:grpSp>
+      <p:grpSp>
+        <p:nvGrpSpPr>
+          <p:cNvPr id="30" name="Grupo 29"/>
+          <p:cNvGrpSpPr/>
+          <p:nvPr/>
+        </p:nvGrpSpPr>
+        <p:grpSpPr>
+          <a:xfrm>
+            <a:off x="5193017" y="2223534"/>
+            <a:ext cx="1998431" cy="1998431"/>
+            <a:chOff x="5292080" y="2283455"/>
+            <a:chExt cx="1998431" cy="1998431"/>
+          </a:xfrm>
+        </p:grpSpPr>
+        <p:sp>
+          <p:nvSpPr>
+            <p:cNvPr id="84" name="Retângulo de cantos arredondados 83"/>
+            <p:cNvSpPr/>
+            <p:nvPr/>
+          </p:nvSpPr>
+          <p:spPr>
+            <a:xfrm>
+              <a:off x="5292080" y="2283455"/>
+              <a:ext cx="1998431" cy="1998431"/>
+            </a:xfrm>
+            <a:prstGeom prst="roundRect">
+              <a:avLst/>
+            </a:prstGeom>
+            <a:solidFill>
+              <a:srgbClr val="79CD4B"/>
+            </a:solidFill>
+            <a:ln>
+              <a:noFill/>
+            </a:ln>
+          </p:spPr>
+          <p:style>
+            <a:lnRef idx="2">
+              <a:schemeClr val="accent1">
+                <a:shade val="50000"/>
+              </a:schemeClr>
+            </a:lnRef>
+            <a:fillRef idx="1">
+              <a:schemeClr val="accent1"/>
+            </a:fillRef>
+            <a:effectRef idx="0">
+              <a:schemeClr val="accent1"/>
+            </a:effectRef>
+            <a:fontRef idx="minor">
+              <a:schemeClr val="lt1"/>
+            </a:fontRef>
+          </p:style>
+          <p:txBody>
+            <a:bodyPr rtlCol="0" anchor="ctr"/>
+            <a:lstStyle/>
+            <a:p>
+              <a:pPr algn="ctr"/>
+              <a:endParaRPr lang="pt-BR"/>
+            </a:p>
+          </p:txBody>
+        </p:sp>
+        <p:grpSp>
+          <p:nvGrpSpPr>
+            <p:cNvPr id="29" name="Grupo 28"/>
+            <p:cNvGrpSpPr/>
+            <p:nvPr/>
+          </p:nvGrpSpPr>
+          <p:grpSpPr>
+            <a:xfrm>
+              <a:off x="5842221" y="2322058"/>
+              <a:ext cx="898147" cy="1670661"/>
+              <a:chOff x="3241512" y="2835111"/>
+              <a:chExt cx="626959" cy="1166219"/>
+            </a:xfrm>
+          </p:grpSpPr>
+          <p:sp>
+            <p:nvSpPr>
+              <p:cNvPr id="85" name="Retângulo de cantos arredondados 2"/>
+              <p:cNvSpPr/>
+              <p:nvPr/>
+            </p:nvSpPr>
+            <p:spPr>
+              <a:xfrm>
+                <a:off x="3241512" y="3277860"/>
+                <a:ext cx="626959" cy="723470"/>
+              </a:xfrm>
+              <a:custGeom>
+                <a:avLst/>
+                <a:gdLst>
+                  <a:gd name="connsiteX0" fmla="*/ 0 w 1152128"/>
+                  <a:gd name="connsiteY0" fmla="*/ 180020 h 1368152"/>
+                  <a:gd name="connsiteX1" fmla="*/ 180020 w 1152128"/>
+                  <a:gd name="connsiteY1" fmla="*/ 0 h 1368152"/>
+                  <a:gd name="connsiteX2" fmla="*/ 972108 w 1152128"/>
+                  <a:gd name="connsiteY2" fmla="*/ 0 h 1368152"/>
+                  <a:gd name="connsiteX3" fmla="*/ 1152128 w 1152128"/>
+                  <a:gd name="connsiteY3" fmla="*/ 180020 h 1368152"/>
+                  <a:gd name="connsiteX4" fmla="*/ 1152128 w 1152128"/>
+                  <a:gd name="connsiteY4" fmla="*/ 1188132 h 1368152"/>
+                  <a:gd name="connsiteX5" fmla="*/ 972108 w 1152128"/>
+                  <a:gd name="connsiteY5" fmla="*/ 1368152 h 1368152"/>
+                  <a:gd name="connsiteX6" fmla="*/ 180020 w 1152128"/>
+                  <a:gd name="connsiteY6" fmla="*/ 1368152 h 1368152"/>
+                  <a:gd name="connsiteX7" fmla="*/ 0 w 1152128"/>
+                  <a:gd name="connsiteY7" fmla="*/ 1188132 h 1368152"/>
+                  <a:gd name="connsiteX8" fmla="*/ 0 w 1152128"/>
+                  <a:gd name="connsiteY8" fmla="*/ 180020 h 1368152"/>
+                  <a:gd name="connsiteX0" fmla="*/ 57150 w 1152128"/>
+                  <a:gd name="connsiteY0" fmla="*/ 184782 h 1368152"/>
+                  <a:gd name="connsiteX1" fmla="*/ 180020 w 1152128"/>
+                  <a:gd name="connsiteY1" fmla="*/ 0 h 1368152"/>
+                  <a:gd name="connsiteX2" fmla="*/ 972108 w 1152128"/>
+                  <a:gd name="connsiteY2" fmla="*/ 0 h 1368152"/>
+                  <a:gd name="connsiteX3" fmla="*/ 1152128 w 1152128"/>
+                  <a:gd name="connsiteY3" fmla="*/ 180020 h 1368152"/>
+                  <a:gd name="connsiteX4" fmla="*/ 1152128 w 1152128"/>
+                  <a:gd name="connsiteY4" fmla="*/ 1188132 h 1368152"/>
+                  <a:gd name="connsiteX5" fmla="*/ 972108 w 1152128"/>
+                  <a:gd name="connsiteY5" fmla="*/ 1368152 h 1368152"/>
+                  <a:gd name="connsiteX6" fmla="*/ 180020 w 1152128"/>
+                  <a:gd name="connsiteY6" fmla="*/ 1368152 h 1368152"/>
+                  <a:gd name="connsiteX7" fmla="*/ 0 w 1152128"/>
+                  <a:gd name="connsiteY7" fmla="*/ 1188132 h 1368152"/>
+                  <a:gd name="connsiteX8" fmla="*/ 57150 w 1152128"/>
+                  <a:gd name="connsiteY8" fmla="*/ 184782 h 1368152"/>
+                  <a:gd name="connsiteX0" fmla="*/ 57150 w 1152128"/>
+                  <a:gd name="connsiteY0" fmla="*/ 184782 h 1368152"/>
+                  <a:gd name="connsiteX1" fmla="*/ 180020 w 1152128"/>
+                  <a:gd name="connsiteY1" fmla="*/ 0 h 1368152"/>
+                  <a:gd name="connsiteX2" fmla="*/ 972108 w 1152128"/>
+                  <a:gd name="connsiteY2" fmla="*/ 0 h 1368152"/>
+                  <a:gd name="connsiteX3" fmla="*/ 1085453 w 1152128"/>
+                  <a:gd name="connsiteY3" fmla="*/ 175257 h 1368152"/>
+                  <a:gd name="connsiteX4" fmla="*/ 1152128 w 1152128"/>
+                  <a:gd name="connsiteY4" fmla="*/ 1188132 h 1368152"/>
+                  <a:gd name="connsiteX5" fmla="*/ 972108 w 1152128"/>
+                  <a:gd name="connsiteY5" fmla="*/ 1368152 h 1368152"/>
+                  <a:gd name="connsiteX6" fmla="*/ 180020 w 1152128"/>
+                  <a:gd name="connsiteY6" fmla="*/ 1368152 h 1368152"/>
+                  <a:gd name="connsiteX7" fmla="*/ 0 w 1152128"/>
+                  <a:gd name="connsiteY7" fmla="*/ 1188132 h 1368152"/>
+                  <a:gd name="connsiteX8" fmla="*/ 57150 w 1152128"/>
+                  <a:gd name="connsiteY8" fmla="*/ 184782 h 1368152"/>
+                  <a:gd name="connsiteX0" fmla="*/ 0 w 1152128"/>
+                  <a:gd name="connsiteY0" fmla="*/ 1188132 h 1368152"/>
+                  <a:gd name="connsiteX1" fmla="*/ 180020 w 1152128"/>
+                  <a:gd name="connsiteY1" fmla="*/ 0 h 1368152"/>
+                  <a:gd name="connsiteX2" fmla="*/ 972108 w 1152128"/>
+                  <a:gd name="connsiteY2" fmla="*/ 0 h 1368152"/>
+                  <a:gd name="connsiteX3" fmla="*/ 1085453 w 1152128"/>
+                  <a:gd name="connsiteY3" fmla="*/ 175257 h 1368152"/>
+                  <a:gd name="connsiteX4" fmla="*/ 1152128 w 1152128"/>
+                  <a:gd name="connsiteY4" fmla="*/ 1188132 h 1368152"/>
+                  <a:gd name="connsiteX5" fmla="*/ 972108 w 1152128"/>
+                  <a:gd name="connsiteY5" fmla="*/ 1368152 h 1368152"/>
+                  <a:gd name="connsiteX6" fmla="*/ 180020 w 1152128"/>
+                  <a:gd name="connsiteY6" fmla="*/ 1368152 h 1368152"/>
+                  <a:gd name="connsiteX7" fmla="*/ 0 w 1152128"/>
+                  <a:gd name="connsiteY7" fmla="*/ 1188132 h 1368152"/>
+                  <a:gd name="connsiteX0" fmla="*/ 0 w 1152128"/>
+                  <a:gd name="connsiteY0" fmla="*/ 1188132 h 1368152"/>
+                  <a:gd name="connsiteX1" fmla="*/ 180020 w 1152128"/>
+                  <a:gd name="connsiteY1" fmla="*/ 0 h 1368152"/>
+                  <a:gd name="connsiteX2" fmla="*/ 972108 w 1152128"/>
+                  <a:gd name="connsiteY2" fmla="*/ 0 h 1368152"/>
+                  <a:gd name="connsiteX3" fmla="*/ 1152128 w 1152128"/>
+                  <a:gd name="connsiteY3" fmla="*/ 1188132 h 1368152"/>
+                  <a:gd name="connsiteX4" fmla="*/ 972108 w 1152128"/>
+                  <a:gd name="connsiteY4" fmla="*/ 1368152 h 1368152"/>
+                  <a:gd name="connsiteX5" fmla="*/ 180020 w 1152128"/>
+                  <a:gd name="connsiteY5" fmla="*/ 1368152 h 1368152"/>
+                  <a:gd name="connsiteX6" fmla="*/ 0 w 1152128"/>
+                  <a:gd name="connsiteY6" fmla="*/ 1188132 h 1368152"/>
+                  <a:gd name="connsiteX0" fmla="*/ 0 w 1152128"/>
+                  <a:gd name="connsiteY0" fmla="*/ 1223322 h 1403342"/>
+                  <a:gd name="connsiteX1" fmla="*/ 194307 w 1152128"/>
+                  <a:gd name="connsiteY1" fmla="*/ 0 h 1403342"/>
+                  <a:gd name="connsiteX2" fmla="*/ 972108 w 1152128"/>
+                  <a:gd name="connsiteY2" fmla="*/ 35190 h 1403342"/>
+                  <a:gd name="connsiteX3" fmla="*/ 1152128 w 1152128"/>
+                  <a:gd name="connsiteY3" fmla="*/ 1223322 h 1403342"/>
+                  <a:gd name="connsiteX4" fmla="*/ 972108 w 1152128"/>
+                  <a:gd name="connsiteY4" fmla="*/ 1403342 h 1403342"/>
+                  <a:gd name="connsiteX5" fmla="*/ 180020 w 1152128"/>
+                  <a:gd name="connsiteY5" fmla="*/ 1403342 h 1403342"/>
+                  <a:gd name="connsiteX6" fmla="*/ 0 w 1152128"/>
+                  <a:gd name="connsiteY6" fmla="*/ 1223322 h 1403342"/>
+                  <a:gd name="connsiteX0" fmla="*/ 0 w 1152128"/>
+                  <a:gd name="connsiteY0" fmla="*/ 1223322 h 1403342"/>
+                  <a:gd name="connsiteX1" fmla="*/ 194307 w 1152128"/>
+                  <a:gd name="connsiteY1" fmla="*/ 0 h 1403342"/>
+                  <a:gd name="connsiteX2" fmla="*/ 953058 w 1152128"/>
+                  <a:gd name="connsiteY2" fmla="*/ 5028 h 1403342"/>
+                  <a:gd name="connsiteX3" fmla="*/ 1152128 w 1152128"/>
+                  <a:gd name="connsiteY3" fmla="*/ 1223322 h 1403342"/>
+                  <a:gd name="connsiteX4" fmla="*/ 972108 w 1152128"/>
+                  <a:gd name="connsiteY4" fmla="*/ 1403342 h 1403342"/>
+                  <a:gd name="connsiteX5" fmla="*/ 180020 w 1152128"/>
+                  <a:gd name="connsiteY5" fmla="*/ 1403342 h 1403342"/>
+                  <a:gd name="connsiteX6" fmla="*/ 0 w 1152128"/>
+                  <a:gd name="connsiteY6" fmla="*/ 1223322 h 1403342"/>
+                </a:gdLst>
+                <a:ahLst/>
+                <a:cxnLst>
+                  <a:cxn ang="0">
+                    <a:pos x="connsiteX0" y="connsiteY0"/>
+                  </a:cxn>
+                  <a:cxn ang="0">
+                    <a:pos x="connsiteX1" y="connsiteY1"/>
+                  </a:cxn>
+                  <a:cxn ang="0">
+                    <a:pos x="connsiteX2" y="connsiteY2"/>
+                  </a:cxn>
+                  <a:cxn ang="0">
+                    <a:pos x="connsiteX3" y="connsiteY3"/>
+                  </a:cxn>
+                  <a:cxn ang="0">
+                    <a:pos x="connsiteX4" y="connsiteY4"/>
+                  </a:cxn>
+                  <a:cxn ang="0">
+                    <a:pos x="connsiteX5" y="connsiteY5"/>
+                  </a:cxn>
+                  <a:cxn ang="0">
+                    <a:pos x="connsiteX6" y="connsiteY6"/>
+                  </a:cxn>
+                </a:cxnLst>
+                <a:rect l="l" t="t" r="r" b="b"/>
+                <a:pathLst>
+                  <a:path w="1152128" h="1403342">
+                    <a:moveTo>
+                      <a:pt x="0" y="1223322"/>
+                    </a:moveTo>
+                    <a:cubicBezTo>
+                      <a:pt x="0" y="995297"/>
+                      <a:pt x="32289" y="198022"/>
+                      <a:pt x="194307" y="0"/>
+                    </a:cubicBezTo>
+                    <a:lnTo>
+                      <a:pt x="953058" y="5028"/>
+                    </a:lnTo>
+                    <a:cubicBezTo>
+                      <a:pt x="1115076" y="203050"/>
+                      <a:pt x="1152128" y="995297"/>
+                      <a:pt x="1152128" y="1223322"/>
+                    </a:cubicBezTo>
+                    <a:cubicBezTo>
+                      <a:pt x="1152128" y="1322744"/>
+                      <a:pt x="1071530" y="1403342"/>
+                      <a:pt x="972108" y="1403342"/>
+                    </a:cubicBezTo>
+                    <a:lnTo>
+                      <a:pt x="180020" y="1403342"/>
+                    </a:lnTo>
+                    <a:cubicBezTo>
+                      <a:pt x="80598" y="1403342"/>
+                      <a:pt x="0" y="1322744"/>
+                      <a:pt x="0" y="1223322"/>
+                    </a:cubicBezTo>
+                    <a:close/>
+                  </a:path>
+                </a:pathLst>
+              </a:custGeom>
+              <a:solidFill>
+                <a:srgbClr val="F5F0EA"/>
+              </a:solidFill>
+              <a:ln>
+                <a:noFill/>
+              </a:ln>
+            </p:spPr>
+            <p:style>
+              <a:lnRef idx="2">
+                <a:schemeClr val="accent1">
+                  <a:shade val="50000"/>
+                </a:schemeClr>
+              </a:lnRef>
+              <a:fillRef idx="1">
+                <a:schemeClr val="accent1"/>
+              </a:fillRef>
+              <a:effectRef idx="0">
+                <a:schemeClr val="accent1"/>
+              </a:effectRef>
+              <a:fontRef idx="minor">
+                <a:schemeClr val="lt1"/>
+              </a:fontRef>
+            </p:style>
+            <p:txBody>
+              <a:bodyPr rtlCol="0" anchor="ctr"/>
+              <a:lstStyle/>
+              <a:p>
+                <a:pPr algn="ctr"/>
+                <a:endParaRPr lang="pt-BR"/>
+              </a:p>
+            </p:txBody>
+          </p:sp>
+          <p:sp>
+            <p:nvSpPr>
+              <p:cNvPr id="86" name="Trapezoide 85"/>
+              <p:cNvSpPr/>
+              <p:nvPr/>
+            </p:nvSpPr>
+            <p:spPr>
+              <a:xfrm>
+                <a:off x="3306195" y="3609482"/>
+                <a:ext cx="497593" cy="313479"/>
+              </a:xfrm>
+              <a:prstGeom prst="trapezoid">
+                <a:avLst>
+                  <a:gd name="adj" fmla="val 11458"/>
+                </a:avLst>
+              </a:prstGeom>
+              <a:solidFill>
+                <a:srgbClr val="FFC000"/>
+              </a:solidFill>
+              <a:ln>
+                <a:noFill/>
+              </a:ln>
+            </p:spPr>
+            <p:style>
+              <a:lnRef idx="2">
+                <a:schemeClr val="accent1">
+                  <a:shade val="50000"/>
+                </a:schemeClr>
+              </a:lnRef>
+              <a:fillRef idx="1">
+                <a:schemeClr val="accent1"/>
+              </a:fillRef>
+              <a:effectRef idx="0">
+                <a:schemeClr val="accent1"/>
+              </a:effectRef>
+              <a:fontRef idx="minor">
+                <a:schemeClr val="lt1"/>
+              </a:fontRef>
+            </p:style>
+            <p:txBody>
+              <a:bodyPr rtlCol="0" anchor="ctr"/>
+              <a:lstStyle/>
+              <a:p>
+                <a:pPr algn="ctr"/>
+                <a:endParaRPr lang="pt-BR"/>
+              </a:p>
+            </p:txBody>
+          </p:sp>
+          <p:sp>
+            <p:nvSpPr>
+              <p:cNvPr id="87" name="Elipse 86"/>
+              <p:cNvSpPr/>
+              <p:nvPr/>
+            </p:nvSpPr>
+            <p:spPr>
+              <a:xfrm>
+                <a:off x="3594176" y="3772655"/>
+                <a:ext cx="39181" cy="39181"/>
+              </a:xfrm>
+              <a:prstGeom prst="ellipse">
+                <a:avLst/>
+              </a:prstGeom>
+              <a:solidFill>
+                <a:srgbClr val="FFC000"/>
+              </a:solidFill>
+              <a:ln>
+                <a:noFill/>
+              </a:ln>
+            </p:spPr>
+            <p:style>
+              <a:lnRef idx="2">
+                <a:schemeClr val="accent1">
+                  <a:shade val="50000"/>
+                </a:schemeClr>
+              </a:lnRef>
+              <a:fillRef idx="1">
+                <a:schemeClr val="accent1"/>
+              </a:fillRef>
+              <a:effectRef idx="0">
+                <a:schemeClr val="accent1"/>
+              </a:effectRef>
+              <a:fontRef idx="minor">
+                <a:schemeClr val="lt1"/>
+              </a:fontRef>
+            </p:style>
+            <p:txBody>
+              <a:bodyPr rtlCol="0" anchor="ctr"/>
+              <a:lstStyle/>
+              <a:p>
+                <a:pPr algn="ctr"/>
+                <a:endParaRPr lang="pt-BR"/>
+              </a:p>
+            </p:txBody>
+          </p:sp>
+          <p:sp>
+            <p:nvSpPr>
+              <p:cNvPr id="88" name="Elipse 87"/>
+              <p:cNvSpPr/>
+              <p:nvPr/>
+            </p:nvSpPr>
+            <p:spPr>
+              <a:xfrm>
+                <a:off x="3398252" y="3844591"/>
+                <a:ext cx="39181" cy="39181"/>
+              </a:xfrm>
+              <a:prstGeom prst="ellipse">
+                <a:avLst/>
+              </a:prstGeom>
+              <a:solidFill>
+                <a:srgbClr val="FFC000"/>
+              </a:solidFill>
+              <a:ln>
+                <a:noFill/>
+              </a:ln>
+            </p:spPr>
+            <p:style>
+              <a:lnRef idx="2">
+                <a:schemeClr val="accent1">
+                  <a:shade val="50000"/>
+                </a:schemeClr>
+              </a:lnRef>
+              <a:fillRef idx="1">
+                <a:schemeClr val="accent1"/>
+              </a:fillRef>
+              <a:effectRef idx="0">
+                <a:schemeClr val="accent1"/>
+              </a:effectRef>
+              <a:fontRef idx="minor">
+                <a:schemeClr val="lt1"/>
+              </a:fontRef>
+            </p:style>
+            <p:txBody>
+              <a:bodyPr rtlCol="0" anchor="ctr"/>
+              <a:lstStyle/>
+              <a:p>
+                <a:pPr algn="ctr"/>
+                <a:endParaRPr lang="pt-BR"/>
+              </a:p>
+            </p:txBody>
+          </p:sp>
+          <p:sp>
+            <p:nvSpPr>
+              <p:cNvPr id="89" name="Elipse 88"/>
+              <p:cNvSpPr/>
+              <p:nvPr/>
+            </p:nvSpPr>
+            <p:spPr>
+              <a:xfrm>
+                <a:off x="3437432" y="3589891"/>
+                <a:ext cx="39181" cy="39181"/>
+              </a:xfrm>
+              <a:prstGeom prst="ellipse">
+                <a:avLst/>
+              </a:prstGeom>
+              <a:solidFill>
+                <a:srgbClr val="FFC000"/>
+              </a:solidFill>
+              <a:ln>
+                <a:noFill/>
+              </a:ln>
+            </p:spPr>
+            <p:style>
+              <a:lnRef idx="2">
+                <a:schemeClr val="accent1">
+                  <a:shade val="50000"/>
+                </a:schemeClr>
+              </a:lnRef>
+              <a:fillRef idx="1">
+                <a:schemeClr val="accent1"/>
+              </a:fillRef>
+              <a:effectRef idx="0">
+                <a:schemeClr val="accent1"/>
+              </a:effectRef>
+              <a:fontRef idx="minor">
+                <a:schemeClr val="lt1"/>
+              </a:fontRef>
+            </p:style>
+            <p:txBody>
+              <a:bodyPr rtlCol="0" anchor="ctr"/>
+              <a:lstStyle/>
+              <a:p>
+                <a:pPr algn="ctr"/>
+                <a:endParaRPr lang="pt-BR"/>
+              </a:p>
+            </p:txBody>
+          </p:sp>
+          <p:sp>
+            <p:nvSpPr>
+              <p:cNvPr id="90" name="Elipse 89"/>
+              <p:cNvSpPr/>
+              <p:nvPr/>
+            </p:nvSpPr>
+            <p:spPr>
+              <a:xfrm>
+                <a:off x="3672546" y="3504073"/>
+                <a:ext cx="39181" cy="39181"/>
+              </a:xfrm>
+              <a:prstGeom prst="ellipse">
+                <a:avLst/>
+              </a:prstGeom>
+              <a:solidFill>
+                <a:srgbClr val="FFC000"/>
+              </a:solidFill>
+              <a:ln>
+                <a:noFill/>
+              </a:ln>
+            </p:spPr>
+            <p:style>
+              <a:lnRef idx="2">
+                <a:schemeClr val="accent1">
+                  <a:shade val="50000"/>
+                </a:schemeClr>
+              </a:lnRef>
+              <a:fillRef idx="1">
+                <a:schemeClr val="accent1"/>
+              </a:fillRef>
+              <a:effectRef idx="0">
+                <a:schemeClr val="accent1"/>
+              </a:effectRef>
+              <a:fontRef idx="minor">
+                <a:schemeClr val="lt1"/>
+              </a:fontRef>
+            </p:style>
+            <p:txBody>
+              <a:bodyPr rtlCol="0" anchor="ctr"/>
+              <a:lstStyle/>
+              <a:p>
+                <a:pPr algn="ctr"/>
+                <a:endParaRPr lang="pt-BR"/>
+              </a:p>
+            </p:txBody>
+          </p:sp>
+          <p:sp>
+            <p:nvSpPr>
+              <p:cNvPr id="91" name="Retângulo 90"/>
+              <p:cNvSpPr/>
+              <p:nvPr/>
+            </p:nvSpPr>
+            <p:spPr>
+              <a:xfrm>
+                <a:off x="3519979" y="3279778"/>
+                <a:ext cx="78370" cy="409991"/>
+              </a:xfrm>
+              <a:prstGeom prst="rect">
+                <a:avLst/>
+              </a:prstGeom>
+              <a:solidFill>
+                <a:srgbClr val="FFC000"/>
+              </a:solidFill>
+              <a:ln>
+                <a:noFill/>
+              </a:ln>
+            </p:spPr>
+            <p:style>
+              <a:lnRef idx="2">
+                <a:schemeClr val="accent1">
+                  <a:shade val="50000"/>
+                </a:schemeClr>
+              </a:lnRef>
+              <a:fillRef idx="1">
+                <a:schemeClr val="accent1"/>
+              </a:fillRef>
+              <a:effectRef idx="0">
+                <a:schemeClr val="accent1"/>
+              </a:effectRef>
+              <a:fontRef idx="minor">
+                <a:schemeClr val="lt1"/>
+              </a:fontRef>
+            </p:style>
+            <p:txBody>
+              <a:bodyPr rtlCol="0" anchor="ctr"/>
+              <a:lstStyle/>
+              <a:p>
+                <a:pPr algn="ctr"/>
+                <a:endParaRPr lang="pt-BR"/>
+              </a:p>
+            </p:txBody>
+          </p:sp>
+          <p:sp>
+            <p:nvSpPr>
+              <p:cNvPr id="92" name="Retângulo 91"/>
+              <p:cNvSpPr/>
+              <p:nvPr/>
+            </p:nvSpPr>
+            <p:spPr>
+              <a:xfrm>
+                <a:off x="3408982" y="2987904"/>
+                <a:ext cx="293854" cy="293854"/>
+              </a:xfrm>
+              <a:prstGeom prst="rect">
+                <a:avLst/>
+              </a:prstGeom>
+              <a:solidFill>
+                <a:srgbClr val="D3BBAF"/>
+              </a:solidFill>
+              <a:ln>
+                <a:noFill/>
+              </a:ln>
+            </p:spPr>
+            <p:style>
+              <a:lnRef idx="2">
+                <a:schemeClr val="accent1">
+                  <a:shade val="50000"/>
+                </a:schemeClr>
+              </a:lnRef>
+              <a:fillRef idx="1">
+                <a:schemeClr val="accent1"/>
+              </a:fillRef>
+              <a:effectRef idx="0">
+                <a:schemeClr val="accent1"/>
+              </a:effectRef>
+              <a:fontRef idx="minor">
+                <a:schemeClr val="lt1"/>
+              </a:fontRef>
+            </p:style>
+            <p:txBody>
+              <a:bodyPr rtlCol="0" anchor="ctr"/>
+              <a:lstStyle/>
+              <a:p>
+                <a:pPr algn="ctr"/>
+                <a:endParaRPr lang="pt-BR"/>
+              </a:p>
+            </p:txBody>
+          </p:sp>
+          <p:sp>
+            <p:nvSpPr>
+              <p:cNvPr id="93" name="Fluxograma: Terminação 92"/>
+              <p:cNvSpPr/>
+              <p:nvPr/>
+            </p:nvSpPr>
+            <p:spPr>
+              <a:xfrm>
+                <a:off x="3310368" y="3257122"/>
+                <a:ext cx="497593" cy="24879"/>
+              </a:xfrm>
+              <a:prstGeom prst="flowChartTerminator">
+                <a:avLst/>
+              </a:prstGeom>
+              <a:solidFill>
+                <a:srgbClr val="C0C0C0"/>
+              </a:solidFill>
+              <a:ln>
+                <a:noFill/>
+              </a:ln>
+            </p:spPr>
+            <p:style>
+              <a:lnRef idx="2">
+                <a:schemeClr val="accent1">
+                  <a:shade val="50000"/>
+                </a:schemeClr>
+              </a:lnRef>
+              <a:fillRef idx="1">
+                <a:schemeClr val="accent1"/>
+              </a:fillRef>
+              <a:effectRef idx="0">
+                <a:schemeClr val="accent1"/>
+              </a:effectRef>
+              <a:fontRef idx="minor">
+                <a:schemeClr val="lt1"/>
+              </a:fontRef>
+            </p:style>
+            <p:txBody>
+              <a:bodyPr rtlCol="0" anchor="ctr"/>
+              <a:lstStyle/>
+              <a:p>
+                <a:pPr algn="ctr"/>
+                <a:endParaRPr lang="pt-BR"/>
+              </a:p>
+            </p:txBody>
+          </p:sp>
+          <p:sp>
+            <p:nvSpPr>
+              <p:cNvPr id="94" name="Fluxograma: Terminação 93"/>
+              <p:cNvSpPr/>
+              <p:nvPr/>
+            </p:nvSpPr>
+            <p:spPr>
+              <a:xfrm>
+                <a:off x="3310368" y="3184451"/>
+                <a:ext cx="497593" cy="24879"/>
+              </a:xfrm>
+              <a:prstGeom prst="flowChartTerminator">
+                <a:avLst/>
+              </a:prstGeom>
+              <a:solidFill>
+                <a:srgbClr val="F5F0EA"/>
+              </a:solidFill>
+              <a:ln>
+                <a:noFill/>
+              </a:ln>
+            </p:spPr>
+            <p:style>
+              <a:lnRef idx="2">
+                <a:schemeClr val="accent1">
+                  <a:shade val="50000"/>
+                </a:schemeClr>
+              </a:lnRef>
+              <a:fillRef idx="1">
+                <a:schemeClr val="accent1"/>
+              </a:fillRef>
+              <a:effectRef idx="0">
+                <a:schemeClr val="accent1"/>
+              </a:effectRef>
+              <a:fontRef idx="minor">
+                <a:schemeClr val="lt1"/>
+              </a:fontRef>
+            </p:style>
+            <p:txBody>
+              <a:bodyPr rtlCol="0" anchor="ctr"/>
+              <a:lstStyle/>
+              <a:p>
+                <a:pPr algn="ctr"/>
+                <a:endParaRPr lang="pt-BR"/>
+              </a:p>
+            </p:txBody>
+          </p:sp>
+          <p:sp>
+            <p:nvSpPr>
+              <p:cNvPr id="95" name="Forma livre 94"/>
+              <p:cNvSpPr/>
+              <p:nvPr/>
+            </p:nvSpPr>
+            <p:spPr>
+              <a:xfrm>
+                <a:off x="3519979" y="2835111"/>
+                <a:ext cx="78370" cy="254128"/>
+              </a:xfrm>
+              <a:custGeom>
+                <a:avLst/>
+                <a:gdLst>
+                  <a:gd name="connsiteX0" fmla="*/ 0 w 144016"/>
+                  <a:gd name="connsiteY0" fmla="*/ 0 h 559395"/>
+                  <a:gd name="connsiteX1" fmla="*/ 1140 w 144016"/>
+                  <a:gd name="connsiteY1" fmla="*/ 0 h 559395"/>
+                  <a:gd name="connsiteX2" fmla="*/ 144016 w 144016"/>
+                  <a:gd name="connsiteY2" fmla="*/ 166127 h 559395"/>
+                  <a:gd name="connsiteX3" fmla="*/ 144016 w 144016"/>
+                  <a:gd name="connsiteY3" fmla="*/ 559395 h 559395"/>
+                  <a:gd name="connsiteX4" fmla="*/ 0 w 144016"/>
+                  <a:gd name="connsiteY4" fmla="*/ 559395 h 559395"/>
+                </a:gdLst>
+                <a:ahLst/>
+                <a:cxnLst>
+                  <a:cxn ang="0">
+                    <a:pos x="connsiteX0" y="connsiteY0"/>
+                  </a:cxn>
+                  <a:cxn ang="0">
+                    <a:pos x="connsiteX1" y="connsiteY1"/>
+                  </a:cxn>
+                  <a:cxn ang="0">
+                    <a:pos x="connsiteX2" y="connsiteY2"/>
+                  </a:cxn>
+                  <a:cxn ang="0">
+                    <a:pos x="connsiteX3" y="connsiteY3"/>
+                  </a:cxn>
+                  <a:cxn ang="0">
+                    <a:pos x="connsiteX4" y="connsiteY4"/>
+                  </a:cxn>
+                </a:cxnLst>
+                <a:rect l="l" t="t" r="r" b="b"/>
+                <a:pathLst>
+                  <a:path w="144016" h="559395">
+                    <a:moveTo>
+                      <a:pt x="0" y="0"/>
+                    </a:moveTo>
+                    <a:lnTo>
+                      <a:pt x="1140" y="0"/>
+                    </a:lnTo>
+                    <a:lnTo>
+                      <a:pt x="144016" y="166127"/>
+                    </a:lnTo>
+                    <a:lnTo>
+                      <a:pt x="144016" y="559395"/>
+                    </a:lnTo>
+                    <a:lnTo>
+                      <a:pt x="0" y="559395"/>
+                    </a:lnTo>
+                    <a:close/>
+                  </a:path>
+                </a:pathLst>
+              </a:custGeom>
+              <a:solidFill>
+                <a:schemeClr val="bg1"/>
+              </a:solidFill>
+              <a:ln>
+                <a:noFill/>
+              </a:ln>
+            </p:spPr>
+            <p:style>
+              <a:lnRef idx="2">
+                <a:schemeClr val="accent1">
+                  <a:shade val="50000"/>
+                </a:schemeClr>
+              </a:lnRef>
+              <a:fillRef idx="1">
+                <a:schemeClr val="accent1"/>
+              </a:fillRef>
+              <a:effectRef idx="0">
+                <a:schemeClr val="accent1"/>
+              </a:effectRef>
+              <a:fontRef idx="minor">
+                <a:schemeClr val="lt1"/>
+              </a:fontRef>
+            </p:style>
+            <p:txBody>
+              <a:bodyPr rtlCol="0" anchor="ctr"/>
+              <a:lstStyle/>
+              <a:p>
+                <a:pPr algn="ctr"/>
+                <a:endParaRPr lang="pt-BR"/>
+              </a:p>
+            </p:txBody>
+          </p:sp>
+          <p:sp>
+            <p:nvSpPr>
+              <p:cNvPr id="96" name="Retângulo 95"/>
+              <p:cNvSpPr/>
+              <p:nvPr/>
+            </p:nvSpPr>
+            <p:spPr>
+              <a:xfrm>
+                <a:off x="3378662" y="2983533"/>
+                <a:ext cx="352660" cy="109977"/>
+              </a:xfrm>
+              <a:prstGeom prst="rect">
+                <a:avLst/>
+              </a:prstGeom>
+              <a:solidFill>
+                <a:srgbClr val="C0C0C0"/>
+              </a:solidFill>
+              <a:ln>
+                <a:noFill/>
+              </a:ln>
+            </p:spPr>
+            <p:style>
+              <a:lnRef idx="2">
+                <a:schemeClr val="accent1">
+                  <a:shade val="50000"/>
+                </a:schemeClr>
+              </a:lnRef>
+              <a:fillRef idx="1">
+                <a:schemeClr val="accent1"/>
+              </a:fillRef>
+              <a:effectRef idx="0">
+                <a:schemeClr val="accent1"/>
+              </a:effectRef>
+              <a:fontRef idx="minor">
+                <a:schemeClr val="lt1"/>
+              </a:fontRef>
+            </p:style>
+            <p:txBody>
+              <a:bodyPr rtlCol="0" anchor="ctr"/>
+              <a:lstStyle/>
+              <a:p>
+                <a:pPr algn="ctr"/>
+                <a:endParaRPr lang="pt-BR"/>
+              </a:p>
+            </p:txBody>
+          </p:sp>
+          <p:sp>
+            <p:nvSpPr>
+              <p:cNvPr id="97" name="Fluxograma: Terminação 96"/>
+              <p:cNvSpPr/>
+              <p:nvPr/>
+            </p:nvSpPr>
+            <p:spPr>
+              <a:xfrm>
+                <a:off x="3310368" y="3089139"/>
+                <a:ext cx="497593" cy="24879"/>
+              </a:xfrm>
+              <a:prstGeom prst="flowChartTerminator">
+                <a:avLst/>
+              </a:prstGeom>
+              <a:solidFill>
+                <a:srgbClr val="F5F0EA"/>
+              </a:solidFill>
+              <a:ln>
+                <a:noFill/>
+              </a:ln>
+            </p:spPr>
+            <p:style>
+              <a:lnRef idx="2">
+                <a:schemeClr val="accent1">
+                  <a:shade val="50000"/>
+                </a:schemeClr>
+              </a:lnRef>
+              <a:fillRef idx="1">
+                <a:schemeClr val="accent1"/>
+              </a:fillRef>
+              <a:effectRef idx="0">
+                <a:schemeClr val="accent1"/>
+              </a:effectRef>
+              <a:fontRef idx="minor">
+                <a:schemeClr val="lt1"/>
+              </a:fontRef>
+            </p:style>
+            <p:txBody>
+              <a:bodyPr rtlCol="0" anchor="ctr"/>
+              <a:lstStyle/>
+              <a:p>
+                <a:pPr algn="ctr"/>
+                <a:endParaRPr lang="pt-BR"/>
+              </a:p>
+            </p:txBody>
+          </p:sp>
+        </p:grpSp>
+      </p:grpSp>
+      <p:grpSp>
+        <p:nvGrpSpPr>
+          <p:cNvPr id="58" name="Grupo 57"/>
+          <p:cNvGrpSpPr/>
+          <p:nvPr/>
+        </p:nvGrpSpPr>
+        <p:grpSpPr>
+          <a:xfrm>
+            <a:off x="5174761" y="130406"/>
+            <a:ext cx="2115750" cy="2115750"/>
+            <a:chOff x="6566840" y="4571757"/>
+            <a:chExt cx="2115750" cy="2115750"/>
+          </a:xfrm>
+        </p:grpSpPr>
+        <p:sp>
+          <p:nvSpPr>
+            <p:cNvPr id="98" name="Retângulo de cantos arredondados 97"/>
+            <p:cNvSpPr/>
+            <p:nvPr/>
+          </p:nvSpPr>
+          <p:spPr>
+            <a:xfrm>
+              <a:off x="6566840" y="4571757"/>
+              <a:ext cx="2115750" cy="2115750"/>
+            </a:xfrm>
+            <a:prstGeom prst="roundRect">
+              <a:avLst/>
+            </a:prstGeom>
+            <a:solidFill>
+              <a:srgbClr val="F4C92D"/>
+            </a:solidFill>
+            <a:ln>
+              <a:noFill/>
+            </a:ln>
+          </p:spPr>
+          <p:style>
+            <a:lnRef idx="2">
+              <a:schemeClr val="accent1">
+                <a:shade val="50000"/>
+              </a:schemeClr>
+            </a:lnRef>
+            <a:fillRef idx="1">
+              <a:schemeClr val="accent1"/>
+            </a:fillRef>
+            <a:effectRef idx="0">
+              <a:schemeClr val="accent1"/>
+            </a:effectRef>
+            <a:fontRef idx="minor">
+              <a:schemeClr val="lt1"/>
+            </a:fontRef>
+          </p:style>
+          <p:txBody>
+            <a:bodyPr rtlCol="0" anchor="ctr"/>
+            <a:lstStyle/>
+            <a:p>
+              <a:pPr algn="ctr"/>
+              <a:endParaRPr lang="pt-BR"/>
+            </a:p>
+          </p:txBody>
+        </p:sp>
+        <p:grpSp>
+          <p:nvGrpSpPr>
+            <p:cNvPr id="57" name="Grupo 56"/>
+            <p:cNvGrpSpPr/>
+            <p:nvPr/>
+          </p:nvGrpSpPr>
+          <p:grpSpPr>
+            <a:xfrm>
+              <a:off x="6799809" y="4814104"/>
+              <a:ext cx="1649811" cy="1631056"/>
+              <a:chOff x="6281990" y="374206"/>
+              <a:chExt cx="1649811" cy="1631056"/>
+            </a:xfrm>
+          </p:grpSpPr>
+          <p:sp>
+            <p:nvSpPr>
+              <p:cNvPr id="31" name="Elipse 30"/>
+              <p:cNvSpPr/>
+              <p:nvPr/>
+            </p:nvSpPr>
+            <p:spPr>
+              <a:xfrm>
+                <a:off x="6298508" y="374206"/>
+                <a:ext cx="1628150" cy="1628150"/>
+              </a:xfrm>
+              <a:prstGeom prst="ellipse">
+                <a:avLst/>
+              </a:prstGeom>
+              <a:solidFill>
+                <a:srgbClr val="ADE090"/>
+              </a:solidFill>
+              <a:ln>
+                <a:noFill/>
+              </a:ln>
+            </p:spPr>
+            <p:style>
+              <a:lnRef idx="2">
+                <a:schemeClr val="accent1">
+                  <a:shade val="50000"/>
+                </a:schemeClr>
+              </a:lnRef>
+              <a:fillRef idx="1">
+                <a:schemeClr val="accent1"/>
+              </a:fillRef>
+              <a:effectRef idx="0">
+                <a:schemeClr val="accent1"/>
+              </a:effectRef>
+              <a:fontRef idx="minor">
+                <a:schemeClr val="lt1"/>
+              </a:fontRef>
+            </p:style>
+            <p:txBody>
+              <a:bodyPr rtlCol="0" anchor="ctr"/>
+              <a:lstStyle/>
+              <a:p>
+                <a:pPr algn="ctr"/>
+                <a:endParaRPr lang="pt-BR"/>
+              </a:p>
+            </p:txBody>
+          </p:sp>
+          <p:sp>
+            <p:nvSpPr>
+              <p:cNvPr id="32" name="Símbolo de 'Não' 31"/>
+              <p:cNvSpPr/>
+              <p:nvPr/>
+            </p:nvSpPr>
+            <p:spPr>
+              <a:xfrm rot="17571797">
+                <a:off x="6300436" y="383640"/>
+                <a:ext cx="1621622" cy="1621622"/>
+              </a:xfrm>
+              <a:prstGeom prst="noSmoking">
+                <a:avLst>
+                  <a:gd name="adj" fmla="val 16194"/>
+                </a:avLst>
+              </a:prstGeom>
+              <a:solidFill>
+                <a:srgbClr val="92D050"/>
+              </a:solidFill>
+              <a:ln>
+                <a:noFill/>
+              </a:ln>
+            </p:spPr>
+            <p:style>
+              <a:lnRef idx="2">
+                <a:schemeClr val="accent1">
+                  <a:shade val="50000"/>
+                </a:schemeClr>
+              </a:lnRef>
+              <a:fillRef idx="1">
+                <a:schemeClr val="accent1"/>
+              </a:fillRef>
+              <a:effectRef idx="0">
+                <a:schemeClr val="accent1"/>
+              </a:effectRef>
+              <a:fontRef idx="minor">
+                <a:schemeClr val="lt1"/>
+              </a:fontRef>
+            </p:style>
+            <p:txBody>
+              <a:bodyPr rtlCol="0" anchor="ctr"/>
+              <a:lstStyle/>
+              <a:p>
+                <a:pPr algn="ctr"/>
+                <a:endParaRPr lang="pt-BR" dirty="0">
+                  <a:solidFill>
+                    <a:schemeClr val="tx1"/>
+                  </a:solidFill>
+                </a:endParaRPr>
+              </a:p>
+            </p:txBody>
+          </p:sp>
+          <p:sp>
+            <p:nvSpPr>
+              <p:cNvPr id="33" name="CaixaDeTexto 32"/>
+              <p:cNvSpPr txBox="1"/>
+              <p:nvPr/>
+            </p:nvSpPr>
+            <p:spPr>
+              <a:xfrm rot="20262581">
+                <a:off x="6281990" y="1025174"/>
+                <a:ext cx="1649811" cy="338554"/>
+              </a:xfrm>
+              <a:prstGeom prst="rect">
+                <a:avLst/>
+              </a:prstGeom>
+              <a:noFill/>
+            </p:spPr>
+            <p:txBody>
+              <a:bodyPr wrap="none" rtlCol="0">
+                <a:spAutoFit/>
+              </a:bodyPr>
+              <a:lstStyle/>
+              <a:p>
+                <a:r>
+                  <a:rPr lang="pt-BR" sz="1600" dirty="0" smtClean="0">
+                    <a:solidFill>
+                      <a:schemeClr val="bg1"/>
+                    </a:solidFill>
+                    <a:latin typeface="Century Gothic" panose="020B0502020202020204" pitchFamily="34" charset="0"/>
+                  </a:rPr>
+                  <a:t>100% orgânico</a:t>
+                </a:r>
+                <a:endParaRPr lang="pt-BR" sz="1600" dirty="0">
+                  <a:solidFill>
+                    <a:schemeClr val="bg1"/>
+                  </a:solidFill>
+                  <a:latin typeface="Century Gothic" panose="020B0502020202020204" pitchFamily="34" charset="0"/>
+                </a:endParaRPr>
+              </a:p>
+            </p:txBody>
+          </p:sp>
+        </p:grpSp>
       </p:grpSp>
     </p:spTree>
     <p:extLst>

--- a/design.pptx
+++ b/design.pptx
@@ -120,7 +120,7 @@
   </p:defaultTextStyle>
   <p:extLst>
     <p:ext uri="{EFAFB233-063F-42B5-8137-9DF3F51BA10A}">
-      <p15:sldGuideLst xmlns="" xmlns:p15="http://schemas.microsoft.com/office/powerpoint/2012/main">
+      <p15:sldGuideLst xmlns:p15="http://schemas.microsoft.com/office/powerpoint/2012/main">
         <p15:guide id="1" orient="horz" pos="2160">
           <p15:clr>
             <a:srgbClr val="A4A3A4"/>
@@ -12747,7 +12747,7 @@
             <a:lstStyle/>
             <a:p>
               <a:pPr algn="ctr"/>
-              <a:endParaRPr lang="pt-BR"/>
+              <a:endParaRPr lang="pt-BR" u="sng"/>
             </a:p>
           </p:txBody>
         </p:sp>
@@ -12793,7 +12793,7 @@
             <a:lstStyle/>
             <a:p>
               <a:pPr algn="ctr"/>
-              <a:endParaRPr lang="pt-BR"/>
+              <a:endParaRPr lang="pt-BR" u="sng"/>
             </a:p>
           </p:txBody>
         </p:sp>
@@ -12839,7 +12839,7 @@
             <a:lstStyle/>
             <a:p>
               <a:pPr algn="ctr"/>
-              <a:endParaRPr lang="pt-BR"/>
+              <a:endParaRPr lang="pt-BR" u="sng"/>
             </a:p>
           </p:txBody>
         </p:sp>
@@ -12885,7 +12885,7 @@
             <a:lstStyle/>
             <a:p>
               <a:pPr algn="ctr"/>
-              <a:endParaRPr lang="pt-BR"/>
+              <a:endParaRPr lang="pt-BR" u="sng"/>
             </a:p>
           </p:txBody>
         </p:sp>
@@ -12931,7 +12931,7 @@
             <a:lstStyle/>
             <a:p>
               <a:pPr algn="ctr"/>
-              <a:endParaRPr lang="pt-BR"/>
+              <a:endParaRPr lang="pt-BR" u="sng"/>
             </a:p>
           </p:txBody>
         </p:sp>
@@ -17112,109 +17112,39 @@
           <a:chExt cx="0" cy="0"/>
         </a:xfrm>
       </p:grpSpPr>
-      <p:pic>
-        <p:nvPicPr>
-          <p:cNvPr id="49" name="Imagem 48"/>
-          <p:cNvPicPr>
-            <a:picLocks noChangeAspect="1"/>
-          </p:cNvPicPr>
-          <p:nvPr/>
-        </p:nvPicPr>
-        <p:blipFill>
-          <a:blip r:embed="rId2"/>
-          <a:stretch>
-            <a:fillRect/>
-          </a:stretch>
-        </p:blipFill>
-        <p:spPr>
-          <a:xfrm>
-            <a:off x="-7653" y="404664"/>
-            <a:ext cx="2057400" cy="2219325"/>
-          </a:xfrm>
-          <a:prstGeom prst="rect">
-            <a:avLst/>
-          </a:prstGeom>
-        </p:spPr>
-      </p:pic>
-      <p:sp>
-        <p:nvSpPr>
-          <p:cNvPr id="58" name="Elipse 57"/>
-          <p:cNvSpPr/>
-          <p:nvPr/>
-        </p:nvSpPr>
-        <p:spPr>
-          <a:xfrm>
-            <a:off x="430384" y="2852936"/>
-            <a:ext cx="2880000" cy="2880000"/>
-          </a:xfrm>
-          <a:prstGeom prst="ellipse">
-            <a:avLst/>
-          </a:prstGeom>
-          <a:solidFill>
-            <a:schemeClr val="accent1">
-              <a:lumMod val="20000"/>
-              <a:lumOff val="80000"/>
-            </a:schemeClr>
-          </a:solidFill>
-          <a:ln>
-            <a:noFill/>
-          </a:ln>
-        </p:spPr>
-        <p:style>
-          <a:lnRef idx="2">
-            <a:schemeClr val="accent1">
-              <a:shade val="50000"/>
-            </a:schemeClr>
-          </a:lnRef>
-          <a:fillRef idx="1">
-            <a:schemeClr val="accent1"/>
-          </a:fillRef>
-          <a:effectRef idx="0">
-            <a:schemeClr val="accent1"/>
-          </a:effectRef>
-          <a:fontRef idx="minor">
-            <a:schemeClr val="lt1"/>
-          </a:fontRef>
-        </p:style>
-        <p:txBody>
-          <a:bodyPr rtlCol="0" anchor="ctr"/>
-          <a:lstStyle/>
-          <a:p>
-            <a:pPr algn="ctr"/>
-            <a:endParaRPr lang="pt-BR"/>
-          </a:p>
-        </p:txBody>
-      </p:sp>
       <p:grpSp>
         <p:nvGrpSpPr>
-          <p:cNvPr id="4" name="Grupo 3"/>
+          <p:cNvPr id="12" name="Grupo 11"/>
           <p:cNvGrpSpPr/>
           <p:nvPr/>
         </p:nvGrpSpPr>
         <p:grpSpPr>
           <a:xfrm>
-            <a:off x="3923928" y="2276872"/>
-            <a:ext cx="3672408" cy="3672408"/>
-            <a:chOff x="3923928" y="2276872"/>
-            <a:chExt cx="3672408" cy="3672408"/>
+            <a:off x="3347864" y="1988840"/>
+            <a:ext cx="2115750" cy="2115750"/>
+            <a:chOff x="3347864" y="1988840"/>
+            <a:chExt cx="2115750" cy="2115750"/>
           </a:xfrm>
         </p:grpSpPr>
         <p:sp>
           <p:nvSpPr>
-            <p:cNvPr id="17" name="Retângulo de cantos arredondados 16"/>
+            <p:cNvPr id="52" name="Retângulo de cantos arredondados 51"/>
             <p:cNvSpPr/>
             <p:nvPr/>
           </p:nvSpPr>
           <p:spPr>
             <a:xfrm>
-              <a:off x="3923928" y="2276872"/>
-              <a:ext cx="3672408" cy="3672408"/>
+              <a:off x="3347864" y="1988840"/>
+              <a:ext cx="2115750" cy="2115750"/>
             </a:xfrm>
             <a:prstGeom prst="roundRect">
               <a:avLst/>
             </a:prstGeom>
             <a:solidFill>
-              <a:srgbClr val="79CD4B"/>
+              <a:schemeClr val="accent5">
+                <a:lumMod val="40000"/>
+                <a:lumOff val="60000"/>
+              </a:schemeClr>
             </a:solidFill>
             <a:ln>
               <a:noFill/>
@@ -17245,1394 +17175,37 @@
             </a:p>
           </p:txBody>
         </p:sp>
-        <p:sp>
-          <p:nvSpPr>
-            <p:cNvPr id="60" name="Retângulo de cantos arredondados 2"/>
-            <p:cNvSpPr/>
+        <p:pic>
+          <p:nvPicPr>
+            <p:cNvPr id="11" name="Imagem 10"/>
+            <p:cNvPicPr>
+              <a:picLocks noChangeAspect="1"/>
+            </p:cNvPicPr>
             <p:nvPr/>
-          </p:nvSpPr>
+          </p:nvPicPr>
+          <p:blipFill>
+            <a:blip r:embed="rId2" cstate="print">
+              <a:extLst>
+                <a:ext uri="{28A0092B-C50C-407E-A947-70E740481C1C}">
+                  <a14:useLocalDpi xmlns:a14="http://schemas.microsoft.com/office/drawing/2010/main" val="0"/>
+                </a:ext>
+              </a:extLst>
+            </a:blip>
+            <a:stretch>
+              <a:fillRect/>
+            </a:stretch>
+          </p:blipFill>
           <p:spPr>
             <a:xfrm>
-              <a:off x="5184068" y="3682964"/>
-              <a:ext cx="1152128" cy="1329482"/>
-            </a:xfrm>
-            <a:custGeom>
-              <a:avLst/>
-              <a:gdLst>
-                <a:gd name="connsiteX0" fmla="*/ 0 w 1152128"/>
-                <a:gd name="connsiteY0" fmla="*/ 180020 h 1368152"/>
-                <a:gd name="connsiteX1" fmla="*/ 180020 w 1152128"/>
-                <a:gd name="connsiteY1" fmla="*/ 0 h 1368152"/>
-                <a:gd name="connsiteX2" fmla="*/ 972108 w 1152128"/>
-                <a:gd name="connsiteY2" fmla="*/ 0 h 1368152"/>
-                <a:gd name="connsiteX3" fmla="*/ 1152128 w 1152128"/>
-                <a:gd name="connsiteY3" fmla="*/ 180020 h 1368152"/>
-                <a:gd name="connsiteX4" fmla="*/ 1152128 w 1152128"/>
-                <a:gd name="connsiteY4" fmla="*/ 1188132 h 1368152"/>
-                <a:gd name="connsiteX5" fmla="*/ 972108 w 1152128"/>
-                <a:gd name="connsiteY5" fmla="*/ 1368152 h 1368152"/>
-                <a:gd name="connsiteX6" fmla="*/ 180020 w 1152128"/>
-                <a:gd name="connsiteY6" fmla="*/ 1368152 h 1368152"/>
-                <a:gd name="connsiteX7" fmla="*/ 0 w 1152128"/>
-                <a:gd name="connsiteY7" fmla="*/ 1188132 h 1368152"/>
-                <a:gd name="connsiteX8" fmla="*/ 0 w 1152128"/>
-                <a:gd name="connsiteY8" fmla="*/ 180020 h 1368152"/>
-                <a:gd name="connsiteX0" fmla="*/ 57150 w 1152128"/>
-                <a:gd name="connsiteY0" fmla="*/ 184782 h 1368152"/>
-                <a:gd name="connsiteX1" fmla="*/ 180020 w 1152128"/>
-                <a:gd name="connsiteY1" fmla="*/ 0 h 1368152"/>
-                <a:gd name="connsiteX2" fmla="*/ 972108 w 1152128"/>
-                <a:gd name="connsiteY2" fmla="*/ 0 h 1368152"/>
-                <a:gd name="connsiteX3" fmla="*/ 1152128 w 1152128"/>
-                <a:gd name="connsiteY3" fmla="*/ 180020 h 1368152"/>
-                <a:gd name="connsiteX4" fmla="*/ 1152128 w 1152128"/>
-                <a:gd name="connsiteY4" fmla="*/ 1188132 h 1368152"/>
-                <a:gd name="connsiteX5" fmla="*/ 972108 w 1152128"/>
-                <a:gd name="connsiteY5" fmla="*/ 1368152 h 1368152"/>
-                <a:gd name="connsiteX6" fmla="*/ 180020 w 1152128"/>
-                <a:gd name="connsiteY6" fmla="*/ 1368152 h 1368152"/>
-                <a:gd name="connsiteX7" fmla="*/ 0 w 1152128"/>
-                <a:gd name="connsiteY7" fmla="*/ 1188132 h 1368152"/>
-                <a:gd name="connsiteX8" fmla="*/ 57150 w 1152128"/>
-                <a:gd name="connsiteY8" fmla="*/ 184782 h 1368152"/>
-                <a:gd name="connsiteX0" fmla="*/ 57150 w 1152128"/>
-                <a:gd name="connsiteY0" fmla="*/ 184782 h 1368152"/>
-                <a:gd name="connsiteX1" fmla="*/ 180020 w 1152128"/>
-                <a:gd name="connsiteY1" fmla="*/ 0 h 1368152"/>
-                <a:gd name="connsiteX2" fmla="*/ 972108 w 1152128"/>
-                <a:gd name="connsiteY2" fmla="*/ 0 h 1368152"/>
-                <a:gd name="connsiteX3" fmla="*/ 1085453 w 1152128"/>
-                <a:gd name="connsiteY3" fmla="*/ 175257 h 1368152"/>
-                <a:gd name="connsiteX4" fmla="*/ 1152128 w 1152128"/>
-                <a:gd name="connsiteY4" fmla="*/ 1188132 h 1368152"/>
-                <a:gd name="connsiteX5" fmla="*/ 972108 w 1152128"/>
-                <a:gd name="connsiteY5" fmla="*/ 1368152 h 1368152"/>
-                <a:gd name="connsiteX6" fmla="*/ 180020 w 1152128"/>
-                <a:gd name="connsiteY6" fmla="*/ 1368152 h 1368152"/>
-                <a:gd name="connsiteX7" fmla="*/ 0 w 1152128"/>
-                <a:gd name="connsiteY7" fmla="*/ 1188132 h 1368152"/>
-                <a:gd name="connsiteX8" fmla="*/ 57150 w 1152128"/>
-                <a:gd name="connsiteY8" fmla="*/ 184782 h 1368152"/>
-                <a:gd name="connsiteX0" fmla="*/ 0 w 1152128"/>
-                <a:gd name="connsiteY0" fmla="*/ 1188132 h 1368152"/>
-                <a:gd name="connsiteX1" fmla="*/ 180020 w 1152128"/>
-                <a:gd name="connsiteY1" fmla="*/ 0 h 1368152"/>
-                <a:gd name="connsiteX2" fmla="*/ 972108 w 1152128"/>
-                <a:gd name="connsiteY2" fmla="*/ 0 h 1368152"/>
-                <a:gd name="connsiteX3" fmla="*/ 1085453 w 1152128"/>
-                <a:gd name="connsiteY3" fmla="*/ 175257 h 1368152"/>
-                <a:gd name="connsiteX4" fmla="*/ 1152128 w 1152128"/>
-                <a:gd name="connsiteY4" fmla="*/ 1188132 h 1368152"/>
-                <a:gd name="connsiteX5" fmla="*/ 972108 w 1152128"/>
-                <a:gd name="connsiteY5" fmla="*/ 1368152 h 1368152"/>
-                <a:gd name="connsiteX6" fmla="*/ 180020 w 1152128"/>
-                <a:gd name="connsiteY6" fmla="*/ 1368152 h 1368152"/>
-                <a:gd name="connsiteX7" fmla="*/ 0 w 1152128"/>
-                <a:gd name="connsiteY7" fmla="*/ 1188132 h 1368152"/>
-                <a:gd name="connsiteX0" fmla="*/ 0 w 1152128"/>
-                <a:gd name="connsiteY0" fmla="*/ 1188132 h 1368152"/>
-                <a:gd name="connsiteX1" fmla="*/ 180020 w 1152128"/>
-                <a:gd name="connsiteY1" fmla="*/ 0 h 1368152"/>
-                <a:gd name="connsiteX2" fmla="*/ 972108 w 1152128"/>
-                <a:gd name="connsiteY2" fmla="*/ 0 h 1368152"/>
-                <a:gd name="connsiteX3" fmla="*/ 1152128 w 1152128"/>
-                <a:gd name="connsiteY3" fmla="*/ 1188132 h 1368152"/>
-                <a:gd name="connsiteX4" fmla="*/ 972108 w 1152128"/>
-                <a:gd name="connsiteY4" fmla="*/ 1368152 h 1368152"/>
-                <a:gd name="connsiteX5" fmla="*/ 180020 w 1152128"/>
-                <a:gd name="connsiteY5" fmla="*/ 1368152 h 1368152"/>
-                <a:gd name="connsiteX6" fmla="*/ 0 w 1152128"/>
-                <a:gd name="connsiteY6" fmla="*/ 1188132 h 1368152"/>
-                <a:gd name="connsiteX0" fmla="*/ 0 w 1152128"/>
-                <a:gd name="connsiteY0" fmla="*/ 1223322 h 1403342"/>
-                <a:gd name="connsiteX1" fmla="*/ 194307 w 1152128"/>
-                <a:gd name="connsiteY1" fmla="*/ 0 h 1403342"/>
-                <a:gd name="connsiteX2" fmla="*/ 972108 w 1152128"/>
-                <a:gd name="connsiteY2" fmla="*/ 35190 h 1403342"/>
-                <a:gd name="connsiteX3" fmla="*/ 1152128 w 1152128"/>
-                <a:gd name="connsiteY3" fmla="*/ 1223322 h 1403342"/>
-                <a:gd name="connsiteX4" fmla="*/ 972108 w 1152128"/>
-                <a:gd name="connsiteY4" fmla="*/ 1403342 h 1403342"/>
-                <a:gd name="connsiteX5" fmla="*/ 180020 w 1152128"/>
-                <a:gd name="connsiteY5" fmla="*/ 1403342 h 1403342"/>
-                <a:gd name="connsiteX6" fmla="*/ 0 w 1152128"/>
-                <a:gd name="connsiteY6" fmla="*/ 1223322 h 1403342"/>
-                <a:gd name="connsiteX0" fmla="*/ 0 w 1152128"/>
-                <a:gd name="connsiteY0" fmla="*/ 1223322 h 1403342"/>
-                <a:gd name="connsiteX1" fmla="*/ 194307 w 1152128"/>
-                <a:gd name="connsiteY1" fmla="*/ 0 h 1403342"/>
-                <a:gd name="connsiteX2" fmla="*/ 953058 w 1152128"/>
-                <a:gd name="connsiteY2" fmla="*/ 5028 h 1403342"/>
-                <a:gd name="connsiteX3" fmla="*/ 1152128 w 1152128"/>
-                <a:gd name="connsiteY3" fmla="*/ 1223322 h 1403342"/>
-                <a:gd name="connsiteX4" fmla="*/ 972108 w 1152128"/>
-                <a:gd name="connsiteY4" fmla="*/ 1403342 h 1403342"/>
-                <a:gd name="connsiteX5" fmla="*/ 180020 w 1152128"/>
-                <a:gd name="connsiteY5" fmla="*/ 1403342 h 1403342"/>
-                <a:gd name="connsiteX6" fmla="*/ 0 w 1152128"/>
-                <a:gd name="connsiteY6" fmla="*/ 1223322 h 1403342"/>
-              </a:gdLst>
-              <a:ahLst/>
-              <a:cxnLst>
-                <a:cxn ang="0">
-                  <a:pos x="connsiteX0" y="connsiteY0"/>
-                </a:cxn>
-                <a:cxn ang="0">
-                  <a:pos x="connsiteX1" y="connsiteY1"/>
-                </a:cxn>
-                <a:cxn ang="0">
-                  <a:pos x="connsiteX2" y="connsiteY2"/>
-                </a:cxn>
-                <a:cxn ang="0">
-                  <a:pos x="connsiteX3" y="connsiteY3"/>
-                </a:cxn>
-                <a:cxn ang="0">
-                  <a:pos x="connsiteX4" y="connsiteY4"/>
-                </a:cxn>
-                <a:cxn ang="0">
-                  <a:pos x="connsiteX5" y="connsiteY5"/>
-                </a:cxn>
-                <a:cxn ang="0">
-                  <a:pos x="connsiteX6" y="connsiteY6"/>
-                </a:cxn>
-              </a:cxnLst>
-              <a:rect l="l" t="t" r="r" b="b"/>
-              <a:pathLst>
-                <a:path w="1152128" h="1403342">
-                  <a:moveTo>
-                    <a:pt x="0" y="1223322"/>
-                  </a:moveTo>
-                  <a:cubicBezTo>
-                    <a:pt x="0" y="995297"/>
-                    <a:pt x="32289" y="198022"/>
-                    <a:pt x="194307" y="0"/>
-                  </a:cubicBezTo>
-                  <a:lnTo>
-                    <a:pt x="953058" y="5028"/>
-                  </a:lnTo>
-                  <a:cubicBezTo>
-                    <a:pt x="1115076" y="203050"/>
-                    <a:pt x="1152128" y="995297"/>
-                    <a:pt x="1152128" y="1223322"/>
-                  </a:cubicBezTo>
-                  <a:cubicBezTo>
-                    <a:pt x="1152128" y="1322744"/>
-                    <a:pt x="1071530" y="1403342"/>
-                    <a:pt x="972108" y="1403342"/>
-                  </a:cubicBezTo>
-                  <a:lnTo>
-                    <a:pt x="180020" y="1403342"/>
-                  </a:lnTo>
-                  <a:cubicBezTo>
-                    <a:pt x="80598" y="1403342"/>
-                    <a:pt x="0" y="1322744"/>
-                    <a:pt x="0" y="1223322"/>
-                  </a:cubicBezTo>
-                  <a:close/>
-                </a:path>
-              </a:pathLst>
-            </a:custGeom>
-            <a:solidFill>
-              <a:srgbClr val="F5F0EA"/>
-            </a:solidFill>
-            <a:ln>
-              <a:noFill/>
-            </a:ln>
-          </p:spPr>
-          <p:style>
-            <a:lnRef idx="2">
-              <a:schemeClr val="accent1">
-                <a:shade val="50000"/>
-              </a:schemeClr>
-            </a:lnRef>
-            <a:fillRef idx="1">
-              <a:schemeClr val="accent1"/>
-            </a:fillRef>
-            <a:effectRef idx="0">
-              <a:schemeClr val="accent1"/>
-            </a:effectRef>
-            <a:fontRef idx="minor">
-              <a:schemeClr val="lt1"/>
-            </a:fontRef>
-          </p:style>
-          <p:txBody>
-            <a:bodyPr rtlCol="0" anchor="ctr"/>
-            <a:lstStyle/>
-            <a:p>
-              <a:pPr algn="ctr"/>
-              <a:endParaRPr lang="pt-BR"/>
-            </a:p>
-          </p:txBody>
-        </p:sp>
-        <p:sp>
-          <p:nvSpPr>
-            <p:cNvPr id="61" name="Trapezoide 60"/>
-            <p:cNvSpPr/>
-            <p:nvPr/>
-          </p:nvSpPr>
-          <p:spPr>
-            <a:xfrm>
-              <a:off x="5302932" y="4292366"/>
-              <a:ext cx="914400" cy="576064"/>
-            </a:xfrm>
-            <a:prstGeom prst="trapezoid">
-              <a:avLst>
-                <a:gd name="adj" fmla="val 11458"/>
-              </a:avLst>
-            </a:prstGeom>
-            <a:solidFill>
-              <a:srgbClr val="FFC000"/>
-            </a:solidFill>
-            <a:ln>
-              <a:noFill/>
-            </a:ln>
-          </p:spPr>
-          <p:style>
-            <a:lnRef idx="2">
-              <a:schemeClr val="accent1">
-                <a:shade val="50000"/>
-              </a:schemeClr>
-            </a:lnRef>
-            <a:fillRef idx="1">
-              <a:schemeClr val="accent1"/>
-            </a:fillRef>
-            <a:effectRef idx="0">
-              <a:schemeClr val="accent1"/>
-            </a:effectRef>
-            <a:fontRef idx="minor">
-              <a:schemeClr val="lt1"/>
-            </a:fontRef>
-          </p:style>
-          <p:txBody>
-            <a:bodyPr rtlCol="0" anchor="ctr"/>
-            <a:lstStyle/>
-            <a:p>
-              <a:pPr algn="ctr"/>
-              <a:endParaRPr lang="pt-BR"/>
-            </a:p>
-          </p:txBody>
-        </p:sp>
-        <p:sp>
-          <p:nvSpPr>
-            <p:cNvPr id="62" name="Elipse 61"/>
-            <p:cNvSpPr/>
-            <p:nvPr/>
-          </p:nvSpPr>
-          <p:spPr>
-            <a:xfrm>
-              <a:off x="5832140" y="4592221"/>
-              <a:ext cx="72000" cy="72000"/>
-            </a:xfrm>
-            <a:prstGeom prst="ellipse">
-              <a:avLst/>
-            </a:prstGeom>
-            <a:solidFill>
-              <a:srgbClr val="FFC000"/>
-            </a:solidFill>
-            <a:ln>
-              <a:noFill/>
-            </a:ln>
-          </p:spPr>
-          <p:style>
-            <a:lnRef idx="2">
-              <a:schemeClr val="accent1">
-                <a:shade val="50000"/>
-              </a:schemeClr>
-            </a:lnRef>
-            <a:fillRef idx="1">
-              <a:schemeClr val="accent1"/>
-            </a:fillRef>
-            <a:effectRef idx="0">
-              <a:schemeClr val="accent1"/>
-            </a:effectRef>
-            <a:fontRef idx="minor">
-              <a:schemeClr val="lt1"/>
-            </a:fontRef>
-          </p:style>
-          <p:txBody>
-            <a:bodyPr rtlCol="0" anchor="ctr"/>
-            <a:lstStyle/>
-            <a:p>
-              <a:pPr algn="ctr"/>
-              <a:endParaRPr lang="pt-BR"/>
-            </a:p>
-          </p:txBody>
-        </p:sp>
-        <p:sp>
-          <p:nvSpPr>
-            <p:cNvPr id="63" name="Elipse 62"/>
-            <p:cNvSpPr/>
-            <p:nvPr/>
-          </p:nvSpPr>
-          <p:spPr>
-            <a:xfrm>
-              <a:off x="5472100" y="4724414"/>
-              <a:ext cx="72000" cy="72000"/>
-            </a:xfrm>
-            <a:prstGeom prst="ellipse">
-              <a:avLst/>
-            </a:prstGeom>
-            <a:solidFill>
-              <a:srgbClr val="FFC000"/>
-            </a:solidFill>
-            <a:ln>
-              <a:noFill/>
-            </a:ln>
-          </p:spPr>
-          <p:style>
-            <a:lnRef idx="2">
-              <a:schemeClr val="accent1">
-                <a:shade val="50000"/>
-              </a:schemeClr>
-            </a:lnRef>
-            <a:fillRef idx="1">
-              <a:schemeClr val="accent1"/>
-            </a:fillRef>
-            <a:effectRef idx="0">
-              <a:schemeClr val="accent1"/>
-            </a:effectRef>
-            <a:fontRef idx="minor">
-              <a:schemeClr val="lt1"/>
-            </a:fontRef>
-          </p:style>
-          <p:txBody>
-            <a:bodyPr rtlCol="0" anchor="ctr"/>
-            <a:lstStyle/>
-            <a:p>
-              <a:pPr algn="ctr"/>
-              <a:endParaRPr lang="pt-BR"/>
-            </a:p>
-          </p:txBody>
-        </p:sp>
-        <p:sp>
-          <p:nvSpPr>
-            <p:cNvPr id="64" name="Elipse 63"/>
-            <p:cNvSpPr/>
-            <p:nvPr/>
-          </p:nvSpPr>
-          <p:spPr>
-            <a:xfrm>
-              <a:off x="5544100" y="4256366"/>
-              <a:ext cx="72000" cy="72000"/>
-            </a:xfrm>
-            <a:prstGeom prst="ellipse">
-              <a:avLst/>
-            </a:prstGeom>
-            <a:solidFill>
-              <a:srgbClr val="FFC000"/>
-            </a:solidFill>
-            <a:ln>
-              <a:noFill/>
-            </a:ln>
-          </p:spPr>
-          <p:style>
-            <a:lnRef idx="2">
-              <a:schemeClr val="accent1">
-                <a:shade val="50000"/>
-              </a:schemeClr>
-            </a:lnRef>
-            <a:fillRef idx="1">
-              <a:schemeClr val="accent1"/>
-            </a:fillRef>
-            <a:effectRef idx="0">
-              <a:schemeClr val="accent1"/>
-            </a:effectRef>
-            <a:fontRef idx="minor">
-              <a:schemeClr val="lt1"/>
-            </a:fontRef>
-          </p:style>
-          <p:txBody>
-            <a:bodyPr rtlCol="0" anchor="ctr"/>
-            <a:lstStyle/>
-            <a:p>
-              <a:pPr algn="ctr"/>
-              <a:endParaRPr lang="pt-BR"/>
-            </a:p>
-          </p:txBody>
-        </p:sp>
-        <p:sp>
-          <p:nvSpPr>
-            <p:cNvPr id="65" name="Elipse 64"/>
-            <p:cNvSpPr/>
-            <p:nvPr/>
-          </p:nvSpPr>
-          <p:spPr>
-            <a:xfrm>
-              <a:off x="5976156" y="4098662"/>
-              <a:ext cx="72000" cy="72000"/>
-            </a:xfrm>
-            <a:prstGeom prst="ellipse">
-              <a:avLst/>
-            </a:prstGeom>
-            <a:solidFill>
-              <a:srgbClr val="FFC000"/>
-            </a:solidFill>
-            <a:ln>
-              <a:noFill/>
-            </a:ln>
-          </p:spPr>
-          <p:style>
-            <a:lnRef idx="2">
-              <a:schemeClr val="accent1">
-                <a:shade val="50000"/>
-              </a:schemeClr>
-            </a:lnRef>
-            <a:fillRef idx="1">
-              <a:schemeClr val="accent1"/>
-            </a:fillRef>
-            <a:effectRef idx="0">
-              <a:schemeClr val="accent1"/>
-            </a:effectRef>
-            <a:fontRef idx="minor">
-              <a:schemeClr val="lt1"/>
-            </a:fontRef>
-          </p:style>
-          <p:txBody>
-            <a:bodyPr rtlCol="0" anchor="ctr"/>
-            <a:lstStyle/>
-            <a:p>
-              <a:pPr algn="ctr"/>
-              <a:endParaRPr lang="pt-BR"/>
-            </a:p>
-          </p:txBody>
-        </p:sp>
-        <p:sp>
-          <p:nvSpPr>
-            <p:cNvPr id="66" name="Retângulo 65"/>
-            <p:cNvSpPr/>
-            <p:nvPr/>
-          </p:nvSpPr>
-          <p:spPr>
-            <a:xfrm>
-              <a:off x="5695792" y="3686487"/>
-              <a:ext cx="144016" cy="753418"/>
+              <a:off x="3980858" y="2250064"/>
+              <a:ext cx="849761" cy="1593301"/>
             </a:xfrm>
             <a:prstGeom prst="rect">
               <a:avLst/>
             </a:prstGeom>
-            <a:solidFill>
-              <a:srgbClr val="FFC000"/>
-            </a:solidFill>
-            <a:ln>
-              <a:noFill/>
-            </a:ln>
           </p:spPr>
-          <p:style>
-            <a:lnRef idx="2">
-              <a:schemeClr val="accent1">
-                <a:shade val="50000"/>
-              </a:schemeClr>
-            </a:lnRef>
-            <a:fillRef idx="1">
-              <a:schemeClr val="accent1"/>
-            </a:fillRef>
-            <a:effectRef idx="0">
-              <a:schemeClr val="accent1"/>
-            </a:effectRef>
-            <a:fontRef idx="minor">
-              <a:schemeClr val="lt1"/>
-            </a:fontRef>
-          </p:style>
-          <p:txBody>
-            <a:bodyPr rtlCol="0" anchor="ctr"/>
-            <a:lstStyle/>
-            <a:p>
-              <a:pPr algn="ctr"/>
-              <a:endParaRPr lang="pt-BR"/>
-            </a:p>
-          </p:txBody>
-        </p:sp>
-        <p:sp>
-          <p:nvSpPr>
-            <p:cNvPr id="67" name="Retângulo 66"/>
-            <p:cNvSpPr/>
-            <p:nvPr/>
-          </p:nvSpPr>
-          <p:spPr>
-            <a:xfrm>
-              <a:off x="5491819" y="3150126"/>
-              <a:ext cx="540000" cy="540000"/>
-            </a:xfrm>
-            <a:prstGeom prst="rect">
-              <a:avLst/>
-            </a:prstGeom>
-            <a:solidFill>
-              <a:srgbClr val="D3BBAF"/>
-            </a:solidFill>
-            <a:ln>
-              <a:noFill/>
-            </a:ln>
-          </p:spPr>
-          <p:style>
-            <a:lnRef idx="2">
-              <a:schemeClr val="accent1">
-                <a:shade val="50000"/>
-              </a:schemeClr>
-            </a:lnRef>
-            <a:fillRef idx="1">
-              <a:schemeClr val="accent1"/>
-            </a:fillRef>
-            <a:effectRef idx="0">
-              <a:schemeClr val="accent1"/>
-            </a:effectRef>
-            <a:fontRef idx="minor">
-              <a:schemeClr val="lt1"/>
-            </a:fontRef>
-          </p:style>
-          <p:txBody>
-            <a:bodyPr rtlCol="0" anchor="ctr"/>
-            <a:lstStyle/>
-            <a:p>
-              <a:pPr algn="ctr"/>
-              <a:endParaRPr lang="pt-BR"/>
-            </a:p>
-          </p:txBody>
-        </p:sp>
-        <p:sp>
-          <p:nvSpPr>
-            <p:cNvPr id="68" name="Fluxograma: Terminação 67"/>
-            <p:cNvSpPr/>
-            <p:nvPr/>
-          </p:nvSpPr>
-          <p:spPr>
-            <a:xfrm>
-              <a:off x="5310600" y="3644854"/>
-              <a:ext cx="914400" cy="45719"/>
-            </a:xfrm>
-            <a:prstGeom prst="flowChartTerminator">
-              <a:avLst/>
-            </a:prstGeom>
-            <a:solidFill>
-              <a:srgbClr val="C0C0C0"/>
-            </a:solidFill>
-            <a:ln>
-              <a:noFill/>
-            </a:ln>
-          </p:spPr>
-          <p:style>
-            <a:lnRef idx="2">
-              <a:schemeClr val="accent1">
-                <a:shade val="50000"/>
-              </a:schemeClr>
-            </a:lnRef>
-            <a:fillRef idx="1">
-              <a:schemeClr val="accent1"/>
-            </a:fillRef>
-            <a:effectRef idx="0">
-              <a:schemeClr val="accent1"/>
-            </a:effectRef>
-            <a:fontRef idx="minor">
-              <a:schemeClr val="lt1"/>
-            </a:fontRef>
-          </p:style>
-          <p:txBody>
-            <a:bodyPr rtlCol="0" anchor="ctr"/>
-            <a:lstStyle/>
-            <a:p>
-              <a:pPr algn="ctr"/>
-              <a:endParaRPr lang="pt-BR"/>
-            </a:p>
-          </p:txBody>
-        </p:sp>
-        <p:sp>
-          <p:nvSpPr>
-            <p:cNvPr id="69" name="Fluxograma: Terminação 68"/>
-            <p:cNvSpPr/>
-            <p:nvPr/>
-          </p:nvSpPr>
-          <p:spPr>
-            <a:xfrm>
-              <a:off x="5310600" y="3511311"/>
-              <a:ext cx="914400" cy="45719"/>
-            </a:xfrm>
-            <a:prstGeom prst="flowChartTerminator">
-              <a:avLst/>
-            </a:prstGeom>
-            <a:solidFill>
-              <a:srgbClr val="F5F0EA"/>
-            </a:solidFill>
-            <a:ln>
-              <a:noFill/>
-            </a:ln>
-          </p:spPr>
-          <p:style>
-            <a:lnRef idx="2">
-              <a:schemeClr val="accent1">
-                <a:shade val="50000"/>
-              </a:schemeClr>
-            </a:lnRef>
-            <a:fillRef idx="1">
-              <a:schemeClr val="accent1"/>
-            </a:fillRef>
-            <a:effectRef idx="0">
-              <a:schemeClr val="accent1"/>
-            </a:effectRef>
-            <a:fontRef idx="minor">
-              <a:schemeClr val="lt1"/>
-            </a:fontRef>
-          </p:style>
-          <p:txBody>
-            <a:bodyPr rtlCol="0" anchor="ctr"/>
-            <a:lstStyle/>
-            <a:p>
-              <a:pPr algn="ctr"/>
-              <a:endParaRPr lang="pt-BR"/>
-            </a:p>
-          </p:txBody>
-        </p:sp>
-        <p:sp>
-          <p:nvSpPr>
-            <p:cNvPr id="70" name="Forma livre 69"/>
-            <p:cNvSpPr/>
-            <p:nvPr/>
-          </p:nvSpPr>
-          <p:spPr>
-            <a:xfrm>
-              <a:off x="5695792" y="2869348"/>
-              <a:ext cx="144016" cy="466998"/>
-            </a:xfrm>
-            <a:custGeom>
-              <a:avLst/>
-              <a:gdLst>
-                <a:gd name="connsiteX0" fmla="*/ 0 w 144016"/>
-                <a:gd name="connsiteY0" fmla="*/ 0 h 559395"/>
-                <a:gd name="connsiteX1" fmla="*/ 1140 w 144016"/>
-                <a:gd name="connsiteY1" fmla="*/ 0 h 559395"/>
-                <a:gd name="connsiteX2" fmla="*/ 144016 w 144016"/>
-                <a:gd name="connsiteY2" fmla="*/ 166127 h 559395"/>
-                <a:gd name="connsiteX3" fmla="*/ 144016 w 144016"/>
-                <a:gd name="connsiteY3" fmla="*/ 559395 h 559395"/>
-                <a:gd name="connsiteX4" fmla="*/ 0 w 144016"/>
-                <a:gd name="connsiteY4" fmla="*/ 559395 h 559395"/>
-              </a:gdLst>
-              <a:ahLst/>
-              <a:cxnLst>
-                <a:cxn ang="0">
-                  <a:pos x="connsiteX0" y="connsiteY0"/>
-                </a:cxn>
-                <a:cxn ang="0">
-                  <a:pos x="connsiteX1" y="connsiteY1"/>
-                </a:cxn>
-                <a:cxn ang="0">
-                  <a:pos x="connsiteX2" y="connsiteY2"/>
-                </a:cxn>
-                <a:cxn ang="0">
-                  <a:pos x="connsiteX3" y="connsiteY3"/>
-                </a:cxn>
-                <a:cxn ang="0">
-                  <a:pos x="connsiteX4" y="connsiteY4"/>
-                </a:cxn>
-              </a:cxnLst>
-              <a:rect l="l" t="t" r="r" b="b"/>
-              <a:pathLst>
-                <a:path w="144016" h="559395">
-                  <a:moveTo>
-                    <a:pt x="0" y="0"/>
-                  </a:moveTo>
-                  <a:lnTo>
-                    <a:pt x="1140" y="0"/>
-                  </a:lnTo>
-                  <a:lnTo>
-                    <a:pt x="144016" y="166127"/>
-                  </a:lnTo>
-                  <a:lnTo>
-                    <a:pt x="144016" y="559395"/>
-                  </a:lnTo>
-                  <a:lnTo>
-                    <a:pt x="0" y="559395"/>
-                  </a:lnTo>
-                  <a:close/>
-                </a:path>
-              </a:pathLst>
-            </a:custGeom>
-            <a:solidFill>
-              <a:schemeClr val="bg1"/>
-            </a:solidFill>
-            <a:ln>
-              <a:noFill/>
-            </a:ln>
-          </p:spPr>
-          <p:style>
-            <a:lnRef idx="2">
-              <a:schemeClr val="accent1">
-                <a:shade val="50000"/>
-              </a:schemeClr>
-            </a:lnRef>
-            <a:fillRef idx="1">
-              <a:schemeClr val="accent1"/>
-            </a:fillRef>
-            <a:effectRef idx="0">
-              <a:schemeClr val="accent1"/>
-            </a:effectRef>
-            <a:fontRef idx="minor">
-              <a:schemeClr val="lt1"/>
-            </a:fontRef>
-          </p:style>
-          <p:txBody>
-            <a:bodyPr rtlCol="0" anchor="ctr"/>
-            <a:lstStyle/>
-            <a:p>
-              <a:pPr algn="ctr"/>
-              <a:endParaRPr lang="pt-BR"/>
-            </a:p>
-          </p:txBody>
-        </p:sp>
-        <p:sp>
-          <p:nvSpPr>
-            <p:cNvPr id="71" name="Retângulo 70"/>
-            <p:cNvSpPr/>
-            <p:nvPr/>
-          </p:nvSpPr>
-          <p:spPr>
-            <a:xfrm>
-              <a:off x="5436100" y="3142094"/>
-              <a:ext cx="648064" cy="202099"/>
-            </a:xfrm>
-            <a:prstGeom prst="rect">
-              <a:avLst/>
-            </a:prstGeom>
-            <a:solidFill>
-              <a:srgbClr val="C0C0C0"/>
-            </a:solidFill>
-            <a:ln>
-              <a:noFill/>
-            </a:ln>
-          </p:spPr>
-          <p:style>
-            <a:lnRef idx="2">
-              <a:schemeClr val="accent1">
-                <a:shade val="50000"/>
-              </a:schemeClr>
-            </a:lnRef>
-            <a:fillRef idx="1">
-              <a:schemeClr val="accent1"/>
-            </a:fillRef>
-            <a:effectRef idx="0">
-              <a:schemeClr val="accent1"/>
-            </a:effectRef>
-            <a:fontRef idx="minor">
-              <a:schemeClr val="lt1"/>
-            </a:fontRef>
-          </p:style>
-          <p:txBody>
-            <a:bodyPr rtlCol="0" anchor="ctr"/>
-            <a:lstStyle/>
-            <a:p>
-              <a:pPr algn="ctr"/>
-              <a:endParaRPr lang="pt-BR"/>
-            </a:p>
-          </p:txBody>
-        </p:sp>
-        <p:sp>
-          <p:nvSpPr>
-            <p:cNvPr id="72" name="Fluxograma: Terminação 71"/>
-            <p:cNvSpPr/>
-            <p:nvPr/>
-          </p:nvSpPr>
-          <p:spPr>
-            <a:xfrm>
-              <a:off x="5310600" y="3336161"/>
-              <a:ext cx="914400" cy="45719"/>
-            </a:xfrm>
-            <a:prstGeom prst="flowChartTerminator">
-              <a:avLst/>
-            </a:prstGeom>
-            <a:solidFill>
-              <a:srgbClr val="F5F0EA"/>
-            </a:solidFill>
-            <a:ln>
-              <a:noFill/>
-            </a:ln>
-          </p:spPr>
-          <p:style>
-            <a:lnRef idx="2">
-              <a:schemeClr val="accent1">
-                <a:shade val="50000"/>
-              </a:schemeClr>
-            </a:lnRef>
-            <a:fillRef idx="1">
-              <a:schemeClr val="accent1"/>
-            </a:fillRef>
-            <a:effectRef idx="0">
-              <a:schemeClr val="accent1"/>
-            </a:effectRef>
-            <a:fontRef idx="minor">
-              <a:schemeClr val="lt1"/>
-            </a:fontRef>
-          </p:style>
-          <p:txBody>
-            <a:bodyPr rtlCol="0" anchor="ctr"/>
-            <a:lstStyle/>
-            <a:p>
-              <a:pPr algn="ctr"/>
-              <a:endParaRPr lang="pt-BR"/>
-            </a:p>
-          </p:txBody>
-        </p:sp>
+        </p:pic>
       </p:grpSp>
-      <p:sp>
-        <p:nvSpPr>
-          <p:cNvPr id="27" name="Retângulo de cantos arredondados 26"/>
-          <p:cNvSpPr/>
-          <p:nvPr/>
-        </p:nvSpPr>
-        <p:spPr>
-          <a:xfrm>
-            <a:off x="1878052" y="5800125"/>
-            <a:ext cx="2115750" cy="2115750"/>
-          </a:xfrm>
-          <a:prstGeom prst="roundRect">
-            <a:avLst/>
-          </a:prstGeom>
-          <a:solidFill>
-            <a:srgbClr val="C1E3C2"/>
-          </a:solidFill>
-          <a:ln>
-            <a:noFill/>
-          </a:ln>
-        </p:spPr>
-        <p:style>
-          <a:lnRef idx="2">
-            <a:schemeClr val="accent1">
-              <a:shade val="50000"/>
-            </a:schemeClr>
-          </a:lnRef>
-          <a:fillRef idx="1">
-            <a:schemeClr val="accent1"/>
-          </a:fillRef>
-          <a:effectRef idx="0">
-            <a:schemeClr val="accent1"/>
-          </a:effectRef>
-          <a:fontRef idx="minor">
-            <a:schemeClr val="lt1"/>
-          </a:fontRef>
-        </p:style>
-        <p:txBody>
-          <a:bodyPr rtlCol="0" anchor="ctr"/>
-          <a:lstStyle/>
-          <a:p>
-            <a:pPr algn="ctr"/>
-            <a:endParaRPr lang="pt-BR"/>
-          </a:p>
-        </p:txBody>
-      </p:sp>
-      <p:sp>
-        <p:nvSpPr>
-          <p:cNvPr id="37" name="Retângulo de cantos arredondados 36"/>
-          <p:cNvSpPr/>
-          <p:nvPr/>
-        </p:nvSpPr>
-        <p:spPr>
-          <a:xfrm>
-            <a:off x="137693" y="4525629"/>
-            <a:ext cx="585381" cy="1087137"/>
-          </a:xfrm>
-          <a:prstGeom prst="roundRect">
-            <a:avLst/>
-          </a:prstGeom>
-          <a:solidFill>
-            <a:schemeClr val="bg1">
-              <a:lumMod val="95000"/>
-            </a:schemeClr>
-          </a:solidFill>
-          <a:ln>
-            <a:noFill/>
-          </a:ln>
-        </p:spPr>
-        <p:style>
-          <a:lnRef idx="2">
-            <a:schemeClr val="accent1">
-              <a:shade val="50000"/>
-            </a:schemeClr>
-          </a:lnRef>
-          <a:fillRef idx="1">
-            <a:schemeClr val="accent1"/>
-          </a:fillRef>
-          <a:effectRef idx="0">
-            <a:schemeClr val="accent1"/>
-          </a:effectRef>
-          <a:fontRef idx="minor">
-            <a:schemeClr val="lt1"/>
-          </a:fontRef>
-        </p:style>
-        <p:txBody>
-          <a:bodyPr rtlCol="0" anchor="ctr"/>
-          <a:lstStyle/>
-          <a:p>
-            <a:pPr algn="ctr"/>
-            <a:endParaRPr lang="pt-BR"/>
-          </a:p>
-        </p:txBody>
-      </p:sp>
-      <p:sp>
-        <p:nvSpPr>
-          <p:cNvPr id="38" name="Elipse 37"/>
-          <p:cNvSpPr/>
-          <p:nvPr/>
-        </p:nvSpPr>
-        <p:spPr>
-          <a:xfrm>
-            <a:off x="4355976" y="726292"/>
-            <a:ext cx="585381" cy="547078"/>
-          </a:xfrm>
-          <a:prstGeom prst="ellipse">
-            <a:avLst/>
-          </a:prstGeom>
-          <a:solidFill>
-            <a:srgbClr val="87C7D9"/>
-          </a:solidFill>
-          <a:ln>
-            <a:noFill/>
-          </a:ln>
-        </p:spPr>
-        <p:style>
-          <a:lnRef idx="2">
-            <a:schemeClr val="accent1">
-              <a:shade val="50000"/>
-            </a:schemeClr>
-          </a:lnRef>
-          <a:fillRef idx="1">
-            <a:schemeClr val="accent1"/>
-          </a:fillRef>
-          <a:effectRef idx="0">
-            <a:schemeClr val="accent1"/>
-          </a:effectRef>
-          <a:fontRef idx="minor">
-            <a:schemeClr val="lt1"/>
-          </a:fontRef>
-        </p:style>
-        <p:txBody>
-          <a:bodyPr rtlCol="0" anchor="ctr"/>
-          <a:lstStyle/>
-          <a:p>
-            <a:pPr algn="ctr"/>
-            <a:endParaRPr lang="pt-BR"/>
-          </a:p>
-        </p:txBody>
-      </p:sp>
-      <p:sp>
-        <p:nvSpPr>
-          <p:cNvPr id="39" name="Elipse 38"/>
-          <p:cNvSpPr/>
-          <p:nvPr/>
-        </p:nvSpPr>
-        <p:spPr>
-          <a:xfrm>
-            <a:off x="4355976" y="1785977"/>
-            <a:ext cx="250878" cy="353977"/>
-          </a:xfrm>
-          <a:prstGeom prst="ellipse">
-            <a:avLst/>
-          </a:prstGeom>
-          <a:solidFill>
-            <a:srgbClr val="87C7D9"/>
-          </a:solidFill>
-          <a:ln>
-            <a:noFill/>
-          </a:ln>
-        </p:spPr>
-        <p:style>
-          <a:lnRef idx="2">
-            <a:schemeClr val="accent1">
-              <a:shade val="50000"/>
-            </a:schemeClr>
-          </a:lnRef>
-          <a:fillRef idx="1">
-            <a:schemeClr val="accent1"/>
-          </a:fillRef>
-          <a:effectRef idx="0">
-            <a:schemeClr val="accent1"/>
-          </a:effectRef>
-          <a:fontRef idx="minor">
-            <a:schemeClr val="lt1"/>
-          </a:fontRef>
-        </p:style>
-        <p:txBody>
-          <a:bodyPr rtlCol="0" anchor="ctr"/>
-          <a:lstStyle/>
-          <a:p>
-            <a:pPr algn="ctr"/>
-            <a:endParaRPr lang="pt-BR"/>
-          </a:p>
-        </p:txBody>
-      </p:sp>
-      <p:sp>
-        <p:nvSpPr>
-          <p:cNvPr id="40" name="Elipse 39"/>
-          <p:cNvSpPr/>
-          <p:nvPr/>
-        </p:nvSpPr>
-        <p:spPr>
-          <a:xfrm>
-            <a:off x="4523228" y="1785977"/>
-            <a:ext cx="250878" cy="353977"/>
-          </a:xfrm>
-          <a:prstGeom prst="ellipse">
-            <a:avLst/>
-          </a:prstGeom>
-          <a:solidFill>
-            <a:srgbClr val="87C7D9"/>
-          </a:solidFill>
-          <a:ln>
-            <a:noFill/>
-          </a:ln>
-        </p:spPr>
-        <p:style>
-          <a:lnRef idx="2">
-            <a:schemeClr val="accent1">
-              <a:shade val="50000"/>
-            </a:schemeClr>
-          </a:lnRef>
-          <a:fillRef idx="1">
-            <a:schemeClr val="accent1"/>
-          </a:fillRef>
-          <a:effectRef idx="0">
-            <a:schemeClr val="accent1"/>
-          </a:effectRef>
-          <a:fontRef idx="minor">
-            <a:schemeClr val="lt1"/>
-          </a:fontRef>
-        </p:style>
-        <p:txBody>
-          <a:bodyPr rtlCol="0" anchor="ctr"/>
-          <a:lstStyle/>
-          <a:p>
-            <a:pPr algn="ctr"/>
-            <a:endParaRPr lang="pt-BR"/>
-          </a:p>
-        </p:txBody>
-      </p:sp>
-      <p:sp>
-        <p:nvSpPr>
-          <p:cNvPr id="41" name="Elipse 40"/>
-          <p:cNvSpPr/>
-          <p:nvPr/>
-        </p:nvSpPr>
-        <p:spPr>
-          <a:xfrm>
-            <a:off x="4690479" y="1785977"/>
-            <a:ext cx="250878" cy="353977"/>
-          </a:xfrm>
-          <a:prstGeom prst="ellipse">
-            <a:avLst/>
-          </a:prstGeom>
-          <a:solidFill>
-            <a:srgbClr val="87C7D9"/>
-          </a:solidFill>
-          <a:ln>
-            <a:noFill/>
-          </a:ln>
-        </p:spPr>
-        <p:style>
-          <a:lnRef idx="2">
-            <a:schemeClr val="accent1">
-              <a:shade val="50000"/>
-            </a:schemeClr>
-          </a:lnRef>
-          <a:fillRef idx="1">
-            <a:schemeClr val="accent1"/>
-          </a:fillRef>
-          <a:effectRef idx="0">
-            <a:schemeClr val="accent1"/>
-          </a:effectRef>
-          <a:fontRef idx="minor">
-            <a:schemeClr val="lt1"/>
-          </a:fontRef>
-        </p:style>
-        <p:txBody>
-          <a:bodyPr rtlCol="0" anchor="ctr"/>
-          <a:lstStyle/>
-          <a:p>
-            <a:pPr algn="ctr"/>
-            <a:endParaRPr lang="pt-BR"/>
-          </a:p>
-        </p:txBody>
-      </p:sp>
-      <p:sp>
-        <p:nvSpPr>
-          <p:cNvPr id="35" name="Retângulo 34"/>
-          <p:cNvSpPr/>
-          <p:nvPr/>
-        </p:nvSpPr>
-        <p:spPr>
-          <a:xfrm>
-            <a:off x="3310384" y="1425656"/>
-            <a:ext cx="585381" cy="418130"/>
-          </a:xfrm>
-          <a:prstGeom prst="rect">
-            <a:avLst/>
-          </a:prstGeom>
-          <a:solidFill>
-            <a:srgbClr val="47AAC5"/>
-          </a:solidFill>
-          <a:ln>
-            <a:noFill/>
-          </a:ln>
-        </p:spPr>
-        <p:style>
-          <a:lnRef idx="2">
-            <a:schemeClr val="accent1">
-              <a:shade val="50000"/>
-            </a:schemeClr>
-          </a:lnRef>
-          <a:fillRef idx="1">
-            <a:schemeClr val="accent1"/>
-          </a:fillRef>
-          <a:effectRef idx="0">
-            <a:schemeClr val="accent1"/>
-          </a:effectRef>
-          <a:fontRef idx="minor">
-            <a:schemeClr val="lt1"/>
-          </a:fontRef>
-        </p:style>
-        <p:txBody>
-          <a:bodyPr rtlCol="0" anchor="ctr"/>
-          <a:lstStyle/>
-          <a:p>
-            <a:pPr algn="ctr"/>
-            <a:endParaRPr lang="pt-BR"/>
-          </a:p>
-        </p:txBody>
-      </p:sp>
-      <p:sp>
-        <p:nvSpPr>
-          <p:cNvPr id="36" name="Elipse 35"/>
-          <p:cNvSpPr/>
-          <p:nvPr/>
-        </p:nvSpPr>
-        <p:spPr>
-          <a:xfrm>
-            <a:off x="3481837" y="1513483"/>
-            <a:ext cx="242476" cy="242476"/>
-          </a:xfrm>
-          <a:prstGeom prst="ellipse">
-            <a:avLst/>
-          </a:prstGeom>
-          <a:solidFill>
-            <a:schemeClr val="bg1"/>
-          </a:solidFill>
-          <a:ln>
-            <a:noFill/>
-          </a:ln>
-        </p:spPr>
-        <p:style>
-          <a:lnRef idx="2">
-            <a:schemeClr val="accent1">
-              <a:shade val="50000"/>
-            </a:schemeClr>
-          </a:lnRef>
-          <a:fillRef idx="1">
-            <a:schemeClr val="accent1"/>
-          </a:fillRef>
-          <a:effectRef idx="0">
-            <a:schemeClr val="accent1"/>
-          </a:effectRef>
-          <a:fontRef idx="minor">
-            <a:schemeClr val="lt1"/>
-          </a:fontRef>
-        </p:style>
-        <p:txBody>
-          <a:bodyPr rtlCol="0" anchor="ctr"/>
-          <a:lstStyle/>
-          <a:p>
-            <a:pPr algn="ctr"/>
-            <a:endParaRPr lang="pt-BR"/>
-          </a:p>
-        </p:txBody>
-      </p:sp>
-      <p:sp>
-        <p:nvSpPr>
-          <p:cNvPr id="30" name="Retângulo de cantos arredondados 29"/>
-          <p:cNvSpPr/>
-          <p:nvPr/>
-        </p:nvSpPr>
-        <p:spPr>
-          <a:xfrm>
-            <a:off x="3805906" y="1152117"/>
-            <a:ext cx="39712" cy="917120"/>
-          </a:xfrm>
-          <a:prstGeom prst="roundRect">
-            <a:avLst>
-              <a:gd name="adj" fmla="val 50000"/>
-            </a:avLst>
-          </a:prstGeom>
-          <a:solidFill>
-            <a:srgbClr val="FFFFFF">
-              <a:alpha val="38824"/>
-            </a:srgbClr>
-          </a:solidFill>
-          <a:ln>
-            <a:noFill/>
-          </a:ln>
-        </p:spPr>
-        <p:style>
-          <a:lnRef idx="2">
-            <a:schemeClr val="accent1">
-              <a:shade val="50000"/>
-            </a:schemeClr>
-          </a:lnRef>
-          <a:fillRef idx="1">
-            <a:schemeClr val="accent1"/>
-          </a:fillRef>
-          <a:effectRef idx="0">
-            <a:schemeClr val="accent1"/>
-          </a:effectRef>
-          <a:fontRef idx="minor">
-            <a:schemeClr val="lt1"/>
-          </a:fontRef>
-        </p:style>
-        <p:txBody>
-          <a:bodyPr rtlCol="0" anchor="ctr"/>
-          <a:lstStyle/>
-          <a:p>
-            <a:pPr algn="ctr"/>
-            <a:endParaRPr lang="pt-BR"/>
-          </a:p>
-        </p:txBody>
-      </p:sp>
-      <p:sp>
-        <p:nvSpPr>
-          <p:cNvPr id="31" name="Retângulo de cantos arredondados 30"/>
-          <p:cNvSpPr/>
-          <p:nvPr/>
-        </p:nvSpPr>
-        <p:spPr>
-          <a:xfrm>
-            <a:off x="3505511" y="850944"/>
-            <a:ext cx="195127" cy="27634"/>
-          </a:xfrm>
-          <a:prstGeom prst="roundRect">
-            <a:avLst>
-              <a:gd name="adj" fmla="val 50000"/>
-            </a:avLst>
-          </a:prstGeom>
-          <a:solidFill>
-            <a:srgbClr val="87C7D9"/>
-          </a:solidFill>
-          <a:ln>
-            <a:noFill/>
-          </a:ln>
-        </p:spPr>
-        <p:style>
-          <a:lnRef idx="2">
-            <a:schemeClr val="accent1">
-              <a:shade val="50000"/>
-            </a:schemeClr>
-          </a:lnRef>
-          <a:fillRef idx="1">
-            <a:schemeClr val="accent1"/>
-          </a:fillRef>
-          <a:effectRef idx="0">
-            <a:schemeClr val="accent1"/>
-          </a:effectRef>
-          <a:fontRef idx="minor">
-            <a:schemeClr val="lt1"/>
-          </a:fontRef>
-        </p:style>
-        <p:txBody>
-          <a:bodyPr rtlCol="0" anchor="ctr"/>
-          <a:lstStyle/>
-          <a:p>
-            <a:pPr algn="ctr"/>
-            <a:endParaRPr lang="pt-BR"/>
-          </a:p>
-        </p:txBody>
-      </p:sp>
-      <p:sp>
-        <p:nvSpPr>
-          <p:cNvPr id="32" name="Retângulo de cantos arredondados 31"/>
-          <p:cNvSpPr/>
-          <p:nvPr/>
-        </p:nvSpPr>
-        <p:spPr>
-          <a:xfrm>
-            <a:off x="3533386" y="785177"/>
-            <a:ext cx="139376" cy="209116"/>
-          </a:xfrm>
-          <a:prstGeom prst="roundRect">
-            <a:avLst/>
-          </a:prstGeom>
-          <a:solidFill>
-            <a:srgbClr val="87C7D9"/>
-          </a:solidFill>
-          <a:ln>
-            <a:noFill/>
-          </a:ln>
-        </p:spPr>
-        <p:style>
-          <a:lnRef idx="2">
-            <a:schemeClr val="accent1">
-              <a:shade val="50000"/>
-            </a:schemeClr>
-          </a:lnRef>
-          <a:fillRef idx="1">
-            <a:schemeClr val="accent1"/>
-          </a:fillRef>
-          <a:effectRef idx="0">
-            <a:schemeClr val="accent1"/>
-          </a:effectRef>
-          <a:fontRef idx="minor">
-            <a:schemeClr val="lt1"/>
-          </a:fontRef>
-        </p:style>
-        <p:txBody>
-          <a:bodyPr rtlCol="0" anchor="ctr"/>
-          <a:lstStyle/>
-          <a:p>
-            <a:pPr algn="ctr"/>
-            <a:endParaRPr lang="pt-BR"/>
-          </a:p>
-        </p:txBody>
-      </p:sp>
-      <p:sp>
-        <p:nvSpPr>
-          <p:cNvPr id="33" name="Arredondar Retângulo no Mesmo Canto Lateral 32"/>
-          <p:cNvSpPr/>
-          <p:nvPr/>
-        </p:nvSpPr>
-        <p:spPr>
-          <a:xfrm>
-            <a:off x="3507611" y="731223"/>
-            <a:ext cx="190926" cy="111502"/>
-          </a:xfrm>
-          <a:prstGeom prst="round2SameRect">
-            <a:avLst>
-              <a:gd name="adj1" fmla="val 26472"/>
-              <a:gd name="adj2" fmla="val 6568"/>
-            </a:avLst>
-          </a:prstGeom>
-          <a:solidFill>
-            <a:srgbClr val="4AABC6"/>
-          </a:solidFill>
-          <a:ln>
-            <a:noFill/>
-          </a:ln>
-        </p:spPr>
-        <p:style>
-          <a:lnRef idx="2">
-            <a:schemeClr val="accent1">
-              <a:shade val="50000"/>
-            </a:schemeClr>
-          </a:lnRef>
-          <a:fillRef idx="1">
-            <a:schemeClr val="accent1"/>
-          </a:fillRef>
-          <a:effectRef idx="0">
-            <a:schemeClr val="accent1"/>
-          </a:effectRef>
-          <a:fontRef idx="minor">
-            <a:schemeClr val="lt1"/>
-          </a:fontRef>
-        </p:style>
-        <p:txBody>
-          <a:bodyPr rtlCol="0" anchor="ctr"/>
-          <a:lstStyle/>
-          <a:p>
-            <a:pPr algn="ctr"/>
-            <a:endParaRPr lang="pt-BR"/>
-          </a:p>
-        </p:txBody>
-      </p:sp>
     </p:spTree>
     <p:extLst>
       <p:ext uri="{BB962C8B-B14F-4D97-AF65-F5344CB8AC3E}">
@@ -21824,36 +20397,255 @@
           </p:txBody>
         </p:sp>
       </p:grpSp>
+      <p:sp>
+        <p:nvSpPr>
+          <p:cNvPr id="84" name="Retângulo de cantos arredondados 83"/>
+          <p:cNvSpPr/>
+          <p:nvPr/>
+        </p:nvSpPr>
+        <p:spPr>
+          <a:xfrm>
+            <a:off x="5193017" y="2223534"/>
+            <a:ext cx="1998431" cy="1998431"/>
+          </a:xfrm>
+          <a:prstGeom prst="roundRect">
+            <a:avLst/>
+          </a:prstGeom>
+          <a:solidFill>
+            <a:srgbClr val="79CD4B"/>
+          </a:solidFill>
+          <a:ln>
+            <a:noFill/>
+          </a:ln>
+        </p:spPr>
+        <p:style>
+          <a:lnRef idx="2">
+            <a:schemeClr val="accent1">
+              <a:shade val="50000"/>
+            </a:schemeClr>
+          </a:lnRef>
+          <a:fillRef idx="1">
+            <a:schemeClr val="accent1"/>
+          </a:fillRef>
+          <a:effectRef idx="0">
+            <a:schemeClr val="accent1"/>
+          </a:effectRef>
+          <a:fontRef idx="minor">
+            <a:schemeClr val="lt1"/>
+          </a:fontRef>
+        </p:style>
+        <p:txBody>
+          <a:bodyPr rtlCol="0" anchor="ctr"/>
+          <a:lstStyle/>
+          <a:p>
+            <a:pPr algn="ctr"/>
+            <a:endParaRPr lang="pt-BR"/>
+          </a:p>
+        </p:txBody>
+      </p:sp>
       <p:grpSp>
         <p:nvGrpSpPr>
-          <p:cNvPr id="30" name="Grupo 29"/>
+          <p:cNvPr id="29" name="Grupo 28"/>
           <p:cNvGrpSpPr/>
           <p:nvPr/>
         </p:nvGrpSpPr>
         <p:grpSpPr>
           <a:xfrm>
-            <a:off x="5193017" y="2223534"/>
-            <a:ext cx="1998431" cy="1998431"/>
-            <a:chOff x="5292080" y="2283455"/>
-            <a:chExt cx="1998431" cy="1998431"/>
+            <a:off x="5743158" y="2262137"/>
+            <a:ext cx="898147" cy="1670661"/>
+            <a:chOff x="3241512" y="2835111"/>
+            <a:chExt cx="626959" cy="1166219"/>
           </a:xfrm>
         </p:grpSpPr>
         <p:sp>
           <p:nvSpPr>
-            <p:cNvPr id="84" name="Retângulo de cantos arredondados 83"/>
+            <p:cNvPr id="85" name="Retângulo de cantos arredondados 2"/>
             <p:cNvSpPr/>
             <p:nvPr/>
           </p:nvSpPr>
           <p:spPr>
             <a:xfrm>
-              <a:off x="5292080" y="2283455"/>
-              <a:ext cx="1998431" cy="1998431"/>
+              <a:off x="3241512" y="3277860"/>
+              <a:ext cx="626959" cy="723470"/>
             </a:xfrm>
-            <a:prstGeom prst="roundRect">
+            <a:custGeom>
               <a:avLst/>
-            </a:prstGeom>
+              <a:gdLst>
+                <a:gd name="connsiteX0" fmla="*/ 0 w 1152128"/>
+                <a:gd name="connsiteY0" fmla="*/ 180020 h 1368152"/>
+                <a:gd name="connsiteX1" fmla="*/ 180020 w 1152128"/>
+                <a:gd name="connsiteY1" fmla="*/ 0 h 1368152"/>
+                <a:gd name="connsiteX2" fmla="*/ 972108 w 1152128"/>
+                <a:gd name="connsiteY2" fmla="*/ 0 h 1368152"/>
+                <a:gd name="connsiteX3" fmla="*/ 1152128 w 1152128"/>
+                <a:gd name="connsiteY3" fmla="*/ 180020 h 1368152"/>
+                <a:gd name="connsiteX4" fmla="*/ 1152128 w 1152128"/>
+                <a:gd name="connsiteY4" fmla="*/ 1188132 h 1368152"/>
+                <a:gd name="connsiteX5" fmla="*/ 972108 w 1152128"/>
+                <a:gd name="connsiteY5" fmla="*/ 1368152 h 1368152"/>
+                <a:gd name="connsiteX6" fmla="*/ 180020 w 1152128"/>
+                <a:gd name="connsiteY6" fmla="*/ 1368152 h 1368152"/>
+                <a:gd name="connsiteX7" fmla="*/ 0 w 1152128"/>
+                <a:gd name="connsiteY7" fmla="*/ 1188132 h 1368152"/>
+                <a:gd name="connsiteX8" fmla="*/ 0 w 1152128"/>
+                <a:gd name="connsiteY8" fmla="*/ 180020 h 1368152"/>
+                <a:gd name="connsiteX0" fmla="*/ 57150 w 1152128"/>
+                <a:gd name="connsiteY0" fmla="*/ 184782 h 1368152"/>
+                <a:gd name="connsiteX1" fmla="*/ 180020 w 1152128"/>
+                <a:gd name="connsiteY1" fmla="*/ 0 h 1368152"/>
+                <a:gd name="connsiteX2" fmla="*/ 972108 w 1152128"/>
+                <a:gd name="connsiteY2" fmla="*/ 0 h 1368152"/>
+                <a:gd name="connsiteX3" fmla="*/ 1152128 w 1152128"/>
+                <a:gd name="connsiteY3" fmla="*/ 180020 h 1368152"/>
+                <a:gd name="connsiteX4" fmla="*/ 1152128 w 1152128"/>
+                <a:gd name="connsiteY4" fmla="*/ 1188132 h 1368152"/>
+                <a:gd name="connsiteX5" fmla="*/ 972108 w 1152128"/>
+                <a:gd name="connsiteY5" fmla="*/ 1368152 h 1368152"/>
+                <a:gd name="connsiteX6" fmla="*/ 180020 w 1152128"/>
+                <a:gd name="connsiteY6" fmla="*/ 1368152 h 1368152"/>
+                <a:gd name="connsiteX7" fmla="*/ 0 w 1152128"/>
+                <a:gd name="connsiteY7" fmla="*/ 1188132 h 1368152"/>
+                <a:gd name="connsiteX8" fmla="*/ 57150 w 1152128"/>
+                <a:gd name="connsiteY8" fmla="*/ 184782 h 1368152"/>
+                <a:gd name="connsiteX0" fmla="*/ 57150 w 1152128"/>
+                <a:gd name="connsiteY0" fmla="*/ 184782 h 1368152"/>
+                <a:gd name="connsiteX1" fmla="*/ 180020 w 1152128"/>
+                <a:gd name="connsiteY1" fmla="*/ 0 h 1368152"/>
+                <a:gd name="connsiteX2" fmla="*/ 972108 w 1152128"/>
+                <a:gd name="connsiteY2" fmla="*/ 0 h 1368152"/>
+                <a:gd name="connsiteX3" fmla="*/ 1085453 w 1152128"/>
+                <a:gd name="connsiteY3" fmla="*/ 175257 h 1368152"/>
+                <a:gd name="connsiteX4" fmla="*/ 1152128 w 1152128"/>
+                <a:gd name="connsiteY4" fmla="*/ 1188132 h 1368152"/>
+                <a:gd name="connsiteX5" fmla="*/ 972108 w 1152128"/>
+                <a:gd name="connsiteY5" fmla="*/ 1368152 h 1368152"/>
+                <a:gd name="connsiteX6" fmla="*/ 180020 w 1152128"/>
+                <a:gd name="connsiteY6" fmla="*/ 1368152 h 1368152"/>
+                <a:gd name="connsiteX7" fmla="*/ 0 w 1152128"/>
+                <a:gd name="connsiteY7" fmla="*/ 1188132 h 1368152"/>
+                <a:gd name="connsiteX8" fmla="*/ 57150 w 1152128"/>
+                <a:gd name="connsiteY8" fmla="*/ 184782 h 1368152"/>
+                <a:gd name="connsiteX0" fmla="*/ 0 w 1152128"/>
+                <a:gd name="connsiteY0" fmla="*/ 1188132 h 1368152"/>
+                <a:gd name="connsiteX1" fmla="*/ 180020 w 1152128"/>
+                <a:gd name="connsiteY1" fmla="*/ 0 h 1368152"/>
+                <a:gd name="connsiteX2" fmla="*/ 972108 w 1152128"/>
+                <a:gd name="connsiteY2" fmla="*/ 0 h 1368152"/>
+                <a:gd name="connsiteX3" fmla="*/ 1085453 w 1152128"/>
+                <a:gd name="connsiteY3" fmla="*/ 175257 h 1368152"/>
+                <a:gd name="connsiteX4" fmla="*/ 1152128 w 1152128"/>
+                <a:gd name="connsiteY4" fmla="*/ 1188132 h 1368152"/>
+                <a:gd name="connsiteX5" fmla="*/ 972108 w 1152128"/>
+                <a:gd name="connsiteY5" fmla="*/ 1368152 h 1368152"/>
+                <a:gd name="connsiteX6" fmla="*/ 180020 w 1152128"/>
+                <a:gd name="connsiteY6" fmla="*/ 1368152 h 1368152"/>
+                <a:gd name="connsiteX7" fmla="*/ 0 w 1152128"/>
+                <a:gd name="connsiteY7" fmla="*/ 1188132 h 1368152"/>
+                <a:gd name="connsiteX0" fmla="*/ 0 w 1152128"/>
+                <a:gd name="connsiteY0" fmla="*/ 1188132 h 1368152"/>
+                <a:gd name="connsiteX1" fmla="*/ 180020 w 1152128"/>
+                <a:gd name="connsiteY1" fmla="*/ 0 h 1368152"/>
+                <a:gd name="connsiteX2" fmla="*/ 972108 w 1152128"/>
+                <a:gd name="connsiteY2" fmla="*/ 0 h 1368152"/>
+                <a:gd name="connsiteX3" fmla="*/ 1152128 w 1152128"/>
+                <a:gd name="connsiteY3" fmla="*/ 1188132 h 1368152"/>
+                <a:gd name="connsiteX4" fmla="*/ 972108 w 1152128"/>
+                <a:gd name="connsiteY4" fmla="*/ 1368152 h 1368152"/>
+                <a:gd name="connsiteX5" fmla="*/ 180020 w 1152128"/>
+                <a:gd name="connsiteY5" fmla="*/ 1368152 h 1368152"/>
+                <a:gd name="connsiteX6" fmla="*/ 0 w 1152128"/>
+                <a:gd name="connsiteY6" fmla="*/ 1188132 h 1368152"/>
+                <a:gd name="connsiteX0" fmla="*/ 0 w 1152128"/>
+                <a:gd name="connsiteY0" fmla="*/ 1223322 h 1403342"/>
+                <a:gd name="connsiteX1" fmla="*/ 194307 w 1152128"/>
+                <a:gd name="connsiteY1" fmla="*/ 0 h 1403342"/>
+                <a:gd name="connsiteX2" fmla="*/ 972108 w 1152128"/>
+                <a:gd name="connsiteY2" fmla="*/ 35190 h 1403342"/>
+                <a:gd name="connsiteX3" fmla="*/ 1152128 w 1152128"/>
+                <a:gd name="connsiteY3" fmla="*/ 1223322 h 1403342"/>
+                <a:gd name="connsiteX4" fmla="*/ 972108 w 1152128"/>
+                <a:gd name="connsiteY4" fmla="*/ 1403342 h 1403342"/>
+                <a:gd name="connsiteX5" fmla="*/ 180020 w 1152128"/>
+                <a:gd name="connsiteY5" fmla="*/ 1403342 h 1403342"/>
+                <a:gd name="connsiteX6" fmla="*/ 0 w 1152128"/>
+                <a:gd name="connsiteY6" fmla="*/ 1223322 h 1403342"/>
+                <a:gd name="connsiteX0" fmla="*/ 0 w 1152128"/>
+                <a:gd name="connsiteY0" fmla="*/ 1223322 h 1403342"/>
+                <a:gd name="connsiteX1" fmla="*/ 194307 w 1152128"/>
+                <a:gd name="connsiteY1" fmla="*/ 0 h 1403342"/>
+                <a:gd name="connsiteX2" fmla="*/ 953058 w 1152128"/>
+                <a:gd name="connsiteY2" fmla="*/ 5028 h 1403342"/>
+                <a:gd name="connsiteX3" fmla="*/ 1152128 w 1152128"/>
+                <a:gd name="connsiteY3" fmla="*/ 1223322 h 1403342"/>
+                <a:gd name="connsiteX4" fmla="*/ 972108 w 1152128"/>
+                <a:gd name="connsiteY4" fmla="*/ 1403342 h 1403342"/>
+                <a:gd name="connsiteX5" fmla="*/ 180020 w 1152128"/>
+                <a:gd name="connsiteY5" fmla="*/ 1403342 h 1403342"/>
+                <a:gd name="connsiteX6" fmla="*/ 0 w 1152128"/>
+                <a:gd name="connsiteY6" fmla="*/ 1223322 h 1403342"/>
+              </a:gdLst>
+              <a:ahLst/>
+              <a:cxnLst>
+                <a:cxn ang="0">
+                  <a:pos x="connsiteX0" y="connsiteY0"/>
+                </a:cxn>
+                <a:cxn ang="0">
+                  <a:pos x="connsiteX1" y="connsiteY1"/>
+                </a:cxn>
+                <a:cxn ang="0">
+                  <a:pos x="connsiteX2" y="connsiteY2"/>
+                </a:cxn>
+                <a:cxn ang="0">
+                  <a:pos x="connsiteX3" y="connsiteY3"/>
+                </a:cxn>
+                <a:cxn ang="0">
+                  <a:pos x="connsiteX4" y="connsiteY4"/>
+                </a:cxn>
+                <a:cxn ang="0">
+                  <a:pos x="connsiteX5" y="connsiteY5"/>
+                </a:cxn>
+                <a:cxn ang="0">
+                  <a:pos x="connsiteX6" y="connsiteY6"/>
+                </a:cxn>
+              </a:cxnLst>
+              <a:rect l="l" t="t" r="r" b="b"/>
+              <a:pathLst>
+                <a:path w="1152128" h="1403342">
+                  <a:moveTo>
+                    <a:pt x="0" y="1223322"/>
+                  </a:moveTo>
+                  <a:cubicBezTo>
+                    <a:pt x="0" y="995297"/>
+                    <a:pt x="32289" y="198022"/>
+                    <a:pt x="194307" y="0"/>
+                  </a:cubicBezTo>
+                  <a:lnTo>
+                    <a:pt x="953058" y="5028"/>
+                  </a:lnTo>
+                  <a:cubicBezTo>
+                    <a:pt x="1115076" y="203050"/>
+                    <a:pt x="1152128" y="995297"/>
+                    <a:pt x="1152128" y="1223322"/>
+                  </a:cubicBezTo>
+                  <a:cubicBezTo>
+                    <a:pt x="1152128" y="1322744"/>
+                    <a:pt x="1071530" y="1403342"/>
+                    <a:pt x="972108" y="1403342"/>
+                  </a:cubicBezTo>
+                  <a:lnTo>
+                    <a:pt x="180020" y="1403342"/>
+                  </a:lnTo>
+                  <a:cubicBezTo>
+                    <a:pt x="80598" y="1403342"/>
+                    <a:pt x="0" y="1322744"/>
+                    <a:pt x="0" y="1223322"/>
+                  </a:cubicBezTo>
+                  <a:close/>
+                </a:path>
+              </a:pathLst>
+            </a:custGeom>
             <a:solidFill>
-              <a:srgbClr val="79CD4B"/>
+              <a:srgbClr val="F5F0EA"/>
             </a:solidFill>
             <a:ln>
               <a:noFill/>
@@ -21884,845 +20676,611 @@
             </a:p>
           </p:txBody>
         </p:sp>
-        <p:grpSp>
-          <p:nvGrpSpPr>
-            <p:cNvPr id="29" name="Grupo 28"/>
-            <p:cNvGrpSpPr/>
+        <p:sp>
+          <p:nvSpPr>
+            <p:cNvPr id="86" name="Trapezoide 85"/>
+            <p:cNvSpPr/>
             <p:nvPr/>
-          </p:nvGrpSpPr>
-          <p:grpSpPr>
+          </p:nvSpPr>
+          <p:spPr>
             <a:xfrm>
-              <a:off x="5842221" y="2322058"/>
-              <a:ext cx="898147" cy="1670661"/>
-              <a:chOff x="3241512" y="2835111"/>
-              <a:chExt cx="626959" cy="1166219"/>
+              <a:off x="3306195" y="3609482"/>
+              <a:ext cx="497593" cy="313479"/>
             </a:xfrm>
-          </p:grpSpPr>
-          <p:sp>
-            <p:nvSpPr>
-              <p:cNvPr id="85" name="Retângulo de cantos arredondados 2"/>
-              <p:cNvSpPr/>
-              <p:nvPr/>
-            </p:nvSpPr>
-            <p:spPr>
-              <a:xfrm>
-                <a:off x="3241512" y="3277860"/>
-                <a:ext cx="626959" cy="723470"/>
-              </a:xfrm>
-              <a:custGeom>
-                <a:avLst/>
-                <a:gdLst>
-                  <a:gd name="connsiteX0" fmla="*/ 0 w 1152128"/>
-                  <a:gd name="connsiteY0" fmla="*/ 180020 h 1368152"/>
-                  <a:gd name="connsiteX1" fmla="*/ 180020 w 1152128"/>
-                  <a:gd name="connsiteY1" fmla="*/ 0 h 1368152"/>
-                  <a:gd name="connsiteX2" fmla="*/ 972108 w 1152128"/>
-                  <a:gd name="connsiteY2" fmla="*/ 0 h 1368152"/>
-                  <a:gd name="connsiteX3" fmla="*/ 1152128 w 1152128"/>
-                  <a:gd name="connsiteY3" fmla="*/ 180020 h 1368152"/>
-                  <a:gd name="connsiteX4" fmla="*/ 1152128 w 1152128"/>
-                  <a:gd name="connsiteY4" fmla="*/ 1188132 h 1368152"/>
-                  <a:gd name="connsiteX5" fmla="*/ 972108 w 1152128"/>
-                  <a:gd name="connsiteY5" fmla="*/ 1368152 h 1368152"/>
-                  <a:gd name="connsiteX6" fmla="*/ 180020 w 1152128"/>
-                  <a:gd name="connsiteY6" fmla="*/ 1368152 h 1368152"/>
-                  <a:gd name="connsiteX7" fmla="*/ 0 w 1152128"/>
-                  <a:gd name="connsiteY7" fmla="*/ 1188132 h 1368152"/>
-                  <a:gd name="connsiteX8" fmla="*/ 0 w 1152128"/>
-                  <a:gd name="connsiteY8" fmla="*/ 180020 h 1368152"/>
-                  <a:gd name="connsiteX0" fmla="*/ 57150 w 1152128"/>
-                  <a:gd name="connsiteY0" fmla="*/ 184782 h 1368152"/>
-                  <a:gd name="connsiteX1" fmla="*/ 180020 w 1152128"/>
-                  <a:gd name="connsiteY1" fmla="*/ 0 h 1368152"/>
-                  <a:gd name="connsiteX2" fmla="*/ 972108 w 1152128"/>
-                  <a:gd name="connsiteY2" fmla="*/ 0 h 1368152"/>
-                  <a:gd name="connsiteX3" fmla="*/ 1152128 w 1152128"/>
-                  <a:gd name="connsiteY3" fmla="*/ 180020 h 1368152"/>
-                  <a:gd name="connsiteX4" fmla="*/ 1152128 w 1152128"/>
-                  <a:gd name="connsiteY4" fmla="*/ 1188132 h 1368152"/>
-                  <a:gd name="connsiteX5" fmla="*/ 972108 w 1152128"/>
-                  <a:gd name="connsiteY5" fmla="*/ 1368152 h 1368152"/>
-                  <a:gd name="connsiteX6" fmla="*/ 180020 w 1152128"/>
-                  <a:gd name="connsiteY6" fmla="*/ 1368152 h 1368152"/>
-                  <a:gd name="connsiteX7" fmla="*/ 0 w 1152128"/>
-                  <a:gd name="connsiteY7" fmla="*/ 1188132 h 1368152"/>
-                  <a:gd name="connsiteX8" fmla="*/ 57150 w 1152128"/>
-                  <a:gd name="connsiteY8" fmla="*/ 184782 h 1368152"/>
-                  <a:gd name="connsiteX0" fmla="*/ 57150 w 1152128"/>
-                  <a:gd name="connsiteY0" fmla="*/ 184782 h 1368152"/>
-                  <a:gd name="connsiteX1" fmla="*/ 180020 w 1152128"/>
-                  <a:gd name="connsiteY1" fmla="*/ 0 h 1368152"/>
-                  <a:gd name="connsiteX2" fmla="*/ 972108 w 1152128"/>
-                  <a:gd name="connsiteY2" fmla="*/ 0 h 1368152"/>
-                  <a:gd name="connsiteX3" fmla="*/ 1085453 w 1152128"/>
-                  <a:gd name="connsiteY3" fmla="*/ 175257 h 1368152"/>
-                  <a:gd name="connsiteX4" fmla="*/ 1152128 w 1152128"/>
-                  <a:gd name="connsiteY4" fmla="*/ 1188132 h 1368152"/>
-                  <a:gd name="connsiteX5" fmla="*/ 972108 w 1152128"/>
-                  <a:gd name="connsiteY5" fmla="*/ 1368152 h 1368152"/>
-                  <a:gd name="connsiteX6" fmla="*/ 180020 w 1152128"/>
-                  <a:gd name="connsiteY6" fmla="*/ 1368152 h 1368152"/>
-                  <a:gd name="connsiteX7" fmla="*/ 0 w 1152128"/>
-                  <a:gd name="connsiteY7" fmla="*/ 1188132 h 1368152"/>
-                  <a:gd name="connsiteX8" fmla="*/ 57150 w 1152128"/>
-                  <a:gd name="connsiteY8" fmla="*/ 184782 h 1368152"/>
-                  <a:gd name="connsiteX0" fmla="*/ 0 w 1152128"/>
-                  <a:gd name="connsiteY0" fmla="*/ 1188132 h 1368152"/>
-                  <a:gd name="connsiteX1" fmla="*/ 180020 w 1152128"/>
-                  <a:gd name="connsiteY1" fmla="*/ 0 h 1368152"/>
-                  <a:gd name="connsiteX2" fmla="*/ 972108 w 1152128"/>
-                  <a:gd name="connsiteY2" fmla="*/ 0 h 1368152"/>
-                  <a:gd name="connsiteX3" fmla="*/ 1085453 w 1152128"/>
-                  <a:gd name="connsiteY3" fmla="*/ 175257 h 1368152"/>
-                  <a:gd name="connsiteX4" fmla="*/ 1152128 w 1152128"/>
-                  <a:gd name="connsiteY4" fmla="*/ 1188132 h 1368152"/>
-                  <a:gd name="connsiteX5" fmla="*/ 972108 w 1152128"/>
-                  <a:gd name="connsiteY5" fmla="*/ 1368152 h 1368152"/>
-                  <a:gd name="connsiteX6" fmla="*/ 180020 w 1152128"/>
-                  <a:gd name="connsiteY6" fmla="*/ 1368152 h 1368152"/>
-                  <a:gd name="connsiteX7" fmla="*/ 0 w 1152128"/>
-                  <a:gd name="connsiteY7" fmla="*/ 1188132 h 1368152"/>
-                  <a:gd name="connsiteX0" fmla="*/ 0 w 1152128"/>
-                  <a:gd name="connsiteY0" fmla="*/ 1188132 h 1368152"/>
-                  <a:gd name="connsiteX1" fmla="*/ 180020 w 1152128"/>
-                  <a:gd name="connsiteY1" fmla="*/ 0 h 1368152"/>
-                  <a:gd name="connsiteX2" fmla="*/ 972108 w 1152128"/>
-                  <a:gd name="connsiteY2" fmla="*/ 0 h 1368152"/>
-                  <a:gd name="connsiteX3" fmla="*/ 1152128 w 1152128"/>
-                  <a:gd name="connsiteY3" fmla="*/ 1188132 h 1368152"/>
-                  <a:gd name="connsiteX4" fmla="*/ 972108 w 1152128"/>
-                  <a:gd name="connsiteY4" fmla="*/ 1368152 h 1368152"/>
-                  <a:gd name="connsiteX5" fmla="*/ 180020 w 1152128"/>
-                  <a:gd name="connsiteY5" fmla="*/ 1368152 h 1368152"/>
-                  <a:gd name="connsiteX6" fmla="*/ 0 w 1152128"/>
-                  <a:gd name="connsiteY6" fmla="*/ 1188132 h 1368152"/>
-                  <a:gd name="connsiteX0" fmla="*/ 0 w 1152128"/>
-                  <a:gd name="connsiteY0" fmla="*/ 1223322 h 1403342"/>
-                  <a:gd name="connsiteX1" fmla="*/ 194307 w 1152128"/>
-                  <a:gd name="connsiteY1" fmla="*/ 0 h 1403342"/>
-                  <a:gd name="connsiteX2" fmla="*/ 972108 w 1152128"/>
-                  <a:gd name="connsiteY2" fmla="*/ 35190 h 1403342"/>
-                  <a:gd name="connsiteX3" fmla="*/ 1152128 w 1152128"/>
-                  <a:gd name="connsiteY3" fmla="*/ 1223322 h 1403342"/>
-                  <a:gd name="connsiteX4" fmla="*/ 972108 w 1152128"/>
-                  <a:gd name="connsiteY4" fmla="*/ 1403342 h 1403342"/>
-                  <a:gd name="connsiteX5" fmla="*/ 180020 w 1152128"/>
-                  <a:gd name="connsiteY5" fmla="*/ 1403342 h 1403342"/>
-                  <a:gd name="connsiteX6" fmla="*/ 0 w 1152128"/>
-                  <a:gd name="connsiteY6" fmla="*/ 1223322 h 1403342"/>
-                  <a:gd name="connsiteX0" fmla="*/ 0 w 1152128"/>
-                  <a:gd name="connsiteY0" fmla="*/ 1223322 h 1403342"/>
-                  <a:gd name="connsiteX1" fmla="*/ 194307 w 1152128"/>
-                  <a:gd name="connsiteY1" fmla="*/ 0 h 1403342"/>
-                  <a:gd name="connsiteX2" fmla="*/ 953058 w 1152128"/>
-                  <a:gd name="connsiteY2" fmla="*/ 5028 h 1403342"/>
-                  <a:gd name="connsiteX3" fmla="*/ 1152128 w 1152128"/>
-                  <a:gd name="connsiteY3" fmla="*/ 1223322 h 1403342"/>
-                  <a:gd name="connsiteX4" fmla="*/ 972108 w 1152128"/>
-                  <a:gd name="connsiteY4" fmla="*/ 1403342 h 1403342"/>
-                  <a:gd name="connsiteX5" fmla="*/ 180020 w 1152128"/>
-                  <a:gd name="connsiteY5" fmla="*/ 1403342 h 1403342"/>
-                  <a:gd name="connsiteX6" fmla="*/ 0 w 1152128"/>
-                  <a:gd name="connsiteY6" fmla="*/ 1223322 h 1403342"/>
-                </a:gdLst>
-                <a:ahLst/>
-                <a:cxnLst>
-                  <a:cxn ang="0">
-                    <a:pos x="connsiteX0" y="connsiteY0"/>
-                  </a:cxn>
-                  <a:cxn ang="0">
-                    <a:pos x="connsiteX1" y="connsiteY1"/>
-                  </a:cxn>
-                  <a:cxn ang="0">
-                    <a:pos x="connsiteX2" y="connsiteY2"/>
-                  </a:cxn>
-                  <a:cxn ang="0">
-                    <a:pos x="connsiteX3" y="connsiteY3"/>
-                  </a:cxn>
-                  <a:cxn ang="0">
-                    <a:pos x="connsiteX4" y="connsiteY4"/>
-                  </a:cxn>
-                  <a:cxn ang="0">
-                    <a:pos x="connsiteX5" y="connsiteY5"/>
-                  </a:cxn>
-                  <a:cxn ang="0">
-                    <a:pos x="connsiteX6" y="connsiteY6"/>
-                  </a:cxn>
-                </a:cxnLst>
-                <a:rect l="l" t="t" r="r" b="b"/>
-                <a:pathLst>
-                  <a:path w="1152128" h="1403342">
-                    <a:moveTo>
-                      <a:pt x="0" y="1223322"/>
-                    </a:moveTo>
-                    <a:cubicBezTo>
-                      <a:pt x="0" y="995297"/>
-                      <a:pt x="32289" y="198022"/>
-                      <a:pt x="194307" y="0"/>
-                    </a:cubicBezTo>
-                    <a:lnTo>
-                      <a:pt x="953058" y="5028"/>
-                    </a:lnTo>
-                    <a:cubicBezTo>
-                      <a:pt x="1115076" y="203050"/>
-                      <a:pt x="1152128" y="995297"/>
-                      <a:pt x="1152128" y="1223322"/>
-                    </a:cubicBezTo>
-                    <a:cubicBezTo>
-                      <a:pt x="1152128" y="1322744"/>
-                      <a:pt x="1071530" y="1403342"/>
-                      <a:pt x="972108" y="1403342"/>
-                    </a:cubicBezTo>
-                    <a:lnTo>
-                      <a:pt x="180020" y="1403342"/>
-                    </a:lnTo>
-                    <a:cubicBezTo>
-                      <a:pt x="80598" y="1403342"/>
-                      <a:pt x="0" y="1322744"/>
-                      <a:pt x="0" y="1223322"/>
-                    </a:cubicBezTo>
-                    <a:close/>
-                  </a:path>
-                </a:pathLst>
-              </a:custGeom>
-              <a:solidFill>
-                <a:srgbClr val="F5F0EA"/>
-              </a:solidFill>
-              <a:ln>
-                <a:noFill/>
-              </a:ln>
-            </p:spPr>
-            <p:style>
-              <a:lnRef idx="2">
-                <a:schemeClr val="accent1">
-                  <a:shade val="50000"/>
-                </a:schemeClr>
-              </a:lnRef>
-              <a:fillRef idx="1">
-                <a:schemeClr val="accent1"/>
-              </a:fillRef>
-              <a:effectRef idx="0">
-                <a:schemeClr val="accent1"/>
-              </a:effectRef>
-              <a:fontRef idx="minor">
-                <a:schemeClr val="lt1"/>
-              </a:fontRef>
-            </p:style>
-            <p:txBody>
-              <a:bodyPr rtlCol="0" anchor="ctr"/>
-              <a:lstStyle/>
-              <a:p>
-                <a:pPr algn="ctr"/>
-                <a:endParaRPr lang="pt-BR"/>
-              </a:p>
-            </p:txBody>
-          </p:sp>
-          <p:sp>
-            <p:nvSpPr>
-              <p:cNvPr id="86" name="Trapezoide 85"/>
-              <p:cNvSpPr/>
-              <p:nvPr/>
-            </p:nvSpPr>
-            <p:spPr>
-              <a:xfrm>
-                <a:off x="3306195" y="3609482"/>
-                <a:ext cx="497593" cy="313479"/>
-              </a:xfrm>
-              <a:prstGeom prst="trapezoid">
-                <a:avLst>
-                  <a:gd name="adj" fmla="val 11458"/>
-                </a:avLst>
-              </a:prstGeom>
-              <a:solidFill>
-                <a:srgbClr val="FFC000"/>
-              </a:solidFill>
-              <a:ln>
-                <a:noFill/>
-              </a:ln>
-            </p:spPr>
-            <p:style>
-              <a:lnRef idx="2">
-                <a:schemeClr val="accent1">
-                  <a:shade val="50000"/>
-                </a:schemeClr>
-              </a:lnRef>
-              <a:fillRef idx="1">
-                <a:schemeClr val="accent1"/>
-              </a:fillRef>
-              <a:effectRef idx="0">
-                <a:schemeClr val="accent1"/>
-              </a:effectRef>
-              <a:fontRef idx="minor">
-                <a:schemeClr val="lt1"/>
-              </a:fontRef>
-            </p:style>
-            <p:txBody>
-              <a:bodyPr rtlCol="0" anchor="ctr"/>
-              <a:lstStyle/>
-              <a:p>
-                <a:pPr algn="ctr"/>
-                <a:endParaRPr lang="pt-BR"/>
-              </a:p>
-            </p:txBody>
-          </p:sp>
-          <p:sp>
-            <p:nvSpPr>
-              <p:cNvPr id="87" name="Elipse 86"/>
-              <p:cNvSpPr/>
-              <p:nvPr/>
-            </p:nvSpPr>
-            <p:spPr>
-              <a:xfrm>
-                <a:off x="3594176" y="3772655"/>
-                <a:ext cx="39181" cy="39181"/>
-              </a:xfrm>
-              <a:prstGeom prst="ellipse">
-                <a:avLst/>
-              </a:prstGeom>
-              <a:solidFill>
-                <a:srgbClr val="FFC000"/>
-              </a:solidFill>
-              <a:ln>
-                <a:noFill/>
-              </a:ln>
-            </p:spPr>
-            <p:style>
-              <a:lnRef idx="2">
-                <a:schemeClr val="accent1">
-                  <a:shade val="50000"/>
-                </a:schemeClr>
-              </a:lnRef>
-              <a:fillRef idx="1">
-                <a:schemeClr val="accent1"/>
-              </a:fillRef>
-              <a:effectRef idx="0">
-                <a:schemeClr val="accent1"/>
-              </a:effectRef>
-              <a:fontRef idx="minor">
-                <a:schemeClr val="lt1"/>
-              </a:fontRef>
-            </p:style>
-            <p:txBody>
-              <a:bodyPr rtlCol="0" anchor="ctr"/>
-              <a:lstStyle/>
-              <a:p>
-                <a:pPr algn="ctr"/>
-                <a:endParaRPr lang="pt-BR"/>
-              </a:p>
-            </p:txBody>
-          </p:sp>
-          <p:sp>
-            <p:nvSpPr>
-              <p:cNvPr id="88" name="Elipse 87"/>
-              <p:cNvSpPr/>
-              <p:nvPr/>
-            </p:nvSpPr>
-            <p:spPr>
-              <a:xfrm>
-                <a:off x="3398252" y="3844591"/>
-                <a:ext cx="39181" cy="39181"/>
-              </a:xfrm>
-              <a:prstGeom prst="ellipse">
-                <a:avLst/>
-              </a:prstGeom>
-              <a:solidFill>
-                <a:srgbClr val="FFC000"/>
-              </a:solidFill>
-              <a:ln>
-                <a:noFill/>
-              </a:ln>
-            </p:spPr>
-            <p:style>
-              <a:lnRef idx="2">
-                <a:schemeClr val="accent1">
-                  <a:shade val="50000"/>
-                </a:schemeClr>
-              </a:lnRef>
-              <a:fillRef idx="1">
-                <a:schemeClr val="accent1"/>
-              </a:fillRef>
-              <a:effectRef idx="0">
-                <a:schemeClr val="accent1"/>
-              </a:effectRef>
-              <a:fontRef idx="minor">
-                <a:schemeClr val="lt1"/>
-              </a:fontRef>
-            </p:style>
-            <p:txBody>
-              <a:bodyPr rtlCol="0" anchor="ctr"/>
-              <a:lstStyle/>
-              <a:p>
-                <a:pPr algn="ctr"/>
-                <a:endParaRPr lang="pt-BR"/>
-              </a:p>
-            </p:txBody>
-          </p:sp>
-          <p:sp>
-            <p:nvSpPr>
-              <p:cNvPr id="89" name="Elipse 88"/>
-              <p:cNvSpPr/>
-              <p:nvPr/>
-            </p:nvSpPr>
-            <p:spPr>
-              <a:xfrm>
-                <a:off x="3437432" y="3589891"/>
-                <a:ext cx="39181" cy="39181"/>
-              </a:xfrm>
-              <a:prstGeom prst="ellipse">
-                <a:avLst/>
-              </a:prstGeom>
-              <a:solidFill>
-                <a:srgbClr val="FFC000"/>
-              </a:solidFill>
-              <a:ln>
-                <a:noFill/>
-              </a:ln>
-            </p:spPr>
-            <p:style>
-              <a:lnRef idx="2">
-                <a:schemeClr val="accent1">
-                  <a:shade val="50000"/>
-                </a:schemeClr>
-              </a:lnRef>
-              <a:fillRef idx="1">
-                <a:schemeClr val="accent1"/>
-              </a:fillRef>
-              <a:effectRef idx="0">
-                <a:schemeClr val="accent1"/>
-              </a:effectRef>
-              <a:fontRef idx="minor">
-                <a:schemeClr val="lt1"/>
-              </a:fontRef>
-            </p:style>
-            <p:txBody>
-              <a:bodyPr rtlCol="0" anchor="ctr"/>
-              <a:lstStyle/>
-              <a:p>
-                <a:pPr algn="ctr"/>
-                <a:endParaRPr lang="pt-BR"/>
-              </a:p>
-            </p:txBody>
-          </p:sp>
-          <p:sp>
-            <p:nvSpPr>
-              <p:cNvPr id="90" name="Elipse 89"/>
-              <p:cNvSpPr/>
-              <p:nvPr/>
-            </p:nvSpPr>
-            <p:spPr>
-              <a:xfrm>
-                <a:off x="3672546" y="3504073"/>
-                <a:ext cx="39181" cy="39181"/>
-              </a:xfrm>
-              <a:prstGeom prst="ellipse">
-                <a:avLst/>
-              </a:prstGeom>
-              <a:solidFill>
-                <a:srgbClr val="FFC000"/>
-              </a:solidFill>
-              <a:ln>
-                <a:noFill/>
-              </a:ln>
-            </p:spPr>
-            <p:style>
-              <a:lnRef idx="2">
-                <a:schemeClr val="accent1">
-                  <a:shade val="50000"/>
-                </a:schemeClr>
-              </a:lnRef>
-              <a:fillRef idx="1">
-                <a:schemeClr val="accent1"/>
-              </a:fillRef>
-              <a:effectRef idx="0">
-                <a:schemeClr val="accent1"/>
-              </a:effectRef>
-              <a:fontRef idx="minor">
-                <a:schemeClr val="lt1"/>
-              </a:fontRef>
-            </p:style>
-            <p:txBody>
-              <a:bodyPr rtlCol="0" anchor="ctr"/>
-              <a:lstStyle/>
-              <a:p>
-                <a:pPr algn="ctr"/>
-                <a:endParaRPr lang="pt-BR"/>
-              </a:p>
-            </p:txBody>
-          </p:sp>
-          <p:sp>
-            <p:nvSpPr>
-              <p:cNvPr id="91" name="Retângulo 90"/>
-              <p:cNvSpPr/>
-              <p:nvPr/>
-            </p:nvSpPr>
-            <p:spPr>
-              <a:xfrm>
-                <a:off x="3519979" y="3279778"/>
-                <a:ext cx="78370" cy="409991"/>
-              </a:xfrm>
-              <a:prstGeom prst="rect">
-                <a:avLst/>
-              </a:prstGeom>
-              <a:solidFill>
-                <a:srgbClr val="FFC000"/>
-              </a:solidFill>
-              <a:ln>
-                <a:noFill/>
-              </a:ln>
-            </p:spPr>
-            <p:style>
-              <a:lnRef idx="2">
-                <a:schemeClr val="accent1">
-                  <a:shade val="50000"/>
-                </a:schemeClr>
-              </a:lnRef>
-              <a:fillRef idx="1">
-                <a:schemeClr val="accent1"/>
-              </a:fillRef>
-              <a:effectRef idx="0">
-                <a:schemeClr val="accent1"/>
-              </a:effectRef>
-              <a:fontRef idx="minor">
-                <a:schemeClr val="lt1"/>
-              </a:fontRef>
-            </p:style>
-            <p:txBody>
-              <a:bodyPr rtlCol="0" anchor="ctr"/>
-              <a:lstStyle/>
-              <a:p>
-                <a:pPr algn="ctr"/>
-                <a:endParaRPr lang="pt-BR"/>
-              </a:p>
-            </p:txBody>
-          </p:sp>
-          <p:sp>
-            <p:nvSpPr>
-              <p:cNvPr id="92" name="Retângulo 91"/>
-              <p:cNvSpPr/>
-              <p:nvPr/>
-            </p:nvSpPr>
-            <p:spPr>
-              <a:xfrm>
-                <a:off x="3408982" y="2987904"/>
-                <a:ext cx="293854" cy="293854"/>
-              </a:xfrm>
-              <a:prstGeom prst="rect">
-                <a:avLst/>
-              </a:prstGeom>
-              <a:solidFill>
-                <a:srgbClr val="D3BBAF"/>
-              </a:solidFill>
-              <a:ln>
-                <a:noFill/>
-              </a:ln>
-            </p:spPr>
-            <p:style>
-              <a:lnRef idx="2">
-                <a:schemeClr val="accent1">
-                  <a:shade val="50000"/>
-                </a:schemeClr>
-              </a:lnRef>
-              <a:fillRef idx="1">
-                <a:schemeClr val="accent1"/>
-              </a:fillRef>
-              <a:effectRef idx="0">
-                <a:schemeClr val="accent1"/>
-              </a:effectRef>
-              <a:fontRef idx="minor">
-                <a:schemeClr val="lt1"/>
-              </a:fontRef>
-            </p:style>
-            <p:txBody>
-              <a:bodyPr rtlCol="0" anchor="ctr"/>
-              <a:lstStyle/>
-              <a:p>
-                <a:pPr algn="ctr"/>
-                <a:endParaRPr lang="pt-BR"/>
-              </a:p>
-            </p:txBody>
-          </p:sp>
-          <p:sp>
-            <p:nvSpPr>
-              <p:cNvPr id="93" name="Fluxograma: Terminação 92"/>
-              <p:cNvSpPr/>
-              <p:nvPr/>
-            </p:nvSpPr>
-            <p:spPr>
-              <a:xfrm>
-                <a:off x="3310368" y="3257122"/>
-                <a:ext cx="497593" cy="24879"/>
-              </a:xfrm>
-              <a:prstGeom prst="flowChartTerminator">
-                <a:avLst/>
-              </a:prstGeom>
-              <a:solidFill>
-                <a:srgbClr val="C0C0C0"/>
-              </a:solidFill>
-              <a:ln>
-                <a:noFill/>
-              </a:ln>
-            </p:spPr>
-            <p:style>
-              <a:lnRef idx="2">
-                <a:schemeClr val="accent1">
-                  <a:shade val="50000"/>
-                </a:schemeClr>
-              </a:lnRef>
-              <a:fillRef idx="1">
-                <a:schemeClr val="accent1"/>
-              </a:fillRef>
-              <a:effectRef idx="0">
-                <a:schemeClr val="accent1"/>
-              </a:effectRef>
-              <a:fontRef idx="minor">
-                <a:schemeClr val="lt1"/>
-              </a:fontRef>
-            </p:style>
-            <p:txBody>
-              <a:bodyPr rtlCol="0" anchor="ctr"/>
-              <a:lstStyle/>
-              <a:p>
-                <a:pPr algn="ctr"/>
-                <a:endParaRPr lang="pt-BR"/>
-              </a:p>
-            </p:txBody>
-          </p:sp>
-          <p:sp>
-            <p:nvSpPr>
-              <p:cNvPr id="94" name="Fluxograma: Terminação 93"/>
-              <p:cNvSpPr/>
-              <p:nvPr/>
-            </p:nvSpPr>
-            <p:spPr>
-              <a:xfrm>
-                <a:off x="3310368" y="3184451"/>
-                <a:ext cx="497593" cy="24879"/>
-              </a:xfrm>
-              <a:prstGeom prst="flowChartTerminator">
-                <a:avLst/>
-              </a:prstGeom>
-              <a:solidFill>
-                <a:srgbClr val="F5F0EA"/>
-              </a:solidFill>
-              <a:ln>
-                <a:noFill/>
-              </a:ln>
-            </p:spPr>
-            <p:style>
-              <a:lnRef idx="2">
-                <a:schemeClr val="accent1">
-                  <a:shade val="50000"/>
-                </a:schemeClr>
-              </a:lnRef>
-              <a:fillRef idx="1">
-                <a:schemeClr val="accent1"/>
-              </a:fillRef>
-              <a:effectRef idx="0">
-                <a:schemeClr val="accent1"/>
-              </a:effectRef>
-              <a:fontRef idx="minor">
-                <a:schemeClr val="lt1"/>
-              </a:fontRef>
-            </p:style>
-            <p:txBody>
-              <a:bodyPr rtlCol="0" anchor="ctr"/>
-              <a:lstStyle/>
-              <a:p>
-                <a:pPr algn="ctr"/>
-                <a:endParaRPr lang="pt-BR"/>
-              </a:p>
-            </p:txBody>
-          </p:sp>
-          <p:sp>
-            <p:nvSpPr>
-              <p:cNvPr id="95" name="Forma livre 94"/>
-              <p:cNvSpPr/>
-              <p:nvPr/>
-            </p:nvSpPr>
-            <p:spPr>
-              <a:xfrm>
-                <a:off x="3519979" y="2835111"/>
-                <a:ext cx="78370" cy="254128"/>
-              </a:xfrm>
-              <a:custGeom>
-                <a:avLst/>
-                <a:gdLst>
-                  <a:gd name="connsiteX0" fmla="*/ 0 w 144016"/>
-                  <a:gd name="connsiteY0" fmla="*/ 0 h 559395"/>
-                  <a:gd name="connsiteX1" fmla="*/ 1140 w 144016"/>
-                  <a:gd name="connsiteY1" fmla="*/ 0 h 559395"/>
-                  <a:gd name="connsiteX2" fmla="*/ 144016 w 144016"/>
-                  <a:gd name="connsiteY2" fmla="*/ 166127 h 559395"/>
-                  <a:gd name="connsiteX3" fmla="*/ 144016 w 144016"/>
-                  <a:gd name="connsiteY3" fmla="*/ 559395 h 559395"/>
-                  <a:gd name="connsiteX4" fmla="*/ 0 w 144016"/>
-                  <a:gd name="connsiteY4" fmla="*/ 559395 h 559395"/>
-                </a:gdLst>
-                <a:ahLst/>
-                <a:cxnLst>
-                  <a:cxn ang="0">
-                    <a:pos x="connsiteX0" y="connsiteY0"/>
-                  </a:cxn>
-                  <a:cxn ang="0">
-                    <a:pos x="connsiteX1" y="connsiteY1"/>
-                  </a:cxn>
-                  <a:cxn ang="0">
-                    <a:pos x="connsiteX2" y="connsiteY2"/>
-                  </a:cxn>
-                  <a:cxn ang="0">
-                    <a:pos x="connsiteX3" y="connsiteY3"/>
-                  </a:cxn>
-                  <a:cxn ang="0">
-                    <a:pos x="connsiteX4" y="connsiteY4"/>
-                  </a:cxn>
-                </a:cxnLst>
-                <a:rect l="l" t="t" r="r" b="b"/>
-                <a:pathLst>
-                  <a:path w="144016" h="559395">
-                    <a:moveTo>
-                      <a:pt x="0" y="0"/>
-                    </a:moveTo>
-                    <a:lnTo>
-                      <a:pt x="1140" y="0"/>
-                    </a:lnTo>
-                    <a:lnTo>
-                      <a:pt x="144016" y="166127"/>
-                    </a:lnTo>
-                    <a:lnTo>
-                      <a:pt x="144016" y="559395"/>
-                    </a:lnTo>
-                    <a:lnTo>
-                      <a:pt x="0" y="559395"/>
-                    </a:lnTo>
-                    <a:close/>
-                  </a:path>
-                </a:pathLst>
-              </a:custGeom>
-              <a:solidFill>
-                <a:schemeClr val="bg1"/>
-              </a:solidFill>
-              <a:ln>
-                <a:noFill/>
-              </a:ln>
-            </p:spPr>
-            <p:style>
-              <a:lnRef idx="2">
-                <a:schemeClr val="accent1">
-                  <a:shade val="50000"/>
-                </a:schemeClr>
-              </a:lnRef>
-              <a:fillRef idx="1">
-                <a:schemeClr val="accent1"/>
-              </a:fillRef>
-              <a:effectRef idx="0">
-                <a:schemeClr val="accent1"/>
-              </a:effectRef>
-              <a:fontRef idx="minor">
-                <a:schemeClr val="lt1"/>
-              </a:fontRef>
-            </p:style>
-            <p:txBody>
-              <a:bodyPr rtlCol="0" anchor="ctr"/>
-              <a:lstStyle/>
-              <a:p>
-                <a:pPr algn="ctr"/>
-                <a:endParaRPr lang="pt-BR"/>
-              </a:p>
-            </p:txBody>
-          </p:sp>
-          <p:sp>
-            <p:nvSpPr>
-              <p:cNvPr id="96" name="Retângulo 95"/>
-              <p:cNvSpPr/>
-              <p:nvPr/>
-            </p:nvSpPr>
-            <p:spPr>
-              <a:xfrm>
-                <a:off x="3378662" y="2983533"/>
-                <a:ext cx="352660" cy="109977"/>
-              </a:xfrm>
-              <a:prstGeom prst="rect">
-                <a:avLst/>
-              </a:prstGeom>
-              <a:solidFill>
-                <a:srgbClr val="C0C0C0"/>
-              </a:solidFill>
-              <a:ln>
-                <a:noFill/>
-              </a:ln>
-            </p:spPr>
-            <p:style>
-              <a:lnRef idx="2">
-                <a:schemeClr val="accent1">
-                  <a:shade val="50000"/>
-                </a:schemeClr>
-              </a:lnRef>
-              <a:fillRef idx="1">
-                <a:schemeClr val="accent1"/>
-              </a:fillRef>
-              <a:effectRef idx="0">
-                <a:schemeClr val="accent1"/>
-              </a:effectRef>
-              <a:fontRef idx="minor">
-                <a:schemeClr val="lt1"/>
-              </a:fontRef>
-            </p:style>
-            <p:txBody>
-              <a:bodyPr rtlCol="0" anchor="ctr"/>
-              <a:lstStyle/>
-              <a:p>
-                <a:pPr algn="ctr"/>
-                <a:endParaRPr lang="pt-BR"/>
-              </a:p>
-            </p:txBody>
-          </p:sp>
-          <p:sp>
-            <p:nvSpPr>
-              <p:cNvPr id="97" name="Fluxograma: Terminação 96"/>
-              <p:cNvSpPr/>
-              <p:nvPr/>
-            </p:nvSpPr>
-            <p:spPr>
-              <a:xfrm>
-                <a:off x="3310368" y="3089139"/>
-                <a:ext cx="497593" cy="24879"/>
-              </a:xfrm>
-              <a:prstGeom prst="flowChartTerminator">
-                <a:avLst/>
-              </a:prstGeom>
-              <a:solidFill>
-                <a:srgbClr val="F5F0EA"/>
-              </a:solidFill>
-              <a:ln>
-                <a:noFill/>
-              </a:ln>
-            </p:spPr>
-            <p:style>
-              <a:lnRef idx="2">
-                <a:schemeClr val="accent1">
-                  <a:shade val="50000"/>
-                </a:schemeClr>
-              </a:lnRef>
-              <a:fillRef idx="1">
-                <a:schemeClr val="accent1"/>
-              </a:fillRef>
-              <a:effectRef idx="0">
-                <a:schemeClr val="accent1"/>
-              </a:effectRef>
-              <a:fontRef idx="minor">
-                <a:schemeClr val="lt1"/>
-              </a:fontRef>
-            </p:style>
-            <p:txBody>
-              <a:bodyPr rtlCol="0" anchor="ctr"/>
-              <a:lstStyle/>
-              <a:p>
-                <a:pPr algn="ctr"/>
-                <a:endParaRPr lang="pt-BR"/>
-              </a:p>
-            </p:txBody>
-          </p:sp>
-        </p:grpSp>
+            <a:prstGeom prst="trapezoid">
+              <a:avLst>
+                <a:gd name="adj" fmla="val 11458"/>
+              </a:avLst>
+            </a:prstGeom>
+            <a:solidFill>
+              <a:srgbClr val="FFC000"/>
+            </a:solidFill>
+            <a:ln>
+              <a:noFill/>
+            </a:ln>
+          </p:spPr>
+          <p:style>
+            <a:lnRef idx="2">
+              <a:schemeClr val="accent1">
+                <a:shade val="50000"/>
+              </a:schemeClr>
+            </a:lnRef>
+            <a:fillRef idx="1">
+              <a:schemeClr val="accent1"/>
+            </a:fillRef>
+            <a:effectRef idx="0">
+              <a:schemeClr val="accent1"/>
+            </a:effectRef>
+            <a:fontRef idx="minor">
+              <a:schemeClr val="lt1"/>
+            </a:fontRef>
+          </p:style>
+          <p:txBody>
+            <a:bodyPr rtlCol="0" anchor="ctr"/>
+            <a:lstStyle/>
+            <a:p>
+              <a:pPr algn="ctr"/>
+              <a:endParaRPr lang="pt-BR"/>
+            </a:p>
+          </p:txBody>
+        </p:sp>
+        <p:sp>
+          <p:nvSpPr>
+            <p:cNvPr id="87" name="Elipse 86"/>
+            <p:cNvSpPr/>
+            <p:nvPr/>
+          </p:nvSpPr>
+          <p:spPr>
+            <a:xfrm>
+              <a:off x="3594176" y="3772655"/>
+              <a:ext cx="39181" cy="39181"/>
+            </a:xfrm>
+            <a:prstGeom prst="ellipse">
+              <a:avLst/>
+            </a:prstGeom>
+            <a:solidFill>
+              <a:srgbClr val="FFC000"/>
+            </a:solidFill>
+            <a:ln>
+              <a:noFill/>
+            </a:ln>
+          </p:spPr>
+          <p:style>
+            <a:lnRef idx="2">
+              <a:schemeClr val="accent1">
+                <a:shade val="50000"/>
+              </a:schemeClr>
+            </a:lnRef>
+            <a:fillRef idx="1">
+              <a:schemeClr val="accent1"/>
+            </a:fillRef>
+            <a:effectRef idx="0">
+              <a:schemeClr val="accent1"/>
+            </a:effectRef>
+            <a:fontRef idx="minor">
+              <a:schemeClr val="lt1"/>
+            </a:fontRef>
+          </p:style>
+          <p:txBody>
+            <a:bodyPr rtlCol="0" anchor="ctr"/>
+            <a:lstStyle/>
+            <a:p>
+              <a:pPr algn="ctr"/>
+              <a:endParaRPr lang="pt-BR"/>
+            </a:p>
+          </p:txBody>
+        </p:sp>
+        <p:sp>
+          <p:nvSpPr>
+            <p:cNvPr id="88" name="Elipse 87"/>
+            <p:cNvSpPr/>
+            <p:nvPr/>
+          </p:nvSpPr>
+          <p:spPr>
+            <a:xfrm>
+              <a:off x="3398252" y="3844591"/>
+              <a:ext cx="39181" cy="39181"/>
+            </a:xfrm>
+            <a:prstGeom prst="ellipse">
+              <a:avLst/>
+            </a:prstGeom>
+            <a:solidFill>
+              <a:srgbClr val="FFC000"/>
+            </a:solidFill>
+            <a:ln>
+              <a:noFill/>
+            </a:ln>
+          </p:spPr>
+          <p:style>
+            <a:lnRef idx="2">
+              <a:schemeClr val="accent1">
+                <a:shade val="50000"/>
+              </a:schemeClr>
+            </a:lnRef>
+            <a:fillRef idx="1">
+              <a:schemeClr val="accent1"/>
+            </a:fillRef>
+            <a:effectRef idx="0">
+              <a:schemeClr val="accent1"/>
+            </a:effectRef>
+            <a:fontRef idx="minor">
+              <a:schemeClr val="lt1"/>
+            </a:fontRef>
+          </p:style>
+          <p:txBody>
+            <a:bodyPr rtlCol="0" anchor="ctr"/>
+            <a:lstStyle/>
+            <a:p>
+              <a:pPr algn="ctr"/>
+              <a:endParaRPr lang="pt-BR"/>
+            </a:p>
+          </p:txBody>
+        </p:sp>
+        <p:sp>
+          <p:nvSpPr>
+            <p:cNvPr id="89" name="Elipse 88"/>
+            <p:cNvSpPr/>
+            <p:nvPr/>
+          </p:nvSpPr>
+          <p:spPr>
+            <a:xfrm>
+              <a:off x="3437432" y="3589891"/>
+              <a:ext cx="39181" cy="39181"/>
+            </a:xfrm>
+            <a:prstGeom prst="ellipse">
+              <a:avLst/>
+            </a:prstGeom>
+            <a:solidFill>
+              <a:srgbClr val="FFC000"/>
+            </a:solidFill>
+            <a:ln>
+              <a:noFill/>
+            </a:ln>
+          </p:spPr>
+          <p:style>
+            <a:lnRef idx="2">
+              <a:schemeClr val="accent1">
+                <a:shade val="50000"/>
+              </a:schemeClr>
+            </a:lnRef>
+            <a:fillRef idx="1">
+              <a:schemeClr val="accent1"/>
+            </a:fillRef>
+            <a:effectRef idx="0">
+              <a:schemeClr val="accent1"/>
+            </a:effectRef>
+            <a:fontRef idx="minor">
+              <a:schemeClr val="lt1"/>
+            </a:fontRef>
+          </p:style>
+          <p:txBody>
+            <a:bodyPr rtlCol="0" anchor="ctr"/>
+            <a:lstStyle/>
+            <a:p>
+              <a:pPr algn="ctr"/>
+              <a:endParaRPr lang="pt-BR"/>
+            </a:p>
+          </p:txBody>
+        </p:sp>
+        <p:sp>
+          <p:nvSpPr>
+            <p:cNvPr id="90" name="Elipse 89"/>
+            <p:cNvSpPr/>
+            <p:nvPr/>
+          </p:nvSpPr>
+          <p:spPr>
+            <a:xfrm>
+              <a:off x="3672546" y="3504073"/>
+              <a:ext cx="39181" cy="39181"/>
+            </a:xfrm>
+            <a:prstGeom prst="ellipse">
+              <a:avLst/>
+            </a:prstGeom>
+            <a:solidFill>
+              <a:srgbClr val="FFC000"/>
+            </a:solidFill>
+            <a:ln>
+              <a:noFill/>
+            </a:ln>
+          </p:spPr>
+          <p:style>
+            <a:lnRef idx="2">
+              <a:schemeClr val="accent1">
+                <a:shade val="50000"/>
+              </a:schemeClr>
+            </a:lnRef>
+            <a:fillRef idx="1">
+              <a:schemeClr val="accent1"/>
+            </a:fillRef>
+            <a:effectRef idx="0">
+              <a:schemeClr val="accent1"/>
+            </a:effectRef>
+            <a:fontRef idx="minor">
+              <a:schemeClr val="lt1"/>
+            </a:fontRef>
+          </p:style>
+          <p:txBody>
+            <a:bodyPr rtlCol="0" anchor="ctr"/>
+            <a:lstStyle/>
+            <a:p>
+              <a:pPr algn="ctr"/>
+              <a:endParaRPr lang="pt-BR"/>
+            </a:p>
+          </p:txBody>
+        </p:sp>
+        <p:sp>
+          <p:nvSpPr>
+            <p:cNvPr id="91" name="Retângulo 90"/>
+            <p:cNvSpPr/>
+            <p:nvPr/>
+          </p:nvSpPr>
+          <p:spPr>
+            <a:xfrm>
+              <a:off x="3519979" y="3279778"/>
+              <a:ext cx="78370" cy="409991"/>
+            </a:xfrm>
+            <a:prstGeom prst="rect">
+              <a:avLst/>
+            </a:prstGeom>
+            <a:solidFill>
+              <a:srgbClr val="FFC000"/>
+            </a:solidFill>
+            <a:ln>
+              <a:noFill/>
+            </a:ln>
+          </p:spPr>
+          <p:style>
+            <a:lnRef idx="2">
+              <a:schemeClr val="accent1">
+                <a:shade val="50000"/>
+              </a:schemeClr>
+            </a:lnRef>
+            <a:fillRef idx="1">
+              <a:schemeClr val="accent1"/>
+            </a:fillRef>
+            <a:effectRef idx="0">
+              <a:schemeClr val="accent1"/>
+            </a:effectRef>
+            <a:fontRef idx="minor">
+              <a:schemeClr val="lt1"/>
+            </a:fontRef>
+          </p:style>
+          <p:txBody>
+            <a:bodyPr rtlCol="0" anchor="ctr"/>
+            <a:lstStyle/>
+            <a:p>
+              <a:pPr algn="ctr"/>
+              <a:endParaRPr lang="pt-BR"/>
+            </a:p>
+          </p:txBody>
+        </p:sp>
+        <p:sp>
+          <p:nvSpPr>
+            <p:cNvPr id="92" name="Retângulo 91"/>
+            <p:cNvSpPr/>
+            <p:nvPr/>
+          </p:nvSpPr>
+          <p:spPr>
+            <a:xfrm>
+              <a:off x="3408982" y="2987904"/>
+              <a:ext cx="293854" cy="293854"/>
+            </a:xfrm>
+            <a:prstGeom prst="rect">
+              <a:avLst/>
+            </a:prstGeom>
+            <a:solidFill>
+              <a:srgbClr val="D3BBAF"/>
+            </a:solidFill>
+            <a:ln>
+              <a:noFill/>
+            </a:ln>
+          </p:spPr>
+          <p:style>
+            <a:lnRef idx="2">
+              <a:schemeClr val="accent1">
+                <a:shade val="50000"/>
+              </a:schemeClr>
+            </a:lnRef>
+            <a:fillRef idx="1">
+              <a:schemeClr val="accent1"/>
+            </a:fillRef>
+            <a:effectRef idx="0">
+              <a:schemeClr val="accent1"/>
+            </a:effectRef>
+            <a:fontRef idx="minor">
+              <a:schemeClr val="lt1"/>
+            </a:fontRef>
+          </p:style>
+          <p:txBody>
+            <a:bodyPr rtlCol="0" anchor="ctr"/>
+            <a:lstStyle/>
+            <a:p>
+              <a:pPr algn="ctr"/>
+              <a:endParaRPr lang="pt-BR"/>
+            </a:p>
+          </p:txBody>
+        </p:sp>
+        <p:sp>
+          <p:nvSpPr>
+            <p:cNvPr id="93" name="Fluxograma: Terminação 92"/>
+            <p:cNvSpPr/>
+            <p:nvPr/>
+          </p:nvSpPr>
+          <p:spPr>
+            <a:xfrm>
+              <a:off x="3310368" y="3257122"/>
+              <a:ext cx="497593" cy="24879"/>
+            </a:xfrm>
+            <a:prstGeom prst="flowChartTerminator">
+              <a:avLst/>
+            </a:prstGeom>
+            <a:solidFill>
+              <a:srgbClr val="C0C0C0"/>
+            </a:solidFill>
+            <a:ln>
+              <a:noFill/>
+            </a:ln>
+          </p:spPr>
+          <p:style>
+            <a:lnRef idx="2">
+              <a:schemeClr val="accent1">
+                <a:shade val="50000"/>
+              </a:schemeClr>
+            </a:lnRef>
+            <a:fillRef idx="1">
+              <a:schemeClr val="accent1"/>
+            </a:fillRef>
+            <a:effectRef idx="0">
+              <a:schemeClr val="accent1"/>
+            </a:effectRef>
+            <a:fontRef idx="minor">
+              <a:schemeClr val="lt1"/>
+            </a:fontRef>
+          </p:style>
+          <p:txBody>
+            <a:bodyPr rtlCol="0" anchor="ctr"/>
+            <a:lstStyle/>
+            <a:p>
+              <a:pPr algn="ctr"/>
+              <a:endParaRPr lang="pt-BR"/>
+            </a:p>
+          </p:txBody>
+        </p:sp>
+        <p:sp>
+          <p:nvSpPr>
+            <p:cNvPr id="94" name="Fluxograma: Terminação 93"/>
+            <p:cNvSpPr/>
+            <p:nvPr/>
+          </p:nvSpPr>
+          <p:spPr>
+            <a:xfrm>
+              <a:off x="3310368" y="3184451"/>
+              <a:ext cx="497593" cy="24879"/>
+            </a:xfrm>
+            <a:prstGeom prst="flowChartTerminator">
+              <a:avLst/>
+            </a:prstGeom>
+            <a:solidFill>
+              <a:srgbClr val="F5F0EA"/>
+            </a:solidFill>
+            <a:ln>
+              <a:noFill/>
+            </a:ln>
+          </p:spPr>
+          <p:style>
+            <a:lnRef idx="2">
+              <a:schemeClr val="accent1">
+                <a:shade val="50000"/>
+              </a:schemeClr>
+            </a:lnRef>
+            <a:fillRef idx="1">
+              <a:schemeClr val="accent1"/>
+            </a:fillRef>
+            <a:effectRef idx="0">
+              <a:schemeClr val="accent1"/>
+            </a:effectRef>
+            <a:fontRef idx="minor">
+              <a:schemeClr val="lt1"/>
+            </a:fontRef>
+          </p:style>
+          <p:txBody>
+            <a:bodyPr rtlCol="0" anchor="ctr"/>
+            <a:lstStyle/>
+            <a:p>
+              <a:pPr algn="ctr"/>
+              <a:endParaRPr lang="pt-BR"/>
+            </a:p>
+          </p:txBody>
+        </p:sp>
+        <p:sp>
+          <p:nvSpPr>
+            <p:cNvPr id="95" name="Forma livre 94"/>
+            <p:cNvSpPr/>
+            <p:nvPr/>
+          </p:nvSpPr>
+          <p:spPr>
+            <a:xfrm>
+              <a:off x="3519979" y="2835111"/>
+              <a:ext cx="78370" cy="254128"/>
+            </a:xfrm>
+            <a:custGeom>
+              <a:avLst/>
+              <a:gdLst>
+                <a:gd name="connsiteX0" fmla="*/ 0 w 144016"/>
+                <a:gd name="connsiteY0" fmla="*/ 0 h 559395"/>
+                <a:gd name="connsiteX1" fmla="*/ 1140 w 144016"/>
+                <a:gd name="connsiteY1" fmla="*/ 0 h 559395"/>
+                <a:gd name="connsiteX2" fmla="*/ 144016 w 144016"/>
+                <a:gd name="connsiteY2" fmla="*/ 166127 h 559395"/>
+                <a:gd name="connsiteX3" fmla="*/ 144016 w 144016"/>
+                <a:gd name="connsiteY3" fmla="*/ 559395 h 559395"/>
+                <a:gd name="connsiteX4" fmla="*/ 0 w 144016"/>
+                <a:gd name="connsiteY4" fmla="*/ 559395 h 559395"/>
+              </a:gdLst>
+              <a:ahLst/>
+              <a:cxnLst>
+                <a:cxn ang="0">
+                  <a:pos x="connsiteX0" y="connsiteY0"/>
+                </a:cxn>
+                <a:cxn ang="0">
+                  <a:pos x="connsiteX1" y="connsiteY1"/>
+                </a:cxn>
+                <a:cxn ang="0">
+                  <a:pos x="connsiteX2" y="connsiteY2"/>
+                </a:cxn>
+                <a:cxn ang="0">
+                  <a:pos x="connsiteX3" y="connsiteY3"/>
+                </a:cxn>
+                <a:cxn ang="0">
+                  <a:pos x="connsiteX4" y="connsiteY4"/>
+                </a:cxn>
+              </a:cxnLst>
+              <a:rect l="l" t="t" r="r" b="b"/>
+              <a:pathLst>
+                <a:path w="144016" h="559395">
+                  <a:moveTo>
+                    <a:pt x="0" y="0"/>
+                  </a:moveTo>
+                  <a:lnTo>
+                    <a:pt x="1140" y="0"/>
+                  </a:lnTo>
+                  <a:lnTo>
+                    <a:pt x="144016" y="166127"/>
+                  </a:lnTo>
+                  <a:lnTo>
+                    <a:pt x="144016" y="559395"/>
+                  </a:lnTo>
+                  <a:lnTo>
+                    <a:pt x="0" y="559395"/>
+                  </a:lnTo>
+                  <a:close/>
+                </a:path>
+              </a:pathLst>
+            </a:custGeom>
+            <a:solidFill>
+              <a:schemeClr val="bg1"/>
+            </a:solidFill>
+            <a:ln>
+              <a:noFill/>
+            </a:ln>
+          </p:spPr>
+          <p:style>
+            <a:lnRef idx="2">
+              <a:schemeClr val="accent1">
+                <a:shade val="50000"/>
+              </a:schemeClr>
+            </a:lnRef>
+            <a:fillRef idx="1">
+              <a:schemeClr val="accent1"/>
+            </a:fillRef>
+            <a:effectRef idx="0">
+              <a:schemeClr val="accent1"/>
+            </a:effectRef>
+            <a:fontRef idx="minor">
+              <a:schemeClr val="lt1"/>
+            </a:fontRef>
+          </p:style>
+          <p:txBody>
+            <a:bodyPr rtlCol="0" anchor="ctr"/>
+            <a:lstStyle/>
+            <a:p>
+              <a:pPr algn="ctr"/>
+              <a:endParaRPr lang="pt-BR"/>
+            </a:p>
+          </p:txBody>
+        </p:sp>
+        <p:sp>
+          <p:nvSpPr>
+            <p:cNvPr id="96" name="Retângulo 95"/>
+            <p:cNvSpPr/>
+            <p:nvPr/>
+          </p:nvSpPr>
+          <p:spPr>
+            <a:xfrm>
+              <a:off x="3378662" y="2983533"/>
+              <a:ext cx="352660" cy="109977"/>
+            </a:xfrm>
+            <a:prstGeom prst="rect">
+              <a:avLst/>
+            </a:prstGeom>
+            <a:solidFill>
+              <a:srgbClr val="C0C0C0"/>
+            </a:solidFill>
+            <a:ln>
+              <a:noFill/>
+            </a:ln>
+          </p:spPr>
+          <p:style>
+            <a:lnRef idx="2">
+              <a:schemeClr val="accent1">
+                <a:shade val="50000"/>
+              </a:schemeClr>
+            </a:lnRef>
+            <a:fillRef idx="1">
+              <a:schemeClr val="accent1"/>
+            </a:fillRef>
+            <a:effectRef idx="0">
+              <a:schemeClr val="accent1"/>
+            </a:effectRef>
+            <a:fontRef idx="minor">
+              <a:schemeClr val="lt1"/>
+            </a:fontRef>
+          </p:style>
+          <p:txBody>
+            <a:bodyPr rtlCol="0" anchor="ctr"/>
+            <a:lstStyle/>
+            <a:p>
+              <a:pPr algn="ctr"/>
+              <a:endParaRPr lang="pt-BR"/>
+            </a:p>
+          </p:txBody>
+        </p:sp>
+        <p:sp>
+          <p:nvSpPr>
+            <p:cNvPr id="97" name="Fluxograma: Terminação 96"/>
+            <p:cNvSpPr/>
+            <p:nvPr/>
+          </p:nvSpPr>
+          <p:spPr>
+            <a:xfrm>
+              <a:off x="3310368" y="3089139"/>
+              <a:ext cx="497593" cy="24879"/>
+            </a:xfrm>
+            <a:prstGeom prst="flowChartTerminator">
+              <a:avLst/>
+            </a:prstGeom>
+            <a:solidFill>
+              <a:srgbClr val="F5F0EA"/>
+            </a:solidFill>
+            <a:ln>
+              <a:noFill/>
+            </a:ln>
+          </p:spPr>
+          <p:style>
+            <a:lnRef idx="2">
+              <a:schemeClr val="accent1">
+                <a:shade val="50000"/>
+              </a:schemeClr>
+            </a:lnRef>
+            <a:fillRef idx="1">
+              <a:schemeClr val="accent1"/>
+            </a:fillRef>
+            <a:effectRef idx="0">
+              <a:schemeClr val="accent1"/>
+            </a:effectRef>
+            <a:fontRef idx="minor">
+              <a:schemeClr val="lt1"/>
+            </a:fontRef>
+          </p:style>
+          <p:txBody>
+            <a:bodyPr rtlCol="0" anchor="ctr"/>
+            <a:lstStyle/>
+            <a:p>
+              <a:pPr algn="ctr"/>
+              <a:endParaRPr lang="pt-BR"/>
+            </a:p>
+          </p:txBody>
+        </p:sp>
       </p:grpSp>
       <p:grpSp>
         <p:nvGrpSpPr>
@@ -22937,6 +21495,426 @@
             </p:txBody>
           </p:sp>
         </p:grpSp>
+      </p:grpSp>
+      <p:grpSp>
+        <p:nvGrpSpPr>
+          <p:cNvPr id="99" name="Grupo 98"/>
+          <p:cNvGrpSpPr/>
+          <p:nvPr/>
+        </p:nvGrpSpPr>
+        <p:grpSpPr>
+          <a:xfrm>
+            <a:off x="2311847" y="4637940"/>
+            <a:ext cx="2291796" cy="2175435"/>
+            <a:chOff x="2031802" y="799040"/>
+            <a:chExt cx="4640684" cy="4405064"/>
+          </a:xfrm>
+        </p:grpSpPr>
+        <p:sp>
+          <p:nvSpPr>
+            <p:cNvPr id="100" name="Retângulo de cantos arredondados 99"/>
+            <p:cNvSpPr/>
+            <p:nvPr/>
+          </p:nvSpPr>
+          <p:spPr>
+            <a:xfrm>
+              <a:off x="2339752" y="879670"/>
+              <a:ext cx="4332734" cy="4324434"/>
+            </a:xfrm>
+            <a:prstGeom prst="roundRect">
+              <a:avLst/>
+            </a:prstGeom>
+            <a:ln>
+              <a:noFill/>
+            </a:ln>
+          </p:spPr>
+          <p:style>
+            <a:lnRef idx="2">
+              <a:schemeClr val="accent1">
+                <a:shade val="50000"/>
+              </a:schemeClr>
+            </a:lnRef>
+            <a:fillRef idx="1">
+              <a:schemeClr val="accent1"/>
+            </a:fillRef>
+            <a:effectRef idx="0">
+              <a:schemeClr val="accent1"/>
+            </a:effectRef>
+            <a:fontRef idx="minor">
+              <a:schemeClr val="lt1"/>
+            </a:fontRef>
+          </p:style>
+          <p:txBody>
+            <a:bodyPr rtlCol="0" anchor="ctr"/>
+            <a:lstStyle/>
+            <a:p>
+              <a:pPr algn="ctr"/>
+              <a:endParaRPr lang="pt-BR"/>
+            </a:p>
+          </p:txBody>
+        </p:sp>
+        <p:sp>
+          <p:nvSpPr>
+            <p:cNvPr id="101" name="Forma livre 100"/>
+            <p:cNvSpPr/>
+            <p:nvPr/>
+          </p:nvSpPr>
+          <p:spPr>
+            <a:xfrm>
+              <a:off x="3419872" y="2132856"/>
+              <a:ext cx="3252614" cy="3071248"/>
+            </a:xfrm>
+            <a:custGeom>
+              <a:avLst/>
+              <a:gdLst>
+                <a:gd name="connsiteX0" fmla="*/ 1885950 w 3252614"/>
+                <a:gd name="connsiteY0" fmla="*/ 0 h 3071248"/>
+                <a:gd name="connsiteX1" fmla="*/ 3252614 w 3252614"/>
+                <a:gd name="connsiteY1" fmla="*/ 1587094 h 3071248"/>
+                <a:gd name="connsiteX2" fmla="*/ 3252614 w 3252614"/>
+                <a:gd name="connsiteY2" fmla="*/ 2350495 h 3071248"/>
+                <a:gd name="connsiteX3" fmla="*/ 2531861 w 3252614"/>
+                <a:gd name="connsiteY3" fmla="*/ 3071248 h 3071248"/>
+                <a:gd name="connsiteX4" fmla="*/ 821354 w 3252614"/>
+                <a:gd name="connsiteY4" fmla="*/ 3071248 h 3071248"/>
+                <a:gd name="connsiteX5" fmla="*/ 0 w 3252614"/>
+                <a:gd name="connsiteY5" fmla="*/ 1708150 h 3071248"/>
+              </a:gdLst>
+              <a:ahLst/>
+              <a:cxnLst>
+                <a:cxn ang="0">
+                  <a:pos x="connsiteX0" y="connsiteY0"/>
+                </a:cxn>
+                <a:cxn ang="0">
+                  <a:pos x="connsiteX1" y="connsiteY1"/>
+                </a:cxn>
+                <a:cxn ang="0">
+                  <a:pos x="connsiteX2" y="connsiteY2"/>
+                </a:cxn>
+                <a:cxn ang="0">
+                  <a:pos x="connsiteX3" y="connsiteY3"/>
+                </a:cxn>
+                <a:cxn ang="0">
+                  <a:pos x="connsiteX4" y="connsiteY4"/>
+                </a:cxn>
+                <a:cxn ang="0">
+                  <a:pos x="connsiteX5" y="connsiteY5"/>
+                </a:cxn>
+              </a:cxnLst>
+              <a:rect l="l" t="t" r="r" b="b"/>
+              <a:pathLst>
+                <a:path w="3252614" h="3071248">
+                  <a:moveTo>
+                    <a:pt x="1885950" y="0"/>
+                  </a:moveTo>
+                  <a:lnTo>
+                    <a:pt x="3252614" y="1587094"/>
+                  </a:lnTo>
+                  <a:lnTo>
+                    <a:pt x="3252614" y="2350495"/>
+                  </a:lnTo>
+                  <a:cubicBezTo>
+                    <a:pt x="3252614" y="2748556"/>
+                    <a:pt x="2929922" y="3071248"/>
+                    <a:pt x="2531861" y="3071248"/>
+                  </a:cubicBezTo>
+                  <a:lnTo>
+                    <a:pt x="821354" y="3071248"/>
+                  </a:lnTo>
+                  <a:lnTo>
+                    <a:pt x="0" y="1708150"/>
+                  </a:lnTo>
+                  <a:close/>
+                </a:path>
+              </a:pathLst>
+            </a:custGeom>
+            <a:solidFill>
+              <a:srgbClr val="000000">
+                <a:alpha val="16078"/>
+              </a:srgbClr>
+            </a:solidFill>
+            <a:ln>
+              <a:noFill/>
+            </a:ln>
+          </p:spPr>
+          <p:style>
+            <a:lnRef idx="2">
+              <a:schemeClr val="accent1">
+                <a:shade val="50000"/>
+              </a:schemeClr>
+            </a:lnRef>
+            <a:fillRef idx="1">
+              <a:schemeClr val="accent1"/>
+            </a:fillRef>
+            <a:effectRef idx="0">
+              <a:schemeClr val="accent1"/>
+            </a:effectRef>
+            <a:fontRef idx="minor">
+              <a:schemeClr val="lt1"/>
+            </a:fontRef>
+          </p:style>
+          <p:txBody>
+            <a:bodyPr rtlCol="0" anchor="ctr"/>
+            <a:lstStyle/>
+            <a:p>
+              <a:pPr algn="ctr"/>
+              <a:endParaRPr lang="pt-BR"/>
+            </a:p>
+          </p:txBody>
+        </p:sp>
+        <p:pic>
+          <p:nvPicPr>
+            <p:cNvPr id="102" name="Imagem 101"/>
+            <p:cNvPicPr>
+              <a:picLocks noChangeAspect="1"/>
+            </p:cNvPicPr>
+            <p:nvPr/>
+          </p:nvPicPr>
+          <p:blipFill>
+            <a:blip r:embed="rId2"/>
+            <a:stretch>
+              <a:fillRect/>
+            </a:stretch>
+          </p:blipFill>
+          <p:spPr>
+            <a:xfrm>
+              <a:off x="2031802" y="799040"/>
+              <a:ext cx="4476750" cy="4392488"/>
+            </a:xfrm>
+            <a:prstGeom prst="rect">
+              <a:avLst/>
+            </a:prstGeom>
+            <a:ln>
+              <a:noFill/>
+            </a:ln>
+          </p:spPr>
+        </p:pic>
+      </p:grpSp>
+      <p:grpSp>
+        <p:nvGrpSpPr>
+          <p:cNvPr id="103" name="Grupo 102"/>
+          <p:cNvGrpSpPr/>
+          <p:nvPr/>
+        </p:nvGrpSpPr>
+        <p:grpSpPr>
+          <a:xfrm>
+            <a:off x="-108519" y="2043549"/>
+            <a:ext cx="2767774" cy="2755636"/>
+            <a:chOff x="4492981" y="2149439"/>
+            <a:chExt cx="2642719" cy="2631129"/>
+          </a:xfrm>
+        </p:grpSpPr>
+        <p:sp>
+          <p:nvSpPr>
+            <p:cNvPr id="104" name="Retângulo de cantos arredondados 103"/>
+            <p:cNvSpPr/>
+            <p:nvPr/>
+          </p:nvSpPr>
+          <p:spPr>
+            <a:xfrm>
+              <a:off x="4815126" y="2521521"/>
+              <a:ext cx="1998431" cy="1998431"/>
+            </a:xfrm>
+            <a:prstGeom prst="roundRect">
+              <a:avLst/>
+            </a:prstGeom>
+            <a:solidFill>
+              <a:srgbClr val="79CD4B"/>
+            </a:solidFill>
+            <a:ln>
+              <a:noFill/>
+            </a:ln>
+          </p:spPr>
+          <p:style>
+            <a:lnRef idx="2">
+              <a:schemeClr val="accent1">
+                <a:shade val="50000"/>
+              </a:schemeClr>
+            </a:lnRef>
+            <a:fillRef idx="1">
+              <a:schemeClr val="accent1"/>
+            </a:fillRef>
+            <a:effectRef idx="0">
+              <a:schemeClr val="accent1"/>
+            </a:effectRef>
+            <a:fontRef idx="minor">
+              <a:schemeClr val="lt1"/>
+            </a:fontRef>
+          </p:style>
+          <p:txBody>
+            <a:bodyPr rtlCol="0" anchor="ctr"/>
+            <a:lstStyle/>
+            <a:p>
+              <a:pPr algn="ctr"/>
+              <a:endParaRPr lang="pt-BR"/>
+            </a:p>
+          </p:txBody>
+        </p:sp>
+        <p:sp>
+          <p:nvSpPr>
+            <p:cNvPr id="105" name="Forma livre 104"/>
+            <p:cNvSpPr/>
+            <p:nvPr/>
+          </p:nvSpPr>
+          <p:spPr>
+            <a:xfrm>
+              <a:off x="5654041" y="3063240"/>
+              <a:ext cx="1160693" cy="1456712"/>
+            </a:xfrm>
+            <a:custGeom>
+              <a:avLst/>
+              <a:gdLst>
+                <a:gd name="connsiteX0" fmla="*/ 281940 w 1160693"/>
+                <a:gd name="connsiteY0" fmla="*/ 0 h 1456712"/>
+                <a:gd name="connsiteX1" fmla="*/ 739140 w 1160693"/>
+                <a:gd name="connsiteY1" fmla="*/ 137160 h 1456712"/>
+                <a:gd name="connsiteX2" fmla="*/ 1160693 w 1160693"/>
+                <a:gd name="connsiteY2" fmla="*/ 347937 h 1456712"/>
+                <a:gd name="connsiteX3" fmla="*/ 1160693 w 1160693"/>
+                <a:gd name="connsiteY3" fmla="*/ 1123634 h 1456712"/>
+                <a:gd name="connsiteX4" fmla="*/ 827615 w 1160693"/>
+                <a:gd name="connsiteY4" fmla="*/ 1456712 h 1456712"/>
+                <a:gd name="connsiteX5" fmla="*/ 103399 w 1160693"/>
+                <a:gd name="connsiteY5" fmla="*/ 1456712 h 1456712"/>
+                <a:gd name="connsiteX6" fmla="*/ 0 w 1160693"/>
+                <a:gd name="connsiteY6" fmla="*/ 1097280 h 1456712"/>
+                <a:gd name="connsiteX7" fmla="*/ 152400 w 1160693"/>
+                <a:gd name="connsiteY7" fmla="*/ 1043940 h 1456712"/>
+                <a:gd name="connsiteX8" fmla="*/ 129540 w 1160693"/>
+                <a:gd name="connsiteY8" fmla="*/ 701040 h 1456712"/>
+                <a:gd name="connsiteX9" fmla="*/ 167640 w 1160693"/>
+                <a:gd name="connsiteY9" fmla="*/ 251460 h 1456712"/>
+              </a:gdLst>
+              <a:ahLst/>
+              <a:cxnLst>
+                <a:cxn ang="0">
+                  <a:pos x="connsiteX0" y="connsiteY0"/>
+                </a:cxn>
+                <a:cxn ang="0">
+                  <a:pos x="connsiteX1" y="connsiteY1"/>
+                </a:cxn>
+                <a:cxn ang="0">
+                  <a:pos x="connsiteX2" y="connsiteY2"/>
+                </a:cxn>
+                <a:cxn ang="0">
+                  <a:pos x="connsiteX3" y="connsiteY3"/>
+                </a:cxn>
+                <a:cxn ang="0">
+                  <a:pos x="connsiteX4" y="connsiteY4"/>
+                </a:cxn>
+                <a:cxn ang="0">
+                  <a:pos x="connsiteX5" y="connsiteY5"/>
+                </a:cxn>
+                <a:cxn ang="0">
+                  <a:pos x="connsiteX6" y="connsiteY6"/>
+                </a:cxn>
+                <a:cxn ang="0">
+                  <a:pos x="connsiteX7" y="connsiteY7"/>
+                </a:cxn>
+                <a:cxn ang="0">
+                  <a:pos x="connsiteX8" y="connsiteY8"/>
+                </a:cxn>
+                <a:cxn ang="0">
+                  <a:pos x="connsiteX9" y="connsiteY9"/>
+                </a:cxn>
+              </a:cxnLst>
+              <a:rect l="l" t="t" r="r" b="b"/>
+              <a:pathLst>
+                <a:path w="1160693" h="1456712">
+                  <a:moveTo>
+                    <a:pt x="281940" y="0"/>
+                  </a:moveTo>
+                  <a:lnTo>
+                    <a:pt x="739140" y="137160"/>
+                  </a:lnTo>
+                  <a:lnTo>
+                    <a:pt x="1160693" y="347937"/>
+                  </a:lnTo>
+                  <a:lnTo>
+                    <a:pt x="1160693" y="1123634"/>
+                  </a:lnTo>
+                  <a:cubicBezTo>
+                    <a:pt x="1160693" y="1307588"/>
+                    <a:pt x="1011569" y="1456712"/>
+                    <a:pt x="827615" y="1456712"/>
+                  </a:cubicBezTo>
+                  <a:lnTo>
+                    <a:pt x="103399" y="1456712"/>
+                  </a:lnTo>
+                  <a:lnTo>
+                    <a:pt x="0" y="1097280"/>
+                  </a:lnTo>
+                  <a:lnTo>
+                    <a:pt x="152400" y="1043940"/>
+                  </a:lnTo>
+                  <a:lnTo>
+                    <a:pt x="129540" y="701040"/>
+                  </a:lnTo>
+                  <a:lnTo>
+                    <a:pt x="167640" y="251460"/>
+                  </a:lnTo>
+                  <a:close/>
+                </a:path>
+              </a:pathLst>
+            </a:custGeom>
+            <a:solidFill>
+              <a:srgbClr val="000000">
+                <a:alpha val="16863"/>
+              </a:srgbClr>
+            </a:solidFill>
+            <a:ln>
+              <a:noFill/>
+            </a:ln>
+          </p:spPr>
+          <p:style>
+            <a:lnRef idx="2">
+              <a:schemeClr val="accent1">
+                <a:shade val="50000"/>
+              </a:schemeClr>
+            </a:lnRef>
+            <a:fillRef idx="1">
+              <a:schemeClr val="accent1"/>
+            </a:fillRef>
+            <a:effectRef idx="0">
+              <a:schemeClr val="accent1"/>
+            </a:effectRef>
+            <a:fontRef idx="minor">
+              <a:schemeClr val="lt1"/>
+            </a:fontRef>
+          </p:style>
+          <p:txBody>
+            <a:bodyPr rtlCol="0" anchor="ctr"/>
+            <a:lstStyle/>
+            <a:p>
+              <a:pPr algn="ctr"/>
+              <a:endParaRPr lang="pt-BR"/>
+            </a:p>
+          </p:txBody>
+        </p:sp>
+        <p:pic>
+          <p:nvPicPr>
+            <p:cNvPr id="106" name="Imagem 105"/>
+            <p:cNvPicPr>
+              <a:picLocks noChangeAspect="1"/>
+            </p:cNvPicPr>
+            <p:nvPr/>
+          </p:nvPicPr>
+          <p:blipFill>
+            <a:blip r:embed="rId3"/>
+            <a:stretch>
+              <a:fillRect/>
+            </a:stretch>
+          </p:blipFill>
+          <p:spPr>
+            <a:xfrm>
+              <a:off x="4492981" y="2149439"/>
+              <a:ext cx="2642719" cy="2631129"/>
+            </a:xfrm>
+            <a:prstGeom prst="rect">
+              <a:avLst/>
+            </a:prstGeom>
+          </p:spPr>
+        </p:pic>
       </p:grpSp>
     </p:spTree>
     <p:extLst>
